--- a/Dev/7_PhysicsDomainModel/OpenModelica_Tutorials_7_PlantModel.pptx
+++ b/Dev/7_PhysicsDomainModel/OpenModelica_Tutorials_7_PlantModel.pptx
@@ -5,7 +5,7 @@
     <p:sldMasterId id="2147483648" r:id="rId1"/>
   </p:sldMasterIdLst>
   <p:notesMasterIdLst>
-    <p:notesMasterId r:id="rId36"/>
+    <p:notesMasterId r:id="rId38"/>
   </p:notesMasterIdLst>
   <p:sldIdLst>
     <p:sldId id="256" r:id="rId2"/>
@@ -23,14 +23,14 @@
     <p:sldId id="415" r:id="rId14"/>
     <p:sldId id="422" r:id="rId15"/>
     <p:sldId id="401" r:id="rId16"/>
-    <p:sldId id="425" r:id="rId17"/>
-    <p:sldId id="424" r:id="rId18"/>
-    <p:sldId id="426" r:id="rId19"/>
-    <p:sldId id="428" r:id="rId20"/>
-    <p:sldId id="423" r:id="rId21"/>
-    <p:sldId id="404" r:id="rId22"/>
-    <p:sldId id="325" r:id="rId23"/>
-    <p:sldId id="407" r:id="rId24"/>
+    <p:sldId id="424" r:id="rId17"/>
+    <p:sldId id="426" r:id="rId18"/>
+    <p:sldId id="428" r:id="rId19"/>
+    <p:sldId id="423" r:id="rId20"/>
+    <p:sldId id="404" r:id="rId21"/>
+    <p:sldId id="325" r:id="rId22"/>
+    <p:sldId id="407" r:id="rId23"/>
+    <p:sldId id="431" r:id="rId24"/>
     <p:sldId id="408" r:id="rId25"/>
     <p:sldId id="396" r:id="rId26"/>
     <p:sldId id="388" r:id="rId27"/>
@@ -42,6 +42,8 @@
     <p:sldId id="429" r:id="rId33"/>
     <p:sldId id="398" r:id="rId34"/>
     <p:sldId id="427" r:id="rId35"/>
+    <p:sldId id="430" r:id="rId36"/>
+    <p:sldId id="432" r:id="rId37"/>
   </p:sldIdLst>
   <p:sldSz cx="12192000" cy="6858000"/>
   <p:notesSz cx="6858000" cy="9144000"/>
@@ -241,7 +243,7 @@
           <a:p>
             <a:fld id="{C4670700-DA66-4BAD-8F9F-A4A758D36ABA}" type="datetimeFigureOut">
               <a:rPr kumimoji="1" lang="ja-JP" altLang="en-US" smtClean="0"/>
-              <a:t>2020/4/10</a:t>
+              <a:t>2020/4/13</a:t>
             </a:fld>
             <a:endParaRPr kumimoji="1" lang="ja-JP" altLang="en-US"/>
           </a:p>
@@ -687,7 +689,7 @@
           <a:p>
             <a:fld id="{8C7CD75D-5D39-4864-BA19-483584E59DC6}" type="datetime1">
               <a:rPr kumimoji="1" lang="ja-JP" altLang="en-US" smtClean="0"/>
-              <a:t>2020/4/10</a:t>
+              <a:t>2020/4/13</a:t>
             </a:fld>
             <a:endParaRPr kumimoji="1" lang="ja-JP" altLang="en-US"/>
           </a:p>
@@ -917,7 +919,7 @@
           <a:p>
             <a:fld id="{1C307E19-2163-42CA-82DC-48CC766E044B}" type="datetime1">
               <a:rPr kumimoji="1" lang="ja-JP" altLang="en-US" smtClean="0"/>
-              <a:t>2020/4/10</a:t>
+              <a:t>2020/4/13</a:t>
             </a:fld>
             <a:endParaRPr kumimoji="1" lang="ja-JP" altLang="en-US"/>
           </a:p>
@@ -1157,7 +1159,7 @@
           <a:p>
             <a:fld id="{0C48A713-F20E-46DB-BBA7-BA87B95082A3}" type="datetime1">
               <a:rPr kumimoji="1" lang="ja-JP" altLang="en-US" smtClean="0"/>
-              <a:t>2020/4/10</a:t>
+              <a:t>2020/4/13</a:t>
             </a:fld>
             <a:endParaRPr kumimoji="1" lang="ja-JP" altLang="en-US"/>
           </a:p>
@@ -1387,7 +1389,7 @@
           <a:p>
             <a:fld id="{FFE92058-C063-4892-89E0-629CA4ED9E07}" type="datetime1">
               <a:rPr kumimoji="1" lang="ja-JP" altLang="en-US" smtClean="0"/>
-              <a:t>2020/4/10</a:t>
+              <a:t>2020/4/13</a:t>
             </a:fld>
             <a:endParaRPr kumimoji="1" lang="ja-JP" altLang="en-US"/>
           </a:p>
@@ -1662,7 +1664,7 @@
           <a:p>
             <a:fld id="{130C667B-2598-4471-9768-C5333B4E3B3A}" type="datetime1">
               <a:rPr kumimoji="1" lang="ja-JP" altLang="en-US" smtClean="0"/>
-              <a:t>2020/4/10</a:t>
+              <a:t>2020/4/13</a:t>
             </a:fld>
             <a:endParaRPr kumimoji="1" lang="ja-JP" altLang="en-US"/>
           </a:p>
@@ -1991,7 +1993,7 @@
           <a:p>
             <a:fld id="{0FDAB949-15F5-4ABF-BB00-18FEF780E713}" type="datetime1">
               <a:rPr kumimoji="1" lang="ja-JP" altLang="en-US" smtClean="0"/>
-              <a:t>2020/4/10</a:t>
+              <a:t>2020/4/13</a:t>
             </a:fld>
             <a:endParaRPr kumimoji="1" lang="ja-JP" altLang="en-US"/>
           </a:p>
@@ -2467,7 +2469,7 @@
           <a:p>
             <a:fld id="{BFA3EF9D-1463-4821-9ADE-47DF05549453}" type="datetime1">
               <a:rPr kumimoji="1" lang="ja-JP" altLang="en-US" smtClean="0"/>
-              <a:t>2020/4/10</a:t>
+              <a:t>2020/4/13</a:t>
             </a:fld>
             <a:endParaRPr kumimoji="1" lang="ja-JP" altLang="en-US"/>
           </a:p>
@@ -2608,7 +2610,7 @@
           <a:p>
             <a:fld id="{4586F5B6-9586-4E05-85A5-BC7C32648190}" type="datetime1">
               <a:rPr kumimoji="1" lang="ja-JP" altLang="en-US" smtClean="0"/>
-              <a:t>2020/4/10</a:t>
+              <a:t>2020/4/13</a:t>
             </a:fld>
             <a:endParaRPr kumimoji="1" lang="ja-JP" altLang="en-US"/>
           </a:p>
@@ -2721,7 +2723,7 @@
           <a:p>
             <a:fld id="{76504571-7FEB-4311-BB38-1994795B53A0}" type="datetime1">
               <a:rPr kumimoji="1" lang="ja-JP" altLang="en-US" smtClean="0"/>
-              <a:t>2020/4/10</a:t>
+              <a:t>2020/4/13</a:t>
             </a:fld>
             <a:endParaRPr kumimoji="1" lang="ja-JP" altLang="en-US"/>
           </a:p>
@@ -3064,7 +3066,7 @@
           <a:p>
             <a:fld id="{F5C721FD-BC0F-4FE9-9E95-F806C64C8B82}" type="datetime1">
               <a:rPr kumimoji="1" lang="ja-JP" altLang="en-US" smtClean="0"/>
-              <a:t>2020/4/10</a:t>
+              <a:t>2020/4/13</a:t>
             </a:fld>
             <a:endParaRPr kumimoji="1" lang="ja-JP" altLang="en-US"/>
           </a:p>
@@ -3352,7 +3354,7 @@
           <a:p>
             <a:fld id="{77542B22-E5B0-40C6-9DA2-3A5D4E7B0D80}" type="datetime1">
               <a:rPr kumimoji="1" lang="ja-JP" altLang="en-US" smtClean="0"/>
-              <a:t>2020/4/10</a:t>
+              <a:t>2020/4/13</a:t>
             </a:fld>
             <a:endParaRPr kumimoji="1" lang="ja-JP" altLang="en-US"/>
           </a:p>
@@ -3625,7 +3627,7 @@
           <a:p>
             <a:fld id="{CE100500-5C7E-429C-8088-58F3D6003A7E}" type="datetime1">
               <a:rPr kumimoji="1" lang="ja-JP" altLang="en-US" smtClean="0"/>
-              <a:t>2020/4/10</a:t>
+              <a:t>2020/4/13</a:t>
             </a:fld>
             <a:endParaRPr kumimoji="1" lang="ja-JP" altLang="en-US"/>
           </a:p>
@@ -4353,7 +4355,7 @@
           </a:ln>
           <a:extLst>
             <a:ext uri="{C572A759-6A51-4108-AA02-DFA0A04FC94B}">
-              <ma14:wrappingTextBoxFlag xmlns:ma14="http://schemas.microsoft.com/office/mac/drawingml/2011/main" xmlns="" val="1"/>
+              <ma14:wrappingTextBoxFlag xmlns="" xmlns:ma14="http://schemas.microsoft.com/office/mac/drawingml/2011/main" val="1"/>
             </a:ext>
           </a:extLst>
         </p:spPr>
@@ -5585,7 +5587,7 @@
           </a:ln>
           <a:extLst>
             <a:ext uri="{C572A759-6A51-4108-AA02-DFA0A04FC94B}">
-              <ma14:wrappingTextBoxFlag xmlns:ma14="http://schemas.microsoft.com/office/mac/drawingml/2011/main" xmlns="" val="1"/>
+              <ma14:wrappingTextBoxFlag xmlns="" xmlns:ma14="http://schemas.microsoft.com/office/mac/drawingml/2011/main" val="1"/>
             </a:ext>
           </a:extLst>
         </p:spPr>
@@ -6265,7 +6267,7 @@
           </a:ln>
           <a:extLst>
             <a:ext uri="{C572A759-6A51-4108-AA02-DFA0A04FC94B}">
-              <ma14:wrappingTextBoxFlag xmlns:ma14="http://schemas.microsoft.com/office/mac/drawingml/2011/main" xmlns="" val="1"/>
+              <ma14:wrappingTextBoxFlag xmlns="" xmlns:ma14="http://schemas.microsoft.com/office/mac/drawingml/2011/main" val="1"/>
             </a:ext>
           </a:extLst>
         </p:spPr>
@@ -7424,7 +7426,15 @@
           <a:p>
             <a:r>
               <a:rPr lang="ja-JP" altLang="en-US" sz="2400" dirty="0"/>
-              <a:t>電圧や温度に対応するポテンシャルと電流や熱流量などのフラックスによって多くの物理現象を表す</a:t>
+              <a:t>電圧や温度に対応するポテンシャルと電流や熱流量など</a:t>
+            </a:r>
+            <a:r>
+              <a:rPr lang="ja-JP" altLang="en-US" sz="2400" dirty="0" smtClean="0"/>
+              <a:t>のフローに</a:t>
+            </a:r>
+            <a:r>
+              <a:rPr lang="ja-JP" altLang="en-US" sz="2400" dirty="0"/>
+              <a:t>よって多くの物理現象を表す</a:t>
             </a:r>
           </a:p>
         </p:txBody>
@@ -7775,8 +7785,8 @@
           </p:nvSpPr>
           <p:spPr>
             <a:xfrm>
-              <a:off x="3031422" y="3130932"/>
-              <a:ext cx="2618445" cy="722330"/>
+              <a:off x="3031422" y="3130933"/>
+              <a:ext cx="1474283" cy="620751"/>
             </a:xfrm>
             <a:prstGeom prst="rect">
               <a:avLst/>
@@ -7791,8 +7801,8 @@
             <a:p>
               <a:pPr algn="l"/>
               <a:r>
-                <a:rPr kumimoji="1" lang="ja-JP" altLang="en-US" dirty="0"/>
-                <a:t>フラックス</a:t>
+                <a:rPr kumimoji="1" lang="ja-JP" altLang="en-US" dirty="0" smtClean="0"/>
+                <a:t>フロー</a:t>
               </a:r>
               <a:endParaRPr kumimoji="1" lang="ja-JP" altLang="en-US" baseline="-25000" dirty="0"/>
             </a:p>
@@ -8060,7 +8070,7 @@
           </a:ln>
           <a:extLst>
             <a:ext uri="{C572A759-6A51-4108-AA02-DFA0A04FC94B}">
-              <ma14:wrappingTextBoxFlag xmlns:ma14="http://schemas.microsoft.com/office/mac/drawingml/2011/main" xmlns="" val="1"/>
+              <ma14:wrappingTextBoxFlag xmlns="" xmlns:ma14="http://schemas.microsoft.com/office/mac/drawingml/2011/main" val="1"/>
             </a:ext>
           </a:extLst>
         </p:spPr>
@@ -8604,7 +8614,7 @@
         <p:spPr>
           <a:xfrm>
             <a:off x="6396510" y="2225906"/>
-            <a:ext cx="2932213" cy="400110"/>
+            <a:ext cx="4214615" cy="400110"/>
           </a:xfrm>
           <a:prstGeom prst="rect">
             <a:avLst/>
@@ -8624,8 +8634,13 @@
             </a:r>
             <a:r>
               <a:rPr kumimoji="1" lang="ja-JP" altLang="en-US" sz="2000" dirty="0"/>
-              <a:t>　　・・・定義</a:t>
-            </a:r>
+              <a:t>　　・・</a:t>
+            </a:r>
+            <a:r>
+              <a:rPr kumimoji="1" lang="ja-JP" altLang="en-US" sz="2000" dirty="0" smtClean="0"/>
+              <a:t>・境界条件の定義</a:t>
+            </a:r>
+            <a:endParaRPr kumimoji="1" lang="ja-JP" altLang="en-US" sz="2000" dirty="0"/>
           </a:p>
         </p:txBody>
       </p:sp>
@@ -8684,7 +8699,7 @@
         <p:spPr>
           <a:xfrm>
             <a:off x="6384163" y="2885947"/>
-            <a:ext cx="3730508" cy="400110"/>
+            <a:ext cx="5004896" cy="400110"/>
           </a:xfrm>
           <a:prstGeom prst="rect">
             <a:avLst/>
@@ -8704,8 +8719,17 @@
             </a:r>
             <a:r>
               <a:rPr kumimoji="1" lang="ja-JP" altLang="en-US" sz="2000" dirty="0"/>
-              <a:t>・・・変換・貯蔵</a:t>
-            </a:r>
+              <a:t>・・</a:t>
+            </a:r>
+            <a:r>
+              <a:rPr kumimoji="1" lang="ja-JP" altLang="en-US" sz="2000" dirty="0" smtClean="0"/>
+              <a:t>・抵抗・キャパシタ </a:t>
+            </a:r>
+            <a:r>
+              <a:rPr kumimoji="1" lang="en-US" altLang="ja-JP" sz="2000" dirty="0" smtClean="0"/>
+              <a:t>etc.</a:t>
+            </a:r>
+            <a:endParaRPr kumimoji="1" lang="ja-JP" altLang="en-US" sz="2000" dirty="0"/>
           </a:p>
         </p:txBody>
       </p:sp>
@@ -8804,7 +8828,7 @@
         <p:spPr>
           <a:xfrm>
             <a:off x="6174087" y="2064305"/>
-            <a:ext cx="4915210" cy="1334762"/>
+            <a:ext cx="5312474" cy="1334762"/>
           </a:xfrm>
           <a:prstGeom prst="rect">
             <a:avLst/>
@@ -8960,7 +8984,7 @@
         <p:spPr>
           <a:xfrm>
             <a:off x="5860818" y="1724319"/>
-            <a:ext cx="4288353" cy="369332"/>
+            <a:ext cx="3826689" cy="369332"/>
           </a:xfrm>
           <a:prstGeom prst="rect">
             <a:avLst/>
@@ -8975,12 +8999,12 @@
           <a:p>
             <a:pPr algn="l"/>
             <a:r>
-              <a:rPr kumimoji="1" lang="ja-JP" altLang="en-US" dirty="0">
+              <a:rPr kumimoji="1" lang="ja-JP" altLang="en-US" dirty="0" smtClean="0">
                 <a:solidFill>
                   <a:srgbClr val="FF0000"/>
                 </a:solidFill>
               </a:rPr>
-              <a:t>物理的なモデル</a:t>
+              <a:t>物理モデル</a:t>
             </a:r>
             <a:r>
               <a:rPr lang="en-US" altLang="ja-JP" dirty="0">
@@ -9381,7 +9405,7 @@
         <p:spPr>
           <a:xfrm>
             <a:off x="179666" y="87415"/>
-            <a:ext cx="2885405" cy="579646"/>
+            <a:ext cx="3585918" cy="579646"/>
           </a:xfrm>
           <a:prstGeom prst="rect">
             <a:avLst/>
@@ -9391,7 +9415,7 @@
           </a:ln>
           <a:extLst>
             <a:ext uri="{C572A759-6A51-4108-AA02-DFA0A04FC94B}">
-              <ma14:wrappingTextBoxFlag xmlns:ma14="http://schemas.microsoft.com/office/mac/drawingml/2011/main" xmlns="" val="1"/>
+              <ma14:wrappingTextBoxFlag xmlns="" xmlns:ma14="http://schemas.microsoft.com/office/mac/drawingml/2011/main" val="1"/>
             </a:ext>
           </a:extLst>
         </p:spPr>
@@ -9410,8 +9434,8 @@
               </a:defRPr>
             </a:pPr>
             <a:r>
-              <a:rPr lang="ja-JP" altLang="en-US" dirty="0"/>
-              <a:t>物理的なモデル</a:t>
+              <a:rPr lang="ja-JP" altLang="en-US" dirty="0" smtClean="0"/>
+              <a:t>典型的な物理モデル</a:t>
             </a:r>
             <a:endParaRPr lang="en-US" altLang="ja-JP" dirty="0"/>
           </a:p>
@@ -9461,7 +9485,7 @@
         <p:spPr>
           <a:xfrm>
             <a:off x="794932" y="2037501"/>
-            <a:ext cx="4494853" cy="461665"/>
+            <a:ext cx="4851724" cy="461665"/>
           </a:xfrm>
           <a:prstGeom prst="rect">
             <a:avLst/>
@@ -9475,8 +9499,12 @@
           <a:lstStyle/>
           <a:p>
             <a:r>
+              <a:rPr lang="ja-JP" altLang="en-US" sz="2400" dirty="0" smtClean="0"/>
+              <a:t>ソース・</a:t>
+            </a:r>
+            <a:r>
               <a:rPr lang="ja-JP" altLang="en-US" sz="2400" dirty="0"/>
-              <a:t>定義・・・境界条件を定義する</a:t>
+              <a:t>・・境界条件を定義する</a:t>
             </a:r>
             <a:endParaRPr lang="en-US" altLang="ja-JP" sz="2400" dirty="0"/>
           </a:p>
@@ -9497,7 +9525,7 @@
         <p:spPr>
           <a:xfrm>
             <a:off x="794932" y="3613759"/>
-            <a:ext cx="4185761" cy="461665"/>
+            <a:ext cx="5109091" cy="461665"/>
           </a:xfrm>
           <a:prstGeom prst="rect">
             <a:avLst/>
@@ -9511,8 +9539,12 @@
           <a:lstStyle/>
           <a:p>
             <a:r>
+              <a:rPr lang="ja-JP" altLang="en-US" sz="2400" dirty="0" smtClean="0"/>
+              <a:t>キャパシタ・</a:t>
+            </a:r>
+            <a:r>
               <a:rPr lang="ja-JP" altLang="en-US" sz="2400" dirty="0"/>
-              <a:t>貯蔵・・・物理量をため込む</a:t>
+              <a:t>・・物理量をため込む</a:t>
             </a:r>
           </a:p>
         </p:txBody>
@@ -9547,8 +9579,12 @@
           <a:p>
             <a:pPr algn="l"/>
             <a:r>
+              <a:rPr kumimoji="1" lang="ja-JP" altLang="en-US" sz="2400" dirty="0" smtClean="0"/>
+              <a:t>抵抗・</a:t>
+            </a:r>
+            <a:r>
               <a:rPr kumimoji="1" lang="ja-JP" altLang="en-US" sz="2400" dirty="0"/>
-              <a:t>変換・・・物理量を変化させる</a:t>
+              <a:t>・・物理量を変化させる</a:t>
             </a:r>
             <a:endParaRPr kumimoji="1" lang="en-US" altLang="ja-JP" sz="2400" dirty="0"/>
           </a:p>
@@ -10160,7 +10196,7 @@
         <p:spPr>
           <a:xfrm>
             <a:off x="794932" y="779071"/>
-            <a:ext cx="10558867" cy="830997"/>
+            <a:ext cx="11111122" cy="830997"/>
           </a:xfrm>
           <a:prstGeom prst="rect">
             <a:avLst/>
@@ -10175,7 +10211,11 @@
           <a:p>
             <a:r>
               <a:rPr lang="ja-JP" altLang="en-US" sz="2400" dirty="0"/>
-              <a:t>様々な物理ドメインに共通する挙動を以下のようにグループ化して考えると便利かもしれません</a:t>
+              <a:t>様々な物理ドメインに共通する挙動を以下のように</a:t>
+            </a:r>
+            <a:r>
+              <a:rPr lang="ja-JP" altLang="en-US" sz="2400" dirty="0" smtClean="0"/>
+              <a:t>グループ化して把握するとどのライブラリも似たような考え方で使いこなすことが出来ます。</a:t>
             </a:r>
             <a:endParaRPr lang="en-US" altLang="ja-JP" sz="2400" dirty="0"/>
           </a:p>
@@ -10209,16 +10249,20 @@
           <a:lstStyle/>
           <a:p>
             <a:r>
-              <a:rPr lang="ja-JP" altLang="en-US" dirty="0"/>
-              <a:t>境界条件、ソース</a:t>
+              <a:rPr lang="ja-JP" altLang="en-US" dirty="0" smtClean="0"/>
+              <a:t>ソース</a:t>
             </a:r>
             <a:r>
               <a:rPr lang="en-US" altLang="ja-JP" dirty="0"/>
               <a:t>/</a:t>
             </a:r>
             <a:r>
+              <a:rPr lang="ja-JP" altLang="en-US" dirty="0" smtClean="0"/>
+              <a:t>シンクなどと</a:t>
+            </a:r>
+            <a:r>
               <a:rPr lang="ja-JP" altLang="en-US" dirty="0"/>
-              <a:t>シンクと呼ばれています</a:t>
+              <a:t>呼ばれています</a:t>
             </a:r>
           </a:p>
         </p:txBody>
@@ -10275,7 +10319,7 @@
         <p:spPr>
           <a:xfrm>
             <a:off x="179666" y="87415"/>
-            <a:ext cx="2885405" cy="579646"/>
+            <a:ext cx="7029168" cy="579646"/>
           </a:xfrm>
           <a:prstGeom prst="rect">
             <a:avLst/>
@@ -10285,7 +10329,7 @@
           </a:ln>
           <a:extLst>
             <a:ext uri="{C572A759-6A51-4108-AA02-DFA0A04FC94B}">
-              <ma14:wrappingTextBoxFlag xmlns:ma14="http://schemas.microsoft.com/office/mac/drawingml/2011/main" xmlns="" val="1"/>
+              <ma14:wrappingTextBoxFlag xmlns="" xmlns:ma14="http://schemas.microsoft.com/office/mac/drawingml/2011/main" val="1"/>
             </a:ext>
           </a:extLst>
         </p:spPr>
@@ -10304,8 +10348,8 @@
               </a:defRPr>
             </a:pPr>
             <a:r>
-              <a:rPr lang="ja-JP" altLang="en-US" dirty="0"/>
-              <a:t>物理的なモデル</a:t>
+              <a:rPr lang="ja-JP" altLang="en-US" dirty="0" smtClean="0"/>
+              <a:t>物理現象を表現するために必要な物理量</a:t>
             </a:r>
             <a:endParaRPr lang="en-US" altLang="ja-JP" dirty="0"/>
           </a:p>
@@ -10340,12 +10384,459 @@
           </a:p>
         </p:txBody>
       </p:sp>
+      <p:sp>
+        <p:nvSpPr>
+          <p:cNvPr id="8" name="テキスト ボックス 7">
+            <a:extLst>
+              <a:ext uri="{FF2B5EF4-FFF2-40B4-BE49-F238E27FC236}">
+                <a16:creationId xmlns:a16="http://schemas.microsoft.com/office/drawing/2014/main" id="{A4DFF5D2-0928-44A9-9DCD-D4E857D846A0}"/>
+              </a:ext>
+            </a:extLst>
+          </p:cNvPr>
+          <p:cNvSpPr txBox="1"/>
+          <p:nvPr/>
+        </p:nvSpPr>
+        <p:spPr>
+          <a:xfrm>
+            <a:off x="794932" y="779071"/>
+            <a:ext cx="10558867" cy="830997"/>
+          </a:xfrm>
+          <a:prstGeom prst="rect">
+            <a:avLst/>
+          </a:prstGeom>
+          <a:noFill/>
+        </p:spPr>
+        <p:txBody>
+          <a:bodyPr wrap="square" rtlCol="0">
+            <a:spAutoFit/>
+          </a:bodyPr>
+          <a:lstStyle/>
+          <a:p>
+            <a:r>
+              <a:rPr lang="ja-JP" altLang="en-US" sz="2400" dirty="0" smtClean="0"/>
+              <a:t>多くの物理ドメインは</a:t>
+            </a:r>
+            <a:r>
+              <a:rPr lang="en-US" altLang="ja-JP" sz="2400" dirty="0" smtClean="0"/>
+              <a:t>2</a:t>
+            </a:r>
+            <a:r>
+              <a:rPr lang="ja-JP" altLang="en-US" sz="2400" dirty="0" smtClean="0"/>
+              <a:t>種類の物理量によって系のふるまいを表現することができます。</a:t>
+            </a:r>
+            <a:r>
+              <a:rPr lang="en-US" altLang="ja-JP" sz="2400" dirty="0" smtClean="0"/>
+              <a:t>(</a:t>
+            </a:r>
+            <a:r>
+              <a:rPr lang="ja-JP" altLang="en-US" sz="2400" dirty="0" smtClean="0"/>
+              <a:t>熱流体は例外です</a:t>
+            </a:r>
+            <a:r>
+              <a:rPr lang="en-US" altLang="ja-JP" sz="2400" dirty="0" smtClean="0"/>
+              <a:t>)</a:t>
+            </a:r>
+            <a:endParaRPr lang="en-US" altLang="ja-JP" sz="2400" dirty="0" smtClean="0"/>
+          </a:p>
+        </p:txBody>
+      </p:sp>
+      <p:sp>
+        <p:nvSpPr>
+          <p:cNvPr id="2" name="テキスト ボックス 1">
+            <a:extLst>
+              <a:ext uri="{FF2B5EF4-FFF2-40B4-BE49-F238E27FC236}">
+                <a16:creationId xmlns:a16="http://schemas.microsoft.com/office/drawing/2014/main" id="{70076AB8-E1F1-4B82-8F35-1E2E7CF57982}"/>
+              </a:ext>
+            </a:extLst>
+          </p:cNvPr>
+          <p:cNvSpPr txBox="1"/>
+          <p:nvPr/>
+        </p:nvSpPr>
+        <p:spPr>
+          <a:xfrm>
+            <a:off x="303549" y="2967335"/>
+            <a:ext cx="1723549" cy="461665"/>
+          </a:xfrm>
+          <a:prstGeom prst="rect">
+            <a:avLst/>
+          </a:prstGeom>
+          <a:noFill/>
+        </p:spPr>
+        <p:txBody>
+          <a:bodyPr wrap="none" rtlCol="0">
+            <a:spAutoFit/>
+          </a:bodyPr>
+          <a:lstStyle/>
+          <a:p>
+            <a:pPr algn="l"/>
+            <a:r>
+              <a:rPr kumimoji="1" lang="ja-JP" altLang="en-US" sz="2400" dirty="0"/>
+              <a:t>電気なら、</a:t>
+            </a:r>
+          </a:p>
+        </p:txBody>
+      </p:sp>
+      <p:sp>
+        <p:nvSpPr>
+          <p:cNvPr id="6" name="左中かっこ 5">
+            <a:extLst>
+              <a:ext uri="{FF2B5EF4-FFF2-40B4-BE49-F238E27FC236}">
+                <a16:creationId xmlns:a16="http://schemas.microsoft.com/office/drawing/2014/main" id="{234112CC-CFBC-49DA-900B-A101EEC00CC6}"/>
+              </a:ext>
+            </a:extLst>
+          </p:cNvPr>
+          <p:cNvSpPr/>
+          <p:nvPr/>
+        </p:nvSpPr>
+        <p:spPr>
+          <a:xfrm>
+            <a:off x="1956523" y="2797429"/>
+            <a:ext cx="289432" cy="801476"/>
+          </a:xfrm>
+          <a:prstGeom prst="leftBrace">
+            <a:avLst/>
+          </a:prstGeom>
+          <a:ln w="28575">
+            <a:solidFill>
+              <a:schemeClr val="tx1"/>
+            </a:solidFill>
+            <a:headEnd type="none" w="med" len="med"/>
+            <a:tailEnd type="none" w="med" len="med"/>
+          </a:ln>
+        </p:spPr>
+        <p:style>
+          <a:lnRef idx="1">
+            <a:schemeClr val="accent1"/>
+          </a:lnRef>
+          <a:fillRef idx="0">
+            <a:schemeClr val="accent1"/>
+          </a:fillRef>
+          <a:effectRef idx="0">
+            <a:schemeClr val="accent1"/>
+          </a:effectRef>
+          <a:fontRef idx="minor">
+            <a:schemeClr val="tx1"/>
+          </a:fontRef>
+        </p:style>
+        <p:txBody>
+          <a:bodyPr rtlCol="0" anchor="ctr"/>
+          <a:lstStyle/>
+          <a:p>
+            <a:pPr algn="ctr"/>
+            <a:endParaRPr kumimoji="1" lang="ja-JP" altLang="en-US"/>
+          </a:p>
+        </p:txBody>
+      </p:sp>
+      <p:sp>
+        <p:nvSpPr>
+          <p:cNvPr id="7" name="テキスト ボックス 6">
+            <a:extLst>
+              <a:ext uri="{FF2B5EF4-FFF2-40B4-BE49-F238E27FC236}">
+                <a16:creationId xmlns:a16="http://schemas.microsoft.com/office/drawing/2014/main" id="{88DE38B8-9B06-423F-B388-7EA7B63DCEAE}"/>
+              </a:ext>
+            </a:extLst>
+          </p:cNvPr>
+          <p:cNvSpPr txBox="1"/>
+          <p:nvPr/>
+        </p:nvSpPr>
+        <p:spPr>
+          <a:xfrm>
+            <a:off x="2372492" y="2693775"/>
+            <a:ext cx="800219" cy="461665"/>
+          </a:xfrm>
+          <a:prstGeom prst="rect">
+            <a:avLst/>
+          </a:prstGeom>
+          <a:noFill/>
+        </p:spPr>
+        <p:txBody>
+          <a:bodyPr wrap="none" rtlCol="0">
+            <a:spAutoFit/>
+          </a:bodyPr>
+          <a:lstStyle/>
+          <a:p>
+            <a:pPr algn="l"/>
+            <a:r>
+              <a:rPr kumimoji="1" lang="ja-JP" altLang="en-US" sz="2400" dirty="0"/>
+              <a:t>電圧</a:t>
+            </a:r>
+          </a:p>
+        </p:txBody>
+      </p:sp>
+      <p:sp>
+        <p:nvSpPr>
+          <p:cNvPr id="32" name="テキスト ボックス 31">
+            <a:extLst>
+              <a:ext uri="{FF2B5EF4-FFF2-40B4-BE49-F238E27FC236}">
+                <a16:creationId xmlns:a16="http://schemas.microsoft.com/office/drawing/2014/main" id="{60EA826D-8E77-4452-998E-DD9D8BF4A6A5}"/>
+              </a:ext>
+            </a:extLst>
+          </p:cNvPr>
+          <p:cNvSpPr txBox="1"/>
+          <p:nvPr/>
+        </p:nvSpPr>
+        <p:spPr>
+          <a:xfrm>
+            <a:off x="2372492" y="3288092"/>
+            <a:ext cx="800219" cy="461665"/>
+          </a:xfrm>
+          <a:prstGeom prst="rect">
+            <a:avLst/>
+          </a:prstGeom>
+          <a:noFill/>
+        </p:spPr>
+        <p:txBody>
+          <a:bodyPr wrap="none" rtlCol="0">
+            <a:spAutoFit/>
+          </a:bodyPr>
+          <a:lstStyle/>
+          <a:p>
+            <a:pPr algn="l"/>
+            <a:r>
+              <a:rPr kumimoji="1" lang="ja-JP" altLang="en-US" sz="2400" dirty="0" smtClean="0"/>
+              <a:t>電流</a:t>
+            </a:r>
+            <a:endParaRPr kumimoji="1" lang="ja-JP" altLang="en-US" sz="2400" dirty="0"/>
+          </a:p>
+        </p:txBody>
+      </p:sp>
+      <p:sp>
+        <p:nvSpPr>
+          <p:cNvPr id="9" name="テキスト ボックス 8">
+            <a:extLst>
+              <a:ext uri="{FF2B5EF4-FFF2-40B4-BE49-F238E27FC236}">
+                <a16:creationId xmlns:a16="http://schemas.microsoft.com/office/drawing/2014/main" id="{89C3A152-4CBC-402A-9F44-A9867EAF2838}"/>
+              </a:ext>
+            </a:extLst>
+          </p:cNvPr>
+          <p:cNvSpPr txBox="1"/>
+          <p:nvPr/>
+        </p:nvSpPr>
+        <p:spPr>
+          <a:xfrm>
+            <a:off x="3333351" y="2967335"/>
+            <a:ext cx="2339102" cy="461665"/>
+          </a:xfrm>
+          <a:prstGeom prst="rect">
+            <a:avLst/>
+          </a:prstGeom>
+          <a:noFill/>
+        </p:spPr>
+        <p:txBody>
+          <a:bodyPr wrap="none" rtlCol="0">
+            <a:spAutoFit/>
+          </a:bodyPr>
+          <a:lstStyle/>
+          <a:p>
+            <a:pPr algn="l"/>
+            <a:r>
+              <a:rPr kumimoji="1" lang="ja-JP" altLang="en-US" sz="2400" dirty="0"/>
+              <a:t>を定めれば良い</a:t>
+            </a:r>
+          </a:p>
+        </p:txBody>
+      </p:sp>
+      <p:sp>
+        <p:nvSpPr>
+          <p:cNvPr id="33" name="テキスト ボックス 32">
+            <a:extLst>
+              <a:ext uri="{FF2B5EF4-FFF2-40B4-BE49-F238E27FC236}">
+                <a16:creationId xmlns:a16="http://schemas.microsoft.com/office/drawing/2014/main" id="{48F4536B-D254-428C-AC94-C20742FB0DE8}"/>
+              </a:ext>
+            </a:extLst>
+          </p:cNvPr>
+          <p:cNvSpPr txBox="1"/>
+          <p:nvPr/>
+        </p:nvSpPr>
+        <p:spPr>
+          <a:xfrm>
+            <a:off x="307665" y="4689046"/>
+            <a:ext cx="1415772" cy="461665"/>
+          </a:xfrm>
+          <a:prstGeom prst="rect">
+            <a:avLst/>
+          </a:prstGeom>
+          <a:noFill/>
+        </p:spPr>
+        <p:txBody>
+          <a:bodyPr wrap="none" rtlCol="0">
+            <a:spAutoFit/>
+          </a:bodyPr>
+          <a:lstStyle/>
+          <a:p>
+            <a:pPr algn="l"/>
+            <a:r>
+              <a:rPr kumimoji="1" lang="ja-JP" altLang="en-US" sz="2400" dirty="0"/>
+              <a:t>熱なら、</a:t>
+            </a:r>
+          </a:p>
+        </p:txBody>
+      </p:sp>
+      <p:sp>
+        <p:nvSpPr>
+          <p:cNvPr id="34" name="左中かっこ 33">
+            <a:extLst>
+              <a:ext uri="{FF2B5EF4-FFF2-40B4-BE49-F238E27FC236}">
+                <a16:creationId xmlns:a16="http://schemas.microsoft.com/office/drawing/2014/main" id="{7D54EFB8-3B04-4A38-BC45-19F0A8CB639F}"/>
+              </a:ext>
+            </a:extLst>
+          </p:cNvPr>
+          <p:cNvSpPr/>
+          <p:nvPr/>
+        </p:nvSpPr>
+        <p:spPr>
+          <a:xfrm>
+            <a:off x="1960639" y="4519140"/>
+            <a:ext cx="289432" cy="801476"/>
+          </a:xfrm>
+          <a:prstGeom prst="leftBrace">
+            <a:avLst/>
+          </a:prstGeom>
+          <a:ln w="28575">
+            <a:solidFill>
+              <a:schemeClr val="tx1"/>
+            </a:solidFill>
+            <a:headEnd type="none" w="med" len="med"/>
+            <a:tailEnd type="none" w="med" len="med"/>
+          </a:ln>
+        </p:spPr>
+        <p:style>
+          <a:lnRef idx="1">
+            <a:schemeClr val="accent1"/>
+          </a:lnRef>
+          <a:fillRef idx="0">
+            <a:schemeClr val="accent1"/>
+          </a:fillRef>
+          <a:effectRef idx="0">
+            <a:schemeClr val="accent1"/>
+          </a:effectRef>
+          <a:fontRef idx="minor">
+            <a:schemeClr val="tx1"/>
+          </a:fontRef>
+        </p:style>
+        <p:txBody>
+          <a:bodyPr rtlCol="0" anchor="ctr"/>
+          <a:lstStyle/>
+          <a:p>
+            <a:pPr algn="ctr"/>
+            <a:endParaRPr kumimoji="1" lang="ja-JP" altLang="en-US"/>
+          </a:p>
+        </p:txBody>
+      </p:sp>
+      <p:sp>
+        <p:nvSpPr>
+          <p:cNvPr id="46" name="テキスト ボックス 45">
+            <a:extLst>
+              <a:ext uri="{FF2B5EF4-FFF2-40B4-BE49-F238E27FC236}">
+                <a16:creationId xmlns:a16="http://schemas.microsoft.com/office/drawing/2014/main" id="{7027D7F3-EC04-4C49-86C5-F50B5A5A4993}"/>
+              </a:ext>
+            </a:extLst>
+          </p:cNvPr>
+          <p:cNvSpPr txBox="1"/>
+          <p:nvPr/>
+        </p:nvSpPr>
+        <p:spPr>
+          <a:xfrm>
+            <a:off x="2376608" y="4415486"/>
+            <a:ext cx="800219" cy="461665"/>
+          </a:xfrm>
+          <a:prstGeom prst="rect">
+            <a:avLst/>
+          </a:prstGeom>
+          <a:noFill/>
+        </p:spPr>
+        <p:txBody>
+          <a:bodyPr wrap="none" rtlCol="0">
+            <a:spAutoFit/>
+          </a:bodyPr>
+          <a:lstStyle/>
+          <a:p>
+            <a:pPr algn="l"/>
+            <a:r>
+              <a:rPr kumimoji="1" lang="ja-JP" altLang="en-US" sz="2400" dirty="0"/>
+              <a:t>温度</a:t>
+            </a:r>
+          </a:p>
+        </p:txBody>
+      </p:sp>
+      <p:sp>
+        <p:nvSpPr>
+          <p:cNvPr id="50" name="テキスト ボックス 49">
+            <a:extLst>
+              <a:ext uri="{FF2B5EF4-FFF2-40B4-BE49-F238E27FC236}">
+                <a16:creationId xmlns:a16="http://schemas.microsoft.com/office/drawing/2014/main" id="{C5C5BFF5-281C-4F8D-AF3A-82B8AC10BD1F}"/>
+              </a:ext>
+            </a:extLst>
+          </p:cNvPr>
+          <p:cNvSpPr txBox="1"/>
+          <p:nvPr/>
+        </p:nvSpPr>
+        <p:spPr>
+          <a:xfrm>
+            <a:off x="2376608" y="5009803"/>
+            <a:ext cx="1107996" cy="461665"/>
+          </a:xfrm>
+          <a:prstGeom prst="rect">
+            <a:avLst/>
+          </a:prstGeom>
+          <a:noFill/>
+        </p:spPr>
+        <p:txBody>
+          <a:bodyPr wrap="none" rtlCol="0">
+            <a:spAutoFit/>
+          </a:bodyPr>
+          <a:lstStyle/>
+          <a:p>
+            <a:pPr algn="l"/>
+            <a:r>
+              <a:rPr kumimoji="1" lang="ja-JP" altLang="en-US" sz="2400" dirty="0"/>
+              <a:t>熱流量</a:t>
+            </a:r>
+          </a:p>
+        </p:txBody>
+      </p:sp>
+      <p:sp>
+        <p:nvSpPr>
+          <p:cNvPr id="51" name="テキスト ボックス 50">
+            <a:extLst>
+              <a:ext uri="{FF2B5EF4-FFF2-40B4-BE49-F238E27FC236}">
+                <a16:creationId xmlns:a16="http://schemas.microsoft.com/office/drawing/2014/main" id="{B4F1C48E-1D44-445A-A99F-8444BF8CCCAE}"/>
+              </a:ext>
+            </a:extLst>
+          </p:cNvPr>
+          <p:cNvSpPr txBox="1"/>
+          <p:nvPr/>
+        </p:nvSpPr>
+        <p:spPr>
+          <a:xfrm>
+            <a:off x="3337467" y="4689046"/>
+            <a:ext cx="2339102" cy="461665"/>
+          </a:xfrm>
+          <a:prstGeom prst="rect">
+            <a:avLst/>
+          </a:prstGeom>
+          <a:noFill/>
+        </p:spPr>
+        <p:txBody>
+          <a:bodyPr wrap="none" rtlCol="0">
+            <a:spAutoFit/>
+          </a:bodyPr>
+          <a:lstStyle/>
+          <a:p>
+            <a:pPr algn="l"/>
+            <a:r>
+              <a:rPr kumimoji="1" lang="ja-JP" altLang="en-US" sz="2400" dirty="0"/>
+              <a:t>を定めれば良い</a:t>
+            </a:r>
+          </a:p>
+        </p:txBody>
+      </p:sp>
       <p:pic>
         <p:nvPicPr>
-          <p:cNvPr id="28" name="図 27">
-            <a:extLst>
-              <a:ext uri="{FF2B5EF4-FFF2-40B4-BE49-F238E27FC236}">
-                <a16:creationId xmlns:a16="http://schemas.microsoft.com/office/drawing/2014/main" id="{994841A0-66A7-4C8D-9EEC-422555CB9EA3}"/>
+          <p:cNvPr id="10" name="図 9">
+            <a:extLst>
+              <a:ext uri="{FF2B5EF4-FFF2-40B4-BE49-F238E27FC236}">
+                <a16:creationId xmlns:a16="http://schemas.microsoft.com/office/drawing/2014/main" id="{6EBA5C70-A4C3-42E0-9E37-C447292D4D03}"/>
               </a:ext>
             </a:extLst>
           </p:cNvPr>
@@ -10356,13 +10847,13 @@
         </p:nvPicPr>
         <p:blipFill rotWithShape="1">
           <a:blip r:embed="rId2"/>
-          <a:srcRect r="67412"/>
+          <a:srcRect t="-3366" r="5273" b="-1"/>
           <a:stretch/>
         </p:blipFill>
         <p:spPr>
           <a:xfrm>
-            <a:off x="3111017" y="3665487"/>
-            <a:ext cx="940766" cy="1020885"/>
+            <a:off x="5837209" y="4548433"/>
+            <a:ext cx="6266807" cy="602278"/>
           </a:xfrm>
           <a:prstGeom prst="rect">
             <a:avLst/>
@@ -10371,10 +10862,10 @@
       </p:pic>
       <p:sp>
         <p:nvSpPr>
-          <p:cNvPr id="29" name="テキスト ボックス 28">
-            <a:extLst>
-              <a:ext uri="{FF2B5EF4-FFF2-40B4-BE49-F238E27FC236}">
-                <a16:creationId xmlns:a16="http://schemas.microsoft.com/office/drawing/2014/main" id="{161FA918-2666-42D4-BC97-1EBA19B06BA1}"/>
+          <p:cNvPr id="11" name="テキスト ボックス 10">
+            <a:extLst>
+              <a:ext uri="{FF2B5EF4-FFF2-40B4-BE49-F238E27FC236}">
+                <a16:creationId xmlns:a16="http://schemas.microsoft.com/office/drawing/2014/main" id="{BB0C9D38-CC78-437F-8419-F8B63FD9999B}"/>
               </a:ext>
             </a:extLst>
           </p:cNvPr>
@@ -10383,8 +10874,8 @@
         </p:nvSpPr>
         <p:spPr>
           <a:xfrm>
-            <a:off x="2911986" y="4727504"/>
-            <a:ext cx="1338828" cy="369332"/>
+            <a:off x="6526418" y="2160822"/>
+            <a:ext cx="2339102" cy="461665"/>
           </a:xfrm>
           <a:prstGeom prst="rect">
             <a:avLst/>
@@ -10399,18 +10890,18 @@
           <a:p>
             <a:pPr algn="l"/>
             <a:r>
-              <a:rPr kumimoji="1" lang="ja-JP" altLang="en-US" dirty="0"/>
-              <a:t>コンデンサ</a:t>
+              <a:rPr kumimoji="1" lang="ja-JP" altLang="en-US" sz="2400" dirty="0"/>
+              <a:t>ポート内の変数</a:t>
             </a:r>
           </a:p>
         </p:txBody>
       </p:sp>
       <p:pic>
         <p:nvPicPr>
-          <p:cNvPr id="35" name="図 34">
-            <a:extLst>
-              <a:ext uri="{FF2B5EF4-FFF2-40B4-BE49-F238E27FC236}">
-                <a16:creationId xmlns:a16="http://schemas.microsoft.com/office/drawing/2014/main" id="{C85347AD-B073-4200-9848-62A1AEC2464B}"/>
+          <p:cNvPr id="12" name="図 11">
+            <a:extLst>
+              <a:ext uri="{FF2B5EF4-FFF2-40B4-BE49-F238E27FC236}">
+                <a16:creationId xmlns:a16="http://schemas.microsoft.com/office/drawing/2014/main" id="{8539F79B-F0FC-4FA2-8B83-82D790F853D5}"/>
               </a:ext>
             </a:extLst>
           </p:cNvPr>
@@ -10419,311 +10910,26 @@
           </p:cNvPicPr>
           <p:nvPr/>
         </p:nvPicPr>
-        <p:blipFill rotWithShape="1">
+        <p:blipFill>
           <a:blip r:embed="rId3"/>
-          <a:srcRect r="67863"/>
-          <a:stretch/>
-        </p:blipFill>
-        <p:spPr>
-          <a:xfrm>
-            <a:off x="2955001" y="1829864"/>
-            <a:ext cx="1252799" cy="1222635"/>
-          </a:xfrm>
-          <a:prstGeom prst="rect">
-            <a:avLst/>
-          </a:prstGeom>
-        </p:spPr>
-      </p:pic>
-      <p:sp>
-        <p:nvSpPr>
-          <p:cNvPr id="38" name="テキスト ボックス 37">
-            <a:extLst>
-              <a:ext uri="{FF2B5EF4-FFF2-40B4-BE49-F238E27FC236}">
-                <a16:creationId xmlns:a16="http://schemas.microsoft.com/office/drawing/2014/main" id="{C607FED9-67B3-423B-8692-FF0A39C72DF2}"/>
-              </a:ext>
-            </a:extLst>
-          </p:cNvPr>
-          <p:cNvSpPr txBox="1"/>
-          <p:nvPr/>
-        </p:nvSpPr>
-        <p:spPr>
-          <a:xfrm>
-            <a:off x="3258235" y="3049555"/>
-            <a:ext cx="646331" cy="369332"/>
-          </a:xfrm>
-          <a:prstGeom prst="rect">
-            <a:avLst/>
-          </a:prstGeom>
-          <a:noFill/>
-        </p:spPr>
-        <p:txBody>
-          <a:bodyPr wrap="none" rtlCol="0">
-            <a:spAutoFit/>
-          </a:bodyPr>
-          <a:lstStyle/>
-          <a:p>
-            <a:pPr algn="l"/>
-            <a:r>
-              <a:rPr kumimoji="1" lang="ja-JP" altLang="en-US" dirty="0"/>
-              <a:t>電源</a:t>
-            </a:r>
-          </a:p>
-        </p:txBody>
-      </p:sp>
-      <p:pic>
-        <p:nvPicPr>
-          <p:cNvPr id="43" name="図 42">
-            <a:extLst>
-              <a:ext uri="{FF2B5EF4-FFF2-40B4-BE49-F238E27FC236}">
-                <a16:creationId xmlns:a16="http://schemas.microsoft.com/office/drawing/2014/main" id="{BB0370C2-0BC8-40F8-8725-B84DE1CFE728}"/>
-              </a:ext>
-            </a:extLst>
-          </p:cNvPr>
-          <p:cNvPicPr>
-            <a:picLocks noChangeAspect="1"/>
-          </p:cNvPicPr>
-          <p:nvPr/>
-        </p:nvPicPr>
-        <p:blipFill>
-          <a:blip r:embed="rId4"/>
           <a:stretch>
             <a:fillRect/>
           </a:stretch>
         </p:blipFill>
         <p:spPr>
           <a:xfrm>
-            <a:off x="3037573" y="5440141"/>
-            <a:ext cx="1087655" cy="849916"/>
+            <a:off x="5833093" y="2744397"/>
+            <a:ext cx="3347551" cy="717333"/>
           </a:xfrm>
           <a:prstGeom prst="rect">
             <a:avLst/>
           </a:prstGeom>
         </p:spPr>
       </p:pic>
-      <p:sp>
-        <p:nvSpPr>
-          <p:cNvPr id="44" name="テキスト ボックス 43">
-            <a:extLst>
-              <a:ext uri="{FF2B5EF4-FFF2-40B4-BE49-F238E27FC236}">
-                <a16:creationId xmlns:a16="http://schemas.microsoft.com/office/drawing/2014/main" id="{B48F04EE-BEE9-4737-8F1F-E1E9F9FEF7CB}"/>
-              </a:ext>
-            </a:extLst>
-          </p:cNvPr>
-          <p:cNvSpPr txBox="1"/>
-          <p:nvPr/>
-        </p:nvSpPr>
-        <p:spPr>
-          <a:xfrm>
-            <a:off x="3258235" y="6260896"/>
-            <a:ext cx="646331" cy="369332"/>
-          </a:xfrm>
-          <a:prstGeom prst="rect">
-            <a:avLst/>
-          </a:prstGeom>
-          <a:noFill/>
-        </p:spPr>
-        <p:txBody>
-          <a:bodyPr wrap="none" rtlCol="0">
-            <a:spAutoFit/>
-          </a:bodyPr>
-          <a:lstStyle/>
-          <a:p>
-            <a:pPr algn="l"/>
-            <a:r>
-              <a:rPr kumimoji="1" lang="ja-JP" altLang="en-US" dirty="0"/>
-              <a:t>抵抗</a:t>
-            </a:r>
-          </a:p>
-        </p:txBody>
-      </p:sp>
-      <p:sp>
-        <p:nvSpPr>
-          <p:cNvPr id="8" name="テキスト ボックス 7">
-            <a:extLst>
-              <a:ext uri="{FF2B5EF4-FFF2-40B4-BE49-F238E27FC236}">
-                <a16:creationId xmlns:a16="http://schemas.microsoft.com/office/drawing/2014/main" id="{A4DFF5D2-0928-44A9-9DCD-D4E857D846A0}"/>
-              </a:ext>
-            </a:extLst>
-          </p:cNvPr>
-          <p:cNvSpPr txBox="1"/>
-          <p:nvPr/>
-        </p:nvSpPr>
-        <p:spPr>
-          <a:xfrm>
-            <a:off x="794933" y="779071"/>
-            <a:ext cx="1367500" cy="461665"/>
-          </a:xfrm>
-          <a:prstGeom prst="rect">
-            <a:avLst/>
-          </a:prstGeom>
-          <a:noFill/>
-        </p:spPr>
-        <p:txBody>
-          <a:bodyPr wrap="square" rtlCol="0">
-            <a:spAutoFit/>
-          </a:bodyPr>
-          <a:lstStyle/>
-          <a:p>
-            <a:r>
-              <a:rPr lang="ja-JP" altLang="en-US" sz="2400" dirty="0"/>
-              <a:t>演習</a:t>
-            </a:r>
-            <a:endParaRPr lang="en-US" altLang="ja-JP" sz="2400" dirty="0"/>
-          </a:p>
-        </p:txBody>
-      </p:sp>
-      <p:sp>
-        <p:nvSpPr>
-          <p:cNvPr id="2" name="テキスト ボックス 1">
-            <a:extLst>
-              <a:ext uri="{FF2B5EF4-FFF2-40B4-BE49-F238E27FC236}">
-                <a16:creationId xmlns:a16="http://schemas.microsoft.com/office/drawing/2014/main" id="{9C656998-5F06-4261-891A-970E29263FDD}"/>
-              </a:ext>
-            </a:extLst>
-          </p:cNvPr>
-          <p:cNvSpPr txBox="1"/>
-          <p:nvPr/>
-        </p:nvSpPr>
-        <p:spPr>
-          <a:xfrm>
-            <a:off x="1136818" y="1272744"/>
-            <a:ext cx="10882184" cy="830997"/>
-          </a:xfrm>
-          <a:prstGeom prst="rect">
-            <a:avLst/>
-          </a:prstGeom>
-          <a:noFill/>
-        </p:spPr>
-        <p:txBody>
-          <a:bodyPr wrap="square" rtlCol="0">
-            <a:spAutoFit/>
-          </a:bodyPr>
-          <a:lstStyle/>
-          <a:p>
-            <a:pPr algn="l"/>
-            <a:r>
-              <a:rPr kumimoji="1" lang="en-US" altLang="ja-JP" sz="2400" dirty="0" err="1"/>
-              <a:t>OpenModelica</a:t>
-            </a:r>
-            <a:r>
-              <a:rPr kumimoji="1" lang="ja-JP" altLang="en-US" sz="2400" dirty="0"/>
-              <a:t>を使用して、以下のモデルのソースコードを確認しどのように方程式が定義されているか確認してみてください</a:t>
-            </a:r>
-          </a:p>
-        </p:txBody>
-      </p:sp>
-      <p:sp>
-        <p:nvSpPr>
-          <p:cNvPr id="5" name="正方形/長方形 4"/>
-          <p:cNvSpPr/>
-          <p:nvPr/>
-        </p:nvSpPr>
-        <p:spPr>
-          <a:xfrm>
-            <a:off x="4459816" y="4298229"/>
-            <a:ext cx="4711546" cy="369332"/>
-          </a:xfrm>
-          <a:prstGeom prst="rect">
-            <a:avLst/>
-          </a:prstGeom>
-        </p:spPr>
-        <p:txBody>
-          <a:bodyPr wrap="none">
-            <a:spAutoFit/>
-          </a:bodyPr>
-          <a:lstStyle/>
-          <a:p>
-            <a:r>
-              <a:rPr lang="en-US" altLang="ja-JP" dirty="0" err="1">
-                <a:solidFill>
-                  <a:srgbClr val="000000"/>
-                </a:solidFill>
-                <a:ea typeface="MS UI Gothic" panose="020B0600070205080204" pitchFamily="50" charset="-128"/>
-              </a:rPr>
-              <a:t>Modelica.Electrical.Analog.Basic.Capacitor</a:t>
-            </a:r>
-            <a:endParaRPr lang="en-US" altLang="ja-JP" i="0" dirty="0">
-              <a:solidFill>
-                <a:srgbClr val="000000"/>
-              </a:solidFill>
-              <a:effectLst/>
-              <a:ea typeface="MS UI Gothic" panose="020B0600070205080204" pitchFamily="50" charset="-128"/>
-            </a:endParaRPr>
-          </a:p>
-        </p:txBody>
-      </p:sp>
-      <p:sp>
-        <p:nvSpPr>
-          <p:cNvPr id="6" name="正方形/長方形 5"/>
-          <p:cNvSpPr/>
-          <p:nvPr/>
-        </p:nvSpPr>
-        <p:spPr>
-          <a:xfrm>
-            <a:off x="4459816" y="2391982"/>
-            <a:ext cx="5732660" cy="369332"/>
-          </a:xfrm>
-          <a:prstGeom prst="rect">
-            <a:avLst/>
-          </a:prstGeom>
-        </p:spPr>
-        <p:txBody>
-          <a:bodyPr wrap="none">
-            <a:spAutoFit/>
-          </a:bodyPr>
-          <a:lstStyle/>
-          <a:p>
-            <a:r>
-              <a:rPr lang="ja-JP" altLang="en-US" dirty="0"/>
-              <a:t>Modelica.Electrical.Analog.Sources.ConstantVoltage</a:t>
-            </a:r>
-          </a:p>
-        </p:txBody>
-      </p:sp>
-      <p:sp>
-        <p:nvSpPr>
-          <p:cNvPr id="7" name="正方形/長方形 6"/>
-          <p:cNvSpPr/>
-          <p:nvPr/>
-        </p:nvSpPr>
-        <p:spPr>
-          <a:xfrm>
-            <a:off x="4459816" y="5726996"/>
-            <a:ext cx="4560864" cy="369332"/>
-          </a:xfrm>
-          <a:prstGeom prst="rect">
-            <a:avLst/>
-          </a:prstGeom>
-        </p:spPr>
-        <p:txBody>
-          <a:bodyPr wrap="none">
-            <a:spAutoFit/>
-          </a:bodyPr>
-          <a:lstStyle/>
-          <a:p>
-            <a:r>
-              <a:rPr lang="en-US" altLang="ja-JP" dirty="0" err="1">
-                <a:solidFill>
-                  <a:srgbClr val="000000"/>
-                </a:solidFill>
-                <a:ea typeface="MS UI Gothic" panose="020B0600070205080204" pitchFamily="50" charset="-128"/>
-              </a:rPr>
-              <a:t>Modelica.Electrical.Analog.Basic.Resistor</a:t>
-            </a:r>
-            <a:endParaRPr lang="en-US" altLang="ja-JP" i="0" dirty="0">
-              <a:solidFill>
-                <a:srgbClr val="000000"/>
-              </a:solidFill>
-              <a:effectLst/>
-              <a:ea typeface="MS UI Gothic" panose="020B0600070205080204" pitchFamily="50" charset="-128"/>
-            </a:endParaRPr>
-          </a:p>
-        </p:txBody>
-      </p:sp>
     </p:spTree>
     <p:extLst>
       <p:ext uri="{BB962C8B-B14F-4D97-AF65-F5344CB8AC3E}">
-        <p14:creationId xmlns:p14="http://schemas.microsoft.com/office/powerpoint/2010/main" val="2088883972"/>
+        <p14:creationId xmlns:p14="http://schemas.microsoft.com/office/powerpoint/2010/main" val="2191407727"/>
       </p:ext>
     </p:extLst>
   </p:cSld>
@@ -10772,7 +10978,7 @@
         <p:spPr>
           <a:xfrm>
             <a:off x="179666" y="87415"/>
-            <a:ext cx="2885405" cy="579646"/>
+            <a:ext cx="8266687" cy="579646"/>
           </a:xfrm>
           <a:prstGeom prst="rect">
             <a:avLst/>
@@ -10782,7 +10988,7 @@
           </a:ln>
           <a:extLst>
             <a:ext uri="{C572A759-6A51-4108-AA02-DFA0A04FC94B}">
-              <ma14:wrappingTextBoxFlag xmlns:ma14="http://schemas.microsoft.com/office/mac/drawingml/2011/main" xmlns="" val="1"/>
+              <ma14:wrappingTextBoxFlag xmlns="" xmlns:ma14="http://schemas.microsoft.com/office/mac/drawingml/2011/main" val="1"/>
             </a:ext>
           </a:extLst>
         </p:spPr>
@@ -10802,7 +11008,19 @@
             </a:pPr>
             <a:r>
               <a:rPr lang="ja-JP" altLang="en-US" dirty="0"/>
-              <a:t>物理的なモデル</a:t>
+              <a:t>物理現象を表現するために必要な</a:t>
+            </a:r>
+            <a:r>
+              <a:rPr lang="ja-JP" altLang="en-US" dirty="0" smtClean="0"/>
+              <a:t>物理量 </a:t>
+            </a:r>
+            <a:r>
+              <a:rPr lang="en-US" altLang="ja-JP" dirty="0" smtClean="0"/>
+              <a:t>– </a:t>
+            </a:r>
+            <a:r>
+              <a:rPr lang="ja-JP" altLang="en-US" dirty="0" smtClean="0"/>
+              <a:t>演習</a:t>
             </a:r>
             <a:endParaRPr lang="en-US" altLang="ja-JP" dirty="0"/>
           </a:p>
@@ -10839,10 +11057,10 @@
       </p:sp>
       <p:sp>
         <p:nvSpPr>
-          <p:cNvPr id="8" name="テキスト ボックス 7">
-            <a:extLst>
-              <a:ext uri="{FF2B5EF4-FFF2-40B4-BE49-F238E27FC236}">
-                <a16:creationId xmlns:a16="http://schemas.microsoft.com/office/drawing/2014/main" id="{A4DFF5D2-0928-44A9-9DCD-D4E857D846A0}"/>
+          <p:cNvPr id="19" name="テキスト ボックス 18">
+            <a:extLst>
+              <a:ext uri="{FF2B5EF4-FFF2-40B4-BE49-F238E27FC236}">
+                <a16:creationId xmlns:a16="http://schemas.microsoft.com/office/drawing/2014/main" id="{B4EF266E-5967-49EA-8D66-2FA600BC1E91}"/>
               </a:ext>
             </a:extLst>
           </p:cNvPr>
@@ -10851,8 +11069,8 @@
         </p:nvSpPr>
         <p:spPr>
           <a:xfrm>
-            <a:off x="794932" y="779071"/>
-            <a:ext cx="10558867" cy="1200329"/>
+            <a:off x="868154" y="961660"/>
+            <a:ext cx="10882184" cy="1200329"/>
           </a:xfrm>
           <a:prstGeom prst="rect">
             <a:avLst/>
@@ -10866,519 +11084,40 @@
           <a:lstStyle/>
           <a:p>
             <a:r>
+              <a:rPr kumimoji="1" lang="en-US" altLang="ja-JP" sz="2400" dirty="0" err="1"/>
+              <a:t>OpenModelica</a:t>
+            </a:r>
+            <a:r>
+              <a:rPr kumimoji="1" lang="ja-JP" altLang="en-US" sz="2400" dirty="0"/>
+              <a:t>を使用して、</a:t>
+            </a:r>
+            <a:r>
+              <a:rPr lang="en-US" altLang="ja-JP" sz="2400" dirty="0" err="1"/>
+              <a:t>Modelica.Electrical.Analog</a:t>
+            </a:r>
+            <a:r>
               <a:rPr lang="ja-JP" altLang="en-US" sz="2400" dirty="0"/>
-              <a:t>各物理ドメインにおいて</a:t>
-            </a:r>
-            <a:r>
-              <a:rPr lang="en-US" altLang="ja-JP" sz="2400" dirty="0"/>
-              <a:t>1</a:t>
-            </a:r>
-            <a:r>
-              <a:rPr lang="ja-JP" altLang="en-US" sz="2400" dirty="0"/>
-              <a:t>種類のポートを使用しています。</a:t>
-            </a:r>
-            <a:endParaRPr lang="en-US" altLang="ja-JP" sz="2400" dirty="0"/>
-          </a:p>
-          <a:p>
-            <a:r>
-              <a:rPr lang="ja-JP" altLang="en-US" sz="2400" dirty="0"/>
-              <a:t>そのポートを確認することでどのような物理量を定めれば、その物理ドメインを表現することが出来るか確認出来ます。</a:t>
-            </a:r>
-            <a:endParaRPr lang="en-US" altLang="ja-JP" sz="2400" dirty="0"/>
-          </a:p>
-        </p:txBody>
-      </p:sp>
-      <p:sp>
-        <p:nvSpPr>
-          <p:cNvPr id="2" name="テキスト ボックス 1">
-            <a:extLst>
-              <a:ext uri="{FF2B5EF4-FFF2-40B4-BE49-F238E27FC236}">
-                <a16:creationId xmlns:a16="http://schemas.microsoft.com/office/drawing/2014/main" id="{70076AB8-E1F1-4B82-8F35-1E2E7CF57982}"/>
-              </a:ext>
-            </a:extLst>
-          </p:cNvPr>
-          <p:cNvSpPr txBox="1"/>
-          <p:nvPr/>
-        </p:nvSpPr>
-        <p:spPr>
-          <a:xfrm>
-            <a:off x="303549" y="2967335"/>
-            <a:ext cx="1723549" cy="461665"/>
-          </a:xfrm>
-          <a:prstGeom prst="rect">
-            <a:avLst/>
-          </a:prstGeom>
-          <a:noFill/>
-        </p:spPr>
-        <p:txBody>
-          <a:bodyPr wrap="none" rtlCol="0">
-            <a:spAutoFit/>
-          </a:bodyPr>
-          <a:lstStyle/>
-          <a:p>
-            <a:pPr algn="l"/>
-            <a:r>
-              <a:rPr kumimoji="1" lang="ja-JP" altLang="en-US" sz="2400" dirty="0"/>
-              <a:t>電気なら、</a:t>
-            </a:r>
-          </a:p>
-        </p:txBody>
-      </p:sp>
-      <p:sp>
-        <p:nvSpPr>
-          <p:cNvPr id="6" name="左中かっこ 5">
-            <a:extLst>
-              <a:ext uri="{FF2B5EF4-FFF2-40B4-BE49-F238E27FC236}">
-                <a16:creationId xmlns:a16="http://schemas.microsoft.com/office/drawing/2014/main" id="{234112CC-CFBC-49DA-900B-A101EEC00CC6}"/>
-              </a:ext>
-            </a:extLst>
-          </p:cNvPr>
-          <p:cNvSpPr/>
-          <p:nvPr/>
-        </p:nvSpPr>
-        <p:spPr>
-          <a:xfrm>
-            <a:off x="1956523" y="2797429"/>
-            <a:ext cx="289432" cy="801476"/>
-          </a:xfrm>
-          <a:prstGeom prst="leftBrace">
-            <a:avLst/>
-          </a:prstGeom>
-          <a:ln w="28575">
-            <a:solidFill>
-              <a:schemeClr val="tx1"/>
-            </a:solidFill>
-            <a:headEnd type="none" w="med" len="med"/>
-            <a:tailEnd type="none" w="med" len="med"/>
-          </a:ln>
-        </p:spPr>
-        <p:style>
-          <a:lnRef idx="1">
-            <a:schemeClr val="accent1"/>
-          </a:lnRef>
-          <a:fillRef idx="0">
-            <a:schemeClr val="accent1"/>
-          </a:fillRef>
-          <a:effectRef idx="0">
-            <a:schemeClr val="accent1"/>
-          </a:effectRef>
-          <a:fontRef idx="minor">
-            <a:schemeClr val="tx1"/>
-          </a:fontRef>
-        </p:style>
-        <p:txBody>
-          <a:bodyPr rtlCol="0" anchor="ctr"/>
-          <a:lstStyle/>
-          <a:p>
-            <a:pPr algn="ctr"/>
-            <a:endParaRPr kumimoji="1" lang="ja-JP" altLang="en-US"/>
-          </a:p>
-        </p:txBody>
-      </p:sp>
-      <p:sp>
-        <p:nvSpPr>
-          <p:cNvPr id="7" name="テキスト ボックス 6">
-            <a:extLst>
-              <a:ext uri="{FF2B5EF4-FFF2-40B4-BE49-F238E27FC236}">
-                <a16:creationId xmlns:a16="http://schemas.microsoft.com/office/drawing/2014/main" id="{88DE38B8-9B06-423F-B388-7EA7B63DCEAE}"/>
-              </a:ext>
-            </a:extLst>
-          </p:cNvPr>
-          <p:cNvSpPr txBox="1"/>
-          <p:nvPr/>
-        </p:nvSpPr>
-        <p:spPr>
-          <a:xfrm>
-            <a:off x="2372492" y="2693775"/>
-            <a:ext cx="800219" cy="461665"/>
-          </a:xfrm>
-          <a:prstGeom prst="rect">
-            <a:avLst/>
-          </a:prstGeom>
-          <a:noFill/>
-        </p:spPr>
-        <p:txBody>
-          <a:bodyPr wrap="none" rtlCol="0">
-            <a:spAutoFit/>
-          </a:bodyPr>
-          <a:lstStyle/>
-          <a:p>
-            <a:pPr algn="l"/>
-            <a:r>
-              <a:rPr kumimoji="1" lang="ja-JP" altLang="en-US" sz="2400" dirty="0"/>
-              <a:t>電圧</a:t>
-            </a:r>
-          </a:p>
-        </p:txBody>
-      </p:sp>
-      <p:sp>
-        <p:nvSpPr>
-          <p:cNvPr id="32" name="テキスト ボックス 31">
-            <a:extLst>
-              <a:ext uri="{FF2B5EF4-FFF2-40B4-BE49-F238E27FC236}">
-                <a16:creationId xmlns:a16="http://schemas.microsoft.com/office/drawing/2014/main" id="{60EA826D-8E77-4452-998E-DD9D8BF4A6A5}"/>
-              </a:ext>
-            </a:extLst>
-          </p:cNvPr>
-          <p:cNvSpPr txBox="1"/>
-          <p:nvPr/>
-        </p:nvSpPr>
-        <p:spPr>
-          <a:xfrm>
-            <a:off x="2372492" y="3288092"/>
-            <a:ext cx="800219" cy="461665"/>
-          </a:xfrm>
-          <a:prstGeom prst="rect">
-            <a:avLst/>
-          </a:prstGeom>
-          <a:noFill/>
-        </p:spPr>
-        <p:txBody>
-          <a:bodyPr wrap="none" rtlCol="0">
-            <a:spAutoFit/>
-          </a:bodyPr>
-          <a:lstStyle/>
-          <a:p>
-            <a:pPr algn="l"/>
-            <a:r>
-              <a:rPr kumimoji="1" lang="ja-JP" altLang="en-US" sz="2400" dirty="0" smtClean="0"/>
-              <a:t>電流</a:t>
+              <a:t>パッケージの物理モデルに使用されているポートを確認してみて</a:t>
+            </a:r>
+            <a:r>
+              <a:rPr lang="ja-JP" altLang="en-US" sz="2400" dirty="0" smtClean="0"/>
+              <a:t>ください。</a:t>
+            </a:r>
+            <a:endParaRPr lang="en-US" altLang="ja-JP" sz="2400" dirty="0" smtClean="0"/>
+          </a:p>
+          <a:p>
+            <a:r>
+              <a:rPr lang="ja-JP" altLang="en-US" sz="2400" dirty="0" smtClean="0"/>
+              <a:t>解答は次ページです。</a:t>
             </a:r>
             <a:endParaRPr kumimoji="1" lang="ja-JP" altLang="en-US" sz="2400" dirty="0"/>
           </a:p>
         </p:txBody>
       </p:sp>
-      <p:sp>
-        <p:nvSpPr>
-          <p:cNvPr id="9" name="テキスト ボックス 8">
-            <a:extLst>
-              <a:ext uri="{FF2B5EF4-FFF2-40B4-BE49-F238E27FC236}">
-                <a16:creationId xmlns:a16="http://schemas.microsoft.com/office/drawing/2014/main" id="{89C3A152-4CBC-402A-9F44-A9867EAF2838}"/>
-              </a:ext>
-            </a:extLst>
-          </p:cNvPr>
-          <p:cNvSpPr txBox="1"/>
-          <p:nvPr/>
-        </p:nvSpPr>
-        <p:spPr>
-          <a:xfrm>
-            <a:off x="3333351" y="2967335"/>
-            <a:ext cx="2339102" cy="461665"/>
-          </a:xfrm>
-          <a:prstGeom prst="rect">
-            <a:avLst/>
-          </a:prstGeom>
-          <a:noFill/>
-        </p:spPr>
-        <p:txBody>
-          <a:bodyPr wrap="none" rtlCol="0">
-            <a:spAutoFit/>
-          </a:bodyPr>
-          <a:lstStyle/>
-          <a:p>
-            <a:pPr algn="l"/>
-            <a:r>
-              <a:rPr kumimoji="1" lang="ja-JP" altLang="en-US" sz="2400" dirty="0"/>
-              <a:t>を定めれば良い</a:t>
-            </a:r>
-          </a:p>
-        </p:txBody>
-      </p:sp>
-      <p:sp>
-        <p:nvSpPr>
-          <p:cNvPr id="33" name="テキスト ボックス 32">
-            <a:extLst>
-              <a:ext uri="{FF2B5EF4-FFF2-40B4-BE49-F238E27FC236}">
-                <a16:creationId xmlns:a16="http://schemas.microsoft.com/office/drawing/2014/main" id="{48F4536B-D254-428C-AC94-C20742FB0DE8}"/>
-              </a:ext>
-            </a:extLst>
-          </p:cNvPr>
-          <p:cNvSpPr txBox="1"/>
-          <p:nvPr/>
-        </p:nvSpPr>
-        <p:spPr>
-          <a:xfrm>
-            <a:off x="307665" y="4689046"/>
-            <a:ext cx="1415772" cy="461665"/>
-          </a:xfrm>
-          <a:prstGeom prst="rect">
-            <a:avLst/>
-          </a:prstGeom>
-          <a:noFill/>
-        </p:spPr>
-        <p:txBody>
-          <a:bodyPr wrap="none" rtlCol="0">
-            <a:spAutoFit/>
-          </a:bodyPr>
-          <a:lstStyle/>
-          <a:p>
-            <a:pPr algn="l"/>
-            <a:r>
-              <a:rPr kumimoji="1" lang="ja-JP" altLang="en-US" sz="2400" dirty="0"/>
-              <a:t>熱なら、</a:t>
-            </a:r>
-          </a:p>
-        </p:txBody>
-      </p:sp>
-      <p:sp>
-        <p:nvSpPr>
-          <p:cNvPr id="34" name="左中かっこ 33">
-            <a:extLst>
-              <a:ext uri="{FF2B5EF4-FFF2-40B4-BE49-F238E27FC236}">
-                <a16:creationId xmlns:a16="http://schemas.microsoft.com/office/drawing/2014/main" id="{7D54EFB8-3B04-4A38-BC45-19F0A8CB639F}"/>
-              </a:ext>
-            </a:extLst>
-          </p:cNvPr>
-          <p:cNvSpPr/>
-          <p:nvPr/>
-        </p:nvSpPr>
-        <p:spPr>
-          <a:xfrm>
-            <a:off x="1960639" y="4519140"/>
-            <a:ext cx="289432" cy="801476"/>
-          </a:xfrm>
-          <a:prstGeom prst="leftBrace">
-            <a:avLst/>
-          </a:prstGeom>
-          <a:ln w="28575">
-            <a:solidFill>
-              <a:schemeClr val="tx1"/>
-            </a:solidFill>
-            <a:headEnd type="none" w="med" len="med"/>
-            <a:tailEnd type="none" w="med" len="med"/>
-          </a:ln>
-        </p:spPr>
-        <p:style>
-          <a:lnRef idx="1">
-            <a:schemeClr val="accent1"/>
-          </a:lnRef>
-          <a:fillRef idx="0">
-            <a:schemeClr val="accent1"/>
-          </a:fillRef>
-          <a:effectRef idx="0">
-            <a:schemeClr val="accent1"/>
-          </a:effectRef>
-          <a:fontRef idx="minor">
-            <a:schemeClr val="tx1"/>
-          </a:fontRef>
-        </p:style>
-        <p:txBody>
-          <a:bodyPr rtlCol="0" anchor="ctr"/>
-          <a:lstStyle/>
-          <a:p>
-            <a:pPr algn="ctr"/>
-            <a:endParaRPr kumimoji="1" lang="ja-JP" altLang="en-US"/>
-          </a:p>
-        </p:txBody>
-      </p:sp>
-      <p:sp>
-        <p:nvSpPr>
-          <p:cNvPr id="46" name="テキスト ボックス 45">
-            <a:extLst>
-              <a:ext uri="{FF2B5EF4-FFF2-40B4-BE49-F238E27FC236}">
-                <a16:creationId xmlns:a16="http://schemas.microsoft.com/office/drawing/2014/main" id="{7027D7F3-EC04-4C49-86C5-F50B5A5A4993}"/>
-              </a:ext>
-            </a:extLst>
-          </p:cNvPr>
-          <p:cNvSpPr txBox="1"/>
-          <p:nvPr/>
-        </p:nvSpPr>
-        <p:spPr>
-          <a:xfrm>
-            <a:off x="2376608" y="4415486"/>
-            <a:ext cx="800219" cy="461665"/>
-          </a:xfrm>
-          <a:prstGeom prst="rect">
-            <a:avLst/>
-          </a:prstGeom>
-          <a:noFill/>
-        </p:spPr>
-        <p:txBody>
-          <a:bodyPr wrap="none" rtlCol="0">
-            <a:spAutoFit/>
-          </a:bodyPr>
-          <a:lstStyle/>
-          <a:p>
-            <a:pPr algn="l"/>
-            <a:r>
-              <a:rPr kumimoji="1" lang="ja-JP" altLang="en-US" sz="2400" dirty="0"/>
-              <a:t>温度</a:t>
-            </a:r>
-          </a:p>
-        </p:txBody>
-      </p:sp>
-      <p:sp>
-        <p:nvSpPr>
-          <p:cNvPr id="50" name="テキスト ボックス 49">
-            <a:extLst>
-              <a:ext uri="{FF2B5EF4-FFF2-40B4-BE49-F238E27FC236}">
-                <a16:creationId xmlns:a16="http://schemas.microsoft.com/office/drawing/2014/main" id="{C5C5BFF5-281C-4F8D-AF3A-82B8AC10BD1F}"/>
-              </a:ext>
-            </a:extLst>
-          </p:cNvPr>
-          <p:cNvSpPr txBox="1"/>
-          <p:nvPr/>
-        </p:nvSpPr>
-        <p:spPr>
-          <a:xfrm>
-            <a:off x="2376608" y="5009803"/>
-            <a:ext cx="1107996" cy="461665"/>
-          </a:xfrm>
-          <a:prstGeom prst="rect">
-            <a:avLst/>
-          </a:prstGeom>
-          <a:noFill/>
-        </p:spPr>
-        <p:txBody>
-          <a:bodyPr wrap="none" rtlCol="0">
-            <a:spAutoFit/>
-          </a:bodyPr>
-          <a:lstStyle/>
-          <a:p>
-            <a:pPr algn="l"/>
-            <a:r>
-              <a:rPr kumimoji="1" lang="ja-JP" altLang="en-US" sz="2400" dirty="0"/>
-              <a:t>熱流量</a:t>
-            </a:r>
-          </a:p>
-        </p:txBody>
-      </p:sp>
-      <p:sp>
-        <p:nvSpPr>
-          <p:cNvPr id="51" name="テキスト ボックス 50">
-            <a:extLst>
-              <a:ext uri="{FF2B5EF4-FFF2-40B4-BE49-F238E27FC236}">
-                <a16:creationId xmlns:a16="http://schemas.microsoft.com/office/drawing/2014/main" id="{B4F1C48E-1D44-445A-A99F-8444BF8CCCAE}"/>
-              </a:ext>
-            </a:extLst>
-          </p:cNvPr>
-          <p:cNvSpPr txBox="1"/>
-          <p:nvPr/>
-        </p:nvSpPr>
-        <p:spPr>
-          <a:xfrm>
-            <a:off x="3337467" y="4689046"/>
-            <a:ext cx="2339102" cy="461665"/>
-          </a:xfrm>
-          <a:prstGeom prst="rect">
-            <a:avLst/>
-          </a:prstGeom>
-          <a:noFill/>
-        </p:spPr>
-        <p:txBody>
-          <a:bodyPr wrap="none" rtlCol="0">
-            <a:spAutoFit/>
-          </a:bodyPr>
-          <a:lstStyle/>
-          <a:p>
-            <a:pPr algn="l"/>
-            <a:r>
-              <a:rPr kumimoji="1" lang="ja-JP" altLang="en-US" sz="2400" dirty="0"/>
-              <a:t>を定めれば良い</a:t>
-            </a:r>
-          </a:p>
-        </p:txBody>
-      </p:sp>
-      <p:pic>
-        <p:nvPicPr>
-          <p:cNvPr id="10" name="図 9">
-            <a:extLst>
-              <a:ext uri="{FF2B5EF4-FFF2-40B4-BE49-F238E27FC236}">
-                <a16:creationId xmlns:a16="http://schemas.microsoft.com/office/drawing/2014/main" id="{6EBA5C70-A4C3-42E0-9E37-C447292D4D03}"/>
-              </a:ext>
-            </a:extLst>
-          </p:cNvPr>
-          <p:cNvPicPr>
-            <a:picLocks noChangeAspect="1"/>
-          </p:cNvPicPr>
-          <p:nvPr/>
-        </p:nvPicPr>
-        <p:blipFill>
-          <a:blip r:embed="rId2"/>
-          <a:stretch>
-            <a:fillRect/>
-          </a:stretch>
-        </p:blipFill>
-        <p:spPr>
-          <a:xfrm>
-            <a:off x="5837209" y="4568049"/>
-            <a:ext cx="6615641" cy="582662"/>
-          </a:xfrm>
-          <a:prstGeom prst="rect">
-            <a:avLst/>
-          </a:prstGeom>
-        </p:spPr>
-      </p:pic>
-      <p:sp>
-        <p:nvSpPr>
-          <p:cNvPr id="11" name="テキスト ボックス 10">
-            <a:extLst>
-              <a:ext uri="{FF2B5EF4-FFF2-40B4-BE49-F238E27FC236}">
-                <a16:creationId xmlns:a16="http://schemas.microsoft.com/office/drawing/2014/main" id="{BB0C9D38-CC78-437F-8419-F8B63FD9999B}"/>
-              </a:ext>
-            </a:extLst>
-          </p:cNvPr>
-          <p:cNvSpPr txBox="1"/>
-          <p:nvPr/>
-        </p:nvSpPr>
-        <p:spPr>
-          <a:xfrm>
-            <a:off x="6526418" y="2160822"/>
-            <a:ext cx="2339102" cy="461665"/>
-          </a:xfrm>
-          <a:prstGeom prst="rect">
-            <a:avLst/>
-          </a:prstGeom>
-          <a:noFill/>
-        </p:spPr>
-        <p:txBody>
-          <a:bodyPr wrap="none" rtlCol="0">
-            <a:spAutoFit/>
-          </a:bodyPr>
-          <a:lstStyle/>
-          <a:p>
-            <a:pPr algn="l"/>
-            <a:r>
-              <a:rPr kumimoji="1" lang="ja-JP" altLang="en-US" sz="2400" dirty="0"/>
-              <a:t>ポート内の変数</a:t>
-            </a:r>
-          </a:p>
-        </p:txBody>
-      </p:sp>
-      <p:pic>
-        <p:nvPicPr>
-          <p:cNvPr id="12" name="図 11">
-            <a:extLst>
-              <a:ext uri="{FF2B5EF4-FFF2-40B4-BE49-F238E27FC236}">
-                <a16:creationId xmlns:a16="http://schemas.microsoft.com/office/drawing/2014/main" id="{8539F79B-F0FC-4FA2-8B83-82D790F853D5}"/>
-              </a:ext>
-            </a:extLst>
-          </p:cNvPr>
-          <p:cNvPicPr>
-            <a:picLocks noChangeAspect="1"/>
-          </p:cNvPicPr>
-          <p:nvPr/>
-        </p:nvPicPr>
-        <p:blipFill>
-          <a:blip r:embed="rId3"/>
-          <a:stretch>
-            <a:fillRect/>
-          </a:stretch>
-        </p:blipFill>
-        <p:spPr>
-          <a:xfrm>
-            <a:off x="5833093" y="2744397"/>
-            <a:ext cx="3347551" cy="717333"/>
-          </a:xfrm>
-          <a:prstGeom prst="rect">
-            <a:avLst/>
-          </a:prstGeom>
-        </p:spPr>
-      </p:pic>
     </p:spTree>
     <p:extLst>
       <p:ext uri="{BB962C8B-B14F-4D97-AF65-F5344CB8AC3E}">
-        <p14:creationId xmlns:p14="http://schemas.microsoft.com/office/powerpoint/2010/main" val="2191407727"/>
+        <p14:creationId xmlns:p14="http://schemas.microsoft.com/office/powerpoint/2010/main" val="4261031329"/>
       </p:ext>
     </p:extLst>
   </p:cSld>
@@ -11437,7 +11176,7 @@
           </a:ln>
           <a:extLst>
             <a:ext uri="{C572A759-6A51-4108-AA02-DFA0A04FC94B}">
-              <ma14:wrappingTextBoxFlag xmlns:ma14="http://schemas.microsoft.com/office/mac/drawingml/2011/main" xmlns="" val="1"/>
+              <ma14:wrappingTextBoxFlag xmlns="" xmlns:ma14="http://schemas.microsoft.com/office/mac/drawingml/2011/main" val="1"/>
             </a:ext>
           </a:extLst>
         </p:spPr>
@@ -11487,218 +11226,6 @@
             <a:fld id="{D836F367-8F14-4921-8441-15DE2D973248}" type="slidenum">
               <a:rPr kumimoji="1" lang="ja-JP" altLang="en-US" smtClean="0"/>
               <a:t>18</a:t>
-            </a:fld>
-            <a:endParaRPr kumimoji="1" lang="ja-JP" altLang="en-US"/>
-          </a:p>
-        </p:txBody>
-      </p:sp>
-      <p:sp>
-        <p:nvSpPr>
-          <p:cNvPr id="18" name="テキスト ボックス 17">
-            <a:extLst>
-              <a:ext uri="{FF2B5EF4-FFF2-40B4-BE49-F238E27FC236}">
-                <a16:creationId xmlns:a16="http://schemas.microsoft.com/office/drawing/2014/main" id="{3656AAD2-B411-4FF8-AC3B-60CCCF904279}"/>
-              </a:ext>
-            </a:extLst>
-          </p:cNvPr>
-          <p:cNvSpPr txBox="1"/>
-          <p:nvPr/>
-        </p:nvSpPr>
-        <p:spPr>
-          <a:xfrm>
-            <a:off x="794933" y="779071"/>
-            <a:ext cx="1367500" cy="461665"/>
-          </a:xfrm>
-          <a:prstGeom prst="rect">
-            <a:avLst/>
-          </a:prstGeom>
-          <a:noFill/>
-        </p:spPr>
-        <p:txBody>
-          <a:bodyPr wrap="square" rtlCol="0">
-            <a:spAutoFit/>
-          </a:bodyPr>
-          <a:lstStyle/>
-          <a:p>
-            <a:r>
-              <a:rPr lang="ja-JP" altLang="en-US" sz="2400" dirty="0"/>
-              <a:t>演習</a:t>
-            </a:r>
-            <a:endParaRPr lang="en-US" altLang="ja-JP" sz="2400" dirty="0"/>
-          </a:p>
-        </p:txBody>
-      </p:sp>
-      <p:sp>
-        <p:nvSpPr>
-          <p:cNvPr id="19" name="テキスト ボックス 18">
-            <a:extLst>
-              <a:ext uri="{FF2B5EF4-FFF2-40B4-BE49-F238E27FC236}">
-                <a16:creationId xmlns:a16="http://schemas.microsoft.com/office/drawing/2014/main" id="{B4EF266E-5967-49EA-8D66-2FA600BC1E91}"/>
-              </a:ext>
-            </a:extLst>
-          </p:cNvPr>
-          <p:cNvSpPr txBox="1"/>
-          <p:nvPr/>
-        </p:nvSpPr>
-        <p:spPr>
-          <a:xfrm>
-            <a:off x="1136818" y="1272744"/>
-            <a:ext cx="10882184" cy="1200329"/>
-          </a:xfrm>
-          <a:prstGeom prst="rect">
-            <a:avLst/>
-          </a:prstGeom>
-          <a:noFill/>
-        </p:spPr>
-        <p:txBody>
-          <a:bodyPr wrap="square" rtlCol="0">
-            <a:spAutoFit/>
-          </a:bodyPr>
-          <a:lstStyle/>
-          <a:p>
-            <a:r>
-              <a:rPr kumimoji="1" lang="en-US" altLang="ja-JP" sz="2400" dirty="0" err="1"/>
-              <a:t>OpenModelica</a:t>
-            </a:r>
-            <a:r>
-              <a:rPr kumimoji="1" lang="ja-JP" altLang="en-US" sz="2400" dirty="0"/>
-              <a:t>を使用して、</a:t>
-            </a:r>
-            <a:r>
-              <a:rPr lang="en-US" altLang="ja-JP" sz="2400" dirty="0" err="1"/>
-              <a:t>Modelica.Electrical.Analog</a:t>
-            </a:r>
-            <a:r>
-              <a:rPr lang="ja-JP" altLang="en-US" sz="2400" dirty="0"/>
-              <a:t>パッケージの物理モデルに使用されているポートを確認してみて</a:t>
-            </a:r>
-            <a:r>
-              <a:rPr lang="ja-JP" altLang="en-US" sz="2400" dirty="0" smtClean="0"/>
-              <a:t>ください。</a:t>
-            </a:r>
-            <a:endParaRPr lang="en-US" altLang="ja-JP" sz="2400" dirty="0" smtClean="0"/>
-          </a:p>
-          <a:p>
-            <a:r>
-              <a:rPr lang="ja-JP" altLang="en-US" sz="2400" dirty="0" smtClean="0"/>
-              <a:t>解答は次ページです。</a:t>
-            </a:r>
-            <a:endParaRPr kumimoji="1" lang="ja-JP" altLang="en-US" sz="2400" dirty="0"/>
-          </a:p>
-        </p:txBody>
-      </p:sp>
-    </p:spTree>
-    <p:extLst>
-      <p:ext uri="{BB962C8B-B14F-4D97-AF65-F5344CB8AC3E}">
-        <p14:creationId xmlns:p14="http://schemas.microsoft.com/office/powerpoint/2010/main" val="4261031329"/>
-      </p:ext>
-    </p:extLst>
-  </p:cSld>
-  <p:clrMapOvr>
-    <a:masterClrMapping/>
-  </p:clrMapOvr>
-  <p:timing>
-    <p:tnLst>
-      <p:par>
-        <p:cTn id="1" dur="indefinite" restart="never" nodeType="tmRoot"/>
-      </p:par>
-    </p:tnLst>
-  </p:timing>
-</p:sld>
-</file>
-
-<file path=ppt/slides/slide19.xml><?xml version="1.0" encoding="utf-8"?>
-<p:sld xmlns:a="http://schemas.openxmlformats.org/drawingml/2006/main" xmlns:r="http://schemas.openxmlformats.org/officeDocument/2006/relationships" xmlns:p="http://schemas.openxmlformats.org/presentationml/2006/main">
-  <p:cSld>
-    <p:spTree>
-      <p:nvGrpSpPr>
-        <p:cNvPr id="1" name=""/>
-        <p:cNvGrpSpPr/>
-        <p:nvPr/>
-      </p:nvGrpSpPr>
-      <p:grpSpPr>
-        <a:xfrm>
-          <a:off x="0" y="0"/>
-          <a:ext cx="0" cy="0"/>
-          <a:chOff x="0" y="0"/>
-          <a:chExt cx="0" cy="0"/>
-        </a:xfrm>
-      </p:grpSpPr>
-      <p:sp>
-        <p:nvSpPr>
-          <p:cNvPr id="4" name="Shape 130">
-            <a:extLst>
-              <a:ext uri="{FF2B5EF4-FFF2-40B4-BE49-F238E27FC236}">
-                <a16:creationId xmlns:a16="http://schemas.microsoft.com/office/drawing/2014/main" id="{925B04DB-30E4-42E2-80C9-D742CED3A8D8}"/>
-              </a:ext>
-            </a:extLst>
-          </p:cNvPr>
-          <p:cNvSpPr/>
-          <p:nvPr/>
-        </p:nvSpPr>
-        <p:spPr>
-          <a:xfrm>
-            <a:off x="179666" y="87415"/>
-            <a:ext cx="2885405" cy="579646"/>
-          </a:xfrm>
-          <a:prstGeom prst="rect">
-            <a:avLst/>
-          </a:prstGeom>
-          <a:ln w="12700">
-            <a:miter lim="400000"/>
-          </a:ln>
-          <a:extLst>
-            <a:ext uri="{C572A759-6A51-4108-AA02-DFA0A04FC94B}">
-              <ma14:wrappingTextBoxFlag xmlns:ma14="http://schemas.microsoft.com/office/mac/drawingml/2011/main" xmlns="" val="1"/>
-            </a:ext>
-          </a:extLst>
-        </p:spPr>
-        <p:txBody>
-          <a:bodyPr wrap="none" lIns="50800" tIns="50800" rIns="50800" bIns="50800" anchor="ctr">
-            <a:spAutoFit/>
-          </a:bodyPr>
-          <a:lstStyle/>
-          <a:p>
-            <a:pPr>
-              <a:defRPr sz="3100" u="sng">
-                <a:latin typeface="YuMincho Medium"/>
-                <a:ea typeface="YuMincho Medium"/>
-                <a:cs typeface="YuMincho Medium"/>
-                <a:sym typeface="YuMincho Medium"/>
-              </a:defRPr>
-            </a:pPr>
-            <a:r>
-              <a:rPr lang="ja-JP" altLang="en-US" dirty="0"/>
-              <a:t>物理的なモデル</a:t>
-            </a:r>
-            <a:endParaRPr lang="en-US" altLang="ja-JP" dirty="0"/>
-          </a:p>
-        </p:txBody>
-      </p:sp>
-      <p:sp>
-        <p:nvSpPr>
-          <p:cNvPr id="3" name="スライド番号プレースホルダー 2">
-            <a:extLst>
-              <a:ext uri="{FF2B5EF4-FFF2-40B4-BE49-F238E27FC236}">
-                <a16:creationId xmlns:a16="http://schemas.microsoft.com/office/drawing/2014/main" id="{C03CFA8D-F255-47FE-9956-D3EE57D24708}"/>
-              </a:ext>
-            </a:extLst>
-          </p:cNvPr>
-          <p:cNvSpPr>
-            <a:spLocks noGrp="1"/>
-          </p:cNvSpPr>
-          <p:nvPr>
-            <p:ph type="sldNum" sz="quarter" idx="12"/>
-          </p:nvPr>
-        </p:nvSpPr>
-        <p:spPr/>
-        <p:txBody>
-          <a:bodyPr/>
-          <a:lstStyle/>
-          <a:p>
-            <a:fld id="{D836F367-8F14-4921-8441-15DE2D973248}" type="slidenum">
-              <a:rPr kumimoji="1" lang="ja-JP" altLang="en-US" smtClean="0"/>
-              <a:t>19</a:t>
             </a:fld>
             <a:endParaRPr kumimoji="1" lang="ja-JP" altLang="en-US"/>
           </a:p>
@@ -12005,14 +11532,14 @@
           <a:p>
             <a:pPr algn="ctr"/>
             <a:r>
-              <a:rPr lang="ja-JP" altLang="en-US" dirty="0" smtClean="0">
+              <a:rPr lang="ja-JP" altLang="en-US" sz="2000" dirty="0" smtClean="0">
                 <a:solidFill>
                   <a:schemeClr val="tx1"/>
                 </a:solidFill>
               </a:rPr>
               <a:t>ポテンシャル、フローという言葉が出てきました。</a:t>
             </a:r>
-            <a:endParaRPr lang="en-US" altLang="ja-JP" dirty="0" smtClean="0">
+            <a:endParaRPr lang="en-US" altLang="ja-JP" sz="2000" dirty="0" smtClean="0">
               <a:solidFill>
                 <a:schemeClr val="tx1"/>
               </a:solidFill>
@@ -12021,7 +11548,7 @@
           <a:p>
             <a:pPr algn="ctr"/>
             <a:r>
-              <a:rPr lang="ja-JP" altLang="en-US" dirty="0" smtClean="0">
+              <a:rPr lang="ja-JP" altLang="en-US" sz="2000" dirty="0" smtClean="0">
                 <a:solidFill>
                   <a:schemeClr val="tx1"/>
                 </a:solidFill>
@@ -12029,14 +11556,14 @@
               <a:t>この概念について次スライドから解説していきます</a:t>
             </a:r>
             <a:r>
-              <a:rPr lang="ja-JP" altLang="en-US" dirty="0">
+              <a:rPr lang="ja-JP" altLang="en-US" sz="2000" dirty="0">
                 <a:solidFill>
                   <a:schemeClr val="tx1"/>
                 </a:solidFill>
               </a:rPr>
               <a:t>。</a:t>
             </a:r>
-            <a:endParaRPr kumimoji="1" lang="ja-JP" altLang="en-US" dirty="0">
+            <a:endParaRPr kumimoji="1" lang="ja-JP" altLang="en-US" sz="2000" dirty="0">
               <a:solidFill>
                 <a:schemeClr val="tx1"/>
               </a:solidFill>
@@ -12122,6 +11649,116 @@
     <p:extLst>
       <p:ext uri="{BB962C8B-B14F-4D97-AF65-F5344CB8AC3E}">
         <p14:creationId xmlns:p14="http://schemas.microsoft.com/office/powerpoint/2010/main" val="2520254305"/>
+      </p:ext>
+    </p:extLst>
+  </p:cSld>
+  <p:clrMapOvr>
+    <a:masterClrMapping/>
+  </p:clrMapOvr>
+  <p:timing>
+    <p:tnLst>
+      <p:par>
+        <p:cTn id="1" dur="indefinite" restart="never" nodeType="tmRoot"/>
+      </p:par>
+    </p:tnLst>
+  </p:timing>
+</p:sld>
+</file>
+
+<file path=ppt/slides/slide19.xml><?xml version="1.0" encoding="utf-8"?>
+<p:sld xmlns:a="http://schemas.openxmlformats.org/drawingml/2006/main" xmlns:r="http://schemas.openxmlformats.org/officeDocument/2006/relationships" xmlns:p="http://schemas.openxmlformats.org/presentationml/2006/main">
+  <p:cSld>
+    <p:spTree>
+      <p:nvGrpSpPr>
+        <p:cNvPr id="1" name=""/>
+        <p:cNvGrpSpPr/>
+        <p:nvPr/>
+      </p:nvGrpSpPr>
+      <p:grpSpPr>
+        <a:xfrm>
+          <a:off x="0" y="0"/>
+          <a:ext cx="0" cy="0"/>
+          <a:chOff x="0" y="0"/>
+          <a:chExt cx="0" cy="0"/>
+        </a:xfrm>
+      </p:grpSpPr>
+      <p:sp>
+        <p:nvSpPr>
+          <p:cNvPr id="3" name="スライド番号プレースホルダー 2">
+            <a:extLst>
+              <a:ext uri="{FF2B5EF4-FFF2-40B4-BE49-F238E27FC236}">
+                <a16:creationId xmlns:a16="http://schemas.microsoft.com/office/drawing/2014/main" id="{C03CFA8D-F255-47FE-9956-D3EE57D24708}"/>
+              </a:ext>
+            </a:extLst>
+          </p:cNvPr>
+          <p:cNvSpPr>
+            <a:spLocks noGrp="1"/>
+          </p:cNvSpPr>
+          <p:nvPr>
+            <p:ph type="sldNum" sz="quarter" idx="12"/>
+          </p:nvPr>
+        </p:nvSpPr>
+        <p:spPr/>
+        <p:txBody>
+          <a:bodyPr/>
+          <a:lstStyle/>
+          <a:p>
+            <a:fld id="{D836F367-8F14-4921-8441-15DE2D973248}" type="slidenum">
+              <a:rPr kumimoji="1" lang="ja-JP" altLang="en-US" smtClean="0"/>
+              <a:t>19</a:t>
+            </a:fld>
+            <a:endParaRPr kumimoji="1" lang="ja-JP" altLang="en-US"/>
+          </a:p>
+        </p:txBody>
+      </p:sp>
+      <p:sp>
+        <p:nvSpPr>
+          <p:cNvPr id="5" name="テキスト ボックス 4">
+            <a:extLst>
+              <a:ext uri="{FF2B5EF4-FFF2-40B4-BE49-F238E27FC236}">
+                <a16:creationId xmlns:a16="http://schemas.microsoft.com/office/drawing/2014/main" id="{048E2AF8-ACCC-4167-AD64-918F709411DF}"/>
+              </a:ext>
+            </a:extLst>
+          </p:cNvPr>
+          <p:cNvSpPr txBox="1"/>
+          <p:nvPr/>
+        </p:nvSpPr>
+        <p:spPr>
+          <a:xfrm>
+            <a:off x="4247555" y="2721114"/>
+            <a:ext cx="4288353" cy="707886"/>
+          </a:xfrm>
+          <a:prstGeom prst="rect">
+            <a:avLst/>
+          </a:prstGeom>
+          <a:noFill/>
+        </p:spPr>
+        <p:txBody>
+          <a:bodyPr wrap="none" rtlCol="0">
+            <a:spAutoFit/>
+          </a:bodyPr>
+          <a:lstStyle/>
+          <a:p>
+            <a:pPr algn="ctr"/>
+            <a:r>
+              <a:rPr lang="ja-JP" altLang="en-US" sz="4000" b="1" dirty="0">
+                <a:effectLst>
+                  <a:outerShdw blurRad="38100" dist="38100" dir="2700000" algn="tl">
+                    <a:srgbClr val="000000">
+                      <a:alpha val="43137"/>
+                    </a:srgbClr>
+                  </a:outerShdw>
+                </a:effectLst>
+              </a:rPr>
+              <a:t>物理現象の一般化</a:t>
+            </a:r>
+          </a:p>
+        </p:txBody>
+      </p:sp>
+    </p:spTree>
+    <p:extLst>
+      <p:ext uri="{BB962C8B-B14F-4D97-AF65-F5344CB8AC3E}">
+        <p14:creationId xmlns:p14="http://schemas.microsoft.com/office/powerpoint/2010/main" val="2700832163"/>
       </p:ext>
     </p:extLst>
   </p:cSld>
@@ -12556,52 +12193,151 @@
       </p:sp>
       <p:sp>
         <p:nvSpPr>
-          <p:cNvPr id="5" name="テキスト ボックス 4">
-            <a:extLst>
-              <a:ext uri="{FF2B5EF4-FFF2-40B4-BE49-F238E27FC236}">
-                <a16:creationId xmlns:a16="http://schemas.microsoft.com/office/drawing/2014/main" id="{048E2AF8-ACCC-4167-AD64-918F709411DF}"/>
-              </a:ext>
-            </a:extLst>
-          </p:cNvPr>
-          <p:cNvSpPr txBox="1"/>
-          <p:nvPr/>
-        </p:nvSpPr>
-        <p:spPr>
-          <a:xfrm>
-            <a:off x="4247555" y="2721114"/>
-            <a:ext cx="4288353" cy="707886"/>
+          <p:cNvPr id="10" name="正方形/長方形 9">
+            <a:extLst>
+              <a:ext uri="{FF2B5EF4-FFF2-40B4-BE49-F238E27FC236}">
+                <a16:creationId xmlns:a16="http://schemas.microsoft.com/office/drawing/2014/main" id="{6F2DC581-5A48-42E7-B1E3-2FDA5C2DD7BE}"/>
+              </a:ext>
+            </a:extLst>
+          </p:cNvPr>
+          <p:cNvSpPr/>
+          <p:nvPr/>
+        </p:nvSpPr>
+        <p:spPr>
+          <a:xfrm>
+            <a:off x="463368" y="1001269"/>
+            <a:ext cx="11265264" cy="2308324"/>
           </a:xfrm>
           <a:prstGeom prst="rect">
             <a:avLst/>
           </a:prstGeom>
-          <a:noFill/>
-        </p:spPr>
-        <p:txBody>
-          <a:bodyPr wrap="none" rtlCol="0">
+        </p:spPr>
+        <p:txBody>
+          <a:bodyPr wrap="square">
             <a:spAutoFit/>
           </a:bodyPr>
           <a:lstStyle/>
           <a:p>
-            <a:pPr algn="ctr"/>
-            <a:r>
-              <a:rPr lang="ja-JP" altLang="en-US" sz="4000" b="1" dirty="0">
-                <a:effectLst>
-                  <a:outerShdw blurRad="38100" dist="38100" dir="2700000" algn="tl">
-                    <a:srgbClr val="000000">
-                      <a:alpha val="43137"/>
-                    </a:srgbClr>
-                  </a:outerShdw>
-                </a:effectLst>
-              </a:rPr>
+            <a:r>
+              <a:rPr lang="ja-JP" altLang="en-US" sz="2400" dirty="0"/>
+              <a:t>様々な物理ドメインを統一的な考え方で表す学問や</a:t>
+            </a:r>
+            <a:r>
+              <a:rPr lang="ja-JP" altLang="en-US" sz="2400" dirty="0" smtClean="0"/>
+              <a:t>試みは数多く</a:t>
+            </a:r>
+            <a:r>
+              <a:rPr lang="ja-JP" altLang="en-US" sz="2400" dirty="0"/>
+              <a:t>存在します。</a:t>
+            </a:r>
+            <a:endParaRPr lang="en-US" altLang="ja-JP" sz="2400" dirty="0"/>
+          </a:p>
+          <a:p>
+            <a:r>
+              <a:rPr lang="ja-JP" altLang="en-US" sz="2400" dirty="0" smtClean="0"/>
+              <a:t>移動</a:t>
+            </a:r>
+            <a:r>
+              <a:rPr lang="ja-JP" altLang="en-US" sz="2400" dirty="0"/>
+              <a:t>現象論や</a:t>
+            </a:r>
+            <a:r>
+              <a:rPr lang="ja-JP" altLang="en-US" sz="2400" dirty="0" smtClean="0"/>
+              <a:t>ボンドグラフは物理現象の統一的な考え方を定義する手法であり</a:t>
+            </a:r>
+            <a:r>
+              <a:rPr lang="en-US" altLang="ja-JP" sz="2400" dirty="0" err="1" smtClean="0"/>
+              <a:t>Modelica</a:t>
+            </a:r>
+            <a:r>
+              <a:rPr lang="ja-JP" altLang="en-US" sz="2400" dirty="0" smtClean="0"/>
+              <a:t>の考え方と非常に親和性が高いです。</a:t>
+            </a:r>
+            <a:endParaRPr lang="en-US" altLang="ja-JP" sz="2400" dirty="0" smtClean="0"/>
+          </a:p>
+          <a:p>
+            <a:endParaRPr lang="en-US" altLang="ja-JP" sz="2400" dirty="0"/>
+          </a:p>
+          <a:p>
+            <a:r>
+              <a:rPr lang="ja-JP" altLang="en-US" sz="2400" dirty="0"/>
+              <a:t>本稿では、移動</a:t>
+            </a:r>
+            <a:r>
+              <a:rPr lang="ja-JP" altLang="en-US" sz="2400" dirty="0" smtClean="0"/>
+              <a:t>現象論やボンドグラフの</a:t>
+            </a:r>
+            <a:r>
+              <a:rPr lang="ja-JP" altLang="en-US" sz="2400" dirty="0"/>
+              <a:t>考え方を参考に</a:t>
+            </a:r>
+            <a:r>
+              <a:rPr lang="en-US" altLang="ja-JP" sz="2400" dirty="0"/>
+              <a:t>Modelica</a:t>
+            </a:r>
+            <a:r>
+              <a:rPr lang="ja-JP" altLang="en-US" sz="2400" dirty="0"/>
+              <a:t>での物理モデルの構造を理解していきます。</a:t>
+            </a:r>
+            <a:endParaRPr lang="en-US" altLang="ja-JP" sz="2400" dirty="0"/>
+          </a:p>
+        </p:txBody>
+      </p:sp>
+      <p:sp>
+        <p:nvSpPr>
+          <p:cNvPr id="6" name="Shape 130">
+            <a:extLst>
+              <a:ext uri="{FF2B5EF4-FFF2-40B4-BE49-F238E27FC236}">
+                <a16:creationId xmlns:a16="http://schemas.microsoft.com/office/drawing/2014/main" id="{F268339A-8F95-4DB7-B175-26DDCD41CD42}"/>
+              </a:ext>
+            </a:extLst>
+          </p:cNvPr>
+          <p:cNvSpPr/>
+          <p:nvPr/>
+        </p:nvSpPr>
+        <p:spPr>
+          <a:xfrm>
+            <a:off x="179666" y="87415"/>
+            <a:ext cx="3282950" cy="579646"/>
+          </a:xfrm>
+          <a:prstGeom prst="rect">
+            <a:avLst/>
+          </a:prstGeom>
+          <a:ln w="12700">
+            <a:miter lim="400000"/>
+          </a:ln>
+          <a:extLst>
+            <a:ext uri="{C572A759-6A51-4108-AA02-DFA0A04FC94B}">
+              <ma14:wrappingTextBoxFlag xmlns="" xmlns:ma14="http://schemas.microsoft.com/office/mac/drawingml/2011/main" val="1"/>
+            </a:ext>
+          </a:extLst>
+        </p:spPr>
+        <p:txBody>
+          <a:bodyPr wrap="none" lIns="50800" tIns="50800" rIns="50800" bIns="50800" anchor="ctr">
+            <a:spAutoFit/>
+          </a:bodyPr>
+          <a:lstStyle/>
+          <a:p>
+            <a:pPr>
+              <a:defRPr sz="3100" u="sng">
+                <a:latin typeface="YuMincho Medium"/>
+                <a:ea typeface="YuMincho Medium"/>
+                <a:cs typeface="YuMincho Medium"/>
+                <a:sym typeface="YuMincho Medium"/>
+              </a:defRPr>
+            </a:pPr>
+            <a:r>
+              <a:rPr lang="ja-JP" altLang="en-US" dirty="0"/>
               <a:t>物理現象の一般化</a:t>
             </a:r>
+            <a:endParaRPr lang="en-US" altLang="ja-JP" dirty="0"/>
           </a:p>
         </p:txBody>
       </p:sp>
     </p:spTree>
     <p:extLst>
       <p:ext uri="{BB962C8B-B14F-4D97-AF65-F5344CB8AC3E}">
-        <p14:creationId xmlns:p14="http://schemas.microsoft.com/office/powerpoint/2010/main" val="2700832163"/>
+        <p14:creationId xmlns:p14="http://schemas.microsoft.com/office/powerpoint/2010/main" val="1055158939"/>
       </p:ext>
     </p:extLst>
   </p:cSld>
@@ -12637,10 +12373,10 @@
       </p:grpSpPr>
       <p:sp>
         <p:nvSpPr>
-          <p:cNvPr id="3" name="スライド番号プレースホルダー 2">
-            <a:extLst>
-              <a:ext uri="{FF2B5EF4-FFF2-40B4-BE49-F238E27FC236}">
-                <a16:creationId xmlns:a16="http://schemas.microsoft.com/office/drawing/2014/main" id="{C03CFA8D-F255-47FE-9956-D3EE57D24708}"/>
+          <p:cNvPr id="4" name="スライド番号プレースホルダー 3">
+            <a:extLst>
+              <a:ext uri="{FF2B5EF4-FFF2-40B4-BE49-F238E27FC236}">
+                <a16:creationId xmlns:a16="http://schemas.microsoft.com/office/drawing/2014/main" id="{62C8405B-E1A8-4250-83B4-B3DC73FA8844}"/>
               </a:ext>
             </a:extLst>
           </p:cNvPr>
@@ -12666,10 +12402,10 @@
       </p:sp>
       <p:sp>
         <p:nvSpPr>
-          <p:cNvPr id="10" name="正方形/長方形 9">
-            <a:extLst>
-              <a:ext uri="{FF2B5EF4-FFF2-40B4-BE49-F238E27FC236}">
-                <a16:creationId xmlns:a16="http://schemas.microsoft.com/office/drawing/2014/main" id="{6F2DC581-5A48-42E7-B1E3-2FDA5C2DD7BE}"/>
+          <p:cNvPr id="7" name="Shape 130">
+            <a:extLst>
+              <a:ext uri="{FF2B5EF4-FFF2-40B4-BE49-F238E27FC236}">
+                <a16:creationId xmlns:a16="http://schemas.microsoft.com/office/drawing/2014/main" id="{62311BE2-8146-4C5F-883C-23F48775675B}"/>
               </a:ext>
             </a:extLst>
           </p:cNvPr>
@@ -12678,80 +12414,8 @@
         </p:nvSpPr>
         <p:spPr>
           <a:xfrm>
-            <a:off x="463368" y="1001269"/>
-            <a:ext cx="11265264" cy="2308324"/>
-          </a:xfrm>
-          <a:prstGeom prst="rect">
-            <a:avLst/>
-          </a:prstGeom>
-        </p:spPr>
-        <p:txBody>
-          <a:bodyPr wrap="square">
-            <a:spAutoFit/>
-          </a:bodyPr>
-          <a:lstStyle/>
-          <a:p>
-            <a:r>
-              <a:rPr lang="ja-JP" altLang="en-US" sz="2400" dirty="0"/>
-              <a:t>様々な物理ドメインを統一的な考え方で表す学問や試みは多く存在します。</a:t>
-            </a:r>
-            <a:endParaRPr lang="en-US" altLang="ja-JP" sz="2400" dirty="0"/>
-          </a:p>
-          <a:p>
-            <a:r>
-              <a:rPr lang="en-US" altLang="ja-JP" sz="2400" dirty="0"/>
-              <a:t>Modelica</a:t>
-            </a:r>
-            <a:r>
-              <a:rPr lang="ja-JP" altLang="en-US" sz="2400" dirty="0"/>
-              <a:t>では移動現象論やボンドグラフの考え方との親和性が高く、それらの考え方を知っていると</a:t>
-            </a:r>
-            <a:r>
-              <a:rPr lang="en-US" altLang="ja-JP" sz="2400" dirty="0"/>
-              <a:t>Modelica</a:t>
-            </a:r>
-            <a:r>
-              <a:rPr lang="ja-JP" altLang="en-US" sz="2400" dirty="0"/>
-              <a:t>言語の物理コンポーネントが理解しやすくなります。</a:t>
-            </a:r>
-            <a:endParaRPr lang="en-US" altLang="ja-JP" sz="2400" dirty="0"/>
-          </a:p>
-          <a:p>
-            <a:endParaRPr lang="en-US" altLang="ja-JP" sz="2400" dirty="0"/>
-          </a:p>
-          <a:p>
-            <a:r>
-              <a:rPr lang="ja-JP" altLang="en-US" sz="2400" dirty="0"/>
-              <a:t>本稿では、移動現象論の考え方を参考に</a:t>
-            </a:r>
-            <a:r>
-              <a:rPr lang="en-US" altLang="ja-JP" sz="2400" dirty="0"/>
-              <a:t>Modelica</a:t>
-            </a:r>
-            <a:r>
-              <a:rPr lang="ja-JP" altLang="en-US" sz="2400" dirty="0"/>
-              <a:t>での物理モデルの構造を理解していきます。</a:t>
-            </a:r>
-            <a:endParaRPr lang="en-US" altLang="ja-JP" sz="2400" dirty="0"/>
-          </a:p>
-        </p:txBody>
-      </p:sp>
-      <p:sp>
-        <p:nvSpPr>
-          <p:cNvPr id="6" name="Shape 130">
-            <a:extLst>
-              <a:ext uri="{FF2B5EF4-FFF2-40B4-BE49-F238E27FC236}">
-                <a16:creationId xmlns:a16="http://schemas.microsoft.com/office/drawing/2014/main" id="{F268339A-8F95-4DB7-B175-26DDCD41CD42}"/>
-              </a:ext>
-            </a:extLst>
-          </p:cNvPr>
-          <p:cNvSpPr/>
-          <p:nvPr/>
-        </p:nvSpPr>
-        <p:spPr>
-          <a:xfrm>
             <a:off x="179666" y="87415"/>
-            <a:ext cx="3282950" cy="579646"/>
+            <a:ext cx="3670877" cy="579646"/>
           </a:xfrm>
           <a:prstGeom prst="rect">
             <a:avLst/>
@@ -12761,7 +12425,7 @@
           </a:ln>
           <a:extLst>
             <a:ext uri="{C572A759-6A51-4108-AA02-DFA0A04FC94B}">
-              <ma14:wrappingTextBoxFlag xmlns:ma14="http://schemas.microsoft.com/office/mac/drawingml/2011/main" xmlns="" val="1"/>
+              <ma14:wrappingTextBoxFlag xmlns="" xmlns:ma14="http://schemas.microsoft.com/office/mac/drawingml/2011/main" val="1"/>
             </a:ext>
           </a:extLst>
         </p:spPr>
@@ -12780,221 +12444,15 @@
               </a:defRPr>
             </a:pPr>
             <a:r>
-              <a:rPr lang="ja-JP" altLang="en-US" dirty="0"/>
-              <a:t>物理現象の一般化</a:t>
+              <a:rPr lang="ja-JP" altLang="en-US" dirty="0" smtClean="0"/>
+              <a:t>ポテンシャルとフロー</a:t>
             </a:r>
             <a:endParaRPr lang="en-US" altLang="ja-JP" dirty="0"/>
           </a:p>
         </p:txBody>
       </p:sp>
-    </p:spTree>
-    <p:extLst>
-      <p:ext uri="{BB962C8B-B14F-4D97-AF65-F5344CB8AC3E}">
-        <p14:creationId xmlns:p14="http://schemas.microsoft.com/office/powerpoint/2010/main" val="1055158939"/>
-      </p:ext>
-    </p:extLst>
-  </p:cSld>
-  <p:clrMapOvr>
-    <a:masterClrMapping/>
-  </p:clrMapOvr>
-  <p:timing>
-    <p:tnLst>
-      <p:par>
-        <p:cTn id="1" dur="indefinite" restart="never" nodeType="tmRoot"/>
-      </p:par>
-    </p:tnLst>
-  </p:timing>
-</p:sld>
-</file>
-
-<file path=ppt/slides/slide22.xml><?xml version="1.0" encoding="utf-8"?>
-<p:sld xmlns:a="http://schemas.openxmlformats.org/drawingml/2006/main" xmlns:r="http://schemas.openxmlformats.org/officeDocument/2006/relationships" xmlns:p="http://schemas.openxmlformats.org/presentationml/2006/main">
-  <p:cSld>
-    <p:spTree>
-      <p:nvGrpSpPr>
-        <p:cNvPr id="1" name=""/>
-        <p:cNvGrpSpPr/>
-        <p:nvPr/>
-      </p:nvGrpSpPr>
-      <p:grpSpPr>
-        <a:xfrm>
-          <a:off x="0" y="0"/>
-          <a:ext cx="0" cy="0"/>
-          <a:chOff x="0" y="0"/>
-          <a:chExt cx="0" cy="0"/>
-        </a:xfrm>
-      </p:grpSpPr>
-      <p:sp>
-        <p:nvSpPr>
-          <p:cNvPr id="4" name="スライド番号プレースホルダー 3">
-            <a:extLst>
-              <a:ext uri="{FF2B5EF4-FFF2-40B4-BE49-F238E27FC236}">
-                <a16:creationId xmlns:a16="http://schemas.microsoft.com/office/drawing/2014/main" id="{62C8405B-E1A8-4250-83B4-B3DC73FA8844}"/>
-              </a:ext>
-            </a:extLst>
-          </p:cNvPr>
-          <p:cNvSpPr>
-            <a:spLocks noGrp="1"/>
-          </p:cNvSpPr>
-          <p:nvPr>
-            <p:ph type="sldNum" sz="quarter" idx="12"/>
-          </p:nvPr>
-        </p:nvSpPr>
-        <p:spPr/>
-        <p:txBody>
-          <a:bodyPr/>
-          <a:lstStyle/>
-          <a:p>
-            <a:fld id="{D836F367-8F14-4921-8441-15DE2D973248}" type="slidenum">
-              <a:rPr kumimoji="1" lang="ja-JP" altLang="en-US" smtClean="0"/>
-              <a:t>22</a:t>
-            </a:fld>
-            <a:endParaRPr kumimoji="1" lang="ja-JP" altLang="en-US"/>
-          </a:p>
-        </p:txBody>
-      </p:sp>
-      <p:sp>
-        <p:nvSpPr>
-          <p:cNvPr id="7" name="Shape 130">
-            <a:extLst>
-              <a:ext uri="{FF2B5EF4-FFF2-40B4-BE49-F238E27FC236}">
-                <a16:creationId xmlns:a16="http://schemas.microsoft.com/office/drawing/2014/main" id="{62311BE2-8146-4C5F-883C-23F48775675B}"/>
-              </a:ext>
-            </a:extLst>
-          </p:cNvPr>
-          <p:cNvSpPr/>
-          <p:nvPr/>
-        </p:nvSpPr>
-        <p:spPr>
-          <a:xfrm>
-            <a:off x="179666" y="87415"/>
-            <a:ext cx="7040389" cy="579646"/>
-          </a:xfrm>
-          <a:prstGeom prst="rect">
-            <a:avLst/>
-          </a:prstGeom>
-          <a:ln w="12700">
-            <a:miter lim="400000"/>
-          </a:ln>
-          <a:extLst>
-            <a:ext uri="{C572A759-6A51-4108-AA02-DFA0A04FC94B}">
-              <ma14:wrappingTextBoxFlag xmlns:ma14="http://schemas.microsoft.com/office/mac/drawingml/2011/main" xmlns="" val="1"/>
-            </a:ext>
-          </a:extLst>
-        </p:spPr>
-        <p:txBody>
-          <a:bodyPr wrap="none" lIns="50800" tIns="50800" rIns="50800" bIns="50800" anchor="ctr">
-            <a:spAutoFit/>
-          </a:bodyPr>
-          <a:lstStyle/>
-          <a:p>
-            <a:pPr>
-              <a:defRPr sz="3100" u="sng">
-                <a:latin typeface="YuMincho Medium"/>
-                <a:ea typeface="YuMincho Medium"/>
-                <a:cs typeface="YuMincho Medium"/>
-                <a:sym typeface="YuMincho Medium"/>
-              </a:defRPr>
-            </a:pPr>
-            <a:r>
-              <a:rPr lang="ja-JP" altLang="en-US" dirty="0"/>
-              <a:t>物理現象の一般化 ー 移動現象論の概要</a:t>
-            </a:r>
-            <a:endParaRPr lang="en-US" altLang="ja-JP" dirty="0"/>
-          </a:p>
-        </p:txBody>
-      </p:sp>
-      <p:sp>
-        <p:nvSpPr>
-          <p:cNvPr id="18" name="テキスト ボックス 17">
-            <a:extLst>
-              <a:ext uri="{FF2B5EF4-FFF2-40B4-BE49-F238E27FC236}">
-                <a16:creationId xmlns:a16="http://schemas.microsoft.com/office/drawing/2014/main" id="{EDBF5BC7-2F44-4A7C-AC1A-1C99187CF296}"/>
-              </a:ext>
-            </a:extLst>
-          </p:cNvPr>
-          <p:cNvSpPr txBox="1"/>
-          <p:nvPr/>
-        </p:nvSpPr>
-        <p:spPr>
-          <a:xfrm>
-            <a:off x="567171" y="729047"/>
-            <a:ext cx="11609589" cy="1785104"/>
-          </a:xfrm>
-          <a:prstGeom prst="rect">
-            <a:avLst/>
-          </a:prstGeom>
-          <a:noFill/>
-        </p:spPr>
-        <p:txBody>
-          <a:bodyPr wrap="square" rtlCol="0">
-            <a:spAutoFit/>
-          </a:bodyPr>
-          <a:lstStyle/>
-          <a:p>
-            <a:r>
-              <a:rPr lang="en-US" altLang="ja-JP" sz="2400" dirty="0"/>
-              <a:t>Modelica</a:t>
-            </a:r>
-            <a:r>
-              <a:rPr lang="ja-JP" altLang="en-US" sz="2400" dirty="0"/>
-              <a:t>における物理現象の捉え方は移動現象論のものと似ています。</a:t>
-            </a:r>
-            <a:endParaRPr lang="en-US" altLang="ja-JP" sz="2400" dirty="0"/>
-          </a:p>
-          <a:p>
-            <a:r>
-              <a:rPr lang="ja-JP" altLang="en-US" dirty="0"/>
-              <a:t>両者は完全に一致するわけでは無いですが、考え方を学んでおくと理解が捗ります</a:t>
-            </a:r>
-            <a:r>
-              <a:rPr lang="ja-JP" altLang="en-US" sz="2400" dirty="0"/>
-              <a:t>。</a:t>
-            </a:r>
-            <a:endParaRPr lang="en-US" altLang="ja-JP" dirty="0"/>
-          </a:p>
-          <a:p>
-            <a:endParaRPr lang="en-US" altLang="ja-JP" sz="1400" dirty="0"/>
-          </a:p>
-          <a:p>
-            <a:r>
-              <a:rPr lang="ja-JP" altLang="en-US" sz="2400" dirty="0"/>
-              <a:t>移動現象論では、特定の</a:t>
-            </a:r>
-            <a:r>
-              <a:rPr kumimoji="1" lang="ja-JP" altLang="en-US" sz="2400" dirty="0"/>
-              <a:t>物理現象はポテンシャルとそのポテンシャルの勾配に応じて発生するフラックス</a:t>
-            </a:r>
-            <a:r>
-              <a:rPr kumimoji="1" lang="en-US" altLang="ja-JP" sz="2400" dirty="0"/>
-              <a:t>(</a:t>
-            </a:r>
-            <a:r>
-              <a:rPr kumimoji="1" lang="ja-JP" altLang="en-US" sz="2400" dirty="0"/>
-              <a:t>流束</a:t>
-            </a:r>
-            <a:r>
-              <a:rPr kumimoji="1" lang="en-US" altLang="ja-JP" sz="2400" dirty="0"/>
-              <a:t>,</a:t>
-            </a:r>
-            <a:r>
-              <a:rPr kumimoji="1" lang="ja-JP" altLang="en-US" sz="2400" dirty="0"/>
-              <a:t>移動量</a:t>
-            </a:r>
-            <a:r>
-              <a:rPr kumimoji="1" lang="en-US" altLang="ja-JP" sz="2400" dirty="0"/>
-              <a:t>)</a:t>
-            </a:r>
-            <a:r>
-              <a:rPr kumimoji="1" lang="ja-JP" altLang="en-US" sz="2400" dirty="0"/>
-              <a:t>によって表すことが出来ると考えます。</a:t>
-            </a:r>
-            <a:endParaRPr kumimoji="1" lang="en-US" altLang="ja-JP" sz="2400" dirty="0"/>
-          </a:p>
-        </p:txBody>
-      </p:sp>
-      <mc:AlternateContent xmlns:mc="http://schemas.openxmlformats.org/markup-compatibility/2006" xmlns:a14="http://schemas.microsoft.com/office/drawing/2010/main">
-        <mc:Choice Requires="a14">
+      <mc:AlternateContent xmlns:mc="http://schemas.openxmlformats.org/markup-compatibility/2006">
+        <mc:Choice xmlns:a14="http://schemas.microsoft.com/office/drawing/2010/main" Requires="a14">
           <p:sp>
             <p:nvSpPr>
               <p:cNvPr id="28" name="テキスト ボックス 27">
@@ -13009,7 +12467,7 @@
             </p:nvSpPr>
             <p:spPr>
               <a:xfrm>
-                <a:off x="5894407" y="3001900"/>
+                <a:off x="5828420" y="2183062"/>
                 <a:ext cx="6154005" cy="2108946"/>
               </a:xfrm>
               <a:prstGeom prst="rect">
@@ -13033,7 +12491,19 @@
                   <a:rPr kumimoji="1" lang="ja-JP" altLang="en-US" sz="2800" b="1" dirty="0">
                     <a:latin typeface="Cambria Math" panose="02040503050406030204" pitchFamily="18" charset="0"/>
                   </a:rPr>
-                  <a:t>ポテンシャルとフラックスの関係式</a:t>
+                  <a:t>ポテンシャル</a:t>
+                </a:r>
+                <a:r>
+                  <a:rPr kumimoji="1" lang="ja-JP" altLang="en-US" sz="2800" b="1" dirty="0" smtClean="0">
+                    <a:latin typeface="Cambria Math" panose="02040503050406030204" pitchFamily="18" charset="0"/>
+                  </a:rPr>
+                  <a:t>とフローの</a:t>
+                </a:r>
+                <a:r>
+                  <a:rPr kumimoji="1" lang="ja-JP" altLang="en-US" sz="2800" b="1" dirty="0">
+                    <a:latin typeface="Cambria Math" panose="02040503050406030204" pitchFamily="18" charset="0"/>
+                  </a:rPr>
+                  <a:t>関係式</a:t>
                 </a:r>
                 <a:endParaRPr kumimoji="1" lang="en-US" altLang="ja-JP" sz="2800" b="1" dirty="0">
                   <a:latin typeface="Cambria Math" panose="02040503050406030204" pitchFamily="18" charset="0"/>
@@ -13048,22 +12518,28 @@
               <a:p>
                 <a:pPr algn="ctr"/>
                 <a:r>
-                  <a:rPr lang="en-US" altLang="ja-JP" sz="2000" i="1" dirty="0">
+                  <a:rPr lang="en-US" altLang="ja-JP" sz="2000" i="1" dirty="0" smtClean="0">
                     <a:latin typeface="Cambria Math" panose="02040503050406030204" pitchFamily="18" charset="0"/>
                   </a:rPr>
                   <a:t>(</a:t>
                 </a:r>
                 <a:r>
-                  <a:rPr lang="ja-JP" altLang="en-US" sz="2000" i="1" dirty="0">
+                  <a:rPr lang="ja-JP" altLang="en-US" sz="2000" i="1" dirty="0" smtClean="0">
                     <a:latin typeface="Cambria Math" panose="02040503050406030204" pitchFamily="18" charset="0"/>
                   </a:rPr>
-                  <a:t>フラックス</a:t>
+                  <a:t>フロー</a:t>
+                </a:r>
+                <a:r>
+                  <a:rPr lang="en-US" altLang="ja-JP" sz="2000" i="1" dirty="0" smtClean="0">
+                    <a:latin typeface="Cambria Math" panose="02040503050406030204" pitchFamily="18" charset="0"/>
+                  </a:rPr>
+                  <a:t>) </a:t>
                 </a:r>
                 <a:r>
                   <a:rPr lang="en-US" altLang="ja-JP" sz="2000" i="1" dirty="0">
                     <a:latin typeface="Cambria Math" panose="02040503050406030204" pitchFamily="18" charset="0"/>
                   </a:rPr>
-                  <a:t>) = (</a:t>
+                  <a:t>= (</a:t>
                 </a:r>
                 <a:r>
                   <a:rPr lang="ja-JP" altLang="en-US" sz="2000" i="1" dirty="0">
@@ -13152,7 +12628,7 @@
             </p:txBody>
           </p:sp>
         </mc:Choice>
-        <mc:Fallback xmlns="">
+        <mc:Fallback>
           <p:sp>
             <p:nvSpPr>
               <p:cNvPr id="28" name="テキスト ボックス 27">
@@ -13169,7 +12645,7 @@
             </p:nvSpPr>
             <p:spPr>
               <a:xfrm>
-                <a:off x="5894407" y="3001900"/>
+                <a:off x="5828420" y="2183062"/>
                 <a:ext cx="6154005" cy="2108946"/>
               </a:xfrm>
               <a:prstGeom prst="rect">
@@ -13211,7 +12687,7 @@
         </p:nvGrpSpPr>
         <p:grpSpPr>
           <a:xfrm>
-            <a:off x="803188" y="2861778"/>
+            <a:off x="737201" y="2042940"/>
             <a:ext cx="4914684" cy="2249069"/>
             <a:chOff x="704331" y="2690433"/>
             <a:chExt cx="6881134" cy="3148960"/>
@@ -13562,7 +13038,7 @@
           <p:spPr>
             <a:xfrm>
               <a:off x="3589263" y="3022476"/>
-              <a:ext cx="2054067" cy="991123"/>
+              <a:ext cx="1335862" cy="991123"/>
             </a:xfrm>
             <a:prstGeom prst="rect">
               <a:avLst/>
@@ -13577,8 +13053,8 @@
             <a:p>
               <a:pPr algn="l"/>
               <a:r>
-                <a:rPr kumimoji="1" lang="ja-JP" altLang="en-US" sz="2000" dirty="0"/>
-                <a:t>フラックス</a:t>
+                <a:rPr kumimoji="1" lang="ja-JP" altLang="en-US" sz="2000" dirty="0" smtClean="0"/>
+                <a:t>フロー</a:t>
               </a:r>
               <a:endParaRPr kumimoji="1" lang="en-US" altLang="ja-JP" sz="2000" dirty="0"/>
             </a:p>
@@ -13693,7 +13169,7 @@
         </p:nvSpPr>
         <p:spPr>
           <a:xfrm>
-            <a:off x="1211756" y="5520059"/>
+            <a:off x="1541695" y="5155536"/>
             <a:ext cx="9699260" cy="858875"/>
           </a:xfrm>
           <a:prstGeom prst="roundRect">
@@ -13733,13 +13209,186 @@
           <a:p>
             <a:pPr algn="ctr"/>
             <a:r>
+              <a:rPr kumimoji="1" lang="ja-JP" altLang="en-US" sz="2400" dirty="0" smtClean="0">
+                <a:solidFill>
+                  <a:schemeClr val="tx1"/>
+                </a:solidFill>
+              </a:rPr>
+              <a:t>フローは</a:t>
+            </a:r>
+            <a:r>
               <a:rPr kumimoji="1" lang="ja-JP" altLang="en-US" sz="2400" dirty="0">
                 <a:solidFill>
                   <a:schemeClr val="tx1"/>
                 </a:solidFill>
               </a:rPr>
-              <a:t>フラックスはポテンシャルの高いところから低いところへ流れます</a:t>
-            </a:r>
+              <a:t>ポテンシャルの高いところから低いところへ流れます</a:t>
+            </a:r>
+          </a:p>
+        </p:txBody>
+      </p:sp>
+      <p:sp>
+        <p:nvSpPr>
+          <p:cNvPr id="3" name="正方形/長方形 2"/>
+          <p:cNvSpPr/>
+          <p:nvPr/>
+        </p:nvSpPr>
+        <p:spPr>
+          <a:xfrm>
+            <a:off x="572231" y="943295"/>
+            <a:ext cx="11150000" cy="830997"/>
+          </a:xfrm>
+          <a:prstGeom prst="rect">
+            <a:avLst/>
+          </a:prstGeom>
+        </p:spPr>
+        <p:txBody>
+          <a:bodyPr wrap="square">
+            <a:spAutoFit/>
+          </a:bodyPr>
+          <a:lstStyle/>
+          <a:p>
+            <a:r>
+              <a:rPr lang="ja-JP" altLang="en-US" sz="2400" b="1" dirty="0" smtClean="0">
+                <a:effectLst>
+                  <a:outerShdw blurRad="38100" dist="38100" dir="2700000" algn="tl">
+                    <a:srgbClr val="000000">
+                      <a:alpha val="43137"/>
+                    </a:srgbClr>
+                  </a:outerShdw>
+                </a:effectLst>
+              </a:rPr>
+              <a:t>多くの物理</a:t>
+            </a:r>
+            <a:r>
+              <a:rPr lang="ja-JP" altLang="en-US" sz="2400" b="1" dirty="0">
+                <a:effectLst>
+                  <a:outerShdw blurRad="38100" dist="38100" dir="2700000" algn="tl">
+                    <a:srgbClr val="000000">
+                      <a:alpha val="43137"/>
+                    </a:srgbClr>
+                  </a:outerShdw>
+                </a:effectLst>
+              </a:rPr>
+              <a:t>現象はポテンシャルとそのポテンシャルの勾配に応じて発生するフロー</a:t>
+            </a:r>
+            <a:r>
+              <a:rPr lang="en-US" altLang="ja-JP" sz="2400" b="1" dirty="0">
+                <a:effectLst>
+                  <a:outerShdw blurRad="38100" dist="38100" dir="2700000" algn="tl">
+                    <a:srgbClr val="000000">
+                      <a:alpha val="43137"/>
+                    </a:srgbClr>
+                  </a:outerShdw>
+                </a:effectLst>
+              </a:rPr>
+              <a:t>(</a:t>
+            </a:r>
+            <a:r>
+              <a:rPr lang="ja-JP" altLang="en-US" sz="2400" b="1" dirty="0">
+                <a:effectLst>
+                  <a:outerShdw blurRad="38100" dist="38100" dir="2700000" algn="tl">
+                    <a:srgbClr val="000000">
+                      <a:alpha val="43137"/>
+                    </a:srgbClr>
+                  </a:outerShdw>
+                </a:effectLst>
+              </a:rPr>
+              <a:t>流束</a:t>
+            </a:r>
+            <a:r>
+              <a:rPr lang="en-US" altLang="ja-JP" sz="2400" b="1" dirty="0">
+                <a:effectLst>
+                  <a:outerShdw blurRad="38100" dist="38100" dir="2700000" algn="tl">
+                    <a:srgbClr val="000000">
+                      <a:alpha val="43137"/>
+                    </a:srgbClr>
+                  </a:outerShdw>
+                </a:effectLst>
+              </a:rPr>
+              <a:t>,</a:t>
+            </a:r>
+            <a:r>
+              <a:rPr lang="ja-JP" altLang="en-US" sz="2400" b="1" dirty="0">
+                <a:effectLst>
+                  <a:outerShdw blurRad="38100" dist="38100" dir="2700000" algn="tl">
+                    <a:srgbClr val="000000">
+                      <a:alpha val="43137"/>
+                    </a:srgbClr>
+                  </a:outerShdw>
+                </a:effectLst>
+              </a:rPr>
+              <a:t>移動量</a:t>
+            </a:r>
+            <a:r>
+              <a:rPr lang="en-US" altLang="ja-JP" sz="2400" b="1" dirty="0">
+                <a:effectLst>
+                  <a:outerShdw blurRad="38100" dist="38100" dir="2700000" algn="tl">
+                    <a:srgbClr val="000000">
+                      <a:alpha val="43137"/>
+                    </a:srgbClr>
+                  </a:outerShdw>
+                </a:effectLst>
+              </a:rPr>
+              <a:t>)</a:t>
+            </a:r>
+            <a:r>
+              <a:rPr lang="ja-JP" altLang="en-US" sz="2400" b="1" dirty="0">
+                <a:effectLst>
+                  <a:outerShdw blurRad="38100" dist="38100" dir="2700000" algn="tl">
+                    <a:srgbClr val="000000">
+                      <a:alpha val="43137"/>
+                    </a:srgbClr>
+                  </a:outerShdw>
+                </a:effectLst>
+              </a:rPr>
+              <a:t>に</a:t>
+            </a:r>
+            <a:r>
+              <a:rPr lang="ja-JP" altLang="en-US" sz="2400" b="1" dirty="0" smtClean="0">
+                <a:effectLst>
+                  <a:outerShdw blurRad="38100" dist="38100" dir="2700000" algn="tl">
+                    <a:srgbClr val="000000">
+                      <a:alpha val="43137"/>
+                    </a:srgbClr>
+                  </a:outerShdw>
+                </a:effectLst>
+              </a:rPr>
+              <a:t>よって統一的に表す</a:t>
+            </a:r>
+            <a:r>
+              <a:rPr lang="ja-JP" altLang="en-US" sz="2400" b="1" dirty="0">
+                <a:effectLst>
+                  <a:outerShdw blurRad="38100" dist="38100" dir="2700000" algn="tl">
+                    <a:srgbClr val="000000">
+                      <a:alpha val="43137"/>
+                    </a:srgbClr>
+                  </a:outerShdw>
+                </a:effectLst>
+              </a:rPr>
+              <a:t>ことが</a:t>
+            </a:r>
+            <a:r>
+              <a:rPr lang="ja-JP" altLang="en-US" sz="2400" b="1" dirty="0" smtClean="0">
+                <a:effectLst>
+                  <a:outerShdw blurRad="38100" dist="38100" dir="2700000" algn="tl">
+                    <a:srgbClr val="000000">
+                      <a:alpha val="43137"/>
+                    </a:srgbClr>
+                  </a:outerShdw>
+                </a:effectLst>
+              </a:rPr>
+              <a:t>出来ます。</a:t>
+            </a:r>
+            <a:endParaRPr lang="en-US" altLang="ja-JP" sz="2400" b="1" dirty="0">
+              <a:effectLst>
+                <a:outerShdw blurRad="38100" dist="38100" dir="2700000" algn="tl">
+                  <a:srgbClr val="000000">
+                    <a:alpha val="43137"/>
+                  </a:srgbClr>
+                </a:outerShdw>
+              </a:effectLst>
+            </a:endParaRPr>
           </a:p>
         </p:txBody>
       </p:sp>
@@ -13763,7 +13412,7 @@
 </p:sld>
 </file>
 
-<file path=ppt/slides/slide23.xml><?xml version="1.0" encoding="utf-8"?>
+<file path=ppt/slides/slide22.xml><?xml version="1.0" encoding="utf-8"?>
 <p:sld xmlns:a="http://schemas.openxmlformats.org/drawingml/2006/main" xmlns:r="http://schemas.openxmlformats.org/officeDocument/2006/relationships" xmlns:p="http://schemas.openxmlformats.org/presentationml/2006/main">
   <p:cSld>
     <p:spTree>
@@ -13803,7 +13452,7 @@
           <a:p>
             <a:fld id="{D836F367-8F14-4921-8441-15DE2D973248}" type="slidenum">
               <a:rPr kumimoji="1" lang="ja-JP" altLang="en-US" smtClean="0"/>
-              <a:t>23</a:t>
+              <a:t>22</a:t>
             </a:fld>
             <a:endParaRPr kumimoji="1" lang="ja-JP" altLang="en-US"/>
           </a:p>
@@ -13823,8 +13472,8 @@
         </p:nvSpPr>
         <p:spPr>
           <a:xfrm>
-            <a:off x="179666" y="87415"/>
-            <a:ext cx="7437934" cy="579646"/>
+            <a:off x="179665" y="87415"/>
+            <a:ext cx="8799365" cy="579646"/>
           </a:xfrm>
           <a:prstGeom prst="rect">
             <a:avLst/>
@@ -13834,12 +13483,12 @@
           </a:ln>
           <a:extLst>
             <a:ext uri="{C572A759-6A51-4108-AA02-DFA0A04FC94B}">
-              <ma14:wrappingTextBoxFlag xmlns:ma14="http://schemas.microsoft.com/office/mac/drawingml/2011/main" xmlns="" val="1"/>
+              <ma14:wrappingTextBoxFlag xmlns="" xmlns:ma14="http://schemas.microsoft.com/office/mac/drawingml/2011/main" val="1"/>
             </a:ext>
           </a:extLst>
         </p:spPr>
         <p:txBody>
-          <a:bodyPr wrap="none" lIns="50800" tIns="50800" rIns="50800" bIns="50800" anchor="ctr">
+          <a:bodyPr wrap="square" lIns="50800" tIns="50800" rIns="50800" bIns="50800" anchor="ctr">
             <a:spAutoFit/>
           </a:bodyPr>
           <a:lstStyle/>
@@ -13854,7 +13503,23 @@
             </a:pPr>
             <a:r>
               <a:rPr lang="ja-JP" altLang="en-US" dirty="0"/>
-              <a:t>物理現象の一般化 ー 固体の熱伝導の場合</a:t>
+              <a:t>ポテンシャルと</a:t>
+            </a:r>
+            <a:r>
+              <a:rPr lang="ja-JP" altLang="en-US" dirty="0" smtClean="0"/>
+              <a:t>フロー </a:t>
+            </a:r>
+            <a:r>
+              <a:rPr lang="en-US" altLang="ja-JP" dirty="0" smtClean="0"/>
+              <a:t>-</a:t>
+            </a:r>
+            <a:r>
+              <a:rPr lang="ja-JP" altLang="en-US" dirty="0" smtClean="0"/>
+              <a:t> </a:t>
+            </a:r>
+            <a:r>
+              <a:rPr lang="ja-JP" altLang="en-US" dirty="0"/>
+              <a:t>固体の熱伝導の場合</a:t>
             </a:r>
             <a:endParaRPr lang="en-US" altLang="ja-JP" dirty="0"/>
           </a:p>
@@ -13913,15 +13578,15 @@
               <a:t>に比例して熱流量</a:t>
             </a:r>
             <a:r>
-              <a:rPr lang="en-US" altLang="ja-JP" sz="2400" dirty="0"/>
+              <a:rPr lang="en-US" altLang="ja-JP" sz="2400" dirty="0" smtClean="0"/>
               <a:t>(</a:t>
             </a:r>
             <a:r>
-              <a:rPr lang="ja-JP" altLang="en-US" sz="2400" dirty="0"/>
-              <a:t>フラックス</a:t>
-            </a:r>
-            <a:r>
-              <a:rPr lang="en-US" altLang="ja-JP" sz="2400" dirty="0"/>
+              <a:rPr lang="ja-JP" altLang="en-US" sz="2400" dirty="0" smtClean="0"/>
+              <a:t>フロー</a:t>
+            </a:r>
+            <a:r>
+              <a:rPr lang="en-US" altLang="ja-JP" sz="2400" dirty="0" smtClean="0"/>
               <a:t>)</a:t>
             </a:r>
             <a:r>
@@ -14748,7 +14413,7 @@
         <p:spPr>
           <a:xfrm>
             <a:off x="7256709" y="4458157"/>
-            <a:ext cx="1723549" cy="461665"/>
+            <a:ext cx="1107996" cy="461665"/>
           </a:xfrm>
           <a:prstGeom prst="rect">
             <a:avLst/>
@@ -14763,9 +14428,10 @@
           <a:p>
             <a:pPr algn="l"/>
             <a:r>
-              <a:rPr kumimoji="1" lang="ja-JP" altLang="en-US" sz="2400" dirty="0"/>
-              <a:t>フラックス</a:t>
-            </a:r>
+              <a:rPr kumimoji="1" lang="ja-JP" altLang="en-US" sz="2400" dirty="0" smtClean="0"/>
+              <a:t>フロー</a:t>
+            </a:r>
+            <a:endParaRPr kumimoji="1" lang="ja-JP" altLang="en-US" sz="2400" dirty="0"/>
           </a:p>
         </p:txBody>
       </p:sp>
@@ -15006,7 +14672,7 @@
 </p:sld>
 </file>
 
-<file path=ppt/slides/slide24.xml><?xml version="1.0" encoding="utf-8"?>
+<file path=ppt/slides/slide23.xml><?xml version="1.0" encoding="utf-8"?>
 <p:sld xmlns:a="http://schemas.openxmlformats.org/drawingml/2006/main" xmlns:r="http://schemas.openxmlformats.org/officeDocument/2006/relationships" xmlns:p="http://schemas.openxmlformats.org/presentationml/2006/main">
   <p:cSld>
     <p:spTree>
@@ -15025,61 +14691,6 @@
       </p:grpSpPr>
       <p:sp>
         <p:nvSpPr>
-          <p:cNvPr id="135" name="四角形: 角を丸くする 134">
-            <a:extLst>
-              <a:ext uri="{FF2B5EF4-FFF2-40B4-BE49-F238E27FC236}">
-                <a16:creationId xmlns:a16="http://schemas.microsoft.com/office/drawing/2014/main" id="{5B13F92B-CAF0-4F20-B524-51F7D398B1A1}"/>
-              </a:ext>
-            </a:extLst>
-          </p:cNvPr>
-          <p:cNvSpPr/>
-          <p:nvPr/>
-        </p:nvSpPr>
-        <p:spPr>
-          <a:xfrm>
-            <a:off x="6670226" y="3666260"/>
-            <a:ext cx="3042186" cy="2672755"/>
-          </a:xfrm>
-          <a:prstGeom prst="roundRect">
-            <a:avLst/>
-          </a:prstGeom>
-          <a:solidFill>
-            <a:schemeClr val="accent6">
-              <a:lumMod val="20000"/>
-              <a:lumOff val="80000"/>
-            </a:schemeClr>
-          </a:solidFill>
-          <a:ln>
-            <a:noFill/>
-          </a:ln>
-        </p:spPr>
-        <p:style>
-          <a:lnRef idx="2">
-            <a:schemeClr val="accent1">
-              <a:shade val="50000"/>
-            </a:schemeClr>
-          </a:lnRef>
-          <a:fillRef idx="1">
-            <a:schemeClr val="accent1"/>
-          </a:fillRef>
-          <a:effectRef idx="0">
-            <a:schemeClr val="accent1"/>
-          </a:effectRef>
-          <a:fontRef idx="minor">
-            <a:schemeClr val="lt1"/>
-          </a:fontRef>
-        </p:style>
-        <p:txBody>
-          <a:bodyPr rtlCol="0" anchor="ctr"/>
-          <a:lstStyle/>
-          <a:p>
-            <a:pPr algn="ctr"/>
-            <a:endParaRPr kumimoji="1" lang="ja-JP" altLang="en-US" dirty="0"/>
-          </a:p>
-        </p:txBody>
-      </p:sp>
-      <p:sp>
-        <p:nvSpPr>
           <p:cNvPr id="4" name="スライド番号プレースホルダー 3">
             <a:extLst>
               <a:ext uri="{FF2B5EF4-FFF2-40B4-BE49-F238E27FC236}">
@@ -15101,7 +14712,7 @@
           <a:p>
             <a:fld id="{D836F367-8F14-4921-8441-15DE2D973248}" type="slidenum">
               <a:rPr kumimoji="1" lang="ja-JP" altLang="en-US" smtClean="0"/>
-              <a:t>24</a:t>
+              <a:t>23</a:t>
             </a:fld>
             <a:endParaRPr kumimoji="1" lang="ja-JP" altLang="en-US"/>
           </a:p>
@@ -15121,8 +14732,8 @@
         </p:nvSpPr>
         <p:spPr>
           <a:xfrm>
-            <a:off x="179666" y="87415"/>
-            <a:ext cx="8630568" cy="579646"/>
+            <a:off x="179665" y="87415"/>
+            <a:ext cx="8799365" cy="579646"/>
           </a:xfrm>
           <a:prstGeom prst="rect">
             <a:avLst/>
@@ -15132,12 +14743,12 @@
           </a:ln>
           <a:extLst>
             <a:ext uri="{C572A759-6A51-4108-AA02-DFA0A04FC94B}">
-              <ma14:wrappingTextBoxFlag xmlns:ma14="http://schemas.microsoft.com/office/mac/drawingml/2011/main" xmlns="" val="1"/>
+              <ma14:wrappingTextBoxFlag xmlns="" xmlns:ma14="http://schemas.microsoft.com/office/mac/drawingml/2011/main" val="1"/>
             </a:ext>
           </a:extLst>
         </p:spPr>
         <p:txBody>
-          <a:bodyPr wrap="none" lIns="50800" tIns="50800" rIns="50800" bIns="50800" anchor="ctr">
+          <a:bodyPr wrap="square" lIns="50800" tIns="50800" rIns="50800" bIns="50800" anchor="ctr">
             <a:spAutoFit/>
           </a:bodyPr>
           <a:lstStyle/>
@@ -15152,7 +14763,19 @@
             </a:pPr>
             <a:r>
               <a:rPr lang="ja-JP" altLang="en-US" dirty="0"/>
-              <a:t>物理現象の一般化 ー ポテンシャルとフラックス</a:t>
+              <a:t>ポテンシャルと</a:t>
+            </a:r>
+            <a:r>
+              <a:rPr lang="ja-JP" altLang="en-US" dirty="0" smtClean="0"/>
+              <a:t>フロー </a:t>
+            </a:r>
+            <a:r>
+              <a:rPr lang="en-US" altLang="ja-JP" dirty="0" smtClean="0"/>
+              <a:t>–</a:t>
+            </a:r>
+            <a:r>
+              <a:rPr lang="ja-JP" altLang="en-US" dirty="0" smtClean="0"/>
+              <a:t> 各物理ドメイン</a:t>
             </a:r>
             <a:endParaRPr lang="en-US" altLang="ja-JP" dirty="0"/>
           </a:p>
@@ -15172,8 +14795,8 @@
         </p:nvSpPr>
         <p:spPr>
           <a:xfrm>
-            <a:off x="643371" y="858071"/>
-            <a:ext cx="11380573" cy="461665"/>
+            <a:off x="704331" y="729047"/>
+            <a:ext cx="11380573" cy="830997"/>
           </a:xfrm>
           <a:prstGeom prst="rect">
             <a:avLst/>
@@ -15187,1075 +14810,7 @@
           <a:lstStyle/>
           <a:p>
             <a:r>
-              <a:rPr kumimoji="1" lang="ja-JP" altLang="en-US" sz="2400" dirty="0"/>
-              <a:t>系が分岐する際はポテンシャルとフラックスは以下のように取り扱います。</a:t>
-            </a:r>
-          </a:p>
-        </p:txBody>
-      </p:sp>
-      <p:sp>
-        <p:nvSpPr>
-          <p:cNvPr id="14" name="正方形/長方形 13">
-            <a:extLst>
-              <a:ext uri="{FF2B5EF4-FFF2-40B4-BE49-F238E27FC236}">
-                <a16:creationId xmlns:a16="http://schemas.microsoft.com/office/drawing/2014/main" id="{D4E21BD4-8034-46D2-9C96-957EF00CDA1A}"/>
-              </a:ext>
-            </a:extLst>
-          </p:cNvPr>
-          <p:cNvSpPr/>
-          <p:nvPr/>
-        </p:nvSpPr>
-        <p:spPr>
-          <a:xfrm>
-            <a:off x="1443505" y="1563024"/>
-            <a:ext cx="7263527" cy="461665"/>
-          </a:xfrm>
-          <a:prstGeom prst="rect">
-            <a:avLst/>
-          </a:prstGeom>
-        </p:spPr>
-        <p:txBody>
-          <a:bodyPr wrap="none">
-            <a:spAutoFit/>
-          </a:bodyPr>
-          <a:lstStyle/>
-          <a:p>
-            <a:r>
-              <a:rPr lang="ja-JP" altLang="en-US" sz="2400" dirty="0"/>
-              <a:t>ポテンシャル　・・・　同じ物理量が受け渡される</a:t>
-            </a:r>
-          </a:p>
-        </p:txBody>
-      </p:sp>
-      <p:sp>
-        <p:nvSpPr>
-          <p:cNvPr id="44" name="正方形/長方形 43">
-            <a:extLst>
-              <a:ext uri="{FF2B5EF4-FFF2-40B4-BE49-F238E27FC236}">
-                <a16:creationId xmlns:a16="http://schemas.microsoft.com/office/drawing/2014/main" id="{B9C851CA-22EE-4F65-B1B2-1526E2F4019F}"/>
-              </a:ext>
-            </a:extLst>
-          </p:cNvPr>
-          <p:cNvSpPr/>
-          <p:nvPr/>
-        </p:nvSpPr>
-        <p:spPr>
-          <a:xfrm>
-            <a:off x="1443505" y="2232395"/>
-            <a:ext cx="7571303" cy="461665"/>
-          </a:xfrm>
-          <a:prstGeom prst="rect">
-            <a:avLst/>
-          </a:prstGeom>
-        </p:spPr>
-        <p:txBody>
-          <a:bodyPr wrap="none">
-            <a:spAutoFit/>
-          </a:bodyPr>
-          <a:lstStyle/>
-          <a:p>
-            <a:r>
-              <a:rPr lang="ja-JP" altLang="en-US" sz="2400" dirty="0"/>
-              <a:t>フラックス　　・・・　物理量の合計値が等しくなる</a:t>
-            </a:r>
-          </a:p>
-        </p:txBody>
-      </p:sp>
-      <p:grpSp>
-        <p:nvGrpSpPr>
-          <p:cNvPr id="125" name="グループ化 124">
-            <a:extLst>
-              <a:ext uri="{FF2B5EF4-FFF2-40B4-BE49-F238E27FC236}">
-                <a16:creationId xmlns:a16="http://schemas.microsoft.com/office/drawing/2014/main" id="{CEC1BF5D-1773-4014-AE0C-17012A660C2B}"/>
-              </a:ext>
-            </a:extLst>
-          </p:cNvPr>
-          <p:cNvGrpSpPr/>
-          <p:nvPr/>
-        </p:nvGrpSpPr>
-        <p:grpSpPr>
-          <a:xfrm>
-            <a:off x="1620469" y="4244602"/>
-            <a:ext cx="4302534" cy="1605678"/>
-            <a:chOff x="3190498" y="3730289"/>
-            <a:chExt cx="3024900" cy="1106530"/>
-          </a:xfrm>
-        </p:grpSpPr>
-        <p:sp>
-          <p:nvSpPr>
-            <p:cNvPr id="113" name="正方形/長方形 112">
-              <a:extLst>
-                <a:ext uri="{FF2B5EF4-FFF2-40B4-BE49-F238E27FC236}">
-                  <a16:creationId xmlns:a16="http://schemas.microsoft.com/office/drawing/2014/main" id="{3A23D419-FF33-4980-8ECB-93A2329A4741}"/>
-                </a:ext>
-              </a:extLst>
-            </p:cNvPr>
-            <p:cNvSpPr/>
-            <p:nvPr/>
-          </p:nvSpPr>
-          <p:spPr>
-            <a:xfrm>
-              <a:off x="5075268" y="3730289"/>
-              <a:ext cx="916277" cy="207142"/>
-            </a:xfrm>
-            <a:prstGeom prst="rect">
-              <a:avLst/>
-            </a:prstGeom>
-            <a:solidFill>
-              <a:schemeClr val="bg1"/>
-            </a:solidFill>
-            <a:ln>
-              <a:solidFill>
-                <a:schemeClr val="tx1"/>
-              </a:solidFill>
-            </a:ln>
-          </p:spPr>
-          <p:style>
-            <a:lnRef idx="2">
-              <a:schemeClr val="accent1">
-                <a:shade val="50000"/>
-              </a:schemeClr>
-            </a:lnRef>
-            <a:fillRef idx="1">
-              <a:schemeClr val="accent1"/>
-            </a:fillRef>
-            <a:effectRef idx="0">
-              <a:schemeClr val="accent1"/>
-            </a:effectRef>
-            <a:fontRef idx="minor">
-              <a:schemeClr val="lt1"/>
-            </a:fontRef>
-          </p:style>
-          <p:txBody>
-            <a:bodyPr rtlCol="0" anchor="ctr"/>
-            <a:lstStyle/>
-            <a:p>
-              <a:pPr algn="ctr"/>
-              <a:endParaRPr kumimoji="1" lang="ja-JP" altLang="en-US"/>
-            </a:p>
-          </p:txBody>
-        </p:sp>
-        <p:sp>
-          <p:nvSpPr>
-            <p:cNvPr id="114" name="正方形/長方形 113">
-              <a:extLst>
-                <a:ext uri="{FF2B5EF4-FFF2-40B4-BE49-F238E27FC236}">
-                  <a16:creationId xmlns:a16="http://schemas.microsoft.com/office/drawing/2014/main" id="{652D6F9C-2800-427A-8572-E5CD3AA371E6}"/>
-                </a:ext>
-              </a:extLst>
-            </p:cNvPr>
-            <p:cNvSpPr/>
-            <p:nvPr/>
-          </p:nvSpPr>
-          <p:spPr>
-            <a:xfrm>
-              <a:off x="5075268" y="4629677"/>
-              <a:ext cx="916277" cy="207142"/>
-            </a:xfrm>
-            <a:prstGeom prst="rect">
-              <a:avLst/>
-            </a:prstGeom>
-            <a:solidFill>
-              <a:schemeClr val="bg1"/>
-            </a:solidFill>
-            <a:ln>
-              <a:solidFill>
-                <a:schemeClr val="tx1"/>
-              </a:solidFill>
-            </a:ln>
-          </p:spPr>
-          <p:style>
-            <a:lnRef idx="2">
-              <a:schemeClr val="accent1">
-                <a:shade val="50000"/>
-              </a:schemeClr>
-            </a:lnRef>
-            <a:fillRef idx="1">
-              <a:schemeClr val="accent1"/>
-            </a:fillRef>
-            <a:effectRef idx="0">
-              <a:schemeClr val="accent1"/>
-            </a:effectRef>
-            <a:fontRef idx="minor">
-              <a:schemeClr val="lt1"/>
-            </a:fontRef>
-          </p:style>
-          <p:txBody>
-            <a:bodyPr rtlCol="0" anchor="ctr"/>
-            <a:lstStyle/>
-            <a:p>
-              <a:pPr algn="ctr"/>
-              <a:endParaRPr kumimoji="1" lang="ja-JP" altLang="en-US"/>
-            </a:p>
-          </p:txBody>
-        </p:sp>
-        <p:sp>
-          <p:nvSpPr>
-            <p:cNvPr id="115" name="正方形/長方形 114">
-              <a:extLst>
-                <a:ext uri="{FF2B5EF4-FFF2-40B4-BE49-F238E27FC236}">
-                  <a16:creationId xmlns:a16="http://schemas.microsoft.com/office/drawing/2014/main" id="{265012B7-6AD4-4AFA-BA38-31B6B4AE91DD}"/>
-                </a:ext>
-              </a:extLst>
-            </p:cNvPr>
-            <p:cNvSpPr/>
-            <p:nvPr/>
-          </p:nvSpPr>
-          <p:spPr>
-            <a:xfrm>
-              <a:off x="3510393" y="4154188"/>
-              <a:ext cx="916277" cy="207142"/>
-            </a:xfrm>
-            <a:prstGeom prst="rect">
-              <a:avLst/>
-            </a:prstGeom>
-            <a:solidFill>
-              <a:schemeClr val="bg1"/>
-            </a:solidFill>
-            <a:ln>
-              <a:solidFill>
-                <a:schemeClr val="tx1"/>
-              </a:solidFill>
-            </a:ln>
-          </p:spPr>
-          <p:style>
-            <a:lnRef idx="2">
-              <a:schemeClr val="accent1">
-                <a:shade val="50000"/>
-              </a:schemeClr>
-            </a:lnRef>
-            <a:fillRef idx="1">
-              <a:schemeClr val="accent1"/>
-            </a:fillRef>
-            <a:effectRef idx="0">
-              <a:schemeClr val="accent1"/>
-            </a:effectRef>
-            <a:fontRef idx="minor">
-              <a:schemeClr val="lt1"/>
-            </a:fontRef>
-          </p:style>
-          <p:txBody>
-            <a:bodyPr rtlCol="0" anchor="ctr"/>
-            <a:lstStyle/>
-            <a:p>
-              <a:pPr algn="ctr"/>
-              <a:endParaRPr kumimoji="1" lang="ja-JP" altLang="en-US"/>
-            </a:p>
-          </p:txBody>
-        </p:sp>
-        <p:cxnSp>
-          <p:nvCxnSpPr>
-            <p:cNvPr id="117" name="コネクタ: カギ線 116">
-              <a:extLst>
-                <a:ext uri="{FF2B5EF4-FFF2-40B4-BE49-F238E27FC236}">
-                  <a16:creationId xmlns:a16="http://schemas.microsoft.com/office/drawing/2014/main" id="{6E420278-4F85-49CF-A723-97A4F856FD09}"/>
-                </a:ext>
-              </a:extLst>
-            </p:cNvPr>
-            <p:cNvCxnSpPr>
-              <a:stCxn id="115" idx="3"/>
-              <a:endCxn id="113" idx="1"/>
-            </p:cNvCxnSpPr>
-            <p:nvPr/>
-          </p:nvCxnSpPr>
-          <p:spPr>
-            <a:xfrm flipV="1">
-              <a:off x="4426670" y="3833860"/>
-              <a:ext cx="648598" cy="423899"/>
-            </a:xfrm>
-            <a:prstGeom prst="bentConnector3">
-              <a:avLst/>
-            </a:prstGeom>
-            <a:ln w="28575">
-              <a:solidFill>
-                <a:schemeClr val="tx1"/>
-              </a:solidFill>
-              <a:headEnd type="none" w="med" len="med"/>
-              <a:tailEnd type="none" w="med" len="med"/>
-            </a:ln>
-          </p:spPr>
-          <p:style>
-            <a:lnRef idx="1">
-              <a:schemeClr val="accent1"/>
-            </a:lnRef>
-            <a:fillRef idx="0">
-              <a:schemeClr val="accent1"/>
-            </a:fillRef>
-            <a:effectRef idx="0">
-              <a:schemeClr val="accent1"/>
-            </a:effectRef>
-            <a:fontRef idx="minor">
-              <a:schemeClr val="tx1"/>
-            </a:fontRef>
-          </p:style>
-        </p:cxnSp>
-        <p:cxnSp>
-          <p:nvCxnSpPr>
-            <p:cNvPr id="118" name="コネクタ: カギ線 117">
-              <a:extLst>
-                <a:ext uri="{FF2B5EF4-FFF2-40B4-BE49-F238E27FC236}">
-                  <a16:creationId xmlns:a16="http://schemas.microsoft.com/office/drawing/2014/main" id="{78C729A5-CE36-4E8E-99EE-C2A000950288}"/>
-                </a:ext>
-              </a:extLst>
-            </p:cNvPr>
-            <p:cNvCxnSpPr>
-              <a:cxnSpLocks/>
-              <a:stCxn id="115" idx="3"/>
-              <a:endCxn id="114" idx="1"/>
-            </p:cNvCxnSpPr>
-            <p:nvPr/>
-          </p:nvCxnSpPr>
-          <p:spPr>
-            <a:xfrm>
-              <a:off x="4426670" y="4257759"/>
-              <a:ext cx="648598" cy="475489"/>
-            </a:xfrm>
-            <a:prstGeom prst="bentConnector3">
-              <a:avLst/>
-            </a:prstGeom>
-            <a:ln w="28575">
-              <a:solidFill>
-                <a:schemeClr val="tx1"/>
-              </a:solidFill>
-              <a:headEnd type="none" w="med" len="med"/>
-              <a:tailEnd type="none" w="med" len="med"/>
-            </a:ln>
-          </p:spPr>
-          <p:style>
-            <a:lnRef idx="1">
-              <a:schemeClr val="accent1"/>
-            </a:lnRef>
-            <a:fillRef idx="0">
-              <a:schemeClr val="accent1"/>
-            </a:fillRef>
-            <a:effectRef idx="0">
-              <a:schemeClr val="accent1"/>
-            </a:effectRef>
-            <a:fontRef idx="minor">
-              <a:schemeClr val="tx1"/>
-            </a:fontRef>
-          </p:style>
-        </p:cxnSp>
-        <p:cxnSp>
-          <p:nvCxnSpPr>
-            <p:cNvPr id="122" name="直線コネクタ 121">
-              <a:extLst>
-                <a:ext uri="{FF2B5EF4-FFF2-40B4-BE49-F238E27FC236}">
-                  <a16:creationId xmlns:a16="http://schemas.microsoft.com/office/drawing/2014/main" id="{A0F247B2-2601-4F4C-908E-D315BA423A76}"/>
-                </a:ext>
-              </a:extLst>
-            </p:cNvPr>
-            <p:cNvCxnSpPr>
-              <a:cxnSpLocks/>
-              <a:stCxn id="115" idx="1"/>
-            </p:cNvCxnSpPr>
-            <p:nvPr/>
-          </p:nvCxnSpPr>
-          <p:spPr>
-            <a:xfrm flipH="1">
-              <a:off x="3190498" y="4257759"/>
-              <a:ext cx="319895" cy="0"/>
-            </a:xfrm>
-            <a:prstGeom prst="line">
-              <a:avLst/>
-            </a:prstGeom>
-            <a:ln w="28575">
-              <a:solidFill>
-                <a:schemeClr val="tx1"/>
-              </a:solidFill>
-              <a:headEnd type="arrow" w="med" len="med"/>
-              <a:tailEnd type="none" w="med" len="med"/>
-            </a:ln>
-          </p:spPr>
-          <p:style>
-            <a:lnRef idx="1">
-              <a:schemeClr val="accent1"/>
-            </a:lnRef>
-            <a:fillRef idx="0">
-              <a:schemeClr val="accent1"/>
-            </a:fillRef>
-            <a:effectRef idx="0">
-              <a:schemeClr val="accent1"/>
-            </a:effectRef>
-            <a:fontRef idx="minor">
-              <a:schemeClr val="tx1"/>
-            </a:fontRef>
-          </p:style>
-        </p:cxnSp>
-        <p:cxnSp>
-          <p:nvCxnSpPr>
-            <p:cNvPr id="123" name="直線コネクタ 122">
-              <a:extLst>
-                <a:ext uri="{FF2B5EF4-FFF2-40B4-BE49-F238E27FC236}">
-                  <a16:creationId xmlns:a16="http://schemas.microsoft.com/office/drawing/2014/main" id="{BEF32117-4CBD-4DCB-9B9D-1CDFEFC09B1C}"/>
-                </a:ext>
-              </a:extLst>
-            </p:cNvPr>
-            <p:cNvCxnSpPr/>
-            <p:nvPr/>
-          </p:nvCxnSpPr>
-          <p:spPr>
-            <a:xfrm flipH="1">
-              <a:off x="5991545" y="3845038"/>
-              <a:ext cx="215646" cy="0"/>
-            </a:xfrm>
-            <a:prstGeom prst="line">
-              <a:avLst/>
-            </a:prstGeom>
-            <a:ln w="28575">
-              <a:solidFill>
-                <a:schemeClr val="tx1"/>
-              </a:solidFill>
-              <a:headEnd type="arrow" w="med" len="med"/>
-              <a:tailEnd type="none" w="med" len="med"/>
-            </a:ln>
-          </p:spPr>
-          <p:style>
-            <a:lnRef idx="1">
-              <a:schemeClr val="accent1"/>
-            </a:lnRef>
-            <a:fillRef idx="0">
-              <a:schemeClr val="accent1"/>
-            </a:fillRef>
-            <a:effectRef idx="0">
-              <a:schemeClr val="accent1"/>
-            </a:effectRef>
-            <a:fontRef idx="minor">
-              <a:schemeClr val="tx1"/>
-            </a:fontRef>
-          </p:style>
-        </p:cxnSp>
-        <p:cxnSp>
-          <p:nvCxnSpPr>
-            <p:cNvPr id="124" name="直線コネクタ 123">
-              <a:extLst>
-                <a:ext uri="{FF2B5EF4-FFF2-40B4-BE49-F238E27FC236}">
-                  <a16:creationId xmlns:a16="http://schemas.microsoft.com/office/drawing/2014/main" id="{84CAFE43-0E59-40A5-81BC-44056BF63131}"/>
-                </a:ext>
-              </a:extLst>
-            </p:cNvPr>
-            <p:cNvCxnSpPr/>
-            <p:nvPr/>
-          </p:nvCxnSpPr>
-          <p:spPr>
-            <a:xfrm flipH="1">
-              <a:off x="5999752" y="4718860"/>
-              <a:ext cx="215646" cy="0"/>
-            </a:xfrm>
-            <a:prstGeom prst="line">
-              <a:avLst/>
-            </a:prstGeom>
-            <a:ln w="28575">
-              <a:solidFill>
-                <a:schemeClr val="tx1"/>
-              </a:solidFill>
-              <a:headEnd type="arrow" w="med" len="med"/>
-              <a:tailEnd type="none" w="med" len="med"/>
-            </a:ln>
-          </p:spPr>
-          <p:style>
-            <a:lnRef idx="1">
-              <a:schemeClr val="accent1"/>
-            </a:lnRef>
-            <a:fillRef idx="0">
-              <a:schemeClr val="accent1"/>
-            </a:fillRef>
-            <a:effectRef idx="0">
-              <a:schemeClr val="accent1"/>
-            </a:effectRef>
-            <a:fontRef idx="minor">
-              <a:schemeClr val="tx1"/>
-            </a:fontRef>
-          </p:style>
-        </p:cxnSp>
-      </p:grpSp>
-      <p:sp>
-        <p:nvSpPr>
-          <p:cNvPr id="126" name="テキスト ボックス 125">
-            <a:extLst>
-              <a:ext uri="{FF2B5EF4-FFF2-40B4-BE49-F238E27FC236}">
-                <a16:creationId xmlns:a16="http://schemas.microsoft.com/office/drawing/2014/main" id="{62C71E97-DA7A-4F93-9345-A0417ADD7374}"/>
-              </a:ext>
-            </a:extLst>
-          </p:cNvPr>
-          <p:cNvSpPr txBox="1"/>
-          <p:nvPr/>
-        </p:nvSpPr>
-        <p:spPr>
-          <a:xfrm>
-            <a:off x="2310401" y="6096238"/>
-            <a:ext cx="3570208" cy="461665"/>
-          </a:xfrm>
-          <a:prstGeom prst="rect">
-            <a:avLst/>
-          </a:prstGeom>
-          <a:noFill/>
-        </p:spPr>
-        <p:txBody>
-          <a:bodyPr wrap="none" rtlCol="0">
-            <a:spAutoFit/>
-          </a:bodyPr>
-          <a:lstStyle/>
-          <a:p>
-            <a:pPr algn="l"/>
-            <a:r>
-              <a:rPr kumimoji="1" lang="ja-JP" altLang="en-US" sz="2400" u="sng" dirty="0"/>
-              <a:t>並列接続された電気抵抗</a:t>
-            </a:r>
-          </a:p>
-        </p:txBody>
-      </p:sp>
-      <p:sp>
-        <p:nvSpPr>
-          <p:cNvPr id="127" name="テキスト ボックス 126">
-            <a:extLst>
-              <a:ext uri="{FF2B5EF4-FFF2-40B4-BE49-F238E27FC236}">
-                <a16:creationId xmlns:a16="http://schemas.microsoft.com/office/drawing/2014/main" id="{784732C3-B589-46A2-A50D-7DED6257AB0E}"/>
-              </a:ext>
-            </a:extLst>
-          </p:cNvPr>
-          <p:cNvSpPr txBox="1"/>
-          <p:nvPr/>
-        </p:nvSpPr>
-        <p:spPr>
-          <a:xfrm>
-            <a:off x="643370" y="2884688"/>
-            <a:ext cx="11380573" cy="830997"/>
-          </a:xfrm>
-          <a:prstGeom prst="rect">
-            <a:avLst/>
-          </a:prstGeom>
-          <a:noFill/>
-        </p:spPr>
-        <p:txBody>
-          <a:bodyPr wrap="square" rtlCol="0">
-            <a:spAutoFit/>
-          </a:bodyPr>
-          <a:lstStyle/>
-          <a:p>
-            <a:r>
-              <a:rPr kumimoji="1" lang="ja-JP" altLang="en-US" sz="2400" dirty="0"/>
-              <a:t>電気回路の場合、分岐点でのポテンシャルとフラックスは以下のようになります</a:t>
-            </a:r>
-            <a:endParaRPr kumimoji="1" lang="en-US" altLang="ja-JP" sz="2400" dirty="0"/>
-          </a:p>
-          <a:p>
-            <a:r>
-              <a:rPr kumimoji="1" lang="ja-JP" altLang="en-US" sz="2400" dirty="0"/>
-              <a:t>　電圧</a:t>
-            </a:r>
-            <a:r>
-              <a:rPr kumimoji="1" lang="en-US" altLang="ja-JP" sz="2400" dirty="0"/>
-              <a:t>V</a:t>
-            </a:r>
-            <a:r>
-              <a:rPr kumimoji="1" lang="ja-JP" altLang="en-US" sz="2400" dirty="0"/>
-              <a:t>：ポテンシャル、電流</a:t>
-            </a:r>
-            <a:r>
-              <a:rPr kumimoji="1" lang="en-US" altLang="ja-JP" sz="2400" dirty="0" err="1"/>
-              <a:t>i</a:t>
-            </a:r>
-            <a:r>
-              <a:rPr kumimoji="1" lang="ja-JP" altLang="en-US" sz="2400" dirty="0"/>
-              <a:t>：フラックス</a:t>
-            </a:r>
-          </a:p>
-        </p:txBody>
-      </p:sp>
-      <p:sp>
-        <p:nvSpPr>
-          <p:cNvPr id="128" name="テキスト ボックス 127">
-            <a:extLst>
-              <a:ext uri="{FF2B5EF4-FFF2-40B4-BE49-F238E27FC236}">
-                <a16:creationId xmlns:a16="http://schemas.microsoft.com/office/drawing/2014/main" id="{F7069CAA-E089-43DF-936A-883601EAFE77}"/>
-              </a:ext>
-            </a:extLst>
-          </p:cNvPr>
-          <p:cNvSpPr txBox="1"/>
-          <p:nvPr/>
-        </p:nvSpPr>
-        <p:spPr>
-          <a:xfrm>
-            <a:off x="7284254" y="4313619"/>
-            <a:ext cx="1800493" cy="523220"/>
-          </a:xfrm>
-          <a:prstGeom prst="rect">
-            <a:avLst/>
-          </a:prstGeom>
-          <a:noFill/>
-        </p:spPr>
-        <p:txBody>
-          <a:bodyPr wrap="none" rtlCol="0">
-            <a:spAutoFit/>
-          </a:bodyPr>
-          <a:lstStyle/>
-          <a:p>
-            <a:pPr algn="l"/>
-            <a:r>
-              <a:rPr kumimoji="1" lang="en-US" altLang="ja-JP" sz="2800" dirty="0"/>
-              <a:t>V</a:t>
-            </a:r>
-            <a:r>
-              <a:rPr kumimoji="1" lang="en-US" altLang="ja-JP" sz="2800" baseline="-25000" dirty="0"/>
-              <a:t>1</a:t>
-            </a:r>
-            <a:r>
-              <a:rPr kumimoji="1" lang="en-US" altLang="ja-JP" sz="2800" dirty="0"/>
-              <a:t>=V</a:t>
-            </a:r>
-            <a:r>
-              <a:rPr kumimoji="1" lang="en-US" altLang="ja-JP" sz="2800" baseline="-25000" dirty="0"/>
-              <a:t>2</a:t>
-            </a:r>
-            <a:r>
-              <a:rPr kumimoji="1" lang="en-US" altLang="ja-JP" sz="2800" dirty="0"/>
-              <a:t>=V</a:t>
-            </a:r>
-            <a:r>
-              <a:rPr kumimoji="1" lang="en-US" altLang="ja-JP" sz="2800" baseline="-25000" dirty="0"/>
-              <a:t>3</a:t>
-            </a:r>
-            <a:endParaRPr kumimoji="1" lang="ja-JP" altLang="en-US" sz="2800" baseline="-25000" dirty="0"/>
-          </a:p>
-        </p:txBody>
-      </p:sp>
-      <p:sp>
-        <p:nvSpPr>
-          <p:cNvPr id="129" name="テキスト ボックス 128">
-            <a:extLst>
-              <a:ext uri="{FF2B5EF4-FFF2-40B4-BE49-F238E27FC236}">
-                <a16:creationId xmlns:a16="http://schemas.microsoft.com/office/drawing/2014/main" id="{4D9832EC-6657-47DA-9369-E2E5BC9823E6}"/>
-              </a:ext>
-            </a:extLst>
-          </p:cNvPr>
-          <p:cNvSpPr txBox="1"/>
-          <p:nvPr/>
-        </p:nvSpPr>
-        <p:spPr>
-          <a:xfrm>
-            <a:off x="7003690" y="5496328"/>
-            <a:ext cx="2108269" cy="584775"/>
-          </a:xfrm>
-          <a:prstGeom prst="rect">
-            <a:avLst/>
-          </a:prstGeom>
-          <a:noFill/>
-        </p:spPr>
-        <p:txBody>
-          <a:bodyPr wrap="square" rtlCol="0">
-            <a:spAutoFit/>
-          </a:bodyPr>
-          <a:lstStyle/>
-          <a:p>
-            <a:pPr algn="ctr"/>
-            <a:r>
-              <a:rPr kumimoji="1" lang="en-US" altLang="ja-JP" sz="3200" dirty="0"/>
-              <a:t>i</a:t>
-            </a:r>
-            <a:r>
-              <a:rPr kumimoji="1" lang="en-US" altLang="ja-JP" sz="3200" baseline="-25000" dirty="0"/>
-              <a:t>1</a:t>
-            </a:r>
-            <a:r>
-              <a:rPr kumimoji="1" lang="en-US" altLang="ja-JP" sz="3200" dirty="0"/>
-              <a:t>=i</a:t>
-            </a:r>
-            <a:r>
-              <a:rPr kumimoji="1" lang="en-US" altLang="ja-JP" sz="3200" baseline="-25000" dirty="0"/>
-              <a:t>2</a:t>
-            </a:r>
-            <a:r>
-              <a:rPr kumimoji="1" lang="en-US" altLang="ja-JP" sz="3200" dirty="0"/>
-              <a:t>+i</a:t>
-            </a:r>
-            <a:r>
-              <a:rPr kumimoji="1" lang="en-US" altLang="ja-JP" sz="3200" baseline="-25000" dirty="0"/>
-              <a:t>3</a:t>
-            </a:r>
-            <a:endParaRPr kumimoji="1" lang="ja-JP" altLang="en-US" sz="3200" baseline="-25000" dirty="0"/>
-          </a:p>
-        </p:txBody>
-      </p:sp>
-      <p:sp>
-        <p:nvSpPr>
-          <p:cNvPr id="131" name="テキスト ボックス 130">
-            <a:extLst>
-              <a:ext uri="{FF2B5EF4-FFF2-40B4-BE49-F238E27FC236}">
-                <a16:creationId xmlns:a16="http://schemas.microsoft.com/office/drawing/2014/main" id="{B975022F-822F-4D8B-92A4-18998F1424AC}"/>
-              </a:ext>
-            </a:extLst>
-          </p:cNvPr>
-          <p:cNvSpPr txBox="1"/>
-          <p:nvPr/>
-        </p:nvSpPr>
-        <p:spPr>
-          <a:xfrm>
-            <a:off x="2970518" y="4151833"/>
-            <a:ext cx="445956" cy="707886"/>
-          </a:xfrm>
-          <a:prstGeom prst="rect">
-            <a:avLst/>
-          </a:prstGeom>
-          <a:noFill/>
-        </p:spPr>
-        <p:txBody>
-          <a:bodyPr wrap="none" rtlCol="0">
-            <a:spAutoFit/>
-          </a:bodyPr>
-          <a:lstStyle/>
-          <a:p>
-            <a:pPr algn="l"/>
-            <a:r>
-              <a:rPr kumimoji="1" lang="en-US" altLang="ja-JP" sz="2000" dirty="0"/>
-              <a:t>V</a:t>
-            </a:r>
-            <a:r>
-              <a:rPr kumimoji="1" lang="en-US" altLang="ja-JP" sz="2000" baseline="-25000" dirty="0"/>
-              <a:t>1</a:t>
-            </a:r>
-          </a:p>
-          <a:p>
-            <a:pPr algn="l"/>
-            <a:r>
-              <a:rPr lang="en-US" altLang="ja-JP" sz="2000" dirty="0"/>
-              <a:t>i</a:t>
-            </a:r>
-            <a:r>
-              <a:rPr lang="en-US" altLang="ja-JP" sz="2000" baseline="-25000" dirty="0"/>
-              <a:t>1</a:t>
-            </a:r>
-            <a:endParaRPr kumimoji="1" lang="ja-JP" altLang="en-US" sz="2000" baseline="-25000" dirty="0"/>
-          </a:p>
-        </p:txBody>
-      </p:sp>
-      <p:sp>
-        <p:nvSpPr>
-          <p:cNvPr id="132" name="テキスト ボックス 131">
-            <a:extLst>
-              <a:ext uri="{FF2B5EF4-FFF2-40B4-BE49-F238E27FC236}">
-                <a16:creationId xmlns:a16="http://schemas.microsoft.com/office/drawing/2014/main" id="{FED7F369-7F79-4F2A-A8D6-17D4A02F7D1D}"/>
-              </a:ext>
-            </a:extLst>
-          </p:cNvPr>
-          <p:cNvSpPr txBox="1"/>
-          <p:nvPr/>
-        </p:nvSpPr>
-        <p:spPr>
-          <a:xfrm>
-            <a:off x="4008107" y="3657307"/>
-            <a:ext cx="445956" cy="707886"/>
-          </a:xfrm>
-          <a:prstGeom prst="rect">
-            <a:avLst/>
-          </a:prstGeom>
-          <a:noFill/>
-        </p:spPr>
-        <p:txBody>
-          <a:bodyPr wrap="none" rtlCol="0">
-            <a:spAutoFit/>
-          </a:bodyPr>
-          <a:lstStyle/>
-          <a:p>
-            <a:pPr algn="l"/>
-            <a:r>
-              <a:rPr kumimoji="1" lang="en-US" altLang="ja-JP" sz="2000" dirty="0"/>
-              <a:t>V</a:t>
-            </a:r>
-            <a:r>
-              <a:rPr kumimoji="1" lang="en-US" altLang="ja-JP" sz="2000" baseline="-25000" dirty="0"/>
-              <a:t>2</a:t>
-            </a:r>
-          </a:p>
-          <a:p>
-            <a:pPr algn="l"/>
-            <a:r>
-              <a:rPr lang="en-US" altLang="ja-JP" sz="2000" dirty="0"/>
-              <a:t>i</a:t>
-            </a:r>
-            <a:r>
-              <a:rPr lang="en-US" altLang="ja-JP" sz="2000" baseline="-25000" dirty="0"/>
-              <a:t>2</a:t>
-            </a:r>
-            <a:endParaRPr kumimoji="1" lang="ja-JP" altLang="en-US" sz="2000" baseline="-25000" dirty="0"/>
-          </a:p>
-        </p:txBody>
-      </p:sp>
-      <p:sp>
-        <p:nvSpPr>
-          <p:cNvPr id="134" name="テキスト ボックス 133">
-            <a:extLst>
-              <a:ext uri="{FF2B5EF4-FFF2-40B4-BE49-F238E27FC236}">
-                <a16:creationId xmlns:a16="http://schemas.microsoft.com/office/drawing/2014/main" id="{CE81F18E-D64A-4BF4-8F62-BD307AB88CDE}"/>
-              </a:ext>
-            </a:extLst>
-          </p:cNvPr>
-          <p:cNvSpPr txBox="1"/>
-          <p:nvPr/>
-        </p:nvSpPr>
-        <p:spPr>
-          <a:xfrm>
-            <a:off x="4025249" y="4941433"/>
-            <a:ext cx="445956" cy="707886"/>
-          </a:xfrm>
-          <a:prstGeom prst="rect">
-            <a:avLst/>
-          </a:prstGeom>
-          <a:noFill/>
-        </p:spPr>
-        <p:txBody>
-          <a:bodyPr wrap="none" rtlCol="0">
-            <a:spAutoFit/>
-          </a:bodyPr>
-          <a:lstStyle/>
-          <a:p>
-            <a:pPr algn="l"/>
-            <a:r>
-              <a:rPr kumimoji="1" lang="en-US" altLang="ja-JP" sz="2000" dirty="0"/>
-              <a:t>V</a:t>
-            </a:r>
-            <a:r>
-              <a:rPr kumimoji="1" lang="en-US" altLang="ja-JP" sz="2000" baseline="-25000" dirty="0"/>
-              <a:t>3</a:t>
-            </a:r>
-          </a:p>
-          <a:p>
-            <a:pPr algn="l"/>
-            <a:r>
-              <a:rPr lang="en-US" altLang="ja-JP" sz="2000" dirty="0"/>
-              <a:t>i</a:t>
-            </a:r>
-            <a:r>
-              <a:rPr lang="en-US" altLang="ja-JP" sz="2000" baseline="-25000" dirty="0"/>
-              <a:t>3</a:t>
-            </a:r>
-            <a:endParaRPr kumimoji="1" lang="ja-JP" altLang="en-US" sz="2000" baseline="-25000" dirty="0"/>
-          </a:p>
-        </p:txBody>
-      </p:sp>
-      <p:sp>
-        <p:nvSpPr>
-          <p:cNvPr id="136" name="テキスト ボックス 135">
-            <a:extLst>
-              <a:ext uri="{FF2B5EF4-FFF2-40B4-BE49-F238E27FC236}">
-                <a16:creationId xmlns:a16="http://schemas.microsoft.com/office/drawing/2014/main" id="{B4E908B4-F335-473C-BCA9-4B0DB8FDF676}"/>
-              </a:ext>
-            </a:extLst>
-          </p:cNvPr>
-          <p:cNvSpPr txBox="1"/>
-          <p:nvPr/>
-        </p:nvSpPr>
-        <p:spPr>
-          <a:xfrm>
-            <a:off x="6787958" y="3868407"/>
-            <a:ext cx="2031325" cy="461665"/>
-          </a:xfrm>
-          <a:prstGeom prst="rect">
-            <a:avLst/>
-          </a:prstGeom>
-          <a:noFill/>
-        </p:spPr>
-        <p:txBody>
-          <a:bodyPr wrap="none" rtlCol="0">
-            <a:spAutoFit/>
-          </a:bodyPr>
-          <a:lstStyle/>
-          <a:p>
-            <a:pPr algn="l"/>
-            <a:r>
-              <a:rPr kumimoji="1" lang="ja-JP" altLang="en-US" sz="2400" u="sng" dirty="0"/>
-              <a:t>ポテンシャル</a:t>
-            </a:r>
-          </a:p>
-        </p:txBody>
-      </p:sp>
-      <p:sp>
-        <p:nvSpPr>
-          <p:cNvPr id="137" name="テキスト ボックス 136">
-            <a:extLst>
-              <a:ext uri="{FF2B5EF4-FFF2-40B4-BE49-F238E27FC236}">
-                <a16:creationId xmlns:a16="http://schemas.microsoft.com/office/drawing/2014/main" id="{734B8425-4DC2-4475-AC0B-A0BA8C99E35F}"/>
-              </a:ext>
-            </a:extLst>
-          </p:cNvPr>
-          <p:cNvSpPr txBox="1"/>
-          <p:nvPr/>
-        </p:nvSpPr>
-        <p:spPr>
-          <a:xfrm>
-            <a:off x="6787958" y="5038288"/>
-            <a:ext cx="1723549" cy="461665"/>
-          </a:xfrm>
-          <a:prstGeom prst="rect">
-            <a:avLst/>
-          </a:prstGeom>
-          <a:noFill/>
-        </p:spPr>
-        <p:txBody>
-          <a:bodyPr wrap="none" rtlCol="0">
-            <a:spAutoFit/>
-          </a:bodyPr>
-          <a:lstStyle/>
-          <a:p>
-            <a:pPr algn="l"/>
-            <a:r>
-              <a:rPr kumimoji="1" lang="ja-JP" altLang="en-US" sz="2400" u="sng" dirty="0"/>
-              <a:t>フラックス</a:t>
-            </a:r>
-          </a:p>
-        </p:txBody>
-      </p:sp>
-    </p:spTree>
-    <p:extLst>
-      <p:ext uri="{BB962C8B-B14F-4D97-AF65-F5344CB8AC3E}">
-        <p14:creationId xmlns:p14="http://schemas.microsoft.com/office/powerpoint/2010/main" val="4188160536"/>
-      </p:ext>
-    </p:extLst>
-  </p:cSld>
-  <p:clrMapOvr>
-    <a:masterClrMapping/>
-  </p:clrMapOvr>
-  <p:timing>
-    <p:tnLst>
-      <p:par>
-        <p:cTn id="1" dur="indefinite" restart="never" nodeType="tmRoot"/>
-      </p:par>
-    </p:tnLst>
-  </p:timing>
-</p:sld>
-</file>
-
-<file path=ppt/slides/slide25.xml><?xml version="1.0" encoding="utf-8"?>
-<p:sld xmlns:a="http://schemas.openxmlformats.org/drawingml/2006/main" xmlns:r="http://schemas.openxmlformats.org/officeDocument/2006/relationships" xmlns:p="http://schemas.openxmlformats.org/presentationml/2006/main">
-  <p:cSld>
-    <p:spTree>
-      <p:nvGrpSpPr>
-        <p:cNvPr id="1" name=""/>
-        <p:cNvGrpSpPr/>
-        <p:nvPr/>
-      </p:nvGrpSpPr>
-      <p:grpSpPr>
-        <a:xfrm>
-          <a:off x="0" y="0"/>
-          <a:ext cx="0" cy="0"/>
-          <a:chOff x="0" y="0"/>
-          <a:chExt cx="0" cy="0"/>
-        </a:xfrm>
-      </p:grpSpPr>
-      <p:sp>
-        <p:nvSpPr>
-          <p:cNvPr id="4" name="スライド番号プレースホルダー 3">
-            <a:extLst>
-              <a:ext uri="{FF2B5EF4-FFF2-40B4-BE49-F238E27FC236}">
-                <a16:creationId xmlns:a16="http://schemas.microsoft.com/office/drawing/2014/main" id="{62C8405B-E1A8-4250-83B4-B3DC73FA8844}"/>
-              </a:ext>
-            </a:extLst>
-          </p:cNvPr>
-          <p:cNvSpPr>
-            <a:spLocks noGrp="1"/>
-          </p:cNvSpPr>
-          <p:nvPr>
-            <p:ph type="sldNum" sz="quarter" idx="12"/>
-          </p:nvPr>
-        </p:nvSpPr>
-        <p:spPr/>
-        <p:txBody>
-          <a:bodyPr/>
-          <a:lstStyle/>
-          <a:p>
-            <a:fld id="{D836F367-8F14-4921-8441-15DE2D973248}" type="slidenum">
-              <a:rPr kumimoji="1" lang="ja-JP" altLang="en-US" smtClean="0"/>
-              <a:t>25</a:t>
-            </a:fld>
-            <a:endParaRPr kumimoji="1" lang="ja-JP" altLang="en-US"/>
-          </a:p>
-        </p:txBody>
-      </p:sp>
-      <p:sp>
-        <p:nvSpPr>
-          <p:cNvPr id="7" name="Shape 130">
-            <a:extLst>
-              <a:ext uri="{FF2B5EF4-FFF2-40B4-BE49-F238E27FC236}">
-                <a16:creationId xmlns:a16="http://schemas.microsoft.com/office/drawing/2014/main" id="{62311BE2-8146-4C5F-883C-23F48775675B}"/>
-              </a:ext>
-            </a:extLst>
-          </p:cNvPr>
-          <p:cNvSpPr/>
-          <p:nvPr/>
-        </p:nvSpPr>
-        <p:spPr>
-          <a:xfrm>
-            <a:off x="179666" y="87415"/>
-            <a:ext cx="7162153" cy="579646"/>
-          </a:xfrm>
-          <a:prstGeom prst="rect">
-            <a:avLst/>
-          </a:prstGeom>
-          <a:ln w="12700">
-            <a:miter lim="400000"/>
-          </a:ln>
-          <a:extLst>
-            <a:ext uri="{C572A759-6A51-4108-AA02-DFA0A04FC94B}">
-              <ma14:wrappingTextBoxFlag xmlns:ma14="http://schemas.microsoft.com/office/mac/drawingml/2011/main" xmlns="" val="1"/>
-            </a:ext>
-          </a:extLst>
-        </p:spPr>
-        <p:txBody>
-          <a:bodyPr wrap="none" lIns="50800" tIns="50800" rIns="50800" bIns="50800" anchor="ctr">
-            <a:spAutoFit/>
-          </a:bodyPr>
-          <a:lstStyle/>
-          <a:p>
-            <a:pPr>
-              <a:defRPr sz="3100" u="sng">
-                <a:latin typeface="YuMincho Medium"/>
-                <a:ea typeface="YuMincho Medium"/>
-                <a:cs typeface="YuMincho Medium"/>
-                <a:sym typeface="YuMincho Medium"/>
-              </a:defRPr>
-            </a:pPr>
-            <a:r>
-              <a:rPr lang="en-US" altLang="ja-JP" dirty="0"/>
-              <a:t>Modelica</a:t>
-            </a:r>
-            <a:r>
-              <a:rPr lang="ja-JP" altLang="en-US" dirty="0"/>
-              <a:t>でのポテンシャルとフラックス</a:t>
-            </a:r>
-            <a:endParaRPr lang="en-US" altLang="ja-JP" dirty="0"/>
-          </a:p>
-        </p:txBody>
-      </p:sp>
-      <p:sp>
-        <p:nvSpPr>
-          <p:cNvPr id="9" name="テキスト ボックス 8">
-            <a:extLst>
-              <a:ext uri="{FF2B5EF4-FFF2-40B4-BE49-F238E27FC236}">
-                <a16:creationId xmlns:a16="http://schemas.microsoft.com/office/drawing/2014/main" id="{C5EDB6F2-AC12-4C28-9C6F-CABB2C317D21}"/>
-              </a:ext>
-            </a:extLst>
-          </p:cNvPr>
-          <p:cNvSpPr txBox="1"/>
-          <p:nvPr/>
-        </p:nvSpPr>
-        <p:spPr>
-          <a:xfrm>
-            <a:off x="655320" y="708866"/>
-            <a:ext cx="11380573" cy="830997"/>
-          </a:xfrm>
-          <a:prstGeom prst="rect">
-            <a:avLst/>
-          </a:prstGeom>
-          <a:noFill/>
-        </p:spPr>
-        <p:txBody>
-          <a:bodyPr wrap="square" rtlCol="0">
-            <a:spAutoFit/>
-          </a:bodyPr>
-          <a:lstStyle/>
-          <a:p>
-            <a:r>
-              <a:rPr lang="en-US" altLang="ja-JP" sz="2400" dirty="0"/>
+              <a:rPr lang="en-US" altLang="ja-JP" sz="2400" dirty="0" err="1"/>
               <a:t>Modelica</a:t>
             </a:r>
             <a:r>
@@ -16268,7 +14823,15 @@
                   <a:srgbClr val="FF0000"/>
                 </a:solidFill>
               </a:rPr>
-              <a:t>ポテンシャルをアクロス変数</a:t>
+              <a:t>ポテンシャル</a:t>
+            </a:r>
+            <a:r>
+              <a:rPr lang="ja-JP" altLang="en-US" sz="2400" b="1" dirty="0" smtClean="0">
+                <a:solidFill>
+                  <a:srgbClr val="FF0000"/>
+                </a:solidFill>
+              </a:rPr>
+              <a:t>をアクロス変数</a:t>
             </a:r>
             <a:r>
               <a:rPr lang="ja-JP" altLang="en-US" sz="2400" dirty="0"/>
@@ -16280,19 +14843,23 @@
                   <a:srgbClr val="FF0000"/>
                 </a:solidFill>
               </a:rPr>
-              <a:t>フラックスをフロー変数</a:t>
-            </a:r>
-            <a:r>
-              <a:rPr lang="en-US" altLang="ja-JP" sz="2400" b="1" baseline="30000" dirty="0">
+              <a:t>フラックスをフロー</a:t>
+            </a:r>
+            <a:r>
+              <a:rPr lang="ja-JP" altLang="en-US" sz="2400" b="1" dirty="0" smtClean="0">
                 <a:solidFill>
                   <a:srgbClr val="FF0000"/>
                 </a:solidFill>
               </a:rPr>
-              <a:t>*1</a:t>
+              <a:t>変数</a:t>
+            </a:r>
+            <a:r>
+              <a:rPr lang="ja-JP" altLang="en-US" sz="2400" dirty="0" smtClean="0"/>
+              <a:t>と</a:t>
             </a:r>
             <a:r>
               <a:rPr lang="ja-JP" altLang="en-US" sz="2400" dirty="0"/>
-              <a:t>という変数で取り扱います。</a:t>
+              <a:t>いう変数で取り扱います。</a:t>
             </a:r>
             <a:endParaRPr lang="en-US" altLang="ja-JP" sz="2400" dirty="0"/>
           </a:p>
@@ -16300,7 +14867,7 @@
       </p:sp>
       <p:sp>
         <p:nvSpPr>
-          <p:cNvPr id="11" name="テキスト ボックス 10">
+          <p:cNvPr id="25" name="テキスト ボックス 24">
             <a:extLst>
               <a:ext uri="{FF2B5EF4-FFF2-40B4-BE49-F238E27FC236}">
                 <a16:creationId xmlns:a16="http://schemas.microsoft.com/office/drawing/2014/main" id="{29976F00-C81E-4887-A042-03755F4B519F}"/>
@@ -16340,7 +14907,7 @@
       </p:sp>
       <p:sp>
         <p:nvSpPr>
-          <p:cNvPr id="2" name="正方形/長方形 1">
+          <p:cNvPr id="34" name="正方形/長方形 33">
             <a:extLst>
               <a:ext uri="{FF2B5EF4-FFF2-40B4-BE49-F238E27FC236}">
                 <a16:creationId xmlns:a16="http://schemas.microsoft.com/office/drawing/2014/main" id="{B470C7DF-A1EF-40AE-9FEB-FE163A63E5DA}"/>
@@ -16376,74 +14943,11 @@
           </a:p>
         </p:txBody>
       </p:sp>
-      <p:sp>
-        <p:nvSpPr>
-          <p:cNvPr id="8" name="テキスト ボックス 7">
-            <a:extLst>
-              <a:ext uri="{FF2B5EF4-FFF2-40B4-BE49-F238E27FC236}">
-                <a16:creationId xmlns:a16="http://schemas.microsoft.com/office/drawing/2014/main" id="{D04A544A-95A1-4A2C-9C87-71B9104E243F}"/>
-              </a:ext>
-            </a:extLst>
-          </p:cNvPr>
-          <p:cNvSpPr txBox="1"/>
-          <p:nvPr/>
-        </p:nvSpPr>
-        <p:spPr>
-          <a:xfrm>
-            <a:off x="5531071" y="1155142"/>
-            <a:ext cx="6159058" cy="369332"/>
-          </a:xfrm>
-          <a:prstGeom prst="rect">
-            <a:avLst/>
-          </a:prstGeom>
-          <a:noFill/>
-        </p:spPr>
-        <p:txBody>
-          <a:bodyPr wrap="none" rtlCol="0">
-            <a:spAutoFit/>
-          </a:bodyPr>
-          <a:lstStyle/>
-          <a:p>
-            <a:r>
-              <a:rPr lang="en-US" altLang="ja-JP" b="1" baseline="30000" dirty="0"/>
-              <a:t>*1 </a:t>
-            </a:r>
-            <a:r>
-              <a:rPr kumimoji="1" lang="ja-JP" altLang="en-US" dirty="0"/>
-              <a:t>フロー変数は</a:t>
-            </a:r>
-            <a:r>
-              <a:rPr kumimoji="1" lang="en-US" altLang="ja-JP" dirty="0"/>
-              <a:t>Simulink</a:t>
-            </a:r>
-            <a:r>
-              <a:rPr kumimoji="1" lang="ja-JP" altLang="en-US" dirty="0"/>
-              <a:t>など</a:t>
-            </a:r>
-            <a:r>
-              <a:rPr kumimoji="1" lang="ja-JP" altLang="en-US"/>
-              <a:t>で</a:t>
-            </a:r>
-            <a:r>
-              <a:rPr kumimoji="1" lang="ja-JP" altLang="en-US" smtClean="0"/>
-              <a:t>はスルー変数</a:t>
-            </a:r>
-            <a:r>
-              <a:rPr kumimoji="1" lang="ja-JP" altLang="en-US" dirty="0" smtClean="0"/>
-              <a:t>と</a:t>
-            </a:r>
-            <a:r>
-              <a:rPr kumimoji="1" lang="ja-JP" altLang="en-US" dirty="0"/>
-              <a:t>呼ばれます</a:t>
-            </a:r>
-          </a:p>
-        </p:txBody>
-      </p:sp>
-      <mc:AlternateContent xmlns:mc="http://schemas.openxmlformats.org/markup-compatibility/2006" xmlns:a14="http://schemas.microsoft.com/office/drawing/2010/main">
-        <mc:Choice Requires="a14">
+      <mc:AlternateContent xmlns:mc="http://schemas.openxmlformats.org/markup-compatibility/2006">
+        <mc:Choice xmlns:a14="http://schemas.microsoft.com/office/drawing/2010/main" Requires="a14">
           <p:graphicFrame>
             <p:nvGraphicFramePr>
-              <p:cNvPr id="12" name="表 11">
+              <p:cNvPr id="35" name="表 34">
                 <a:extLst>
                   <a:ext uri="{FF2B5EF4-FFF2-40B4-BE49-F238E27FC236}">
                     <a16:creationId xmlns:a16="http://schemas.microsoft.com/office/drawing/2014/main" id="{763BF4B9-8A28-48F8-ACDE-C49C7DE647EB}"/>
@@ -16456,7 +14960,7 @@
               <p:nvPr>
                 <p:extLst>
                   <p:ext uri="{D42A27DB-BD31-4B8C-83A1-F6EECF244321}">
-                    <p14:modId xmlns:p14="http://schemas.microsoft.com/office/powerpoint/2010/main" val="2775146357"/>
+                    <p14:modId xmlns:p14="http://schemas.microsoft.com/office/powerpoint/2010/main" val="1964687095"/>
                   </p:ext>
                 </p:extLst>
               </p:nvPr>
@@ -17257,10 +15761,10 @@
             </a:graphic>
           </p:graphicFrame>
         </mc:Choice>
-        <mc:Fallback xmlns="">
+        <mc:Fallback>
           <p:graphicFrame>
             <p:nvGraphicFramePr>
-              <p:cNvPr id="12" name="表 11">
+              <p:cNvPr id="35" name="表 34">
                 <a:extLst>
                   <a:ext uri="{FF2B5EF4-FFF2-40B4-BE49-F238E27FC236}">
                     <a16:creationId xmlns:a16="http://schemas.microsoft.com/office/drawing/2014/main" id="{763BF4B9-8A28-48F8-ACDE-C49C7DE647EB}"/>
@@ -17273,7 +15777,7 @@
               <p:nvPr>
                 <p:extLst>
                   <p:ext uri="{D42A27DB-BD31-4B8C-83A1-F6EECF244321}">
-                    <p14:modId xmlns:p14="http://schemas.microsoft.com/office/powerpoint/2010/main" val="2775146357"/>
+                    <p14:modId xmlns:p14="http://schemas.microsoft.com/office/powerpoint/2010/main" val="1964687095"/>
                   </p:ext>
                 </p:extLst>
               </p:nvPr>
@@ -18002,6 +16506,1335 @@
     </p:spTree>
     <p:extLst>
       <p:ext uri="{BB962C8B-B14F-4D97-AF65-F5344CB8AC3E}">
+        <p14:creationId xmlns:p14="http://schemas.microsoft.com/office/powerpoint/2010/main" val="1373072228"/>
+      </p:ext>
+    </p:extLst>
+  </p:cSld>
+  <p:clrMapOvr>
+    <a:masterClrMapping/>
+  </p:clrMapOvr>
+  <p:timing>
+    <p:tnLst>
+      <p:par>
+        <p:cTn id="1" dur="indefinite" restart="never" nodeType="tmRoot"/>
+      </p:par>
+    </p:tnLst>
+  </p:timing>
+</p:sld>
+</file>
+
+<file path=ppt/slides/slide24.xml><?xml version="1.0" encoding="utf-8"?>
+<p:sld xmlns:a="http://schemas.openxmlformats.org/drawingml/2006/main" xmlns:r="http://schemas.openxmlformats.org/officeDocument/2006/relationships" xmlns:p="http://schemas.openxmlformats.org/presentationml/2006/main">
+  <p:cSld>
+    <p:spTree>
+      <p:nvGrpSpPr>
+        <p:cNvPr id="1" name=""/>
+        <p:cNvGrpSpPr/>
+        <p:nvPr/>
+      </p:nvGrpSpPr>
+      <p:grpSpPr>
+        <a:xfrm>
+          <a:off x="0" y="0"/>
+          <a:ext cx="0" cy="0"/>
+          <a:chOff x="0" y="0"/>
+          <a:chExt cx="0" cy="0"/>
+        </a:xfrm>
+      </p:grpSpPr>
+      <p:sp>
+        <p:nvSpPr>
+          <p:cNvPr id="135" name="四角形: 角を丸くする 134">
+            <a:extLst>
+              <a:ext uri="{FF2B5EF4-FFF2-40B4-BE49-F238E27FC236}">
+                <a16:creationId xmlns:a16="http://schemas.microsoft.com/office/drawing/2014/main" id="{5B13F92B-CAF0-4F20-B524-51F7D398B1A1}"/>
+              </a:ext>
+            </a:extLst>
+          </p:cNvPr>
+          <p:cNvSpPr/>
+          <p:nvPr/>
+        </p:nvSpPr>
+        <p:spPr>
+          <a:xfrm>
+            <a:off x="6670226" y="3666260"/>
+            <a:ext cx="3042186" cy="2672755"/>
+          </a:xfrm>
+          <a:prstGeom prst="roundRect">
+            <a:avLst/>
+          </a:prstGeom>
+          <a:solidFill>
+            <a:schemeClr val="accent6">
+              <a:lumMod val="20000"/>
+              <a:lumOff val="80000"/>
+            </a:schemeClr>
+          </a:solidFill>
+          <a:ln>
+            <a:noFill/>
+          </a:ln>
+        </p:spPr>
+        <p:style>
+          <a:lnRef idx="2">
+            <a:schemeClr val="accent1">
+              <a:shade val="50000"/>
+            </a:schemeClr>
+          </a:lnRef>
+          <a:fillRef idx="1">
+            <a:schemeClr val="accent1"/>
+          </a:fillRef>
+          <a:effectRef idx="0">
+            <a:schemeClr val="accent1"/>
+          </a:effectRef>
+          <a:fontRef idx="minor">
+            <a:schemeClr val="lt1"/>
+          </a:fontRef>
+        </p:style>
+        <p:txBody>
+          <a:bodyPr rtlCol="0" anchor="ctr"/>
+          <a:lstStyle/>
+          <a:p>
+            <a:pPr algn="ctr"/>
+            <a:endParaRPr kumimoji="1" lang="ja-JP" altLang="en-US" dirty="0"/>
+          </a:p>
+        </p:txBody>
+      </p:sp>
+      <p:sp>
+        <p:nvSpPr>
+          <p:cNvPr id="4" name="スライド番号プレースホルダー 3">
+            <a:extLst>
+              <a:ext uri="{FF2B5EF4-FFF2-40B4-BE49-F238E27FC236}">
+                <a16:creationId xmlns:a16="http://schemas.microsoft.com/office/drawing/2014/main" id="{62C8405B-E1A8-4250-83B4-B3DC73FA8844}"/>
+              </a:ext>
+            </a:extLst>
+          </p:cNvPr>
+          <p:cNvSpPr>
+            <a:spLocks noGrp="1"/>
+          </p:cNvSpPr>
+          <p:nvPr>
+            <p:ph type="sldNum" sz="quarter" idx="12"/>
+          </p:nvPr>
+        </p:nvSpPr>
+        <p:spPr/>
+        <p:txBody>
+          <a:bodyPr/>
+          <a:lstStyle/>
+          <a:p>
+            <a:fld id="{D836F367-8F14-4921-8441-15DE2D973248}" type="slidenum">
+              <a:rPr kumimoji="1" lang="ja-JP" altLang="en-US" smtClean="0"/>
+              <a:t>24</a:t>
+            </a:fld>
+            <a:endParaRPr kumimoji="1" lang="ja-JP" altLang="en-US"/>
+          </a:p>
+        </p:txBody>
+      </p:sp>
+      <p:sp>
+        <p:nvSpPr>
+          <p:cNvPr id="7" name="Shape 130">
+            <a:extLst>
+              <a:ext uri="{FF2B5EF4-FFF2-40B4-BE49-F238E27FC236}">
+                <a16:creationId xmlns:a16="http://schemas.microsoft.com/office/drawing/2014/main" id="{62311BE2-8146-4C5F-883C-23F48775675B}"/>
+              </a:ext>
+            </a:extLst>
+          </p:cNvPr>
+          <p:cNvSpPr/>
+          <p:nvPr/>
+        </p:nvSpPr>
+        <p:spPr>
+          <a:xfrm>
+            <a:off x="179666" y="87415"/>
+            <a:ext cx="4794582" cy="579646"/>
+          </a:xfrm>
+          <a:prstGeom prst="rect">
+            <a:avLst/>
+          </a:prstGeom>
+          <a:ln w="12700">
+            <a:miter lim="400000"/>
+          </a:ln>
+          <a:extLst>
+            <a:ext uri="{C572A759-6A51-4108-AA02-DFA0A04FC94B}">
+              <ma14:wrappingTextBoxFlag xmlns="" xmlns:ma14="http://schemas.microsoft.com/office/mac/drawingml/2011/main" val="1"/>
+            </a:ext>
+          </a:extLst>
+        </p:spPr>
+        <p:txBody>
+          <a:bodyPr wrap="none" lIns="50800" tIns="50800" rIns="50800" bIns="50800" anchor="ctr">
+            <a:spAutoFit/>
+          </a:bodyPr>
+          <a:lstStyle/>
+          <a:p>
+            <a:pPr>
+              <a:defRPr sz="3100" u="sng">
+                <a:latin typeface="YuMincho Medium"/>
+                <a:ea typeface="YuMincho Medium"/>
+                <a:cs typeface="YuMincho Medium"/>
+                <a:sym typeface="YuMincho Medium"/>
+              </a:defRPr>
+            </a:pPr>
+            <a:r>
+              <a:rPr lang="ja-JP" altLang="en-US" dirty="0" smtClean="0"/>
+              <a:t>ポテンシャルとフローの分岐</a:t>
+            </a:r>
+            <a:endParaRPr lang="en-US" altLang="ja-JP" dirty="0"/>
+          </a:p>
+        </p:txBody>
+      </p:sp>
+      <p:sp>
+        <p:nvSpPr>
+          <p:cNvPr id="9" name="テキスト ボックス 8">
+            <a:extLst>
+              <a:ext uri="{FF2B5EF4-FFF2-40B4-BE49-F238E27FC236}">
+                <a16:creationId xmlns:a16="http://schemas.microsoft.com/office/drawing/2014/main" id="{C5EDB6F2-AC12-4C28-9C6F-CABB2C317D21}"/>
+              </a:ext>
+            </a:extLst>
+          </p:cNvPr>
+          <p:cNvSpPr txBox="1"/>
+          <p:nvPr/>
+        </p:nvSpPr>
+        <p:spPr>
+          <a:xfrm>
+            <a:off x="643371" y="858071"/>
+            <a:ext cx="11380573" cy="461665"/>
+          </a:xfrm>
+          <a:prstGeom prst="rect">
+            <a:avLst/>
+          </a:prstGeom>
+          <a:noFill/>
+        </p:spPr>
+        <p:txBody>
+          <a:bodyPr wrap="square" rtlCol="0">
+            <a:spAutoFit/>
+          </a:bodyPr>
+          <a:lstStyle/>
+          <a:p>
+            <a:r>
+              <a:rPr kumimoji="1" lang="ja-JP" altLang="en-US" sz="2400" dirty="0"/>
+              <a:t>系が分岐する際はポテンシャル</a:t>
+            </a:r>
+            <a:r>
+              <a:rPr kumimoji="1" lang="ja-JP" altLang="en-US" sz="2400" dirty="0" smtClean="0"/>
+              <a:t>とフローは</a:t>
+            </a:r>
+            <a:r>
+              <a:rPr kumimoji="1" lang="ja-JP" altLang="en-US" sz="2400" dirty="0"/>
+              <a:t>以下のように取り扱います。</a:t>
+            </a:r>
+          </a:p>
+        </p:txBody>
+      </p:sp>
+      <p:sp>
+        <p:nvSpPr>
+          <p:cNvPr id="14" name="正方形/長方形 13">
+            <a:extLst>
+              <a:ext uri="{FF2B5EF4-FFF2-40B4-BE49-F238E27FC236}">
+                <a16:creationId xmlns:a16="http://schemas.microsoft.com/office/drawing/2014/main" id="{D4E21BD4-8034-46D2-9C96-957EF00CDA1A}"/>
+              </a:ext>
+            </a:extLst>
+          </p:cNvPr>
+          <p:cNvSpPr/>
+          <p:nvPr/>
+        </p:nvSpPr>
+        <p:spPr>
+          <a:xfrm>
+            <a:off x="1443505" y="1563024"/>
+            <a:ext cx="7263527" cy="461665"/>
+          </a:xfrm>
+          <a:prstGeom prst="rect">
+            <a:avLst/>
+          </a:prstGeom>
+        </p:spPr>
+        <p:txBody>
+          <a:bodyPr wrap="none">
+            <a:spAutoFit/>
+          </a:bodyPr>
+          <a:lstStyle/>
+          <a:p>
+            <a:r>
+              <a:rPr lang="ja-JP" altLang="en-US" sz="2400" dirty="0"/>
+              <a:t>ポテンシャル　・・・　同じ物理量が受け渡される</a:t>
+            </a:r>
+          </a:p>
+        </p:txBody>
+      </p:sp>
+      <p:sp>
+        <p:nvSpPr>
+          <p:cNvPr id="44" name="正方形/長方形 43">
+            <a:extLst>
+              <a:ext uri="{FF2B5EF4-FFF2-40B4-BE49-F238E27FC236}">
+                <a16:creationId xmlns:a16="http://schemas.microsoft.com/office/drawing/2014/main" id="{B9C851CA-22EE-4F65-B1B2-1526E2F4019F}"/>
+              </a:ext>
+            </a:extLst>
+          </p:cNvPr>
+          <p:cNvSpPr/>
+          <p:nvPr/>
+        </p:nvSpPr>
+        <p:spPr>
+          <a:xfrm>
+            <a:off x="1443505" y="2232395"/>
+            <a:ext cx="6955750" cy="461665"/>
+          </a:xfrm>
+          <a:prstGeom prst="rect">
+            <a:avLst/>
+          </a:prstGeom>
+        </p:spPr>
+        <p:txBody>
+          <a:bodyPr wrap="none">
+            <a:spAutoFit/>
+          </a:bodyPr>
+          <a:lstStyle/>
+          <a:p>
+            <a:r>
+              <a:rPr lang="ja-JP" altLang="en-US" sz="2400" dirty="0" smtClean="0"/>
+              <a:t>フロー</a:t>
+            </a:r>
+            <a:r>
+              <a:rPr lang="ja-JP" altLang="en-US" sz="2400" dirty="0"/>
+              <a:t>　　・・・　物理量の合計値が等しくなる</a:t>
+            </a:r>
+          </a:p>
+        </p:txBody>
+      </p:sp>
+      <p:grpSp>
+        <p:nvGrpSpPr>
+          <p:cNvPr id="125" name="グループ化 124">
+            <a:extLst>
+              <a:ext uri="{FF2B5EF4-FFF2-40B4-BE49-F238E27FC236}">
+                <a16:creationId xmlns:a16="http://schemas.microsoft.com/office/drawing/2014/main" id="{CEC1BF5D-1773-4014-AE0C-17012A660C2B}"/>
+              </a:ext>
+            </a:extLst>
+          </p:cNvPr>
+          <p:cNvGrpSpPr/>
+          <p:nvPr/>
+        </p:nvGrpSpPr>
+        <p:grpSpPr>
+          <a:xfrm>
+            <a:off x="1620469" y="4244602"/>
+            <a:ext cx="4302534" cy="1605678"/>
+            <a:chOff x="3190498" y="3730289"/>
+            <a:chExt cx="3024900" cy="1106530"/>
+          </a:xfrm>
+        </p:grpSpPr>
+        <p:sp>
+          <p:nvSpPr>
+            <p:cNvPr id="113" name="正方形/長方形 112">
+              <a:extLst>
+                <a:ext uri="{FF2B5EF4-FFF2-40B4-BE49-F238E27FC236}">
+                  <a16:creationId xmlns:a16="http://schemas.microsoft.com/office/drawing/2014/main" id="{3A23D419-FF33-4980-8ECB-93A2329A4741}"/>
+                </a:ext>
+              </a:extLst>
+            </p:cNvPr>
+            <p:cNvSpPr/>
+            <p:nvPr/>
+          </p:nvSpPr>
+          <p:spPr>
+            <a:xfrm>
+              <a:off x="5075268" y="3730289"/>
+              <a:ext cx="916277" cy="207142"/>
+            </a:xfrm>
+            <a:prstGeom prst="rect">
+              <a:avLst/>
+            </a:prstGeom>
+            <a:solidFill>
+              <a:schemeClr val="bg1"/>
+            </a:solidFill>
+            <a:ln>
+              <a:solidFill>
+                <a:schemeClr val="tx1"/>
+              </a:solidFill>
+            </a:ln>
+          </p:spPr>
+          <p:style>
+            <a:lnRef idx="2">
+              <a:schemeClr val="accent1">
+                <a:shade val="50000"/>
+              </a:schemeClr>
+            </a:lnRef>
+            <a:fillRef idx="1">
+              <a:schemeClr val="accent1"/>
+            </a:fillRef>
+            <a:effectRef idx="0">
+              <a:schemeClr val="accent1"/>
+            </a:effectRef>
+            <a:fontRef idx="minor">
+              <a:schemeClr val="lt1"/>
+            </a:fontRef>
+          </p:style>
+          <p:txBody>
+            <a:bodyPr rtlCol="0" anchor="ctr"/>
+            <a:lstStyle/>
+            <a:p>
+              <a:pPr algn="ctr"/>
+              <a:endParaRPr kumimoji="1" lang="ja-JP" altLang="en-US"/>
+            </a:p>
+          </p:txBody>
+        </p:sp>
+        <p:sp>
+          <p:nvSpPr>
+            <p:cNvPr id="114" name="正方形/長方形 113">
+              <a:extLst>
+                <a:ext uri="{FF2B5EF4-FFF2-40B4-BE49-F238E27FC236}">
+                  <a16:creationId xmlns:a16="http://schemas.microsoft.com/office/drawing/2014/main" id="{652D6F9C-2800-427A-8572-E5CD3AA371E6}"/>
+                </a:ext>
+              </a:extLst>
+            </p:cNvPr>
+            <p:cNvSpPr/>
+            <p:nvPr/>
+          </p:nvSpPr>
+          <p:spPr>
+            <a:xfrm>
+              <a:off x="5075268" y="4629677"/>
+              <a:ext cx="916277" cy="207142"/>
+            </a:xfrm>
+            <a:prstGeom prst="rect">
+              <a:avLst/>
+            </a:prstGeom>
+            <a:solidFill>
+              <a:schemeClr val="bg1"/>
+            </a:solidFill>
+            <a:ln>
+              <a:solidFill>
+                <a:schemeClr val="tx1"/>
+              </a:solidFill>
+            </a:ln>
+          </p:spPr>
+          <p:style>
+            <a:lnRef idx="2">
+              <a:schemeClr val="accent1">
+                <a:shade val="50000"/>
+              </a:schemeClr>
+            </a:lnRef>
+            <a:fillRef idx="1">
+              <a:schemeClr val="accent1"/>
+            </a:fillRef>
+            <a:effectRef idx="0">
+              <a:schemeClr val="accent1"/>
+            </a:effectRef>
+            <a:fontRef idx="minor">
+              <a:schemeClr val="lt1"/>
+            </a:fontRef>
+          </p:style>
+          <p:txBody>
+            <a:bodyPr rtlCol="0" anchor="ctr"/>
+            <a:lstStyle/>
+            <a:p>
+              <a:pPr algn="ctr"/>
+              <a:endParaRPr kumimoji="1" lang="ja-JP" altLang="en-US"/>
+            </a:p>
+          </p:txBody>
+        </p:sp>
+        <p:sp>
+          <p:nvSpPr>
+            <p:cNvPr id="115" name="正方形/長方形 114">
+              <a:extLst>
+                <a:ext uri="{FF2B5EF4-FFF2-40B4-BE49-F238E27FC236}">
+                  <a16:creationId xmlns:a16="http://schemas.microsoft.com/office/drawing/2014/main" id="{265012B7-6AD4-4AFA-BA38-31B6B4AE91DD}"/>
+                </a:ext>
+              </a:extLst>
+            </p:cNvPr>
+            <p:cNvSpPr/>
+            <p:nvPr/>
+          </p:nvSpPr>
+          <p:spPr>
+            <a:xfrm>
+              <a:off x="3510393" y="4154188"/>
+              <a:ext cx="916277" cy="207142"/>
+            </a:xfrm>
+            <a:prstGeom prst="rect">
+              <a:avLst/>
+            </a:prstGeom>
+            <a:solidFill>
+              <a:schemeClr val="bg1"/>
+            </a:solidFill>
+            <a:ln>
+              <a:solidFill>
+                <a:schemeClr val="tx1"/>
+              </a:solidFill>
+            </a:ln>
+          </p:spPr>
+          <p:style>
+            <a:lnRef idx="2">
+              <a:schemeClr val="accent1">
+                <a:shade val="50000"/>
+              </a:schemeClr>
+            </a:lnRef>
+            <a:fillRef idx="1">
+              <a:schemeClr val="accent1"/>
+            </a:fillRef>
+            <a:effectRef idx="0">
+              <a:schemeClr val="accent1"/>
+            </a:effectRef>
+            <a:fontRef idx="minor">
+              <a:schemeClr val="lt1"/>
+            </a:fontRef>
+          </p:style>
+          <p:txBody>
+            <a:bodyPr rtlCol="0" anchor="ctr"/>
+            <a:lstStyle/>
+            <a:p>
+              <a:pPr algn="ctr"/>
+              <a:endParaRPr kumimoji="1" lang="ja-JP" altLang="en-US"/>
+            </a:p>
+          </p:txBody>
+        </p:sp>
+        <p:cxnSp>
+          <p:nvCxnSpPr>
+            <p:cNvPr id="117" name="コネクタ: カギ線 116">
+              <a:extLst>
+                <a:ext uri="{FF2B5EF4-FFF2-40B4-BE49-F238E27FC236}">
+                  <a16:creationId xmlns:a16="http://schemas.microsoft.com/office/drawing/2014/main" id="{6E420278-4F85-49CF-A723-97A4F856FD09}"/>
+                </a:ext>
+              </a:extLst>
+            </p:cNvPr>
+            <p:cNvCxnSpPr>
+              <a:stCxn id="115" idx="3"/>
+              <a:endCxn id="113" idx="1"/>
+            </p:cNvCxnSpPr>
+            <p:nvPr/>
+          </p:nvCxnSpPr>
+          <p:spPr>
+            <a:xfrm flipV="1">
+              <a:off x="4426670" y="3833860"/>
+              <a:ext cx="648598" cy="423899"/>
+            </a:xfrm>
+            <a:prstGeom prst="bentConnector3">
+              <a:avLst/>
+            </a:prstGeom>
+            <a:ln w="28575">
+              <a:solidFill>
+                <a:schemeClr val="tx1"/>
+              </a:solidFill>
+              <a:headEnd type="none" w="med" len="med"/>
+              <a:tailEnd type="none" w="med" len="med"/>
+            </a:ln>
+          </p:spPr>
+          <p:style>
+            <a:lnRef idx="1">
+              <a:schemeClr val="accent1"/>
+            </a:lnRef>
+            <a:fillRef idx="0">
+              <a:schemeClr val="accent1"/>
+            </a:fillRef>
+            <a:effectRef idx="0">
+              <a:schemeClr val="accent1"/>
+            </a:effectRef>
+            <a:fontRef idx="minor">
+              <a:schemeClr val="tx1"/>
+            </a:fontRef>
+          </p:style>
+        </p:cxnSp>
+        <p:cxnSp>
+          <p:nvCxnSpPr>
+            <p:cNvPr id="118" name="コネクタ: カギ線 117">
+              <a:extLst>
+                <a:ext uri="{FF2B5EF4-FFF2-40B4-BE49-F238E27FC236}">
+                  <a16:creationId xmlns:a16="http://schemas.microsoft.com/office/drawing/2014/main" id="{78C729A5-CE36-4E8E-99EE-C2A000950288}"/>
+                </a:ext>
+              </a:extLst>
+            </p:cNvPr>
+            <p:cNvCxnSpPr>
+              <a:cxnSpLocks/>
+              <a:stCxn id="115" idx="3"/>
+              <a:endCxn id="114" idx="1"/>
+            </p:cNvCxnSpPr>
+            <p:nvPr/>
+          </p:nvCxnSpPr>
+          <p:spPr>
+            <a:xfrm>
+              <a:off x="4426670" y="4257759"/>
+              <a:ext cx="648598" cy="475489"/>
+            </a:xfrm>
+            <a:prstGeom prst="bentConnector3">
+              <a:avLst/>
+            </a:prstGeom>
+            <a:ln w="28575">
+              <a:solidFill>
+                <a:schemeClr val="tx1"/>
+              </a:solidFill>
+              <a:headEnd type="none" w="med" len="med"/>
+              <a:tailEnd type="none" w="med" len="med"/>
+            </a:ln>
+          </p:spPr>
+          <p:style>
+            <a:lnRef idx="1">
+              <a:schemeClr val="accent1"/>
+            </a:lnRef>
+            <a:fillRef idx="0">
+              <a:schemeClr val="accent1"/>
+            </a:fillRef>
+            <a:effectRef idx="0">
+              <a:schemeClr val="accent1"/>
+            </a:effectRef>
+            <a:fontRef idx="minor">
+              <a:schemeClr val="tx1"/>
+            </a:fontRef>
+          </p:style>
+        </p:cxnSp>
+        <p:cxnSp>
+          <p:nvCxnSpPr>
+            <p:cNvPr id="122" name="直線コネクタ 121">
+              <a:extLst>
+                <a:ext uri="{FF2B5EF4-FFF2-40B4-BE49-F238E27FC236}">
+                  <a16:creationId xmlns:a16="http://schemas.microsoft.com/office/drawing/2014/main" id="{A0F247B2-2601-4F4C-908E-D315BA423A76}"/>
+                </a:ext>
+              </a:extLst>
+            </p:cNvPr>
+            <p:cNvCxnSpPr>
+              <a:cxnSpLocks/>
+              <a:stCxn id="115" idx="1"/>
+            </p:cNvCxnSpPr>
+            <p:nvPr/>
+          </p:nvCxnSpPr>
+          <p:spPr>
+            <a:xfrm flipH="1">
+              <a:off x="3190498" y="4257759"/>
+              <a:ext cx="319895" cy="0"/>
+            </a:xfrm>
+            <a:prstGeom prst="line">
+              <a:avLst/>
+            </a:prstGeom>
+            <a:ln w="28575">
+              <a:solidFill>
+                <a:schemeClr val="tx1"/>
+              </a:solidFill>
+              <a:headEnd type="arrow" w="med" len="med"/>
+              <a:tailEnd type="none" w="med" len="med"/>
+            </a:ln>
+          </p:spPr>
+          <p:style>
+            <a:lnRef idx="1">
+              <a:schemeClr val="accent1"/>
+            </a:lnRef>
+            <a:fillRef idx="0">
+              <a:schemeClr val="accent1"/>
+            </a:fillRef>
+            <a:effectRef idx="0">
+              <a:schemeClr val="accent1"/>
+            </a:effectRef>
+            <a:fontRef idx="minor">
+              <a:schemeClr val="tx1"/>
+            </a:fontRef>
+          </p:style>
+        </p:cxnSp>
+        <p:cxnSp>
+          <p:nvCxnSpPr>
+            <p:cNvPr id="123" name="直線コネクタ 122">
+              <a:extLst>
+                <a:ext uri="{FF2B5EF4-FFF2-40B4-BE49-F238E27FC236}">
+                  <a16:creationId xmlns:a16="http://schemas.microsoft.com/office/drawing/2014/main" id="{BEF32117-4CBD-4DCB-9B9D-1CDFEFC09B1C}"/>
+                </a:ext>
+              </a:extLst>
+            </p:cNvPr>
+            <p:cNvCxnSpPr/>
+            <p:nvPr/>
+          </p:nvCxnSpPr>
+          <p:spPr>
+            <a:xfrm flipH="1">
+              <a:off x="5991545" y="3845038"/>
+              <a:ext cx="215646" cy="0"/>
+            </a:xfrm>
+            <a:prstGeom prst="line">
+              <a:avLst/>
+            </a:prstGeom>
+            <a:ln w="28575">
+              <a:solidFill>
+                <a:schemeClr val="tx1"/>
+              </a:solidFill>
+              <a:headEnd type="arrow" w="med" len="med"/>
+              <a:tailEnd type="none" w="med" len="med"/>
+            </a:ln>
+          </p:spPr>
+          <p:style>
+            <a:lnRef idx="1">
+              <a:schemeClr val="accent1"/>
+            </a:lnRef>
+            <a:fillRef idx="0">
+              <a:schemeClr val="accent1"/>
+            </a:fillRef>
+            <a:effectRef idx="0">
+              <a:schemeClr val="accent1"/>
+            </a:effectRef>
+            <a:fontRef idx="minor">
+              <a:schemeClr val="tx1"/>
+            </a:fontRef>
+          </p:style>
+        </p:cxnSp>
+        <p:cxnSp>
+          <p:nvCxnSpPr>
+            <p:cNvPr id="124" name="直線コネクタ 123">
+              <a:extLst>
+                <a:ext uri="{FF2B5EF4-FFF2-40B4-BE49-F238E27FC236}">
+                  <a16:creationId xmlns:a16="http://schemas.microsoft.com/office/drawing/2014/main" id="{84CAFE43-0E59-40A5-81BC-44056BF63131}"/>
+                </a:ext>
+              </a:extLst>
+            </p:cNvPr>
+            <p:cNvCxnSpPr/>
+            <p:nvPr/>
+          </p:nvCxnSpPr>
+          <p:spPr>
+            <a:xfrm flipH="1">
+              <a:off x="5999752" y="4718860"/>
+              <a:ext cx="215646" cy="0"/>
+            </a:xfrm>
+            <a:prstGeom prst="line">
+              <a:avLst/>
+            </a:prstGeom>
+            <a:ln w="28575">
+              <a:solidFill>
+                <a:schemeClr val="tx1"/>
+              </a:solidFill>
+              <a:headEnd type="arrow" w="med" len="med"/>
+              <a:tailEnd type="none" w="med" len="med"/>
+            </a:ln>
+          </p:spPr>
+          <p:style>
+            <a:lnRef idx="1">
+              <a:schemeClr val="accent1"/>
+            </a:lnRef>
+            <a:fillRef idx="0">
+              <a:schemeClr val="accent1"/>
+            </a:fillRef>
+            <a:effectRef idx="0">
+              <a:schemeClr val="accent1"/>
+            </a:effectRef>
+            <a:fontRef idx="minor">
+              <a:schemeClr val="tx1"/>
+            </a:fontRef>
+          </p:style>
+        </p:cxnSp>
+      </p:grpSp>
+      <p:sp>
+        <p:nvSpPr>
+          <p:cNvPr id="126" name="テキスト ボックス 125">
+            <a:extLst>
+              <a:ext uri="{FF2B5EF4-FFF2-40B4-BE49-F238E27FC236}">
+                <a16:creationId xmlns:a16="http://schemas.microsoft.com/office/drawing/2014/main" id="{62C71E97-DA7A-4F93-9345-A0417ADD7374}"/>
+              </a:ext>
+            </a:extLst>
+          </p:cNvPr>
+          <p:cNvSpPr txBox="1"/>
+          <p:nvPr/>
+        </p:nvSpPr>
+        <p:spPr>
+          <a:xfrm>
+            <a:off x="2310401" y="6096238"/>
+            <a:ext cx="3570208" cy="461665"/>
+          </a:xfrm>
+          <a:prstGeom prst="rect">
+            <a:avLst/>
+          </a:prstGeom>
+          <a:noFill/>
+        </p:spPr>
+        <p:txBody>
+          <a:bodyPr wrap="none" rtlCol="0">
+            <a:spAutoFit/>
+          </a:bodyPr>
+          <a:lstStyle/>
+          <a:p>
+            <a:pPr algn="l"/>
+            <a:r>
+              <a:rPr kumimoji="1" lang="ja-JP" altLang="en-US" sz="2400" u="sng" dirty="0"/>
+              <a:t>並列接続された電気抵抗</a:t>
+            </a:r>
+          </a:p>
+        </p:txBody>
+      </p:sp>
+      <p:sp>
+        <p:nvSpPr>
+          <p:cNvPr id="127" name="テキスト ボックス 126">
+            <a:extLst>
+              <a:ext uri="{FF2B5EF4-FFF2-40B4-BE49-F238E27FC236}">
+                <a16:creationId xmlns:a16="http://schemas.microsoft.com/office/drawing/2014/main" id="{784732C3-B589-46A2-A50D-7DED6257AB0E}"/>
+              </a:ext>
+            </a:extLst>
+          </p:cNvPr>
+          <p:cNvSpPr txBox="1"/>
+          <p:nvPr/>
+        </p:nvSpPr>
+        <p:spPr>
+          <a:xfrm>
+            <a:off x="643370" y="2884688"/>
+            <a:ext cx="11380573" cy="830997"/>
+          </a:xfrm>
+          <a:prstGeom prst="rect">
+            <a:avLst/>
+          </a:prstGeom>
+          <a:noFill/>
+        </p:spPr>
+        <p:txBody>
+          <a:bodyPr wrap="square" rtlCol="0">
+            <a:spAutoFit/>
+          </a:bodyPr>
+          <a:lstStyle/>
+          <a:p>
+            <a:r>
+              <a:rPr kumimoji="1" lang="ja-JP" altLang="en-US" sz="2400" dirty="0"/>
+              <a:t>電気回路の場合、分岐点でのポテンシャル</a:t>
+            </a:r>
+            <a:r>
+              <a:rPr kumimoji="1" lang="ja-JP" altLang="en-US" sz="2400" dirty="0" smtClean="0"/>
+              <a:t>とフローは</a:t>
+            </a:r>
+            <a:r>
+              <a:rPr kumimoji="1" lang="ja-JP" altLang="en-US" sz="2400" dirty="0"/>
+              <a:t>以下のようになります</a:t>
+            </a:r>
+            <a:endParaRPr kumimoji="1" lang="en-US" altLang="ja-JP" sz="2400" dirty="0"/>
+          </a:p>
+          <a:p>
+            <a:r>
+              <a:rPr kumimoji="1" lang="ja-JP" altLang="en-US" sz="2400" dirty="0"/>
+              <a:t>　電圧</a:t>
+            </a:r>
+            <a:r>
+              <a:rPr kumimoji="1" lang="en-US" altLang="ja-JP" sz="2400" dirty="0"/>
+              <a:t>V</a:t>
+            </a:r>
+            <a:r>
+              <a:rPr kumimoji="1" lang="ja-JP" altLang="en-US" sz="2400" dirty="0"/>
+              <a:t>：ポテンシャル、電流</a:t>
+            </a:r>
+            <a:r>
+              <a:rPr kumimoji="1" lang="en-US" altLang="ja-JP" sz="2400" dirty="0" err="1"/>
+              <a:t>i</a:t>
+            </a:r>
+            <a:r>
+              <a:rPr kumimoji="1" lang="ja-JP" altLang="en-US" sz="2400" dirty="0" smtClean="0"/>
+              <a:t>：フロー</a:t>
+            </a:r>
+            <a:endParaRPr kumimoji="1" lang="ja-JP" altLang="en-US" sz="2400" dirty="0"/>
+          </a:p>
+        </p:txBody>
+      </p:sp>
+      <p:sp>
+        <p:nvSpPr>
+          <p:cNvPr id="128" name="テキスト ボックス 127">
+            <a:extLst>
+              <a:ext uri="{FF2B5EF4-FFF2-40B4-BE49-F238E27FC236}">
+                <a16:creationId xmlns:a16="http://schemas.microsoft.com/office/drawing/2014/main" id="{F7069CAA-E089-43DF-936A-883601EAFE77}"/>
+              </a:ext>
+            </a:extLst>
+          </p:cNvPr>
+          <p:cNvSpPr txBox="1"/>
+          <p:nvPr/>
+        </p:nvSpPr>
+        <p:spPr>
+          <a:xfrm>
+            <a:off x="7284254" y="4313619"/>
+            <a:ext cx="1800493" cy="523220"/>
+          </a:xfrm>
+          <a:prstGeom prst="rect">
+            <a:avLst/>
+          </a:prstGeom>
+          <a:noFill/>
+        </p:spPr>
+        <p:txBody>
+          <a:bodyPr wrap="none" rtlCol="0">
+            <a:spAutoFit/>
+          </a:bodyPr>
+          <a:lstStyle/>
+          <a:p>
+            <a:pPr algn="l"/>
+            <a:r>
+              <a:rPr kumimoji="1" lang="en-US" altLang="ja-JP" sz="2800" dirty="0"/>
+              <a:t>V</a:t>
+            </a:r>
+            <a:r>
+              <a:rPr kumimoji="1" lang="en-US" altLang="ja-JP" sz="2800" baseline="-25000" dirty="0"/>
+              <a:t>1</a:t>
+            </a:r>
+            <a:r>
+              <a:rPr kumimoji="1" lang="en-US" altLang="ja-JP" sz="2800" dirty="0"/>
+              <a:t>=V</a:t>
+            </a:r>
+            <a:r>
+              <a:rPr kumimoji="1" lang="en-US" altLang="ja-JP" sz="2800" baseline="-25000" dirty="0"/>
+              <a:t>2</a:t>
+            </a:r>
+            <a:r>
+              <a:rPr kumimoji="1" lang="en-US" altLang="ja-JP" sz="2800" dirty="0"/>
+              <a:t>=V</a:t>
+            </a:r>
+            <a:r>
+              <a:rPr kumimoji="1" lang="en-US" altLang="ja-JP" sz="2800" baseline="-25000" dirty="0"/>
+              <a:t>3</a:t>
+            </a:r>
+            <a:endParaRPr kumimoji="1" lang="ja-JP" altLang="en-US" sz="2800" baseline="-25000" dirty="0"/>
+          </a:p>
+        </p:txBody>
+      </p:sp>
+      <p:sp>
+        <p:nvSpPr>
+          <p:cNvPr id="129" name="テキスト ボックス 128">
+            <a:extLst>
+              <a:ext uri="{FF2B5EF4-FFF2-40B4-BE49-F238E27FC236}">
+                <a16:creationId xmlns:a16="http://schemas.microsoft.com/office/drawing/2014/main" id="{4D9832EC-6657-47DA-9369-E2E5BC9823E6}"/>
+              </a:ext>
+            </a:extLst>
+          </p:cNvPr>
+          <p:cNvSpPr txBox="1"/>
+          <p:nvPr/>
+        </p:nvSpPr>
+        <p:spPr>
+          <a:xfrm>
+            <a:off x="7003690" y="5496328"/>
+            <a:ext cx="2108269" cy="584775"/>
+          </a:xfrm>
+          <a:prstGeom prst="rect">
+            <a:avLst/>
+          </a:prstGeom>
+          <a:noFill/>
+        </p:spPr>
+        <p:txBody>
+          <a:bodyPr wrap="square" rtlCol="0">
+            <a:spAutoFit/>
+          </a:bodyPr>
+          <a:lstStyle/>
+          <a:p>
+            <a:pPr algn="ctr"/>
+            <a:r>
+              <a:rPr kumimoji="1" lang="en-US" altLang="ja-JP" sz="3200" dirty="0"/>
+              <a:t>i</a:t>
+            </a:r>
+            <a:r>
+              <a:rPr kumimoji="1" lang="en-US" altLang="ja-JP" sz="3200" baseline="-25000" dirty="0"/>
+              <a:t>1</a:t>
+            </a:r>
+            <a:r>
+              <a:rPr kumimoji="1" lang="en-US" altLang="ja-JP" sz="3200" dirty="0"/>
+              <a:t>=i</a:t>
+            </a:r>
+            <a:r>
+              <a:rPr kumimoji="1" lang="en-US" altLang="ja-JP" sz="3200" baseline="-25000" dirty="0"/>
+              <a:t>2</a:t>
+            </a:r>
+            <a:r>
+              <a:rPr kumimoji="1" lang="en-US" altLang="ja-JP" sz="3200" dirty="0"/>
+              <a:t>+i</a:t>
+            </a:r>
+            <a:r>
+              <a:rPr kumimoji="1" lang="en-US" altLang="ja-JP" sz="3200" baseline="-25000" dirty="0"/>
+              <a:t>3</a:t>
+            </a:r>
+            <a:endParaRPr kumimoji="1" lang="ja-JP" altLang="en-US" sz="3200" baseline="-25000" dirty="0"/>
+          </a:p>
+        </p:txBody>
+      </p:sp>
+      <p:sp>
+        <p:nvSpPr>
+          <p:cNvPr id="131" name="テキスト ボックス 130">
+            <a:extLst>
+              <a:ext uri="{FF2B5EF4-FFF2-40B4-BE49-F238E27FC236}">
+                <a16:creationId xmlns:a16="http://schemas.microsoft.com/office/drawing/2014/main" id="{B975022F-822F-4D8B-92A4-18998F1424AC}"/>
+              </a:ext>
+            </a:extLst>
+          </p:cNvPr>
+          <p:cNvSpPr txBox="1"/>
+          <p:nvPr/>
+        </p:nvSpPr>
+        <p:spPr>
+          <a:xfrm>
+            <a:off x="2970518" y="4151833"/>
+            <a:ext cx="445956" cy="707886"/>
+          </a:xfrm>
+          <a:prstGeom prst="rect">
+            <a:avLst/>
+          </a:prstGeom>
+          <a:noFill/>
+        </p:spPr>
+        <p:txBody>
+          <a:bodyPr wrap="none" rtlCol="0">
+            <a:spAutoFit/>
+          </a:bodyPr>
+          <a:lstStyle/>
+          <a:p>
+            <a:pPr algn="l"/>
+            <a:r>
+              <a:rPr kumimoji="1" lang="en-US" altLang="ja-JP" sz="2000" dirty="0"/>
+              <a:t>V</a:t>
+            </a:r>
+            <a:r>
+              <a:rPr kumimoji="1" lang="en-US" altLang="ja-JP" sz="2000" baseline="-25000" dirty="0"/>
+              <a:t>1</a:t>
+            </a:r>
+          </a:p>
+          <a:p>
+            <a:pPr algn="l"/>
+            <a:r>
+              <a:rPr lang="en-US" altLang="ja-JP" sz="2000" dirty="0"/>
+              <a:t>i</a:t>
+            </a:r>
+            <a:r>
+              <a:rPr lang="en-US" altLang="ja-JP" sz="2000" baseline="-25000" dirty="0"/>
+              <a:t>1</a:t>
+            </a:r>
+            <a:endParaRPr kumimoji="1" lang="ja-JP" altLang="en-US" sz="2000" baseline="-25000" dirty="0"/>
+          </a:p>
+        </p:txBody>
+      </p:sp>
+      <p:sp>
+        <p:nvSpPr>
+          <p:cNvPr id="132" name="テキスト ボックス 131">
+            <a:extLst>
+              <a:ext uri="{FF2B5EF4-FFF2-40B4-BE49-F238E27FC236}">
+                <a16:creationId xmlns:a16="http://schemas.microsoft.com/office/drawing/2014/main" id="{FED7F369-7F79-4F2A-A8D6-17D4A02F7D1D}"/>
+              </a:ext>
+            </a:extLst>
+          </p:cNvPr>
+          <p:cNvSpPr txBox="1"/>
+          <p:nvPr/>
+        </p:nvSpPr>
+        <p:spPr>
+          <a:xfrm>
+            <a:off x="4008107" y="3657307"/>
+            <a:ext cx="445956" cy="707886"/>
+          </a:xfrm>
+          <a:prstGeom prst="rect">
+            <a:avLst/>
+          </a:prstGeom>
+          <a:noFill/>
+        </p:spPr>
+        <p:txBody>
+          <a:bodyPr wrap="none" rtlCol="0">
+            <a:spAutoFit/>
+          </a:bodyPr>
+          <a:lstStyle/>
+          <a:p>
+            <a:pPr algn="l"/>
+            <a:r>
+              <a:rPr kumimoji="1" lang="en-US" altLang="ja-JP" sz="2000" dirty="0"/>
+              <a:t>V</a:t>
+            </a:r>
+            <a:r>
+              <a:rPr kumimoji="1" lang="en-US" altLang="ja-JP" sz="2000" baseline="-25000" dirty="0"/>
+              <a:t>2</a:t>
+            </a:r>
+          </a:p>
+          <a:p>
+            <a:pPr algn="l"/>
+            <a:r>
+              <a:rPr lang="en-US" altLang="ja-JP" sz="2000" dirty="0"/>
+              <a:t>i</a:t>
+            </a:r>
+            <a:r>
+              <a:rPr lang="en-US" altLang="ja-JP" sz="2000" baseline="-25000" dirty="0"/>
+              <a:t>2</a:t>
+            </a:r>
+            <a:endParaRPr kumimoji="1" lang="ja-JP" altLang="en-US" sz="2000" baseline="-25000" dirty="0"/>
+          </a:p>
+        </p:txBody>
+      </p:sp>
+      <p:sp>
+        <p:nvSpPr>
+          <p:cNvPr id="134" name="テキスト ボックス 133">
+            <a:extLst>
+              <a:ext uri="{FF2B5EF4-FFF2-40B4-BE49-F238E27FC236}">
+                <a16:creationId xmlns:a16="http://schemas.microsoft.com/office/drawing/2014/main" id="{CE81F18E-D64A-4BF4-8F62-BD307AB88CDE}"/>
+              </a:ext>
+            </a:extLst>
+          </p:cNvPr>
+          <p:cNvSpPr txBox="1"/>
+          <p:nvPr/>
+        </p:nvSpPr>
+        <p:spPr>
+          <a:xfrm>
+            <a:off x="4025249" y="4941433"/>
+            <a:ext cx="445956" cy="707886"/>
+          </a:xfrm>
+          <a:prstGeom prst="rect">
+            <a:avLst/>
+          </a:prstGeom>
+          <a:noFill/>
+        </p:spPr>
+        <p:txBody>
+          <a:bodyPr wrap="none" rtlCol="0">
+            <a:spAutoFit/>
+          </a:bodyPr>
+          <a:lstStyle/>
+          <a:p>
+            <a:pPr algn="l"/>
+            <a:r>
+              <a:rPr kumimoji="1" lang="en-US" altLang="ja-JP" sz="2000" dirty="0"/>
+              <a:t>V</a:t>
+            </a:r>
+            <a:r>
+              <a:rPr kumimoji="1" lang="en-US" altLang="ja-JP" sz="2000" baseline="-25000" dirty="0"/>
+              <a:t>3</a:t>
+            </a:r>
+          </a:p>
+          <a:p>
+            <a:pPr algn="l"/>
+            <a:r>
+              <a:rPr lang="en-US" altLang="ja-JP" sz="2000" dirty="0"/>
+              <a:t>i</a:t>
+            </a:r>
+            <a:r>
+              <a:rPr lang="en-US" altLang="ja-JP" sz="2000" baseline="-25000" dirty="0"/>
+              <a:t>3</a:t>
+            </a:r>
+            <a:endParaRPr kumimoji="1" lang="ja-JP" altLang="en-US" sz="2000" baseline="-25000" dirty="0"/>
+          </a:p>
+        </p:txBody>
+      </p:sp>
+      <p:sp>
+        <p:nvSpPr>
+          <p:cNvPr id="136" name="テキスト ボックス 135">
+            <a:extLst>
+              <a:ext uri="{FF2B5EF4-FFF2-40B4-BE49-F238E27FC236}">
+                <a16:creationId xmlns:a16="http://schemas.microsoft.com/office/drawing/2014/main" id="{B4E908B4-F335-473C-BCA9-4B0DB8FDF676}"/>
+              </a:ext>
+            </a:extLst>
+          </p:cNvPr>
+          <p:cNvSpPr txBox="1"/>
+          <p:nvPr/>
+        </p:nvSpPr>
+        <p:spPr>
+          <a:xfrm>
+            <a:off x="6787958" y="3868407"/>
+            <a:ext cx="2031325" cy="461665"/>
+          </a:xfrm>
+          <a:prstGeom prst="rect">
+            <a:avLst/>
+          </a:prstGeom>
+          <a:noFill/>
+        </p:spPr>
+        <p:txBody>
+          <a:bodyPr wrap="none" rtlCol="0">
+            <a:spAutoFit/>
+          </a:bodyPr>
+          <a:lstStyle/>
+          <a:p>
+            <a:pPr algn="l"/>
+            <a:r>
+              <a:rPr kumimoji="1" lang="ja-JP" altLang="en-US" sz="2400" u="sng" dirty="0"/>
+              <a:t>ポテンシャル</a:t>
+            </a:r>
+          </a:p>
+        </p:txBody>
+      </p:sp>
+      <p:sp>
+        <p:nvSpPr>
+          <p:cNvPr id="137" name="テキスト ボックス 136">
+            <a:extLst>
+              <a:ext uri="{FF2B5EF4-FFF2-40B4-BE49-F238E27FC236}">
+                <a16:creationId xmlns:a16="http://schemas.microsoft.com/office/drawing/2014/main" id="{734B8425-4DC2-4475-AC0B-A0BA8C99E35F}"/>
+              </a:ext>
+            </a:extLst>
+          </p:cNvPr>
+          <p:cNvSpPr txBox="1"/>
+          <p:nvPr/>
+        </p:nvSpPr>
+        <p:spPr>
+          <a:xfrm>
+            <a:off x="6787958" y="5038288"/>
+            <a:ext cx="1107996" cy="461665"/>
+          </a:xfrm>
+          <a:prstGeom prst="rect">
+            <a:avLst/>
+          </a:prstGeom>
+          <a:noFill/>
+        </p:spPr>
+        <p:txBody>
+          <a:bodyPr wrap="none" rtlCol="0">
+            <a:spAutoFit/>
+          </a:bodyPr>
+          <a:lstStyle/>
+          <a:p>
+            <a:pPr algn="l"/>
+            <a:r>
+              <a:rPr kumimoji="1" lang="ja-JP" altLang="en-US" sz="2400" u="sng" dirty="0" smtClean="0"/>
+              <a:t>フロー</a:t>
+            </a:r>
+            <a:endParaRPr kumimoji="1" lang="ja-JP" altLang="en-US" sz="2400" u="sng" dirty="0"/>
+          </a:p>
+        </p:txBody>
+      </p:sp>
+    </p:spTree>
+    <p:extLst>
+      <p:ext uri="{BB962C8B-B14F-4D97-AF65-F5344CB8AC3E}">
+        <p14:creationId xmlns:p14="http://schemas.microsoft.com/office/powerpoint/2010/main" val="4188160536"/>
+      </p:ext>
+    </p:extLst>
+  </p:cSld>
+  <p:clrMapOvr>
+    <a:masterClrMapping/>
+  </p:clrMapOvr>
+  <p:timing>
+    <p:tnLst>
+      <p:par>
+        <p:cTn id="1" dur="indefinite" restart="never" nodeType="tmRoot"/>
+      </p:par>
+    </p:tnLst>
+  </p:timing>
+</p:sld>
+</file>
+
+<file path=ppt/slides/slide25.xml><?xml version="1.0" encoding="utf-8"?>
+<p:sld xmlns:a="http://schemas.openxmlformats.org/drawingml/2006/main" xmlns:r="http://schemas.openxmlformats.org/officeDocument/2006/relationships" xmlns:p="http://schemas.openxmlformats.org/presentationml/2006/main">
+  <p:cSld>
+    <p:spTree>
+      <p:nvGrpSpPr>
+        <p:cNvPr id="1" name=""/>
+        <p:cNvGrpSpPr/>
+        <p:nvPr/>
+      </p:nvGrpSpPr>
+      <p:grpSpPr>
+        <a:xfrm>
+          <a:off x="0" y="0"/>
+          <a:ext cx="0" cy="0"/>
+          <a:chOff x="0" y="0"/>
+          <a:chExt cx="0" cy="0"/>
+        </a:xfrm>
+      </p:grpSpPr>
+      <p:sp>
+        <p:nvSpPr>
+          <p:cNvPr id="4" name="スライド番号プレースホルダー 3">
+            <a:extLst>
+              <a:ext uri="{FF2B5EF4-FFF2-40B4-BE49-F238E27FC236}">
+                <a16:creationId xmlns:a16="http://schemas.microsoft.com/office/drawing/2014/main" id="{62C8405B-E1A8-4250-83B4-B3DC73FA8844}"/>
+              </a:ext>
+            </a:extLst>
+          </p:cNvPr>
+          <p:cNvSpPr>
+            <a:spLocks noGrp="1"/>
+          </p:cNvSpPr>
+          <p:nvPr>
+            <p:ph type="sldNum" sz="quarter" idx="12"/>
+          </p:nvPr>
+        </p:nvSpPr>
+        <p:spPr/>
+        <p:txBody>
+          <a:bodyPr/>
+          <a:lstStyle/>
+          <a:p>
+            <a:fld id="{D836F367-8F14-4921-8441-15DE2D973248}" type="slidenum">
+              <a:rPr kumimoji="1" lang="ja-JP" altLang="en-US" smtClean="0"/>
+              <a:t>25</a:t>
+            </a:fld>
+            <a:endParaRPr kumimoji="1" lang="ja-JP" altLang="en-US"/>
+          </a:p>
+        </p:txBody>
+      </p:sp>
+      <p:sp>
+        <p:nvSpPr>
+          <p:cNvPr id="7" name="Shape 130">
+            <a:extLst>
+              <a:ext uri="{FF2B5EF4-FFF2-40B4-BE49-F238E27FC236}">
+                <a16:creationId xmlns:a16="http://schemas.microsoft.com/office/drawing/2014/main" id="{62311BE2-8146-4C5F-883C-23F48775675B}"/>
+              </a:ext>
+            </a:extLst>
+          </p:cNvPr>
+          <p:cNvSpPr/>
+          <p:nvPr/>
+        </p:nvSpPr>
+        <p:spPr>
+          <a:xfrm>
+            <a:off x="179666" y="87415"/>
+            <a:ext cx="5806077" cy="579646"/>
+          </a:xfrm>
+          <a:prstGeom prst="rect">
+            <a:avLst/>
+          </a:prstGeom>
+          <a:ln w="12700">
+            <a:miter lim="400000"/>
+          </a:ln>
+          <a:extLst>
+            <a:ext uri="{C572A759-6A51-4108-AA02-DFA0A04FC94B}">
+              <ma14:wrappingTextBoxFlag xmlns="" xmlns:ma14="http://schemas.microsoft.com/office/mac/drawingml/2011/main" val="1"/>
+            </a:ext>
+          </a:extLst>
+        </p:spPr>
+        <p:txBody>
+          <a:bodyPr wrap="none" lIns="50800" tIns="50800" rIns="50800" bIns="50800" anchor="ctr">
+            <a:spAutoFit/>
+          </a:bodyPr>
+          <a:lstStyle/>
+          <a:p>
+            <a:pPr>
+              <a:defRPr sz="3100" u="sng">
+                <a:latin typeface="YuMincho Medium"/>
+                <a:ea typeface="YuMincho Medium"/>
+                <a:cs typeface="YuMincho Medium"/>
+                <a:sym typeface="YuMincho Medium"/>
+              </a:defRPr>
+            </a:pPr>
+            <a:r>
+              <a:rPr lang="en-US" altLang="ja-JP" dirty="0"/>
+              <a:t>Modelica</a:t>
+            </a:r>
+            <a:r>
+              <a:rPr lang="ja-JP" altLang="en-US" dirty="0"/>
+              <a:t>でのポテンシャル</a:t>
+            </a:r>
+            <a:r>
+              <a:rPr lang="ja-JP" altLang="en-US" dirty="0" smtClean="0"/>
+              <a:t>とフロー</a:t>
+            </a:r>
+            <a:endParaRPr lang="en-US" altLang="ja-JP" dirty="0"/>
+          </a:p>
+        </p:txBody>
+      </p:sp>
+      <p:sp>
+        <p:nvSpPr>
+          <p:cNvPr id="8" name="テキスト ボックス 7">
+            <a:extLst>
+              <a:ext uri="{FF2B5EF4-FFF2-40B4-BE49-F238E27FC236}">
+                <a16:creationId xmlns:a16="http://schemas.microsoft.com/office/drawing/2014/main" id="{D04A544A-95A1-4A2C-9C87-71B9104E243F}"/>
+              </a:ext>
+            </a:extLst>
+          </p:cNvPr>
+          <p:cNvSpPr txBox="1"/>
+          <p:nvPr/>
+        </p:nvSpPr>
+        <p:spPr>
+          <a:xfrm>
+            <a:off x="5531071" y="1155142"/>
+            <a:ext cx="6159058" cy="369332"/>
+          </a:xfrm>
+          <a:prstGeom prst="rect">
+            <a:avLst/>
+          </a:prstGeom>
+          <a:noFill/>
+        </p:spPr>
+        <p:txBody>
+          <a:bodyPr wrap="none" rtlCol="0">
+            <a:spAutoFit/>
+          </a:bodyPr>
+          <a:lstStyle/>
+          <a:p>
+            <a:r>
+              <a:rPr lang="en-US" altLang="ja-JP" b="1" baseline="30000" dirty="0"/>
+              <a:t>*1 </a:t>
+            </a:r>
+            <a:r>
+              <a:rPr kumimoji="1" lang="ja-JP" altLang="en-US" dirty="0"/>
+              <a:t>フロー変数は</a:t>
+            </a:r>
+            <a:r>
+              <a:rPr kumimoji="1" lang="en-US" altLang="ja-JP" dirty="0"/>
+              <a:t>Simulink</a:t>
+            </a:r>
+            <a:r>
+              <a:rPr kumimoji="1" lang="ja-JP" altLang="en-US" dirty="0"/>
+              <a:t>など</a:t>
+            </a:r>
+            <a:r>
+              <a:rPr kumimoji="1" lang="ja-JP" altLang="en-US"/>
+              <a:t>で</a:t>
+            </a:r>
+            <a:r>
+              <a:rPr kumimoji="1" lang="ja-JP" altLang="en-US" smtClean="0"/>
+              <a:t>はスルー変数</a:t>
+            </a:r>
+            <a:r>
+              <a:rPr kumimoji="1" lang="ja-JP" altLang="en-US" dirty="0" smtClean="0"/>
+              <a:t>と</a:t>
+            </a:r>
+            <a:r>
+              <a:rPr kumimoji="1" lang="ja-JP" altLang="en-US" dirty="0"/>
+              <a:t>呼ばれます</a:t>
+            </a:r>
+          </a:p>
+        </p:txBody>
+      </p:sp>
+    </p:spTree>
+    <p:extLst>
+      <p:ext uri="{BB962C8B-B14F-4D97-AF65-F5344CB8AC3E}">
         <p14:creationId xmlns:p14="http://schemas.microsoft.com/office/powerpoint/2010/main" val="314113868"/>
       </p:ext>
     </p:extLst>
@@ -18090,7 +17923,7 @@
           </a:ln>
           <a:extLst>
             <a:ext uri="{C572A759-6A51-4108-AA02-DFA0A04FC94B}">
-              <ma14:wrappingTextBoxFlag xmlns:ma14="http://schemas.microsoft.com/office/mac/drawingml/2011/main" xmlns="" val="1"/>
+              <ma14:wrappingTextBoxFlag xmlns="" xmlns:ma14="http://schemas.microsoft.com/office/mac/drawingml/2011/main" val="1"/>
             </a:ext>
           </a:extLst>
         </p:spPr>
@@ -18659,7 +18492,7 @@
           </a:ln>
           <a:extLst>
             <a:ext uri="{C572A759-6A51-4108-AA02-DFA0A04FC94B}">
-              <ma14:wrappingTextBoxFlag xmlns:ma14="http://schemas.microsoft.com/office/mac/drawingml/2011/main" xmlns="" val="1"/>
+              <ma14:wrappingTextBoxFlag xmlns="" xmlns:ma14="http://schemas.microsoft.com/office/mac/drawingml/2011/main" val="1"/>
             </a:ext>
           </a:extLst>
         </p:spPr>
@@ -20496,7 +20329,7 @@
           </a:ln>
           <a:extLst>
             <a:ext uri="{C572A759-6A51-4108-AA02-DFA0A04FC94B}">
-              <ma14:wrappingTextBoxFlag xmlns:ma14="http://schemas.microsoft.com/office/mac/drawingml/2011/main" xmlns="" val="1"/>
+              <ma14:wrappingTextBoxFlag xmlns="" xmlns:ma14="http://schemas.microsoft.com/office/mac/drawingml/2011/main" val="1"/>
             </a:ext>
           </a:extLst>
         </p:spPr>
@@ -21473,7 +21306,7 @@
           </a:ln>
           <a:extLst>
             <a:ext uri="{C572A759-6A51-4108-AA02-DFA0A04FC94B}">
-              <ma14:wrappingTextBoxFlag xmlns:ma14="http://schemas.microsoft.com/office/mac/drawingml/2011/main" xmlns="" val="1"/>
+              <ma14:wrappingTextBoxFlag xmlns="" xmlns:ma14="http://schemas.microsoft.com/office/mac/drawingml/2011/main" val="1"/>
             </a:ext>
           </a:extLst>
         </p:spPr>
@@ -22344,7 +22177,7 @@
           </a:ln>
           <a:extLst>
             <a:ext uri="{C572A759-6A51-4108-AA02-DFA0A04FC94B}">
-              <ma14:wrappingTextBoxFlag xmlns="" xmlns:ma14="http://schemas.microsoft.com/office/mac/drawingml/2011/main" val="1"/>
+              <ma14:wrappingTextBoxFlag xmlns:ma14="http://schemas.microsoft.com/office/mac/drawingml/2011/main" xmlns="" val="1"/>
             </a:ext>
           </a:extLst>
         </p:spPr>
@@ -22682,7 +22515,7 @@
           </a:ln>
           <a:extLst>
             <a:ext uri="{C572A759-6A51-4108-AA02-DFA0A04FC94B}">
-              <ma14:wrappingTextBoxFlag xmlns:ma14="http://schemas.microsoft.com/office/mac/drawingml/2011/main" xmlns="" val="1"/>
+              <ma14:wrappingTextBoxFlag xmlns="" xmlns:ma14="http://schemas.microsoft.com/office/mac/drawingml/2011/main" val="1"/>
             </a:ext>
           </a:extLst>
         </p:spPr>
@@ -23652,7 +23485,7 @@
           </a:ln>
           <a:extLst>
             <a:ext uri="{C572A759-6A51-4108-AA02-DFA0A04FC94B}">
-              <ma14:wrappingTextBoxFlag xmlns:ma14="http://schemas.microsoft.com/office/mac/drawingml/2011/main" xmlns="" val="1"/>
+              <ma14:wrappingTextBoxFlag xmlns="" xmlns:ma14="http://schemas.microsoft.com/office/mac/drawingml/2011/main" val="1"/>
             </a:ext>
           </a:extLst>
         </p:spPr>
@@ -24271,7 +24104,7 @@
           </a:ln>
           <a:extLst>
             <a:ext uri="{C572A759-6A51-4108-AA02-DFA0A04FC94B}">
-              <ma14:wrappingTextBoxFlag xmlns:ma14="http://schemas.microsoft.com/office/mac/drawingml/2011/main" xmlns="" val="1"/>
+              <ma14:wrappingTextBoxFlag xmlns="" xmlns:ma14="http://schemas.microsoft.com/office/mac/drawingml/2011/main" val="1"/>
             </a:ext>
           </a:extLst>
         </p:spPr>
@@ -24388,7 +24221,7 @@
           </a:ln>
           <a:extLst>
             <a:ext uri="{C572A759-6A51-4108-AA02-DFA0A04FC94B}">
-              <ma14:wrappingTextBoxFlag xmlns:ma14="http://schemas.microsoft.com/office/mac/drawingml/2011/main" xmlns="" val="1"/>
+              <ma14:wrappingTextBoxFlag xmlns="" xmlns:ma14="http://schemas.microsoft.com/office/mac/drawingml/2011/main" val="1"/>
             </a:ext>
           </a:extLst>
         </p:spPr>
@@ -24847,7 +24680,7 @@
           </a:ln>
           <a:extLst>
             <a:ext uri="{C572A759-6A51-4108-AA02-DFA0A04FC94B}">
-              <ma14:wrappingTextBoxFlag xmlns:ma14="http://schemas.microsoft.com/office/mac/drawingml/2011/main" xmlns="" val="1"/>
+              <ma14:wrappingTextBoxFlag xmlns="" xmlns:ma14="http://schemas.microsoft.com/office/mac/drawingml/2011/main" val="1"/>
             </a:ext>
           </a:extLst>
         </p:spPr>
@@ -25451,6 +25284,634 @@
 </p:sld>
 </file>
 
+<file path=ppt/slides/slide35.xml><?xml version="1.0" encoding="utf-8"?>
+<p:sld xmlns:a="http://schemas.openxmlformats.org/drawingml/2006/main" xmlns:r="http://schemas.openxmlformats.org/officeDocument/2006/relationships" xmlns:p="http://schemas.openxmlformats.org/presentationml/2006/main">
+  <p:cSld>
+    <p:spTree>
+      <p:nvGrpSpPr>
+        <p:cNvPr id="1" name=""/>
+        <p:cNvGrpSpPr/>
+        <p:nvPr/>
+      </p:nvGrpSpPr>
+      <p:grpSpPr>
+        <a:xfrm>
+          <a:off x="0" y="0"/>
+          <a:ext cx="0" cy="0"/>
+          <a:chOff x="0" y="0"/>
+          <a:chExt cx="0" cy="0"/>
+        </a:xfrm>
+      </p:grpSpPr>
+      <p:sp>
+        <p:nvSpPr>
+          <p:cNvPr id="4" name="Shape 130">
+            <a:extLst>
+              <a:ext uri="{FF2B5EF4-FFF2-40B4-BE49-F238E27FC236}">
+                <a16:creationId xmlns:a16="http://schemas.microsoft.com/office/drawing/2014/main" id="{925B04DB-30E4-42E2-80C9-D742CED3A8D8}"/>
+              </a:ext>
+            </a:extLst>
+          </p:cNvPr>
+          <p:cNvSpPr/>
+          <p:nvPr/>
+        </p:nvSpPr>
+        <p:spPr>
+          <a:xfrm>
+            <a:off x="179666" y="87415"/>
+            <a:ext cx="4028347" cy="579646"/>
+          </a:xfrm>
+          <a:prstGeom prst="rect">
+            <a:avLst/>
+          </a:prstGeom>
+          <a:ln w="12700">
+            <a:miter lim="400000"/>
+          </a:ln>
+          <a:extLst>
+            <a:ext uri="{C572A759-6A51-4108-AA02-DFA0A04FC94B}">
+              <ma14:wrappingTextBoxFlag xmlns="" xmlns:ma14="http://schemas.microsoft.com/office/mac/drawingml/2011/main" val="1"/>
+            </a:ext>
+          </a:extLst>
+        </p:spPr>
+        <p:txBody>
+          <a:bodyPr wrap="none" lIns="50800" tIns="50800" rIns="50800" bIns="50800" anchor="ctr">
+            <a:spAutoFit/>
+          </a:bodyPr>
+          <a:lstStyle/>
+          <a:p>
+            <a:pPr>
+              <a:defRPr sz="3100" u="sng">
+                <a:latin typeface="YuMincho Medium"/>
+                <a:ea typeface="YuMincho Medium"/>
+                <a:cs typeface="YuMincho Medium"/>
+                <a:sym typeface="YuMincho Medium"/>
+              </a:defRPr>
+            </a:pPr>
+            <a:r>
+              <a:rPr lang="ja-JP" altLang="en-US" dirty="0"/>
+              <a:t>物理的な</a:t>
+            </a:r>
+            <a:r>
+              <a:rPr lang="ja-JP" altLang="en-US" dirty="0" smtClean="0"/>
+              <a:t>モデル </a:t>
+            </a:r>
+            <a:r>
+              <a:rPr lang="en-US" altLang="ja-JP" dirty="0" smtClean="0"/>
+              <a:t>- </a:t>
+            </a:r>
+            <a:r>
+              <a:rPr lang="ja-JP" altLang="en-US" dirty="0" smtClean="0"/>
+              <a:t>演習</a:t>
+            </a:r>
+            <a:endParaRPr lang="en-US" altLang="ja-JP" dirty="0"/>
+          </a:p>
+        </p:txBody>
+      </p:sp>
+      <p:sp>
+        <p:nvSpPr>
+          <p:cNvPr id="3" name="スライド番号プレースホルダー 2">
+            <a:extLst>
+              <a:ext uri="{FF2B5EF4-FFF2-40B4-BE49-F238E27FC236}">
+                <a16:creationId xmlns:a16="http://schemas.microsoft.com/office/drawing/2014/main" id="{C03CFA8D-F255-47FE-9956-D3EE57D24708}"/>
+              </a:ext>
+            </a:extLst>
+          </p:cNvPr>
+          <p:cNvSpPr>
+            <a:spLocks noGrp="1"/>
+          </p:cNvSpPr>
+          <p:nvPr>
+            <p:ph type="sldNum" sz="quarter" idx="12"/>
+          </p:nvPr>
+        </p:nvSpPr>
+        <p:spPr/>
+        <p:txBody>
+          <a:bodyPr/>
+          <a:lstStyle/>
+          <a:p>
+            <a:fld id="{D836F367-8F14-4921-8441-15DE2D973248}" type="slidenum">
+              <a:rPr kumimoji="1" lang="ja-JP" altLang="en-US" smtClean="0"/>
+              <a:t>35</a:t>
+            </a:fld>
+            <a:endParaRPr kumimoji="1" lang="ja-JP" altLang="en-US"/>
+          </a:p>
+        </p:txBody>
+      </p:sp>
+      <p:pic>
+        <p:nvPicPr>
+          <p:cNvPr id="28" name="図 27">
+            <a:extLst>
+              <a:ext uri="{FF2B5EF4-FFF2-40B4-BE49-F238E27FC236}">
+                <a16:creationId xmlns:a16="http://schemas.microsoft.com/office/drawing/2014/main" id="{994841A0-66A7-4C8D-9EEC-422555CB9EA3}"/>
+              </a:ext>
+            </a:extLst>
+          </p:cNvPr>
+          <p:cNvPicPr>
+            <a:picLocks noChangeAspect="1"/>
+          </p:cNvPicPr>
+          <p:nvPr/>
+        </p:nvPicPr>
+        <p:blipFill rotWithShape="1">
+          <a:blip r:embed="rId2"/>
+          <a:srcRect r="67412"/>
+          <a:stretch/>
+        </p:blipFill>
+        <p:spPr>
+          <a:xfrm>
+            <a:off x="2700937" y="3269561"/>
+            <a:ext cx="940766" cy="1020885"/>
+          </a:xfrm>
+          <a:prstGeom prst="rect">
+            <a:avLst/>
+          </a:prstGeom>
+        </p:spPr>
+      </p:pic>
+      <p:sp>
+        <p:nvSpPr>
+          <p:cNvPr id="29" name="テキスト ボックス 28">
+            <a:extLst>
+              <a:ext uri="{FF2B5EF4-FFF2-40B4-BE49-F238E27FC236}">
+                <a16:creationId xmlns:a16="http://schemas.microsoft.com/office/drawing/2014/main" id="{161FA918-2666-42D4-BC97-1EBA19B06BA1}"/>
+              </a:ext>
+            </a:extLst>
+          </p:cNvPr>
+          <p:cNvSpPr txBox="1"/>
+          <p:nvPr/>
+        </p:nvSpPr>
+        <p:spPr>
+          <a:xfrm>
+            <a:off x="2501906" y="4331578"/>
+            <a:ext cx="1338828" cy="369332"/>
+          </a:xfrm>
+          <a:prstGeom prst="rect">
+            <a:avLst/>
+          </a:prstGeom>
+          <a:noFill/>
+        </p:spPr>
+        <p:txBody>
+          <a:bodyPr wrap="none" rtlCol="0">
+            <a:spAutoFit/>
+          </a:bodyPr>
+          <a:lstStyle/>
+          <a:p>
+            <a:pPr algn="l"/>
+            <a:r>
+              <a:rPr kumimoji="1" lang="ja-JP" altLang="en-US" dirty="0"/>
+              <a:t>コンデンサ</a:t>
+            </a:r>
+          </a:p>
+        </p:txBody>
+      </p:sp>
+      <p:pic>
+        <p:nvPicPr>
+          <p:cNvPr id="35" name="図 34">
+            <a:extLst>
+              <a:ext uri="{FF2B5EF4-FFF2-40B4-BE49-F238E27FC236}">
+                <a16:creationId xmlns:a16="http://schemas.microsoft.com/office/drawing/2014/main" id="{C85347AD-B073-4200-9848-62A1AEC2464B}"/>
+              </a:ext>
+            </a:extLst>
+          </p:cNvPr>
+          <p:cNvPicPr>
+            <a:picLocks noChangeAspect="1"/>
+          </p:cNvPicPr>
+          <p:nvPr/>
+        </p:nvPicPr>
+        <p:blipFill rotWithShape="1">
+          <a:blip r:embed="rId3"/>
+          <a:srcRect r="67863"/>
+          <a:stretch/>
+        </p:blipFill>
+        <p:spPr>
+          <a:xfrm>
+            <a:off x="2544921" y="1433938"/>
+            <a:ext cx="1252799" cy="1222635"/>
+          </a:xfrm>
+          <a:prstGeom prst="rect">
+            <a:avLst/>
+          </a:prstGeom>
+        </p:spPr>
+      </p:pic>
+      <p:sp>
+        <p:nvSpPr>
+          <p:cNvPr id="38" name="テキスト ボックス 37">
+            <a:extLst>
+              <a:ext uri="{FF2B5EF4-FFF2-40B4-BE49-F238E27FC236}">
+                <a16:creationId xmlns:a16="http://schemas.microsoft.com/office/drawing/2014/main" id="{C607FED9-67B3-423B-8692-FF0A39C72DF2}"/>
+              </a:ext>
+            </a:extLst>
+          </p:cNvPr>
+          <p:cNvSpPr txBox="1"/>
+          <p:nvPr/>
+        </p:nvSpPr>
+        <p:spPr>
+          <a:xfrm>
+            <a:off x="2848155" y="2653629"/>
+            <a:ext cx="646331" cy="369332"/>
+          </a:xfrm>
+          <a:prstGeom prst="rect">
+            <a:avLst/>
+          </a:prstGeom>
+          <a:noFill/>
+        </p:spPr>
+        <p:txBody>
+          <a:bodyPr wrap="none" rtlCol="0">
+            <a:spAutoFit/>
+          </a:bodyPr>
+          <a:lstStyle/>
+          <a:p>
+            <a:pPr algn="l"/>
+            <a:r>
+              <a:rPr kumimoji="1" lang="ja-JP" altLang="en-US" dirty="0"/>
+              <a:t>電源</a:t>
+            </a:r>
+          </a:p>
+        </p:txBody>
+      </p:sp>
+      <p:pic>
+        <p:nvPicPr>
+          <p:cNvPr id="43" name="図 42">
+            <a:extLst>
+              <a:ext uri="{FF2B5EF4-FFF2-40B4-BE49-F238E27FC236}">
+                <a16:creationId xmlns:a16="http://schemas.microsoft.com/office/drawing/2014/main" id="{BB0370C2-0BC8-40F8-8725-B84DE1CFE728}"/>
+              </a:ext>
+            </a:extLst>
+          </p:cNvPr>
+          <p:cNvPicPr>
+            <a:picLocks noChangeAspect="1"/>
+          </p:cNvPicPr>
+          <p:nvPr/>
+        </p:nvPicPr>
+        <p:blipFill>
+          <a:blip r:embed="rId4"/>
+          <a:stretch>
+            <a:fillRect/>
+          </a:stretch>
+        </p:blipFill>
+        <p:spPr>
+          <a:xfrm>
+            <a:off x="2627493" y="5044215"/>
+            <a:ext cx="1087655" cy="849916"/>
+          </a:xfrm>
+          <a:prstGeom prst="rect">
+            <a:avLst/>
+          </a:prstGeom>
+        </p:spPr>
+      </p:pic>
+      <p:sp>
+        <p:nvSpPr>
+          <p:cNvPr id="44" name="テキスト ボックス 43">
+            <a:extLst>
+              <a:ext uri="{FF2B5EF4-FFF2-40B4-BE49-F238E27FC236}">
+                <a16:creationId xmlns:a16="http://schemas.microsoft.com/office/drawing/2014/main" id="{B48F04EE-BEE9-4737-8F1F-E1E9F9FEF7CB}"/>
+              </a:ext>
+            </a:extLst>
+          </p:cNvPr>
+          <p:cNvSpPr txBox="1"/>
+          <p:nvPr/>
+        </p:nvSpPr>
+        <p:spPr>
+          <a:xfrm>
+            <a:off x="2848155" y="5864970"/>
+            <a:ext cx="646331" cy="369332"/>
+          </a:xfrm>
+          <a:prstGeom prst="rect">
+            <a:avLst/>
+          </a:prstGeom>
+          <a:noFill/>
+        </p:spPr>
+        <p:txBody>
+          <a:bodyPr wrap="none" rtlCol="0">
+            <a:spAutoFit/>
+          </a:bodyPr>
+          <a:lstStyle/>
+          <a:p>
+            <a:pPr algn="l"/>
+            <a:r>
+              <a:rPr kumimoji="1" lang="ja-JP" altLang="en-US" dirty="0"/>
+              <a:t>抵抗</a:t>
+            </a:r>
+          </a:p>
+        </p:txBody>
+      </p:sp>
+      <p:sp>
+        <p:nvSpPr>
+          <p:cNvPr id="2" name="テキスト ボックス 1">
+            <a:extLst>
+              <a:ext uri="{FF2B5EF4-FFF2-40B4-BE49-F238E27FC236}">
+                <a16:creationId xmlns:a16="http://schemas.microsoft.com/office/drawing/2014/main" id="{9C656998-5F06-4261-891A-970E29263FDD}"/>
+              </a:ext>
+            </a:extLst>
+          </p:cNvPr>
+          <p:cNvSpPr txBox="1"/>
+          <p:nvPr/>
+        </p:nvSpPr>
+        <p:spPr>
+          <a:xfrm>
+            <a:off x="726738" y="876818"/>
+            <a:ext cx="10882184" cy="830997"/>
+          </a:xfrm>
+          <a:prstGeom prst="rect">
+            <a:avLst/>
+          </a:prstGeom>
+          <a:noFill/>
+        </p:spPr>
+        <p:txBody>
+          <a:bodyPr wrap="square" rtlCol="0">
+            <a:spAutoFit/>
+          </a:bodyPr>
+          <a:lstStyle/>
+          <a:p>
+            <a:pPr algn="l"/>
+            <a:r>
+              <a:rPr kumimoji="1" lang="en-US" altLang="ja-JP" sz="2400" dirty="0" err="1"/>
+              <a:t>OpenModelica</a:t>
+            </a:r>
+            <a:r>
+              <a:rPr kumimoji="1" lang="ja-JP" altLang="en-US" sz="2400" dirty="0"/>
+              <a:t>を使用して、以下のモデルのソースコードを確認しどのように方程式が定義されているか確認してみてください</a:t>
+            </a:r>
+          </a:p>
+        </p:txBody>
+      </p:sp>
+      <p:sp>
+        <p:nvSpPr>
+          <p:cNvPr id="5" name="正方形/長方形 4"/>
+          <p:cNvSpPr/>
+          <p:nvPr/>
+        </p:nvSpPr>
+        <p:spPr>
+          <a:xfrm>
+            <a:off x="4049736" y="3902303"/>
+            <a:ext cx="4711546" cy="369332"/>
+          </a:xfrm>
+          <a:prstGeom prst="rect">
+            <a:avLst/>
+          </a:prstGeom>
+        </p:spPr>
+        <p:txBody>
+          <a:bodyPr wrap="none">
+            <a:spAutoFit/>
+          </a:bodyPr>
+          <a:lstStyle/>
+          <a:p>
+            <a:r>
+              <a:rPr lang="en-US" altLang="ja-JP" dirty="0" err="1">
+                <a:solidFill>
+                  <a:srgbClr val="000000"/>
+                </a:solidFill>
+                <a:ea typeface="MS UI Gothic" panose="020B0600070205080204" pitchFamily="50" charset="-128"/>
+              </a:rPr>
+              <a:t>Modelica.Electrical.Analog.Basic.Capacitor</a:t>
+            </a:r>
+            <a:endParaRPr lang="en-US" altLang="ja-JP" i="0" dirty="0">
+              <a:solidFill>
+                <a:srgbClr val="000000"/>
+              </a:solidFill>
+              <a:effectLst/>
+              <a:ea typeface="MS UI Gothic" panose="020B0600070205080204" pitchFamily="50" charset="-128"/>
+            </a:endParaRPr>
+          </a:p>
+        </p:txBody>
+      </p:sp>
+      <p:sp>
+        <p:nvSpPr>
+          <p:cNvPr id="6" name="正方形/長方形 5"/>
+          <p:cNvSpPr/>
+          <p:nvPr/>
+        </p:nvSpPr>
+        <p:spPr>
+          <a:xfrm>
+            <a:off x="4049736" y="1996056"/>
+            <a:ext cx="5732660" cy="369332"/>
+          </a:xfrm>
+          <a:prstGeom prst="rect">
+            <a:avLst/>
+          </a:prstGeom>
+        </p:spPr>
+        <p:txBody>
+          <a:bodyPr wrap="none">
+            <a:spAutoFit/>
+          </a:bodyPr>
+          <a:lstStyle/>
+          <a:p>
+            <a:r>
+              <a:rPr lang="ja-JP" altLang="en-US" dirty="0"/>
+              <a:t>Modelica.Electrical.Analog.Sources.ConstantVoltage</a:t>
+            </a:r>
+          </a:p>
+        </p:txBody>
+      </p:sp>
+      <p:sp>
+        <p:nvSpPr>
+          <p:cNvPr id="7" name="正方形/長方形 6"/>
+          <p:cNvSpPr/>
+          <p:nvPr/>
+        </p:nvSpPr>
+        <p:spPr>
+          <a:xfrm>
+            <a:off x="4049736" y="5331070"/>
+            <a:ext cx="4560864" cy="369332"/>
+          </a:xfrm>
+          <a:prstGeom prst="rect">
+            <a:avLst/>
+          </a:prstGeom>
+        </p:spPr>
+        <p:txBody>
+          <a:bodyPr wrap="none">
+            <a:spAutoFit/>
+          </a:bodyPr>
+          <a:lstStyle/>
+          <a:p>
+            <a:r>
+              <a:rPr lang="en-US" altLang="ja-JP" dirty="0" err="1">
+                <a:solidFill>
+                  <a:srgbClr val="000000"/>
+                </a:solidFill>
+                <a:ea typeface="MS UI Gothic" panose="020B0600070205080204" pitchFamily="50" charset="-128"/>
+              </a:rPr>
+              <a:t>Modelica.Electrical.Analog.Basic.Resistor</a:t>
+            </a:r>
+            <a:endParaRPr lang="en-US" altLang="ja-JP" i="0" dirty="0">
+              <a:solidFill>
+                <a:srgbClr val="000000"/>
+              </a:solidFill>
+              <a:effectLst/>
+              <a:ea typeface="MS UI Gothic" panose="020B0600070205080204" pitchFamily="50" charset="-128"/>
+            </a:endParaRPr>
+          </a:p>
+        </p:txBody>
+      </p:sp>
+    </p:spTree>
+    <p:extLst>
+      <p:ext uri="{BB962C8B-B14F-4D97-AF65-F5344CB8AC3E}">
+        <p14:creationId xmlns:p14="http://schemas.microsoft.com/office/powerpoint/2010/main" val="3620887417"/>
+      </p:ext>
+    </p:extLst>
+  </p:cSld>
+  <p:clrMapOvr>
+    <a:masterClrMapping/>
+  </p:clrMapOvr>
+  <p:timing>
+    <p:tnLst>
+      <p:par>
+        <p:cTn id="1" dur="indefinite" restart="never" nodeType="tmRoot"/>
+      </p:par>
+    </p:tnLst>
+  </p:timing>
+</p:sld>
+</file>
+
+<file path=ppt/slides/slide36.xml><?xml version="1.0" encoding="utf-8"?>
+<p:sld xmlns:a="http://schemas.openxmlformats.org/drawingml/2006/main" xmlns:r="http://schemas.openxmlformats.org/officeDocument/2006/relationships" xmlns:p="http://schemas.openxmlformats.org/presentationml/2006/main">
+  <p:cSld>
+    <p:spTree>
+      <p:nvGrpSpPr>
+        <p:cNvPr id="1" name=""/>
+        <p:cNvGrpSpPr/>
+        <p:nvPr/>
+      </p:nvGrpSpPr>
+      <p:grpSpPr>
+        <a:xfrm>
+          <a:off x="0" y="0"/>
+          <a:ext cx="0" cy="0"/>
+          <a:chOff x="0" y="0"/>
+          <a:chExt cx="0" cy="0"/>
+        </a:xfrm>
+      </p:grpSpPr>
+      <p:sp>
+        <p:nvSpPr>
+          <p:cNvPr id="4" name="スライド番号プレースホルダー 3"/>
+          <p:cNvSpPr>
+            <a:spLocks noGrp="1"/>
+          </p:cNvSpPr>
+          <p:nvPr>
+            <p:ph type="sldNum" sz="quarter" idx="12"/>
+          </p:nvPr>
+        </p:nvSpPr>
+        <p:spPr/>
+        <p:txBody>
+          <a:bodyPr/>
+          <a:lstStyle/>
+          <a:p>
+            <a:fld id="{D836F367-8F14-4921-8441-15DE2D973248}" type="slidenum">
+              <a:rPr kumimoji="1" lang="ja-JP" altLang="en-US" smtClean="0"/>
+              <a:t>36</a:t>
+            </a:fld>
+            <a:endParaRPr kumimoji="1" lang="ja-JP" altLang="en-US"/>
+          </a:p>
+        </p:txBody>
+      </p:sp>
+      <p:sp>
+        <p:nvSpPr>
+          <p:cNvPr id="6" name="Shape 130">
+            <a:extLst>
+              <a:ext uri="{FF2B5EF4-FFF2-40B4-BE49-F238E27FC236}">
+                <a16:creationId xmlns:a16="http://schemas.microsoft.com/office/drawing/2014/main" id="{925B04DB-30E4-42E2-80C9-D742CED3A8D8}"/>
+              </a:ext>
+            </a:extLst>
+          </p:cNvPr>
+          <p:cNvSpPr/>
+          <p:nvPr/>
+        </p:nvSpPr>
+        <p:spPr>
+          <a:xfrm>
+            <a:off x="179666" y="87415"/>
+            <a:ext cx="1692771" cy="579646"/>
+          </a:xfrm>
+          <a:prstGeom prst="rect">
+            <a:avLst/>
+          </a:prstGeom>
+          <a:ln w="12700">
+            <a:miter lim="400000"/>
+          </a:ln>
+          <a:extLst>
+            <a:ext uri="{C572A759-6A51-4108-AA02-DFA0A04FC94B}">
+              <ma14:wrappingTextBoxFlag xmlns="" xmlns:ma14="http://schemas.microsoft.com/office/mac/drawingml/2011/main" val="1"/>
+            </a:ext>
+          </a:extLst>
+        </p:spPr>
+        <p:txBody>
+          <a:bodyPr wrap="none" lIns="50800" tIns="50800" rIns="50800" bIns="50800" anchor="ctr">
+            <a:spAutoFit/>
+          </a:bodyPr>
+          <a:lstStyle/>
+          <a:p>
+            <a:pPr>
+              <a:defRPr sz="3100" u="sng">
+                <a:latin typeface="YuMincho Medium"/>
+                <a:ea typeface="YuMincho Medium"/>
+                <a:cs typeface="YuMincho Medium"/>
+                <a:sym typeface="YuMincho Medium"/>
+              </a:defRPr>
+            </a:pPr>
+            <a:r>
+              <a:rPr lang="ja-JP" altLang="en-US" dirty="0" smtClean="0"/>
+              <a:t>参考資料</a:t>
+            </a:r>
+            <a:endParaRPr lang="en-US" altLang="ja-JP" dirty="0"/>
+          </a:p>
+        </p:txBody>
+      </p:sp>
+      <p:sp>
+        <p:nvSpPr>
+          <p:cNvPr id="7" name="テキスト ボックス 6"/>
+          <p:cNvSpPr txBox="1"/>
+          <p:nvPr/>
+        </p:nvSpPr>
+        <p:spPr>
+          <a:xfrm>
+            <a:off x="472985" y="1022512"/>
+            <a:ext cx="10650644" cy="615553"/>
+          </a:xfrm>
+          <a:prstGeom prst="rect">
+            <a:avLst/>
+          </a:prstGeom>
+          <a:noFill/>
+        </p:spPr>
+        <p:txBody>
+          <a:bodyPr wrap="square" rtlCol="0">
+            <a:spAutoFit/>
+          </a:bodyPr>
+          <a:lstStyle/>
+          <a:p>
+            <a:r>
+              <a:rPr lang="en-US" altLang="ja-JP" dirty="0"/>
+              <a:t>Michael M. </a:t>
+            </a:r>
+            <a:r>
+              <a:rPr lang="en-US" altLang="ja-JP" dirty="0" smtClean="0"/>
+              <a:t>Tiller, </a:t>
+            </a:r>
+            <a:r>
+              <a:rPr kumimoji="1" lang="en-US" altLang="ja-JP" sz="1600" dirty="0" err="1" smtClean="0"/>
+              <a:t>Modelica</a:t>
+            </a:r>
+            <a:r>
+              <a:rPr kumimoji="1" lang="en-US" altLang="ja-JP" sz="1600" dirty="0" smtClean="0"/>
+              <a:t> by Example, </a:t>
+            </a:r>
+            <a:r>
+              <a:rPr lang="en-US" altLang="ja-JP" sz="1600" dirty="0">
+                <a:hlinkClick r:id="rId2"/>
+              </a:rPr>
+              <a:t>https://mbe.modelica.university/components/connectors/</a:t>
+            </a:r>
+            <a:endParaRPr lang="ja-JP" altLang="en-US" sz="1600" dirty="0"/>
+          </a:p>
+          <a:p>
+            <a:endParaRPr kumimoji="1" lang="ja-JP" altLang="en-US" sz="1600" dirty="0" smtClean="0"/>
+          </a:p>
+        </p:txBody>
+      </p:sp>
+    </p:spTree>
+    <p:extLst>
+      <p:ext uri="{BB962C8B-B14F-4D97-AF65-F5344CB8AC3E}">
+        <p14:creationId xmlns:p14="http://schemas.microsoft.com/office/powerpoint/2010/main" val="3020656584"/>
+      </p:ext>
+    </p:extLst>
+  </p:cSld>
+  <p:clrMapOvr>
+    <a:masterClrMapping/>
+  </p:clrMapOvr>
+</p:sld>
+</file>
+
 <file path=ppt/slides/slide4.xml><?xml version="1.0" encoding="utf-8"?>
 <p:sld xmlns:a="http://schemas.openxmlformats.org/drawingml/2006/main" xmlns:r="http://schemas.openxmlformats.org/officeDocument/2006/relationships" xmlns:p="http://schemas.openxmlformats.org/presentationml/2006/main">
   <p:cSld>
@@ -25493,7 +25954,7 @@
           </a:ln>
           <a:extLst>
             <a:ext uri="{C572A759-6A51-4108-AA02-DFA0A04FC94B}">
-              <ma14:wrappingTextBoxFlag xmlns:ma14="http://schemas.microsoft.com/office/mac/drawingml/2011/main" xmlns="" val="1"/>
+              <ma14:wrappingTextBoxFlag xmlns="" xmlns:ma14="http://schemas.microsoft.com/office/mac/drawingml/2011/main" val="1"/>
             </a:ext>
           </a:extLst>
         </p:spPr>
@@ -26187,7 +26648,7 @@
           </a:ln>
           <a:extLst>
             <a:ext uri="{C572A759-6A51-4108-AA02-DFA0A04FC94B}">
-              <ma14:wrappingTextBoxFlag xmlns:ma14="http://schemas.microsoft.com/office/mac/drawingml/2011/main" xmlns="" val="1"/>
+              <ma14:wrappingTextBoxFlag xmlns="" xmlns:ma14="http://schemas.microsoft.com/office/mac/drawingml/2011/main" val="1"/>
             </a:ext>
           </a:extLst>
         </p:spPr>
@@ -27027,7 +27488,7 @@
           </a:ln>
           <a:extLst>
             <a:ext uri="{C572A759-6A51-4108-AA02-DFA0A04FC94B}">
-              <ma14:wrappingTextBoxFlag xmlns:ma14="http://schemas.microsoft.com/office/mac/drawingml/2011/main" xmlns="" val="1"/>
+              <ma14:wrappingTextBoxFlag xmlns="" xmlns:ma14="http://schemas.microsoft.com/office/mac/drawingml/2011/main" val="1"/>
             </a:ext>
           </a:extLst>
         </p:spPr>
@@ -27992,7 +28453,7 @@
           </a:ln>
           <a:extLst>
             <a:ext uri="{C572A759-6A51-4108-AA02-DFA0A04FC94B}">
-              <ma14:wrappingTextBoxFlag xmlns:ma14="http://schemas.microsoft.com/office/mac/drawingml/2011/main" xmlns="" val="1"/>
+              <ma14:wrappingTextBoxFlag xmlns="" xmlns:ma14="http://schemas.microsoft.com/office/mac/drawingml/2011/main" val="1"/>
             </a:ext>
           </a:extLst>
         </p:spPr>
@@ -28895,7 +29356,7 @@
           </a:ln>
           <a:extLst>
             <a:ext uri="{C572A759-6A51-4108-AA02-DFA0A04FC94B}">
-              <ma14:wrappingTextBoxFlag xmlns:ma14="http://schemas.microsoft.com/office/mac/drawingml/2011/main" xmlns="" val="1"/>
+              <ma14:wrappingTextBoxFlag xmlns="" xmlns:ma14="http://schemas.microsoft.com/office/mac/drawingml/2011/main" val="1"/>
             </a:ext>
           </a:extLst>
         </p:spPr>
@@ -29918,7 +30379,7 @@
           </a:ln>
           <a:extLst>
             <a:ext uri="{C572A759-6A51-4108-AA02-DFA0A04FC94B}">
-              <ma14:wrappingTextBoxFlag xmlns:ma14="http://schemas.microsoft.com/office/mac/drawingml/2011/main" xmlns="" val="1"/>
+              <ma14:wrappingTextBoxFlag xmlns="" xmlns:ma14="http://schemas.microsoft.com/office/mac/drawingml/2011/main" val="1"/>
             </a:ext>
           </a:extLst>
         </p:spPr>

--- a/Dev/7_PhysicsDomainModel/OpenModelica_Tutorials_7_PlantModel.pptx
+++ b/Dev/7_PhysicsDomainModel/OpenModelica_Tutorials_7_PlantModel.pptx
@@ -5,7 +5,7 @@
     <p:sldMasterId id="2147483648" r:id="rId1"/>
   </p:sldMasterIdLst>
   <p:notesMasterIdLst>
-    <p:notesMasterId r:id="rId38"/>
+    <p:notesMasterId r:id="rId39"/>
   </p:notesMasterIdLst>
   <p:sldIdLst>
     <p:sldId id="256" r:id="rId2"/>
@@ -22,28 +22,29 @@
     <p:sldId id="421" r:id="rId13"/>
     <p:sldId id="415" r:id="rId14"/>
     <p:sldId id="422" r:id="rId15"/>
-    <p:sldId id="401" r:id="rId16"/>
-    <p:sldId id="424" r:id="rId17"/>
-    <p:sldId id="426" r:id="rId18"/>
-    <p:sldId id="428" r:id="rId19"/>
-    <p:sldId id="423" r:id="rId20"/>
-    <p:sldId id="404" r:id="rId21"/>
-    <p:sldId id="325" r:id="rId22"/>
-    <p:sldId id="407" r:id="rId23"/>
+    <p:sldId id="441" r:id="rId16"/>
+    <p:sldId id="437" r:id="rId17"/>
+    <p:sldId id="440" r:id="rId18"/>
+    <p:sldId id="423" r:id="rId19"/>
+    <p:sldId id="404" r:id="rId20"/>
+    <p:sldId id="325" r:id="rId21"/>
+    <p:sldId id="407" r:id="rId22"/>
+    <p:sldId id="438" r:id="rId23"/>
     <p:sldId id="431" r:id="rId24"/>
-    <p:sldId id="408" r:id="rId25"/>
-    <p:sldId id="396" r:id="rId26"/>
-    <p:sldId id="388" r:id="rId27"/>
-    <p:sldId id="392" r:id="rId28"/>
-    <p:sldId id="327" r:id="rId29"/>
-    <p:sldId id="329" r:id="rId30"/>
-    <p:sldId id="397" r:id="rId31"/>
-    <p:sldId id="334" r:id="rId32"/>
-    <p:sldId id="429" r:id="rId33"/>
-    <p:sldId id="398" r:id="rId34"/>
-    <p:sldId id="427" r:id="rId35"/>
-    <p:sldId id="430" r:id="rId36"/>
-    <p:sldId id="432" r:id="rId37"/>
+    <p:sldId id="435" r:id="rId25"/>
+    <p:sldId id="436" r:id="rId26"/>
+    <p:sldId id="408" r:id="rId27"/>
+    <p:sldId id="388" r:id="rId28"/>
+    <p:sldId id="392" r:id="rId29"/>
+    <p:sldId id="327" r:id="rId30"/>
+    <p:sldId id="329" r:id="rId31"/>
+    <p:sldId id="397" r:id="rId32"/>
+    <p:sldId id="334" r:id="rId33"/>
+    <p:sldId id="442" r:id="rId34"/>
+    <p:sldId id="429" r:id="rId35"/>
+    <p:sldId id="398" r:id="rId36"/>
+    <p:sldId id="427" r:id="rId37"/>
+    <p:sldId id="432" r:id="rId38"/>
   </p:sldIdLst>
   <p:sldSz cx="12192000" cy="6858000"/>
   <p:notesSz cx="6858000" cy="9144000"/>
@@ -243,7 +244,7 @@
           <a:p>
             <a:fld id="{C4670700-DA66-4BAD-8F9F-A4A758D36ABA}" type="datetimeFigureOut">
               <a:rPr kumimoji="1" lang="ja-JP" altLang="en-US" smtClean="0"/>
-              <a:t>2020/4/13</a:t>
+              <a:t>2020/9/1</a:t>
             </a:fld>
             <a:endParaRPr kumimoji="1" lang="ja-JP" altLang="en-US"/>
           </a:p>
@@ -689,7 +690,7 @@
           <a:p>
             <a:fld id="{8C7CD75D-5D39-4864-BA19-483584E59DC6}" type="datetime1">
               <a:rPr kumimoji="1" lang="ja-JP" altLang="en-US" smtClean="0"/>
-              <a:t>2020/4/13</a:t>
+              <a:t>2020/9/1</a:t>
             </a:fld>
             <a:endParaRPr kumimoji="1" lang="ja-JP" altLang="en-US"/>
           </a:p>
@@ -919,7 +920,7 @@
           <a:p>
             <a:fld id="{1C307E19-2163-42CA-82DC-48CC766E044B}" type="datetime1">
               <a:rPr kumimoji="1" lang="ja-JP" altLang="en-US" smtClean="0"/>
-              <a:t>2020/4/13</a:t>
+              <a:t>2020/9/1</a:t>
             </a:fld>
             <a:endParaRPr kumimoji="1" lang="ja-JP" altLang="en-US"/>
           </a:p>
@@ -1159,7 +1160,7 @@
           <a:p>
             <a:fld id="{0C48A713-F20E-46DB-BBA7-BA87B95082A3}" type="datetime1">
               <a:rPr kumimoji="1" lang="ja-JP" altLang="en-US" smtClean="0"/>
-              <a:t>2020/4/13</a:t>
+              <a:t>2020/9/1</a:t>
             </a:fld>
             <a:endParaRPr kumimoji="1" lang="ja-JP" altLang="en-US"/>
           </a:p>
@@ -1389,7 +1390,7 @@
           <a:p>
             <a:fld id="{FFE92058-C063-4892-89E0-629CA4ED9E07}" type="datetime1">
               <a:rPr kumimoji="1" lang="ja-JP" altLang="en-US" smtClean="0"/>
-              <a:t>2020/4/13</a:t>
+              <a:t>2020/9/1</a:t>
             </a:fld>
             <a:endParaRPr kumimoji="1" lang="ja-JP" altLang="en-US"/>
           </a:p>
@@ -1664,7 +1665,7 @@
           <a:p>
             <a:fld id="{130C667B-2598-4471-9768-C5333B4E3B3A}" type="datetime1">
               <a:rPr kumimoji="1" lang="ja-JP" altLang="en-US" smtClean="0"/>
-              <a:t>2020/4/13</a:t>
+              <a:t>2020/9/1</a:t>
             </a:fld>
             <a:endParaRPr kumimoji="1" lang="ja-JP" altLang="en-US"/>
           </a:p>
@@ -1993,7 +1994,7 @@
           <a:p>
             <a:fld id="{0FDAB949-15F5-4ABF-BB00-18FEF780E713}" type="datetime1">
               <a:rPr kumimoji="1" lang="ja-JP" altLang="en-US" smtClean="0"/>
-              <a:t>2020/4/13</a:t>
+              <a:t>2020/9/1</a:t>
             </a:fld>
             <a:endParaRPr kumimoji="1" lang="ja-JP" altLang="en-US"/>
           </a:p>
@@ -2469,7 +2470,7 @@
           <a:p>
             <a:fld id="{BFA3EF9D-1463-4821-9ADE-47DF05549453}" type="datetime1">
               <a:rPr kumimoji="1" lang="ja-JP" altLang="en-US" smtClean="0"/>
-              <a:t>2020/4/13</a:t>
+              <a:t>2020/9/1</a:t>
             </a:fld>
             <a:endParaRPr kumimoji="1" lang="ja-JP" altLang="en-US"/>
           </a:p>
@@ -2610,7 +2611,7 @@
           <a:p>
             <a:fld id="{4586F5B6-9586-4E05-85A5-BC7C32648190}" type="datetime1">
               <a:rPr kumimoji="1" lang="ja-JP" altLang="en-US" smtClean="0"/>
-              <a:t>2020/4/13</a:t>
+              <a:t>2020/9/1</a:t>
             </a:fld>
             <a:endParaRPr kumimoji="1" lang="ja-JP" altLang="en-US"/>
           </a:p>
@@ -2723,7 +2724,7 @@
           <a:p>
             <a:fld id="{76504571-7FEB-4311-BB38-1994795B53A0}" type="datetime1">
               <a:rPr kumimoji="1" lang="ja-JP" altLang="en-US" smtClean="0"/>
-              <a:t>2020/4/13</a:t>
+              <a:t>2020/9/1</a:t>
             </a:fld>
             <a:endParaRPr kumimoji="1" lang="ja-JP" altLang="en-US"/>
           </a:p>
@@ -3066,7 +3067,7 @@
           <a:p>
             <a:fld id="{F5C721FD-BC0F-4FE9-9E95-F806C64C8B82}" type="datetime1">
               <a:rPr kumimoji="1" lang="ja-JP" altLang="en-US" smtClean="0"/>
-              <a:t>2020/4/13</a:t>
+              <a:t>2020/9/1</a:t>
             </a:fld>
             <a:endParaRPr kumimoji="1" lang="ja-JP" altLang="en-US"/>
           </a:p>
@@ -3354,7 +3355,7 @@
           <a:p>
             <a:fld id="{77542B22-E5B0-40C6-9DA2-3A5D4E7B0D80}" type="datetime1">
               <a:rPr kumimoji="1" lang="ja-JP" altLang="en-US" smtClean="0"/>
-              <a:t>2020/4/13</a:t>
+              <a:t>2020/9/1</a:t>
             </a:fld>
             <a:endParaRPr kumimoji="1" lang="ja-JP" altLang="en-US"/>
           </a:p>
@@ -3627,7 +3628,7 @@
           <a:p>
             <a:fld id="{CE100500-5C7E-429C-8088-58F3D6003A7E}" type="datetime1">
               <a:rPr kumimoji="1" lang="ja-JP" altLang="en-US" smtClean="0"/>
-              <a:t>2020/4/13</a:t>
+              <a:t>2020/9/1</a:t>
             </a:fld>
             <a:endParaRPr kumimoji="1" lang="ja-JP" altLang="en-US"/>
           </a:p>
@@ -4355,7 +4356,7 @@
           </a:ln>
           <a:extLst>
             <a:ext uri="{C572A759-6A51-4108-AA02-DFA0A04FC94B}">
-              <ma14:wrappingTextBoxFlag xmlns="" xmlns:ma14="http://schemas.microsoft.com/office/mac/drawingml/2011/main" val="1"/>
+              <ma14:wrappingTextBoxFlag xmlns:ma14="http://schemas.microsoft.com/office/mac/drawingml/2011/main" xmlns="" val="1"/>
             </a:ext>
           </a:extLst>
         </p:spPr>
@@ -5587,7 +5588,7 @@
           </a:ln>
           <a:extLst>
             <a:ext uri="{C572A759-6A51-4108-AA02-DFA0A04FC94B}">
-              <ma14:wrappingTextBoxFlag xmlns="" xmlns:ma14="http://schemas.microsoft.com/office/mac/drawingml/2011/main" val="1"/>
+              <ma14:wrappingTextBoxFlag xmlns:ma14="http://schemas.microsoft.com/office/mac/drawingml/2011/main" xmlns="" val="1"/>
             </a:ext>
           </a:extLst>
         </p:spPr>
@@ -6267,7 +6268,7 @@
           </a:ln>
           <a:extLst>
             <a:ext uri="{C572A759-6A51-4108-AA02-DFA0A04FC94B}">
-              <ma14:wrappingTextBoxFlag xmlns="" xmlns:ma14="http://schemas.microsoft.com/office/mac/drawingml/2011/main" val="1"/>
+              <ma14:wrappingTextBoxFlag xmlns:ma14="http://schemas.microsoft.com/office/mac/drawingml/2011/main" xmlns="" val="1"/>
             </a:ext>
           </a:extLst>
         </p:spPr>
@@ -8070,7 +8071,7 @@
           </a:ln>
           <a:extLst>
             <a:ext uri="{C572A759-6A51-4108-AA02-DFA0A04FC94B}">
-              <ma14:wrappingTextBoxFlag xmlns="" xmlns:ma14="http://schemas.microsoft.com/office/mac/drawingml/2011/main" val="1"/>
+              <ma14:wrappingTextBoxFlag xmlns:ma14="http://schemas.microsoft.com/office/mac/drawingml/2011/main" xmlns="" val="1"/>
             </a:ext>
           </a:extLst>
         </p:spPr>
@@ -9415,7 +9416,7 @@
           </a:ln>
           <a:extLst>
             <a:ext uri="{C572A759-6A51-4108-AA02-DFA0A04FC94B}">
-              <ma14:wrappingTextBoxFlag xmlns="" xmlns:ma14="http://schemas.microsoft.com/office/mac/drawingml/2011/main" val="1"/>
+              <ma14:wrappingTextBoxFlag xmlns:ma14="http://schemas.microsoft.com/office/mac/drawingml/2011/main" xmlns="" val="1"/>
             </a:ext>
           </a:extLst>
         </p:spPr>
@@ -9435,7 +9436,11 @@
             </a:pPr>
             <a:r>
               <a:rPr lang="ja-JP" altLang="en-US" dirty="0" smtClean="0"/>
-              <a:t>典型的な物理モデル</a:t>
+              <a:t>典型的な物理</a:t>
+            </a:r>
+            <a:r>
+              <a:rPr lang="ja-JP" altLang="en-US" dirty="0" smtClean="0"/>
+              <a:t>モデル</a:t>
             </a:r>
             <a:endParaRPr lang="en-US" altLang="ja-JP" dirty="0"/>
           </a:p>
@@ -9564,7 +9569,7 @@
         <p:spPr>
           <a:xfrm>
             <a:off x="794932" y="5169197"/>
-            <a:ext cx="4493538" cy="461665"/>
+            <a:ext cx="5109091" cy="461665"/>
           </a:xfrm>
           <a:prstGeom prst="rect">
             <a:avLst/>
@@ -9584,7 +9589,11 @@
             </a:r>
             <a:r>
               <a:rPr kumimoji="1" lang="ja-JP" altLang="en-US" sz="2400" dirty="0"/>
-              <a:t>・・物理量を変化させる</a:t>
+              <a:t>・</a:t>
+            </a:r>
+            <a:r>
+              <a:rPr kumimoji="1" lang="ja-JP" altLang="en-US" sz="2400" dirty="0" smtClean="0"/>
+              <a:t>・物理量の通り易さを表す</a:t>
             </a:r>
             <a:endParaRPr kumimoji="1" lang="en-US" altLang="ja-JP" sz="2400" dirty="0"/>
           </a:p>
@@ -10183,7 +10192,7 @@
       </p:sp>
       <p:sp>
         <p:nvSpPr>
-          <p:cNvPr id="8" name="テキスト ボックス 7">
+          <p:cNvPr id="27" name="テキスト ボックス 26">
             <a:extLst>
               <a:ext uri="{FF2B5EF4-FFF2-40B4-BE49-F238E27FC236}">
                 <a16:creationId xmlns:a16="http://schemas.microsoft.com/office/drawing/2014/main" id="{A4DFF5D2-0928-44A9-9DCD-D4E857D846A0}"/>
@@ -10195,7 +10204,7 @@
         </p:nvSpPr>
         <p:spPr>
           <a:xfrm>
-            <a:off x="794932" y="779071"/>
+            <a:off x="671107" y="755259"/>
             <a:ext cx="11111122" cy="830997"/>
           </a:xfrm>
           <a:prstGeom prst="rect">
@@ -10215,62 +10224,20 @@
             </a:r>
             <a:r>
               <a:rPr lang="ja-JP" altLang="en-US" sz="2400" dirty="0" smtClean="0"/>
-              <a:t>グループ化して把握するとどのライブラリも似たような考え方で使いこなすことが出来ます。</a:t>
-            </a:r>
-            <a:endParaRPr lang="en-US" altLang="ja-JP" sz="2400" dirty="0"/>
-          </a:p>
-        </p:txBody>
-      </p:sp>
-      <p:sp>
-        <p:nvSpPr>
-          <p:cNvPr id="5" name="正方形/長方形 4">
-            <a:extLst>
-              <a:ext uri="{FF2B5EF4-FFF2-40B4-BE49-F238E27FC236}">
-                <a16:creationId xmlns:a16="http://schemas.microsoft.com/office/drawing/2014/main" id="{735E3EF0-D420-4A79-B424-13929EA6DAE5}"/>
-              </a:ext>
-            </a:extLst>
-          </p:cNvPr>
-          <p:cNvSpPr/>
-          <p:nvPr/>
-        </p:nvSpPr>
-        <p:spPr>
-          <a:xfrm>
-            <a:off x="2558387" y="2486082"/>
-            <a:ext cx="2994002" cy="646331"/>
-          </a:xfrm>
-          <a:prstGeom prst="rect">
-            <a:avLst/>
-          </a:prstGeom>
-        </p:spPr>
-        <p:txBody>
-          <a:bodyPr wrap="square">
-            <a:spAutoFit/>
-          </a:bodyPr>
-          <a:lstStyle/>
-          <a:p>
-            <a:r>
-              <a:rPr lang="ja-JP" altLang="en-US" dirty="0" smtClean="0"/>
-              <a:t>ソース</a:t>
-            </a:r>
-            <a:r>
-              <a:rPr lang="en-US" altLang="ja-JP" dirty="0"/>
-              <a:t>/</a:t>
-            </a:r>
-            <a:r>
-              <a:rPr lang="ja-JP" altLang="en-US" dirty="0" smtClean="0"/>
-              <a:t>シンクなどと</a:t>
-            </a:r>
-            <a:r>
-              <a:rPr lang="ja-JP" altLang="en-US" dirty="0"/>
-              <a:t>呼ばれています</a:t>
-            </a:r>
+              <a:t>グループ化して把握するとどのライブラリも似たような考え方で使いこなすことが出来ます</a:t>
+            </a:r>
+            <a:r>
+              <a:rPr lang="ja-JP" altLang="en-US" sz="2400" dirty="0" smtClean="0"/>
+              <a:t>。</a:t>
+            </a:r>
+            <a:endParaRPr lang="en-US" altLang="ja-JP" sz="2400" dirty="0" smtClean="0"/>
           </a:p>
         </p:txBody>
       </p:sp>
     </p:spTree>
     <p:extLst>
       <p:ext uri="{BB962C8B-B14F-4D97-AF65-F5344CB8AC3E}">
-        <p14:creationId xmlns:p14="http://schemas.microsoft.com/office/powerpoint/2010/main" val="702791032"/>
+        <p14:creationId xmlns:p14="http://schemas.microsoft.com/office/powerpoint/2010/main" val="3626346669"/>
       </p:ext>
     </p:extLst>
   </p:cSld>
@@ -10319,7 +10286,7 @@
         <p:spPr>
           <a:xfrm>
             <a:off x="179666" y="87415"/>
-            <a:ext cx="7029168" cy="579646"/>
+            <a:ext cx="4778552" cy="579646"/>
           </a:xfrm>
           <a:prstGeom prst="rect">
             <a:avLst/>
@@ -10329,7 +10296,7 @@
           </a:ln>
           <a:extLst>
             <a:ext uri="{C572A759-6A51-4108-AA02-DFA0A04FC94B}">
-              <ma14:wrappingTextBoxFlag xmlns="" xmlns:ma14="http://schemas.microsoft.com/office/mac/drawingml/2011/main" val="1"/>
+              <ma14:wrappingTextBoxFlag xmlns:ma14="http://schemas.microsoft.com/office/mac/drawingml/2011/main" xmlns="" val="1"/>
             </a:ext>
           </a:extLst>
         </p:spPr>
@@ -10349,7 +10316,11 @@
             </a:pPr>
             <a:r>
               <a:rPr lang="ja-JP" altLang="en-US" dirty="0" smtClean="0"/>
-              <a:t>物理現象を表現するために必要な物理量</a:t>
+              <a:t>典型的な物理</a:t>
+            </a:r>
+            <a:r>
+              <a:rPr lang="ja-JP" altLang="en-US" dirty="0" smtClean="0"/>
+              <a:t>モデルの一覧</a:t>
             </a:r>
             <a:endParaRPr lang="en-US" altLang="ja-JP" dirty="0"/>
           </a:p>
@@ -10384,22 +10355,757 @@
           </a:p>
         </p:txBody>
       </p:sp>
-      <p:sp>
-        <p:nvSpPr>
-          <p:cNvPr id="8" name="テキスト ボックス 7">
-            <a:extLst>
-              <a:ext uri="{FF2B5EF4-FFF2-40B4-BE49-F238E27FC236}">
-                <a16:creationId xmlns:a16="http://schemas.microsoft.com/office/drawing/2014/main" id="{A4DFF5D2-0928-44A9-9DCD-D4E857D846A0}"/>
-              </a:ext>
-            </a:extLst>
-          </p:cNvPr>
+      <p:graphicFrame>
+        <p:nvGraphicFramePr>
+          <p:cNvPr id="2" name="表 1"/>
+          <p:cNvGraphicFramePr>
+            <a:graphicFrameLocks noGrp="1"/>
+          </p:cNvGraphicFramePr>
+          <p:nvPr>
+            <p:extLst>
+              <p:ext uri="{D42A27DB-BD31-4B8C-83A1-F6EECF244321}">
+                <p14:modId xmlns:p14="http://schemas.microsoft.com/office/powerpoint/2010/main" val="3831925347"/>
+              </p:ext>
+            </p:extLst>
+          </p:nvPr>
+        </p:nvGraphicFramePr>
+        <p:xfrm>
+          <a:off x="931862" y="1762799"/>
+          <a:ext cx="10130720" cy="3780896"/>
+        </p:xfrm>
+        <a:graphic>
+          <a:graphicData uri="http://schemas.openxmlformats.org/drawingml/2006/table">
+            <a:tbl>
+              <a:tblPr firstRow="1" bandRow="1">
+                <a:tableStyleId>{5C22544A-7EE6-4342-B048-85BDC9FD1C3A}</a:tableStyleId>
+              </a:tblPr>
+              <a:tblGrid>
+                <a:gridCol w="2916555">
+                  <a:extLst>
+                    <a:ext uri="{9D8B030D-6E8A-4147-A177-3AD203B41FA5}">
+                      <a16:colId xmlns:a16="http://schemas.microsoft.com/office/drawing/2014/main" val="2179720151"/>
+                    </a:ext>
+                  </a:extLst>
+                </a:gridCol>
+                <a:gridCol w="1492413">
+                  <a:extLst>
+                    <a:ext uri="{9D8B030D-6E8A-4147-A177-3AD203B41FA5}">
+                      <a16:colId xmlns:a16="http://schemas.microsoft.com/office/drawing/2014/main" val="1981037543"/>
+                    </a:ext>
+                  </a:extLst>
+                </a:gridCol>
+                <a:gridCol w="1492413">
+                  <a:extLst>
+                    <a:ext uri="{9D8B030D-6E8A-4147-A177-3AD203B41FA5}">
+                      <a16:colId xmlns:a16="http://schemas.microsoft.com/office/drawing/2014/main" val="755972528"/>
+                    </a:ext>
+                  </a:extLst>
+                </a:gridCol>
+                <a:gridCol w="1245827">
+                  <a:extLst>
+                    <a:ext uri="{9D8B030D-6E8A-4147-A177-3AD203B41FA5}">
+                      <a16:colId xmlns:a16="http://schemas.microsoft.com/office/drawing/2014/main" val="820912140"/>
+                    </a:ext>
+                  </a:extLst>
+                </a:gridCol>
+                <a:gridCol w="1245827">
+                  <a:extLst>
+                    <a:ext uri="{9D8B030D-6E8A-4147-A177-3AD203B41FA5}">
+                      <a16:colId xmlns:a16="http://schemas.microsoft.com/office/drawing/2014/main" val="271406520"/>
+                    </a:ext>
+                  </a:extLst>
+                </a:gridCol>
+                <a:gridCol w="1737685">
+                  <a:extLst>
+                    <a:ext uri="{9D8B030D-6E8A-4147-A177-3AD203B41FA5}">
+                      <a16:colId xmlns:a16="http://schemas.microsoft.com/office/drawing/2014/main" val="1671113558"/>
+                    </a:ext>
+                  </a:extLst>
+                </a:gridCol>
+              </a:tblGrid>
+              <a:tr h="540128">
+                <a:tc>
+                  <a:txBody>
+                    <a:bodyPr/>
+                    <a:lstStyle/>
+                    <a:p>
+                      <a:r>
+                        <a:rPr kumimoji="1" lang="ja-JP" altLang="en-US" sz="2000" dirty="0" smtClean="0"/>
+                        <a:t>モデル</a:t>
+                      </a:r>
+                      <a:endParaRPr kumimoji="1" lang="ja-JP" altLang="en-US" sz="2000" dirty="0"/>
+                    </a:p>
+                  </a:txBody>
+                  <a:tcPr/>
+                </a:tc>
+                <a:tc>
+                  <a:txBody>
+                    <a:bodyPr/>
+                    <a:lstStyle/>
+                    <a:p>
+                      <a:r>
+                        <a:rPr kumimoji="1" lang="ja-JP" altLang="en-US" sz="2000" dirty="0" smtClean="0"/>
+                        <a:t>電気</a:t>
+                      </a:r>
+                      <a:endParaRPr kumimoji="1" lang="ja-JP" altLang="en-US" sz="2000" dirty="0"/>
+                    </a:p>
+                  </a:txBody>
+                  <a:tcPr/>
+                </a:tc>
+                <a:tc>
+                  <a:txBody>
+                    <a:bodyPr/>
+                    <a:lstStyle/>
+                    <a:p>
+                      <a:r>
+                        <a:rPr kumimoji="1" lang="ja-JP" altLang="en-US" sz="2000" dirty="0" smtClean="0"/>
+                        <a:t>熱</a:t>
+                      </a:r>
+                      <a:endParaRPr kumimoji="1" lang="ja-JP" altLang="en-US" sz="2000" dirty="0"/>
+                    </a:p>
+                  </a:txBody>
+                  <a:tcPr/>
+                </a:tc>
+                <a:tc>
+                  <a:txBody>
+                    <a:bodyPr/>
+                    <a:lstStyle/>
+                    <a:p>
+                      <a:r>
+                        <a:rPr kumimoji="1" lang="ja-JP" altLang="en-US" sz="2000" dirty="0" smtClean="0"/>
+                        <a:t>流体</a:t>
+                      </a:r>
+                      <a:endParaRPr kumimoji="1" lang="ja-JP" altLang="en-US" sz="2000" dirty="0"/>
+                    </a:p>
+                  </a:txBody>
+                  <a:tcPr/>
+                </a:tc>
+                <a:tc>
+                  <a:txBody>
+                    <a:bodyPr/>
+                    <a:lstStyle/>
+                    <a:p>
+                      <a:r>
+                        <a:rPr kumimoji="1" lang="ja-JP" altLang="en-US" sz="2000" dirty="0" smtClean="0"/>
+                        <a:t>並進運動</a:t>
+                      </a:r>
+                      <a:endParaRPr kumimoji="1" lang="ja-JP" altLang="en-US" sz="2000" dirty="0"/>
+                    </a:p>
+                  </a:txBody>
+                  <a:tcPr/>
+                </a:tc>
+                <a:tc>
+                  <a:txBody>
+                    <a:bodyPr/>
+                    <a:lstStyle/>
+                    <a:p>
+                      <a:r>
+                        <a:rPr kumimoji="1" lang="ja-JP" altLang="en-US" sz="2000" dirty="0" smtClean="0"/>
+                        <a:t>回転運動</a:t>
+                      </a:r>
+                      <a:endParaRPr kumimoji="1" lang="ja-JP" altLang="en-US" sz="2000" dirty="0"/>
+                    </a:p>
+                  </a:txBody>
+                  <a:tcPr/>
+                </a:tc>
+                <a:extLst>
+                  <a:ext uri="{0D108BD9-81ED-4DB2-BD59-A6C34878D82A}">
+                    <a16:rowId xmlns:a16="http://schemas.microsoft.com/office/drawing/2014/main" val="3769655307"/>
+                  </a:ext>
+                </a:extLst>
+              </a:tr>
+              <a:tr h="540128">
+                <a:tc>
+                  <a:txBody>
+                    <a:bodyPr/>
+                    <a:lstStyle/>
+                    <a:p>
+                      <a:r>
+                        <a:rPr kumimoji="1" lang="ja-JP" altLang="en-US" sz="2000" dirty="0" smtClean="0"/>
+                        <a:t>ソース　ポテンシャル</a:t>
+                      </a:r>
+                      <a:r>
+                        <a:rPr kumimoji="1" lang="en-US" altLang="ja-JP" sz="2000" dirty="0" smtClean="0"/>
+                        <a:t>*</a:t>
+                      </a:r>
+                      <a:endParaRPr kumimoji="1" lang="ja-JP" altLang="en-US" sz="2000" dirty="0"/>
+                    </a:p>
+                  </a:txBody>
+                  <a:tcPr/>
+                </a:tc>
+                <a:tc>
+                  <a:txBody>
+                    <a:bodyPr/>
+                    <a:lstStyle/>
+                    <a:p>
+                      <a:r>
+                        <a:rPr kumimoji="1" lang="ja-JP" altLang="en-US" sz="2000" dirty="0" smtClean="0"/>
+                        <a:t>電圧源</a:t>
+                      </a:r>
+                      <a:endParaRPr kumimoji="1" lang="ja-JP" altLang="en-US" sz="2000" dirty="0"/>
+                    </a:p>
+                  </a:txBody>
+                  <a:tcPr/>
+                </a:tc>
+                <a:tc>
+                  <a:txBody>
+                    <a:bodyPr/>
+                    <a:lstStyle/>
+                    <a:p>
+                      <a:r>
+                        <a:rPr kumimoji="1" lang="ja-JP" altLang="en-US" sz="2000" dirty="0" smtClean="0"/>
+                        <a:t>温度定義</a:t>
+                      </a:r>
+                      <a:endParaRPr kumimoji="1" lang="ja-JP" altLang="en-US" sz="2000" dirty="0"/>
+                    </a:p>
+                  </a:txBody>
+                  <a:tcPr/>
+                </a:tc>
+                <a:tc>
+                  <a:txBody>
+                    <a:bodyPr/>
+                    <a:lstStyle/>
+                    <a:p>
+                      <a:r>
+                        <a:rPr kumimoji="1" lang="ja-JP" altLang="en-US" sz="2000" dirty="0" smtClean="0"/>
+                        <a:t>圧力定義</a:t>
+                      </a:r>
+                      <a:endParaRPr kumimoji="1" lang="ja-JP" altLang="en-US" sz="2000" dirty="0"/>
+                    </a:p>
+                  </a:txBody>
+                  <a:tcPr/>
+                </a:tc>
+                <a:tc>
+                  <a:txBody>
+                    <a:bodyPr/>
+                    <a:lstStyle/>
+                    <a:p>
+                      <a:r>
+                        <a:rPr kumimoji="1" lang="ja-JP" altLang="en-US" sz="2000" dirty="0" smtClean="0"/>
+                        <a:t>位置定義</a:t>
+                      </a:r>
+                      <a:endParaRPr kumimoji="1" lang="ja-JP" altLang="en-US" sz="2000" dirty="0"/>
+                    </a:p>
+                  </a:txBody>
+                  <a:tcPr/>
+                </a:tc>
+                <a:tc>
+                  <a:txBody>
+                    <a:bodyPr/>
+                    <a:lstStyle/>
+                    <a:p>
+                      <a:r>
+                        <a:rPr kumimoji="1" lang="ja-JP" altLang="en-US" sz="2000" dirty="0" smtClean="0"/>
+                        <a:t>回転角度定義</a:t>
+                      </a:r>
+                      <a:endParaRPr kumimoji="1" lang="ja-JP" altLang="en-US" sz="2000" dirty="0"/>
+                    </a:p>
+                  </a:txBody>
+                  <a:tcPr/>
+                </a:tc>
+                <a:extLst>
+                  <a:ext uri="{0D108BD9-81ED-4DB2-BD59-A6C34878D82A}">
+                    <a16:rowId xmlns:a16="http://schemas.microsoft.com/office/drawing/2014/main" val="4144077366"/>
+                  </a:ext>
+                </a:extLst>
+              </a:tr>
+              <a:tr h="540128">
+                <a:tc>
+                  <a:txBody>
+                    <a:bodyPr/>
+                    <a:lstStyle/>
+                    <a:p>
+                      <a:r>
+                        <a:rPr kumimoji="1" lang="ja-JP" altLang="en-US" sz="2000" dirty="0" smtClean="0"/>
+                        <a:t>ソース　フロー</a:t>
+                      </a:r>
+                      <a:r>
+                        <a:rPr kumimoji="1" lang="en-US" altLang="ja-JP" sz="2000" dirty="0" smtClean="0"/>
+                        <a:t>*</a:t>
+                      </a:r>
+                      <a:endParaRPr kumimoji="1" lang="ja-JP" altLang="en-US" sz="2000" dirty="0"/>
+                    </a:p>
+                  </a:txBody>
+                  <a:tcPr/>
+                </a:tc>
+                <a:tc>
+                  <a:txBody>
+                    <a:bodyPr/>
+                    <a:lstStyle/>
+                    <a:p>
+                      <a:r>
+                        <a:rPr kumimoji="1" lang="ja-JP" altLang="en-US" sz="2000" dirty="0" smtClean="0"/>
+                        <a:t>電流源</a:t>
+                      </a:r>
+                      <a:endParaRPr kumimoji="1" lang="ja-JP" altLang="en-US" sz="2000" dirty="0"/>
+                    </a:p>
+                  </a:txBody>
+                  <a:tcPr/>
+                </a:tc>
+                <a:tc>
+                  <a:txBody>
+                    <a:bodyPr/>
+                    <a:lstStyle/>
+                    <a:p>
+                      <a:r>
+                        <a:rPr kumimoji="1" lang="ja-JP" altLang="en-US" sz="2000" dirty="0" smtClean="0"/>
+                        <a:t>熱流量定義</a:t>
+                      </a:r>
+                      <a:endParaRPr kumimoji="1" lang="ja-JP" altLang="en-US" sz="2000" dirty="0"/>
+                    </a:p>
+                  </a:txBody>
+                  <a:tcPr/>
+                </a:tc>
+                <a:tc>
+                  <a:txBody>
+                    <a:bodyPr/>
+                    <a:lstStyle/>
+                    <a:p>
+                      <a:r>
+                        <a:rPr kumimoji="1" lang="ja-JP" altLang="en-US" sz="2000" dirty="0" smtClean="0"/>
+                        <a:t>流量定義</a:t>
+                      </a:r>
+                      <a:endParaRPr kumimoji="1" lang="ja-JP" altLang="en-US" sz="2000" dirty="0"/>
+                    </a:p>
+                  </a:txBody>
+                  <a:tcPr/>
+                </a:tc>
+                <a:tc>
+                  <a:txBody>
+                    <a:bodyPr/>
+                    <a:lstStyle/>
+                    <a:p>
+                      <a:r>
+                        <a:rPr kumimoji="1" lang="ja-JP" altLang="en-US" sz="2000" dirty="0" smtClean="0"/>
+                        <a:t>力定義</a:t>
+                      </a:r>
+                      <a:endParaRPr kumimoji="1" lang="ja-JP" altLang="en-US" sz="2000" dirty="0"/>
+                    </a:p>
+                  </a:txBody>
+                  <a:tcPr/>
+                </a:tc>
+                <a:tc>
+                  <a:txBody>
+                    <a:bodyPr/>
+                    <a:lstStyle/>
+                    <a:p>
+                      <a:r>
+                        <a:rPr kumimoji="1" lang="ja-JP" altLang="en-US" sz="2000" dirty="0" smtClean="0"/>
+                        <a:t>トルク定義</a:t>
+                      </a:r>
+                      <a:endParaRPr kumimoji="1" lang="ja-JP" altLang="en-US" sz="2000" dirty="0"/>
+                    </a:p>
+                  </a:txBody>
+                  <a:tcPr/>
+                </a:tc>
+                <a:extLst>
+                  <a:ext uri="{0D108BD9-81ED-4DB2-BD59-A6C34878D82A}">
+                    <a16:rowId xmlns:a16="http://schemas.microsoft.com/office/drawing/2014/main" val="635012782"/>
+                  </a:ext>
+                </a:extLst>
+              </a:tr>
+              <a:tr h="540128">
+                <a:tc>
+                  <a:txBody>
+                    <a:bodyPr/>
+                    <a:lstStyle/>
+                    <a:p>
+                      <a:r>
+                        <a:rPr kumimoji="1" lang="ja-JP" altLang="en-US" sz="2000" dirty="0" smtClean="0"/>
+                        <a:t>抵抗</a:t>
+                      </a:r>
+                      <a:endParaRPr kumimoji="1" lang="ja-JP" altLang="en-US" sz="2000" dirty="0"/>
+                    </a:p>
+                  </a:txBody>
+                  <a:tcPr/>
+                </a:tc>
+                <a:tc>
+                  <a:txBody>
+                    <a:bodyPr/>
+                    <a:lstStyle/>
+                    <a:p>
+                      <a:r>
+                        <a:rPr kumimoji="1" lang="ja-JP" altLang="en-US" sz="2000" dirty="0" smtClean="0"/>
+                        <a:t>電気抵抗</a:t>
+                      </a:r>
+                      <a:endParaRPr kumimoji="1" lang="ja-JP" altLang="en-US" sz="2000" dirty="0"/>
+                    </a:p>
+                  </a:txBody>
+                  <a:tcPr/>
+                </a:tc>
+                <a:tc>
+                  <a:txBody>
+                    <a:bodyPr/>
+                    <a:lstStyle/>
+                    <a:p>
+                      <a:r>
+                        <a:rPr kumimoji="1" lang="ja-JP" altLang="en-US" sz="2000" dirty="0" smtClean="0"/>
+                        <a:t>熱抵抗</a:t>
+                      </a:r>
+                      <a:endParaRPr kumimoji="1" lang="ja-JP" altLang="en-US" sz="2000" dirty="0"/>
+                    </a:p>
+                  </a:txBody>
+                  <a:tcPr/>
+                </a:tc>
+                <a:tc>
+                  <a:txBody>
+                    <a:bodyPr/>
+                    <a:lstStyle/>
+                    <a:p>
+                      <a:r>
+                        <a:rPr kumimoji="1" lang="ja-JP" altLang="en-US" sz="2000" dirty="0" smtClean="0"/>
+                        <a:t>配管</a:t>
+                      </a:r>
+                      <a:endParaRPr kumimoji="1" lang="ja-JP" altLang="en-US" sz="2000" dirty="0"/>
+                    </a:p>
+                  </a:txBody>
+                  <a:tcPr/>
+                </a:tc>
+                <a:tc>
+                  <a:txBody>
+                    <a:bodyPr/>
+                    <a:lstStyle/>
+                    <a:p>
+                      <a:r>
+                        <a:rPr kumimoji="1" lang="ja-JP" altLang="en-US" sz="2000" dirty="0" smtClean="0"/>
+                        <a:t>摩擦</a:t>
+                      </a:r>
+                      <a:endParaRPr kumimoji="1" lang="ja-JP" altLang="en-US" sz="2000" dirty="0"/>
+                    </a:p>
+                  </a:txBody>
+                  <a:tcPr/>
+                </a:tc>
+                <a:tc>
+                  <a:txBody>
+                    <a:bodyPr/>
+                    <a:lstStyle/>
+                    <a:p>
+                      <a:r>
+                        <a:rPr kumimoji="1" lang="ja-JP" altLang="en-US" sz="2000" dirty="0" smtClean="0"/>
+                        <a:t>摩擦</a:t>
+                      </a:r>
+                      <a:endParaRPr kumimoji="1" lang="ja-JP" altLang="en-US" sz="2000" dirty="0"/>
+                    </a:p>
+                  </a:txBody>
+                  <a:tcPr/>
+                </a:tc>
+                <a:extLst>
+                  <a:ext uri="{0D108BD9-81ED-4DB2-BD59-A6C34878D82A}">
+                    <a16:rowId xmlns:a16="http://schemas.microsoft.com/office/drawing/2014/main" val="2607327884"/>
+                  </a:ext>
+                </a:extLst>
+              </a:tr>
+              <a:tr h="540128">
+                <a:tc>
+                  <a:txBody>
+                    <a:bodyPr/>
+                    <a:lstStyle/>
+                    <a:p>
+                      <a:r>
+                        <a:rPr kumimoji="1" lang="ja-JP" altLang="en-US" sz="2000" dirty="0" smtClean="0"/>
+                        <a:t>キャパシタ</a:t>
+                      </a:r>
+                      <a:endParaRPr kumimoji="1" lang="ja-JP" altLang="en-US" sz="2000" dirty="0"/>
+                    </a:p>
+                  </a:txBody>
+                  <a:tcPr/>
+                </a:tc>
+                <a:tc>
+                  <a:txBody>
+                    <a:bodyPr/>
+                    <a:lstStyle/>
+                    <a:p>
+                      <a:r>
+                        <a:rPr kumimoji="1" lang="ja-JP" altLang="en-US" sz="2000" dirty="0" smtClean="0"/>
+                        <a:t>キャパシタ</a:t>
+                      </a:r>
+                      <a:endParaRPr kumimoji="1" lang="ja-JP" altLang="en-US" sz="2000" dirty="0"/>
+                    </a:p>
+                  </a:txBody>
+                  <a:tcPr/>
+                </a:tc>
+                <a:tc>
+                  <a:txBody>
+                    <a:bodyPr/>
+                    <a:lstStyle/>
+                    <a:p>
+                      <a:r>
+                        <a:rPr kumimoji="1" lang="ja-JP" altLang="en-US" sz="2000" dirty="0" smtClean="0"/>
+                        <a:t>熱容量</a:t>
+                      </a:r>
+                      <a:endParaRPr kumimoji="1" lang="ja-JP" altLang="en-US" sz="2000" dirty="0"/>
+                    </a:p>
+                  </a:txBody>
+                  <a:tcPr/>
+                </a:tc>
+                <a:tc>
+                  <a:txBody>
+                    <a:bodyPr/>
+                    <a:lstStyle/>
+                    <a:p>
+                      <a:r>
+                        <a:rPr kumimoji="1" lang="ja-JP" altLang="en-US" sz="2000" dirty="0" smtClean="0"/>
+                        <a:t>タンク</a:t>
+                      </a:r>
+                      <a:endParaRPr kumimoji="1" lang="ja-JP" altLang="en-US" sz="2000" dirty="0"/>
+                    </a:p>
+                  </a:txBody>
+                  <a:tcPr/>
+                </a:tc>
+                <a:tc>
+                  <a:txBody>
+                    <a:bodyPr/>
+                    <a:lstStyle/>
+                    <a:p>
+                      <a:r>
+                        <a:rPr kumimoji="1" lang="ja-JP" altLang="en-US" sz="2000" dirty="0" smtClean="0"/>
+                        <a:t>バネ</a:t>
+                      </a:r>
+                      <a:endParaRPr kumimoji="1" lang="ja-JP" altLang="en-US" sz="2000" dirty="0"/>
+                    </a:p>
+                  </a:txBody>
+                  <a:tcPr/>
+                </a:tc>
+                <a:tc>
+                  <a:txBody>
+                    <a:bodyPr/>
+                    <a:lstStyle/>
+                    <a:p>
+                      <a:r>
+                        <a:rPr kumimoji="1" lang="en-US" altLang="ja-JP" sz="2000" dirty="0" smtClean="0"/>
+                        <a:t>?</a:t>
+                      </a:r>
+                      <a:endParaRPr kumimoji="1" lang="ja-JP" altLang="en-US" sz="2000" dirty="0"/>
+                    </a:p>
+                  </a:txBody>
+                  <a:tcPr/>
+                </a:tc>
+                <a:extLst>
+                  <a:ext uri="{0D108BD9-81ED-4DB2-BD59-A6C34878D82A}">
+                    <a16:rowId xmlns:a16="http://schemas.microsoft.com/office/drawing/2014/main" val="729601857"/>
+                  </a:ext>
+                </a:extLst>
+              </a:tr>
+              <a:tr h="540128">
+                <a:tc>
+                  <a:txBody>
+                    <a:bodyPr/>
+                    <a:lstStyle/>
+                    <a:p>
+                      <a:r>
+                        <a:rPr kumimoji="1" lang="ja-JP" altLang="en-US" sz="2000" dirty="0" smtClean="0"/>
+                        <a:t>インダクタンス</a:t>
+                      </a:r>
+                      <a:endParaRPr kumimoji="1" lang="ja-JP" altLang="en-US" sz="2000" dirty="0"/>
+                    </a:p>
+                  </a:txBody>
+                  <a:tcPr/>
+                </a:tc>
+                <a:tc>
+                  <a:txBody>
+                    <a:bodyPr/>
+                    <a:lstStyle/>
+                    <a:p>
+                      <a:pPr marL="0" marR="0" lvl="0" indent="0" algn="l" defTabSz="914400" rtl="0" eaLnBrk="1" fontAlgn="auto" latinLnBrk="0" hangingPunct="1">
+                        <a:lnSpc>
+                          <a:spcPct val="100000"/>
+                        </a:lnSpc>
+                        <a:spcBef>
+                          <a:spcPts val="0"/>
+                        </a:spcBef>
+                        <a:spcAft>
+                          <a:spcPts val="0"/>
+                        </a:spcAft>
+                        <a:buClrTx/>
+                        <a:buSzTx/>
+                        <a:buFontTx/>
+                        <a:buNone/>
+                        <a:tabLst/>
+                        <a:defRPr/>
+                      </a:pPr>
+                      <a:r>
+                        <a:rPr kumimoji="1" lang="ja-JP" altLang="en-US" sz="2000" dirty="0" smtClean="0"/>
+                        <a:t>電気コイル</a:t>
+                      </a:r>
+                    </a:p>
+                  </a:txBody>
+                  <a:tcPr/>
+                </a:tc>
+                <a:tc>
+                  <a:txBody>
+                    <a:bodyPr/>
+                    <a:lstStyle/>
+                    <a:p>
+                      <a:r>
+                        <a:rPr kumimoji="1" lang="en-US" altLang="ja-JP" sz="2000" dirty="0" smtClean="0"/>
+                        <a:t>?</a:t>
+                      </a:r>
+                      <a:endParaRPr kumimoji="1" lang="ja-JP" altLang="en-US" sz="2000" dirty="0"/>
+                    </a:p>
+                  </a:txBody>
+                  <a:tcPr/>
+                </a:tc>
+                <a:tc>
+                  <a:txBody>
+                    <a:bodyPr/>
+                    <a:lstStyle/>
+                    <a:p>
+                      <a:r>
+                        <a:rPr kumimoji="1" lang="en-US" altLang="ja-JP" sz="2000" dirty="0" smtClean="0"/>
+                        <a:t>?</a:t>
+                      </a:r>
+                      <a:endParaRPr kumimoji="1" lang="ja-JP" altLang="en-US" sz="2000" dirty="0"/>
+                    </a:p>
+                  </a:txBody>
+                  <a:tcPr/>
+                </a:tc>
+                <a:tc>
+                  <a:txBody>
+                    <a:bodyPr/>
+                    <a:lstStyle/>
+                    <a:p>
+                      <a:r>
+                        <a:rPr kumimoji="1" lang="ja-JP" altLang="en-US" sz="2000" dirty="0" smtClean="0"/>
+                        <a:t>質量</a:t>
+                      </a:r>
+                      <a:endParaRPr kumimoji="1" lang="ja-JP" altLang="en-US" sz="2000" dirty="0"/>
+                    </a:p>
+                  </a:txBody>
+                  <a:tcPr/>
+                </a:tc>
+                <a:tc>
+                  <a:txBody>
+                    <a:bodyPr/>
+                    <a:lstStyle/>
+                    <a:p>
+                      <a:r>
+                        <a:rPr kumimoji="1" lang="ja-JP" altLang="en-US" sz="2000" dirty="0" smtClean="0"/>
+                        <a:t>慣性</a:t>
+                      </a:r>
+                      <a:endParaRPr kumimoji="1" lang="ja-JP" altLang="en-US" sz="2000" dirty="0"/>
+                    </a:p>
+                  </a:txBody>
+                  <a:tcPr/>
+                </a:tc>
+                <a:extLst>
+                  <a:ext uri="{0D108BD9-81ED-4DB2-BD59-A6C34878D82A}">
+                    <a16:rowId xmlns:a16="http://schemas.microsoft.com/office/drawing/2014/main" val="4110280083"/>
+                  </a:ext>
+                </a:extLst>
+              </a:tr>
+              <a:tr h="540128">
+                <a:tc>
+                  <a:txBody>
+                    <a:bodyPr/>
+                    <a:lstStyle/>
+                    <a:p>
+                      <a:r>
+                        <a:rPr kumimoji="1" lang="ja-JP" altLang="en-US" sz="2000" dirty="0" smtClean="0"/>
+                        <a:t>変換</a:t>
+                      </a:r>
+                      <a:endParaRPr kumimoji="1" lang="ja-JP" altLang="en-US" sz="2000" dirty="0"/>
+                    </a:p>
+                  </a:txBody>
+                  <a:tcPr/>
+                </a:tc>
+                <a:tc>
+                  <a:txBody>
+                    <a:bodyPr/>
+                    <a:lstStyle/>
+                    <a:p>
+                      <a:r>
+                        <a:rPr kumimoji="1" lang="ja-JP" altLang="en-US" sz="2000" dirty="0" smtClean="0"/>
+                        <a:t>変圧器</a:t>
+                      </a:r>
+                      <a:endParaRPr kumimoji="1" lang="ja-JP" altLang="en-US" sz="2000" dirty="0"/>
+                    </a:p>
+                  </a:txBody>
+                  <a:tcPr/>
+                </a:tc>
+                <a:tc>
+                  <a:txBody>
+                    <a:bodyPr/>
+                    <a:lstStyle/>
+                    <a:p>
+                      <a:r>
+                        <a:rPr kumimoji="1" lang="en-US" altLang="ja-JP" sz="2000" dirty="0" smtClean="0"/>
+                        <a:t>(</a:t>
+                      </a:r>
+                      <a:r>
+                        <a:rPr kumimoji="1" lang="ja-JP" altLang="en-US" sz="2000" dirty="0" smtClean="0"/>
+                        <a:t>無し</a:t>
+                      </a:r>
+                      <a:r>
+                        <a:rPr kumimoji="1" lang="en-US" altLang="ja-JP" sz="2000" dirty="0" smtClean="0"/>
+                        <a:t>)</a:t>
+                      </a:r>
+                      <a:endParaRPr kumimoji="1" lang="ja-JP" altLang="en-US" sz="2000" dirty="0"/>
+                    </a:p>
+                  </a:txBody>
+                  <a:tcPr/>
+                </a:tc>
+                <a:tc>
+                  <a:txBody>
+                    <a:bodyPr/>
+                    <a:lstStyle/>
+                    <a:p>
+                      <a:r>
+                        <a:rPr kumimoji="1" lang="ja-JP" altLang="en-US" sz="2000" dirty="0" smtClean="0"/>
+                        <a:t>ノズル</a:t>
+                      </a:r>
+                      <a:endParaRPr kumimoji="1" lang="ja-JP" altLang="en-US" sz="2000" dirty="0"/>
+                    </a:p>
+                  </a:txBody>
+                  <a:tcPr/>
+                </a:tc>
+                <a:tc>
+                  <a:txBody>
+                    <a:bodyPr/>
+                    <a:lstStyle/>
+                    <a:p>
+                      <a:r>
+                        <a:rPr kumimoji="1" lang="ja-JP" altLang="en-US" sz="2000" dirty="0" smtClean="0"/>
+                        <a:t>てこ</a:t>
+                      </a:r>
+                      <a:endParaRPr kumimoji="1" lang="ja-JP" altLang="en-US" sz="2000" dirty="0"/>
+                    </a:p>
+                  </a:txBody>
+                  <a:tcPr/>
+                </a:tc>
+                <a:tc>
+                  <a:txBody>
+                    <a:bodyPr/>
+                    <a:lstStyle/>
+                    <a:p>
+                      <a:r>
+                        <a:rPr kumimoji="1" lang="ja-JP" altLang="en-US" sz="2000" dirty="0" smtClean="0"/>
+                        <a:t>歯車</a:t>
+                      </a:r>
+                      <a:endParaRPr kumimoji="1" lang="ja-JP" altLang="en-US" sz="2000" dirty="0"/>
+                    </a:p>
+                  </a:txBody>
+                  <a:tcPr/>
+                </a:tc>
+                <a:extLst>
+                  <a:ext uri="{0D108BD9-81ED-4DB2-BD59-A6C34878D82A}">
+                    <a16:rowId xmlns:a16="http://schemas.microsoft.com/office/drawing/2014/main" val="2849492807"/>
+                  </a:ext>
+                </a:extLst>
+              </a:tr>
+            </a:tbl>
+          </a:graphicData>
+        </a:graphic>
+      </p:graphicFrame>
+      <p:sp>
+        <p:nvSpPr>
+          <p:cNvPr id="6" name="テキスト ボックス 5"/>
           <p:cNvSpPr txBox="1"/>
           <p:nvPr/>
         </p:nvSpPr>
         <p:spPr>
           <a:xfrm>
-            <a:off x="794932" y="779071"/>
-            <a:ext cx="10558867" cy="830997"/>
+            <a:off x="7796212" y="6053138"/>
+            <a:ext cx="4219425" cy="369332"/>
           </a:xfrm>
           <a:prstGeom prst="rect">
             <a:avLst/>
@@ -10407,45 +11113,30 @@
           <a:noFill/>
         </p:spPr>
         <p:txBody>
-          <a:bodyPr wrap="square" rtlCol="0">
+          <a:bodyPr wrap="none" rtlCol="0">
             <a:spAutoFit/>
           </a:bodyPr>
           <a:lstStyle/>
           <a:p>
-            <a:r>
-              <a:rPr lang="ja-JP" altLang="en-US" sz="2400" dirty="0" smtClean="0"/>
-              <a:t>多くの物理ドメインは</a:t>
-            </a:r>
-            <a:r>
-              <a:rPr lang="en-US" altLang="ja-JP" sz="2400" dirty="0" smtClean="0"/>
-              <a:t>2</a:t>
-            </a:r>
-            <a:r>
-              <a:rPr lang="ja-JP" altLang="en-US" sz="2400" dirty="0" smtClean="0"/>
-              <a:t>種類の物理量によって系のふるまいを表現することができます。</a:t>
-            </a:r>
-            <a:r>
-              <a:rPr lang="en-US" altLang="ja-JP" sz="2400" dirty="0" smtClean="0"/>
-              <a:t>(</a:t>
-            </a:r>
-            <a:r>
-              <a:rPr lang="ja-JP" altLang="en-US" sz="2400" dirty="0" smtClean="0"/>
-              <a:t>熱流体は例外です</a:t>
-            </a:r>
-            <a:r>
-              <a:rPr lang="en-US" altLang="ja-JP" sz="2400" dirty="0" smtClean="0"/>
-              <a:t>)</a:t>
-            </a:r>
-            <a:endParaRPr lang="en-US" altLang="ja-JP" sz="2400" dirty="0" smtClean="0"/>
-          </a:p>
-        </p:txBody>
-      </p:sp>
-      <p:sp>
-        <p:nvSpPr>
-          <p:cNvPr id="2" name="テキスト ボックス 1">
-            <a:extLst>
-              <a:ext uri="{FF2B5EF4-FFF2-40B4-BE49-F238E27FC236}">
-                <a16:creationId xmlns:a16="http://schemas.microsoft.com/office/drawing/2014/main" id="{70076AB8-E1F1-4B82-8F35-1E2E7CF57982}"/>
+            <a:pPr algn="l"/>
+            <a:r>
+              <a:rPr kumimoji="1" lang="en-US" altLang="ja-JP" dirty="0" smtClean="0"/>
+              <a:t>*</a:t>
+            </a:r>
+            <a:r>
+              <a:rPr kumimoji="1" lang="ja-JP" altLang="en-US" dirty="0" smtClean="0"/>
+              <a:t>ポテンシャルとフローについては後述</a:t>
+            </a:r>
+            <a:endParaRPr kumimoji="1" lang="ja-JP" altLang="en-US" dirty="0" smtClean="0"/>
+          </a:p>
+        </p:txBody>
+      </p:sp>
+      <p:sp>
+        <p:nvSpPr>
+          <p:cNvPr id="34" name="テキスト ボックス 33">
+            <a:extLst>
+              <a:ext uri="{FF2B5EF4-FFF2-40B4-BE49-F238E27FC236}">
+                <a16:creationId xmlns:a16="http://schemas.microsoft.com/office/drawing/2014/main" id="{A4DFF5D2-0928-44A9-9DCD-D4E857D846A0}"/>
               </a:ext>
             </a:extLst>
           </p:cNvPr>
@@ -10454,8 +11145,8 @@
         </p:nvSpPr>
         <p:spPr>
           <a:xfrm>
-            <a:off x="303549" y="2967335"/>
-            <a:ext cx="1723549" cy="461665"/>
+            <a:off x="592033" y="817172"/>
+            <a:ext cx="11111122" cy="830997"/>
           </a:xfrm>
           <a:prstGeom prst="rect">
             <a:avLst/>
@@ -10463,473 +11154,23 @@
           <a:noFill/>
         </p:spPr>
         <p:txBody>
-          <a:bodyPr wrap="none" rtlCol="0">
+          <a:bodyPr wrap="square" rtlCol="0">
             <a:spAutoFit/>
           </a:bodyPr>
           <a:lstStyle/>
           <a:p>
-            <a:pPr algn="l"/>
-            <a:r>
-              <a:rPr kumimoji="1" lang="ja-JP" altLang="en-US" sz="2400" dirty="0"/>
-              <a:t>電気なら、</a:t>
-            </a:r>
-          </a:p>
-        </p:txBody>
-      </p:sp>
-      <p:sp>
-        <p:nvSpPr>
-          <p:cNvPr id="6" name="左中かっこ 5">
-            <a:extLst>
-              <a:ext uri="{FF2B5EF4-FFF2-40B4-BE49-F238E27FC236}">
-                <a16:creationId xmlns:a16="http://schemas.microsoft.com/office/drawing/2014/main" id="{234112CC-CFBC-49DA-900B-A101EEC00CC6}"/>
-              </a:ext>
-            </a:extLst>
-          </p:cNvPr>
-          <p:cNvSpPr/>
-          <p:nvPr/>
-        </p:nvSpPr>
-        <p:spPr>
-          <a:xfrm>
-            <a:off x="1956523" y="2797429"/>
-            <a:ext cx="289432" cy="801476"/>
-          </a:xfrm>
-          <a:prstGeom prst="leftBrace">
-            <a:avLst/>
-          </a:prstGeom>
-          <a:ln w="28575">
-            <a:solidFill>
-              <a:schemeClr val="tx1"/>
-            </a:solidFill>
-            <a:headEnd type="none" w="med" len="med"/>
-            <a:tailEnd type="none" w="med" len="med"/>
-          </a:ln>
-        </p:spPr>
-        <p:style>
-          <a:lnRef idx="1">
-            <a:schemeClr val="accent1"/>
-          </a:lnRef>
-          <a:fillRef idx="0">
-            <a:schemeClr val="accent1"/>
-          </a:fillRef>
-          <a:effectRef idx="0">
-            <a:schemeClr val="accent1"/>
-          </a:effectRef>
-          <a:fontRef idx="minor">
-            <a:schemeClr val="tx1"/>
-          </a:fontRef>
-        </p:style>
-        <p:txBody>
-          <a:bodyPr rtlCol="0" anchor="ctr"/>
-          <a:lstStyle/>
-          <a:p>
-            <a:pPr algn="ctr"/>
-            <a:endParaRPr kumimoji="1" lang="ja-JP" altLang="en-US"/>
-          </a:p>
-        </p:txBody>
-      </p:sp>
-      <p:sp>
-        <p:nvSpPr>
-          <p:cNvPr id="7" name="テキスト ボックス 6">
-            <a:extLst>
-              <a:ext uri="{FF2B5EF4-FFF2-40B4-BE49-F238E27FC236}">
-                <a16:creationId xmlns:a16="http://schemas.microsoft.com/office/drawing/2014/main" id="{88DE38B8-9B06-423F-B388-7EA7B63DCEAE}"/>
-              </a:ext>
-            </a:extLst>
-          </p:cNvPr>
-          <p:cNvSpPr txBox="1"/>
-          <p:nvPr/>
-        </p:nvSpPr>
-        <p:spPr>
-          <a:xfrm>
-            <a:off x="2372492" y="2693775"/>
-            <a:ext cx="800219" cy="461665"/>
-          </a:xfrm>
-          <a:prstGeom prst="rect">
-            <a:avLst/>
-          </a:prstGeom>
-          <a:noFill/>
-        </p:spPr>
-        <p:txBody>
-          <a:bodyPr wrap="none" rtlCol="0">
-            <a:spAutoFit/>
-          </a:bodyPr>
-          <a:lstStyle/>
-          <a:p>
-            <a:pPr algn="l"/>
-            <a:r>
-              <a:rPr kumimoji="1" lang="ja-JP" altLang="en-US" sz="2400" dirty="0"/>
-              <a:t>電圧</a:t>
-            </a:r>
-          </a:p>
-        </p:txBody>
-      </p:sp>
-      <p:sp>
-        <p:nvSpPr>
-          <p:cNvPr id="32" name="テキスト ボックス 31">
-            <a:extLst>
-              <a:ext uri="{FF2B5EF4-FFF2-40B4-BE49-F238E27FC236}">
-                <a16:creationId xmlns:a16="http://schemas.microsoft.com/office/drawing/2014/main" id="{60EA826D-8E77-4452-998E-DD9D8BF4A6A5}"/>
-              </a:ext>
-            </a:extLst>
-          </p:cNvPr>
-          <p:cNvSpPr txBox="1"/>
-          <p:nvPr/>
-        </p:nvSpPr>
-        <p:spPr>
-          <a:xfrm>
-            <a:off x="2372492" y="3288092"/>
-            <a:ext cx="800219" cy="461665"/>
-          </a:xfrm>
-          <a:prstGeom prst="rect">
-            <a:avLst/>
-          </a:prstGeom>
-          <a:noFill/>
-        </p:spPr>
-        <p:txBody>
-          <a:bodyPr wrap="none" rtlCol="0">
-            <a:spAutoFit/>
-          </a:bodyPr>
-          <a:lstStyle/>
-          <a:p>
-            <a:pPr algn="l"/>
-            <a:r>
-              <a:rPr kumimoji="1" lang="ja-JP" altLang="en-US" sz="2400" dirty="0" smtClean="0"/>
-              <a:t>電流</a:t>
-            </a:r>
-            <a:endParaRPr kumimoji="1" lang="ja-JP" altLang="en-US" sz="2400" dirty="0"/>
-          </a:p>
-        </p:txBody>
-      </p:sp>
-      <p:sp>
-        <p:nvSpPr>
-          <p:cNvPr id="9" name="テキスト ボックス 8">
-            <a:extLst>
-              <a:ext uri="{FF2B5EF4-FFF2-40B4-BE49-F238E27FC236}">
-                <a16:creationId xmlns:a16="http://schemas.microsoft.com/office/drawing/2014/main" id="{89C3A152-4CBC-402A-9F44-A9867EAF2838}"/>
-              </a:ext>
-            </a:extLst>
-          </p:cNvPr>
-          <p:cNvSpPr txBox="1"/>
-          <p:nvPr/>
-        </p:nvSpPr>
-        <p:spPr>
-          <a:xfrm>
-            <a:off x="3333351" y="2967335"/>
-            <a:ext cx="2339102" cy="461665"/>
-          </a:xfrm>
-          <a:prstGeom prst="rect">
-            <a:avLst/>
-          </a:prstGeom>
-          <a:noFill/>
-        </p:spPr>
-        <p:txBody>
-          <a:bodyPr wrap="none" rtlCol="0">
-            <a:spAutoFit/>
-          </a:bodyPr>
-          <a:lstStyle/>
-          <a:p>
-            <a:pPr algn="l"/>
-            <a:r>
-              <a:rPr kumimoji="1" lang="ja-JP" altLang="en-US" sz="2400" dirty="0"/>
-              <a:t>を定めれば良い</a:t>
-            </a:r>
-          </a:p>
-        </p:txBody>
-      </p:sp>
-      <p:sp>
-        <p:nvSpPr>
-          <p:cNvPr id="33" name="テキスト ボックス 32">
-            <a:extLst>
-              <a:ext uri="{FF2B5EF4-FFF2-40B4-BE49-F238E27FC236}">
-                <a16:creationId xmlns:a16="http://schemas.microsoft.com/office/drawing/2014/main" id="{48F4536B-D254-428C-AC94-C20742FB0DE8}"/>
-              </a:ext>
-            </a:extLst>
-          </p:cNvPr>
-          <p:cNvSpPr txBox="1"/>
-          <p:nvPr/>
-        </p:nvSpPr>
-        <p:spPr>
-          <a:xfrm>
-            <a:off x="307665" y="4689046"/>
-            <a:ext cx="1415772" cy="461665"/>
-          </a:xfrm>
-          <a:prstGeom prst="rect">
-            <a:avLst/>
-          </a:prstGeom>
-          <a:noFill/>
-        </p:spPr>
-        <p:txBody>
-          <a:bodyPr wrap="none" rtlCol="0">
-            <a:spAutoFit/>
-          </a:bodyPr>
-          <a:lstStyle/>
-          <a:p>
-            <a:pPr algn="l"/>
-            <a:r>
-              <a:rPr kumimoji="1" lang="ja-JP" altLang="en-US" sz="2400" dirty="0"/>
-              <a:t>熱なら、</a:t>
-            </a:r>
-          </a:p>
-        </p:txBody>
-      </p:sp>
-      <p:sp>
-        <p:nvSpPr>
-          <p:cNvPr id="34" name="左中かっこ 33">
-            <a:extLst>
-              <a:ext uri="{FF2B5EF4-FFF2-40B4-BE49-F238E27FC236}">
-                <a16:creationId xmlns:a16="http://schemas.microsoft.com/office/drawing/2014/main" id="{7D54EFB8-3B04-4A38-BC45-19F0A8CB639F}"/>
-              </a:ext>
-            </a:extLst>
-          </p:cNvPr>
-          <p:cNvSpPr/>
-          <p:nvPr/>
-        </p:nvSpPr>
-        <p:spPr>
-          <a:xfrm>
-            <a:off x="1960639" y="4519140"/>
-            <a:ext cx="289432" cy="801476"/>
-          </a:xfrm>
-          <a:prstGeom prst="leftBrace">
-            <a:avLst/>
-          </a:prstGeom>
-          <a:ln w="28575">
-            <a:solidFill>
-              <a:schemeClr val="tx1"/>
-            </a:solidFill>
-            <a:headEnd type="none" w="med" len="med"/>
-            <a:tailEnd type="none" w="med" len="med"/>
-          </a:ln>
-        </p:spPr>
-        <p:style>
-          <a:lnRef idx="1">
-            <a:schemeClr val="accent1"/>
-          </a:lnRef>
-          <a:fillRef idx="0">
-            <a:schemeClr val="accent1"/>
-          </a:fillRef>
-          <a:effectRef idx="0">
-            <a:schemeClr val="accent1"/>
-          </a:effectRef>
-          <a:fontRef idx="minor">
-            <a:schemeClr val="tx1"/>
-          </a:fontRef>
-        </p:style>
-        <p:txBody>
-          <a:bodyPr rtlCol="0" anchor="ctr"/>
-          <a:lstStyle/>
-          <a:p>
-            <a:pPr algn="ctr"/>
-            <a:endParaRPr kumimoji="1" lang="ja-JP" altLang="en-US"/>
-          </a:p>
-        </p:txBody>
-      </p:sp>
-      <p:sp>
-        <p:nvSpPr>
-          <p:cNvPr id="46" name="テキスト ボックス 45">
-            <a:extLst>
-              <a:ext uri="{FF2B5EF4-FFF2-40B4-BE49-F238E27FC236}">
-                <a16:creationId xmlns:a16="http://schemas.microsoft.com/office/drawing/2014/main" id="{7027D7F3-EC04-4C49-86C5-F50B5A5A4993}"/>
-              </a:ext>
-            </a:extLst>
-          </p:cNvPr>
-          <p:cNvSpPr txBox="1"/>
-          <p:nvPr/>
-        </p:nvSpPr>
-        <p:spPr>
-          <a:xfrm>
-            <a:off x="2376608" y="4415486"/>
-            <a:ext cx="800219" cy="461665"/>
-          </a:xfrm>
-          <a:prstGeom prst="rect">
-            <a:avLst/>
-          </a:prstGeom>
-          <a:noFill/>
-        </p:spPr>
-        <p:txBody>
-          <a:bodyPr wrap="none" rtlCol="0">
-            <a:spAutoFit/>
-          </a:bodyPr>
-          <a:lstStyle/>
-          <a:p>
-            <a:pPr algn="l"/>
-            <a:r>
-              <a:rPr kumimoji="1" lang="ja-JP" altLang="en-US" sz="2400" dirty="0"/>
-              <a:t>温度</a:t>
-            </a:r>
-          </a:p>
-        </p:txBody>
-      </p:sp>
-      <p:sp>
-        <p:nvSpPr>
-          <p:cNvPr id="50" name="テキスト ボックス 49">
-            <a:extLst>
-              <a:ext uri="{FF2B5EF4-FFF2-40B4-BE49-F238E27FC236}">
-                <a16:creationId xmlns:a16="http://schemas.microsoft.com/office/drawing/2014/main" id="{C5C5BFF5-281C-4F8D-AF3A-82B8AC10BD1F}"/>
-              </a:ext>
-            </a:extLst>
-          </p:cNvPr>
-          <p:cNvSpPr txBox="1"/>
-          <p:nvPr/>
-        </p:nvSpPr>
-        <p:spPr>
-          <a:xfrm>
-            <a:off x="2376608" y="5009803"/>
-            <a:ext cx="1107996" cy="461665"/>
-          </a:xfrm>
-          <a:prstGeom prst="rect">
-            <a:avLst/>
-          </a:prstGeom>
-          <a:noFill/>
-        </p:spPr>
-        <p:txBody>
-          <a:bodyPr wrap="none" rtlCol="0">
-            <a:spAutoFit/>
-          </a:bodyPr>
-          <a:lstStyle/>
-          <a:p>
-            <a:pPr algn="l"/>
-            <a:r>
-              <a:rPr kumimoji="1" lang="ja-JP" altLang="en-US" sz="2400" dirty="0"/>
-              <a:t>熱流量</a:t>
-            </a:r>
-          </a:p>
-        </p:txBody>
-      </p:sp>
-      <p:sp>
-        <p:nvSpPr>
-          <p:cNvPr id="51" name="テキスト ボックス 50">
-            <a:extLst>
-              <a:ext uri="{FF2B5EF4-FFF2-40B4-BE49-F238E27FC236}">
-                <a16:creationId xmlns:a16="http://schemas.microsoft.com/office/drawing/2014/main" id="{B4F1C48E-1D44-445A-A99F-8444BF8CCCAE}"/>
-              </a:ext>
-            </a:extLst>
-          </p:cNvPr>
-          <p:cNvSpPr txBox="1"/>
-          <p:nvPr/>
-        </p:nvSpPr>
-        <p:spPr>
-          <a:xfrm>
-            <a:off x="3337467" y="4689046"/>
-            <a:ext cx="2339102" cy="461665"/>
-          </a:xfrm>
-          <a:prstGeom prst="rect">
-            <a:avLst/>
-          </a:prstGeom>
-          <a:noFill/>
-        </p:spPr>
-        <p:txBody>
-          <a:bodyPr wrap="none" rtlCol="0">
-            <a:spAutoFit/>
-          </a:bodyPr>
-          <a:lstStyle/>
-          <a:p>
-            <a:pPr algn="l"/>
-            <a:r>
-              <a:rPr kumimoji="1" lang="ja-JP" altLang="en-US" sz="2400" dirty="0"/>
-              <a:t>を定めれば良い</a:t>
-            </a:r>
-          </a:p>
-        </p:txBody>
-      </p:sp>
-      <p:pic>
-        <p:nvPicPr>
-          <p:cNvPr id="10" name="図 9">
-            <a:extLst>
-              <a:ext uri="{FF2B5EF4-FFF2-40B4-BE49-F238E27FC236}">
-                <a16:creationId xmlns:a16="http://schemas.microsoft.com/office/drawing/2014/main" id="{6EBA5C70-A4C3-42E0-9E37-C447292D4D03}"/>
-              </a:ext>
-            </a:extLst>
-          </p:cNvPr>
-          <p:cNvPicPr>
-            <a:picLocks noChangeAspect="1"/>
-          </p:cNvPicPr>
-          <p:nvPr/>
-        </p:nvPicPr>
-        <p:blipFill rotWithShape="1">
-          <a:blip r:embed="rId2"/>
-          <a:srcRect t="-3366" r="5273" b="-1"/>
-          <a:stretch/>
-        </p:blipFill>
-        <p:spPr>
-          <a:xfrm>
-            <a:off x="5837209" y="4548433"/>
-            <a:ext cx="6266807" cy="602278"/>
-          </a:xfrm>
-          <a:prstGeom prst="rect">
-            <a:avLst/>
-          </a:prstGeom>
-        </p:spPr>
-      </p:pic>
-      <p:sp>
-        <p:nvSpPr>
-          <p:cNvPr id="11" name="テキスト ボックス 10">
-            <a:extLst>
-              <a:ext uri="{FF2B5EF4-FFF2-40B4-BE49-F238E27FC236}">
-                <a16:creationId xmlns:a16="http://schemas.microsoft.com/office/drawing/2014/main" id="{BB0C9D38-CC78-437F-8419-F8B63FD9999B}"/>
-              </a:ext>
-            </a:extLst>
-          </p:cNvPr>
-          <p:cNvSpPr txBox="1"/>
-          <p:nvPr/>
-        </p:nvSpPr>
-        <p:spPr>
-          <a:xfrm>
-            <a:off x="6526418" y="2160822"/>
-            <a:ext cx="2339102" cy="461665"/>
-          </a:xfrm>
-          <a:prstGeom prst="rect">
-            <a:avLst/>
-          </a:prstGeom>
-          <a:noFill/>
-        </p:spPr>
-        <p:txBody>
-          <a:bodyPr wrap="none" rtlCol="0">
-            <a:spAutoFit/>
-          </a:bodyPr>
-          <a:lstStyle/>
-          <a:p>
-            <a:pPr algn="l"/>
-            <a:r>
-              <a:rPr kumimoji="1" lang="ja-JP" altLang="en-US" sz="2400" dirty="0"/>
-              <a:t>ポート内の変数</a:t>
-            </a:r>
-          </a:p>
-        </p:txBody>
-      </p:sp>
-      <p:pic>
-        <p:nvPicPr>
-          <p:cNvPr id="12" name="図 11">
-            <a:extLst>
-              <a:ext uri="{FF2B5EF4-FFF2-40B4-BE49-F238E27FC236}">
-                <a16:creationId xmlns:a16="http://schemas.microsoft.com/office/drawing/2014/main" id="{8539F79B-F0FC-4FA2-8B83-82D790F853D5}"/>
-              </a:ext>
-            </a:extLst>
-          </p:cNvPr>
-          <p:cNvPicPr>
-            <a:picLocks noChangeAspect="1"/>
-          </p:cNvPicPr>
-          <p:nvPr/>
-        </p:nvPicPr>
-        <p:blipFill>
-          <a:blip r:embed="rId3"/>
-          <a:stretch>
-            <a:fillRect/>
-          </a:stretch>
-        </p:blipFill>
-        <p:spPr>
-          <a:xfrm>
-            <a:off x="5833093" y="2744397"/>
-            <a:ext cx="3347551" cy="717333"/>
-          </a:xfrm>
-          <a:prstGeom prst="rect">
-            <a:avLst/>
-          </a:prstGeom>
-        </p:spPr>
-      </p:pic>
+            <a:r>
+              <a:rPr lang="ja-JP" altLang="en-US" sz="2400" dirty="0" smtClean="0"/>
+              <a:t>以下のようにグループ化すると様々な物理現象に対して共通の概念が適用できることが分かります。</a:t>
+            </a:r>
+            <a:endParaRPr lang="en-US" altLang="ja-JP" sz="2400" dirty="0" smtClean="0"/>
+          </a:p>
+        </p:txBody>
+      </p:sp>
     </p:spTree>
     <p:extLst>
       <p:ext uri="{BB962C8B-B14F-4D97-AF65-F5344CB8AC3E}">
-        <p14:creationId xmlns:p14="http://schemas.microsoft.com/office/powerpoint/2010/main" val="2191407727"/>
+        <p14:creationId xmlns:p14="http://schemas.microsoft.com/office/powerpoint/2010/main" val="2413215910"/>
       </p:ext>
     </p:extLst>
   </p:cSld>
@@ -10977,8 +11218,8 @@
         </p:nvSpPr>
         <p:spPr>
           <a:xfrm>
-            <a:off x="179666" y="87415"/>
-            <a:ext cx="8266687" cy="579646"/>
+            <a:off x="179665" y="87415"/>
+            <a:ext cx="7083147" cy="579646"/>
           </a:xfrm>
           <a:prstGeom prst="rect">
             <a:avLst/>
@@ -10988,12 +11229,12 @@
           </a:ln>
           <a:extLst>
             <a:ext uri="{C572A759-6A51-4108-AA02-DFA0A04FC94B}">
-              <ma14:wrappingTextBoxFlag xmlns="" xmlns:ma14="http://schemas.microsoft.com/office/mac/drawingml/2011/main" val="1"/>
+              <ma14:wrappingTextBoxFlag xmlns:ma14="http://schemas.microsoft.com/office/mac/drawingml/2011/main" xmlns="" val="1"/>
             </a:ext>
           </a:extLst>
         </p:spPr>
         <p:txBody>
-          <a:bodyPr wrap="none" lIns="50800" tIns="50800" rIns="50800" bIns="50800" anchor="ctr">
+          <a:bodyPr wrap="square" lIns="50800" tIns="50800" rIns="50800" bIns="50800" anchor="ctr">
             <a:spAutoFit/>
           </a:bodyPr>
           <a:lstStyle/>
@@ -11008,15 +11249,15 @@
             </a:pPr>
             <a:r>
               <a:rPr lang="ja-JP" altLang="en-US" dirty="0"/>
-              <a:t>物理現象を表現するために必要な</a:t>
+              <a:t>典型的な物理</a:t>
             </a:r>
             <a:r>
               <a:rPr lang="ja-JP" altLang="en-US" dirty="0" smtClean="0"/>
-              <a:t>物理量 </a:t>
+              <a:t>モデル</a:t>
             </a:r>
             <a:r>
               <a:rPr lang="en-US" altLang="ja-JP" dirty="0" smtClean="0"/>
-              <a:t>– </a:t>
+              <a:t> – </a:t>
             </a:r>
             <a:r>
               <a:rPr lang="ja-JP" altLang="en-US" dirty="0" smtClean="0"/>
@@ -11070,7 +11311,7 @@
         <p:spPr>
           <a:xfrm>
             <a:off x="868154" y="961660"/>
-            <a:ext cx="10882184" cy="1200329"/>
+            <a:ext cx="10882184" cy="830997"/>
           </a:xfrm>
           <a:prstGeom prst="rect">
             <a:avLst/>
@@ -11089,26 +11330,15 @@
             </a:r>
             <a:r>
               <a:rPr kumimoji="1" lang="ja-JP" altLang="en-US" sz="2400" dirty="0"/>
-              <a:t>を使用して、</a:t>
-            </a:r>
-            <a:r>
-              <a:rPr lang="en-US" altLang="ja-JP" sz="2400" dirty="0" err="1"/>
-              <a:t>Modelica.Electrical.Analog</a:t>
-            </a:r>
-            <a:r>
-              <a:rPr lang="ja-JP" altLang="en-US" sz="2400" dirty="0"/>
-              <a:t>パッケージの物理モデルに使用されているポートを確認してみて</a:t>
+              <a:t>を使用して</a:t>
+            </a:r>
+            <a:r>
+              <a:rPr kumimoji="1" lang="ja-JP" altLang="en-US" sz="2400" dirty="0" smtClean="0"/>
+              <a:t>、</a:t>
             </a:r>
             <a:r>
               <a:rPr lang="ja-JP" altLang="en-US" sz="2400" dirty="0" smtClean="0"/>
-              <a:t>ください。</a:t>
-            </a:r>
-            <a:endParaRPr lang="en-US" altLang="ja-JP" sz="2400" dirty="0" smtClean="0"/>
-          </a:p>
-          <a:p>
-            <a:r>
-              <a:rPr lang="ja-JP" altLang="en-US" sz="2400" dirty="0" smtClean="0"/>
-              <a:t>解答は次ページです。</a:t>
+              <a:t>自分の興味ある物理ドメインに対して典型的なコンポーネントを見つけてみてください。</a:t>
             </a:r>
             <a:endParaRPr kumimoji="1" lang="ja-JP" altLang="en-US" sz="2400" dirty="0"/>
           </a:p>
@@ -11117,7 +11347,7 @@
     </p:spTree>
     <p:extLst>
       <p:ext uri="{BB962C8B-B14F-4D97-AF65-F5344CB8AC3E}">
-        <p14:creationId xmlns:p14="http://schemas.microsoft.com/office/powerpoint/2010/main" val="4261031329"/>
+        <p14:creationId xmlns:p14="http://schemas.microsoft.com/office/powerpoint/2010/main" val="2164402507"/>
       </p:ext>
     </p:extLst>
   </p:cSld>
@@ -11153,57 +11383,6 @@
       </p:grpSpPr>
       <p:sp>
         <p:nvSpPr>
-          <p:cNvPr id="4" name="Shape 130">
-            <a:extLst>
-              <a:ext uri="{FF2B5EF4-FFF2-40B4-BE49-F238E27FC236}">
-                <a16:creationId xmlns:a16="http://schemas.microsoft.com/office/drawing/2014/main" id="{925B04DB-30E4-42E2-80C9-D742CED3A8D8}"/>
-              </a:ext>
-            </a:extLst>
-          </p:cNvPr>
-          <p:cNvSpPr/>
-          <p:nvPr/>
-        </p:nvSpPr>
-        <p:spPr>
-          <a:xfrm>
-            <a:off x="179666" y="87415"/>
-            <a:ext cx="2885405" cy="579646"/>
-          </a:xfrm>
-          <a:prstGeom prst="rect">
-            <a:avLst/>
-          </a:prstGeom>
-          <a:ln w="12700">
-            <a:miter lim="400000"/>
-          </a:ln>
-          <a:extLst>
-            <a:ext uri="{C572A759-6A51-4108-AA02-DFA0A04FC94B}">
-              <ma14:wrappingTextBoxFlag xmlns="" xmlns:ma14="http://schemas.microsoft.com/office/mac/drawingml/2011/main" val="1"/>
-            </a:ext>
-          </a:extLst>
-        </p:spPr>
-        <p:txBody>
-          <a:bodyPr wrap="none" lIns="50800" tIns="50800" rIns="50800" bIns="50800" anchor="ctr">
-            <a:spAutoFit/>
-          </a:bodyPr>
-          <a:lstStyle/>
-          <a:p>
-            <a:pPr>
-              <a:defRPr sz="3100" u="sng">
-                <a:latin typeface="YuMincho Medium"/>
-                <a:ea typeface="YuMincho Medium"/>
-                <a:cs typeface="YuMincho Medium"/>
-                <a:sym typeface="YuMincho Medium"/>
-              </a:defRPr>
-            </a:pPr>
-            <a:r>
-              <a:rPr lang="ja-JP" altLang="en-US" dirty="0"/>
-              <a:t>物理的なモデル</a:t>
-            </a:r>
-            <a:endParaRPr lang="en-US" altLang="ja-JP" dirty="0"/>
-          </a:p>
-        </p:txBody>
-      </p:sp>
-      <p:sp>
-        <p:nvSpPr>
           <p:cNvPr id="3" name="スライド番号プレースホルダー 2">
             <a:extLst>
               <a:ext uri="{FF2B5EF4-FFF2-40B4-BE49-F238E27FC236}">
@@ -11233,10 +11412,10 @@
       </p:sp>
       <p:sp>
         <p:nvSpPr>
-          <p:cNvPr id="18" name="テキスト ボックス 17">
-            <a:extLst>
-              <a:ext uri="{FF2B5EF4-FFF2-40B4-BE49-F238E27FC236}">
-                <a16:creationId xmlns:a16="http://schemas.microsoft.com/office/drawing/2014/main" id="{3656AAD2-B411-4FF8-AC3B-60CCCF904279}"/>
+          <p:cNvPr id="5" name="テキスト ボックス 4">
+            <a:extLst>
+              <a:ext uri="{FF2B5EF4-FFF2-40B4-BE49-F238E27FC236}">
+                <a16:creationId xmlns:a16="http://schemas.microsoft.com/office/drawing/2014/main" id="{048E2AF8-ACCC-4167-AD64-918F709411DF}"/>
               </a:ext>
             </a:extLst>
           </p:cNvPr>
@@ -11245,8 +11424,8 @@
         </p:nvSpPr>
         <p:spPr>
           <a:xfrm>
-            <a:off x="794933" y="779071"/>
-            <a:ext cx="2712196" cy="461665"/>
+            <a:off x="4247555" y="2721114"/>
+            <a:ext cx="4288353" cy="707886"/>
           </a:xfrm>
           <a:prstGeom prst="rect">
             <a:avLst/>
@@ -11254,401 +11433,31 @@
           <a:noFill/>
         </p:spPr>
         <p:txBody>
-          <a:bodyPr wrap="square" rtlCol="0">
+          <a:bodyPr wrap="none" rtlCol="0">
             <a:spAutoFit/>
           </a:bodyPr>
           <a:lstStyle/>
           <a:p>
-            <a:r>
-              <a:rPr lang="ja-JP" altLang="en-US" sz="2400" dirty="0" smtClean="0"/>
-              <a:t>演習　解答例</a:t>
-            </a:r>
-            <a:endParaRPr lang="en-US" altLang="ja-JP" sz="2400" dirty="0"/>
-          </a:p>
-        </p:txBody>
-      </p:sp>
-      <p:sp>
-        <p:nvSpPr>
-          <p:cNvPr id="9" name="正方形/長方形 8"/>
-          <p:cNvSpPr/>
-          <p:nvPr/>
-        </p:nvSpPr>
-        <p:spPr>
-          <a:xfrm>
-            <a:off x="422290" y="1290315"/>
-            <a:ext cx="8263801" cy="646331"/>
-          </a:xfrm>
-          <a:prstGeom prst="rect">
-            <a:avLst/>
-          </a:prstGeom>
-        </p:spPr>
-        <p:txBody>
-          <a:bodyPr wrap="none">
-            <a:spAutoFit/>
-          </a:bodyPr>
-          <a:lstStyle/>
-          <a:p>
-            <a:r>
-              <a:rPr lang="en-US" altLang="ja-JP" dirty="0" err="1" smtClean="0"/>
-              <a:t>Modelica.Electrical.Analog</a:t>
-            </a:r>
-            <a:r>
-              <a:rPr lang="ja-JP" altLang="en-US" dirty="0" smtClean="0"/>
-              <a:t>内の適当なモデルを開きます。</a:t>
-            </a:r>
-            <a:endParaRPr lang="en-US" altLang="ja-JP" dirty="0" smtClean="0"/>
-          </a:p>
-          <a:p>
-            <a:r>
-              <a:rPr lang="ja-JP" altLang="en-US" dirty="0"/>
-              <a:t>ポート</a:t>
-            </a:r>
-            <a:r>
-              <a:rPr lang="ja-JP" altLang="en-US" dirty="0" smtClean="0"/>
-              <a:t>にカーソルを合わせるとインスタンス元のモデルのパスが示されます。</a:t>
-            </a:r>
-            <a:endParaRPr lang="en-US" altLang="ja-JP" dirty="0" smtClean="0"/>
-          </a:p>
-        </p:txBody>
-      </p:sp>
-      <p:grpSp>
-        <p:nvGrpSpPr>
-          <p:cNvPr id="13" name="グループ化 12"/>
-          <p:cNvGrpSpPr/>
-          <p:nvPr/>
-        </p:nvGrpSpPr>
-        <p:grpSpPr>
-          <a:xfrm>
-            <a:off x="698413" y="1936646"/>
-            <a:ext cx="11481632" cy="3756160"/>
-            <a:chOff x="329645" y="2290198"/>
-            <a:chExt cx="12315186" cy="4028853"/>
-          </a:xfrm>
-        </p:grpSpPr>
-        <p:pic>
-          <p:nvPicPr>
-            <p:cNvPr id="6" name="図 5"/>
-            <p:cNvPicPr>
-              <a:picLocks noChangeAspect="1"/>
-            </p:cNvPicPr>
-            <p:nvPr/>
-          </p:nvPicPr>
-          <p:blipFill rotWithShape="1">
-            <a:blip r:embed="rId2"/>
-            <a:srcRect t="15645" r="10391" b="4733"/>
-            <a:stretch/>
-          </p:blipFill>
-          <p:spPr>
-            <a:xfrm>
-              <a:off x="329645" y="2290198"/>
-              <a:ext cx="6665044" cy="4028853"/>
-            </a:xfrm>
-            <a:prstGeom prst="rect">
-              <a:avLst/>
-            </a:prstGeom>
-          </p:spPr>
-        </p:pic>
-        <p:cxnSp>
-          <p:nvCxnSpPr>
-            <p:cNvPr id="8" name="直線矢印コネクタ 7"/>
-            <p:cNvCxnSpPr>
-              <a:endCxn id="10" idx="1"/>
-            </p:cNvCxnSpPr>
-            <p:nvPr/>
-          </p:nvCxnSpPr>
-          <p:spPr>
-            <a:xfrm flipV="1">
-              <a:off x="5684363" y="4022673"/>
-              <a:ext cx="319979" cy="665537"/>
-            </a:xfrm>
-            <a:prstGeom prst="straightConnector1">
-              <a:avLst/>
-            </a:prstGeom>
-            <a:ln w="28575">
-              <a:solidFill>
-                <a:srgbClr val="FF0000"/>
-              </a:solidFill>
-              <a:headEnd type="none" w="med" len="med"/>
-              <a:tailEnd type="triangle"/>
-            </a:ln>
-          </p:spPr>
-          <p:style>
-            <a:lnRef idx="1">
-              <a:schemeClr val="accent1"/>
-            </a:lnRef>
-            <a:fillRef idx="0">
-              <a:schemeClr val="accent1"/>
-            </a:fillRef>
-            <a:effectRef idx="0">
-              <a:schemeClr val="accent1"/>
-            </a:effectRef>
-            <a:fontRef idx="minor">
-              <a:schemeClr val="tx1"/>
-            </a:fontRef>
-          </p:style>
-        </p:cxnSp>
-        <p:sp>
-          <p:nvSpPr>
-            <p:cNvPr id="12" name="正方形/長方形 11"/>
-            <p:cNvSpPr/>
-            <p:nvPr/>
-          </p:nvSpPr>
-          <p:spPr>
-            <a:xfrm>
-              <a:off x="7126999" y="2418322"/>
-              <a:ext cx="5517832" cy="693254"/>
-            </a:xfrm>
-            <a:prstGeom prst="rect">
-              <a:avLst/>
-            </a:prstGeom>
-          </p:spPr>
-          <p:txBody>
-            <a:bodyPr wrap="none">
-              <a:spAutoFit/>
-            </a:bodyPr>
-            <a:lstStyle/>
-            <a:p>
-              <a:r>
-                <a:rPr lang="ja-JP" altLang="en-US" dirty="0" smtClean="0"/>
-                <a:t>ポートモデルを確認すると</a:t>
-              </a:r>
-              <a:r>
-                <a:rPr lang="ja-JP" altLang="en-US" dirty="0" smtClean="0">
-                  <a:solidFill>
-                    <a:srgbClr val="FF0000"/>
-                  </a:solidFill>
-                </a:rPr>
-                <a:t>ポテンシャル</a:t>
-              </a:r>
-              <a:r>
-                <a:rPr lang="ja-JP" altLang="en-US" dirty="0" smtClean="0"/>
-                <a:t>として</a:t>
-              </a:r>
-              <a:r>
-                <a:rPr lang="en-US" altLang="ja-JP" dirty="0" smtClean="0"/>
-                <a:t>v</a:t>
-              </a:r>
-            </a:p>
-            <a:p>
-              <a:r>
-                <a:rPr lang="ja-JP" altLang="en-US" dirty="0" smtClean="0">
-                  <a:solidFill>
-                    <a:srgbClr val="FF0000"/>
-                  </a:solidFill>
-                </a:rPr>
-                <a:t>フロー</a:t>
-              </a:r>
-              <a:r>
-                <a:rPr lang="ja-JP" altLang="en-US" dirty="0" smtClean="0"/>
-                <a:t>として</a:t>
-              </a:r>
-              <a:r>
-                <a:rPr lang="en-US" altLang="ja-JP" dirty="0" err="1" smtClean="0"/>
-                <a:t>i</a:t>
-              </a:r>
-              <a:r>
-                <a:rPr lang="ja-JP" altLang="en-US" dirty="0" smtClean="0"/>
-                <a:t>が定義されています</a:t>
-              </a:r>
-              <a:endParaRPr lang="en-US" altLang="ja-JP" dirty="0" smtClean="0"/>
-            </a:p>
-          </p:txBody>
-        </p:sp>
-        <p:pic>
-          <p:nvPicPr>
-            <p:cNvPr id="10" name="図 9"/>
-            <p:cNvPicPr>
-              <a:picLocks noChangeAspect="1"/>
-            </p:cNvPicPr>
-            <p:nvPr/>
-          </p:nvPicPr>
-          <p:blipFill>
-            <a:blip r:embed="rId3"/>
-            <a:stretch>
-              <a:fillRect/>
-            </a:stretch>
-          </p:blipFill>
-          <p:spPr>
-            <a:xfrm>
-              <a:off x="6004342" y="3271744"/>
-              <a:ext cx="6460043" cy="1501857"/>
-            </a:xfrm>
-            <a:prstGeom prst="rect">
-              <a:avLst/>
-            </a:prstGeom>
-            <a:ln>
-              <a:solidFill>
-                <a:schemeClr val="tx1"/>
-              </a:solidFill>
-            </a:ln>
-          </p:spPr>
-        </p:pic>
-      </p:grpSp>
-      <p:sp>
-        <p:nvSpPr>
-          <p:cNvPr id="14" name="角丸四角形 13"/>
-          <p:cNvSpPr/>
-          <p:nvPr/>
-        </p:nvSpPr>
-        <p:spPr>
-          <a:xfrm>
-            <a:off x="1305560" y="5842000"/>
-            <a:ext cx="9606280" cy="879475"/>
-          </a:xfrm>
-          <a:prstGeom prst="roundRect">
-            <a:avLst/>
-          </a:prstGeom>
-          <a:solidFill>
-            <a:schemeClr val="accent5">
-              <a:lumMod val="20000"/>
-              <a:lumOff val="80000"/>
-            </a:schemeClr>
-          </a:solidFill>
-          <a:ln>
-            <a:solidFill>
-              <a:schemeClr val="tx1"/>
-            </a:solidFill>
-          </a:ln>
-        </p:spPr>
-        <p:style>
-          <a:lnRef idx="2">
-            <a:schemeClr val="accent1">
-              <a:shade val="50000"/>
-            </a:schemeClr>
-          </a:lnRef>
-          <a:fillRef idx="1">
-            <a:schemeClr val="accent1"/>
-          </a:fillRef>
-          <a:effectRef idx="0">
-            <a:schemeClr val="accent1"/>
-          </a:effectRef>
-          <a:fontRef idx="minor">
-            <a:schemeClr val="lt1"/>
-          </a:fontRef>
-        </p:style>
-        <p:txBody>
-          <a:bodyPr rtlCol="0" anchor="ctr"/>
-          <a:lstStyle/>
-          <a:p>
             <a:pPr algn="ctr"/>
             <a:r>
-              <a:rPr lang="ja-JP" altLang="en-US" sz="2000" dirty="0" smtClean="0">
-                <a:solidFill>
-                  <a:schemeClr val="tx1"/>
-                </a:solidFill>
+              <a:rPr lang="ja-JP" altLang="en-US" sz="4000" b="1" dirty="0">
+                <a:effectLst>
+                  <a:outerShdw blurRad="38100" dist="38100" dir="2700000" algn="tl">
+                    <a:srgbClr val="000000">
+                      <a:alpha val="43137"/>
+                    </a:srgbClr>
+                  </a:outerShdw>
+                </a:effectLst>
               </a:rPr>
-              <a:t>ポテンシャル、フローという言葉が出てきました。</a:t>
-            </a:r>
-            <a:endParaRPr lang="en-US" altLang="ja-JP" sz="2000" dirty="0" smtClean="0">
-              <a:solidFill>
-                <a:schemeClr val="tx1"/>
-              </a:solidFill>
-            </a:endParaRPr>
-          </a:p>
-          <a:p>
-            <a:pPr algn="ctr"/>
-            <a:r>
-              <a:rPr lang="ja-JP" altLang="en-US" sz="2000" dirty="0" smtClean="0">
-                <a:solidFill>
-                  <a:schemeClr val="tx1"/>
-                </a:solidFill>
-              </a:rPr>
-              <a:t>この概念について次スライドから解説していきます</a:t>
-            </a:r>
-            <a:r>
-              <a:rPr lang="ja-JP" altLang="en-US" sz="2000" dirty="0">
-                <a:solidFill>
-                  <a:schemeClr val="tx1"/>
-                </a:solidFill>
-              </a:rPr>
-              <a:t>。</a:t>
-            </a:r>
-            <a:endParaRPr kumimoji="1" lang="ja-JP" altLang="en-US" sz="2000" dirty="0">
-              <a:solidFill>
-                <a:schemeClr val="tx1"/>
-              </a:solidFill>
-            </a:endParaRPr>
-          </a:p>
-        </p:txBody>
-      </p:sp>
-      <p:cxnSp>
-        <p:nvCxnSpPr>
-          <p:cNvPr id="20" name="直線コネクタ 19"/>
-          <p:cNvCxnSpPr/>
-          <p:nvPr/>
-        </p:nvCxnSpPr>
-        <p:spPr>
-          <a:xfrm>
-            <a:off x="9498186" y="3639641"/>
-            <a:ext cx="1050408" cy="0"/>
-          </a:xfrm>
-          <a:prstGeom prst="line">
-            <a:avLst/>
-          </a:prstGeom>
-          <a:ln w="9525">
-            <a:solidFill>
-              <a:srgbClr val="FF0000"/>
-            </a:solidFill>
-            <a:headEnd type="none" w="med" len="med"/>
-            <a:tailEnd type="none" w="med" len="med"/>
-          </a:ln>
-        </p:spPr>
-        <p:style>
-          <a:lnRef idx="1">
-            <a:schemeClr val="accent1"/>
-          </a:lnRef>
-          <a:fillRef idx="0">
-            <a:schemeClr val="accent1"/>
-          </a:fillRef>
-          <a:effectRef idx="0">
-            <a:schemeClr val="accent1"/>
-          </a:effectRef>
-          <a:fontRef idx="minor">
-            <a:schemeClr val="tx1"/>
-          </a:fontRef>
-        </p:style>
-      </p:cxnSp>
-      <p:cxnSp>
-        <p:nvCxnSpPr>
-          <p:cNvPr id="22" name="直線コネクタ 21"/>
-          <p:cNvCxnSpPr/>
-          <p:nvPr/>
-        </p:nvCxnSpPr>
-        <p:spPr>
-          <a:xfrm>
-            <a:off x="7812362" y="3933445"/>
-            <a:ext cx="1463613" cy="0"/>
-          </a:xfrm>
-          <a:prstGeom prst="line">
-            <a:avLst/>
-          </a:prstGeom>
-          <a:ln w="9525">
-            <a:solidFill>
-              <a:srgbClr val="FF0000"/>
-            </a:solidFill>
-            <a:headEnd type="none" w="med" len="med"/>
-            <a:tailEnd type="none" w="med" len="med"/>
-          </a:ln>
-        </p:spPr>
-        <p:style>
-          <a:lnRef idx="1">
-            <a:schemeClr val="accent1"/>
-          </a:lnRef>
-          <a:fillRef idx="0">
-            <a:schemeClr val="accent1"/>
-          </a:fillRef>
-          <a:effectRef idx="0">
-            <a:schemeClr val="accent1"/>
-          </a:effectRef>
-          <a:fontRef idx="minor">
-            <a:schemeClr val="tx1"/>
-          </a:fontRef>
-        </p:style>
-      </p:cxnSp>
+              <a:t>物理現象の一般化</a:t>
+            </a:r>
+          </a:p>
+        </p:txBody>
+      </p:sp>
     </p:spTree>
     <p:extLst>
       <p:ext uri="{BB962C8B-B14F-4D97-AF65-F5344CB8AC3E}">
-        <p14:creationId xmlns:p14="http://schemas.microsoft.com/office/powerpoint/2010/main" val="2520254305"/>
+        <p14:creationId xmlns:p14="http://schemas.microsoft.com/office/powerpoint/2010/main" val="2700832163"/>
       </p:ext>
     </p:extLst>
   </p:cSld>
@@ -11713,52 +11522,151 @@
       </p:sp>
       <p:sp>
         <p:nvSpPr>
-          <p:cNvPr id="5" name="テキスト ボックス 4">
-            <a:extLst>
-              <a:ext uri="{FF2B5EF4-FFF2-40B4-BE49-F238E27FC236}">
-                <a16:creationId xmlns:a16="http://schemas.microsoft.com/office/drawing/2014/main" id="{048E2AF8-ACCC-4167-AD64-918F709411DF}"/>
-              </a:ext>
-            </a:extLst>
-          </p:cNvPr>
-          <p:cNvSpPr txBox="1"/>
+          <p:cNvPr id="10" name="正方形/長方形 9">
+            <a:extLst>
+              <a:ext uri="{FF2B5EF4-FFF2-40B4-BE49-F238E27FC236}">
+                <a16:creationId xmlns:a16="http://schemas.microsoft.com/office/drawing/2014/main" id="{6F2DC581-5A48-42E7-B1E3-2FDA5C2DD7BE}"/>
+              </a:ext>
+            </a:extLst>
+          </p:cNvPr>
+          <p:cNvSpPr/>
           <p:nvPr/>
         </p:nvSpPr>
         <p:spPr>
           <a:xfrm>
-            <a:off x="4247555" y="2721114"/>
-            <a:ext cx="4288353" cy="707886"/>
+            <a:off x="463368" y="1001269"/>
+            <a:ext cx="11265264" cy="2308324"/>
           </a:xfrm>
           <a:prstGeom prst="rect">
             <a:avLst/>
           </a:prstGeom>
-          <a:noFill/>
-        </p:spPr>
-        <p:txBody>
-          <a:bodyPr wrap="none" rtlCol="0">
+        </p:spPr>
+        <p:txBody>
+          <a:bodyPr wrap="square">
             <a:spAutoFit/>
           </a:bodyPr>
           <a:lstStyle/>
           <a:p>
-            <a:pPr algn="ctr"/>
-            <a:r>
-              <a:rPr lang="ja-JP" altLang="en-US" sz="4000" b="1" dirty="0">
-                <a:effectLst>
-                  <a:outerShdw blurRad="38100" dist="38100" dir="2700000" algn="tl">
-                    <a:srgbClr val="000000">
-                      <a:alpha val="43137"/>
-                    </a:srgbClr>
-                  </a:outerShdw>
-                </a:effectLst>
-              </a:rPr>
+            <a:r>
+              <a:rPr lang="ja-JP" altLang="en-US" sz="2400" dirty="0"/>
+              <a:t>様々な物理ドメインを統一的な考え方で表す学問や</a:t>
+            </a:r>
+            <a:r>
+              <a:rPr lang="ja-JP" altLang="en-US" sz="2400" dirty="0" smtClean="0"/>
+              <a:t>試みは数多く</a:t>
+            </a:r>
+            <a:r>
+              <a:rPr lang="ja-JP" altLang="en-US" sz="2400" dirty="0"/>
+              <a:t>存在します。</a:t>
+            </a:r>
+            <a:endParaRPr lang="en-US" altLang="ja-JP" sz="2400" dirty="0"/>
+          </a:p>
+          <a:p>
+            <a:r>
+              <a:rPr lang="ja-JP" altLang="en-US" sz="2400" dirty="0" smtClean="0"/>
+              <a:t>移動</a:t>
+            </a:r>
+            <a:r>
+              <a:rPr lang="ja-JP" altLang="en-US" sz="2400" dirty="0"/>
+              <a:t>現象論や</a:t>
+            </a:r>
+            <a:r>
+              <a:rPr lang="ja-JP" altLang="en-US" sz="2400" dirty="0" smtClean="0"/>
+              <a:t>ボンドグラフは物理現象の統一的な考え方を定義する手法であり</a:t>
+            </a:r>
+            <a:r>
+              <a:rPr lang="en-US" altLang="ja-JP" sz="2400" dirty="0" err="1" smtClean="0"/>
+              <a:t>Modelica</a:t>
+            </a:r>
+            <a:r>
+              <a:rPr lang="ja-JP" altLang="en-US" sz="2400" dirty="0" smtClean="0"/>
+              <a:t>の考え方と非常に親和性が高いです。</a:t>
+            </a:r>
+            <a:endParaRPr lang="en-US" altLang="ja-JP" sz="2400" dirty="0" smtClean="0"/>
+          </a:p>
+          <a:p>
+            <a:endParaRPr lang="en-US" altLang="ja-JP" sz="2400" dirty="0"/>
+          </a:p>
+          <a:p>
+            <a:r>
+              <a:rPr lang="ja-JP" altLang="en-US" sz="2400" dirty="0"/>
+              <a:t>本稿では、移動</a:t>
+            </a:r>
+            <a:r>
+              <a:rPr lang="ja-JP" altLang="en-US" sz="2400" dirty="0" smtClean="0"/>
+              <a:t>現象論やボンドグラフの</a:t>
+            </a:r>
+            <a:r>
+              <a:rPr lang="ja-JP" altLang="en-US" sz="2400" dirty="0"/>
+              <a:t>考え方を参考に</a:t>
+            </a:r>
+            <a:r>
+              <a:rPr lang="en-US" altLang="ja-JP" sz="2400" dirty="0"/>
+              <a:t>Modelica</a:t>
+            </a:r>
+            <a:r>
+              <a:rPr lang="ja-JP" altLang="en-US" sz="2400" dirty="0"/>
+              <a:t>での物理モデルの構造を理解していきます。</a:t>
+            </a:r>
+            <a:endParaRPr lang="en-US" altLang="ja-JP" sz="2400" dirty="0"/>
+          </a:p>
+        </p:txBody>
+      </p:sp>
+      <p:sp>
+        <p:nvSpPr>
+          <p:cNvPr id="6" name="Shape 130">
+            <a:extLst>
+              <a:ext uri="{FF2B5EF4-FFF2-40B4-BE49-F238E27FC236}">
+                <a16:creationId xmlns:a16="http://schemas.microsoft.com/office/drawing/2014/main" id="{F268339A-8F95-4DB7-B175-26DDCD41CD42}"/>
+              </a:ext>
+            </a:extLst>
+          </p:cNvPr>
+          <p:cNvSpPr/>
+          <p:nvPr/>
+        </p:nvSpPr>
+        <p:spPr>
+          <a:xfrm>
+            <a:off x="179666" y="87415"/>
+            <a:ext cx="3282950" cy="579646"/>
+          </a:xfrm>
+          <a:prstGeom prst="rect">
+            <a:avLst/>
+          </a:prstGeom>
+          <a:ln w="12700">
+            <a:miter lim="400000"/>
+          </a:ln>
+          <a:extLst>
+            <a:ext uri="{C572A759-6A51-4108-AA02-DFA0A04FC94B}">
+              <ma14:wrappingTextBoxFlag xmlns:ma14="http://schemas.microsoft.com/office/mac/drawingml/2011/main" xmlns="" val="1"/>
+            </a:ext>
+          </a:extLst>
+        </p:spPr>
+        <p:txBody>
+          <a:bodyPr wrap="none" lIns="50800" tIns="50800" rIns="50800" bIns="50800" anchor="ctr">
+            <a:spAutoFit/>
+          </a:bodyPr>
+          <a:lstStyle/>
+          <a:p>
+            <a:pPr>
+              <a:defRPr sz="3100" u="sng">
+                <a:latin typeface="YuMincho Medium"/>
+                <a:ea typeface="YuMincho Medium"/>
+                <a:cs typeface="YuMincho Medium"/>
+                <a:sym typeface="YuMincho Medium"/>
+              </a:defRPr>
+            </a:pPr>
+            <a:r>
+              <a:rPr lang="ja-JP" altLang="en-US" dirty="0"/>
               <a:t>物理現象の一般化</a:t>
             </a:r>
+            <a:endParaRPr lang="en-US" altLang="ja-JP" dirty="0"/>
           </a:p>
         </p:txBody>
       </p:sp>
     </p:spTree>
     <p:extLst>
       <p:ext uri="{BB962C8B-B14F-4D97-AF65-F5344CB8AC3E}">
-        <p14:creationId xmlns:p14="http://schemas.microsoft.com/office/powerpoint/2010/main" val="2700832163"/>
+        <p14:creationId xmlns:p14="http://schemas.microsoft.com/office/powerpoint/2010/main" val="1055158939"/>
       </p:ext>
     </p:extLst>
   </p:cSld>
@@ -12164,10 +12072,10 @@
       </p:grpSpPr>
       <p:sp>
         <p:nvSpPr>
-          <p:cNvPr id="3" name="スライド番号プレースホルダー 2">
-            <a:extLst>
-              <a:ext uri="{FF2B5EF4-FFF2-40B4-BE49-F238E27FC236}">
-                <a16:creationId xmlns:a16="http://schemas.microsoft.com/office/drawing/2014/main" id="{C03CFA8D-F255-47FE-9956-D3EE57D24708}"/>
+          <p:cNvPr id="4" name="スライド番号プレースホルダー 3">
+            <a:extLst>
+              <a:ext uri="{FF2B5EF4-FFF2-40B4-BE49-F238E27FC236}">
+                <a16:creationId xmlns:a16="http://schemas.microsoft.com/office/drawing/2014/main" id="{62C8405B-E1A8-4250-83B4-B3DC73FA8844}"/>
               </a:ext>
             </a:extLst>
           </p:cNvPr>
@@ -12193,10 +12101,10 @@
       </p:sp>
       <p:sp>
         <p:nvSpPr>
-          <p:cNvPr id="10" name="正方形/長方形 9">
-            <a:extLst>
-              <a:ext uri="{FF2B5EF4-FFF2-40B4-BE49-F238E27FC236}">
-                <a16:creationId xmlns:a16="http://schemas.microsoft.com/office/drawing/2014/main" id="{6F2DC581-5A48-42E7-B1E3-2FDA5C2DD7BE}"/>
+          <p:cNvPr id="7" name="Shape 130">
+            <a:extLst>
+              <a:ext uri="{FF2B5EF4-FFF2-40B4-BE49-F238E27FC236}">
+                <a16:creationId xmlns:a16="http://schemas.microsoft.com/office/drawing/2014/main" id="{62311BE2-8146-4C5F-883C-23F48775675B}"/>
               </a:ext>
             </a:extLst>
           </p:cNvPr>
@@ -12205,100 +12113,8 @@
         </p:nvSpPr>
         <p:spPr>
           <a:xfrm>
-            <a:off x="463368" y="1001269"/>
-            <a:ext cx="11265264" cy="2308324"/>
-          </a:xfrm>
-          <a:prstGeom prst="rect">
-            <a:avLst/>
-          </a:prstGeom>
-        </p:spPr>
-        <p:txBody>
-          <a:bodyPr wrap="square">
-            <a:spAutoFit/>
-          </a:bodyPr>
-          <a:lstStyle/>
-          <a:p>
-            <a:r>
-              <a:rPr lang="ja-JP" altLang="en-US" sz="2400" dirty="0"/>
-              <a:t>様々な物理ドメインを統一的な考え方で表す学問や</a:t>
-            </a:r>
-            <a:r>
-              <a:rPr lang="ja-JP" altLang="en-US" sz="2400" dirty="0" smtClean="0"/>
-              <a:t>試みは数多く</a:t>
-            </a:r>
-            <a:r>
-              <a:rPr lang="ja-JP" altLang="en-US" sz="2400" dirty="0"/>
-              <a:t>存在します。</a:t>
-            </a:r>
-            <a:endParaRPr lang="en-US" altLang="ja-JP" sz="2400" dirty="0"/>
-          </a:p>
-          <a:p>
-            <a:r>
-              <a:rPr lang="ja-JP" altLang="en-US" sz="2400" dirty="0" smtClean="0"/>
-              <a:t>移動</a:t>
-            </a:r>
-            <a:r>
-              <a:rPr lang="ja-JP" altLang="en-US" sz="2400" dirty="0"/>
-              <a:t>現象論や</a:t>
-            </a:r>
-            <a:r>
-              <a:rPr lang="ja-JP" altLang="en-US" sz="2400" dirty="0" smtClean="0"/>
-              <a:t>ボンドグラフは物理現象の統一的な考え方を定義する手法であり</a:t>
-            </a:r>
-            <a:r>
-              <a:rPr lang="en-US" altLang="ja-JP" sz="2400" dirty="0" err="1" smtClean="0"/>
-              <a:t>Modelica</a:t>
-            </a:r>
-            <a:r>
-              <a:rPr lang="ja-JP" altLang="en-US" sz="2400" dirty="0" smtClean="0"/>
-              <a:t>の考え方と非常に親和性が高いです。</a:t>
-            </a:r>
-            <a:endParaRPr lang="en-US" altLang="ja-JP" sz="2400" dirty="0" smtClean="0"/>
-          </a:p>
-          <a:p>
-            <a:endParaRPr lang="en-US" altLang="ja-JP" sz="2400" dirty="0"/>
-          </a:p>
-          <a:p>
-            <a:r>
-              <a:rPr lang="ja-JP" altLang="en-US" sz="2400" dirty="0"/>
-              <a:t>本稿では、移動</a:t>
-            </a:r>
-            <a:r>
-              <a:rPr lang="ja-JP" altLang="en-US" sz="2400" dirty="0" smtClean="0"/>
-              <a:t>現象論やボンドグラフの</a:t>
-            </a:r>
-            <a:r>
-              <a:rPr lang="ja-JP" altLang="en-US" sz="2400" dirty="0"/>
-              <a:t>考え方を参考に</a:t>
-            </a:r>
-            <a:r>
-              <a:rPr lang="en-US" altLang="ja-JP" sz="2400" dirty="0"/>
-              <a:t>Modelica</a:t>
-            </a:r>
-            <a:r>
-              <a:rPr lang="ja-JP" altLang="en-US" sz="2400" dirty="0"/>
-              <a:t>での物理モデルの構造を理解していきます。</a:t>
-            </a:r>
-            <a:endParaRPr lang="en-US" altLang="ja-JP" sz="2400" dirty="0"/>
-          </a:p>
-        </p:txBody>
-      </p:sp>
-      <p:sp>
-        <p:nvSpPr>
-          <p:cNvPr id="6" name="Shape 130">
-            <a:extLst>
-              <a:ext uri="{FF2B5EF4-FFF2-40B4-BE49-F238E27FC236}">
-                <a16:creationId xmlns:a16="http://schemas.microsoft.com/office/drawing/2014/main" id="{F268339A-8F95-4DB7-B175-26DDCD41CD42}"/>
-              </a:ext>
-            </a:extLst>
-          </p:cNvPr>
-          <p:cNvSpPr/>
-          <p:nvPr/>
-        </p:nvSpPr>
-        <p:spPr>
-          <a:xfrm>
             <a:off x="179666" y="87415"/>
-            <a:ext cx="3282950" cy="579646"/>
+            <a:ext cx="3670877" cy="579646"/>
           </a:xfrm>
           <a:prstGeom prst="rect">
             <a:avLst/>
@@ -12308,124 +12124,7 @@
           </a:ln>
           <a:extLst>
             <a:ext uri="{C572A759-6A51-4108-AA02-DFA0A04FC94B}">
-              <ma14:wrappingTextBoxFlag xmlns="" xmlns:ma14="http://schemas.microsoft.com/office/mac/drawingml/2011/main" val="1"/>
-            </a:ext>
-          </a:extLst>
-        </p:spPr>
-        <p:txBody>
-          <a:bodyPr wrap="none" lIns="50800" tIns="50800" rIns="50800" bIns="50800" anchor="ctr">
-            <a:spAutoFit/>
-          </a:bodyPr>
-          <a:lstStyle/>
-          <a:p>
-            <a:pPr>
-              <a:defRPr sz="3100" u="sng">
-                <a:latin typeface="YuMincho Medium"/>
-                <a:ea typeface="YuMincho Medium"/>
-                <a:cs typeface="YuMincho Medium"/>
-                <a:sym typeface="YuMincho Medium"/>
-              </a:defRPr>
-            </a:pPr>
-            <a:r>
-              <a:rPr lang="ja-JP" altLang="en-US" dirty="0"/>
-              <a:t>物理現象の一般化</a:t>
-            </a:r>
-            <a:endParaRPr lang="en-US" altLang="ja-JP" dirty="0"/>
-          </a:p>
-        </p:txBody>
-      </p:sp>
-    </p:spTree>
-    <p:extLst>
-      <p:ext uri="{BB962C8B-B14F-4D97-AF65-F5344CB8AC3E}">
-        <p14:creationId xmlns:p14="http://schemas.microsoft.com/office/powerpoint/2010/main" val="1055158939"/>
-      </p:ext>
-    </p:extLst>
-  </p:cSld>
-  <p:clrMapOvr>
-    <a:masterClrMapping/>
-  </p:clrMapOvr>
-  <p:timing>
-    <p:tnLst>
-      <p:par>
-        <p:cTn id="1" dur="indefinite" restart="never" nodeType="tmRoot"/>
-      </p:par>
-    </p:tnLst>
-  </p:timing>
-</p:sld>
-</file>
-
-<file path=ppt/slides/slide21.xml><?xml version="1.0" encoding="utf-8"?>
-<p:sld xmlns:a="http://schemas.openxmlformats.org/drawingml/2006/main" xmlns:r="http://schemas.openxmlformats.org/officeDocument/2006/relationships" xmlns:p="http://schemas.openxmlformats.org/presentationml/2006/main">
-  <p:cSld>
-    <p:spTree>
-      <p:nvGrpSpPr>
-        <p:cNvPr id="1" name=""/>
-        <p:cNvGrpSpPr/>
-        <p:nvPr/>
-      </p:nvGrpSpPr>
-      <p:grpSpPr>
-        <a:xfrm>
-          <a:off x="0" y="0"/>
-          <a:ext cx="0" cy="0"/>
-          <a:chOff x="0" y="0"/>
-          <a:chExt cx="0" cy="0"/>
-        </a:xfrm>
-      </p:grpSpPr>
-      <p:sp>
-        <p:nvSpPr>
-          <p:cNvPr id="4" name="スライド番号プレースホルダー 3">
-            <a:extLst>
-              <a:ext uri="{FF2B5EF4-FFF2-40B4-BE49-F238E27FC236}">
-                <a16:creationId xmlns:a16="http://schemas.microsoft.com/office/drawing/2014/main" id="{62C8405B-E1A8-4250-83B4-B3DC73FA8844}"/>
-              </a:ext>
-            </a:extLst>
-          </p:cNvPr>
-          <p:cNvSpPr>
-            <a:spLocks noGrp="1"/>
-          </p:cNvSpPr>
-          <p:nvPr>
-            <p:ph type="sldNum" sz="quarter" idx="12"/>
-          </p:nvPr>
-        </p:nvSpPr>
-        <p:spPr/>
-        <p:txBody>
-          <a:bodyPr/>
-          <a:lstStyle/>
-          <a:p>
-            <a:fld id="{D836F367-8F14-4921-8441-15DE2D973248}" type="slidenum">
-              <a:rPr kumimoji="1" lang="ja-JP" altLang="en-US" smtClean="0"/>
-              <a:t>21</a:t>
-            </a:fld>
-            <a:endParaRPr kumimoji="1" lang="ja-JP" altLang="en-US"/>
-          </a:p>
-        </p:txBody>
-      </p:sp>
-      <p:sp>
-        <p:nvSpPr>
-          <p:cNvPr id="7" name="Shape 130">
-            <a:extLst>
-              <a:ext uri="{FF2B5EF4-FFF2-40B4-BE49-F238E27FC236}">
-                <a16:creationId xmlns:a16="http://schemas.microsoft.com/office/drawing/2014/main" id="{62311BE2-8146-4C5F-883C-23F48775675B}"/>
-              </a:ext>
-            </a:extLst>
-          </p:cNvPr>
-          <p:cNvSpPr/>
-          <p:nvPr/>
-        </p:nvSpPr>
-        <p:spPr>
-          <a:xfrm>
-            <a:off x="179666" y="87415"/>
-            <a:ext cx="3670877" cy="579646"/>
-          </a:xfrm>
-          <a:prstGeom prst="rect">
-            <a:avLst/>
-          </a:prstGeom>
-          <a:ln w="12700">
-            <a:miter lim="400000"/>
-          </a:ln>
-          <a:extLst>
-            <a:ext uri="{C572A759-6A51-4108-AA02-DFA0A04FC94B}">
-              <ma14:wrappingTextBoxFlag xmlns="" xmlns:ma14="http://schemas.microsoft.com/office/mac/drawingml/2011/main" val="1"/>
+              <ma14:wrappingTextBoxFlag xmlns:ma14="http://schemas.microsoft.com/office/mac/drawingml/2011/main" xmlns="" val="1"/>
             </a:ext>
           </a:extLst>
         </p:spPr>
@@ -12500,10 +12199,10 @@
                   <a:t>とフローの</a:t>
                 </a:r>
                 <a:r>
-                  <a:rPr kumimoji="1" lang="ja-JP" altLang="en-US" sz="2800" b="1" dirty="0">
+                  <a:rPr kumimoji="1" lang="ja-JP" altLang="en-US" sz="2800" b="1" dirty="0" smtClean="0">
                     <a:latin typeface="Cambria Math" panose="02040503050406030204" pitchFamily="18" charset="0"/>
                   </a:rPr>
-                  <a:t>関係式</a:t>
+                  <a:t>関係式の例</a:t>
                 </a:r>
                 <a:endParaRPr kumimoji="1" lang="en-US" altLang="ja-JP" sz="2800" b="1" dirty="0">
                   <a:latin typeface="Cambria Math" panose="02040503050406030204" pitchFamily="18" charset="0"/>
@@ -13169,8 +12868,8 @@
         </p:nvSpPr>
         <p:spPr>
           <a:xfrm>
-            <a:off x="1541695" y="5155536"/>
-            <a:ext cx="9699260" cy="858875"/>
+            <a:off x="1095375" y="5005218"/>
+            <a:ext cx="10439500" cy="1019345"/>
           </a:xfrm>
           <a:prstGeom prst="roundRect">
             <a:avLst/>
@@ -13222,8 +12921,21 @@
                   <a:schemeClr val="tx1"/>
                 </a:solidFill>
               </a:rPr>
-              <a:t>ポテンシャルの高いところから低いところへ流れます</a:t>
-            </a:r>
+              <a:t>ポテンシャルの高いところから低いところへ</a:t>
+            </a:r>
+            <a:r>
+              <a:rPr kumimoji="1" lang="ja-JP" altLang="en-US" sz="2400" dirty="0" smtClean="0">
+                <a:solidFill>
+                  <a:schemeClr val="tx1"/>
+                </a:solidFill>
+              </a:rPr>
+              <a:t>流れます</a:t>
+            </a:r>
+            <a:endParaRPr kumimoji="1" lang="en-US" altLang="ja-JP" sz="2400" dirty="0" smtClean="0">
+              <a:solidFill>
+                <a:schemeClr val="tx1"/>
+              </a:solidFill>
+            </a:endParaRPr>
           </a:p>
         </p:txBody>
       </p:sp>
@@ -13412,7 +13124,7 @@
 </p:sld>
 </file>
 
-<file path=ppt/slides/slide22.xml><?xml version="1.0" encoding="utf-8"?>
+<file path=ppt/slides/slide21.xml><?xml version="1.0" encoding="utf-8"?>
 <p:sld xmlns:a="http://schemas.openxmlformats.org/drawingml/2006/main" xmlns:r="http://schemas.openxmlformats.org/officeDocument/2006/relationships" xmlns:p="http://schemas.openxmlformats.org/presentationml/2006/main">
   <p:cSld>
     <p:spTree>
@@ -13452,7 +13164,7 @@
           <a:p>
             <a:fld id="{D836F367-8F14-4921-8441-15DE2D973248}" type="slidenum">
               <a:rPr kumimoji="1" lang="ja-JP" altLang="en-US" smtClean="0"/>
-              <a:t>22</a:t>
+              <a:t>21</a:t>
             </a:fld>
             <a:endParaRPr kumimoji="1" lang="ja-JP" altLang="en-US"/>
           </a:p>
@@ -13483,7 +13195,7 @@
           </a:ln>
           <a:extLst>
             <a:ext uri="{C572A759-6A51-4108-AA02-DFA0A04FC94B}">
-              <ma14:wrappingTextBoxFlag xmlns="" xmlns:ma14="http://schemas.microsoft.com/office/mac/drawingml/2011/main" val="1"/>
+              <ma14:wrappingTextBoxFlag xmlns:ma14="http://schemas.microsoft.com/office/mac/drawingml/2011/main" xmlns="" val="1"/>
             </a:ext>
           </a:extLst>
         </p:spPr>
@@ -13539,7 +13251,7 @@
         </p:nvSpPr>
         <p:spPr>
           <a:xfrm>
-            <a:off x="704331" y="729047"/>
+            <a:off x="704331" y="781440"/>
             <a:ext cx="11380573" cy="1200329"/>
           </a:xfrm>
           <a:prstGeom prst="rect">
@@ -13554,12 +13266,54 @@
           <a:lstStyle/>
           <a:p>
             <a:r>
+              <a:rPr kumimoji="1" lang="ja-JP" altLang="en-US" sz="2400" dirty="0" smtClean="0"/>
+              <a:t>例として温度</a:t>
+            </a:r>
+            <a:r>
               <a:rPr kumimoji="1" lang="ja-JP" altLang="en-US" sz="2400" dirty="0"/>
-              <a:t>例えば、温度が高いところから低いところへ移動するという</a:t>
+              <a:t>が高いところから低いところへ移動するという</a:t>
             </a:r>
             <a:r>
               <a:rPr lang="ja-JP" altLang="en-US" sz="2400" dirty="0"/>
-              <a:t>現象は温度をポテンシャルと考えて、その差と距離の比</a:t>
+              <a:t>現象</a:t>
+            </a:r>
+            <a:r>
+              <a:rPr lang="ja-JP" altLang="en-US" sz="2400" dirty="0" smtClean="0"/>
+              <a:t>は、</a:t>
+            </a:r>
+            <a:endParaRPr lang="en-US" altLang="ja-JP" sz="2400" dirty="0" smtClean="0"/>
+          </a:p>
+          <a:p>
+            <a:r>
+              <a:rPr lang="ja-JP" altLang="en-US" sz="2400" dirty="0" smtClean="0"/>
+              <a:t>温度</a:t>
+            </a:r>
+            <a:r>
+              <a:rPr lang="ja-JP" altLang="en-US" sz="2400" dirty="0"/>
+              <a:t>を</a:t>
+            </a:r>
+            <a:r>
+              <a:rPr lang="ja-JP" altLang="en-US" sz="2400" dirty="0" smtClean="0"/>
+              <a:t>ポテンシャル、熱流量をフローと</a:t>
+            </a:r>
+            <a:r>
+              <a:rPr lang="ja-JP" altLang="en-US" sz="2400" dirty="0"/>
+              <a:t>考えて</a:t>
+            </a:r>
+            <a:r>
+              <a:rPr lang="ja-JP" altLang="en-US" sz="2400" dirty="0" smtClean="0"/>
+              <a:t>、</a:t>
+            </a:r>
+            <a:endParaRPr lang="en-US" altLang="ja-JP" sz="2400" dirty="0" smtClean="0"/>
+          </a:p>
+          <a:p>
+            <a:r>
+              <a:rPr lang="ja-JP" altLang="en-US" sz="2400" dirty="0" smtClean="0"/>
+              <a:t>温度の</a:t>
+            </a:r>
+            <a:r>
+              <a:rPr lang="ja-JP" altLang="en-US" sz="2400" dirty="0"/>
+              <a:t>差と距離の比</a:t>
             </a:r>
             <a:r>
               <a:rPr lang="en-US" altLang="ja-JP" sz="2400" dirty="0"/>
@@ -13575,23 +13329,15 @@
             </a:r>
             <a:r>
               <a:rPr lang="ja-JP" altLang="en-US" sz="2400" dirty="0"/>
-              <a:t>に比例して熱流量</a:t>
-            </a:r>
-            <a:r>
-              <a:rPr lang="en-US" altLang="ja-JP" sz="2400" dirty="0" smtClean="0"/>
-              <a:t>(</a:t>
+              <a:t>に比例</a:t>
             </a:r>
             <a:r>
               <a:rPr lang="ja-JP" altLang="en-US" sz="2400" dirty="0" smtClean="0"/>
-              <a:t>フロー</a:t>
-            </a:r>
-            <a:r>
-              <a:rPr lang="en-US" altLang="ja-JP" sz="2400" dirty="0" smtClean="0"/>
-              <a:t>)</a:t>
+              <a:t>して熱流量が</a:t>
             </a:r>
             <a:r>
               <a:rPr lang="ja-JP" altLang="en-US" sz="2400" dirty="0"/>
-              <a:t>が発生すると考えます。</a:t>
+              <a:t>発生すると考えます。</a:t>
             </a:r>
             <a:endParaRPr kumimoji="1" lang="ja-JP" altLang="en-US" sz="2400" dirty="0"/>
           </a:p>
@@ -14672,6 +14418,608 @@
 </p:sld>
 </file>
 
+<file path=ppt/slides/slide22.xml><?xml version="1.0" encoding="utf-8"?>
+<p:sld xmlns:a="http://schemas.openxmlformats.org/drawingml/2006/main" xmlns:r="http://schemas.openxmlformats.org/officeDocument/2006/relationships" xmlns:p="http://schemas.openxmlformats.org/presentationml/2006/main">
+  <p:cSld>
+    <p:spTree>
+      <p:nvGrpSpPr>
+        <p:cNvPr id="1" name=""/>
+        <p:cNvGrpSpPr/>
+        <p:nvPr/>
+      </p:nvGrpSpPr>
+      <p:grpSpPr>
+        <a:xfrm>
+          <a:off x="0" y="0"/>
+          <a:ext cx="0" cy="0"/>
+          <a:chOff x="0" y="0"/>
+          <a:chExt cx="0" cy="0"/>
+        </a:xfrm>
+      </p:grpSpPr>
+      <p:sp>
+        <p:nvSpPr>
+          <p:cNvPr id="4" name="スライド番号プレースホルダー 3">
+            <a:extLst>
+              <a:ext uri="{FF2B5EF4-FFF2-40B4-BE49-F238E27FC236}">
+                <a16:creationId xmlns:a16="http://schemas.microsoft.com/office/drawing/2014/main" id="{62C8405B-E1A8-4250-83B4-B3DC73FA8844}"/>
+              </a:ext>
+            </a:extLst>
+          </p:cNvPr>
+          <p:cNvSpPr>
+            <a:spLocks noGrp="1"/>
+          </p:cNvSpPr>
+          <p:nvPr>
+            <p:ph type="sldNum" sz="quarter" idx="12"/>
+          </p:nvPr>
+        </p:nvSpPr>
+        <p:spPr/>
+        <p:txBody>
+          <a:bodyPr/>
+          <a:lstStyle/>
+          <a:p>
+            <a:fld id="{D836F367-8F14-4921-8441-15DE2D973248}" type="slidenum">
+              <a:rPr kumimoji="1" lang="ja-JP" altLang="en-US" smtClean="0"/>
+              <a:t>22</a:t>
+            </a:fld>
+            <a:endParaRPr kumimoji="1" lang="ja-JP" altLang="en-US"/>
+          </a:p>
+        </p:txBody>
+      </p:sp>
+      <p:sp>
+        <p:nvSpPr>
+          <p:cNvPr id="7" name="Shape 130">
+            <a:extLst>
+              <a:ext uri="{FF2B5EF4-FFF2-40B4-BE49-F238E27FC236}">
+                <a16:creationId xmlns:a16="http://schemas.microsoft.com/office/drawing/2014/main" id="{62311BE2-8146-4C5F-883C-23F48775675B}"/>
+              </a:ext>
+            </a:extLst>
+          </p:cNvPr>
+          <p:cNvSpPr/>
+          <p:nvPr/>
+        </p:nvSpPr>
+        <p:spPr>
+          <a:xfrm>
+            <a:off x="179666" y="87415"/>
+            <a:ext cx="4741683" cy="579646"/>
+          </a:xfrm>
+          <a:prstGeom prst="rect">
+            <a:avLst/>
+          </a:prstGeom>
+          <a:ln w="12700">
+            <a:miter lim="400000"/>
+          </a:ln>
+          <a:extLst>
+            <a:ext uri="{C572A759-6A51-4108-AA02-DFA0A04FC94B}">
+              <ma14:wrappingTextBoxFlag xmlns:ma14="http://schemas.microsoft.com/office/mac/drawingml/2011/main" xmlns="" val="1"/>
+            </a:ext>
+          </a:extLst>
+        </p:spPr>
+        <p:txBody>
+          <a:bodyPr wrap="none" lIns="50800" tIns="50800" rIns="50800" bIns="50800" anchor="ctr">
+            <a:spAutoFit/>
+          </a:bodyPr>
+          <a:lstStyle/>
+          <a:p>
+            <a:pPr>
+              <a:defRPr sz="3100" u="sng">
+                <a:latin typeface="YuMincho Medium"/>
+                <a:ea typeface="YuMincho Medium"/>
+                <a:cs typeface="YuMincho Medium"/>
+                <a:sym typeface="YuMincho Medium"/>
+              </a:defRPr>
+            </a:pPr>
+            <a:r>
+              <a:rPr lang="ja-JP" altLang="en-US" dirty="0" smtClean="0"/>
+              <a:t>ポテンシャルと</a:t>
+            </a:r>
+            <a:r>
+              <a:rPr lang="ja-JP" altLang="en-US" dirty="0" smtClean="0"/>
+              <a:t>フロー </a:t>
+            </a:r>
+            <a:r>
+              <a:rPr lang="en-US" altLang="ja-JP" dirty="0" smtClean="0"/>
+              <a:t>- Tips</a:t>
+            </a:r>
+            <a:endParaRPr lang="en-US" altLang="ja-JP" dirty="0"/>
+          </a:p>
+        </p:txBody>
+      </p:sp>
+      <p:sp>
+        <p:nvSpPr>
+          <p:cNvPr id="21" name="テキスト ボックス 20"/>
+          <p:cNvSpPr txBox="1"/>
+          <p:nvPr/>
+        </p:nvSpPr>
+        <p:spPr>
+          <a:xfrm>
+            <a:off x="691932" y="754262"/>
+            <a:ext cx="10110460" cy="646331"/>
+          </a:xfrm>
+          <a:prstGeom prst="rect">
+            <a:avLst/>
+          </a:prstGeom>
+          <a:noFill/>
+        </p:spPr>
+        <p:txBody>
+          <a:bodyPr wrap="none" rtlCol="0">
+            <a:spAutoFit/>
+          </a:bodyPr>
+          <a:lstStyle/>
+          <a:p>
+            <a:pPr algn="l"/>
+            <a:r>
+              <a:rPr kumimoji="1" lang="ja-JP" altLang="en-US" dirty="0" smtClean="0"/>
+              <a:t>ポテンシャルやフローはツールや学問領域によって呼び方が変わります。</a:t>
+            </a:r>
+            <a:endParaRPr kumimoji="1" lang="en-US" altLang="ja-JP" dirty="0" smtClean="0"/>
+          </a:p>
+          <a:p>
+            <a:pPr algn="l"/>
+            <a:r>
+              <a:rPr lang="ja-JP" altLang="en-US" dirty="0" smtClean="0"/>
+              <a:t>どのような呼ばれ方をするかは時と場合よりますが、おおむね以下のように呼ばれています。</a:t>
+            </a:r>
+            <a:endParaRPr lang="en-US" altLang="ja-JP" dirty="0" smtClean="0"/>
+          </a:p>
+        </p:txBody>
+      </p:sp>
+      <p:graphicFrame>
+        <p:nvGraphicFramePr>
+          <p:cNvPr id="9" name="表 8"/>
+          <p:cNvGraphicFramePr>
+            <a:graphicFrameLocks noGrp="1"/>
+          </p:cNvGraphicFramePr>
+          <p:nvPr>
+            <p:extLst>
+              <p:ext uri="{D42A27DB-BD31-4B8C-83A1-F6EECF244321}">
+                <p14:modId xmlns:p14="http://schemas.microsoft.com/office/powerpoint/2010/main" val="3783998245"/>
+              </p:ext>
+            </p:extLst>
+          </p:nvPr>
+        </p:nvGraphicFramePr>
+        <p:xfrm>
+          <a:off x="1194842" y="1487794"/>
+          <a:ext cx="9412287" cy="3017520"/>
+        </p:xfrm>
+        <a:graphic>
+          <a:graphicData uri="http://schemas.openxmlformats.org/drawingml/2006/table">
+            <a:tbl>
+              <a:tblPr firstRow="1" bandRow="1">
+                <a:tableStyleId>{5C22544A-7EE6-4342-B048-85BDC9FD1C3A}</a:tableStyleId>
+              </a:tblPr>
+              <a:tblGrid>
+                <a:gridCol w="3137429">
+                  <a:extLst>
+                    <a:ext uri="{9D8B030D-6E8A-4147-A177-3AD203B41FA5}">
+                      <a16:colId xmlns:a16="http://schemas.microsoft.com/office/drawing/2014/main" val="2414833588"/>
+                    </a:ext>
+                  </a:extLst>
+                </a:gridCol>
+                <a:gridCol w="3137429">
+                  <a:extLst>
+                    <a:ext uri="{9D8B030D-6E8A-4147-A177-3AD203B41FA5}">
+                      <a16:colId xmlns:a16="http://schemas.microsoft.com/office/drawing/2014/main" val="2468258530"/>
+                    </a:ext>
+                  </a:extLst>
+                </a:gridCol>
+                <a:gridCol w="3137429">
+                  <a:extLst>
+                    <a:ext uri="{9D8B030D-6E8A-4147-A177-3AD203B41FA5}">
+                      <a16:colId xmlns:a16="http://schemas.microsoft.com/office/drawing/2014/main" val="1328812046"/>
+                    </a:ext>
+                  </a:extLst>
+                </a:gridCol>
+              </a:tblGrid>
+              <a:tr h="370840">
+                <a:tc>
+                  <a:txBody>
+                    <a:bodyPr/>
+                    <a:lstStyle/>
+                    <a:p>
+                      <a:r>
+                        <a:rPr kumimoji="1" lang="ja-JP" altLang="en-US" sz="2400" dirty="0" smtClean="0"/>
+                        <a:t>領域</a:t>
+                      </a:r>
+                      <a:endParaRPr kumimoji="1" lang="ja-JP" altLang="en-US" sz="2400" dirty="0"/>
+                    </a:p>
+                  </a:txBody>
+                  <a:tcPr/>
+                </a:tc>
+                <a:tc>
+                  <a:txBody>
+                    <a:bodyPr/>
+                    <a:lstStyle/>
+                    <a:p>
+                      <a:r>
+                        <a:rPr kumimoji="1" lang="ja-JP" altLang="en-US" sz="2400" dirty="0" smtClean="0"/>
+                        <a:t>ポテンシャル</a:t>
+                      </a:r>
+                      <a:endParaRPr kumimoji="1" lang="ja-JP" altLang="en-US" sz="2400" dirty="0"/>
+                    </a:p>
+                  </a:txBody>
+                  <a:tcPr/>
+                </a:tc>
+                <a:tc>
+                  <a:txBody>
+                    <a:bodyPr/>
+                    <a:lstStyle/>
+                    <a:p>
+                      <a:r>
+                        <a:rPr kumimoji="1" lang="ja-JP" altLang="en-US" sz="2400" dirty="0" smtClean="0"/>
+                        <a:t>フロー</a:t>
+                      </a:r>
+                      <a:endParaRPr kumimoji="1" lang="ja-JP" altLang="en-US" sz="2400" dirty="0"/>
+                    </a:p>
+                  </a:txBody>
+                  <a:tcPr/>
+                </a:tc>
+                <a:extLst>
+                  <a:ext uri="{0D108BD9-81ED-4DB2-BD59-A6C34878D82A}">
+                    <a16:rowId xmlns:a16="http://schemas.microsoft.com/office/drawing/2014/main" val="890717346"/>
+                  </a:ext>
+                </a:extLst>
+              </a:tr>
+              <a:tr h="370840">
+                <a:tc>
+                  <a:txBody>
+                    <a:bodyPr/>
+                    <a:lstStyle/>
+                    <a:p>
+                      <a:r>
+                        <a:rPr kumimoji="1" lang="ja-JP" altLang="en-US" sz="2400" dirty="0" smtClean="0"/>
+                        <a:t>ボンドグラフ</a:t>
+                      </a:r>
+                      <a:endParaRPr kumimoji="1" lang="ja-JP" altLang="en-US" sz="2400" dirty="0"/>
+                    </a:p>
+                  </a:txBody>
+                  <a:tcPr/>
+                </a:tc>
+                <a:tc>
+                  <a:txBody>
+                    <a:bodyPr/>
+                    <a:lstStyle/>
+                    <a:p>
+                      <a:r>
+                        <a:rPr kumimoji="1" lang="ja-JP" altLang="en-US" sz="2400" dirty="0" smtClean="0"/>
+                        <a:t>エフォート</a:t>
+                      </a:r>
+                      <a:endParaRPr kumimoji="1" lang="ja-JP" altLang="en-US" sz="2400" dirty="0"/>
+                    </a:p>
+                  </a:txBody>
+                  <a:tcPr/>
+                </a:tc>
+                <a:tc>
+                  <a:txBody>
+                    <a:bodyPr/>
+                    <a:lstStyle/>
+                    <a:p>
+                      <a:r>
+                        <a:rPr kumimoji="1" lang="ja-JP" altLang="en-US" sz="2400" dirty="0" smtClean="0"/>
+                        <a:t>フロー</a:t>
+                      </a:r>
+                      <a:endParaRPr kumimoji="1" lang="ja-JP" altLang="en-US" sz="2400" dirty="0"/>
+                    </a:p>
+                  </a:txBody>
+                  <a:tcPr/>
+                </a:tc>
+                <a:extLst>
+                  <a:ext uri="{0D108BD9-81ED-4DB2-BD59-A6C34878D82A}">
+                    <a16:rowId xmlns:a16="http://schemas.microsoft.com/office/drawing/2014/main" val="2253347607"/>
+                  </a:ext>
+                </a:extLst>
+              </a:tr>
+              <a:tr h="370840">
+                <a:tc>
+                  <a:txBody>
+                    <a:bodyPr/>
+                    <a:lstStyle/>
+                    <a:p>
+                      <a:r>
+                        <a:rPr kumimoji="1" lang="en-US" altLang="ja-JP" sz="2400" dirty="0" err="1" smtClean="0"/>
+                        <a:t>Matlab</a:t>
+                      </a:r>
+                      <a:r>
+                        <a:rPr kumimoji="1" lang="en-US" altLang="ja-JP" sz="2400" dirty="0" smtClean="0"/>
+                        <a:t>/Simulink</a:t>
+                      </a:r>
+                      <a:endParaRPr kumimoji="1" lang="ja-JP" altLang="en-US" sz="2400" dirty="0"/>
+                    </a:p>
+                  </a:txBody>
+                  <a:tcPr/>
+                </a:tc>
+                <a:tc>
+                  <a:txBody>
+                    <a:bodyPr/>
+                    <a:lstStyle/>
+                    <a:p>
+                      <a:r>
+                        <a:rPr kumimoji="1" lang="ja-JP" altLang="en-US" sz="2400" dirty="0" smtClean="0"/>
+                        <a:t>アクロス変数</a:t>
+                      </a:r>
+                      <a:endParaRPr kumimoji="1" lang="en-US" altLang="ja-JP" sz="2400" dirty="0" smtClean="0"/>
+                    </a:p>
+                    <a:p>
+                      <a:r>
+                        <a:rPr kumimoji="1" lang="en-US" altLang="ja-JP" sz="2400" dirty="0" smtClean="0"/>
+                        <a:t>(</a:t>
+                      </a:r>
+                      <a:r>
+                        <a:rPr kumimoji="1" lang="ja-JP" altLang="en-US" sz="2400" dirty="0" smtClean="0"/>
+                        <a:t>横断変数</a:t>
+                      </a:r>
+                      <a:r>
+                        <a:rPr kumimoji="1" lang="en-US" altLang="ja-JP" sz="2400" dirty="0" smtClean="0"/>
+                        <a:t>)</a:t>
+                      </a:r>
+                    </a:p>
+                  </a:txBody>
+                  <a:tcPr/>
+                </a:tc>
+                <a:tc>
+                  <a:txBody>
+                    <a:bodyPr/>
+                    <a:lstStyle/>
+                    <a:p>
+                      <a:r>
+                        <a:rPr kumimoji="1" lang="ja-JP" altLang="en-US" sz="2400" dirty="0" smtClean="0"/>
+                        <a:t>スルー変数</a:t>
+                      </a:r>
+                      <a:endParaRPr kumimoji="1" lang="en-US" altLang="ja-JP" sz="2400" dirty="0" smtClean="0"/>
+                    </a:p>
+                    <a:p>
+                      <a:r>
+                        <a:rPr kumimoji="1" lang="ja-JP" altLang="en-US" sz="2400" dirty="0" smtClean="0"/>
+                        <a:t>（通過変数）</a:t>
+                      </a:r>
+                      <a:endParaRPr kumimoji="1" lang="ja-JP" altLang="en-US" sz="2400" dirty="0"/>
+                    </a:p>
+                  </a:txBody>
+                  <a:tcPr/>
+                </a:tc>
+                <a:extLst>
+                  <a:ext uri="{0D108BD9-81ED-4DB2-BD59-A6C34878D82A}">
+                    <a16:rowId xmlns:a16="http://schemas.microsoft.com/office/drawing/2014/main" val="3142392160"/>
+                  </a:ext>
+                </a:extLst>
+              </a:tr>
+              <a:tr h="370840">
+                <a:tc>
+                  <a:txBody>
+                    <a:bodyPr/>
+                    <a:lstStyle/>
+                    <a:p>
+                      <a:r>
+                        <a:rPr kumimoji="1" lang="en-US" altLang="ja-JP" sz="2400" dirty="0" err="1" smtClean="0"/>
+                        <a:t>Modelica</a:t>
+                      </a:r>
+                      <a:endParaRPr kumimoji="1" lang="ja-JP" altLang="en-US" sz="2400" dirty="0"/>
+                    </a:p>
+                  </a:txBody>
+                  <a:tcPr/>
+                </a:tc>
+                <a:tc>
+                  <a:txBody>
+                    <a:bodyPr/>
+                    <a:lstStyle/>
+                    <a:p>
+                      <a:r>
+                        <a:rPr kumimoji="1" lang="ja-JP" altLang="en-US" sz="2400" dirty="0" smtClean="0"/>
+                        <a:t>アクロス変数や</a:t>
+                      </a:r>
+                      <a:endParaRPr kumimoji="1" lang="en-US" altLang="ja-JP" sz="2400" dirty="0" smtClean="0"/>
+                    </a:p>
+                    <a:p>
+                      <a:r>
+                        <a:rPr kumimoji="1" lang="ja-JP" altLang="en-US" sz="2400" dirty="0" smtClean="0"/>
+                        <a:t>ポテンシャル</a:t>
+                      </a:r>
+                      <a:endParaRPr kumimoji="1" lang="ja-JP" altLang="en-US" sz="2400" dirty="0"/>
+                    </a:p>
+                  </a:txBody>
+                  <a:tcPr/>
+                </a:tc>
+                <a:tc>
+                  <a:txBody>
+                    <a:bodyPr/>
+                    <a:lstStyle/>
+                    <a:p>
+                      <a:r>
+                        <a:rPr kumimoji="1" lang="ja-JP" altLang="en-US" sz="2400" dirty="0" smtClean="0"/>
+                        <a:t>フロー変数</a:t>
+                      </a:r>
+                      <a:endParaRPr kumimoji="1" lang="ja-JP" altLang="en-US" sz="2400" dirty="0"/>
+                    </a:p>
+                  </a:txBody>
+                  <a:tcPr/>
+                </a:tc>
+                <a:extLst>
+                  <a:ext uri="{0D108BD9-81ED-4DB2-BD59-A6C34878D82A}">
+                    <a16:rowId xmlns:a16="http://schemas.microsoft.com/office/drawing/2014/main" val="1772169044"/>
+                  </a:ext>
+                </a:extLst>
+              </a:tr>
+              <a:tr h="370840">
+                <a:tc>
+                  <a:txBody>
+                    <a:bodyPr/>
+                    <a:lstStyle/>
+                    <a:p>
+                      <a:r>
+                        <a:rPr kumimoji="1" lang="ja-JP" altLang="en-US" sz="2400" dirty="0" smtClean="0"/>
+                        <a:t>移動現象論</a:t>
+                      </a:r>
+                      <a:endParaRPr kumimoji="1" lang="ja-JP" altLang="en-US" sz="2400" dirty="0"/>
+                    </a:p>
+                  </a:txBody>
+                  <a:tcPr/>
+                </a:tc>
+                <a:tc>
+                  <a:txBody>
+                    <a:bodyPr/>
+                    <a:lstStyle/>
+                    <a:p>
+                      <a:r>
+                        <a:rPr kumimoji="1" lang="ja-JP" altLang="en-US" sz="2400" dirty="0" smtClean="0"/>
+                        <a:t>ポテンシャル</a:t>
+                      </a:r>
+                      <a:endParaRPr kumimoji="1" lang="ja-JP" altLang="en-US" sz="2400" dirty="0"/>
+                    </a:p>
+                  </a:txBody>
+                  <a:tcPr/>
+                </a:tc>
+                <a:tc>
+                  <a:txBody>
+                    <a:bodyPr/>
+                    <a:lstStyle/>
+                    <a:p>
+                      <a:r>
+                        <a:rPr kumimoji="1" lang="ja-JP" altLang="en-US" sz="2400" dirty="0" smtClean="0"/>
+                        <a:t>フラックス</a:t>
+                      </a:r>
+                      <a:r>
+                        <a:rPr kumimoji="1" lang="en-US" altLang="ja-JP" sz="2400" dirty="0" smtClean="0"/>
+                        <a:t>(</a:t>
+                      </a:r>
+                      <a:r>
+                        <a:rPr kumimoji="1" lang="ja-JP" altLang="en-US" sz="2400" dirty="0" smtClean="0"/>
+                        <a:t>流束</a:t>
+                      </a:r>
+                      <a:r>
+                        <a:rPr kumimoji="1" lang="en-US" altLang="ja-JP" sz="2400" dirty="0" smtClean="0"/>
+                        <a:t>)</a:t>
+                      </a:r>
+                    </a:p>
+                  </a:txBody>
+                  <a:tcPr/>
+                </a:tc>
+                <a:extLst>
+                  <a:ext uri="{0D108BD9-81ED-4DB2-BD59-A6C34878D82A}">
+                    <a16:rowId xmlns:a16="http://schemas.microsoft.com/office/drawing/2014/main" val="84921889"/>
+                  </a:ext>
+                </a:extLst>
+              </a:tr>
+            </a:tbl>
+          </a:graphicData>
+        </a:graphic>
+      </p:graphicFrame>
+      <p:sp>
+        <p:nvSpPr>
+          <p:cNvPr id="24" name="テキスト ボックス 23"/>
+          <p:cNvSpPr txBox="1"/>
+          <p:nvPr/>
+        </p:nvSpPr>
+        <p:spPr>
+          <a:xfrm>
+            <a:off x="753845" y="4607155"/>
+            <a:ext cx="10871160" cy="2031325"/>
+          </a:xfrm>
+          <a:prstGeom prst="rect">
+            <a:avLst/>
+          </a:prstGeom>
+          <a:noFill/>
+        </p:spPr>
+        <p:txBody>
+          <a:bodyPr wrap="square" rtlCol="0">
+            <a:spAutoFit/>
+          </a:bodyPr>
+          <a:lstStyle/>
+          <a:p>
+            <a:r>
+              <a:rPr lang="ja-JP" altLang="en-US" dirty="0" smtClean="0"/>
+              <a:t>本資料内</a:t>
+            </a:r>
+            <a:r>
+              <a:rPr lang="ja-JP" altLang="en-US" dirty="0"/>
+              <a:t>ではポテンシャルとフローを一般的な概念として考え、</a:t>
+            </a:r>
+            <a:endParaRPr lang="en-US" altLang="ja-JP" dirty="0"/>
+          </a:p>
+          <a:p>
+            <a:r>
+              <a:rPr lang="en-US" altLang="ja-JP" dirty="0" err="1" smtClean="0"/>
+              <a:t>Modelica</a:t>
+            </a:r>
+            <a:r>
+              <a:rPr lang="ja-JP" altLang="en-US" dirty="0"/>
+              <a:t>言語で実装されたものをアクロス変数とフロー変数と分けて考えます。</a:t>
+            </a:r>
+            <a:endParaRPr lang="en-US" altLang="ja-JP" dirty="0"/>
+          </a:p>
+          <a:p>
+            <a:pPr algn="l"/>
+            <a:r>
+              <a:rPr kumimoji="1" lang="ja-JP" altLang="en-US" dirty="0" smtClean="0"/>
+              <a:t>また、多くの場合ポテンシャルとフローの積はエネルギーになります。</a:t>
+            </a:r>
+            <a:endParaRPr kumimoji="1" lang="en-US" altLang="ja-JP" dirty="0" smtClean="0"/>
+          </a:p>
+          <a:p>
+            <a:r>
+              <a:rPr lang="ja-JP" altLang="en-US" dirty="0" smtClean="0"/>
+              <a:t>ボンドグラフではポテンシャル</a:t>
+            </a:r>
+            <a:r>
+              <a:rPr lang="ja-JP" altLang="en-US" dirty="0"/>
+              <a:t>とフローの</a:t>
+            </a:r>
+            <a:r>
+              <a:rPr lang="ja-JP" altLang="en-US" dirty="0" smtClean="0"/>
+              <a:t>積がエネルギーとならない場合は疑似ボンドグラフと呼ばれるそうです。</a:t>
+            </a:r>
+            <a:endParaRPr lang="en-US" altLang="ja-JP" dirty="0" smtClean="0"/>
+          </a:p>
+          <a:p>
+            <a:r>
+              <a:rPr lang="ja-JP" altLang="en-US" dirty="0" smtClean="0"/>
+              <a:t>ポテンシャルとフローだけでは流体の輸送現象を表すことが煩雑になるため</a:t>
+            </a:r>
+            <a:r>
+              <a:rPr lang="en-US" altLang="ja-JP" dirty="0" err="1" smtClean="0"/>
+              <a:t>Modelica</a:t>
+            </a:r>
+            <a:r>
+              <a:rPr lang="ja-JP" altLang="en-US" dirty="0" smtClean="0"/>
+              <a:t>では</a:t>
+            </a:r>
+            <a:r>
+              <a:rPr lang="en-US" altLang="ja-JP" dirty="0" smtClean="0"/>
+              <a:t>stream</a:t>
+            </a:r>
+            <a:r>
+              <a:rPr lang="ja-JP" altLang="en-US" dirty="0" smtClean="0"/>
+              <a:t>変数という概念を導入しています。</a:t>
+            </a:r>
+            <a:r>
+              <a:rPr lang="en-US" altLang="ja-JP" dirty="0" smtClean="0"/>
+              <a:t>Stream</a:t>
+            </a:r>
+            <a:r>
+              <a:rPr lang="ja-JP" altLang="en-US" dirty="0" smtClean="0"/>
+              <a:t>変数については別資料にて解説します。</a:t>
+            </a:r>
+            <a:endParaRPr lang="en-US" altLang="ja-JP" dirty="0" smtClean="0"/>
+          </a:p>
+        </p:txBody>
+      </p:sp>
+    </p:spTree>
+    <p:extLst>
+      <p:ext uri="{BB962C8B-B14F-4D97-AF65-F5344CB8AC3E}">
+        <p14:creationId xmlns:p14="http://schemas.microsoft.com/office/powerpoint/2010/main" val="3680810708"/>
+      </p:ext>
+    </p:extLst>
+  </p:cSld>
+  <p:clrMapOvr>
+    <a:masterClrMapping/>
+  </p:clrMapOvr>
+  <p:timing>
+    <p:tnLst>
+      <p:par>
+        <p:cTn id="1" dur="indefinite" restart="never" nodeType="tmRoot"/>
+      </p:par>
+    </p:tnLst>
+  </p:timing>
+</p:sld>
+</file>
+
 <file path=ppt/slides/slide23.xml><?xml version="1.0" encoding="utf-8"?>
 <p:sld xmlns:a="http://schemas.openxmlformats.org/drawingml/2006/main" xmlns:r="http://schemas.openxmlformats.org/officeDocument/2006/relationships" xmlns:p="http://schemas.openxmlformats.org/presentationml/2006/main">
   <p:cSld>
@@ -14743,7 +15091,7 @@
           </a:ln>
           <a:extLst>
             <a:ext uri="{C572A759-6A51-4108-AA02-DFA0A04FC94B}">
-              <ma14:wrappingTextBoxFlag xmlns="" xmlns:ma14="http://schemas.microsoft.com/office/mac/drawingml/2011/main" val="1"/>
+              <ma14:wrappingTextBoxFlag xmlns:ma14="http://schemas.microsoft.com/office/mac/drawingml/2011/main" xmlns="" val="1"/>
             </a:ext>
           </a:extLst>
         </p:spPr>
@@ -14783,10 +15131,10 @@
       </p:sp>
       <p:sp>
         <p:nvSpPr>
-          <p:cNvPr id="9" name="テキスト ボックス 8">
-            <a:extLst>
-              <a:ext uri="{FF2B5EF4-FFF2-40B4-BE49-F238E27FC236}">
-                <a16:creationId xmlns:a16="http://schemas.microsoft.com/office/drawing/2014/main" id="{C5EDB6F2-AC12-4C28-9C6F-CABB2C317D21}"/>
+          <p:cNvPr id="25" name="テキスト ボックス 24">
+            <a:extLst>
+              <a:ext uri="{FF2B5EF4-FFF2-40B4-BE49-F238E27FC236}">
+                <a16:creationId xmlns:a16="http://schemas.microsoft.com/office/drawing/2014/main" id="{29976F00-C81E-4887-A042-03755F4B519F}"/>
               </a:ext>
             </a:extLst>
           </p:cNvPr>
@@ -14795,8 +15143,8 @@
         </p:nvSpPr>
         <p:spPr>
           <a:xfrm>
-            <a:off x="704331" y="729047"/>
-            <a:ext cx="11380573" cy="830997"/>
+            <a:off x="7182296" y="5603340"/>
+            <a:ext cx="3897221" cy="400110"/>
           </a:xfrm>
           <a:prstGeom prst="rect">
             <a:avLst/>
@@ -14804,90 +15152,6 @@
           <a:noFill/>
         </p:spPr>
         <p:txBody>
-          <a:bodyPr wrap="square" rtlCol="0">
-            <a:spAutoFit/>
-          </a:bodyPr>
-          <a:lstStyle/>
-          <a:p>
-            <a:r>
-              <a:rPr lang="en-US" altLang="ja-JP" sz="2400" dirty="0" err="1"/>
-              <a:t>Modelica</a:t>
-            </a:r>
-            <a:r>
-              <a:rPr lang="ja-JP" altLang="en-US" sz="2400" dirty="0"/>
-              <a:t>では</a:t>
-            </a:r>
-            <a:r>
-              <a:rPr lang="ja-JP" altLang="en-US" sz="2400" b="1" dirty="0">
-                <a:solidFill>
-                  <a:srgbClr val="FF0000"/>
-                </a:solidFill>
-              </a:rPr>
-              <a:t>ポテンシャル</a:t>
-            </a:r>
-            <a:r>
-              <a:rPr lang="ja-JP" altLang="en-US" sz="2400" b="1" dirty="0" smtClean="0">
-                <a:solidFill>
-                  <a:srgbClr val="FF0000"/>
-                </a:solidFill>
-              </a:rPr>
-              <a:t>をアクロス変数</a:t>
-            </a:r>
-            <a:r>
-              <a:rPr lang="ja-JP" altLang="en-US" sz="2400" dirty="0"/>
-              <a:t>、</a:t>
-            </a:r>
-            <a:r>
-              <a:rPr lang="ja-JP" altLang="en-US" sz="2400" b="1" dirty="0">
-                <a:solidFill>
-                  <a:srgbClr val="FF0000"/>
-                </a:solidFill>
-              </a:rPr>
-              <a:t>フラックスをフロー</a:t>
-            </a:r>
-            <a:r>
-              <a:rPr lang="ja-JP" altLang="en-US" sz="2400" b="1" dirty="0" smtClean="0">
-                <a:solidFill>
-                  <a:srgbClr val="FF0000"/>
-                </a:solidFill>
-              </a:rPr>
-              <a:t>変数</a:t>
-            </a:r>
-            <a:r>
-              <a:rPr lang="ja-JP" altLang="en-US" sz="2400" dirty="0" smtClean="0"/>
-              <a:t>と</a:t>
-            </a:r>
-            <a:r>
-              <a:rPr lang="ja-JP" altLang="en-US" sz="2400" dirty="0"/>
-              <a:t>いう変数で取り扱います。</a:t>
-            </a:r>
-            <a:endParaRPr lang="en-US" altLang="ja-JP" sz="2400" dirty="0"/>
-          </a:p>
-        </p:txBody>
-      </p:sp>
-      <p:sp>
-        <p:nvSpPr>
-          <p:cNvPr id="25" name="テキスト ボックス 24">
-            <a:extLst>
-              <a:ext uri="{FF2B5EF4-FFF2-40B4-BE49-F238E27FC236}">
-                <a16:creationId xmlns:a16="http://schemas.microsoft.com/office/drawing/2014/main" id="{29976F00-C81E-4887-A042-03755F4B519F}"/>
-              </a:ext>
-            </a:extLst>
-          </p:cNvPr>
-          <p:cNvSpPr txBox="1"/>
-          <p:nvPr/>
-        </p:nvSpPr>
-        <p:spPr>
-          <a:xfrm>
-            <a:off x="7182297" y="6217220"/>
-            <a:ext cx="3897221" cy="400110"/>
-          </a:xfrm>
-          <a:prstGeom prst="rect">
-            <a:avLst/>
-          </a:prstGeom>
-          <a:noFill/>
-        </p:spPr>
-        <p:txBody>
           <a:bodyPr wrap="none" rtlCol="0">
             <a:spAutoFit/>
           </a:bodyPr>
@@ -14919,7 +15183,7 @@
         </p:nvSpPr>
         <p:spPr>
           <a:xfrm>
-            <a:off x="2851549" y="1633841"/>
+            <a:off x="2851548" y="1019961"/>
             <a:ext cx="5600474" cy="400110"/>
           </a:xfrm>
           <a:prstGeom prst="rect">
@@ -14960,13 +15224,13 @@
               <p:nvPr>
                 <p:extLst>
                   <p:ext uri="{D42A27DB-BD31-4B8C-83A1-F6EECF244321}">
-                    <p14:modId xmlns:p14="http://schemas.microsoft.com/office/powerpoint/2010/main" val="1964687095"/>
+                    <p14:modId xmlns:p14="http://schemas.microsoft.com/office/powerpoint/2010/main" val="2096066211"/>
                   </p:ext>
                 </p:extLst>
               </p:nvPr>
             </p:nvGraphicFramePr>
             <p:xfrm>
-              <a:off x="179666" y="2002997"/>
+              <a:off x="179665" y="1389117"/>
               <a:ext cx="11633891" cy="4198834"/>
             </p:xfrm>
             <a:graphic>
@@ -15777,13 +16041,13 @@
               <p:nvPr>
                 <p:extLst>
                   <p:ext uri="{D42A27DB-BD31-4B8C-83A1-F6EECF244321}">
-                    <p14:modId xmlns:p14="http://schemas.microsoft.com/office/powerpoint/2010/main" val="1964687095"/>
+                    <p14:modId xmlns:p14="http://schemas.microsoft.com/office/powerpoint/2010/main" val="2096066211"/>
                   </p:ext>
                 </p:extLst>
               </p:nvPr>
             </p:nvGraphicFramePr>
             <p:xfrm>
-              <a:off x="179666" y="2002997"/>
+              <a:off x="179665" y="1389117"/>
               <a:ext cx="11633891" cy="4198834"/>
             </p:xfrm>
             <a:graphic>
@@ -16542,6 +16806,610 @@
       </p:grpSpPr>
       <p:sp>
         <p:nvSpPr>
+          <p:cNvPr id="4" name="Shape 130">
+            <a:extLst>
+              <a:ext uri="{FF2B5EF4-FFF2-40B4-BE49-F238E27FC236}">
+                <a16:creationId xmlns:a16="http://schemas.microsoft.com/office/drawing/2014/main" id="{925B04DB-30E4-42E2-80C9-D742CED3A8D8}"/>
+              </a:ext>
+            </a:extLst>
+          </p:cNvPr>
+          <p:cNvSpPr/>
+          <p:nvPr/>
+        </p:nvSpPr>
+        <p:spPr>
+          <a:xfrm>
+            <a:off x="179666" y="87415"/>
+            <a:ext cx="4841069" cy="579646"/>
+          </a:xfrm>
+          <a:prstGeom prst="rect">
+            <a:avLst/>
+          </a:prstGeom>
+          <a:ln w="12700">
+            <a:miter lim="400000"/>
+          </a:ln>
+          <a:extLst>
+            <a:ext uri="{C572A759-6A51-4108-AA02-DFA0A04FC94B}">
+              <ma14:wrappingTextBoxFlag xmlns:ma14="http://schemas.microsoft.com/office/mac/drawingml/2011/main" xmlns="" val="1"/>
+            </a:ext>
+          </a:extLst>
+        </p:spPr>
+        <p:txBody>
+          <a:bodyPr wrap="none" lIns="50800" tIns="50800" rIns="50800" bIns="50800" anchor="ctr">
+            <a:spAutoFit/>
+          </a:bodyPr>
+          <a:lstStyle/>
+          <a:p>
+            <a:pPr>
+              <a:defRPr sz="3100" u="sng">
+                <a:latin typeface="YuMincho Medium"/>
+                <a:ea typeface="YuMincho Medium"/>
+                <a:cs typeface="YuMincho Medium"/>
+                <a:sym typeface="YuMincho Medium"/>
+              </a:defRPr>
+            </a:pPr>
+            <a:r>
+              <a:rPr lang="ja-JP" altLang="en-US" dirty="0"/>
+              <a:t>ポテンシャルと</a:t>
+            </a:r>
+            <a:r>
+              <a:rPr lang="ja-JP" altLang="en-US" dirty="0" smtClean="0"/>
+              <a:t>フロー </a:t>
+            </a:r>
+            <a:r>
+              <a:rPr lang="en-US" altLang="ja-JP" dirty="0" smtClean="0"/>
+              <a:t>– </a:t>
+            </a:r>
+            <a:r>
+              <a:rPr lang="ja-JP" altLang="en-US" dirty="0" smtClean="0"/>
+              <a:t>演習</a:t>
+            </a:r>
+            <a:endParaRPr lang="en-US" altLang="ja-JP" dirty="0"/>
+          </a:p>
+        </p:txBody>
+      </p:sp>
+      <p:sp>
+        <p:nvSpPr>
+          <p:cNvPr id="3" name="スライド番号プレースホルダー 2">
+            <a:extLst>
+              <a:ext uri="{FF2B5EF4-FFF2-40B4-BE49-F238E27FC236}">
+                <a16:creationId xmlns:a16="http://schemas.microsoft.com/office/drawing/2014/main" id="{C03CFA8D-F255-47FE-9956-D3EE57D24708}"/>
+              </a:ext>
+            </a:extLst>
+          </p:cNvPr>
+          <p:cNvSpPr>
+            <a:spLocks noGrp="1"/>
+          </p:cNvSpPr>
+          <p:nvPr>
+            <p:ph type="sldNum" sz="quarter" idx="12"/>
+          </p:nvPr>
+        </p:nvSpPr>
+        <p:spPr/>
+        <p:txBody>
+          <a:bodyPr/>
+          <a:lstStyle/>
+          <a:p>
+            <a:fld id="{D836F367-8F14-4921-8441-15DE2D973248}" type="slidenum">
+              <a:rPr kumimoji="1" lang="ja-JP" altLang="en-US" smtClean="0"/>
+              <a:t>24</a:t>
+            </a:fld>
+            <a:endParaRPr kumimoji="1" lang="ja-JP" altLang="en-US"/>
+          </a:p>
+        </p:txBody>
+      </p:sp>
+      <p:sp>
+        <p:nvSpPr>
+          <p:cNvPr id="19" name="テキスト ボックス 18">
+            <a:extLst>
+              <a:ext uri="{FF2B5EF4-FFF2-40B4-BE49-F238E27FC236}">
+                <a16:creationId xmlns:a16="http://schemas.microsoft.com/office/drawing/2014/main" id="{B4EF266E-5967-49EA-8D66-2FA600BC1E91}"/>
+              </a:ext>
+            </a:extLst>
+          </p:cNvPr>
+          <p:cNvSpPr txBox="1"/>
+          <p:nvPr/>
+        </p:nvSpPr>
+        <p:spPr>
+          <a:xfrm>
+            <a:off x="868154" y="961660"/>
+            <a:ext cx="10882184" cy="1200329"/>
+          </a:xfrm>
+          <a:prstGeom prst="rect">
+            <a:avLst/>
+          </a:prstGeom>
+          <a:noFill/>
+        </p:spPr>
+        <p:txBody>
+          <a:bodyPr wrap="square" rtlCol="0">
+            <a:spAutoFit/>
+          </a:bodyPr>
+          <a:lstStyle/>
+          <a:p>
+            <a:r>
+              <a:rPr kumimoji="1" lang="en-US" altLang="ja-JP" sz="2400" dirty="0" err="1"/>
+              <a:t>OpenModelica</a:t>
+            </a:r>
+            <a:r>
+              <a:rPr kumimoji="1" lang="ja-JP" altLang="en-US" sz="2400" dirty="0"/>
+              <a:t>を使用して、</a:t>
+            </a:r>
+            <a:r>
+              <a:rPr lang="en-US" altLang="ja-JP" sz="2400" dirty="0" err="1"/>
+              <a:t>Modelica.Electrical.Analog</a:t>
+            </a:r>
+            <a:r>
+              <a:rPr lang="ja-JP" altLang="en-US" sz="2400" dirty="0"/>
+              <a:t>パッケージの物理モデルに使用されているポートを確認してみて</a:t>
+            </a:r>
+            <a:r>
+              <a:rPr lang="ja-JP" altLang="en-US" sz="2400" dirty="0" smtClean="0"/>
+              <a:t>ください。</a:t>
+            </a:r>
+            <a:endParaRPr lang="en-US" altLang="ja-JP" sz="2400" dirty="0" smtClean="0"/>
+          </a:p>
+          <a:p>
+            <a:r>
+              <a:rPr lang="ja-JP" altLang="en-US" sz="2400" dirty="0" smtClean="0"/>
+              <a:t>解答は次ページです。</a:t>
+            </a:r>
+            <a:endParaRPr kumimoji="1" lang="ja-JP" altLang="en-US" sz="2400" dirty="0"/>
+          </a:p>
+        </p:txBody>
+      </p:sp>
+    </p:spTree>
+    <p:extLst>
+      <p:ext uri="{BB962C8B-B14F-4D97-AF65-F5344CB8AC3E}">
+        <p14:creationId xmlns:p14="http://schemas.microsoft.com/office/powerpoint/2010/main" val="1845673344"/>
+      </p:ext>
+    </p:extLst>
+  </p:cSld>
+  <p:clrMapOvr>
+    <a:masterClrMapping/>
+  </p:clrMapOvr>
+  <p:timing>
+    <p:tnLst>
+      <p:par>
+        <p:cTn id="1" dur="indefinite" restart="never" nodeType="tmRoot"/>
+      </p:par>
+    </p:tnLst>
+  </p:timing>
+</p:sld>
+</file>
+
+<file path=ppt/slides/slide25.xml><?xml version="1.0" encoding="utf-8"?>
+<p:sld xmlns:a="http://schemas.openxmlformats.org/drawingml/2006/main" xmlns:r="http://schemas.openxmlformats.org/officeDocument/2006/relationships" xmlns:p="http://schemas.openxmlformats.org/presentationml/2006/main">
+  <p:cSld>
+    <p:spTree>
+      <p:nvGrpSpPr>
+        <p:cNvPr id="1" name=""/>
+        <p:cNvGrpSpPr/>
+        <p:nvPr/>
+      </p:nvGrpSpPr>
+      <p:grpSpPr>
+        <a:xfrm>
+          <a:off x="0" y="0"/>
+          <a:ext cx="0" cy="0"/>
+          <a:chOff x="0" y="0"/>
+          <a:chExt cx="0" cy="0"/>
+        </a:xfrm>
+      </p:grpSpPr>
+      <p:sp>
+        <p:nvSpPr>
+          <p:cNvPr id="4" name="Shape 130">
+            <a:extLst>
+              <a:ext uri="{FF2B5EF4-FFF2-40B4-BE49-F238E27FC236}">
+                <a16:creationId xmlns:a16="http://schemas.microsoft.com/office/drawing/2014/main" id="{925B04DB-30E4-42E2-80C9-D742CED3A8D8}"/>
+              </a:ext>
+            </a:extLst>
+          </p:cNvPr>
+          <p:cNvSpPr/>
+          <p:nvPr/>
+        </p:nvSpPr>
+        <p:spPr>
+          <a:xfrm>
+            <a:off x="179666" y="87415"/>
+            <a:ext cx="6155531" cy="579646"/>
+          </a:xfrm>
+          <a:prstGeom prst="rect">
+            <a:avLst/>
+          </a:prstGeom>
+          <a:ln w="12700">
+            <a:miter lim="400000"/>
+          </a:ln>
+          <a:extLst>
+            <a:ext uri="{C572A759-6A51-4108-AA02-DFA0A04FC94B}">
+              <ma14:wrappingTextBoxFlag xmlns:ma14="http://schemas.microsoft.com/office/mac/drawingml/2011/main" xmlns="" val="1"/>
+            </a:ext>
+          </a:extLst>
+        </p:spPr>
+        <p:txBody>
+          <a:bodyPr wrap="none" lIns="50800" tIns="50800" rIns="50800" bIns="50800" anchor="ctr">
+            <a:spAutoFit/>
+          </a:bodyPr>
+          <a:lstStyle/>
+          <a:p>
+            <a:pPr>
+              <a:defRPr sz="3100" u="sng">
+                <a:latin typeface="YuMincho Medium"/>
+                <a:ea typeface="YuMincho Medium"/>
+                <a:cs typeface="YuMincho Medium"/>
+                <a:sym typeface="YuMincho Medium"/>
+              </a:defRPr>
+            </a:pPr>
+            <a:r>
+              <a:rPr lang="ja-JP" altLang="en-US" dirty="0"/>
+              <a:t>ポテンシャルとフロー </a:t>
+            </a:r>
+            <a:r>
+              <a:rPr lang="en-US" altLang="ja-JP" dirty="0"/>
+              <a:t>– </a:t>
+            </a:r>
+            <a:r>
+              <a:rPr lang="ja-JP" altLang="en-US" dirty="0" smtClean="0"/>
+              <a:t>演習 解答例</a:t>
+            </a:r>
+            <a:endParaRPr lang="en-US" altLang="ja-JP" dirty="0"/>
+          </a:p>
+        </p:txBody>
+      </p:sp>
+      <p:sp>
+        <p:nvSpPr>
+          <p:cNvPr id="3" name="スライド番号プレースホルダー 2">
+            <a:extLst>
+              <a:ext uri="{FF2B5EF4-FFF2-40B4-BE49-F238E27FC236}">
+                <a16:creationId xmlns:a16="http://schemas.microsoft.com/office/drawing/2014/main" id="{C03CFA8D-F255-47FE-9956-D3EE57D24708}"/>
+              </a:ext>
+            </a:extLst>
+          </p:cNvPr>
+          <p:cNvSpPr>
+            <a:spLocks noGrp="1"/>
+          </p:cNvSpPr>
+          <p:nvPr>
+            <p:ph type="sldNum" sz="quarter" idx="12"/>
+          </p:nvPr>
+        </p:nvSpPr>
+        <p:spPr/>
+        <p:txBody>
+          <a:bodyPr/>
+          <a:lstStyle/>
+          <a:p>
+            <a:fld id="{D836F367-8F14-4921-8441-15DE2D973248}" type="slidenum">
+              <a:rPr kumimoji="1" lang="ja-JP" altLang="en-US" smtClean="0"/>
+              <a:t>25</a:t>
+            </a:fld>
+            <a:endParaRPr kumimoji="1" lang="ja-JP" altLang="en-US"/>
+          </a:p>
+        </p:txBody>
+      </p:sp>
+      <p:sp>
+        <p:nvSpPr>
+          <p:cNvPr id="9" name="正方形/長方形 8"/>
+          <p:cNvSpPr/>
+          <p:nvPr/>
+        </p:nvSpPr>
+        <p:spPr>
+          <a:xfrm>
+            <a:off x="215170" y="766440"/>
+            <a:ext cx="8263801" cy="646331"/>
+          </a:xfrm>
+          <a:prstGeom prst="rect">
+            <a:avLst/>
+          </a:prstGeom>
+        </p:spPr>
+        <p:txBody>
+          <a:bodyPr wrap="none">
+            <a:spAutoFit/>
+          </a:bodyPr>
+          <a:lstStyle/>
+          <a:p>
+            <a:r>
+              <a:rPr lang="en-US" altLang="ja-JP" dirty="0" err="1" smtClean="0"/>
+              <a:t>Modelica.Electrical.Analog</a:t>
+            </a:r>
+            <a:r>
+              <a:rPr lang="ja-JP" altLang="en-US" dirty="0" smtClean="0"/>
+              <a:t>内の適当なモデルを開きます。</a:t>
+            </a:r>
+            <a:endParaRPr lang="en-US" altLang="ja-JP" dirty="0" smtClean="0"/>
+          </a:p>
+          <a:p>
+            <a:r>
+              <a:rPr lang="ja-JP" altLang="en-US" dirty="0"/>
+              <a:t>ポート</a:t>
+            </a:r>
+            <a:r>
+              <a:rPr lang="ja-JP" altLang="en-US" dirty="0" smtClean="0"/>
+              <a:t>にカーソルを合わせるとインスタンス元のモデルのパスが示されます。</a:t>
+            </a:r>
+            <a:endParaRPr lang="en-US" altLang="ja-JP" dirty="0" smtClean="0"/>
+          </a:p>
+        </p:txBody>
+      </p:sp>
+      <p:grpSp>
+        <p:nvGrpSpPr>
+          <p:cNvPr id="13" name="グループ化 12"/>
+          <p:cNvGrpSpPr/>
+          <p:nvPr/>
+        </p:nvGrpSpPr>
+        <p:grpSpPr>
+          <a:xfrm>
+            <a:off x="477005" y="1860446"/>
+            <a:ext cx="11481632" cy="3756160"/>
+            <a:chOff x="329645" y="2290198"/>
+            <a:chExt cx="12315186" cy="4028853"/>
+          </a:xfrm>
+        </p:grpSpPr>
+        <p:pic>
+          <p:nvPicPr>
+            <p:cNvPr id="6" name="図 5"/>
+            <p:cNvPicPr>
+              <a:picLocks noChangeAspect="1"/>
+            </p:cNvPicPr>
+            <p:nvPr/>
+          </p:nvPicPr>
+          <p:blipFill rotWithShape="1">
+            <a:blip r:embed="rId2"/>
+            <a:srcRect t="15645" r="10391" b="4733"/>
+            <a:stretch/>
+          </p:blipFill>
+          <p:spPr>
+            <a:xfrm>
+              <a:off x="329645" y="2290198"/>
+              <a:ext cx="6665044" cy="4028853"/>
+            </a:xfrm>
+            <a:prstGeom prst="rect">
+              <a:avLst/>
+            </a:prstGeom>
+          </p:spPr>
+        </p:pic>
+        <p:cxnSp>
+          <p:nvCxnSpPr>
+            <p:cNvPr id="8" name="直線矢印コネクタ 7"/>
+            <p:cNvCxnSpPr>
+              <a:endCxn id="10" idx="1"/>
+            </p:cNvCxnSpPr>
+            <p:nvPr/>
+          </p:nvCxnSpPr>
+          <p:spPr>
+            <a:xfrm flipV="1">
+              <a:off x="5684363" y="4022673"/>
+              <a:ext cx="319979" cy="665537"/>
+            </a:xfrm>
+            <a:prstGeom prst="straightConnector1">
+              <a:avLst/>
+            </a:prstGeom>
+            <a:ln w="28575">
+              <a:solidFill>
+                <a:srgbClr val="FF0000"/>
+              </a:solidFill>
+              <a:headEnd type="none" w="med" len="med"/>
+              <a:tailEnd type="triangle"/>
+            </a:ln>
+          </p:spPr>
+          <p:style>
+            <a:lnRef idx="1">
+              <a:schemeClr val="accent1"/>
+            </a:lnRef>
+            <a:fillRef idx="0">
+              <a:schemeClr val="accent1"/>
+            </a:fillRef>
+            <a:effectRef idx="0">
+              <a:schemeClr val="accent1"/>
+            </a:effectRef>
+            <a:fontRef idx="minor">
+              <a:schemeClr val="tx1"/>
+            </a:fontRef>
+          </p:style>
+        </p:cxnSp>
+        <p:sp>
+          <p:nvSpPr>
+            <p:cNvPr id="12" name="正方形/長方形 11"/>
+            <p:cNvSpPr/>
+            <p:nvPr/>
+          </p:nvSpPr>
+          <p:spPr>
+            <a:xfrm>
+              <a:off x="7126999" y="2418322"/>
+              <a:ext cx="5517832" cy="693254"/>
+            </a:xfrm>
+            <a:prstGeom prst="rect">
+              <a:avLst/>
+            </a:prstGeom>
+          </p:spPr>
+          <p:txBody>
+            <a:bodyPr wrap="none">
+              <a:spAutoFit/>
+            </a:bodyPr>
+            <a:lstStyle/>
+            <a:p>
+              <a:r>
+                <a:rPr lang="ja-JP" altLang="en-US" dirty="0" smtClean="0"/>
+                <a:t>ポートモデルを確認すると</a:t>
+              </a:r>
+              <a:r>
+                <a:rPr lang="ja-JP" altLang="en-US" dirty="0" smtClean="0">
+                  <a:solidFill>
+                    <a:srgbClr val="FF0000"/>
+                  </a:solidFill>
+                </a:rPr>
+                <a:t>ポテンシャル</a:t>
+              </a:r>
+              <a:r>
+                <a:rPr lang="ja-JP" altLang="en-US" dirty="0" smtClean="0"/>
+                <a:t>として</a:t>
+              </a:r>
+              <a:r>
+                <a:rPr lang="en-US" altLang="ja-JP" dirty="0" smtClean="0"/>
+                <a:t>v</a:t>
+              </a:r>
+            </a:p>
+            <a:p>
+              <a:r>
+                <a:rPr lang="ja-JP" altLang="en-US" dirty="0" smtClean="0">
+                  <a:solidFill>
+                    <a:srgbClr val="FF0000"/>
+                  </a:solidFill>
+                </a:rPr>
+                <a:t>フロー</a:t>
+              </a:r>
+              <a:r>
+                <a:rPr lang="ja-JP" altLang="en-US" dirty="0" smtClean="0"/>
+                <a:t>として</a:t>
+              </a:r>
+              <a:r>
+                <a:rPr lang="en-US" altLang="ja-JP" dirty="0" err="1" smtClean="0"/>
+                <a:t>i</a:t>
+              </a:r>
+              <a:r>
+                <a:rPr lang="ja-JP" altLang="en-US" dirty="0" smtClean="0"/>
+                <a:t>が定義されています</a:t>
+              </a:r>
+              <a:endParaRPr lang="en-US" altLang="ja-JP" dirty="0" smtClean="0"/>
+            </a:p>
+          </p:txBody>
+        </p:sp>
+        <p:pic>
+          <p:nvPicPr>
+            <p:cNvPr id="10" name="図 9"/>
+            <p:cNvPicPr>
+              <a:picLocks noChangeAspect="1"/>
+            </p:cNvPicPr>
+            <p:nvPr/>
+          </p:nvPicPr>
+          <p:blipFill>
+            <a:blip r:embed="rId3"/>
+            <a:stretch>
+              <a:fillRect/>
+            </a:stretch>
+          </p:blipFill>
+          <p:spPr>
+            <a:xfrm>
+              <a:off x="6004342" y="3271744"/>
+              <a:ext cx="6460043" cy="1501857"/>
+            </a:xfrm>
+            <a:prstGeom prst="rect">
+              <a:avLst/>
+            </a:prstGeom>
+            <a:ln>
+              <a:solidFill>
+                <a:schemeClr val="tx1"/>
+              </a:solidFill>
+            </a:ln>
+          </p:spPr>
+        </p:pic>
+      </p:grpSp>
+      <p:cxnSp>
+        <p:nvCxnSpPr>
+          <p:cNvPr id="20" name="直線コネクタ 19"/>
+          <p:cNvCxnSpPr/>
+          <p:nvPr/>
+        </p:nvCxnSpPr>
+        <p:spPr>
+          <a:xfrm>
+            <a:off x="9276778" y="3563441"/>
+            <a:ext cx="1050408" cy="0"/>
+          </a:xfrm>
+          <a:prstGeom prst="line">
+            <a:avLst/>
+          </a:prstGeom>
+          <a:ln w="9525">
+            <a:solidFill>
+              <a:srgbClr val="FF0000"/>
+            </a:solidFill>
+            <a:headEnd type="none" w="med" len="med"/>
+            <a:tailEnd type="none" w="med" len="med"/>
+          </a:ln>
+        </p:spPr>
+        <p:style>
+          <a:lnRef idx="1">
+            <a:schemeClr val="accent1"/>
+          </a:lnRef>
+          <a:fillRef idx="0">
+            <a:schemeClr val="accent1"/>
+          </a:fillRef>
+          <a:effectRef idx="0">
+            <a:schemeClr val="accent1"/>
+          </a:effectRef>
+          <a:fontRef idx="minor">
+            <a:schemeClr val="tx1"/>
+          </a:fontRef>
+        </p:style>
+      </p:cxnSp>
+      <p:cxnSp>
+        <p:nvCxnSpPr>
+          <p:cNvPr id="22" name="直線コネクタ 21"/>
+          <p:cNvCxnSpPr/>
+          <p:nvPr/>
+        </p:nvCxnSpPr>
+        <p:spPr>
+          <a:xfrm>
+            <a:off x="7590954" y="3857245"/>
+            <a:ext cx="1463613" cy="0"/>
+          </a:xfrm>
+          <a:prstGeom prst="line">
+            <a:avLst/>
+          </a:prstGeom>
+          <a:ln w="9525">
+            <a:solidFill>
+              <a:srgbClr val="FF0000"/>
+            </a:solidFill>
+            <a:headEnd type="none" w="med" len="med"/>
+            <a:tailEnd type="none" w="med" len="med"/>
+          </a:ln>
+        </p:spPr>
+        <p:style>
+          <a:lnRef idx="1">
+            <a:schemeClr val="accent1"/>
+          </a:lnRef>
+          <a:fillRef idx="0">
+            <a:schemeClr val="accent1"/>
+          </a:fillRef>
+          <a:effectRef idx="0">
+            <a:schemeClr val="accent1"/>
+          </a:effectRef>
+          <a:fontRef idx="minor">
+            <a:schemeClr val="tx1"/>
+          </a:fontRef>
+        </p:style>
+      </p:cxnSp>
+    </p:spTree>
+    <p:extLst>
+      <p:ext uri="{BB962C8B-B14F-4D97-AF65-F5344CB8AC3E}">
+        <p14:creationId xmlns:p14="http://schemas.microsoft.com/office/powerpoint/2010/main" val="2273614604"/>
+      </p:ext>
+    </p:extLst>
+  </p:cSld>
+  <p:clrMapOvr>
+    <a:masterClrMapping/>
+  </p:clrMapOvr>
+  <p:timing>
+    <p:tnLst>
+      <p:par>
+        <p:cTn id="1" dur="indefinite" restart="never" nodeType="tmRoot"/>
+      </p:par>
+    </p:tnLst>
+  </p:timing>
+</p:sld>
+</file>
+
+<file path=ppt/slides/slide26.xml><?xml version="1.0" encoding="utf-8"?>
+<p:sld xmlns:a="http://schemas.openxmlformats.org/drawingml/2006/main" xmlns:r="http://schemas.openxmlformats.org/officeDocument/2006/relationships" xmlns:p="http://schemas.openxmlformats.org/presentationml/2006/main">
+  <p:cSld>
+    <p:spTree>
+      <p:nvGrpSpPr>
+        <p:cNvPr id="1" name=""/>
+        <p:cNvGrpSpPr/>
+        <p:nvPr/>
+      </p:nvGrpSpPr>
+      <p:grpSpPr>
+        <a:xfrm>
+          <a:off x="0" y="0"/>
+          <a:ext cx="0" cy="0"/>
+          <a:chOff x="0" y="0"/>
+          <a:chExt cx="0" cy="0"/>
+        </a:xfrm>
+      </p:grpSpPr>
+      <p:sp>
+        <p:nvSpPr>
           <p:cNvPr id="135" name="四角形: 角を丸くする 134">
             <a:extLst>
               <a:ext uri="{FF2B5EF4-FFF2-40B4-BE49-F238E27FC236}">
@@ -16618,7 +17486,7 @@
           <a:p>
             <a:fld id="{D836F367-8F14-4921-8441-15DE2D973248}" type="slidenum">
               <a:rPr kumimoji="1" lang="ja-JP" altLang="en-US" smtClean="0"/>
-              <a:t>24</a:t>
+              <a:t>26</a:t>
             </a:fld>
             <a:endParaRPr kumimoji="1" lang="ja-JP" altLang="en-US"/>
           </a:p>
@@ -16649,7 +17517,7 @@
           </a:ln>
           <a:extLst>
             <a:ext uri="{C572A759-6A51-4108-AA02-DFA0A04FC94B}">
-              <ma14:wrappingTextBoxFlag xmlns="" xmlns:ma14="http://schemas.microsoft.com/office/mac/drawingml/2011/main" val="1"/>
+              <ma14:wrappingTextBoxFlag xmlns:ma14="http://schemas.microsoft.com/office/mac/drawingml/2011/main" xmlns="" val="1"/>
             </a:ext>
           </a:extLst>
         </p:spPr>
@@ -17664,7 +18532,7 @@
 </p:sld>
 </file>
 
-<file path=ppt/slides/slide25.xml><?xml version="1.0" encoding="utf-8"?>
+<file path=ppt/slides/slide27.xml><?xml version="1.0" encoding="utf-8"?>
 <p:sld xmlns:a="http://schemas.openxmlformats.org/drawingml/2006/main" xmlns:r="http://schemas.openxmlformats.org/officeDocument/2006/relationships" xmlns:p="http://schemas.openxmlformats.org/presentationml/2006/main">
   <p:cSld>
     <p:spTree>
@@ -17704,7 +18572,7 @@
           <a:p>
             <a:fld id="{D836F367-8F14-4921-8441-15DE2D973248}" type="slidenum">
               <a:rPr kumimoji="1" lang="ja-JP" altLang="en-US" smtClean="0"/>
-              <a:t>25</a:t>
+              <a:t>27</a:t>
             </a:fld>
             <a:endParaRPr kumimoji="1" lang="ja-JP" altLang="en-US"/>
           </a:p>
@@ -17725,7 +18593,7 @@
         <p:spPr>
           <a:xfrm>
             <a:off x="179666" y="87415"/>
-            <a:ext cx="5806077" cy="579646"/>
+            <a:ext cx="6065763" cy="579646"/>
           </a:xfrm>
           <a:prstGeom prst="rect">
             <a:avLst/>
@@ -17735,195 +18603,7 @@
           </a:ln>
           <a:extLst>
             <a:ext uri="{C572A759-6A51-4108-AA02-DFA0A04FC94B}">
-              <ma14:wrappingTextBoxFlag xmlns="" xmlns:ma14="http://schemas.microsoft.com/office/mac/drawingml/2011/main" val="1"/>
-            </a:ext>
-          </a:extLst>
-        </p:spPr>
-        <p:txBody>
-          <a:bodyPr wrap="none" lIns="50800" tIns="50800" rIns="50800" bIns="50800" anchor="ctr">
-            <a:spAutoFit/>
-          </a:bodyPr>
-          <a:lstStyle/>
-          <a:p>
-            <a:pPr>
-              <a:defRPr sz="3100" u="sng">
-                <a:latin typeface="YuMincho Medium"/>
-                <a:ea typeface="YuMincho Medium"/>
-                <a:cs typeface="YuMincho Medium"/>
-                <a:sym typeface="YuMincho Medium"/>
-              </a:defRPr>
-            </a:pPr>
-            <a:r>
-              <a:rPr lang="en-US" altLang="ja-JP" dirty="0"/>
-              <a:t>Modelica</a:t>
-            </a:r>
-            <a:r>
-              <a:rPr lang="ja-JP" altLang="en-US" dirty="0"/>
-              <a:t>でのポテンシャル</a:t>
-            </a:r>
-            <a:r>
-              <a:rPr lang="ja-JP" altLang="en-US" dirty="0" smtClean="0"/>
-              <a:t>とフロー</a:t>
-            </a:r>
-            <a:endParaRPr lang="en-US" altLang="ja-JP" dirty="0"/>
-          </a:p>
-        </p:txBody>
-      </p:sp>
-      <p:sp>
-        <p:nvSpPr>
-          <p:cNvPr id="8" name="テキスト ボックス 7">
-            <a:extLst>
-              <a:ext uri="{FF2B5EF4-FFF2-40B4-BE49-F238E27FC236}">
-                <a16:creationId xmlns:a16="http://schemas.microsoft.com/office/drawing/2014/main" id="{D04A544A-95A1-4A2C-9C87-71B9104E243F}"/>
-              </a:ext>
-            </a:extLst>
-          </p:cNvPr>
-          <p:cNvSpPr txBox="1"/>
-          <p:nvPr/>
-        </p:nvSpPr>
-        <p:spPr>
-          <a:xfrm>
-            <a:off x="5531071" y="1155142"/>
-            <a:ext cx="6159058" cy="369332"/>
-          </a:xfrm>
-          <a:prstGeom prst="rect">
-            <a:avLst/>
-          </a:prstGeom>
-          <a:noFill/>
-        </p:spPr>
-        <p:txBody>
-          <a:bodyPr wrap="none" rtlCol="0">
-            <a:spAutoFit/>
-          </a:bodyPr>
-          <a:lstStyle/>
-          <a:p>
-            <a:r>
-              <a:rPr lang="en-US" altLang="ja-JP" b="1" baseline="30000" dirty="0"/>
-              <a:t>*1 </a:t>
-            </a:r>
-            <a:r>
-              <a:rPr kumimoji="1" lang="ja-JP" altLang="en-US" dirty="0"/>
-              <a:t>フロー変数は</a:t>
-            </a:r>
-            <a:r>
-              <a:rPr kumimoji="1" lang="en-US" altLang="ja-JP" dirty="0"/>
-              <a:t>Simulink</a:t>
-            </a:r>
-            <a:r>
-              <a:rPr kumimoji="1" lang="ja-JP" altLang="en-US" dirty="0"/>
-              <a:t>など</a:t>
-            </a:r>
-            <a:r>
-              <a:rPr kumimoji="1" lang="ja-JP" altLang="en-US"/>
-              <a:t>で</a:t>
-            </a:r>
-            <a:r>
-              <a:rPr kumimoji="1" lang="ja-JP" altLang="en-US" smtClean="0"/>
-              <a:t>はスルー変数</a:t>
-            </a:r>
-            <a:r>
-              <a:rPr kumimoji="1" lang="ja-JP" altLang="en-US" dirty="0" smtClean="0"/>
-              <a:t>と</a:t>
-            </a:r>
-            <a:r>
-              <a:rPr kumimoji="1" lang="ja-JP" altLang="en-US" dirty="0"/>
-              <a:t>呼ばれます</a:t>
-            </a:r>
-          </a:p>
-        </p:txBody>
-      </p:sp>
-    </p:spTree>
-    <p:extLst>
-      <p:ext uri="{BB962C8B-B14F-4D97-AF65-F5344CB8AC3E}">
-        <p14:creationId xmlns:p14="http://schemas.microsoft.com/office/powerpoint/2010/main" val="314113868"/>
-      </p:ext>
-    </p:extLst>
-  </p:cSld>
-  <p:clrMapOvr>
-    <a:masterClrMapping/>
-  </p:clrMapOvr>
-  <p:timing>
-    <p:tnLst>
-      <p:par>
-        <p:cTn id="1" dur="indefinite" restart="never" nodeType="tmRoot"/>
-      </p:par>
-    </p:tnLst>
-  </p:timing>
-</p:sld>
-</file>
-
-<file path=ppt/slides/slide26.xml><?xml version="1.0" encoding="utf-8"?>
-<p:sld xmlns:a="http://schemas.openxmlformats.org/drawingml/2006/main" xmlns:r="http://schemas.openxmlformats.org/officeDocument/2006/relationships" xmlns:p="http://schemas.openxmlformats.org/presentationml/2006/main">
-  <p:cSld>
-    <p:spTree>
-      <p:nvGrpSpPr>
-        <p:cNvPr id="1" name=""/>
-        <p:cNvGrpSpPr/>
-        <p:nvPr/>
-      </p:nvGrpSpPr>
-      <p:grpSpPr>
-        <a:xfrm>
-          <a:off x="0" y="0"/>
-          <a:ext cx="0" cy="0"/>
-          <a:chOff x="0" y="0"/>
-          <a:chExt cx="0" cy="0"/>
-        </a:xfrm>
-      </p:grpSpPr>
-      <p:sp>
-        <p:nvSpPr>
-          <p:cNvPr id="4" name="スライド番号プレースホルダー 3">
-            <a:extLst>
-              <a:ext uri="{FF2B5EF4-FFF2-40B4-BE49-F238E27FC236}">
-                <a16:creationId xmlns:a16="http://schemas.microsoft.com/office/drawing/2014/main" id="{62C8405B-E1A8-4250-83B4-B3DC73FA8844}"/>
-              </a:ext>
-            </a:extLst>
-          </p:cNvPr>
-          <p:cNvSpPr>
-            <a:spLocks noGrp="1"/>
-          </p:cNvSpPr>
-          <p:nvPr>
-            <p:ph type="sldNum" sz="quarter" idx="12"/>
-          </p:nvPr>
-        </p:nvSpPr>
-        <p:spPr/>
-        <p:txBody>
-          <a:bodyPr/>
-          <a:lstStyle/>
-          <a:p>
-            <a:fld id="{D836F367-8F14-4921-8441-15DE2D973248}" type="slidenum">
-              <a:rPr kumimoji="1" lang="ja-JP" altLang="en-US" smtClean="0"/>
-              <a:t>26</a:t>
-            </a:fld>
-            <a:endParaRPr kumimoji="1" lang="ja-JP" altLang="en-US"/>
-          </a:p>
-        </p:txBody>
-      </p:sp>
-      <p:sp>
-        <p:nvSpPr>
-          <p:cNvPr id="7" name="Shape 130">
-            <a:extLst>
-              <a:ext uri="{FF2B5EF4-FFF2-40B4-BE49-F238E27FC236}">
-                <a16:creationId xmlns:a16="http://schemas.microsoft.com/office/drawing/2014/main" id="{62311BE2-8146-4C5F-883C-23F48775675B}"/>
-              </a:ext>
-            </a:extLst>
-          </p:cNvPr>
-          <p:cNvSpPr/>
-          <p:nvPr/>
-        </p:nvSpPr>
-        <p:spPr>
-          <a:xfrm>
-            <a:off x="179666" y="87415"/>
-            <a:ext cx="6065763" cy="579646"/>
-          </a:xfrm>
-          <a:prstGeom prst="rect">
-            <a:avLst/>
-          </a:prstGeom>
-          <a:ln w="12700">
-            <a:miter lim="400000"/>
-          </a:ln>
-          <a:extLst>
-            <a:ext uri="{C572A759-6A51-4108-AA02-DFA0A04FC94B}">
-              <ma14:wrappingTextBoxFlag xmlns="" xmlns:ma14="http://schemas.microsoft.com/office/mac/drawingml/2011/main" val="1"/>
+              <ma14:wrappingTextBoxFlag xmlns:ma14="http://schemas.microsoft.com/office/mac/drawingml/2011/main" xmlns="" val="1"/>
             </a:ext>
           </a:extLst>
         </p:spPr>
@@ -18450,7 +19130,7 @@
 </p:sld>
 </file>
 
-<file path=ppt/slides/slide27.xml><?xml version="1.0" encoding="utf-8"?>
+<file path=ppt/slides/slide28.xml><?xml version="1.0" encoding="utf-8"?>
 <p:sld xmlns:a="http://schemas.openxmlformats.org/drawingml/2006/main" xmlns:r="http://schemas.openxmlformats.org/officeDocument/2006/relationships" xmlns:p="http://schemas.openxmlformats.org/presentationml/2006/main">
   <p:cSld>
     <p:spTree>
@@ -18492,7 +19172,7 @@
           </a:ln>
           <a:extLst>
             <a:ext uri="{C572A759-6A51-4108-AA02-DFA0A04FC94B}">
-              <ma14:wrappingTextBoxFlag xmlns="" xmlns:ma14="http://schemas.microsoft.com/office/mac/drawingml/2011/main" val="1"/>
+              <ma14:wrappingTextBoxFlag xmlns:ma14="http://schemas.microsoft.com/office/mac/drawingml/2011/main" xmlns="" val="1"/>
             </a:ext>
           </a:extLst>
         </p:spPr>
@@ -18613,8 +19293,8 @@
         </p:nvSpPr>
         <p:spPr>
           <a:xfrm>
-            <a:off x="5368112" y="2624711"/>
-            <a:ext cx="3570208" cy="461665"/>
+            <a:off x="5101404" y="2624711"/>
+            <a:ext cx="7202613" cy="830997"/>
           </a:xfrm>
           <a:prstGeom prst="rect">
             <a:avLst/>
@@ -18627,11 +19307,35 @@
           </a:bodyPr>
           <a:lstStyle/>
           <a:p>
+            <a:r>
+              <a:rPr kumimoji="1" lang="ja-JP" altLang="en-US" sz="2400" b="1" u="sng" dirty="0"/>
+              <a:t>アクロス変数の接続の</a:t>
+            </a:r>
+            <a:r>
+              <a:rPr kumimoji="1" lang="ja-JP" altLang="en-US" sz="2400" b="1" u="sng" dirty="0" smtClean="0"/>
+              <a:t>式</a:t>
+            </a:r>
+            <a:r>
+              <a:rPr lang="en-US" altLang="ja-JP" sz="2400" b="1" u="sng" dirty="0"/>
+              <a:t>(</a:t>
+            </a:r>
+            <a:r>
+              <a:rPr lang="ja-JP" altLang="en-US" sz="2400" b="1" u="sng" dirty="0"/>
+              <a:t>キルヒホッフの</a:t>
+            </a:r>
+            <a:r>
+              <a:rPr lang="ja-JP" altLang="en-US" sz="2400" b="1" u="sng" dirty="0" smtClean="0"/>
+              <a:t>第二法則</a:t>
+            </a:r>
+            <a:r>
+              <a:rPr lang="en-US" altLang="ja-JP" sz="2400" b="1" u="sng" dirty="0"/>
+              <a:t>)</a:t>
+            </a:r>
+            <a:endParaRPr lang="ja-JP" altLang="en-US" sz="2400" b="1" u="sng" dirty="0"/>
+          </a:p>
+          <a:p>
             <a:pPr algn="l"/>
-            <a:r>
-              <a:rPr kumimoji="1" lang="ja-JP" altLang="en-US" sz="2400" b="1" u="sng" dirty="0"/>
-              <a:t>アクロス変数の接続の式</a:t>
-            </a:r>
+            <a:endParaRPr kumimoji="1" lang="ja-JP" altLang="en-US" sz="2400" b="1" u="sng" dirty="0"/>
           </a:p>
         </p:txBody>
       </p:sp>
@@ -18649,8 +19353,8 @@
         </p:nvSpPr>
         <p:spPr>
           <a:xfrm>
-            <a:off x="5368112" y="3970904"/>
-            <a:ext cx="3262432" cy="461665"/>
+            <a:off x="5101404" y="3970904"/>
+            <a:ext cx="6894836" cy="461665"/>
           </a:xfrm>
           <a:prstGeom prst="rect">
             <a:avLst/>
@@ -18669,7 +19373,23 @@
             </a:r>
             <a:r>
               <a:rPr lang="ja-JP" altLang="en-US" sz="2400" b="1" u="sng" dirty="0"/>
-              <a:t>変数の接続の式</a:t>
+              <a:t>変数の接続の</a:t>
+            </a:r>
+            <a:r>
+              <a:rPr lang="ja-JP" altLang="en-US" sz="2400" b="1" u="sng" dirty="0" smtClean="0"/>
+              <a:t>式</a:t>
+            </a:r>
+            <a:r>
+              <a:rPr lang="en-US" altLang="ja-JP" sz="2400" b="1" u="sng" dirty="0" smtClean="0"/>
+              <a:t>(</a:t>
+            </a:r>
+            <a:r>
+              <a:rPr lang="ja-JP" altLang="en-US" sz="2400" b="1" u="sng" dirty="0" smtClean="0"/>
+              <a:t>キルヒホッフの第一法則</a:t>
+            </a:r>
+            <a:r>
+              <a:rPr lang="en-US" altLang="ja-JP" sz="2400" b="1" u="sng" dirty="0" smtClean="0"/>
+              <a:t>)</a:t>
             </a:r>
             <a:endParaRPr kumimoji="1" lang="ja-JP" altLang="en-US" sz="2400" b="1" u="sng" dirty="0"/>
           </a:p>
@@ -20177,7 +20897,7 @@
           <a:p>
             <a:fld id="{D836F367-8F14-4921-8441-15DE2D973248}" type="slidenum">
               <a:rPr kumimoji="1" lang="ja-JP" altLang="en-US" smtClean="0"/>
-              <a:t>27</a:t>
+              <a:t>28</a:t>
             </a:fld>
             <a:endParaRPr kumimoji="1" lang="ja-JP" altLang="en-US"/>
           </a:p>
@@ -20203,7 +20923,7 @@
 </p:sld>
 </file>
 
-<file path=ppt/slides/slide28.xml><?xml version="1.0" encoding="utf-8"?>
+<file path=ppt/slides/slide29.xml><?xml version="1.0" encoding="utf-8"?>
 <p:sld xmlns:a="http://schemas.openxmlformats.org/drawingml/2006/main" xmlns:r="http://schemas.openxmlformats.org/officeDocument/2006/relationships" xmlns:p="http://schemas.openxmlformats.org/presentationml/2006/main">
   <p:cSld>
     <p:spTree>
@@ -20298,7 +21018,7 @@
           <a:p>
             <a:fld id="{D836F367-8F14-4921-8441-15DE2D973248}" type="slidenum">
               <a:rPr kumimoji="1" lang="ja-JP" altLang="en-US" smtClean="0"/>
-              <a:t>28</a:t>
+              <a:t>29</a:t>
             </a:fld>
             <a:endParaRPr kumimoji="1" lang="ja-JP" altLang="en-US"/>
           </a:p>
@@ -20329,7 +21049,7 @@
           </a:ln>
           <a:extLst>
             <a:ext uri="{C572A759-6A51-4108-AA02-DFA0A04FC94B}">
-              <ma14:wrappingTextBoxFlag xmlns="" xmlns:ma14="http://schemas.microsoft.com/office/mac/drawingml/2011/main" val="1"/>
+              <ma14:wrappingTextBoxFlag xmlns:ma14="http://schemas.microsoft.com/office/mac/drawingml/2011/main" xmlns="" val="1"/>
             </a:ext>
           </a:extLst>
         </p:spPr>
@@ -21230,911 +21950,6 @@
 </p:sld>
 </file>
 
-<file path=ppt/slides/slide29.xml><?xml version="1.0" encoding="utf-8"?>
-<p:sld xmlns:a="http://schemas.openxmlformats.org/drawingml/2006/main" xmlns:r="http://schemas.openxmlformats.org/officeDocument/2006/relationships" xmlns:p="http://schemas.openxmlformats.org/presentationml/2006/main">
-  <p:cSld>
-    <p:spTree>
-      <p:nvGrpSpPr>
-        <p:cNvPr id="1" name=""/>
-        <p:cNvGrpSpPr/>
-        <p:nvPr/>
-      </p:nvGrpSpPr>
-      <p:grpSpPr>
-        <a:xfrm>
-          <a:off x="0" y="0"/>
-          <a:ext cx="0" cy="0"/>
-          <a:chOff x="0" y="0"/>
-          <a:chExt cx="0" cy="0"/>
-        </a:xfrm>
-      </p:grpSpPr>
-      <p:sp>
-        <p:nvSpPr>
-          <p:cNvPr id="4" name="スライド番号プレースホルダー 3">
-            <a:extLst>
-              <a:ext uri="{FF2B5EF4-FFF2-40B4-BE49-F238E27FC236}">
-                <a16:creationId xmlns:a16="http://schemas.microsoft.com/office/drawing/2014/main" id="{62C8405B-E1A8-4250-83B4-B3DC73FA8844}"/>
-              </a:ext>
-            </a:extLst>
-          </p:cNvPr>
-          <p:cNvSpPr>
-            <a:spLocks noGrp="1"/>
-          </p:cNvSpPr>
-          <p:nvPr>
-            <p:ph type="sldNum" sz="quarter" idx="12"/>
-          </p:nvPr>
-        </p:nvSpPr>
-        <p:spPr>
-          <a:xfrm>
-            <a:off x="8610600" y="6356350"/>
-            <a:ext cx="2743200" cy="365125"/>
-          </a:xfrm>
-        </p:spPr>
-        <p:txBody>
-          <a:bodyPr/>
-          <a:lstStyle/>
-          <a:p>
-            <a:fld id="{D836F367-8F14-4921-8441-15DE2D973248}" type="slidenum">
-              <a:rPr kumimoji="1" lang="ja-JP" altLang="en-US" smtClean="0"/>
-              <a:t>29</a:t>
-            </a:fld>
-            <a:endParaRPr kumimoji="1" lang="ja-JP" altLang="en-US"/>
-          </a:p>
-        </p:txBody>
-      </p:sp>
-      <p:sp>
-        <p:nvSpPr>
-          <p:cNvPr id="7" name="Shape 130">
-            <a:extLst>
-              <a:ext uri="{FF2B5EF4-FFF2-40B4-BE49-F238E27FC236}">
-                <a16:creationId xmlns:a16="http://schemas.microsoft.com/office/drawing/2014/main" id="{62311BE2-8146-4C5F-883C-23F48775675B}"/>
-              </a:ext>
-            </a:extLst>
-          </p:cNvPr>
-          <p:cNvSpPr/>
-          <p:nvPr/>
-        </p:nvSpPr>
-        <p:spPr>
-          <a:xfrm>
-            <a:off x="179666" y="87415"/>
-            <a:ext cx="6646050" cy="579646"/>
-          </a:xfrm>
-          <a:prstGeom prst="rect">
-            <a:avLst/>
-          </a:prstGeom>
-          <a:ln w="12700">
-            <a:miter lim="400000"/>
-          </a:ln>
-          <a:extLst>
-            <a:ext uri="{C572A759-6A51-4108-AA02-DFA0A04FC94B}">
-              <ma14:wrappingTextBoxFlag xmlns="" xmlns:ma14="http://schemas.microsoft.com/office/mac/drawingml/2011/main" val="1"/>
-            </a:ext>
-          </a:extLst>
-        </p:spPr>
-        <p:txBody>
-          <a:bodyPr wrap="none" lIns="50800" tIns="50800" rIns="50800" bIns="50800" anchor="ctr">
-            <a:spAutoFit/>
-          </a:bodyPr>
-          <a:lstStyle/>
-          <a:p>
-            <a:pPr>
-              <a:defRPr sz="3100" u="sng">
-                <a:latin typeface="YuMincho Medium"/>
-                <a:ea typeface="YuMincho Medium"/>
-                <a:cs typeface="YuMincho Medium"/>
-                <a:sym typeface="YuMincho Medium"/>
-              </a:defRPr>
-            </a:pPr>
-            <a:r>
-              <a:rPr lang="ja-JP" altLang="en-US" dirty="0"/>
-              <a:t>フロー変数の具体例 </a:t>
-            </a:r>
-            <a:r>
-              <a:rPr lang="en-US" altLang="ja-JP" dirty="0"/>
-              <a:t>– 2</a:t>
-            </a:r>
-            <a:r>
-              <a:rPr lang="ja-JP" altLang="en-US" dirty="0"/>
-              <a:t>モデルの接続</a:t>
-            </a:r>
-            <a:endParaRPr lang="en-US" altLang="ja-JP" dirty="0"/>
-          </a:p>
-        </p:txBody>
-      </p:sp>
-      <p:sp>
-        <p:nvSpPr>
-          <p:cNvPr id="15" name="テキスト ボックス 14">
-            <a:extLst>
-              <a:ext uri="{FF2B5EF4-FFF2-40B4-BE49-F238E27FC236}">
-                <a16:creationId xmlns:a16="http://schemas.microsoft.com/office/drawing/2014/main" id="{1705E387-FFC3-4730-98F1-2AF0BAE8990F}"/>
-              </a:ext>
-            </a:extLst>
-          </p:cNvPr>
-          <p:cNvSpPr txBox="1"/>
-          <p:nvPr/>
-        </p:nvSpPr>
-        <p:spPr>
-          <a:xfrm>
-            <a:off x="901968" y="742891"/>
-            <a:ext cx="10565101" cy="1323439"/>
-          </a:xfrm>
-          <a:prstGeom prst="rect">
-            <a:avLst/>
-          </a:prstGeom>
-          <a:noFill/>
-        </p:spPr>
-        <p:txBody>
-          <a:bodyPr wrap="square" rtlCol="0">
-            <a:spAutoFit/>
-          </a:bodyPr>
-          <a:lstStyle/>
-          <a:p>
-            <a:r>
-              <a:rPr lang="ja-JP" altLang="en-US" sz="2000" dirty="0"/>
-              <a:t>続いてフロー変数の計算式を熱流量</a:t>
-            </a:r>
-            <a:r>
-              <a:rPr lang="en-US" altLang="ja-JP" sz="2000" dirty="0"/>
-              <a:t>Q</a:t>
-            </a:r>
-            <a:r>
-              <a:rPr lang="ja-JP" altLang="en-US" sz="2000" dirty="0"/>
-              <a:t>を例に解説します</a:t>
-            </a:r>
-            <a:endParaRPr lang="en-US" altLang="ja-JP" sz="2000" dirty="0"/>
-          </a:p>
-          <a:p>
-            <a:endParaRPr lang="en-US" altLang="ja-JP" sz="2000" dirty="0"/>
-          </a:p>
-          <a:p>
-            <a:r>
-              <a:rPr lang="ja-JP" altLang="en-US" sz="2000" dirty="0"/>
-              <a:t>以下のモデルにおいて、</a:t>
-            </a:r>
-            <a:r>
-              <a:rPr lang="en-US" altLang="ja-JP" sz="2000" dirty="0"/>
-              <a:t>A</a:t>
-            </a:r>
-            <a:r>
-              <a:rPr lang="ja-JP" altLang="en-US" sz="2000" dirty="0"/>
-              <a:t>モデルのポート熱流量を</a:t>
-            </a:r>
-            <a:r>
-              <a:rPr lang="en-US" altLang="ja-JP" sz="2000" dirty="0"/>
-              <a:t>Q</a:t>
-            </a:r>
-            <a:r>
-              <a:rPr lang="en-US" altLang="ja-JP" sz="2000" baseline="-25000" dirty="0"/>
-              <a:t>A</a:t>
-            </a:r>
-            <a:r>
-              <a:rPr lang="en-US" altLang="ja-JP" sz="2000" dirty="0"/>
-              <a:t>(=10W)</a:t>
-            </a:r>
-            <a:r>
-              <a:rPr lang="ja-JP" altLang="en-US" sz="2000" dirty="0"/>
-              <a:t>とします</a:t>
-            </a:r>
-            <a:r>
-              <a:rPr lang="ja-JP" altLang="en-US" sz="2000" dirty="0" smtClean="0"/>
-              <a:t>。</a:t>
-            </a:r>
-            <a:endParaRPr lang="en-US" altLang="ja-JP" sz="2000" dirty="0" smtClean="0"/>
-          </a:p>
-          <a:p>
-            <a:r>
-              <a:rPr lang="en-US" altLang="ja-JP" sz="2000" dirty="0" smtClean="0"/>
-              <a:t>B</a:t>
-            </a:r>
-            <a:r>
-              <a:rPr lang="ja-JP" altLang="en-US" sz="2000" dirty="0" smtClean="0"/>
-              <a:t>モデルのポート熱流量はいくらになるでしょうか？</a:t>
-            </a:r>
-            <a:endParaRPr lang="en-US" altLang="ja-JP" sz="2000" dirty="0" smtClean="0"/>
-          </a:p>
-        </p:txBody>
-      </p:sp>
-      <p:sp>
-        <p:nvSpPr>
-          <p:cNvPr id="20" name="正方形/長方形 19">
-            <a:extLst>
-              <a:ext uri="{FF2B5EF4-FFF2-40B4-BE49-F238E27FC236}">
-                <a16:creationId xmlns:a16="http://schemas.microsoft.com/office/drawing/2014/main" id="{3D021193-D2C7-448C-B17A-6C6B66F69F15}"/>
-              </a:ext>
-            </a:extLst>
-          </p:cNvPr>
-          <p:cNvSpPr/>
-          <p:nvPr/>
-        </p:nvSpPr>
-        <p:spPr>
-          <a:xfrm>
-            <a:off x="1372289" y="2533086"/>
-            <a:ext cx="1325575" cy="1223319"/>
-          </a:xfrm>
-          <a:prstGeom prst="rect">
-            <a:avLst/>
-          </a:prstGeom>
-        </p:spPr>
-        <p:style>
-          <a:lnRef idx="2">
-            <a:schemeClr val="accent1">
-              <a:shade val="50000"/>
-            </a:schemeClr>
-          </a:lnRef>
-          <a:fillRef idx="1">
-            <a:schemeClr val="accent1"/>
-          </a:fillRef>
-          <a:effectRef idx="0">
-            <a:schemeClr val="accent1"/>
-          </a:effectRef>
-          <a:fontRef idx="minor">
-            <a:schemeClr val="lt1"/>
-          </a:fontRef>
-        </p:style>
-        <p:txBody>
-          <a:bodyPr rtlCol="0" anchor="ctr"/>
-          <a:lstStyle/>
-          <a:p>
-            <a:pPr algn="ctr"/>
-            <a:r>
-              <a:rPr kumimoji="1" lang="en-US" altLang="ja-JP" sz="4000" dirty="0"/>
-              <a:t>A</a:t>
-            </a:r>
-            <a:endParaRPr kumimoji="1" lang="ja-JP" altLang="en-US" sz="4000" dirty="0"/>
-          </a:p>
-        </p:txBody>
-      </p:sp>
-      <p:sp>
-        <p:nvSpPr>
-          <p:cNvPr id="22" name="正方形/長方形 21">
-            <a:extLst>
-              <a:ext uri="{FF2B5EF4-FFF2-40B4-BE49-F238E27FC236}">
-                <a16:creationId xmlns:a16="http://schemas.microsoft.com/office/drawing/2014/main" id="{C6DDD114-F871-4579-B19E-246FE0EE1974}"/>
-              </a:ext>
-            </a:extLst>
-          </p:cNvPr>
-          <p:cNvSpPr/>
-          <p:nvPr/>
-        </p:nvSpPr>
-        <p:spPr>
-          <a:xfrm>
-            <a:off x="4035170" y="2533086"/>
-            <a:ext cx="1325575" cy="1223319"/>
-          </a:xfrm>
-          <a:prstGeom prst="rect">
-            <a:avLst/>
-          </a:prstGeom>
-        </p:spPr>
-        <p:style>
-          <a:lnRef idx="2">
-            <a:schemeClr val="accent1">
-              <a:shade val="50000"/>
-            </a:schemeClr>
-          </a:lnRef>
-          <a:fillRef idx="1">
-            <a:schemeClr val="accent1"/>
-          </a:fillRef>
-          <a:effectRef idx="0">
-            <a:schemeClr val="accent1"/>
-          </a:effectRef>
-          <a:fontRef idx="minor">
-            <a:schemeClr val="lt1"/>
-          </a:fontRef>
-        </p:style>
-        <p:txBody>
-          <a:bodyPr rtlCol="0" anchor="ctr"/>
-          <a:lstStyle/>
-          <a:p>
-            <a:pPr algn="ctr"/>
-            <a:r>
-              <a:rPr kumimoji="1" lang="en-US" altLang="ja-JP" sz="4000" dirty="0"/>
-              <a:t>B</a:t>
-            </a:r>
-            <a:endParaRPr kumimoji="1" lang="ja-JP" altLang="en-US" sz="4000" dirty="0"/>
-          </a:p>
-        </p:txBody>
-      </p:sp>
-      <p:cxnSp>
-        <p:nvCxnSpPr>
-          <p:cNvPr id="24" name="直線矢印コネクタ 23">
-            <a:extLst>
-              <a:ext uri="{FF2B5EF4-FFF2-40B4-BE49-F238E27FC236}">
-                <a16:creationId xmlns:a16="http://schemas.microsoft.com/office/drawing/2014/main" id="{13796A95-89FB-46BE-B547-18A39D7E0504}"/>
-              </a:ext>
-            </a:extLst>
-          </p:cNvPr>
-          <p:cNvCxnSpPr>
-            <a:stCxn id="20" idx="3"/>
-            <a:endCxn id="22" idx="1"/>
-          </p:cNvCxnSpPr>
-          <p:nvPr/>
-        </p:nvCxnSpPr>
-        <p:spPr>
-          <a:xfrm>
-            <a:off x="2697864" y="3144746"/>
-            <a:ext cx="1337306" cy="0"/>
-          </a:xfrm>
-          <a:prstGeom prst="straightConnector1">
-            <a:avLst/>
-          </a:prstGeom>
-          <a:ln w="28575">
-            <a:solidFill>
-              <a:srgbClr val="FF0000"/>
-            </a:solidFill>
-            <a:headEnd type="none" w="med" len="med"/>
-            <a:tailEnd type="none" w="med" len="med"/>
-          </a:ln>
-        </p:spPr>
-        <p:style>
-          <a:lnRef idx="1">
-            <a:schemeClr val="accent1"/>
-          </a:lnRef>
-          <a:fillRef idx="0">
-            <a:schemeClr val="accent1"/>
-          </a:fillRef>
-          <a:effectRef idx="0">
-            <a:schemeClr val="accent1"/>
-          </a:effectRef>
-          <a:fontRef idx="minor">
-            <a:schemeClr val="tx1"/>
-          </a:fontRef>
-        </p:style>
-      </p:cxnSp>
-      <p:sp>
-        <p:nvSpPr>
-          <p:cNvPr id="25" name="テキスト ボックス 24">
-            <a:extLst>
-              <a:ext uri="{FF2B5EF4-FFF2-40B4-BE49-F238E27FC236}">
-                <a16:creationId xmlns:a16="http://schemas.microsoft.com/office/drawing/2014/main" id="{28A8E3AF-3760-4E6C-9F09-2C20F9EB92DC}"/>
-              </a:ext>
-            </a:extLst>
-          </p:cNvPr>
-          <p:cNvSpPr txBox="1"/>
-          <p:nvPr/>
-        </p:nvSpPr>
-        <p:spPr>
-          <a:xfrm>
-            <a:off x="6069170" y="3823179"/>
-            <a:ext cx="5625258" cy="461665"/>
-          </a:xfrm>
-          <a:prstGeom prst="rect">
-            <a:avLst/>
-          </a:prstGeom>
-          <a:noFill/>
-        </p:spPr>
-        <p:txBody>
-          <a:bodyPr wrap="none" rtlCol="0">
-            <a:spAutoFit/>
-          </a:bodyPr>
-          <a:lstStyle/>
-          <a:p>
-            <a:r>
-              <a:rPr kumimoji="1" lang="ja-JP" altLang="en-US" sz="2400" dirty="0"/>
-              <a:t>モデル</a:t>
-            </a:r>
-            <a:r>
-              <a:rPr kumimoji="1" lang="en-US" altLang="ja-JP" sz="2400" dirty="0"/>
-              <a:t>B</a:t>
-            </a:r>
-            <a:r>
-              <a:rPr kumimoji="1" lang="ja-JP" altLang="en-US" sz="2400" dirty="0"/>
-              <a:t>の熱流量</a:t>
-            </a:r>
-            <a:r>
-              <a:rPr kumimoji="1" lang="en-US" altLang="ja-JP" sz="2400" dirty="0" smtClean="0"/>
-              <a:t>Q</a:t>
-            </a:r>
-            <a:r>
-              <a:rPr lang="en-US" altLang="ja-JP" sz="2400" baseline="-25000" dirty="0" smtClean="0"/>
-              <a:t>B</a:t>
-            </a:r>
-            <a:r>
-              <a:rPr kumimoji="1" lang="en-US" altLang="ja-JP" sz="2400" dirty="0" smtClean="0"/>
-              <a:t>=Q</a:t>
-            </a:r>
-            <a:r>
-              <a:rPr kumimoji="1" lang="en-US" altLang="ja-JP" sz="2400" baseline="-25000" dirty="0" smtClean="0"/>
-              <a:t>A</a:t>
-            </a:r>
-            <a:r>
-              <a:rPr kumimoji="1" lang="ja-JP" altLang="en-US" sz="2400" dirty="0" smtClean="0"/>
-              <a:t>より</a:t>
-            </a:r>
-            <a:r>
-              <a:rPr kumimoji="1" lang="en-US" altLang="ja-JP" sz="2400" dirty="0" smtClean="0"/>
-              <a:t>-10W</a:t>
-            </a:r>
-            <a:r>
-              <a:rPr kumimoji="1" lang="ja-JP" altLang="en-US" sz="2400" dirty="0"/>
-              <a:t>です</a:t>
-            </a:r>
-          </a:p>
-        </p:txBody>
-      </p:sp>
-      <p:sp>
-        <p:nvSpPr>
-          <p:cNvPr id="26" name="テキスト ボックス 25">
-            <a:extLst>
-              <a:ext uri="{FF2B5EF4-FFF2-40B4-BE49-F238E27FC236}">
-                <a16:creationId xmlns:a16="http://schemas.microsoft.com/office/drawing/2014/main" id="{AC7FCBB6-BCF9-4BE1-A9BE-5FD4BB096A22}"/>
-              </a:ext>
-            </a:extLst>
-          </p:cNvPr>
-          <p:cNvSpPr txBox="1"/>
-          <p:nvPr/>
-        </p:nvSpPr>
-        <p:spPr>
-          <a:xfrm>
-            <a:off x="1516344" y="3876110"/>
-            <a:ext cx="1109599" cy="461665"/>
-          </a:xfrm>
-          <a:prstGeom prst="rect">
-            <a:avLst/>
-          </a:prstGeom>
-          <a:noFill/>
-        </p:spPr>
-        <p:txBody>
-          <a:bodyPr wrap="none" rtlCol="0">
-            <a:spAutoFit/>
-          </a:bodyPr>
-          <a:lstStyle/>
-          <a:p>
-            <a:pPr algn="l"/>
-            <a:r>
-              <a:rPr kumimoji="1" lang="en-US" altLang="ja-JP" sz="2400" dirty="0"/>
-              <a:t>Q</a:t>
-            </a:r>
-            <a:r>
-              <a:rPr kumimoji="1" lang="en-US" altLang="ja-JP" sz="2400" baseline="-25000" dirty="0"/>
-              <a:t>A</a:t>
-            </a:r>
-            <a:r>
-              <a:rPr kumimoji="1" lang="en-US" altLang="ja-JP" sz="2400" dirty="0"/>
-              <a:t>=10</a:t>
-            </a:r>
-            <a:endParaRPr kumimoji="1" lang="ja-JP" altLang="en-US" sz="2400" dirty="0"/>
-          </a:p>
-        </p:txBody>
-      </p:sp>
-      <p:sp>
-        <p:nvSpPr>
-          <p:cNvPr id="27" name="テキスト ボックス 26">
-            <a:extLst>
-              <a:ext uri="{FF2B5EF4-FFF2-40B4-BE49-F238E27FC236}">
-                <a16:creationId xmlns:a16="http://schemas.microsoft.com/office/drawing/2014/main" id="{BFF43113-654C-4BEF-8DCC-3FB6C2E813DA}"/>
-              </a:ext>
-            </a:extLst>
-          </p:cNvPr>
-          <p:cNvSpPr txBox="1"/>
-          <p:nvPr/>
-        </p:nvSpPr>
-        <p:spPr>
-          <a:xfrm>
-            <a:off x="4231322" y="3876109"/>
-            <a:ext cx="933269" cy="461665"/>
-          </a:xfrm>
-          <a:prstGeom prst="rect">
-            <a:avLst/>
-          </a:prstGeom>
-          <a:noFill/>
-        </p:spPr>
-        <p:txBody>
-          <a:bodyPr wrap="none" rtlCol="0">
-            <a:spAutoFit/>
-          </a:bodyPr>
-          <a:lstStyle/>
-          <a:p>
-            <a:r>
-              <a:rPr kumimoji="1" lang="en-US" altLang="ja-JP" sz="2400" dirty="0" smtClean="0"/>
-              <a:t>Q</a:t>
-            </a:r>
-            <a:r>
-              <a:rPr kumimoji="1" lang="en-US" altLang="ja-JP" sz="2400" baseline="-25000" dirty="0" smtClean="0"/>
-              <a:t>B</a:t>
-            </a:r>
-            <a:r>
-              <a:rPr kumimoji="1" lang="en-US" altLang="ja-JP" sz="2400" dirty="0" smtClean="0"/>
-              <a:t>=?</a:t>
-            </a:r>
-            <a:endParaRPr kumimoji="1" lang="ja-JP" altLang="en-US" sz="2400" dirty="0"/>
-          </a:p>
-        </p:txBody>
-      </p:sp>
-      <p:sp>
-        <p:nvSpPr>
-          <p:cNvPr id="12" name="四角形: 角を丸くする 11">
-            <a:extLst>
-              <a:ext uri="{FF2B5EF4-FFF2-40B4-BE49-F238E27FC236}">
-                <a16:creationId xmlns:a16="http://schemas.microsoft.com/office/drawing/2014/main" id="{D3E4960D-F635-45A3-877D-2A38851113B2}"/>
-              </a:ext>
-            </a:extLst>
-          </p:cNvPr>
-          <p:cNvSpPr/>
-          <p:nvPr/>
-        </p:nvSpPr>
-        <p:spPr>
-          <a:xfrm>
-            <a:off x="1590864" y="5315593"/>
-            <a:ext cx="9045146" cy="1223319"/>
-          </a:xfrm>
-          <a:prstGeom prst="roundRect">
-            <a:avLst/>
-          </a:prstGeom>
-          <a:solidFill>
-            <a:schemeClr val="accent5">
-              <a:lumMod val="20000"/>
-              <a:lumOff val="80000"/>
-            </a:schemeClr>
-          </a:solidFill>
-          <a:ln>
-            <a:solidFill>
-              <a:schemeClr val="tx1"/>
-            </a:solidFill>
-          </a:ln>
-        </p:spPr>
-        <p:style>
-          <a:lnRef idx="2">
-            <a:schemeClr val="accent1">
-              <a:shade val="50000"/>
-            </a:schemeClr>
-          </a:lnRef>
-          <a:fillRef idx="1">
-            <a:schemeClr val="accent1"/>
-          </a:fillRef>
-          <a:effectRef idx="0">
-            <a:schemeClr val="accent1"/>
-          </a:effectRef>
-          <a:fontRef idx="minor">
-            <a:schemeClr val="lt1"/>
-          </a:fontRef>
-        </p:style>
-        <p:txBody>
-          <a:bodyPr rtlCol="0" anchor="ctr"/>
-          <a:lstStyle/>
-          <a:p>
-            <a:pPr algn="ctr"/>
-            <a:r>
-              <a:rPr lang="ja-JP" altLang="en-US" sz="2800" dirty="0" smtClean="0">
-                <a:solidFill>
-                  <a:schemeClr val="tx1"/>
-                </a:solidFill>
-              </a:rPr>
-              <a:t>フロー変数</a:t>
-            </a:r>
-            <a:r>
-              <a:rPr lang="ja-JP" altLang="en-US" sz="2800" dirty="0">
-                <a:solidFill>
-                  <a:schemeClr val="tx1"/>
-                </a:solidFill>
-              </a:rPr>
-              <a:t>は接続されたポート間の総量がゼロとなるように値を受け渡します</a:t>
-            </a:r>
-          </a:p>
-        </p:txBody>
-      </p:sp>
-      <p:sp>
-        <p:nvSpPr>
-          <p:cNvPr id="13" name="楕円 12">
-            <a:extLst>
-              <a:ext uri="{FF2B5EF4-FFF2-40B4-BE49-F238E27FC236}">
-                <a16:creationId xmlns:a16="http://schemas.microsoft.com/office/drawing/2014/main" id="{718AA11C-5679-44E4-B475-91F7E4BDBD7E}"/>
-              </a:ext>
-            </a:extLst>
-          </p:cNvPr>
-          <p:cNvSpPr/>
-          <p:nvPr/>
-        </p:nvSpPr>
-        <p:spPr>
-          <a:xfrm>
-            <a:off x="2631839" y="3066989"/>
-            <a:ext cx="155512" cy="155512"/>
-          </a:xfrm>
-          <a:prstGeom prst="ellipse">
-            <a:avLst/>
-          </a:prstGeom>
-          <a:solidFill>
-            <a:srgbClr val="FF0000"/>
-          </a:solidFill>
-          <a:ln>
-            <a:solidFill>
-              <a:srgbClr val="FF0000"/>
-            </a:solidFill>
-          </a:ln>
-        </p:spPr>
-        <p:style>
-          <a:lnRef idx="2">
-            <a:schemeClr val="accent1">
-              <a:shade val="50000"/>
-            </a:schemeClr>
-          </a:lnRef>
-          <a:fillRef idx="1">
-            <a:schemeClr val="accent1"/>
-          </a:fillRef>
-          <a:effectRef idx="0">
-            <a:schemeClr val="accent1"/>
-          </a:effectRef>
-          <a:fontRef idx="minor">
-            <a:schemeClr val="lt1"/>
-          </a:fontRef>
-        </p:style>
-        <p:txBody>
-          <a:bodyPr rtlCol="0" anchor="ctr"/>
-          <a:lstStyle/>
-          <a:p>
-            <a:pPr algn="ctr"/>
-            <a:endParaRPr kumimoji="1" lang="ja-JP" altLang="en-US"/>
-          </a:p>
-        </p:txBody>
-      </p:sp>
-      <p:sp>
-        <p:nvSpPr>
-          <p:cNvPr id="14" name="楕円 13">
-            <a:extLst>
-              <a:ext uri="{FF2B5EF4-FFF2-40B4-BE49-F238E27FC236}">
-                <a16:creationId xmlns:a16="http://schemas.microsoft.com/office/drawing/2014/main" id="{B18C0084-3CD5-43FE-AD7E-4E344059D272}"/>
-              </a:ext>
-            </a:extLst>
-          </p:cNvPr>
-          <p:cNvSpPr/>
-          <p:nvPr/>
-        </p:nvSpPr>
-        <p:spPr>
-          <a:xfrm>
-            <a:off x="3945683" y="3082284"/>
-            <a:ext cx="155512" cy="155512"/>
-          </a:xfrm>
-          <a:prstGeom prst="ellipse">
-            <a:avLst/>
-          </a:prstGeom>
-          <a:solidFill>
-            <a:srgbClr val="FF0000"/>
-          </a:solidFill>
-          <a:ln>
-            <a:solidFill>
-              <a:srgbClr val="FF0000"/>
-            </a:solidFill>
-          </a:ln>
-        </p:spPr>
-        <p:style>
-          <a:lnRef idx="2">
-            <a:schemeClr val="accent1">
-              <a:shade val="50000"/>
-            </a:schemeClr>
-          </a:lnRef>
-          <a:fillRef idx="1">
-            <a:schemeClr val="accent1"/>
-          </a:fillRef>
-          <a:effectRef idx="0">
-            <a:schemeClr val="accent1"/>
-          </a:effectRef>
-          <a:fontRef idx="minor">
-            <a:schemeClr val="lt1"/>
-          </a:fontRef>
-        </p:style>
-        <p:txBody>
-          <a:bodyPr rtlCol="0" anchor="ctr"/>
-          <a:lstStyle/>
-          <a:p>
-            <a:pPr algn="ctr"/>
-            <a:endParaRPr kumimoji="1" lang="ja-JP" altLang="en-US"/>
-          </a:p>
-        </p:txBody>
-      </p:sp>
-      <p:sp>
-        <p:nvSpPr>
-          <p:cNvPr id="16" name="正方形/長方形 15">
-            <a:extLst>
-              <a:ext uri="{FF2B5EF4-FFF2-40B4-BE49-F238E27FC236}">
-                <a16:creationId xmlns:a16="http://schemas.microsoft.com/office/drawing/2014/main" id="{827B62D2-4A56-45F2-8DAA-480B2F185314}"/>
-              </a:ext>
-            </a:extLst>
-          </p:cNvPr>
-          <p:cNvSpPr/>
-          <p:nvPr/>
-        </p:nvSpPr>
-        <p:spPr>
-          <a:xfrm>
-            <a:off x="6808571" y="2137546"/>
-            <a:ext cx="3691926" cy="1534074"/>
-          </a:xfrm>
-          <a:prstGeom prst="rect">
-            <a:avLst/>
-          </a:prstGeom>
-          <a:solidFill>
-            <a:schemeClr val="accent6">
-              <a:lumMod val="20000"/>
-              <a:lumOff val="80000"/>
-            </a:schemeClr>
-          </a:solidFill>
-          <a:ln>
-            <a:noFill/>
-          </a:ln>
-        </p:spPr>
-        <p:style>
-          <a:lnRef idx="2">
-            <a:schemeClr val="accent1">
-              <a:shade val="50000"/>
-            </a:schemeClr>
-          </a:lnRef>
-          <a:fillRef idx="1">
-            <a:schemeClr val="accent1"/>
-          </a:fillRef>
-          <a:effectRef idx="0">
-            <a:schemeClr val="accent1"/>
-          </a:effectRef>
-          <a:fontRef idx="minor">
-            <a:schemeClr val="lt1"/>
-          </a:fontRef>
-        </p:style>
-        <p:txBody>
-          <a:bodyPr rtlCol="0" anchor="ctr"/>
-          <a:lstStyle/>
-          <a:p>
-            <a:pPr algn="ctr"/>
-            <a:endParaRPr kumimoji="1" lang="ja-JP" altLang="en-US"/>
-          </a:p>
-        </p:txBody>
-      </p:sp>
-      <p:sp>
-        <p:nvSpPr>
-          <p:cNvPr id="17" name="テキスト ボックス 16">
-            <a:extLst>
-              <a:ext uri="{FF2B5EF4-FFF2-40B4-BE49-F238E27FC236}">
-                <a16:creationId xmlns:a16="http://schemas.microsoft.com/office/drawing/2014/main" id="{4E15E54C-D73C-42B9-B7B5-7356AB489D16}"/>
-              </a:ext>
-            </a:extLst>
-          </p:cNvPr>
-          <p:cNvSpPr txBox="1"/>
-          <p:nvPr/>
-        </p:nvSpPr>
-        <p:spPr>
-          <a:xfrm>
-            <a:off x="7703833" y="2799988"/>
-            <a:ext cx="2398413" cy="584775"/>
-          </a:xfrm>
-          <a:prstGeom prst="rect">
-            <a:avLst/>
-          </a:prstGeom>
-          <a:noFill/>
-        </p:spPr>
-        <p:txBody>
-          <a:bodyPr wrap="none" rtlCol="0">
-            <a:spAutoFit/>
-          </a:bodyPr>
-          <a:lstStyle/>
-          <a:p>
-            <a:r>
-              <a:rPr kumimoji="1" lang="en-US" altLang="ja-JP" sz="3200" dirty="0"/>
-              <a:t>Q</a:t>
-            </a:r>
-            <a:r>
-              <a:rPr kumimoji="1" lang="en-US" altLang="ja-JP" sz="3200" baseline="-25000" dirty="0"/>
-              <a:t>A</a:t>
-            </a:r>
-            <a:r>
-              <a:rPr kumimoji="1" lang="en-US" altLang="ja-JP" sz="3200" dirty="0"/>
-              <a:t> + Q</a:t>
-            </a:r>
-            <a:r>
-              <a:rPr kumimoji="1" lang="en-US" altLang="ja-JP" sz="3200" baseline="-25000" dirty="0"/>
-              <a:t>B</a:t>
-            </a:r>
-            <a:r>
-              <a:rPr lang="en-US" altLang="ja-JP" sz="3200" dirty="0"/>
-              <a:t> =0</a:t>
-            </a:r>
-            <a:r>
-              <a:rPr kumimoji="1" lang="en-US" altLang="ja-JP" sz="3200" baseline="-25000" dirty="0"/>
-              <a:t> </a:t>
-            </a:r>
-            <a:endParaRPr kumimoji="1" lang="ja-JP" altLang="en-US" sz="3200" baseline="-25000" dirty="0"/>
-          </a:p>
-        </p:txBody>
-      </p:sp>
-      <p:sp>
-        <p:nvSpPr>
-          <p:cNvPr id="18" name="テキスト ボックス 17">
-            <a:extLst>
-              <a:ext uri="{FF2B5EF4-FFF2-40B4-BE49-F238E27FC236}">
-                <a16:creationId xmlns:a16="http://schemas.microsoft.com/office/drawing/2014/main" id="{B6CCEEB9-B443-4A23-876C-AF8E36F77894}"/>
-              </a:ext>
-            </a:extLst>
-          </p:cNvPr>
-          <p:cNvSpPr txBox="1"/>
-          <p:nvPr/>
-        </p:nvSpPr>
-        <p:spPr>
-          <a:xfrm>
-            <a:off x="7024098" y="2292924"/>
-            <a:ext cx="3262432" cy="461665"/>
-          </a:xfrm>
-          <a:prstGeom prst="rect">
-            <a:avLst/>
-          </a:prstGeom>
-          <a:noFill/>
-        </p:spPr>
-        <p:txBody>
-          <a:bodyPr wrap="none" rtlCol="0">
-            <a:spAutoFit/>
-          </a:bodyPr>
-          <a:lstStyle/>
-          <a:p>
-            <a:pPr algn="l"/>
-            <a:r>
-              <a:rPr kumimoji="1" lang="ja-JP" altLang="en-US" sz="2400" dirty="0" smtClean="0"/>
-              <a:t>フロー変数</a:t>
-            </a:r>
-            <a:r>
-              <a:rPr kumimoji="1" lang="ja-JP" altLang="en-US" sz="2400" dirty="0"/>
-              <a:t>の接続の式</a:t>
-            </a:r>
-          </a:p>
-        </p:txBody>
-      </p:sp>
-      <p:sp>
-        <p:nvSpPr>
-          <p:cNvPr id="2" name="正方形/長方形 1"/>
-          <p:cNvSpPr/>
-          <p:nvPr/>
-        </p:nvSpPr>
-        <p:spPr>
-          <a:xfrm>
-            <a:off x="1066800" y="4516791"/>
-            <a:ext cx="10520680" cy="646331"/>
-          </a:xfrm>
-          <a:prstGeom prst="rect">
-            <a:avLst/>
-          </a:prstGeom>
-        </p:spPr>
-        <p:txBody>
-          <a:bodyPr wrap="square">
-            <a:spAutoFit/>
-          </a:bodyPr>
-          <a:lstStyle/>
-          <a:p>
-            <a:r>
-              <a:rPr lang="en-US" altLang="ja-JP" dirty="0" err="1"/>
-              <a:t>Modelica</a:t>
-            </a:r>
-            <a:r>
-              <a:rPr lang="ja-JP" altLang="en-US" dirty="0"/>
-              <a:t>言語ではフロー変数についてモデルに流入する場合を正、モデルから流出する場合を負と考えるのが一般的です</a:t>
-            </a:r>
-            <a:r>
-              <a:rPr lang="ja-JP" altLang="en-US" dirty="0" smtClean="0"/>
-              <a:t>。上記の場合、</a:t>
-            </a:r>
-            <a:r>
-              <a:rPr lang="en-US" altLang="ja-JP" dirty="0" smtClean="0"/>
-              <a:t>A</a:t>
-            </a:r>
-            <a:r>
-              <a:rPr lang="ja-JP" altLang="en-US" dirty="0" smtClean="0"/>
-              <a:t>に熱流量が流入していることになります。</a:t>
-            </a:r>
-            <a:endParaRPr lang="en-US" altLang="ja-JP" dirty="0"/>
-          </a:p>
-        </p:txBody>
-      </p:sp>
-    </p:spTree>
-    <p:extLst>
-      <p:ext uri="{BB962C8B-B14F-4D97-AF65-F5344CB8AC3E}">
-        <p14:creationId xmlns:p14="http://schemas.microsoft.com/office/powerpoint/2010/main" val="4210114500"/>
-      </p:ext>
-    </p:extLst>
-  </p:cSld>
-  <p:clrMapOvr>
-    <a:masterClrMapping/>
-  </p:clrMapOvr>
-  <p:timing>
-    <p:tnLst>
-      <p:par>
-        <p:cTn id="1" dur="indefinite" restart="never" nodeType="tmRoot"/>
-      </p:par>
-    </p:tnLst>
-  </p:timing>
-</p:sld>
-</file>
-
 <file path=ppt/slides/slide3.xml><?xml version="1.0" encoding="utf-8"?>
 <p:sld xmlns:a="http://schemas.openxmlformats.org/drawingml/2006/main" xmlns:r="http://schemas.openxmlformats.org/officeDocument/2006/relationships" xmlns:p="http://schemas.openxmlformats.org/presentationml/2006/main">
   <p:cSld>
@@ -22177,7 +21992,7 @@
           </a:ln>
           <a:extLst>
             <a:ext uri="{C572A759-6A51-4108-AA02-DFA0A04FC94B}">
-              <ma14:wrappingTextBoxFlag xmlns:ma14="http://schemas.microsoft.com/office/mac/drawingml/2011/main" xmlns="" val="1"/>
+              <ma14:wrappingTextBoxFlag xmlns="" xmlns:ma14="http://schemas.microsoft.com/office/mac/drawingml/2011/main" val="1"/>
             </a:ext>
           </a:extLst>
         </p:spPr>
@@ -22515,7 +22330,912 @@
           </a:ln>
           <a:extLst>
             <a:ext uri="{C572A759-6A51-4108-AA02-DFA0A04FC94B}">
-              <ma14:wrappingTextBoxFlag xmlns="" xmlns:ma14="http://schemas.microsoft.com/office/mac/drawingml/2011/main" val="1"/>
+              <ma14:wrappingTextBoxFlag xmlns:ma14="http://schemas.microsoft.com/office/mac/drawingml/2011/main" xmlns="" val="1"/>
+            </a:ext>
+          </a:extLst>
+        </p:spPr>
+        <p:txBody>
+          <a:bodyPr wrap="none" lIns="50800" tIns="50800" rIns="50800" bIns="50800" anchor="ctr">
+            <a:spAutoFit/>
+          </a:bodyPr>
+          <a:lstStyle/>
+          <a:p>
+            <a:pPr>
+              <a:defRPr sz="3100" u="sng">
+                <a:latin typeface="YuMincho Medium"/>
+                <a:ea typeface="YuMincho Medium"/>
+                <a:cs typeface="YuMincho Medium"/>
+                <a:sym typeface="YuMincho Medium"/>
+              </a:defRPr>
+            </a:pPr>
+            <a:r>
+              <a:rPr lang="ja-JP" altLang="en-US" dirty="0"/>
+              <a:t>フロー変数の具体例 </a:t>
+            </a:r>
+            <a:r>
+              <a:rPr lang="en-US" altLang="ja-JP" dirty="0"/>
+              <a:t>– 2</a:t>
+            </a:r>
+            <a:r>
+              <a:rPr lang="ja-JP" altLang="en-US" dirty="0"/>
+              <a:t>モデルの接続</a:t>
+            </a:r>
+            <a:endParaRPr lang="en-US" altLang="ja-JP" dirty="0"/>
+          </a:p>
+        </p:txBody>
+      </p:sp>
+      <p:sp>
+        <p:nvSpPr>
+          <p:cNvPr id="15" name="テキスト ボックス 14">
+            <a:extLst>
+              <a:ext uri="{FF2B5EF4-FFF2-40B4-BE49-F238E27FC236}">
+                <a16:creationId xmlns:a16="http://schemas.microsoft.com/office/drawing/2014/main" id="{1705E387-FFC3-4730-98F1-2AF0BAE8990F}"/>
+              </a:ext>
+            </a:extLst>
+          </p:cNvPr>
+          <p:cNvSpPr txBox="1"/>
+          <p:nvPr/>
+        </p:nvSpPr>
+        <p:spPr>
+          <a:xfrm>
+            <a:off x="901968" y="742891"/>
+            <a:ext cx="10565101" cy="1323439"/>
+          </a:xfrm>
+          <a:prstGeom prst="rect">
+            <a:avLst/>
+          </a:prstGeom>
+          <a:noFill/>
+        </p:spPr>
+        <p:txBody>
+          <a:bodyPr wrap="square" rtlCol="0">
+            <a:spAutoFit/>
+          </a:bodyPr>
+          <a:lstStyle/>
+          <a:p>
+            <a:r>
+              <a:rPr lang="ja-JP" altLang="en-US" sz="2000" dirty="0"/>
+              <a:t>続いてフロー変数の計算式を熱流量</a:t>
+            </a:r>
+            <a:r>
+              <a:rPr lang="en-US" altLang="ja-JP" sz="2000" dirty="0"/>
+              <a:t>Q</a:t>
+            </a:r>
+            <a:r>
+              <a:rPr lang="ja-JP" altLang="en-US" sz="2000" dirty="0"/>
+              <a:t>を例に解説します</a:t>
+            </a:r>
+            <a:endParaRPr lang="en-US" altLang="ja-JP" sz="2000" dirty="0"/>
+          </a:p>
+          <a:p>
+            <a:endParaRPr lang="en-US" altLang="ja-JP" sz="2000" dirty="0"/>
+          </a:p>
+          <a:p>
+            <a:r>
+              <a:rPr lang="ja-JP" altLang="en-US" sz="2000" dirty="0"/>
+              <a:t>以下のモデルにおいて、</a:t>
+            </a:r>
+            <a:r>
+              <a:rPr lang="en-US" altLang="ja-JP" sz="2000" dirty="0"/>
+              <a:t>A</a:t>
+            </a:r>
+            <a:r>
+              <a:rPr lang="ja-JP" altLang="en-US" sz="2000" dirty="0"/>
+              <a:t>モデルのポート熱流量を</a:t>
+            </a:r>
+            <a:r>
+              <a:rPr lang="en-US" altLang="ja-JP" sz="2000" dirty="0"/>
+              <a:t>Q</a:t>
+            </a:r>
+            <a:r>
+              <a:rPr lang="en-US" altLang="ja-JP" sz="2000" baseline="-25000" dirty="0"/>
+              <a:t>A</a:t>
+            </a:r>
+            <a:r>
+              <a:rPr lang="en-US" altLang="ja-JP" sz="2000" dirty="0"/>
+              <a:t>(=10W)</a:t>
+            </a:r>
+            <a:r>
+              <a:rPr lang="ja-JP" altLang="en-US" sz="2000" dirty="0"/>
+              <a:t>とします</a:t>
+            </a:r>
+            <a:r>
+              <a:rPr lang="ja-JP" altLang="en-US" sz="2000" dirty="0" smtClean="0"/>
+              <a:t>。</a:t>
+            </a:r>
+            <a:endParaRPr lang="en-US" altLang="ja-JP" sz="2000" dirty="0" smtClean="0"/>
+          </a:p>
+          <a:p>
+            <a:r>
+              <a:rPr lang="en-US" altLang="ja-JP" sz="2000" dirty="0" smtClean="0"/>
+              <a:t>B</a:t>
+            </a:r>
+            <a:r>
+              <a:rPr lang="ja-JP" altLang="en-US" sz="2000" dirty="0" smtClean="0"/>
+              <a:t>モデルのポート熱流量はいくらになるでしょうか？</a:t>
+            </a:r>
+            <a:endParaRPr lang="en-US" altLang="ja-JP" sz="2000" dirty="0" smtClean="0"/>
+          </a:p>
+        </p:txBody>
+      </p:sp>
+      <p:sp>
+        <p:nvSpPr>
+          <p:cNvPr id="20" name="正方形/長方形 19">
+            <a:extLst>
+              <a:ext uri="{FF2B5EF4-FFF2-40B4-BE49-F238E27FC236}">
+                <a16:creationId xmlns:a16="http://schemas.microsoft.com/office/drawing/2014/main" id="{3D021193-D2C7-448C-B17A-6C6B66F69F15}"/>
+              </a:ext>
+            </a:extLst>
+          </p:cNvPr>
+          <p:cNvSpPr/>
+          <p:nvPr/>
+        </p:nvSpPr>
+        <p:spPr>
+          <a:xfrm>
+            <a:off x="1372289" y="2533086"/>
+            <a:ext cx="1325575" cy="1223319"/>
+          </a:xfrm>
+          <a:prstGeom prst="rect">
+            <a:avLst/>
+          </a:prstGeom>
+        </p:spPr>
+        <p:style>
+          <a:lnRef idx="2">
+            <a:schemeClr val="accent1">
+              <a:shade val="50000"/>
+            </a:schemeClr>
+          </a:lnRef>
+          <a:fillRef idx="1">
+            <a:schemeClr val="accent1"/>
+          </a:fillRef>
+          <a:effectRef idx="0">
+            <a:schemeClr val="accent1"/>
+          </a:effectRef>
+          <a:fontRef idx="minor">
+            <a:schemeClr val="lt1"/>
+          </a:fontRef>
+        </p:style>
+        <p:txBody>
+          <a:bodyPr rtlCol="0" anchor="ctr"/>
+          <a:lstStyle/>
+          <a:p>
+            <a:pPr algn="ctr"/>
+            <a:r>
+              <a:rPr kumimoji="1" lang="en-US" altLang="ja-JP" sz="4000" dirty="0"/>
+              <a:t>A</a:t>
+            </a:r>
+            <a:endParaRPr kumimoji="1" lang="ja-JP" altLang="en-US" sz="4000" dirty="0"/>
+          </a:p>
+        </p:txBody>
+      </p:sp>
+      <p:sp>
+        <p:nvSpPr>
+          <p:cNvPr id="22" name="正方形/長方形 21">
+            <a:extLst>
+              <a:ext uri="{FF2B5EF4-FFF2-40B4-BE49-F238E27FC236}">
+                <a16:creationId xmlns:a16="http://schemas.microsoft.com/office/drawing/2014/main" id="{C6DDD114-F871-4579-B19E-246FE0EE1974}"/>
+              </a:ext>
+            </a:extLst>
+          </p:cNvPr>
+          <p:cNvSpPr/>
+          <p:nvPr/>
+        </p:nvSpPr>
+        <p:spPr>
+          <a:xfrm>
+            <a:off x="4035170" y="2533086"/>
+            <a:ext cx="1325575" cy="1223319"/>
+          </a:xfrm>
+          <a:prstGeom prst="rect">
+            <a:avLst/>
+          </a:prstGeom>
+        </p:spPr>
+        <p:style>
+          <a:lnRef idx="2">
+            <a:schemeClr val="accent1">
+              <a:shade val="50000"/>
+            </a:schemeClr>
+          </a:lnRef>
+          <a:fillRef idx="1">
+            <a:schemeClr val="accent1"/>
+          </a:fillRef>
+          <a:effectRef idx="0">
+            <a:schemeClr val="accent1"/>
+          </a:effectRef>
+          <a:fontRef idx="minor">
+            <a:schemeClr val="lt1"/>
+          </a:fontRef>
+        </p:style>
+        <p:txBody>
+          <a:bodyPr rtlCol="0" anchor="ctr"/>
+          <a:lstStyle/>
+          <a:p>
+            <a:pPr algn="ctr"/>
+            <a:r>
+              <a:rPr kumimoji="1" lang="en-US" altLang="ja-JP" sz="4000" dirty="0"/>
+              <a:t>B</a:t>
+            </a:r>
+            <a:endParaRPr kumimoji="1" lang="ja-JP" altLang="en-US" sz="4000" dirty="0"/>
+          </a:p>
+        </p:txBody>
+      </p:sp>
+      <p:cxnSp>
+        <p:nvCxnSpPr>
+          <p:cNvPr id="24" name="直線矢印コネクタ 23">
+            <a:extLst>
+              <a:ext uri="{FF2B5EF4-FFF2-40B4-BE49-F238E27FC236}">
+                <a16:creationId xmlns:a16="http://schemas.microsoft.com/office/drawing/2014/main" id="{13796A95-89FB-46BE-B547-18A39D7E0504}"/>
+              </a:ext>
+            </a:extLst>
+          </p:cNvPr>
+          <p:cNvCxnSpPr>
+            <a:stCxn id="20" idx="3"/>
+            <a:endCxn id="22" idx="1"/>
+          </p:cNvCxnSpPr>
+          <p:nvPr/>
+        </p:nvCxnSpPr>
+        <p:spPr>
+          <a:xfrm>
+            <a:off x="2697864" y="3144746"/>
+            <a:ext cx="1337306" cy="0"/>
+          </a:xfrm>
+          <a:prstGeom prst="straightConnector1">
+            <a:avLst/>
+          </a:prstGeom>
+          <a:ln w="28575">
+            <a:solidFill>
+              <a:srgbClr val="FF0000"/>
+            </a:solidFill>
+            <a:headEnd type="none" w="med" len="med"/>
+            <a:tailEnd type="none" w="med" len="med"/>
+          </a:ln>
+        </p:spPr>
+        <p:style>
+          <a:lnRef idx="1">
+            <a:schemeClr val="accent1"/>
+          </a:lnRef>
+          <a:fillRef idx="0">
+            <a:schemeClr val="accent1"/>
+          </a:fillRef>
+          <a:effectRef idx="0">
+            <a:schemeClr val="accent1"/>
+          </a:effectRef>
+          <a:fontRef idx="minor">
+            <a:schemeClr val="tx1"/>
+          </a:fontRef>
+        </p:style>
+      </p:cxnSp>
+      <p:sp>
+        <p:nvSpPr>
+          <p:cNvPr id="25" name="テキスト ボックス 24">
+            <a:extLst>
+              <a:ext uri="{FF2B5EF4-FFF2-40B4-BE49-F238E27FC236}">
+                <a16:creationId xmlns:a16="http://schemas.microsoft.com/office/drawing/2014/main" id="{28A8E3AF-3760-4E6C-9F09-2C20F9EB92DC}"/>
+              </a:ext>
+            </a:extLst>
+          </p:cNvPr>
+          <p:cNvSpPr txBox="1"/>
+          <p:nvPr/>
+        </p:nvSpPr>
+        <p:spPr>
+          <a:xfrm>
+            <a:off x="6069170" y="3823179"/>
+            <a:ext cx="5625258" cy="461665"/>
+          </a:xfrm>
+          <a:prstGeom prst="rect">
+            <a:avLst/>
+          </a:prstGeom>
+          <a:noFill/>
+        </p:spPr>
+        <p:txBody>
+          <a:bodyPr wrap="none" rtlCol="0">
+            <a:spAutoFit/>
+          </a:bodyPr>
+          <a:lstStyle/>
+          <a:p>
+            <a:r>
+              <a:rPr kumimoji="1" lang="ja-JP" altLang="en-US" sz="2400" dirty="0"/>
+              <a:t>モデル</a:t>
+            </a:r>
+            <a:r>
+              <a:rPr kumimoji="1" lang="en-US" altLang="ja-JP" sz="2400" dirty="0"/>
+              <a:t>B</a:t>
+            </a:r>
+            <a:r>
+              <a:rPr kumimoji="1" lang="ja-JP" altLang="en-US" sz="2400" dirty="0"/>
+              <a:t>の熱流量</a:t>
+            </a:r>
+            <a:r>
+              <a:rPr kumimoji="1" lang="en-US" altLang="ja-JP" sz="2400" dirty="0" smtClean="0"/>
+              <a:t>Q</a:t>
+            </a:r>
+            <a:r>
+              <a:rPr lang="en-US" altLang="ja-JP" sz="2400" baseline="-25000" dirty="0" smtClean="0"/>
+              <a:t>B</a:t>
+            </a:r>
+            <a:r>
+              <a:rPr kumimoji="1" lang="en-US" altLang="ja-JP" sz="2400" dirty="0" smtClean="0"/>
+              <a:t>=Q</a:t>
+            </a:r>
+            <a:r>
+              <a:rPr kumimoji="1" lang="en-US" altLang="ja-JP" sz="2400" baseline="-25000" dirty="0" smtClean="0"/>
+              <a:t>A</a:t>
+            </a:r>
+            <a:r>
+              <a:rPr kumimoji="1" lang="ja-JP" altLang="en-US" sz="2400" dirty="0" smtClean="0"/>
+              <a:t>より</a:t>
+            </a:r>
+            <a:r>
+              <a:rPr kumimoji="1" lang="en-US" altLang="ja-JP" sz="2400" dirty="0" smtClean="0"/>
+              <a:t>-10W</a:t>
+            </a:r>
+            <a:r>
+              <a:rPr kumimoji="1" lang="ja-JP" altLang="en-US" sz="2400" dirty="0"/>
+              <a:t>です</a:t>
+            </a:r>
+          </a:p>
+        </p:txBody>
+      </p:sp>
+      <p:sp>
+        <p:nvSpPr>
+          <p:cNvPr id="26" name="テキスト ボックス 25">
+            <a:extLst>
+              <a:ext uri="{FF2B5EF4-FFF2-40B4-BE49-F238E27FC236}">
+                <a16:creationId xmlns:a16="http://schemas.microsoft.com/office/drawing/2014/main" id="{AC7FCBB6-BCF9-4BE1-A9BE-5FD4BB096A22}"/>
+              </a:ext>
+            </a:extLst>
+          </p:cNvPr>
+          <p:cNvSpPr txBox="1"/>
+          <p:nvPr/>
+        </p:nvSpPr>
+        <p:spPr>
+          <a:xfrm>
+            <a:off x="1516344" y="3876110"/>
+            <a:ext cx="1109599" cy="461665"/>
+          </a:xfrm>
+          <a:prstGeom prst="rect">
+            <a:avLst/>
+          </a:prstGeom>
+          <a:noFill/>
+        </p:spPr>
+        <p:txBody>
+          <a:bodyPr wrap="none" rtlCol="0">
+            <a:spAutoFit/>
+          </a:bodyPr>
+          <a:lstStyle/>
+          <a:p>
+            <a:pPr algn="l"/>
+            <a:r>
+              <a:rPr kumimoji="1" lang="en-US" altLang="ja-JP" sz="2400" dirty="0"/>
+              <a:t>Q</a:t>
+            </a:r>
+            <a:r>
+              <a:rPr kumimoji="1" lang="en-US" altLang="ja-JP" sz="2400" baseline="-25000" dirty="0"/>
+              <a:t>A</a:t>
+            </a:r>
+            <a:r>
+              <a:rPr kumimoji="1" lang="en-US" altLang="ja-JP" sz="2400" dirty="0"/>
+              <a:t>=10</a:t>
+            </a:r>
+            <a:endParaRPr kumimoji="1" lang="ja-JP" altLang="en-US" sz="2400" dirty="0"/>
+          </a:p>
+        </p:txBody>
+      </p:sp>
+      <p:sp>
+        <p:nvSpPr>
+          <p:cNvPr id="27" name="テキスト ボックス 26">
+            <a:extLst>
+              <a:ext uri="{FF2B5EF4-FFF2-40B4-BE49-F238E27FC236}">
+                <a16:creationId xmlns:a16="http://schemas.microsoft.com/office/drawing/2014/main" id="{BFF43113-654C-4BEF-8DCC-3FB6C2E813DA}"/>
+              </a:ext>
+            </a:extLst>
+          </p:cNvPr>
+          <p:cNvSpPr txBox="1"/>
+          <p:nvPr/>
+        </p:nvSpPr>
+        <p:spPr>
+          <a:xfrm>
+            <a:off x="4231322" y="3876109"/>
+            <a:ext cx="933269" cy="461665"/>
+          </a:xfrm>
+          <a:prstGeom prst="rect">
+            <a:avLst/>
+          </a:prstGeom>
+          <a:noFill/>
+        </p:spPr>
+        <p:txBody>
+          <a:bodyPr wrap="none" rtlCol="0">
+            <a:spAutoFit/>
+          </a:bodyPr>
+          <a:lstStyle/>
+          <a:p>
+            <a:r>
+              <a:rPr kumimoji="1" lang="en-US" altLang="ja-JP" sz="2400" dirty="0" smtClean="0"/>
+              <a:t>Q</a:t>
+            </a:r>
+            <a:r>
+              <a:rPr kumimoji="1" lang="en-US" altLang="ja-JP" sz="2400" baseline="-25000" dirty="0" smtClean="0"/>
+              <a:t>B</a:t>
+            </a:r>
+            <a:r>
+              <a:rPr kumimoji="1" lang="en-US" altLang="ja-JP" sz="2400" dirty="0" smtClean="0"/>
+              <a:t>=?</a:t>
+            </a:r>
+            <a:endParaRPr kumimoji="1" lang="ja-JP" altLang="en-US" sz="2400" dirty="0"/>
+          </a:p>
+        </p:txBody>
+      </p:sp>
+      <p:sp>
+        <p:nvSpPr>
+          <p:cNvPr id="12" name="四角形: 角を丸くする 11">
+            <a:extLst>
+              <a:ext uri="{FF2B5EF4-FFF2-40B4-BE49-F238E27FC236}">
+                <a16:creationId xmlns:a16="http://schemas.microsoft.com/office/drawing/2014/main" id="{D3E4960D-F635-45A3-877D-2A38851113B2}"/>
+              </a:ext>
+            </a:extLst>
+          </p:cNvPr>
+          <p:cNvSpPr/>
+          <p:nvPr/>
+        </p:nvSpPr>
+        <p:spPr>
+          <a:xfrm>
+            <a:off x="1590864" y="5315593"/>
+            <a:ext cx="9045146" cy="1223319"/>
+          </a:xfrm>
+          <a:prstGeom prst="roundRect">
+            <a:avLst/>
+          </a:prstGeom>
+          <a:solidFill>
+            <a:schemeClr val="accent5">
+              <a:lumMod val="20000"/>
+              <a:lumOff val="80000"/>
+            </a:schemeClr>
+          </a:solidFill>
+          <a:ln>
+            <a:solidFill>
+              <a:schemeClr val="tx1"/>
+            </a:solidFill>
+          </a:ln>
+        </p:spPr>
+        <p:style>
+          <a:lnRef idx="2">
+            <a:schemeClr val="accent1">
+              <a:shade val="50000"/>
+            </a:schemeClr>
+          </a:lnRef>
+          <a:fillRef idx="1">
+            <a:schemeClr val="accent1"/>
+          </a:fillRef>
+          <a:effectRef idx="0">
+            <a:schemeClr val="accent1"/>
+          </a:effectRef>
+          <a:fontRef idx="minor">
+            <a:schemeClr val="lt1"/>
+          </a:fontRef>
+        </p:style>
+        <p:txBody>
+          <a:bodyPr rtlCol="0" anchor="ctr"/>
+          <a:lstStyle/>
+          <a:p>
+            <a:pPr algn="ctr"/>
+            <a:r>
+              <a:rPr lang="ja-JP" altLang="en-US" sz="2800" dirty="0" smtClean="0">
+                <a:solidFill>
+                  <a:schemeClr val="tx1"/>
+                </a:solidFill>
+              </a:rPr>
+              <a:t>フロー変数</a:t>
+            </a:r>
+            <a:r>
+              <a:rPr lang="ja-JP" altLang="en-US" sz="2800" dirty="0">
+                <a:solidFill>
+                  <a:schemeClr val="tx1"/>
+                </a:solidFill>
+              </a:rPr>
+              <a:t>は接続されたポート間の総量がゼロとなるように値を受け渡します</a:t>
+            </a:r>
+          </a:p>
+        </p:txBody>
+      </p:sp>
+      <p:sp>
+        <p:nvSpPr>
+          <p:cNvPr id="13" name="楕円 12">
+            <a:extLst>
+              <a:ext uri="{FF2B5EF4-FFF2-40B4-BE49-F238E27FC236}">
+                <a16:creationId xmlns:a16="http://schemas.microsoft.com/office/drawing/2014/main" id="{718AA11C-5679-44E4-B475-91F7E4BDBD7E}"/>
+              </a:ext>
+            </a:extLst>
+          </p:cNvPr>
+          <p:cNvSpPr/>
+          <p:nvPr/>
+        </p:nvSpPr>
+        <p:spPr>
+          <a:xfrm>
+            <a:off x="2631839" y="3066989"/>
+            <a:ext cx="155512" cy="155512"/>
+          </a:xfrm>
+          <a:prstGeom prst="ellipse">
+            <a:avLst/>
+          </a:prstGeom>
+          <a:solidFill>
+            <a:srgbClr val="FF0000"/>
+          </a:solidFill>
+          <a:ln>
+            <a:solidFill>
+              <a:srgbClr val="FF0000"/>
+            </a:solidFill>
+          </a:ln>
+        </p:spPr>
+        <p:style>
+          <a:lnRef idx="2">
+            <a:schemeClr val="accent1">
+              <a:shade val="50000"/>
+            </a:schemeClr>
+          </a:lnRef>
+          <a:fillRef idx="1">
+            <a:schemeClr val="accent1"/>
+          </a:fillRef>
+          <a:effectRef idx="0">
+            <a:schemeClr val="accent1"/>
+          </a:effectRef>
+          <a:fontRef idx="minor">
+            <a:schemeClr val="lt1"/>
+          </a:fontRef>
+        </p:style>
+        <p:txBody>
+          <a:bodyPr rtlCol="0" anchor="ctr"/>
+          <a:lstStyle/>
+          <a:p>
+            <a:pPr algn="ctr"/>
+            <a:endParaRPr kumimoji="1" lang="ja-JP" altLang="en-US"/>
+          </a:p>
+        </p:txBody>
+      </p:sp>
+      <p:sp>
+        <p:nvSpPr>
+          <p:cNvPr id="14" name="楕円 13">
+            <a:extLst>
+              <a:ext uri="{FF2B5EF4-FFF2-40B4-BE49-F238E27FC236}">
+                <a16:creationId xmlns:a16="http://schemas.microsoft.com/office/drawing/2014/main" id="{B18C0084-3CD5-43FE-AD7E-4E344059D272}"/>
+              </a:ext>
+            </a:extLst>
+          </p:cNvPr>
+          <p:cNvSpPr/>
+          <p:nvPr/>
+        </p:nvSpPr>
+        <p:spPr>
+          <a:xfrm>
+            <a:off x="3945683" y="3082284"/>
+            <a:ext cx="155512" cy="155512"/>
+          </a:xfrm>
+          <a:prstGeom prst="ellipse">
+            <a:avLst/>
+          </a:prstGeom>
+          <a:solidFill>
+            <a:srgbClr val="FF0000"/>
+          </a:solidFill>
+          <a:ln>
+            <a:solidFill>
+              <a:srgbClr val="FF0000"/>
+            </a:solidFill>
+          </a:ln>
+        </p:spPr>
+        <p:style>
+          <a:lnRef idx="2">
+            <a:schemeClr val="accent1">
+              <a:shade val="50000"/>
+            </a:schemeClr>
+          </a:lnRef>
+          <a:fillRef idx="1">
+            <a:schemeClr val="accent1"/>
+          </a:fillRef>
+          <a:effectRef idx="0">
+            <a:schemeClr val="accent1"/>
+          </a:effectRef>
+          <a:fontRef idx="minor">
+            <a:schemeClr val="lt1"/>
+          </a:fontRef>
+        </p:style>
+        <p:txBody>
+          <a:bodyPr rtlCol="0" anchor="ctr"/>
+          <a:lstStyle/>
+          <a:p>
+            <a:pPr algn="ctr"/>
+            <a:endParaRPr kumimoji="1" lang="ja-JP" altLang="en-US"/>
+          </a:p>
+        </p:txBody>
+      </p:sp>
+      <p:sp>
+        <p:nvSpPr>
+          <p:cNvPr id="16" name="正方形/長方形 15">
+            <a:extLst>
+              <a:ext uri="{FF2B5EF4-FFF2-40B4-BE49-F238E27FC236}">
+                <a16:creationId xmlns:a16="http://schemas.microsoft.com/office/drawing/2014/main" id="{827B62D2-4A56-45F2-8DAA-480B2F185314}"/>
+              </a:ext>
+            </a:extLst>
+          </p:cNvPr>
+          <p:cNvSpPr/>
+          <p:nvPr/>
+        </p:nvSpPr>
+        <p:spPr>
+          <a:xfrm>
+            <a:off x="6808571" y="2137546"/>
+            <a:ext cx="3691926" cy="1534074"/>
+          </a:xfrm>
+          <a:prstGeom prst="rect">
+            <a:avLst/>
+          </a:prstGeom>
+          <a:solidFill>
+            <a:schemeClr val="accent6">
+              <a:lumMod val="20000"/>
+              <a:lumOff val="80000"/>
+            </a:schemeClr>
+          </a:solidFill>
+          <a:ln>
+            <a:noFill/>
+          </a:ln>
+        </p:spPr>
+        <p:style>
+          <a:lnRef idx="2">
+            <a:schemeClr val="accent1">
+              <a:shade val="50000"/>
+            </a:schemeClr>
+          </a:lnRef>
+          <a:fillRef idx="1">
+            <a:schemeClr val="accent1"/>
+          </a:fillRef>
+          <a:effectRef idx="0">
+            <a:schemeClr val="accent1"/>
+          </a:effectRef>
+          <a:fontRef idx="minor">
+            <a:schemeClr val="lt1"/>
+          </a:fontRef>
+        </p:style>
+        <p:txBody>
+          <a:bodyPr rtlCol="0" anchor="ctr"/>
+          <a:lstStyle/>
+          <a:p>
+            <a:pPr algn="ctr"/>
+            <a:endParaRPr kumimoji="1" lang="ja-JP" altLang="en-US"/>
+          </a:p>
+        </p:txBody>
+      </p:sp>
+      <p:sp>
+        <p:nvSpPr>
+          <p:cNvPr id="17" name="テキスト ボックス 16">
+            <a:extLst>
+              <a:ext uri="{FF2B5EF4-FFF2-40B4-BE49-F238E27FC236}">
+                <a16:creationId xmlns:a16="http://schemas.microsoft.com/office/drawing/2014/main" id="{4E15E54C-D73C-42B9-B7B5-7356AB489D16}"/>
+              </a:ext>
+            </a:extLst>
+          </p:cNvPr>
+          <p:cNvSpPr txBox="1"/>
+          <p:nvPr/>
+        </p:nvSpPr>
+        <p:spPr>
+          <a:xfrm>
+            <a:off x="7703833" y="2799988"/>
+            <a:ext cx="2398413" cy="584775"/>
+          </a:xfrm>
+          <a:prstGeom prst="rect">
+            <a:avLst/>
+          </a:prstGeom>
+          <a:noFill/>
+        </p:spPr>
+        <p:txBody>
+          <a:bodyPr wrap="none" rtlCol="0">
+            <a:spAutoFit/>
+          </a:bodyPr>
+          <a:lstStyle/>
+          <a:p>
+            <a:r>
+              <a:rPr kumimoji="1" lang="en-US" altLang="ja-JP" sz="3200" dirty="0"/>
+              <a:t>Q</a:t>
+            </a:r>
+            <a:r>
+              <a:rPr kumimoji="1" lang="en-US" altLang="ja-JP" sz="3200" baseline="-25000" dirty="0"/>
+              <a:t>A</a:t>
+            </a:r>
+            <a:r>
+              <a:rPr kumimoji="1" lang="en-US" altLang="ja-JP" sz="3200" dirty="0"/>
+              <a:t> + Q</a:t>
+            </a:r>
+            <a:r>
+              <a:rPr kumimoji="1" lang="en-US" altLang="ja-JP" sz="3200" baseline="-25000" dirty="0"/>
+              <a:t>B</a:t>
+            </a:r>
+            <a:r>
+              <a:rPr lang="en-US" altLang="ja-JP" sz="3200" dirty="0"/>
+              <a:t> =0</a:t>
+            </a:r>
+            <a:r>
+              <a:rPr kumimoji="1" lang="en-US" altLang="ja-JP" sz="3200" baseline="-25000" dirty="0"/>
+              <a:t> </a:t>
+            </a:r>
+            <a:endParaRPr kumimoji="1" lang="ja-JP" altLang="en-US" sz="3200" baseline="-25000" dirty="0"/>
+          </a:p>
+        </p:txBody>
+      </p:sp>
+      <p:sp>
+        <p:nvSpPr>
+          <p:cNvPr id="18" name="テキスト ボックス 17">
+            <a:extLst>
+              <a:ext uri="{FF2B5EF4-FFF2-40B4-BE49-F238E27FC236}">
+                <a16:creationId xmlns:a16="http://schemas.microsoft.com/office/drawing/2014/main" id="{B6CCEEB9-B443-4A23-876C-AF8E36F77894}"/>
+              </a:ext>
+            </a:extLst>
+          </p:cNvPr>
+          <p:cNvSpPr txBox="1"/>
+          <p:nvPr/>
+        </p:nvSpPr>
+        <p:spPr>
+          <a:xfrm>
+            <a:off x="7024098" y="2292924"/>
+            <a:ext cx="3262432" cy="461665"/>
+          </a:xfrm>
+          <a:prstGeom prst="rect">
+            <a:avLst/>
+          </a:prstGeom>
+          <a:noFill/>
+        </p:spPr>
+        <p:txBody>
+          <a:bodyPr wrap="none" rtlCol="0">
+            <a:spAutoFit/>
+          </a:bodyPr>
+          <a:lstStyle/>
+          <a:p>
+            <a:pPr algn="l"/>
+            <a:r>
+              <a:rPr kumimoji="1" lang="ja-JP" altLang="en-US" sz="2400" dirty="0" smtClean="0"/>
+              <a:t>フロー変数</a:t>
+            </a:r>
+            <a:r>
+              <a:rPr kumimoji="1" lang="ja-JP" altLang="en-US" sz="2400" dirty="0"/>
+              <a:t>の接続の式</a:t>
+            </a:r>
+          </a:p>
+        </p:txBody>
+      </p:sp>
+      <p:sp>
+        <p:nvSpPr>
+          <p:cNvPr id="2" name="正方形/長方形 1"/>
+          <p:cNvSpPr/>
+          <p:nvPr/>
+        </p:nvSpPr>
+        <p:spPr>
+          <a:xfrm>
+            <a:off x="1066800" y="4516791"/>
+            <a:ext cx="10520680" cy="646331"/>
+          </a:xfrm>
+          <a:prstGeom prst="rect">
+            <a:avLst/>
+          </a:prstGeom>
+        </p:spPr>
+        <p:txBody>
+          <a:bodyPr wrap="square">
+            <a:spAutoFit/>
+          </a:bodyPr>
+          <a:lstStyle/>
+          <a:p>
+            <a:r>
+              <a:rPr lang="en-US" altLang="ja-JP" dirty="0" err="1"/>
+              <a:t>Modelica</a:t>
+            </a:r>
+            <a:r>
+              <a:rPr lang="ja-JP" altLang="en-US" dirty="0"/>
+              <a:t>言語ではフロー変数についてモデルに流入する場合を正、モデルから流出する場合を負と考えるのが一般的です</a:t>
+            </a:r>
+            <a:r>
+              <a:rPr lang="ja-JP" altLang="en-US" dirty="0" smtClean="0"/>
+              <a:t>。上記の場合、</a:t>
+            </a:r>
+            <a:r>
+              <a:rPr lang="en-US" altLang="ja-JP" dirty="0" smtClean="0"/>
+              <a:t>A</a:t>
+            </a:r>
+            <a:r>
+              <a:rPr lang="ja-JP" altLang="en-US" dirty="0" smtClean="0"/>
+              <a:t>に熱流量が流入していることになります。</a:t>
+            </a:r>
+            <a:endParaRPr lang="en-US" altLang="ja-JP" dirty="0"/>
+          </a:p>
+        </p:txBody>
+      </p:sp>
+    </p:spTree>
+    <p:extLst>
+      <p:ext uri="{BB962C8B-B14F-4D97-AF65-F5344CB8AC3E}">
+        <p14:creationId xmlns:p14="http://schemas.microsoft.com/office/powerpoint/2010/main" val="4210114500"/>
+      </p:ext>
+    </p:extLst>
+  </p:cSld>
+  <p:clrMapOvr>
+    <a:masterClrMapping/>
+  </p:clrMapOvr>
+  <p:timing>
+    <p:tnLst>
+      <p:par>
+        <p:cTn id="1" dur="indefinite" restart="never" nodeType="tmRoot"/>
+      </p:par>
+    </p:tnLst>
+  </p:timing>
+</p:sld>
+</file>
+
+<file path=ppt/slides/slide31.xml><?xml version="1.0" encoding="utf-8"?>
+<p:sld xmlns:a="http://schemas.openxmlformats.org/drawingml/2006/main" xmlns:r="http://schemas.openxmlformats.org/officeDocument/2006/relationships" xmlns:p="http://schemas.openxmlformats.org/presentationml/2006/main">
+  <p:cSld>
+    <p:spTree>
+      <p:nvGrpSpPr>
+        <p:cNvPr id="1" name=""/>
+        <p:cNvGrpSpPr/>
+        <p:nvPr/>
+      </p:nvGrpSpPr>
+      <p:grpSpPr>
+        <a:xfrm>
+          <a:off x="0" y="0"/>
+          <a:ext cx="0" cy="0"/>
+          <a:chOff x="0" y="0"/>
+          <a:chExt cx="0" cy="0"/>
+        </a:xfrm>
+      </p:grpSpPr>
+      <p:sp>
+        <p:nvSpPr>
+          <p:cNvPr id="4" name="スライド番号プレースホルダー 3">
+            <a:extLst>
+              <a:ext uri="{FF2B5EF4-FFF2-40B4-BE49-F238E27FC236}">
+                <a16:creationId xmlns:a16="http://schemas.microsoft.com/office/drawing/2014/main" id="{62C8405B-E1A8-4250-83B4-B3DC73FA8844}"/>
+              </a:ext>
+            </a:extLst>
+          </p:cNvPr>
+          <p:cNvSpPr>
+            <a:spLocks noGrp="1"/>
+          </p:cNvSpPr>
+          <p:nvPr>
+            <p:ph type="sldNum" sz="quarter" idx="12"/>
+          </p:nvPr>
+        </p:nvSpPr>
+        <p:spPr>
+          <a:xfrm>
+            <a:off x="8610600" y="6356350"/>
+            <a:ext cx="2743200" cy="365125"/>
+          </a:xfrm>
+        </p:spPr>
+        <p:txBody>
+          <a:bodyPr/>
+          <a:lstStyle/>
+          <a:p>
+            <a:fld id="{D836F367-8F14-4921-8441-15DE2D973248}" type="slidenum">
+              <a:rPr kumimoji="1" lang="ja-JP" altLang="en-US" smtClean="0"/>
+              <a:t>31</a:t>
+            </a:fld>
+            <a:endParaRPr kumimoji="1" lang="ja-JP" altLang="en-US"/>
+          </a:p>
+        </p:txBody>
+      </p:sp>
+      <p:sp>
+        <p:nvSpPr>
+          <p:cNvPr id="7" name="Shape 130">
+            <a:extLst>
+              <a:ext uri="{FF2B5EF4-FFF2-40B4-BE49-F238E27FC236}">
+                <a16:creationId xmlns:a16="http://schemas.microsoft.com/office/drawing/2014/main" id="{62311BE2-8146-4C5F-883C-23F48775675B}"/>
+              </a:ext>
+            </a:extLst>
+          </p:cNvPr>
+          <p:cNvSpPr/>
+          <p:nvPr/>
+        </p:nvSpPr>
+        <p:spPr>
+          <a:xfrm>
+            <a:off x="179666" y="87415"/>
+            <a:ext cx="6646050" cy="579646"/>
+          </a:xfrm>
+          <a:prstGeom prst="rect">
+            <a:avLst/>
+          </a:prstGeom>
+          <a:ln w="12700">
+            <a:miter lim="400000"/>
+          </a:ln>
+          <a:extLst>
+            <a:ext uri="{C572A759-6A51-4108-AA02-DFA0A04FC94B}">
+              <ma14:wrappingTextBoxFlag xmlns:ma14="http://schemas.microsoft.com/office/mac/drawingml/2011/main" xmlns="" val="1"/>
             </a:ext>
           </a:extLst>
         </p:spPr>
@@ -23336,703 +24056,6 @@
 </p:sld>
 </file>
 
-<file path=ppt/slides/slide31.xml><?xml version="1.0" encoding="utf-8"?>
-<p:sld xmlns:a="http://schemas.openxmlformats.org/drawingml/2006/main" xmlns:r="http://schemas.openxmlformats.org/officeDocument/2006/relationships" xmlns:p="http://schemas.openxmlformats.org/presentationml/2006/main">
-  <p:cSld>
-    <p:spTree>
-      <p:nvGrpSpPr>
-        <p:cNvPr id="1" name=""/>
-        <p:cNvGrpSpPr/>
-        <p:nvPr/>
-      </p:nvGrpSpPr>
-      <p:grpSpPr>
-        <a:xfrm>
-          <a:off x="0" y="0"/>
-          <a:ext cx="0" cy="0"/>
-          <a:chOff x="0" y="0"/>
-          <a:chExt cx="0" cy="0"/>
-        </a:xfrm>
-      </p:grpSpPr>
-      <p:sp>
-        <p:nvSpPr>
-          <p:cNvPr id="20" name="角丸四角形 19"/>
-          <p:cNvSpPr/>
-          <p:nvPr/>
-        </p:nvSpPr>
-        <p:spPr>
-          <a:xfrm>
-            <a:off x="555585" y="6222747"/>
-            <a:ext cx="10177384" cy="520419"/>
-          </a:xfrm>
-          <a:prstGeom prst="roundRect">
-            <a:avLst/>
-          </a:prstGeom>
-          <a:solidFill>
-            <a:schemeClr val="accent5">
-              <a:lumMod val="20000"/>
-              <a:lumOff val="80000"/>
-            </a:schemeClr>
-          </a:solidFill>
-          <a:ln>
-            <a:noFill/>
-          </a:ln>
-        </p:spPr>
-        <p:style>
-          <a:lnRef idx="2">
-            <a:schemeClr val="accent1">
-              <a:shade val="50000"/>
-            </a:schemeClr>
-          </a:lnRef>
-          <a:fillRef idx="1">
-            <a:schemeClr val="accent1"/>
-          </a:fillRef>
-          <a:effectRef idx="0">
-            <a:schemeClr val="accent1"/>
-          </a:effectRef>
-          <a:fontRef idx="minor">
-            <a:schemeClr val="lt1"/>
-          </a:fontRef>
-        </p:style>
-        <p:txBody>
-          <a:bodyPr rtlCol="0" anchor="ctr"/>
-          <a:lstStyle/>
-          <a:p>
-            <a:pPr algn="ctr"/>
-            <a:endParaRPr kumimoji="1" lang="ja-JP" altLang="en-US"/>
-          </a:p>
-        </p:txBody>
-      </p:sp>
-      <p:pic>
-        <p:nvPicPr>
-          <p:cNvPr id="3" name="図 2">
-            <a:extLst>
-              <a:ext uri="{FF2B5EF4-FFF2-40B4-BE49-F238E27FC236}">
-                <a16:creationId xmlns:a16="http://schemas.microsoft.com/office/drawing/2014/main" id="{A5E7EBA4-CBB2-4B24-85C7-C48BD822B632}"/>
-              </a:ext>
-            </a:extLst>
-          </p:cNvPr>
-          <p:cNvPicPr>
-            <a:picLocks noChangeAspect="1"/>
-          </p:cNvPicPr>
-          <p:nvPr/>
-        </p:nvPicPr>
-        <p:blipFill rotWithShape="1">
-          <a:blip r:embed="rId2"/>
-          <a:srcRect t="52046" r="62332"/>
-          <a:stretch/>
-        </p:blipFill>
-        <p:spPr>
-          <a:xfrm>
-            <a:off x="4672336" y="2690364"/>
-            <a:ext cx="2585659" cy="1650107"/>
-          </a:xfrm>
-          <a:prstGeom prst="rect">
-            <a:avLst/>
-          </a:prstGeom>
-        </p:spPr>
-      </p:pic>
-      <p:sp>
-        <p:nvSpPr>
-          <p:cNvPr id="4" name="スライド番号プレースホルダー 3">
-            <a:extLst>
-              <a:ext uri="{FF2B5EF4-FFF2-40B4-BE49-F238E27FC236}">
-                <a16:creationId xmlns:a16="http://schemas.microsoft.com/office/drawing/2014/main" id="{62C8405B-E1A8-4250-83B4-B3DC73FA8844}"/>
-              </a:ext>
-            </a:extLst>
-          </p:cNvPr>
-          <p:cNvSpPr>
-            <a:spLocks noGrp="1"/>
-          </p:cNvSpPr>
-          <p:nvPr>
-            <p:ph type="sldNum" sz="quarter" idx="12"/>
-          </p:nvPr>
-        </p:nvSpPr>
-        <p:spPr/>
-        <p:txBody>
-          <a:bodyPr/>
-          <a:lstStyle/>
-          <a:p>
-            <a:fld id="{D836F367-8F14-4921-8441-15DE2D973248}" type="slidenum">
-              <a:rPr kumimoji="1" lang="ja-JP" altLang="en-US" smtClean="0"/>
-              <a:t>31</a:t>
-            </a:fld>
-            <a:endParaRPr kumimoji="1" lang="ja-JP" altLang="en-US"/>
-          </a:p>
-        </p:txBody>
-      </p:sp>
-      <p:sp>
-        <p:nvSpPr>
-          <p:cNvPr id="7" name="Shape 130">
-            <a:extLst>
-              <a:ext uri="{FF2B5EF4-FFF2-40B4-BE49-F238E27FC236}">
-                <a16:creationId xmlns:a16="http://schemas.microsoft.com/office/drawing/2014/main" id="{62311BE2-8146-4C5F-883C-23F48775675B}"/>
-              </a:ext>
-            </a:extLst>
-          </p:cNvPr>
-          <p:cNvSpPr/>
-          <p:nvPr/>
-        </p:nvSpPr>
-        <p:spPr>
-          <a:xfrm>
-            <a:off x="179666" y="87415"/>
-            <a:ext cx="6444072" cy="579646"/>
-          </a:xfrm>
-          <a:prstGeom prst="rect">
-            <a:avLst/>
-          </a:prstGeom>
-          <a:ln w="12700">
-            <a:miter lim="400000"/>
-          </a:ln>
-          <a:extLst>
-            <a:ext uri="{C572A759-6A51-4108-AA02-DFA0A04FC94B}">
-              <ma14:wrappingTextBoxFlag xmlns="" xmlns:ma14="http://schemas.microsoft.com/office/mac/drawingml/2011/main" val="1"/>
-            </a:ext>
-          </a:extLst>
-        </p:spPr>
-        <p:txBody>
-          <a:bodyPr wrap="none" lIns="50800" tIns="50800" rIns="50800" bIns="50800" anchor="ctr">
-            <a:spAutoFit/>
-          </a:bodyPr>
-          <a:lstStyle/>
-          <a:p>
-            <a:pPr>
-              <a:defRPr sz="3100" u="sng">
-                <a:latin typeface="YuMincho Medium"/>
-                <a:ea typeface="YuMincho Medium"/>
-                <a:cs typeface="YuMincho Medium"/>
-                <a:sym typeface="YuMincho Medium"/>
-              </a:defRPr>
-            </a:pPr>
-            <a:r>
-              <a:rPr lang="ja-JP" altLang="en-US" dirty="0"/>
-              <a:t>フロー変数の具体例 </a:t>
-            </a:r>
-            <a:r>
-              <a:rPr lang="en-US" altLang="ja-JP" dirty="0"/>
-              <a:t>– </a:t>
-            </a:r>
-            <a:r>
-              <a:rPr lang="ja-JP" altLang="en-US" dirty="0"/>
-              <a:t>正負について</a:t>
-            </a:r>
-            <a:endParaRPr lang="en-US" altLang="ja-JP" dirty="0"/>
-          </a:p>
-        </p:txBody>
-      </p:sp>
-      <p:sp>
-        <p:nvSpPr>
-          <p:cNvPr id="8" name="テキスト ボックス 7">
-            <a:extLst>
-              <a:ext uri="{FF2B5EF4-FFF2-40B4-BE49-F238E27FC236}">
-                <a16:creationId xmlns:a16="http://schemas.microsoft.com/office/drawing/2014/main" id="{FDE65161-817C-4F2D-A8D4-0D9CDCEB7815}"/>
-              </a:ext>
-            </a:extLst>
-          </p:cNvPr>
-          <p:cNvSpPr txBox="1"/>
-          <p:nvPr/>
-        </p:nvSpPr>
-        <p:spPr>
-          <a:xfrm>
-            <a:off x="838200" y="728846"/>
-            <a:ext cx="11033760" cy="1631216"/>
-          </a:xfrm>
-          <a:prstGeom prst="rect">
-            <a:avLst/>
-          </a:prstGeom>
-          <a:noFill/>
-        </p:spPr>
-        <p:txBody>
-          <a:bodyPr wrap="square" rtlCol="0">
-            <a:spAutoFit/>
-          </a:bodyPr>
-          <a:lstStyle/>
-          <a:p>
-            <a:pPr algn="l"/>
-            <a:r>
-              <a:rPr kumimoji="1" lang="ja-JP" altLang="en-US" sz="2000" dirty="0" smtClean="0"/>
-              <a:t>ここでモデルの計算結果を確認する際に少し違和感がある実装について解説します</a:t>
-            </a:r>
-            <a:r>
-              <a:rPr lang="ja-JP" altLang="en-US" sz="2000" dirty="0" smtClean="0"/>
-              <a:t>。</a:t>
-            </a:r>
-            <a:endParaRPr lang="en-US" altLang="ja-JP" sz="2000" dirty="0" smtClean="0"/>
-          </a:p>
-          <a:p>
-            <a:pPr algn="l"/>
-            <a:endParaRPr lang="en-US" altLang="ja-JP" sz="2000" dirty="0"/>
-          </a:p>
-          <a:p>
-            <a:pPr algn="l"/>
-            <a:r>
-              <a:rPr kumimoji="1" lang="ja-JP" altLang="en-US" sz="2000" dirty="0" smtClean="0"/>
-              <a:t>熱流量を定義する</a:t>
-            </a:r>
-            <a:r>
-              <a:rPr lang="en-US" altLang="ja-JP" sz="2000" dirty="0" err="1"/>
-              <a:t>F</a:t>
-            </a:r>
-            <a:r>
-              <a:rPr kumimoji="1" lang="en-US" altLang="ja-JP" sz="2000" dirty="0" err="1" smtClean="0"/>
-              <a:t>ixedHeatFlow</a:t>
-            </a:r>
-            <a:r>
-              <a:rPr kumimoji="1" lang="ja-JP" altLang="en-US" sz="2000" dirty="0" smtClean="0"/>
-              <a:t>モデルを使用する際、ユーザーは熱流量パラメータに正の値を入力します。</a:t>
-            </a:r>
-            <a:endParaRPr kumimoji="1" lang="en-US" altLang="ja-JP" sz="2000" dirty="0" smtClean="0"/>
-          </a:p>
-          <a:p>
-            <a:pPr algn="l"/>
-            <a:r>
-              <a:rPr lang="ja-JP" altLang="en-US" sz="2000" dirty="0" smtClean="0"/>
-              <a:t>しかし計算を実行しポートの熱流量を確認すると負の値となっています。</a:t>
-            </a:r>
-            <a:endParaRPr kumimoji="1" lang="en-US" altLang="ja-JP" sz="2000" dirty="0" smtClean="0"/>
-          </a:p>
-        </p:txBody>
-      </p:sp>
-      <p:sp>
-        <p:nvSpPr>
-          <p:cNvPr id="10" name="テキスト ボックス 9">
-            <a:extLst>
-              <a:ext uri="{FF2B5EF4-FFF2-40B4-BE49-F238E27FC236}">
-                <a16:creationId xmlns:a16="http://schemas.microsoft.com/office/drawing/2014/main" id="{C906B6E7-A967-49B8-8082-8F256EF02D0E}"/>
-              </a:ext>
-            </a:extLst>
-          </p:cNvPr>
-          <p:cNvSpPr txBox="1"/>
-          <p:nvPr/>
-        </p:nvSpPr>
-        <p:spPr>
-          <a:xfrm>
-            <a:off x="7792480" y="3809076"/>
-            <a:ext cx="3645550" cy="369332"/>
-          </a:xfrm>
-          <a:prstGeom prst="rect">
-            <a:avLst/>
-          </a:prstGeom>
-          <a:noFill/>
-        </p:spPr>
-        <p:txBody>
-          <a:bodyPr wrap="none" rtlCol="0">
-            <a:spAutoFit/>
-          </a:bodyPr>
-          <a:lstStyle/>
-          <a:p>
-            <a:pPr algn="l"/>
-            <a:r>
-              <a:rPr kumimoji="1" lang="ja-JP" altLang="en-US" b="1" dirty="0" smtClean="0">
-                <a:solidFill>
-                  <a:srgbClr val="FF0000"/>
-                </a:solidFill>
-              </a:rPr>
-              <a:t>しかし、ポート</a:t>
-            </a:r>
-            <a:r>
-              <a:rPr kumimoji="1" lang="ja-JP" altLang="en-US" b="1" dirty="0">
-                <a:solidFill>
-                  <a:srgbClr val="FF0000"/>
-                </a:solidFill>
-              </a:rPr>
-              <a:t>の熱流量は「</a:t>
-            </a:r>
-            <a:r>
-              <a:rPr kumimoji="1" lang="en-US" altLang="ja-JP" b="1" dirty="0">
-                <a:solidFill>
-                  <a:srgbClr val="FF0000"/>
-                </a:solidFill>
-              </a:rPr>
-              <a:t>-1</a:t>
-            </a:r>
-            <a:r>
-              <a:rPr kumimoji="1" lang="ja-JP" altLang="en-US" b="1" dirty="0">
-                <a:solidFill>
-                  <a:srgbClr val="FF0000"/>
-                </a:solidFill>
-              </a:rPr>
-              <a:t>」</a:t>
-            </a:r>
-          </a:p>
-        </p:txBody>
-      </p:sp>
-      <p:cxnSp>
-        <p:nvCxnSpPr>
-          <p:cNvPr id="15" name="直線矢印コネクタ 14">
-            <a:extLst>
-              <a:ext uri="{FF2B5EF4-FFF2-40B4-BE49-F238E27FC236}">
-                <a16:creationId xmlns:a16="http://schemas.microsoft.com/office/drawing/2014/main" id="{748D72D5-FF4E-481F-BDDB-E7BE30E89069}"/>
-              </a:ext>
-            </a:extLst>
-          </p:cNvPr>
-          <p:cNvCxnSpPr>
-            <a:cxnSpLocks/>
-            <a:stCxn id="22" idx="3"/>
-            <a:endCxn id="12" idx="1"/>
-          </p:cNvCxnSpPr>
-          <p:nvPr/>
-        </p:nvCxnSpPr>
-        <p:spPr>
-          <a:xfrm>
-            <a:off x="4363149" y="3211287"/>
-            <a:ext cx="1021393" cy="859825"/>
-          </a:xfrm>
-          <a:prstGeom prst="straightConnector1">
-            <a:avLst/>
-          </a:prstGeom>
-          <a:ln w="28575">
-            <a:solidFill>
-              <a:srgbClr val="FF0000"/>
-            </a:solidFill>
-            <a:headEnd type="none" w="med" len="med"/>
-            <a:tailEnd type="triangle"/>
-          </a:ln>
-        </p:spPr>
-        <p:style>
-          <a:lnRef idx="1">
-            <a:schemeClr val="accent1"/>
-          </a:lnRef>
-          <a:fillRef idx="0">
-            <a:schemeClr val="accent1"/>
-          </a:fillRef>
-          <a:effectRef idx="0">
-            <a:schemeClr val="accent1"/>
-          </a:effectRef>
-          <a:fontRef idx="minor">
-            <a:schemeClr val="tx1"/>
-          </a:fontRef>
-        </p:style>
-      </p:cxnSp>
-      <p:sp>
-        <p:nvSpPr>
-          <p:cNvPr id="22" name="テキスト ボックス 21">
-            <a:extLst>
-              <a:ext uri="{FF2B5EF4-FFF2-40B4-BE49-F238E27FC236}">
-                <a16:creationId xmlns:a16="http://schemas.microsoft.com/office/drawing/2014/main" id="{A90F333F-F59A-42F7-9C07-9D54F1C32B89}"/>
-              </a:ext>
-            </a:extLst>
-          </p:cNvPr>
-          <p:cNvSpPr txBox="1"/>
-          <p:nvPr/>
-        </p:nvSpPr>
-        <p:spPr>
-          <a:xfrm>
-            <a:off x="555585" y="3026621"/>
-            <a:ext cx="3807564" cy="369332"/>
-          </a:xfrm>
-          <a:prstGeom prst="rect">
-            <a:avLst/>
-          </a:prstGeom>
-          <a:noFill/>
-        </p:spPr>
-        <p:txBody>
-          <a:bodyPr wrap="square" rtlCol="0">
-            <a:spAutoFit/>
-          </a:bodyPr>
-          <a:lstStyle/>
-          <a:p>
-            <a:pPr algn="l"/>
-            <a:r>
-              <a:rPr kumimoji="1" lang="ja-JP" altLang="en-US" b="1" dirty="0">
-                <a:solidFill>
-                  <a:srgbClr val="FF0000"/>
-                </a:solidFill>
-              </a:rPr>
-              <a:t>熱流量のパラメータ入力値は「</a:t>
-            </a:r>
-            <a:r>
-              <a:rPr kumimoji="1" lang="en-US" altLang="ja-JP" b="1" dirty="0">
-                <a:solidFill>
-                  <a:srgbClr val="FF0000"/>
-                </a:solidFill>
-              </a:rPr>
-              <a:t>1</a:t>
-            </a:r>
-            <a:r>
-              <a:rPr kumimoji="1" lang="ja-JP" altLang="en-US" b="1" dirty="0">
-                <a:solidFill>
-                  <a:srgbClr val="FF0000"/>
-                </a:solidFill>
-              </a:rPr>
-              <a:t>」</a:t>
-            </a:r>
-            <a:endParaRPr kumimoji="1" lang="en-US" altLang="ja-JP" b="1" dirty="0">
-              <a:solidFill>
-                <a:srgbClr val="FF0000"/>
-              </a:solidFill>
-            </a:endParaRPr>
-          </a:p>
-        </p:txBody>
-      </p:sp>
-      <p:sp>
-        <p:nvSpPr>
-          <p:cNvPr id="12" name="四角形: 角を丸くする 11">
-            <a:extLst>
-              <a:ext uri="{FF2B5EF4-FFF2-40B4-BE49-F238E27FC236}">
-                <a16:creationId xmlns:a16="http://schemas.microsoft.com/office/drawing/2014/main" id="{89410F1F-6FD3-4B09-811B-4E607201BDA2}"/>
-              </a:ext>
-            </a:extLst>
-          </p:cNvPr>
-          <p:cNvSpPr/>
-          <p:nvPr/>
-        </p:nvSpPr>
-        <p:spPr>
-          <a:xfrm>
-            <a:off x="5384542" y="3907985"/>
-            <a:ext cx="1332081" cy="326253"/>
-          </a:xfrm>
-          <a:prstGeom prst="roundRect">
-            <a:avLst/>
-          </a:prstGeom>
-          <a:noFill/>
-          <a:ln>
-            <a:solidFill>
-              <a:srgbClr val="FF0000"/>
-            </a:solidFill>
-          </a:ln>
-        </p:spPr>
-        <p:style>
-          <a:lnRef idx="2">
-            <a:schemeClr val="accent1">
-              <a:shade val="50000"/>
-            </a:schemeClr>
-          </a:lnRef>
-          <a:fillRef idx="1">
-            <a:schemeClr val="accent1"/>
-          </a:fillRef>
-          <a:effectRef idx="0">
-            <a:schemeClr val="accent1"/>
-          </a:effectRef>
-          <a:fontRef idx="minor">
-            <a:schemeClr val="lt1"/>
-          </a:fontRef>
-        </p:style>
-        <p:txBody>
-          <a:bodyPr rtlCol="0" anchor="ctr"/>
-          <a:lstStyle/>
-          <a:p>
-            <a:pPr algn="ctr"/>
-            <a:endParaRPr kumimoji="1" lang="ja-JP" altLang="en-US"/>
-          </a:p>
-        </p:txBody>
-      </p:sp>
-      <p:cxnSp>
-        <p:nvCxnSpPr>
-          <p:cNvPr id="17" name="直線矢印コネクタ 16">
-            <a:extLst>
-              <a:ext uri="{FF2B5EF4-FFF2-40B4-BE49-F238E27FC236}">
-                <a16:creationId xmlns:a16="http://schemas.microsoft.com/office/drawing/2014/main" id="{E12643A7-516A-4AC4-B474-77C9E687A325}"/>
-              </a:ext>
-            </a:extLst>
-          </p:cNvPr>
-          <p:cNvCxnSpPr>
-            <a:cxnSpLocks/>
-            <a:stCxn id="10" idx="1"/>
-            <a:endCxn id="3" idx="3"/>
-          </p:cNvCxnSpPr>
-          <p:nvPr/>
-        </p:nvCxnSpPr>
-        <p:spPr>
-          <a:xfrm flipH="1" flipV="1">
-            <a:off x="7257995" y="3515418"/>
-            <a:ext cx="534485" cy="478324"/>
-          </a:xfrm>
-          <a:prstGeom prst="straightConnector1">
-            <a:avLst/>
-          </a:prstGeom>
-          <a:ln w="28575">
-            <a:solidFill>
-              <a:srgbClr val="FF0000"/>
-            </a:solidFill>
-            <a:headEnd type="none" w="med" len="med"/>
-            <a:tailEnd type="triangle"/>
-          </a:ln>
-        </p:spPr>
-        <p:style>
-          <a:lnRef idx="1">
-            <a:schemeClr val="accent1"/>
-          </a:lnRef>
-          <a:fillRef idx="0">
-            <a:schemeClr val="accent1"/>
-          </a:fillRef>
-          <a:effectRef idx="0">
-            <a:schemeClr val="accent1"/>
-          </a:effectRef>
-          <a:fontRef idx="minor">
-            <a:schemeClr val="tx1"/>
-          </a:fontRef>
-        </p:style>
-      </p:cxnSp>
-      <p:sp>
-        <p:nvSpPr>
-          <p:cNvPr id="2" name="正方形/長方形 1"/>
-          <p:cNvSpPr/>
-          <p:nvPr/>
-        </p:nvSpPr>
-        <p:spPr>
-          <a:xfrm>
-            <a:off x="838200" y="4591531"/>
-            <a:ext cx="11245770" cy="1631216"/>
-          </a:xfrm>
-          <a:prstGeom prst="rect">
-            <a:avLst/>
-          </a:prstGeom>
-        </p:spPr>
-        <p:txBody>
-          <a:bodyPr wrap="square">
-            <a:spAutoFit/>
-          </a:bodyPr>
-          <a:lstStyle/>
-          <a:p>
-            <a:r>
-              <a:rPr lang="ja-JP" altLang="en-US" sz="2000" dirty="0" smtClean="0"/>
-              <a:t>フロー</a:t>
-            </a:r>
-            <a:r>
-              <a:rPr lang="ja-JP" altLang="en-US" sz="2000" dirty="0"/>
-              <a:t>変数</a:t>
-            </a:r>
-            <a:r>
-              <a:rPr lang="ja-JP" altLang="en-US" sz="2000" dirty="0" smtClean="0"/>
-              <a:t>は、モデルに流入する場合が正、流出する場合が負とするのが慣例です。</a:t>
-            </a:r>
-            <a:endParaRPr lang="en-US" altLang="ja-JP" sz="2000" dirty="0" smtClean="0"/>
-          </a:p>
-          <a:p>
-            <a:r>
-              <a:rPr lang="ja-JP" altLang="en-US" sz="2000" dirty="0" smtClean="0"/>
-              <a:t>その慣例にならうと熱流量を</a:t>
-            </a:r>
-            <a:r>
-              <a:rPr lang="en-US" altLang="ja-JP" sz="2000" dirty="0" smtClean="0"/>
-              <a:t>1W</a:t>
-            </a:r>
-            <a:r>
-              <a:rPr lang="ja-JP" altLang="en-US" sz="2000" dirty="0" smtClean="0"/>
-              <a:t>を系に与える場合、パラメータに「</a:t>
-            </a:r>
-            <a:r>
-              <a:rPr lang="en-US" altLang="ja-JP" sz="2000" dirty="0" smtClean="0"/>
-              <a:t>-1</a:t>
-            </a:r>
-            <a:r>
-              <a:rPr lang="ja-JP" altLang="en-US" sz="2000" dirty="0" smtClean="0"/>
-              <a:t>」とユーザーは入力しないといけません。</a:t>
-            </a:r>
-            <a:endParaRPr lang="en-US" altLang="ja-JP" sz="2000" dirty="0" smtClean="0"/>
-          </a:p>
-          <a:p>
-            <a:r>
-              <a:rPr lang="ja-JP" altLang="en-US" sz="2000" dirty="0" smtClean="0"/>
-              <a:t>しかし、直感的</a:t>
-            </a:r>
-            <a:r>
-              <a:rPr lang="ja-JP" altLang="en-US" sz="2000" dirty="0"/>
-              <a:t>ではない</a:t>
-            </a:r>
-            <a:r>
-              <a:rPr lang="ja-JP" altLang="en-US" sz="2000" dirty="0" smtClean="0"/>
-              <a:t>ためほとんど</a:t>
-            </a:r>
-            <a:r>
-              <a:rPr lang="ja-JP" altLang="en-US" sz="2000" dirty="0"/>
-              <a:t>のライブラリではユーザーの入力は正として</a:t>
-            </a:r>
-            <a:endParaRPr lang="en-US" altLang="ja-JP" sz="2000" dirty="0"/>
-          </a:p>
-          <a:p>
-            <a:r>
-              <a:rPr lang="ja-JP" altLang="en-US" sz="2000" dirty="0"/>
-              <a:t>モデル内部はマイナスをかけて負としています。</a:t>
-            </a:r>
-            <a:endParaRPr lang="en-US" altLang="ja-JP" sz="2000" dirty="0"/>
-          </a:p>
-        </p:txBody>
-      </p:sp>
-      <p:pic>
-        <p:nvPicPr>
-          <p:cNvPr id="16" name="図 15"/>
-          <p:cNvPicPr>
-            <a:picLocks noChangeAspect="1"/>
-          </p:cNvPicPr>
-          <p:nvPr/>
-        </p:nvPicPr>
-        <p:blipFill>
-          <a:blip r:embed="rId3"/>
-          <a:stretch>
-            <a:fillRect/>
-          </a:stretch>
-        </p:blipFill>
-        <p:spPr>
-          <a:xfrm>
-            <a:off x="3447396" y="6271859"/>
-            <a:ext cx="6950042" cy="403895"/>
-          </a:xfrm>
-          <a:prstGeom prst="rect">
-            <a:avLst/>
-          </a:prstGeom>
-          <a:effectLst>
-            <a:outerShdw blurRad="50800" dist="38100" dir="2700000" algn="tl" rotWithShape="0">
-              <a:prstClr val="black">
-                <a:alpha val="40000"/>
-              </a:prstClr>
-            </a:outerShdw>
-          </a:effectLst>
-        </p:spPr>
-      </p:pic>
-      <p:sp>
-        <p:nvSpPr>
-          <p:cNvPr id="19" name="正方形/長方形 18"/>
-          <p:cNvSpPr/>
-          <p:nvPr/>
-        </p:nvSpPr>
-        <p:spPr>
-          <a:xfrm>
-            <a:off x="555585" y="6352143"/>
-            <a:ext cx="2704587" cy="369332"/>
-          </a:xfrm>
-          <a:prstGeom prst="rect">
-            <a:avLst/>
-          </a:prstGeom>
-        </p:spPr>
-        <p:txBody>
-          <a:bodyPr wrap="none">
-            <a:spAutoFit/>
-          </a:bodyPr>
-          <a:lstStyle/>
-          <a:p>
-            <a:r>
-              <a:rPr lang="en-US" altLang="ja-JP" dirty="0" err="1" smtClean="0"/>
-              <a:t>FixedHeatFlow</a:t>
-            </a:r>
-            <a:r>
-              <a:rPr lang="ja-JP" altLang="en-US" dirty="0" smtClean="0"/>
-              <a:t>の計算式</a:t>
-            </a:r>
-            <a:endParaRPr lang="ja-JP" altLang="en-US" dirty="0"/>
-          </a:p>
-        </p:txBody>
-      </p:sp>
-    </p:spTree>
-    <p:extLst>
-      <p:ext uri="{BB962C8B-B14F-4D97-AF65-F5344CB8AC3E}">
-        <p14:creationId xmlns:p14="http://schemas.microsoft.com/office/powerpoint/2010/main" val="3223637901"/>
-      </p:ext>
-    </p:extLst>
-  </p:cSld>
-  <p:clrMapOvr>
-    <a:masterClrMapping/>
-  </p:clrMapOvr>
-  <p:timing>
-    <p:tnLst>
-      <p:par>
-        <p:cTn id="1" dur="indefinite" restart="never" nodeType="tmRoot"/>
-      </p:par>
-    </p:tnLst>
-  </p:timing>
-</p:sld>
-</file>
-
 <file path=ppt/slides/slide32.xml><?xml version="1.0" encoding="utf-8"?>
 <p:sld xmlns:a="http://schemas.openxmlformats.org/drawingml/2006/main" xmlns:r="http://schemas.openxmlformats.org/officeDocument/2006/relationships" xmlns:p="http://schemas.openxmlformats.org/presentationml/2006/main">
   <p:cSld>
@@ -24052,6 +24075,84 @@
       </p:grpSpPr>
       <p:sp>
         <p:nvSpPr>
+          <p:cNvPr id="20" name="角丸四角形 19"/>
+          <p:cNvSpPr/>
+          <p:nvPr/>
+        </p:nvSpPr>
+        <p:spPr>
+          <a:xfrm>
+            <a:off x="555585" y="6222747"/>
+            <a:ext cx="10177384" cy="520419"/>
+          </a:xfrm>
+          <a:prstGeom prst="roundRect">
+            <a:avLst/>
+          </a:prstGeom>
+          <a:solidFill>
+            <a:schemeClr val="accent5">
+              <a:lumMod val="20000"/>
+              <a:lumOff val="80000"/>
+            </a:schemeClr>
+          </a:solidFill>
+          <a:ln>
+            <a:noFill/>
+          </a:ln>
+        </p:spPr>
+        <p:style>
+          <a:lnRef idx="2">
+            <a:schemeClr val="accent1">
+              <a:shade val="50000"/>
+            </a:schemeClr>
+          </a:lnRef>
+          <a:fillRef idx="1">
+            <a:schemeClr val="accent1"/>
+          </a:fillRef>
+          <a:effectRef idx="0">
+            <a:schemeClr val="accent1"/>
+          </a:effectRef>
+          <a:fontRef idx="minor">
+            <a:schemeClr val="lt1"/>
+          </a:fontRef>
+        </p:style>
+        <p:txBody>
+          <a:bodyPr rtlCol="0" anchor="ctr"/>
+          <a:lstStyle/>
+          <a:p>
+            <a:pPr algn="ctr"/>
+            <a:endParaRPr kumimoji="1" lang="ja-JP" altLang="en-US"/>
+          </a:p>
+        </p:txBody>
+      </p:sp>
+      <p:pic>
+        <p:nvPicPr>
+          <p:cNvPr id="3" name="図 2">
+            <a:extLst>
+              <a:ext uri="{FF2B5EF4-FFF2-40B4-BE49-F238E27FC236}">
+                <a16:creationId xmlns:a16="http://schemas.microsoft.com/office/drawing/2014/main" id="{A5E7EBA4-CBB2-4B24-85C7-C48BD822B632}"/>
+              </a:ext>
+            </a:extLst>
+          </p:cNvPr>
+          <p:cNvPicPr>
+            <a:picLocks noChangeAspect="1"/>
+          </p:cNvPicPr>
+          <p:nvPr/>
+        </p:nvPicPr>
+        <p:blipFill rotWithShape="1">
+          <a:blip r:embed="rId2"/>
+          <a:srcRect t="52046" r="62332"/>
+          <a:stretch/>
+        </p:blipFill>
+        <p:spPr>
+          <a:xfrm>
+            <a:off x="4672336" y="2690364"/>
+            <a:ext cx="2585659" cy="1650107"/>
+          </a:xfrm>
+          <a:prstGeom prst="rect">
+            <a:avLst/>
+          </a:prstGeom>
+        </p:spPr>
+      </p:pic>
+      <p:sp>
+        <p:nvSpPr>
           <p:cNvPr id="4" name="スライド番号プレースホルダー 3">
             <a:extLst>
               <a:ext uri="{FF2B5EF4-FFF2-40B4-BE49-F238E27FC236}">
@@ -24094,7 +24195,7 @@
         <p:spPr>
           <a:xfrm>
             <a:off x="179666" y="87415"/>
-            <a:ext cx="4860305" cy="579646"/>
+            <a:ext cx="6444072" cy="579646"/>
           </a:xfrm>
           <a:prstGeom prst="rect">
             <a:avLst/>
@@ -24104,7 +24205,7 @@
           </a:ln>
           <a:extLst>
             <a:ext uri="{C572A759-6A51-4108-AA02-DFA0A04FC94B}">
-              <ma14:wrappingTextBoxFlag xmlns="" xmlns:ma14="http://schemas.microsoft.com/office/mac/drawingml/2011/main" val="1"/>
+              <ma14:wrappingTextBoxFlag xmlns:ma14="http://schemas.microsoft.com/office/mac/drawingml/2011/main" xmlns="" val="1"/>
             </a:ext>
           </a:extLst>
         </p:spPr>
@@ -24123,17 +24224,519 @@
               </a:defRPr>
             </a:pPr>
             <a:r>
+              <a:rPr lang="ja-JP" altLang="en-US" dirty="0"/>
+              <a:t>フロー変数の具体例 </a:t>
+            </a:r>
+            <a:r>
+              <a:rPr lang="en-US" altLang="ja-JP" dirty="0"/>
+              <a:t>– </a:t>
+            </a:r>
+            <a:r>
+              <a:rPr lang="ja-JP" altLang="en-US" dirty="0"/>
+              <a:t>正負について</a:t>
+            </a:r>
+            <a:endParaRPr lang="en-US" altLang="ja-JP" dirty="0"/>
+          </a:p>
+        </p:txBody>
+      </p:sp>
+      <p:sp>
+        <p:nvSpPr>
+          <p:cNvPr id="8" name="テキスト ボックス 7">
+            <a:extLst>
+              <a:ext uri="{FF2B5EF4-FFF2-40B4-BE49-F238E27FC236}">
+                <a16:creationId xmlns:a16="http://schemas.microsoft.com/office/drawing/2014/main" id="{FDE65161-817C-4F2D-A8D4-0D9CDCEB7815}"/>
+              </a:ext>
+            </a:extLst>
+          </p:cNvPr>
+          <p:cNvSpPr txBox="1"/>
+          <p:nvPr/>
+        </p:nvSpPr>
+        <p:spPr>
+          <a:xfrm>
+            <a:off x="838200" y="728846"/>
+            <a:ext cx="11033760" cy="1631216"/>
+          </a:xfrm>
+          <a:prstGeom prst="rect">
+            <a:avLst/>
+          </a:prstGeom>
+          <a:noFill/>
+        </p:spPr>
+        <p:txBody>
+          <a:bodyPr wrap="square" rtlCol="0">
+            <a:spAutoFit/>
+          </a:bodyPr>
+          <a:lstStyle/>
+          <a:p>
+            <a:pPr algn="l"/>
+            <a:r>
+              <a:rPr kumimoji="1" lang="ja-JP" altLang="en-US" sz="2000" dirty="0" smtClean="0"/>
+              <a:t>ここでモデルの計算結果を確認する際に少し違和感がある実装について解説します</a:t>
+            </a:r>
+            <a:r>
+              <a:rPr lang="ja-JP" altLang="en-US" sz="2000" dirty="0" smtClean="0"/>
+              <a:t>。</a:t>
+            </a:r>
+            <a:endParaRPr lang="en-US" altLang="ja-JP" sz="2000" dirty="0" smtClean="0"/>
+          </a:p>
+          <a:p>
+            <a:pPr algn="l"/>
+            <a:endParaRPr lang="en-US" altLang="ja-JP" sz="2000" dirty="0"/>
+          </a:p>
+          <a:p>
+            <a:pPr algn="l"/>
+            <a:r>
+              <a:rPr kumimoji="1" lang="ja-JP" altLang="en-US" sz="2000" dirty="0" smtClean="0"/>
+              <a:t>熱流量を定義する</a:t>
+            </a:r>
+            <a:r>
+              <a:rPr lang="en-US" altLang="ja-JP" sz="2000" dirty="0" err="1"/>
+              <a:t>F</a:t>
+            </a:r>
+            <a:r>
+              <a:rPr kumimoji="1" lang="en-US" altLang="ja-JP" sz="2000" dirty="0" err="1" smtClean="0"/>
+              <a:t>ixedHeatFlow</a:t>
+            </a:r>
+            <a:r>
+              <a:rPr kumimoji="1" lang="ja-JP" altLang="en-US" sz="2000" dirty="0" smtClean="0"/>
+              <a:t>モデルを使用する際、ユーザーは熱流量パラメータに正の値を入力します。</a:t>
+            </a:r>
+            <a:endParaRPr kumimoji="1" lang="en-US" altLang="ja-JP" sz="2000" dirty="0" smtClean="0"/>
+          </a:p>
+          <a:p>
+            <a:pPr algn="l"/>
+            <a:r>
+              <a:rPr lang="ja-JP" altLang="en-US" sz="2000" dirty="0" smtClean="0"/>
+              <a:t>しかし計算を実行しポートの熱流量を確認すると負の値となっています。</a:t>
+            </a:r>
+            <a:endParaRPr kumimoji="1" lang="en-US" altLang="ja-JP" sz="2000" dirty="0" smtClean="0"/>
+          </a:p>
+        </p:txBody>
+      </p:sp>
+      <p:sp>
+        <p:nvSpPr>
+          <p:cNvPr id="10" name="テキスト ボックス 9">
+            <a:extLst>
+              <a:ext uri="{FF2B5EF4-FFF2-40B4-BE49-F238E27FC236}">
+                <a16:creationId xmlns:a16="http://schemas.microsoft.com/office/drawing/2014/main" id="{C906B6E7-A967-49B8-8082-8F256EF02D0E}"/>
+              </a:ext>
+            </a:extLst>
+          </p:cNvPr>
+          <p:cNvSpPr txBox="1"/>
+          <p:nvPr/>
+        </p:nvSpPr>
+        <p:spPr>
+          <a:xfrm>
+            <a:off x="7792480" y="3809076"/>
+            <a:ext cx="3645550" cy="369332"/>
+          </a:xfrm>
+          <a:prstGeom prst="rect">
+            <a:avLst/>
+          </a:prstGeom>
+          <a:noFill/>
+        </p:spPr>
+        <p:txBody>
+          <a:bodyPr wrap="none" rtlCol="0">
+            <a:spAutoFit/>
+          </a:bodyPr>
+          <a:lstStyle/>
+          <a:p>
+            <a:pPr algn="l"/>
+            <a:r>
+              <a:rPr kumimoji="1" lang="ja-JP" altLang="en-US" b="1" dirty="0" smtClean="0">
+                <a:solidFill>
+                  <a:srgbClr val="FF0000"/>
+                </a:solidFill>
+              </a:rPr>
+              <a:t>しかし、ポート</a:t>
+            </a:r>
+            <a:r>
+              <a:rPr kumimoji="1" lang="ja-JP" altLang="en-US" b="1" dirty="0">
+                <a:solidFill>
+                  <a:srgbClr val="FF0000"/>
+                </a:solidFill>
+              </a:rPr>
+              <a:t>の熱流量は「</a:t>
+            </a:r>
+            <a:r>
+              <a:rPr kumimoji="1" lang="en-US" altLang="ja-JP" b="1" dirty="0">
+                <a:solidFill>
+                  <a:srgbClr val="FF0000"/>
+                </a:solidFill>
+              </a:rPr>
+              <a:t>-1</a:t>
+            </a:r>
+            <a:r>
+              <a:rPr kumimoji="1" lang="ja-JP" altLang="en-US" b="1" dirty="0">
+                <a:solidFill>
+                  <a:srgbClr val="FF0000"/>
+                </a:solidFill>
+              </a:rPr>
+              <a:t>」</a:t>
+            </a:r>
+          </a:p>
+        </p:txBody>
+      </p:sp>
+      <p:cxnSp>
+        <p:nvCxnSpPr>
+          <p:cNvPr id="15" name="直線矢印コネクタ 14">
+            <a:extLst>
+              <a:ext uri="{FF2B5EF4-FFF2-40B4-BE49-F238E27FC236}">
+                <a16:creationId xmlns:a16="http://schemas.microsoft.com/office/drawing/2014/main" id="{748D72D5-FF4E-481F-BDDB-E7BE30E89069}"/>
+              </a:ext>
+            </a:extLst>
+          </p:cNvPr>
+          <p:cNvCxnSpPr>
+            <a:cxnSpLocks/>
+            <a:stCxn id="22" idx="3"/>
+            <a:endCxn id="12" idx="1"/>
+          </p:cNvCxnSpPr>
+          <p:nvPr/>
+        </p:nvCxnSpPr>
+        <p:spPr>
+          <a:xfrm>
+            <a:off x="4363149" y="3211287"/>
+            <a:ext cx="1021393" cy="859825"/>
+          </a:xfrm>
+          <a:prstGeom prst="straightConnector1">
+            <a:avLst/>
+          </a:prstGeom>
+          <a:ln w="28575">
+            <a:solidFill>
+              <a:srgbClr val="FF0000"/>
+            </a:solidFill>
+            <a:headEnd type="none" w="med" len="med"/>
+            <a:tailEnd type="triangle"/>
+          </a:ln>
+        </p:spPr>
+        <p:style>
+          <a:lnRef idx="1">
+            <a:schemeClr val="accent1"/>
+          </a:lnRef>
+          <a:fillRef idx="0">
+            <a:schemeClr val="accent1"/>
+          </a:fillRef>
+          <a:effectRef idx="0">
+            <a:schemeClr val="accent1"/>
+          </a:effectRef>
+          <a:fontRef idx="minor">
+            <a:schemeClr val="tx1"/>
+          </a:fontRef>
+        </p:style>
+      </p:cxnSp>
+      <p:sp>
+        <p:nvSpPr>
+          <p:cNvPr id="22" name="テキスト ボックス 21">
+            <a:extLst>
+              <a:ext uri="{FF2B5EF4-FFF2-40B4-BE49-F238E27FC236}">
+                <a16:creationId xmlns:a16="http://schemas.microsoft.com/office/drawing/2014/main" id="{A90F333F-F59A-42F7-9C07-9D54F1C32B89}"/>
+              </a:ext>
+            </a:extLst>
+          </p:cNvPr>
+          <p:cNvSpPr txBox="1"/>
+          <p:nvPr/>
+        </p:nvSpPr>
+        <p:spPr>
+          <a:xfrm>
+            <a:off x="555585" y="3026621"/>
+            <a:ext cx="3807564" cy="369332"/>
+          </a:xfrm>
+          <a:prstGeom prst="rect">
+            <a:avLst/>
+          </a:prstGeom>
+          <a:noFill/>
+        </p:spPr>
+        <p:txBody>
+          <a:bodyPr wrap="square" rtlCol="0">
+            <a:spAutoFit/>
+          </a:bodyPr>
+          <a:lstStyle/>
+          <a:p>
+            <a:pPr algn="l"/>
+            <a:r>
+              <a:rPr kumimoji="1" lang="ja-JP" altLang="en-US" b="1" dirty="0">
+                <a:solidFill>
+                  <a:srgbClr val="FF0000"/>
+                </a:solidFill>
+              </a:rPr>
+              <a:t>熱流量のパラメータ入力値は「</a:t>
+            </a:r>
+            <a:r>
+              <a:rPr kumimoji="1" lang="en-US" altLang="ja-JP" b="1" dirty="0">
+                <a:solidFill>
+                  <a:srgbClr val="FF0000"/>
+                </a:solidFill>
+              </a:rPr>
+              <a:t>1</a:t>
+            </a:r>
+            <a:r>
+              <a:rPr kumimoji="1" lang="ja-JP" altLang="en-US" b="1" dirty="0">
+                <a:solidFill>
+                  <a:srgbClr val="FF0000"/>
+                </a:solidFill>
+              </a:rPr>
+              <a:t>」</a:t>
+            </a:r>
+            <a:endParaRPr kumimoji="1" lang="en-US" altLang="ja-JP" b="1" dirty="0">
+              <a:solidFill>
+                <a:srgbClr val="FF0000"/>
+              </a:solidFill>
+            </a:endParaRPr>
+          </a:p>
+        </p:txBody>
+      </p:sp>
+      <p:sp>
+        <p:nvSpPr>
+          <p:cNvPr id="12" name="四角形: 角を丸くする 11">
+            <a:extLst>
+              <a:ext uri="{FF2B5EF4-FFF2-40B4-BE49-F238E27FC236}">
+                <a16:creationId xmlns:a16="http://schemas.microsoft.com/office/drawing/2014/main" id="{89410F1F-6FD3-4B09-811B-4E607201BDA2}"/>
+              </a:ext>
+            </a:extLst>
+          </p:cNvPr>
+          <p:cNvSpPr/>
+          <p:nvPr/>
+        </p:nvSpPr>
+        <p:spPr>
+          <a:xfrm>
+            <a:off x="5384542" y="3907985"/>
+            <a:ext cx="1332081" cy="326253"/>
+          </a:xfrm>
+          <a:prstGeom prst="roundRect">
+            <a:avLst/>
+          </a:prstGeom>
+          <a:noFill/>
+          <a:ln>
+            <a:solidFill>
+              <a:srgbClr val="FF0000"/>
+            </a:solidFill>
+          </a:ln>
+        </p:spPr>
+        <p:style>
+          <a:lnRef idx="2">
+            <a:schemeClr val="accent1">
+              <a:shade val="50000"/>
+            </a:schemeClr>
+          </a:lnRef>
+          <a:fillRef idx="1">
+            <a:schemeClr val="accent1"/>
+          </a:fillRef>
+          <a:effectRef idx="0">
+            <a:schemeClr val="accent1"/>
+          </a:effectRef>
+          <a:fontRef idx="minor">
+            <a:schemeClr val="lt1"/>
+          </a:fontRef>
+        </p:style>
+        <p:txBody>
+          <a:bodyPr rtlCol="0" anchor="ctr"/>
+          <a:lstStyle/>
+          <a:p>
+            <a:pPr algn="ctr"/>
+            <a:endParaRPr kumimoji="1" lang="ja-JP" altLang="en-US"/>
+          </a:p>
+        </p:txBody>
+      </p:sp>
+      <p:cxnSp>
+        <p:nvCxnSpPr>
+          <p:cNvPr id="17" name="直線矢印コネクタ 16">
+            <a:extLst>
+              <a:ext uri="{FF2B5EF4-FFF2-40B4-BE49-F238E27FC236}">
+                <a16:creationId xmlns:a16="http://schemas.microsoft.com/office/drawing/2014/main" id="{E12643A7-516A-4AC4-B474-77C9E687A325}"/>
+              </a:ext>
+            </a:extLst>
+          </p:cNvPr>
+          <p:cNvCxnSpPr>
+            <a:cxnSpLocks/>
+            <a:stCxn id="10" idx="1"/>
+            <a:endCxn id="3" idx="3"/>
+          </p:cNvCxnSpPr>
+          <p:nvPr/>
+        </p:nvCxnSpPr>
+        <p:spPr>
+          <a:xfrm flipH="1" flipV="1">
+            <a:off x="7257995" y="3515418"/>
+            <a:ext cx="534485" cy="478324"/>
+          </a:xfrm>
+          <a:prstGeom prst="straightConnector1">
+            <a:avLst/>
+          </a:prstGeom>
+          <a:ln w="28575">
+            <a:solidFill>
+              <a:srgbClr val="FF0000"/>
+            </a:solidFill>
+            <a:headEnd type="none" w="med" len="med"/>
+            <a:tailEnd type="triangle"/>
+          </a:ln>
+        </p:spPr>
+        <p:style>
+          <a:lnRef idx="1">
+            <a:schemeClr val="accent1"/>
+          </a:lnRef>
+          <a:fillRef idx="0">
+            <a:schemeClr val="accent1"/>
+          </a:fillRef>
+          <a:effectRef idx="0">
+            <a:schemeClr val="accent1"/>
+          </a:effectRef>
+          <a:fontRef idx="minor">
+            <a:schemeClr val="tx1"/>
+          </a:fontRef>
+        </p:style>
+      </p:cxnSp>
+      <p:sp>
+        <p:nvSpPr>
+          <p:cNvPr id="2" name="正方形/長方形 1"/>
+          <p:cNvSpPr/>
+          <p:nvPr/>
+        </p:nvSpPr>
+        <p:spPr>
+          <a:xfrm>
+            <a:off x="838200" y="4591531"/>
+            <a:ext cx="11245770" cy="1631216"/>
+          </a:xfrm>
+          <a:prstGeom prst="rect">
+            <a:avLst/>
+          </a:prstGeom>
+        </p:spPr>
+        <p:txBody>
+          <a:bodyPr wrap="square">
+            <a:spAutoFit/>
+          </a:bodyPr>
+          <a:lstStyle/>
+          <a:p>
+            <a:r>
+              <a:rPr lang="ja-JP" altLang="en-US" sz="2000" dirty="0" smtClean="0"/>
+              <a:t>フロー</a:t>
+            </a:r>
+            <a:r>
+              <a:rPr lang="ja-JP" altLang="en-US" sz="2000" dirty="0"/>
+              <a:t>変数</a:t>
+            </a:r>
+            <a:r>
+              <a:rPr lang="ja-JP" altLang="en-US" sz="2000" dirty="0" smtClean="0"/>
+              <a:t>は、モデルに流入する場合が正、流出する場合が負とするのが慣例です。</a:t>
+            </a:r>
+            <a:endParaRPr lang="en-US" altLang="ja-JP" sz="2000" dirty="0" smtClean="0"/>
+          </a:p>
+          <a:p>
+            <a:r>
+              <a:rPr lang="ja-JP" altLang="en-US" sz="2000" dirty="0" smtClean="0"/>
+              <a:t>その慣例にならうと熱流量を</a:t>
+            </a:r>
+            <a:r>
+              <a:rPr lang="en-US" altLang="ja-JP" sz="2000" dirty="0" smtClean="0"/>
+              <a:t>1W</a:t>
+            </a:r>
+            <a:r>
+              <a:rPr lang="ja-JP" altLang="en-US" sz="2000" dirty="0" smtClean="0"/>
+              <a:t>を系に与える場合、パラメータに「</a:t>
+            </a:r>
+            <a:r>
+              <a:rPr lang="en-US" altLang="ja-JP" sz="2000" dirty="0" smtClean="0"/>
+              <a:t>-1</a:t>
+            </a:r>
+            <a:r>
+              <a:rPr lang="ja-JP" altLang="en-US" sz="2000" dirty="0" smtClean="0"/>
+              <a:t>」とユーザーは入力しないといけません。</a:t>
+            </a:r>
+            <a:endParaRPr lang="en-US" altLang="ja-JP" sz="2000" dirty="0" smtClean="0"/>
+          </a:p>
+          <a:p>
+            <a:r>
+              <a:rPr lang="ja-JP" altLang="en-US" sz="2000" dirty="0" smtClean="0"/>
+              <a:t>しかし、直感的</a:t>
+            </a:r>
+            <a:r>
+              <a:rPr lang="ja-JP" altLang="en-US" sz="2000" dirty="0"/>
+              <a:t>ではない</a:t>
+            </a:r>
+            <a:r>
+              <a:rPr lang="ja-JP" altLang="en-US" sz="2000" dirty="0" smtClean="0"/>
+              <a:t>ためほとんど</a:t>
+            </a:r>
+            <a:r>
+              <a:rPr lang="ja-JP" altLang="en-US" sz="2000" dirty="0"/>
+              <a:t>のライブラリではユーザーの入力は正として</a:t>
+            </a:r>
+            <a:endParaRPr lang="en-US" altLang="ja-JP" sz="2000" dirty="0"/>
+          </a:p>
+          <a:p>
+            <a:r>
+              <a:rPr lang="ja-JP" altLang="en-US" sz="2000" dirty="0"/>
+              <a:t>モデル内部はマイナスをかけて負としています。</a:t>
+            </a:r>
+            <a:endParaRPr lang="en-US" altLang="ja-JP" sz="2000" dirty="0"/>
+          </a:p>
+        </p:txBody>
+      </p:sp>
+      <p:pic>
+        <p:nvPicPr>
+          <p:cNvPr id="16" name="図 15"/>
+          <p:cNvPicPr>
+            <a:picLocks noChangeAspect="1"/>
+          </p:cNvPicPr>
+          <p:nvPr/>
+        </p:nvPicPr>
+        <p:blipFill>
+          <a:blip r:embed="rId3"/>
+          <a:stretch>
+            <a:fillRect/>
+          </a:stretch>
+        </p:blipFill>
+        <p:spPr>
+          <a:xfrm>
+            <a:off x="3447396" y="6271859"/>
+            <a:ext cx="6950042" cy="403895"/>
+          </a:xfrm>
+          <a:prstGeom prst="rect">
+            <a:avLst/>
+          </a:prstGeom>
+          <a:effectLst>
+            <a:outerShdw blurRad="50800" dist="38100" dir="2700000" algn="tl" rotWithShape="0">
+              <a:prstClr val="black">
+                <a:alpha val="40000"/>
+              </a:prstClr>
+            </a:outerShdw>
+          </a:effectLst>
+        </p:spPr>
+      </p:pic>
+      <p:sp>
+        <p:nvSpPr>
+          <p:cNvPr id="19" name="正方形/長方形 18"/>
+          <p:cNvSpPr/>
+          <p:nvPr/>
+        </p:nvSpPr>
+        <p:spPr>
+          <a:xfrm>
+            <a:off x="555585" y="6352143"/>
+            <a:ext cx="2704587" cy="369332"/>
+          </a:xfrm>
+          <a:prstGeom prst="rect">
+            <a:avLst/>
+          </a:prstGeom>
+        </p:spPr>
+        <p:txBody>
+          <a:bodyPr wrap="none">
+            <a:spAutoFit/>
+          </a:bodyPr>
+          <a:lstStyle/>
+          <a:p>
+            <a:r>
+              <a:rPr lang="en-US" altLang="ja-JP" dirty="0" err="1" smtClean="0"/>
+              <a:t>FixedHeatFlow</a:t>
+            </a:r>
+            <a:r>
               <a:rPr lang="ja-JP" altLang="en-US" dirty="0" smtClean="0"/>
-              <a:t>簡単なプラントモデルの作成</a:t>
-            </a:r>
-            <a:endParaRPr lang="en-US" altLang="ja-JP" dirty="0"/>
+              <a:t>の計算式</a:t>
+            </a:r>
+            <a:endParaRPr lang="ja-JP" altLang="en-US" dirty="0"/>
           </a:p>
         </p:txBody>
       </p:sp>
     </p:spTree>
     <p:extLst>
       <p:ext uri="{BB962C8B-B14F-4D97-AF65-F5344CB8AC3E}">
-        <p14:creationId xmlns:p14="http://schemas.microsoft.com/office/powerpoint/2010/main" val="1727031824"/>
+        <p14:creationId xmlns:p14="http://schemas.microsoft.com/office/powerpoint/2010/main" val="3223637901"/>
       </p:ext>
     </p:extLst>
   </p:cSld>
@@ -24169,39 +24772,10 @@
       </p:grpSpPr>
       <p:sp>
         <p:nvSpPr>
-          <p:cNvPr id="4" name="スライド番号プレースホルダー 3">
-            <a:extLst>
-              <a:ext uri="{FF2B5EF4-FFF2-40B4-BE49-F238E27FC236}">
-                <a16:creationId xmlns:a16="http://schemas.microsoft.com/office/drawing/2014/main" id="{62C8405B-E1A8-4250-83B4-B3DC73FA8844}"/>
-              </a:ext>
-            </a:extLst>
-          </p:cNvPr>
-          <p:cNvSpPr>
-            <a:spLocks noGrp="1"/>
-          </p:cNvSpPr>
-          <p:nvPr>
-            <p:ph type="sldNum" sz="quarter" idx="12"/>
-          </p:nvPr>
-        </p:nvSpPr>
-        <p:spPr/>
-        <p:txBody>
-          <a:bodyPr/>
-          <a:lstStyle/>
-          <a:p>
-            <a:fld id="{D836F367-8F14-4921-8441-15DE2D973248}" type="slidenum">
-              <a:rPr kumimoji="1" lang="ja-JP" altLang="en-US" smtClean="0"/>
-              <a:t>33</a:t>
-            </a:fld>
-            <a:endParaRPr kumimoji="1" lang="ja-JP" altLang="en-US"/>
-          </a:p>
-        </p:txBody>
-      </p:sp>
-      <p:sp>
-        <p:nvSpPr>
-          <p:cNvPr id="7" name="Shape 130">
-            <a:extLst>
-              <a:ext uri="{FF2B5EF4-FFF2-40B4-BE49-F238E27FC236}">
-                <a16:creationId xmlns:a16="http://schemas.microsoft.com/office/drawing/2014/main" id="{62311BE2-8146-4C5F-883C-23F48775675B}"/>
+          <p:cNvPr id="4" name="Shape 130">
+            <a:extLst>
+              <a:ext uri="{FF2B5EF4-FFF2-40B4-BE49-F238E27FC236}">
+                <a16:creationId xmlns:a16="http://schemas.microsoft.com/office/drawing/2014/main" id="{925B04DB-30E4-42E2-80C9-D742CED3A8D8}"/>
               </a:ext>
             </a:extLst>
           </p:cNvPr>
@@ -24211,7 +24785,7 @@
         <p:spPr>
           <a:xfrm>
             <a:off x="179666" y="87415"/>
-            <a:ext cx="1295226" cy="579646"/>
+            <a:ext cx="4028347" cy="579646"/>
           </a:xfrm>
           <a:prstGeom prst="rect">
             <a:avLst/>
@@ -24221,7 +24795,7 @@
           </a:ln>
           <a:extLst>
             <a:ext uri="{C572A759-6A51-4108-AA02-DFA0A04FC94B}">
-              <ma14:wrappingTextBoxFlag xmlns="" xmlns:ma14="http://schemas.microsoft.com/office/mac/drawingml/2011/main" val="1"/>
+              <ma14:wrappingTextBoxFlag xmlns:ma14="http://schemas.microsoft.com/office/mac/drawingml/2011/main" xmlns="" val="1"/>
             </a:ext>
           </a:extLst>
         </p:spPr>
@@ -24241,6 +24815,694 @@
             </a:pPr>
             <a:r>
               <a:rPr lang="ja-JP" altLang="en-US" dirty="0"/>
+              <a:t>物理的な</a:t>
+            </a:r>
+            <a:r>
+              <a:rPr lang="ja-JP" altLang="en-US" dirty="0" smtClean="0"/>
+              <a:t>モデル </a:t>
+            </a:r>
+            <a:r>
+              <a:rPr lang="en-US" altLang="ja-JP" dirty="0" smtClean="0"/>
+              <a:t>- </a:t>
+            </a:r>
+            <a:r>
+              <a:rPr lang="ja-JP" altLang="en-US" dirty="0" smtClean="0"/>
+              <a:t>演習</a:t>
+            </a:r>
+            <a:endParaRPr lang="en-US" altLang="ja-JP" dirty="0"/>
+          </a:p>
+        </p:txBody>
+      </p:sp>
+      <p:sp>
+        <p:nvSpPr>
+          <p:cNvPr id="3" name="スライド番号プレースホルダー 2">
+            <a:extLst>
+              <a:ext uri="{FF2B5EF4-FFF2-40B4-BE49-F238E27FC236}">
+                <a16:creationId xmlns:a16="http://schemas.microsoft.com/office/drawing/2014/main" id="{C03CFA8D-F255-47FE-9956-D3EE57D24708}"/>
+              </a:ext>
+            </a:extLst>
+          </p:cNvPr>
+          <p:cNvSpPr>
+            <a:spLocks noGrp="1"/>
+          </p:cNvSpPr>
+          <p:nvPr>
+            <p:ph type="sldNum" sz="quarter" idx="12"/>
+          </p:nvPr>
+        </p:nvSpPr>
+        <p:spPr/>
+        <p:txBody>
+          <a:bodyPr/>
+          <a:lstStyle/>
+          <a:p>
+            <a:fld id="{D836F367-8F14-4921-8441-15DE2D973248}" type="slidenum">
+              <a:rPr kumimoji="1" lang="ja-JP" altLang="en-US" smtClean="0"/>
+              <a:t>33</a:t>
+            </a:fld>
+            <a:endParaRPr kumimoji="1" lang="ja-JP" altLang="en-US"/>
+          </a:p>
+        </p:txBody>
+      </p:sp>
+      <p:pic>
+        <p:nvPicPr>
+          <p:cNvPr id="28" name="図 27">
+            <a:extLst>
+              <a:ext uri="{FF2B5EF4-FFF2-40B4-BE49-F238E27FC236}">
+                <a16:creationId xmlns:a16="http://schemas.microsoft.com/office/drawing/2014/main" id="{994841A0-66A7-4C8D-9EEC-422555CB9EA3}"/>
+              </a:ext>
+            </a:extLst>
+          </p:cNvPr>
+          <p:cNvPicPr>
+            <a:picLocks noChangeAspect="1"/>
+          </p:cNvPicPr>
+          <p:nvPr/>
+        </p:nvPicPr>
+        <p:blipFill rotWithShape="1">
+          <a:blip r:embed="rId2"/>
+          <a:srcRect r="67412"/>
+          <a:stretch/>
+        </p:blipFill>
+        <p:spPr>
+          <a:xfrm>
+            <a:off x="2700937" y="3269561"/>
+            <a:ext cx="940766" cy="1020885"/>
+          </a:xfrm>
+          <a:prstGeom prst="rect">
+            <a:avLst/>
+          </a:prstGeom>
+        </p:spPr>
+      </p:pic>
+      <p:sp>
+        <p:nvSpPr>
+          <p:cNvPr id="29" name="テキスト ボックス 28">
+            <a:extLst>
+              <a:ext uri="{FF2B5EF4-FFF2-40B4-BE49-F238E27FC236}">
+                <a16:creationId xmlns:a16="http://schemas.microsoft.com/office/drawing/2014/main" id="{161FA918-2666-42D4-BC97-1EBA19B06BA1}"/>
+              </a:ext>
+            </a:extLst>
+          </p:cNvPr>
+          <p:cNvSpPr txBox="1"/>
+          <p:nvPr/>
+        </p:nvSpPr>
+        <p:spPr>
+          <a:xfrm>
+            <a:off x="2501906" y="4331578"/>
+            <a:ext cx="1338828" cy="369332"/>
+          </a:xfrm>
+          <a:prstGeom prst="rect">
+            <a:avLst/>
+          </a:prstGeom>
+          <a:noFill/>
+        </p:spPr>
+        <p:txBody>
+          <a:bodyPr wrap="none" rtlCol="0">
+            <a:spAutoFit/>
+          </a:bodyPr>
+          <a:lstStyle/>
+          <a:p>
+            <a:pPr algn="l"/>
+            <a:r>
+              <a:rPr kumimoji="1" lang="ja-JP" altLang="en-US" dirty="0"/>
+              <a:t>コンデンサ</a:t>
+            </a:r>
+          </a:p>
+        </p:txBody>
+      </p:sp>
+      <p:pic>
+        <p:nvPicPr>
+          <p:cNvPr id="35" name="図 34">
+            <a:extLst>
+              <a:ext uri="{FF2B5EF4-FFF2-40B4-BE49-F238E27FC236}">
+                <a16:creationId xmlns:a16="http://schemas.microsoft.com/office/drawing/2014/main" id="{C85347AD-B073-4200-9848-62A1AEC2464B}"/>
+              </a:ext>
+            </a:extLst>
+          </p:cNvPr>
+          <p:cNvPicPr>
+            <a:picLocks noChangeAspect="1"/>
+          </p:cNvPicPr>
+          <p:nvPr/>
+        </p:nvPicPr>
+        <p:blipFill rotWithShape="1">
+          <a:blip r:embed="rId3"/>
+          <a:srcRect r="67863"/>
+          <a:stretch/>
+        </p:blipFill>
+        <p:spPr>
+          <a:xfrm>
+            <a:off x="2544921" y="1433938"/>
+            <a:ext cx="1252799" cy="1222635"/>
+          </a:xfrm>
+          <a:prstGeom prst="rect">
+            <a:avLst/>
+          </a:prstGeom>
+        </p:spPr>
+      </p:pic>
+      <p:sp>
+        <p:nvSpPr>
+          <p:cNvPr id="38" name="テキスト ボックス 37">
+            <a:extLst>
+              <a:ext uri="{FF2B5EF4-FFF2-40B4-BE49-F238E27FC236}">
+                <a16:creationId xmlns:a16="http://schemas.microsoft.com/office/drawing/2014/main" id="{C607FED9-67B3-423B-8692-FF0A39C72DF2}"/>
+              </a:ext>
+            </a:extLst>
+          </p:cNvPr>
+          <p:cNvSpPr txBox="1"/>
+          <p:nvPr/>
+        </p:nvSpPr>
+        <p:spPr>
+          <a:xfrm>
+            <a:off x="2848155" y="2653629"/>
+            <a:ext cx="646331" cy="369332"/>
+          </a:xfrm>
+          <a:prstGeom prst="rect">
+            <a:avLst/>
+          </a:prstGeom>
+          <a:noFill/>
+        </p:spPr>
+        <p:txBody>
+          <a:bodyPr wrap="none" rtlCol="0">
+            <a:spAutoFit/>
+          </a:bodyPr>
+          <a:lstStyle/>
+          <a:p>
+            <a:pPr algn="l"/>
+            <a:r>
+              <a:rPr kumimoji="1" lang="ja-JP" altLang="en-US" dirty="0"/>
+              <a:t>電源</a:t>
+            </a:r>
+          </a:p>
+        </p:txBody>
+      </p:sp>
+      <p:pic>
+        <p:nvPicPr>
+          <p:cNvPr id="43" name="図 42">
+            <a:extLst>
+              <a:ext uri="{FF2B5EF4-FFF2-40B4-BE49-F238E27FC236}">
+                <a16:creationId xmlns:a16="http://schemas.microsoft.com/office/drawing/2014/main" id="{BB0370C2-0BC8-40F8-8725-B84DE1CFE728}"/>
+              </a:ext>
+            </a:extLst>
+          </p:cNvPr>
+          <p:cNvPicPr>
+            <a:picLocks noChangeAspect="1"/>
+          </p:cNvPicPr>
+          <p:nvPr/>
+        </p:nvPicPr>
+        <p:blipFill>
+          <a:blip r:embed="rId4"/>
+          <a:stretch>
+            <a:fillRect/>
+          </a:stretch>
+        </p:blipFill>
+        <p:spPr>
+          <a:xfrm>
+            <a:off x="2627493" y="5044215"/>
+            <a:ext cx="1087655" cy="849916"/>
+          </a:xfrm>
+          <a:prstGeom prst="rect">
+            <a:avLst/>
+          </a:prstGeom>
+        </p:spPr>
+      </p:pic>
+      <p:sp>
+        <p:nvSpPr>
+          <p:cNvPr id="44" name="テキスト ボックス 43">
+            <a:extLst>
+              <a:ext uri="{FF2B5EF4-FFF2-40B4-BE49-F238E27FC236}">
+                <a16:creationId xmlns:a16="http://schemas.microsoft.com/office/drawing/2014/main" id="{B48F04EE-BEE9-4737-8F1F-E1E9F9FEF7CB}"/>
+              </a:ext>
+            </a:extLst>
+          </p:cNvPr>
+          <p:cNvSpPr txBox="1"/>
+          <p:nvPr/>
+        </p:nvSpPr>
+        <p:spPr>
+          <a:xfrm>
+            <a:off x="2848155" y="5864970"/>
+            <a:ext cx="646331" cy="369332"/>
+          </a:xfrm>
+          <a:prstGeom prst="rect">
+            <a:avLst/>
+          </a:prstGeom>
+          <a:noFill/>
+        </p:spPr>
+        <p:txBody>
+          <a:bodyPr wrap="none" rtlCol="0">
+            <a:spAutoFit/>
+          </a:bodyPr>
+          <a:lstStyle/>
+          <a:p>
+            <a:pPr algn="l"/>
+            <a:r>
+              <a:rPr kumimoji="1" lang="ja-JP" altLang="en-US" dirty="0"/>
+              <a:t>抵抗</a:t>
+            </a:r>
+          </a:p>
+        </p:txBody>
+      </p:sp>
+      <p:sp>
+        <p:nvSpPr>
+          <p:cNvPr id="2" name="テキスト ボックス 1">
+            <a:extLst>
+              <a:ext uri="{FF2B5EF4-FFF2-40B4-BE49-F238E27FC236}">
+                <a16:creationId xmlns:a16="http://schemas.microsoft.com/office/drawing/2014/main" id="{9C656998-5F06-4261-891A-970E29263FDD}"/>
+              </a:ext>
+            </a:extLst>
+          </p:cNvPr>
+          <p:cNvSpPr txBox="1"/>
+          <p:nvPr/>
+        </p:nvSpPr>
+        <p:spPr>
+          <a:xfrm>
+            <a:off x="726738" y="876818"/>
+            <a:ext cx="10882184" cy="830997"/>
+          </a:xfrm>
+          <a:prstGeom prst="rect">
+            <a:avLst/>
+          </a:prstGeom>
+          <a:noFill/>
+        </p:spPr>
+        <p:txBody>
+          <a:bodyPr wrap="square" rtlCol="0">
+            <a:spAutoFit/>
+          </a:bodyPr>
+          <a:lstStyle/>
+          <a:p>
+            <a:pPr algn="l"/>
+            <a:r>
+              <a:rPr kumimoji="1" lang="en-US" altLang="ja-JP" sz="2400" dirty="0" err="1"/>
+              <a:t>OpenModelica</a:t>
+            </a:r>
+            <a:r>
+              <a:rPr kumimoji="1" lang="ja-JP" altLang="en-US" sz="2400" dirty="0"/>
+              <a:t>を使用して、以下のモデルのソースコードを確認しどのように方程式が定義されているか確認してみてください</a:t>
+            </a:r>
+          </a:p>
+        </p:txBody>
+      </p:sp>
+      <p:sp>
+        <p:nvSpPr>
+          <p:cNvPr id="5" name="正方形/長方形 4"/>
+          <p:cNvSpPr/>
+          <p:nvPr/>
+        </p:nvSpPr>
+        <p:spPr>
+          <a:xfrm>
+            <a:off x="4049736" y="3902303"/>
+            <a:ext cx="4711546" cy="369332"/>
+          </a:xfrm>
+          <a:prstGeom prst="rect">
+            <a:avLst/>
+          </a:prstGeom>
+        </p:spPr>
+        <p:txBody>
+          <a:bodyPr wrap="none">
+            <a:spAutoFit/>
+          </a:bodyPr>
+          <a:lstStyle/>
+          <a:p>
+            <a:r>
+              <a:rPr lang="en-US" altLang="ja-JP" dirty="0" err="1">
+                <a:solidFill>
+                  <a:srgbClr val="000000"/>
+                </a:solidFill>
+                <a:ea typeface="MS UI Gothic" panose="020B0600070205080204" pitchFamily="50" charset="-128"/>
+              </a:rPr>
+              <a:t>Modelica.Electrical.Analog.Basic.Capacitor</a:t>
+            </a:r>
+            <a:endParaRPr lang="en-US" altLang="ja-JP" i="0" dirty="0">
+              <a:solidFill>
+                <a:srgbClr val="000000"/>
+              </a:solidFill>
+              <a:effectLst/>
+              <a:ea typeface="MS UI Gothic" panose="020B0600070205080204" pitchFamily="50" charset="-128"/>
+            </a:endParaRPr>
+          </a:p>
+        </p:txBody>
+      </p:sp>
+      <p:sp>
+        <p:nvSpPr>
+          <p:cNvPr id="6" name="正方形/長方形 5"/>
+          <p:cNvSpPr/>
+          <p:nvPr/>
+        </p:nvSpPr>
+        <p:spPr>
+          <a:xfrm>
+            <a:off x="4049736" y="1996056"/>
+            <a:ext cx="5732660" cy="369332"/>
+          </a:xfrm>
+          <a:prstGeom prst="rect">
+            <a:avLst/>
+          </a:prstGeom>
+        </p:spPr>
+        <p:txBody>
+          <a:bodyPr wrap="none">
+            <a:spAutoFit/>
+          </a:bodyPr>
+          <a:lstStyle/>
+          <a:p>
+            <a:r>
+              <a:rPr lang="ja-JP" altLang="en-US" dirty="0"/>
+              <a:t>Modelica.Electrical.Analog.Sources.ConstantVoltage</a:t>
+            </a:r>
+          </a:p>
+        </p:txBody>
+      </p:sp>
+      <p:sp>
+        <p:nvSpPr>
+          <p:cNvPr id="7" name="正方形/長方形 6"/>
+          <p:cNvSpPr/>
+          <p:nvPr/>
+        </p:nvSpPr>
+        <p:spPr>
+          <a:xfrm>
+            <a:off x="4049736" y="5331070"/>
+            <a:ext cx="4560864" cy="369332"/>
+          </a:xfrm>
+          <a:prstGeom prst="rect">
+            <a:avLst/>
+          </a:prstGeom>
+        </p:spPr>
+        <p:txBody>
+          <a:bodyPr wrap="none">
+            <a:spAutoFit/>
+          </a:bodyPr>
+          <a:lstStyle/>
+          <a:p>
+            <a:r>
+              <a:rPr lang="en-US" altLang="ja-JP" dirty="0" err="1">
+                <a:solidFill>
+                  <a:srgbClr val="000000"/>
+                </a:solidFill>
+                <a:ea typeface="MS UI Gothic" panose="020B0600070205080204" pitchFamily="50" charset="-128"/>
+              </a:rPr>
+              <a:t>Modelica.Electrical.Analog.Basic.Resistor</a:t>
+            </a:r>
+            <a:endParaRPr lang="en-US" altLang="ja-JP" i="0" dirty="0">
+              <a:solidFill>
+                <a:srgbClr val="000000"/>
+              </a:solidFill>
+              <a:effectLst/>
+              <a:ea typeface="MS UI Gothic" panose="020B0600070205080204" pitchFamily="50" charset="-128"/>
+            </a:endParaRPr>
+          </a:p>
+        </p:txBody>
+      </p:sp>
+    </p:spTree>
+    <p:extLst>
+      <p:ext uri="{BB962C8B-B14F-4D97-AF65-F5344CB8AC3E}">
+        <p14:creationId xmlns:p14="http://schemas.microsoft.com/office/powerpoint/2010/main" val="4142976249"/>
+      </p:ext>
+    </p:extLst>
+  </p:cSld>
+  <p:clrMapOvr>
+    <a:masterClrMapping/>
+  </p:clrMapOvr>
+  <p:timing>
+    <p:tnLst>
+      <p:par>
+        <p:cTn id="1" dur="indefinite" restart="never" nodeType="tmRoot"/>
+      </p:par>
+    </p:tnLst>
+  </p:timing>
+</p:sld>
+</file>
+
+<file path=ppt/slides/slide34.xml><?xml version="1.0" encoding="utf-8"?>
+<p:sld xmlns:a="http://schemas.openxmlformats.org/drawingml/2006/main" xmlns:r="http://schemas.openxmlformats.org/officeDocument/2006/relationships" xmlns:p="http://schemas.openxmlformats.org/presentationml/2006/main">
+  <p:cSld>
+    <p:spTree>
+      <p:nvGrpSpPr>
+        <p:cNvPr id="1" name=""/>
+        <p:cNvGrpSpPr/>
+        <p:nvPr/>
+      </p:nvGrpSpPr>
+      <p:grpSpPr>
+        <a:xfrm>
+          <a:off x="0" y="0"/>
+          <a:ext cx="0" cy="0"/>
+          <a:chOff x="0" y="0"/>
+          <a:chExt cx="0" cy="0"/>
+        </a:xfrm>
+      </p:grpSpPr>
+      <p:sp>
+        <p:nvSpPr>
+          <p:cNvPr id="4" name="スライド番号プレースホルダー 3">
+            <a:extLst>
+              <a:ext uri="{FF2B5EF4-FFF2-40B4-BE49-F238E27FC236}">
+                <a16:creationId xmlns:a16="http://schemas.microsoft.com/office/drawing/2014/main" id="{62C8405B-E1A8-4250-83B4-B3DC73FA8844}"/>
+              </a:ext>
+            </a:extLst>
+          </p:cNvPr>
+          <p:cNvSpPr>
+            <a:spLocks noGrp="1"/>
+          </p:cNvSpPr>
+          <p:nvPr>
+            <p:ph type="sldNum" sz="quarter" idx="12"/>
+          </p:nvPr>
+        </p:nvSpPr>
+        <p:spPr/>
+        <p:txBody>
+          <a:bodyPr/>
+          <a:lstStyle/>
+          <a:p>
+            <a:fld id="{D836F367-8F14-4921-8441-15DE2D973248}" type="slidenum">
+              <a:rPr kumimoji="1" lang="ja-JP" altLang="en-US" smtClean="0"/>
+              <a:t>34</a:t>
+            </a:fld>
+            <a:endParaRPr kumimoji="1" lang="ja-JP" altLang="en-US"/>
+          </a:p>
+        </p:txBody>
+      </p:sp>
+      <p:sp>
+        <p:nvSpPr>
+          <p:cNvPr id="7" name="Shape 130">
+            <a:extLst>
+              <a:ext uri="{FF2B5EF4-FFF2-40B4-BE49-F238E27FC236}">
+                <a16:creationId xmlns:a16="http://schemas.microsoft.com/office/drawing/2014/main" id="{62311BE2-8146-4C5F-883C-23F48775675B}"/>
+              </a:ext>
+            </a:extLst>
+          </p:cNvPr>
+          <p:cNvSpPr/>
+          <p:nvPr/>
+        </p:nvSpPr>
+        <p:spPr>
+          <a:xfrm>
+            <a:off x="179666" y="87415"/>
+            <a:ext cx="6097823" cy="579646"/>
+          </a:xfrm>
+          <a:prstGeom prst="rect">
+            <a:avLst/>
+          </a:prstGeom>
+          <a:ln w="12700">
+            <a:miter lim="400000"/>
+          </a:ln>
+          <a:extLst>
+            <a:ext uri="{C572A759-6A51-4108-AA02-DFA0A04FC94B}">
+              <ma14:wrappingTextBoxFlag xmlns:ma14="http://schemas.microsoft.com/office/mac/drawingml/2011/main" xmlns="" val="1"/>
+            </a:ext>
+          </a:extLst>
+        </p:spPr>
+        <p:txBody>
+          <a:bodyPr wrap="none" lIns="50800" tIns="50800" rIns="50800" bIns="50800" anchor="ctr">
+            <a:spAutoFit/>
+          </a:bodyPr>
+          <a:lstStyle/>
+          <a:p>
+            <a:pPr>
+              <a:defRPr sz="3100" u="sng">
+                <a:latin typeface="YuMincho Medium"/>
+                <a:ea typeface="YuMincho Medium"/>
+                <a:cs typeface="YuMincho Medium"/>
+                <a:sym typeface="YuMincho Medium"/>
+              </a:defRPr>
+            </a:pPr>
+            <a:r>
+              <a:rPr lang="ja-JP" altLang="en-US" dirty="0" smtClean="0"/>
+              <a:t>簡単なプラントモデルの</a:t>
+            </a:r>
+            <a:r>
+              <a:rPr lang="ja-JP" altLang="en-US" dirty="0" smtClean="0"/>
+              <a:t>作成 </a:t>
+            </a:r>
+            <a:r>
+              <a:rPr lang="en-US" altLang="ja-JP" dirty="0" smtClean="0"/>
+              <a:t>- </a:t>
+            </a:r>
+            <a:r>
+              <a:rPr lang="ja-JP" altLang="en-US" dirty="0" smtClean="0"/>
+              <a:t>演習</a:t>
+            </a:r>
+            <a:endParaRPr lang="en-US" altLang="ja-JP" dirty="0"/>
+          </a:p>
+        </p:txBody>
+      </p:sp>
+      <p:sp>
+        <p:nvSpPr>
+          <p:cNvPr id="2" name="テキスト ボックス 1"/>
+          <p:cNvSpPr txBox="1"/>
+          <p:nvPr/>
+        </p:nvSpPr>
+        <p:spPr>
+          <a:xfrm>
+            <a:off x="438150" y="1057275"/>
+            <a:ext cx="11617283" cy="830997"/>
+          </a:xfrm>
+          <a:prstGeom prst="rect">
+            <a:avLst/>
+          </a:prstGeom>
+          <a:noFill/>
+        </p:spPr>
+        <p:txBody>
+          <a:bodyPr wrap="none" rtlCol="0">
+            <a:spAutoFit/>
+          </a:bodyPr>
+          <a:lstStyle/>
+          <a:p>
+            <a:r>
+              <a:rPr lang="en-US" altLang="ja-JP" sz="2400" dirty="0"/>
+              <a:t>MSL</a:t>
+            </a:r>
+            <a:r>
+              <a:rPr lang="ja-JP" altLang="en-US" sz="2400" dirty="0"/>
+              <a:t>やオリジナルのモデルを</a:t>
+            </a:r>
+            <a:r>
+              <a:rPr lang="ja-JP" altLang="en-US" sz="2400" dirty="0" smtClean="0"/>
+              <a:t>使って</a:t>
+            </a:r>
+            <a:r>
+              <a:rPr kumimoji="1" lang="ja-JP" altLang="en-US" sz="2400" dirty="0" smtClean="0"/>
+              <a:t>自分の興味ある物理現象を解析してみましょう</a:t>
+            </a:r>
+            <a:endParaRPr kumimoji="1" lang="en-US" altLang="ja-JP" sz="2400" dirty="0" smtClean="0"/>
+          </a:p>
+          <a:p>
+            <a:r>
+              <a:rPr lang="ja-JP" altLang="en-US" sz="2400" dirty="0" smtClean="0"/>
+              <a:t>解</a:t>
+            </a:r>
+            <a:r>
+              <a:rPr lang="ja-JP" altLang="en-US" sz="2400" dirty="0"/>
+              <a:t>答</a:t>
+            </a:r>
+            <a:r>
+              <a:rPr lang="ja-JP" altLang="en-US" sz="2400" dirty="0" smtClean="0"/>
+              <a:t>例は用意していないので自分の作成するモデルが答えになります</a:t>
+            </a:r>
+            <a:endParaRPr kumimoji="1" lang="ja-JP" altLang="en-US" sz="2400" dirty="0" smtClean="0"/>
+          </a:p>
+        </p:txBody>
+      </p:sp>
+    </p:spTree>
+    <p:extLst>
+      <p:ext uri="{BB962C8B-B14F-4D97-AF65-F5344CB8AC3E}">
+        <p14:creationId xmlns:p14="http://schemas.microsoft.com/office/powerpoint/2010/main" val="1727031824"/>
+      </p:ext>
+    </p:extLst>
+  </p:cSld>
+  <p:clrMapOvr>
+    <a:masterClrMapping/>
+  </p:clrMapOvr>
+  <p:timing>
+    <p:tnLst>
+      <p:par>
+        <p:cTn id="1" dur="indefinite" restart="never" nodeType="tmRoot"/>
+      </p:par>
+    </p:tnLst>
+  </p:timing>
+</p:sld>
+</file>
+
+<file path=ppt/slides/slide35.xml><?xml version="1.0" encoding="utf-8"?>
+<p:sld xmlns:a="http://schemas.openxmlformats.org/drawingml/2006/main" xmlns:r="http://schemas.openxmlformats.org/officeDocument/2006/relationships" xmlns:p="http://schemas.openxmlformats.org/presentationml/2006/main">
+  <p:cSld>
+    <p:spTree>
+      <p:nvGrpSpPr>
+        <p:cNvPr id="1" name=""/>
+        <p:cNvGrpSpPr/>
+        <p:nvPr/>
+      </p:nvGrpSpPr>
+      <p:grpSpPr>
+        <a:xfrm>
+          <a:off x="0" y="0"/>
+          <a:ext cx="0" cy="0"/>
+          <a:chOff x="0" y="0"/>
+          <a:chExt cx="0" cy="0"/>
+        </a:xfrm>
+      </p:grpSpPr>
+      <p:sp>
+        <p:nvSpPr>
+          <p:cNvPr id="4" name="スライド番号プレースホルダー 3">
+            <a:extLst>
+              <a:ext uri="{FF2B5EF4-FFF2-40B4-BE49-F238E27FC236}">
+                <a16:creationId xmlns:a16="http://schemas.microsoft.com/office/drawing/2014/main" id="{62C8405B-E1A8-4250-83B4-B3DC73FA8844}"/>
+              </a:ext>
+            </a:extLst>
+          </p:cNvPr>
+          <p:cNvSpPr>
+            <a:spLocks noGrp="1"/>
+          </p:cNvSpPr>
+          <p:nvPr>
+            <p:ph type="sldNum" sz="quarter" idx="12"/>
+          </p:nvPr>
+        </p:nvSpPr>
+        <p:spPr/>
+        <p:txBody>
+          <a:bodyPr/>
+          <a:lstStyle/>
+          <a:p>
+            <a:fld id="{D836F367-8F14-4921-8441-15DE2D973248}" type="slidenum">
+              <a:rPr kumimoji="1" lang="ja-JP" altLang="en-US" smtClean="0"/>
+              <a:t>35</a:t>
+            </a:fld>
+            <a:endParaRPr kumimoji="1" lang="ja-JP" altLang="en-US"/>
+          </a:p>
+        </p:txBody>
+      </p:sp>
+      <p:sp>
+        <p:nvSpPr>
+          <p:cNvPr id="7" name="Shape 130">
+            <a:extLst>
+              <a:ext uri="{FF2B5EF4-FFF2-40B4-BE49-F238E27FC236}">
+                <a16:creationId xmlns:a16="http://schemas.microsoft.com/office/drawing/2014/main" id="{62311BE2-8146-4C5F-883C-23F48775675B}"/>
+              </a:ext>
+            </a:extLst>
+          </p:cNvPr>
+          <p:cNvSpPr/>
+          <p:nvPr/>
+        </p:nvSpPr>
+        <p:spPr>
+          <a:xfrm>
+            <a:off x="179666" y="87415"/>
+            <a:ext cx="1295226" cy="579646"/>
+          </a:xfrm>
+          <a:prstGeom prst="rect">
+            <a:avLst/>
+          </a:prstGeom>
+          <a:ln w="12700">
+            <a:miter lim="400000"/>
+          </a:ln>
+          <a:extLst>
+            <a:ext uri="{C572A759-6A51-4108-AA02-DFA0A04FC94B}">
+              <ma14:wrappingTextBoxFlag xmlns:ma14="http://schemas.microsoft.com/office/mac/drawingml/2011/main" xmlns="" val="1"/>
+            </a:ext>
+          </a:extLst>
+        </p:spPr>
+        <p:txBody>
+          <a:bodyPr wrap="none" lIns="50800" tIns="50800" rIns="50800" bIns="50800" anchor="ctr">
+            <a:spAutoFit/>
+          </a:bodyPr>
+          <a:lstStyle/>
+          <a:p>
+            <a:pPr>
+              <a:defRPr sz="3100" u="sng">
+                <a:latin typeface="YuMincho Medium"/>
+                <a:ea typeface="YuMincho Medium"/>
+                <a:cs typeface="YuMincho Medium"/>
+                <a:sym typeface="YuMincho Medium"/>
+              </a:defRPr>
+            </a:pPr>
+            <a:r>
+              <a:rPr lang="ja-JP" altLang="en-US" dirty="0"/>
               <a:t>まとめ</a:t>
             </a:r>
             <a:endParaRPr lang="en-US" altLang="ja-JP" dirty="0"/>
@@ -24316,8 +25578,8 @@
           </a:p>
         </p:txBody>
       </p:sp>
-      <mc:AlternateContent xmlns:mc="http://schemas.openxmlformats.org/markup-compatibility/2006" xmlns:a14="http://schemas.microsoft.com/office/drawing/2010/main">
-        <mc:Choice Requires="a14">
+      <mc:AlternateContent xmlns:mc="http://schemas.openxmlformats.org/markup-compatibility/2006">
+        <mc:Choice xmlns:a14="http://schemas.microsoft.com/office/drawing/2010/main" Requires="a14">
           <p:sp>
             <p:nvSpPr>
               <p:cNvPr id="6" name="テキスト ボックス 5">
@@ -24332,8 +25594,8 @@
             </p:nvSpPr>
             <p:spPr>
               <a:xfrm>
-                <a:off x="3537157" y="2544507"/>
-                <a:ext cx="6154005" cy="2108946"/>
+                <a:off x="3303269" y="2544507"/>
+                <a:ext cx="6621782" cy="2108946"/>
               </a:xfrm>
               <a:prstGeom prst="rect">
                 <a:avLst/>
@@ -24356,7 +25618,13 @@
                   <a:rPr kumimoji="1" lang="ja-JP" altLang="en-US" sz="2800" b="1" dirty="0">
                     <a:latin typeface="Cambria Math" panose="02040503050406030204" pitchFamily="18" charset="0"/>
                   </a:rPr>
-                  <a:t>ポテンシャルとフラックスの関係式</a:t>
+                  <a:t>ポテンシャルとフラックスの</a:t>
+                </a:r>
+                <a:r>
+                  <a:rPr kumimoji="1" lang="ja-JP" altLang="en-US" sz="2800" b="1" dirty="0" smtClean="0">
+                    <a:latin typeface="Cambria Math" panose="02040503050406030204" pitchFamily="18" charset="0"/>
+                  </a:rPr>
+                  <a:t>関係式の例</a:t>
                 </a:r>
                 <a:endParaRPr kumimoji="1" lang="en-US" altLang="ja-JP" sz="2800" b="1" dirty="0">
                   <a:latin typeface="Cambria Math" panose="02040503050406030204" pitchFamily="18" charset="0"/>
@@ -24475,7 +25743,7 @@
             </p:txBody>
           </p:sp>
         </mc:Choice>
-        <mc:Fallback xmlns="">
+        <mc:Fallback>
           <p:sp>
             <p:nvSpPr>
               <p:cNvPr id="6" name="テキスト ボックス 5">
@@ -24492,8 +25760,8 @@
             </p:nvSpPr>
             <p:spPr>
               <a:xfrm>
-                <a:off x="3537157" y="2544507"/>
-                <a:ext cx="6154005" cy="2108946"/>
+                <a:off x="3303269" y="2544507"/>
+                <a:ext cx="6621782" cy="2108946"/>
               </a:xfrm>
               <a:prstGeom prst="rect">
                 <a:avLst/>
@@ -24501,7 +25769,7 @@
               <a:blipFill>
                 <a:blip r:embed="rId2"/>
                 <a:stretch>
-                  <a:fillRect/>
+                  <a:fillRect l="-1473" r="-1289"/>
                 </a:stretch>
               </a:blipFill>
             </p:spPr>
@@ -24609,7 +25877,7 @@
 </p:sld>
 </file>
 
-<file path=ppt/slides/slide34.xml><?xml version="1.0" encoding="utf-8"?>
+<file path=ppt/slides/slide36.xml><?xml version="1.0" encoding="utf-8"?>
 <p:sld xmlns:a="http://schemas.openxmlformats.org/drawingml/2006/main" xmlns:r="http://schemas.openxmlformats.org/officeDocument/2006/relationships" xmlns:p="http://schemas.openxmlformats.org/presentationml/2006/main">
   <p:cSld>
     <p:spTree>
@@ -24649,7 +25917,7 @@
           <a:p>
             <a:fld id="{D836F367-8F14-4921-8441-15DE2D973248}" type="slidenum">
               <a:rPr kumimoji="1" lang="ja-JP" altLang="en-US" smtClean="0"/>
-              <a:t>34</a:t>
+              <a:t>36</a:t>
             </a:fld>
             <a:endParaRPr kumimoji="1" lang="ja-JP" altLang="en-US"/>
           </a:p>
@@ -24680,7 +25948,7 @@
           </a:ln>
           <a:extLst>
             <a:ext uri="{C572A759-6A51-4108-AA02-DFA0A04FC94B}">
-              <ma14:wrappingTextBoxFlag xmlns="" xmlns:ma14="http://schemas.microsoft.com/office/mac/drawingml/2011/main" val="1"/>
+              <ma14:wrappingTextBoxFlag xmlns:ma14="http://schemas.microsoft.com/office/mac/drawingml/2011/main" xmlns="" val="1"/>
             </a:ext>
           </a:extLst>
         </p:spPr>
@@ -25284,7 +26552,7 @@
 </p:sld>
 </file>
 
-<file path=ppt/slides/slide35.xml><?xml version="1.0" encoding="utf-8"?>
+<file path=ppt/slides/slide37.xml><?xml version="1.0" encoding="utf-8"?>
 <p:sld xmlns:a="http://schemas.openxmlformats.org/drawingml/2006/main" xmlns:r="http://schemas.openxmlformats.org/officeDocument/2006/relationships" xmlns:p="http://schemas.openxmlformats.org/presentationml/2006/main">
   <p:cSld>
     <p:spTree>
@@ -25303,7 +26571,30 @@
       </p:grpSpPr>
       <p:sp>
         <p:nvSpPr>
-          <p:cNvPr id="4" name="Shape 130">
+          <p:cNvPr id="4" name="スライド番号プレースホルダー 3"/>
+          <p:cNvSpPr>
+            <a:spLocks noGrp="1"/>
+          </p:cNvSpPr>
+          <p:nvPr>
+            <p:ph type="sldNum" sz="quarter" idx="12"/>
+          </p:nvPr>
+        </p:nvSpPr>
+        <p:spPr/>
+        <p:txBody>
+          <a:bodyPr/>
+          <a:lstStyle/>
+          <a:p>
+            <a:fld id="{D836F367-8F14-4921-8441-15DE2D973248}" type="slidenum">
+              <a:rPr kumimoji="1" lang="ja-JP" altLang="en-US" smtClean="0"/>
+              <a:t>37</a:t>
+            </a:fld>
+            <a:endParaRPr kumimoji="1" lang="ja-JP" altLang="en-US"/>
+          </a:p>
+        </p:txBody>
+      </p:sp>
+      <p:sp>
+        <p:nvSpPr>
+          <p:cNvPr id="6" name="Shape 130">
             <a:extLst>
               <a:ext uri="{FF2B5EF4-FFF2-40B4-BE49-F238E27FC236}">
                 <a16:creationId xmlns:a16="http://schemas.microsoft.com/office/drawing/2014/main" id="{925B04DB-30E4-42E2-80C9-D742CED3A8D8}"/>
@@ -25316,7 +26607,7 @@
         <p:spPr>
           <a:xfrm>
             <a:off x="179666" y="87415"/>
-            <a:ext cx="4028347" cy="579646"/>
+            <a:ext cx="1692771" cy="579646"/>
           </a:xfrm>
           <a:prstGeom prst="rect">
             <a:avLst/>
@@ -25326,503 +26617,7 @@
           </a:ln>
           <a:extLst>
             <a:ext uri="{C572A759-6A51-4108-AA02-DFA0A04FC94B}">
-              <ma14:wrappingTextBoxFlag xmlns="" xmlns:ma14="http://schemas.microsoft.com/office/mac/drawingml/2011/main" val="1"/>
-            </a:ext>
-          </a:extLst>
-        </p:spPr>
-        <p:txBody>
-          <a:bodyPr wrap="none" lIns="50800" tIns="50800" rIns="50800" bIns="50800" anchor="ctr">
-            <a:spAutoFit/>
-          </a:bodyPr>
-          <a:lstStyle/>
-          <a:p>
-            <a:pPr>
-              <a:defRPr sz="3100" u="sng">
-                <a:latin typeface="YuMincho Medium"/>
-                <a:ea typeface="YuMincho Medium"/>
-                <a:cs typeface="YuMincho Medium"/>
-                <a:sym typeface="YuMincho Medium"/>
-              </a:defRPr>
-            </a:pPr>
-            <a:r>
-              <a:rPr lang="ja-JP" altLang="en-US" dirty="0"/>
-              <a:t>物理的な</a:t>
-            </a:r>
-            <a:r>
-              <a:rPr lang="ja-JP" altLang="en-US" dirty="0" smtClean="0"/>
-              <a:t>モデル </a:t>
-            </a:r>
-            <a:r>
-              <a:rPr lang="en-US" altLang="ja-JP" dirty="0" smtClean="0"/>
-              <a:t>- </a:t>
-            </a:r>
-            <a:r>
-              <a:rPr lang="ja-JP" altLang="en-US" dirty="0" smtClean="0"/>
-              <a:t>演習</a:t>
-            </a:r>
-            <a:endParaRPr lang="en-US" altLang="ja-JP" dirty="0"/>
-          </a:p>
-        </p:txBody>
-      </p:sp>
-      <p:sp>
-        <p:nvSpPr>
-          <p:cNvPr id="3" name="スライド番号プレースホルダー 2">
-            <a:extLst>
-              <a:ext uri="{FF2B5EF4-FFF2-40B4-BE49-F238E27FC236}">
-                <a16:creationId xmlns:a16="http://schemas.microsoft.com/office/drawing/2014/main" id="{C03CFA8D-F255-47FE-9956-D3EE57D24708}"/>
-              </a:ext>
-            </a:extLst>
-          </p:cNvPr>
-          <p:cNvSpPr>
-            <a:spLocks noGrp="1"/>
-          </p:cNvSpPr>
-          <p:nvPr>
-            <p:ph type="sldNum" sz="quarter" idx="12"/>
-          </p:nvPr>
-        </p:nvSpPr>
-        <p:spPr/>
-        <p:txBody>
-          <a:bodyPr/>
-          <a:lstStyle/>
-          <a:p>
-            <a:fld id="{D836F367-8F14-4921-8441-15DE2D973248}" type="slidenum">
-              <a:rPr kumimoji="1" lang="ja-JP" altLang="en-US" smtClean="0"/>
-              <a:t>35</a:t>
-            </a:fld>
-            <a:endParaRPr kumimoji="1" lang="ja-JP" altLang="en-US"/>
-          </a:p>
-        </p:txBody>
-      </p:sp>
-      <p:pic>
-        <p:nvPicPr>
-          <p:cNvPr id="28" name="図 27">
-            <a:extLst>
-              <a:ext uri="{FF2B5EF4-FFF2-40B4-BE49-F238E27FC236}">
-                <a16:creationId xmlns:a16="http://schemas.microsoft.com/office/drawing/2014/main" id="{994841A0-66A7-4C8D-9EEC-422555CB9EA3}"/>
-              </a:ext>
-            </a:extLst>
-          </p:cNvPr>
-          <p:cNvPicPr>
-            <a:picLocks noChangeAspect="1"/>
-          </p:cNvPicPr>
-          <p:nvPr/>
-        </p:nvPicPr>
-        <p:blipFill rotWithShape="1">
-          <a:blip r:embed="rId2"/>
-          <a:srcRect r="67412"/>
-          <a:stretch/>
-        </p:blipFill>
-        <p:spPr>
-          <a:xfrm>
-            <a:off x="2700937" y="3269561"/>
-            <a:ext cx="940766" cy="1020885"/>
-          </a:xfrm>
-          <a:prstGeom prst="rect">
-            <a:avLst/>
-          </a:prstGeom>
-        </p:spPr>
-      </p:pic>
-      <p:sp>
-        <p:nvSpPr>
-          <p:cNvPr id="29" name="テキスト ボックス 28">
-            <a:extLst>
-              <a:ext uri="{FF2B5EF4-FFF2-40B4-BE49-F238E27FC236}">
-                <a16:creationId xmlns:a16="http://schemas.microsoft.com/office/drawing/2014/main" id="{161FA918-2666-42D4-BC97-1EBA19B06BA1}"/>
-              </a:ext>
-            </a:extLst>
-          </p:cNvPr>
-          <p:cNvSpPr txBox="1"/>
-          <p:nvPr/>
-        </p:nvSpPr>
-        <p:spPr>
-          <a:xfrm>
-            <a:off x="2501906" y="4331578"/>
-            <a:ext cx="1338828" cy="369332"/>
-          </a:xfrm>
-          <a:prstGeom prst="rect">
-            <a:avLst/>
-          </a:prstGeom>
-          <a:noFill/>
-        </p:spPr>
-        <p:txBody>
-          <a:bodyPr wrap="none" rtlCol="0">
-            <a:spAutoFit/>
-          </a:bodyPr>
-          <a:lstStyle/>
-          <a:p>
-            <a:pPr algn="l"/>
-            <a:r>
-              <a:rPr kumimoji="1" lang="ja-JP" altLang="en-US" dirty="0"/>
-              <a:t>コンデンサ</a:t>
-            </a:r>
-          </a:p>
-        </p:txBody>
-      </p:sp>
-      <p:pic>
-        <p:nvPicPr>
-          <p:cNvPr id="35" name="図 34">
-            <a:extLst>
-              <a:ext uri="{FF2B5EF4-FFF2-40B4-BE49-F238E27FC236}">
-                <a16:creationId xmlns:a16="http://schemas.microsoft.com/office/drawing/2014/main" id="{C85347AD-B073-4200-9848-62A1AEC2464B}"/>
-              </a:ext>
-            </a:extLst>
-          </p:cNvPr>
-          <p:cNvPicPr>
-            <a:picLocks noChangeAspect="1"/>
-          </p:cNvPicPr>
-          <p:nvPr/>
-        </p:nvPicPr>
-        <p:blipFill rotWithShape="1">
-          <a:blip r:embed="rId3"/>
-          <a:srcRect r="67863"/>
-          <a:stretch/>
-        </p:blipFill>
-        <p:spPr>
-          <a:xfrm>
-            <a:off x="2544921" y="1433938"/>
-            <a:ext cx="1252799" cy="1222635"/>
-          </a:xfrm>
-          <a:prstGeom prst="rect">
-            <a:avLst/>
-          </a:prstGeom>
-        </p:spPr>
-      </p:pic>
-      <p:sp>
-        <p:nvSpPr>
-          <p:cNvPr id="38" name="テキスト ボックス 37">
-            <a:extLst>
-              <a:ext uri="{FF2B5EF4-FFF2-40B4-BE49-F238E27FC236}">
-                <a16:creationId xmlns:a16="http://schemas.microsoft.com/office/drawing/2014/main" id="{C607FED9-67B3-423B-8692-FF0A39C72DF2}"/>
-              </a:ext>
-            </a:extLst>
-          </p:cNvPr>
-          <p:cNvSpPr txBox="1"/>
-          <p:nvPr/>
-        </p:nvSpPr>
-        <p:spPr>
-          <a:xfrm>
-            <a:off x="2848155" y="2653629"/>
-            <a:ext cx="646331" cy="369332"/>
-          </a:xfrm>
-          <a:prstGeom prst="rect">
-            <a:avLst/>
-          </a:prstGeom>
-          <a:noFill/>
-        </p:spPr>
-        <p:txBody>
-          <a:bodyPr wrap="none" rtlCol="0">
-            <a:spAutoFit/>
-          </a:bodyPr>
-          <a:lstStyle/>
-          <a:p>
-            <a:pPr algn="l"/>
-            <a:r>
-              <a:rPr kumimoji="1" lang="ja-JP" altLang="en-US" dirty="0"/>
-              <a:t>電源</a:t>
-            </a:r>
-          </a:p>
-        </p:txBody>
-      </p:sp>
-      <p:pic>
-        <p:nvPicPr>
-          <p:cNvPr id="43" name="図 42">
-            <a:extLst>
-              <a:ext uri="{FF2B5EF4-FFF2-40B4-BE49-F238E27FC236}">
-                <a16:creationId xmlns:a16="http://schemas.microsoft.com/office/drawing/2014/main" id="{BB0370C2-0BC8-40F8-8725-B84DE1CFE728}"/>
-              </a:ext>
-            </a:extLst>
-          </p:cNvPr>
-          <p:cNvPicPr>
-            <a:picLocks noChangeAspect="1"/>
-          </p:cNvPicPr>
-          <p:nvPr/>
-        </p:nvPicPr>
-        <p:blipFill>
-          <a:blip r:embed="rId4"/>
-          <a:stretch>
-            <a:fillRect/>
-          </a:stretch>
-        </p:blipFill>
-        <p:spPr>
-          <a:xfrm>
-            <a:off x="2627493" y="5044215"/>
-            <a:ext cx="1087655" cy="849916"/>
-          </a:xfrm>
-          <a:prstGeom prst="rect">
-            <a:avLst/>
-          </a:prstGeom>
-        </p:spPr>
-      </p:pic>
-      <p:sp>
-        <p:nvSpPr>
-          <p:cNvPr id="44" name="テキスト ボックス 43">
-            <a:extLst>
-              <a:ext uri="{FF2B5EF4-FFF2-40B4-BE49-F238E27FC236}">
-                <a16:creationId xmlns:a16="http://schemas.microsoft.com/office/drawing/2014/main" id="{B48F04EE-BEE9-4737-8F1F-E1E9F9FEF7CB}"/>
-              </a:ext>
-            </a:extLst>
-          </p:cNvPr>
-          <p:cNvSpPr txBox="1"/>
-          <p:nvPr/>
-        </p:nvSpPr>
-        <p:spPr>
-          <a:xfrm>
-            <a:off x="2848155" y="5864970"/>
-            <a:ext cx="646331" cy="369332"/>
-          </a:xfrm>
-          <a:prstGeom prst="rect">
-            <a:avLst/>
-          </a:prstGeom>
-          <a:noFill/>
-        </p:spPr>
-        <p:txBody>
-          <a:bodyPr wrap="none" rtlCol="0">
-            <a:spAutoFit/>
-          </a:bodyPr>
-          <a:lstStyle/>
-          <a:p>
-            <a:pPr algn="l"/>
-            <a:r>
-              <a:rPr kumimoji="1" lang="ja-JP" altLang="en-US" dirty="0"/>
-              <a:t>抵抗</a:t>
-            </a:r>
-          </a:p>
-        </p:txBody>
-      </p:sp>
-      <p:sp>
-        <p:nvSpPr>
-          <p:cNvPr id="2" name="テキスト ボックス 1">
-            <a:extLst>
-              <a:ext uri="{FF2B5EF4-FFF2-40B4-BE49-F238E27FC236}">
-                <a16:creationId xmlns:a16="http://schemas.microsoft.com/office/drawing/2014/main" id="{9C656998-5F06-4261-891A-970E29263FDD}"/>
-              </a:ext>
-            </a:extLst>
-          </p:cNvPr>
-          <p:cNvSpPr txBox="1"/>
-          <p:nvPr/>
-        </p:nvSpPr>
-        <p:spPr>
-          <a:xfrm>
-            <a:off x="726738" y="876818"/>
-            <a:ext cx="10882184" cy="830997"/>
-          </a:xfrm>
-          <a:prstGeom prst="rect">
-            <a:avLst/>
-          </a:prstGeom>
-          <a:noFill/>
-        </p:spPr>
-        <p:txBody>
-          <a:bodyPr wrap="square" rtlCol="0">
-            <a:spAutoFit/>
-          </a:bodyPr>
-          <a:lstStyle/>
-          <a:p>
-            <a:pPr algn="l"/>
-            <a:r>
-              <a:rPr kumimoji="1" lang="en-US" altLang="ja-JP" sz="2400" dirty="0" err="1"/>
-              <a:t>OpenModelica</a:t>
-            </a:r>
-            <a:r>
-              <a:rPr kumimoji="1" lang="ja-JP" altLang="en-US" sz="2400" dirty="0"/>
-              <a:t>を使用して、以下のモデルのソースコードを確認しどのように方程式が定義されているか確認してみてください</a:t>
-            </a:r>
-          </a:p>
-        </p:txBody>
-      </p:sp>
-      <p:sp>
-        <p:nvSpPr>
-          <p:cNvPr id="5" name="正方形/長方形 4"/>
-          <p:cNvSpPr/>
-          <p:nvPr/>
-        </p:nvSpPr>
-        <p:spPr>
-          <a:xfrm>
-            <a:off x="4049736" y="3902303"/>
-            <a:ext cx="4711546" cy="369332"/>
-          </a:xfrm>
-          <a:prstGeom prst="rect">
-            <a:avLst/>
-          </a:prstGeom>
-        </p:spPr>
-        <p:txBody>
-          <a:bodyPr wrap="none">
-            <a:spAutoFit/>
-          </a:bodyPr>
-          <a:lstStyle/>
-          <a:p>
-            <a:r>
-              <a:rPr lang="en-US" altLang="ja-JP" dirty="0" err="1">
-                <a:solidFill>
-                  <a:srgbClr val="000000"/>
-                </a:solidFill>
-                <a:ea typeface="MS UI Gothic" panose="020B0600070205080204" pitchFamily="50" charset="-128"/>
-              </a:rPr>
-              <a:t>Modelica.Electrical.Analog.Basic.Capacitor</a:t>
-            </a:r>
-            <a:endParaRPr lang="en-US" altLang="ja-JP" i="0" dirty="0">
-              <a:solidFill>
-                <a:srgbClr val="000000"/>
-              </a:solidFill>
-              <a:effectLst/>
-              <a:ea typeface="MS UI Gothic" panose="020B0600070205080204" pitchFamily="50" charset="-128"/>
-            </a:endParaRPr>
-          </a:p>
-        </p:txBody>
-      </p:sp>
-      <p:sp>
-        <p:nvSpPr>
-          <p:cNvPr id="6" name="正方形/長方形 5"/>
-          <p:cNvSpPr/>
-          <p:nvPr/>
-        </p:nvSpPr>
-        <p:spPr>
-          <a:xfrm>
-            <a:off x="4049736" y="1996056"/>
-            <a:ext cx="5732660" cy="369332"/>
-          </a:xfrm>
-          <a:prstGeom prst="rect">
-            <a:avLst/>
-          </a:prstGeom>
-        </p:spPr>
-        <p:txBody>
-          <a:bodyPr wrap="none">
-            <a:spAutoFit/>
-          </a:bodyPr>
-          <a:lstStyle/>
-          <a:p>
-            <a:r>
-              <a:rPr lang="ja-JP" altLang="en-US" dirty="0"/>
-              <a:t>Modelica.Electrical.Analog.Sources.ConstantVoltage</a:t>
-            </a:r>
-          </a:p>
-        </p:txBody>
-      </p:sp>
-      <p:sp>
-        <p:nvSpPr>
-          <p:cNvPr id="7" name="正方形/長方形 6"/>
-          <p:cNvSpPr/>
-          <p:nvPr/>
-        </p:nvSpPr>
-        <p:spPr>
-          <a:xfrm>
-            <a:off x="4049736" y="5331070"/>
-            <a:ext cx="4560864" cy="369332"/>
-          </a:xfrm>
-          <a:prstGeom prst="rect">
-            <a:avLst/>
-          </a:prstGeom>
-        </p:spPr>
-        <p:txBody>
-          <a:bodyPr wrap="none">
-            <a:spAutoFit/>
-          </a:bodyPr>
-          <a:lstStyle/>
-          <a:p>
-            <a:r>
-              <a:rPr lang="en-US" altLang="ja-JP" dirty="0" err="1">
-                <a:solidFill>
-                  <a:srgbClr val="000000"/>
-                </a:solidFill>
-                <a:ea typeface="MS UI Gothic" panose="020B0600070205080204" pitchFamily="50" charset="-128"/>
-              </a:rPr>
-              <a:t>Modelica.Electrical.Analog.Basic.Resistor</a:t>
-            </a:r>
-            <a:endParaRPr lang="en-US" altLang="ja-JP" i="0" dirty="0">
-              <a:solidFill>
-                <a:srgbClr val="000000"/>
-              </a:solidFill>
-              <a:effectLst/>
-              <a:ea typeface="MS UI Gothic" panose="020B0600070205080204" pitchFamily="50" charset="-128"/>
-            </a:endParaRPr>
-          </a:p>
-        </p:txBody>
-      </p:sp>
-    </p:spTree>
-    <p:extLst>
-      <p:ext uri="{BB962C8B-B14F-4D97-AF65-F5344CB8AC3E}">
-        <p14:creationId xmlns:p14="http://schemas.microsoft.com/office/powerpoint/2010/main" val="3620887417"/>
-      </p:ext>
-    </p:extLst>
-  </p:cSld>
-  <p:clrMapOvr>
-    <a:masterClrMapping/>
-  </p:clrMapOvr>
-  <p:timing>
-    <p:tnLst>
-      <p:par>
-        <p:cTn id="1" dur="indefinite" restart="never" nodeType="tmRoot"/>
-      </p:par>
-    </p:tnLst>
-  </p:timing>
-</p:sld>
-</file>
-
-<file path=ppt/slides/slide36.xml><?xml version="1.0" encoding="utf-8"?>
-<p:sld xmlns:a="http://schemas.openxmlformats.org/drawingml/2006/main" xmlns:r="http://schemas.openxmlformats.org/officeDocument/2006/relationships" xmlns:p="http://schemas.openxmlformats.org/presentationml/2006/main">
-  <p:cSld>
-    <p:spTree>
-      <p:nvGrpSpPr>
-        <p:cNvPr id="1" name=""/>
-        <p:cNvGrpSpPr/>
-        <p:nvPr/>
-      </p:nvGrpSpPr>
-      <p:grpSpPr>
-        <a:xfrm>
-          <a:off x="0" y="0"/>
-          <a:ext cx="0" cy="0"/>
-          <a:chOff x="0" y="0"/>
-          <a:chExt cx="0" cy="0"/>
-        </a:xfrm>
-      </p:grpSpPr>
-      <p:sp>
-        <p:nvSpPr>
-          <p:cNvPr id="4" name="スライド番号プレースホルダー 3"/>
-          <p:cNvSpPr>
-            <a:spLocks noGrp="1"/>
-          </p:cNvSpPr>
-          <p:nvPr>
-            <p:ph type="sldNum" sz="quarter" idx="12"/>
-          </p:nvPr>
-        </p:nvSpPr>
-        <p:spPr/>
-        <p:txBody>
-          <a:bodyPr/>
-          <a:lstStyle/>
-          <a:p>
-            <a:fld id="{D836F367-8F14-4921-8441-15DE2D973248}" type="slidenum">
-              <a:rPr kumimoji="1" lang="ja-JP" altLang="en-US" smtClean="0"/>
-              <a:t>36</a:t>
-            </a:fld>
-            <a:endParaRPr kumimoji="1" lang="ja-JP" altLang="en-US"/>
-          </a:p>
-        </p:txBody>
-      </p:sp>
-      <p:sp>
-        <p:nvSpPr>
-          <p:cNvPr id="6" name="Shape 130">
-            <a:extLst>
-              <a:ext uri="{FF2B5EF4-FFF2-40B4-BE49-F238E27FC236}">
-                <a16:creationId xmlns:a16="http://schemas.microsoft.com/office/drawing/2014/main" id="{925B04DB-30E4-42E2-80C9-D742CED3A8D8}"/>
-              </a:ext>
-            </a:extLst>
-          </p:cNvPr>
-          <p:cNvSpPr/>
-          <p:nvPr/>
-        </p:nvSpPr>
-        <p:spPr>
-          <a:xfrm>
-            <a:off x="179666" y="87415"/>
-            <a:ext cx="1692771" cy="579646"/>
-          </a:xfrm>
-          <a:prstGeom prst="rect">
-            <a:avLst/>
-          </a:prstGeom>
-          <a:ln w="12700">
-            <a:miter lim="400000"/>
-          </a:ln>
-          <a:extLst>
-            <a:ext uri="{C572A759-6A51-4108-AA02-DFA0A04FC94B}">
-              <ma14:wrappingTextBoxFlag xmlns="" xmlns:ma14="http://schemas.microsoft.com/office/mac/drawingml/2011/main" val="1"/>
+              <ma14:wrappingTextBoxFlag xmlns:ma14="http://schemas.microsoft.com/office/mac/drawingml/2011/main" xmlns="" val="1"/>
             </a:ext>
           </a:extLst>
         </p:spPr>
@@ -25954,7 +26749,7 @@
           </a:ln>
           <a:extLst>
             <a:ext uri="{C572A759-6A51-4108-AA02-DFA0A04FC94B}">
-              <ma14:wrappingTextBoxFlag xmlns="" xmlns:ma14="http://schemas.microsoft.com/office/mac/drawingml/2011/main" val="1"/>
+              <ma14:wrappingTextBoxFlag xmlns:ma14="http://schemas.microsoft.com/office/mac/drawingml/2011/main" xmlns="" val="1"/>
             </a:ext>
           </a:extLst>
         </p:spPr>
@@ -26648,7 +27443,7 @@
           </a:ln>
           <a:extLst>
             <a:ext uri="{C572A759-6A51-4108-AA02-DFA0A04FC94B}">
-              <ma14:wrappingTextBoxFlag xmlns="" xmlns:ma14="http://schemas.microsoft.com/office/mac/drawingml/2011/main" val="1"/>
+              <ma14:wrappingTextBoxFlag xmlns:ma14="http://schemas.microsoft.com/office/mac/drawingml/2011/main" xmlns="" val="1"/>
             </a:ext>
           </a:extLst>
         </p:spPr>
@@ -27488,7 +28283,7 @@
           </a:ln>
           <a:extLst>
             <a:ext uri="{C572A759-6A51-4108-AA02-DFA0A04FC94B}">
-              <ma14:wrappingTextBoxFlag xmlns="" xmlns:ma14="http://schemas.microsoft.com/office/mac/drawingml/2011/main" val="1"/>
+              <ma14:wrappingTextBoxFlag xmlns:ma14="http://schemas.microsoft.com/office/mac/drawingml/2011/main" xmlns="" val="1"/>
             </a:ext>
           </a:extLst>
         </p:spPr>
@@ -28453,7 +29248,7 @@
           </a:ln>
           <a:extLst>
             <a:ext uri="{C572A759-6A51-4108-AA02-DFA0A04FC94B}">
-              <ma14:wrappingTextBoxFlag xmlns="" xmlns:ma14="http://schemas.microsoft.com/office/mac/drawingml/2011/main" val="1"/>
+              <ma14:wrappingTextBoxFlag xmlns:ma14="http://schemas.microsoft.com/office/mac/drawingml/2011/main" xmlns="" val="1"/>
             </a:ext>
           </a:extLst>
         </p:spPr>
@@ -29356,7 +30151,7 @@
           </a:ln>
           <a:extLst>
             <a:ext uri="{C572A759-6A51-4108-AA02-DFA0A04FC94B}">
-              <ma14:wrappingTextBoxFlag xmlns="" xmlns:ma14="http://schemas.microsoft.com/office/mac/drawingml/2011/main" val="1"/>
+              <ma14:wrappingTextBoxFlag xmlns:ma14="http://schemas.microsoft.com/office/mac/drawingml/2011/main" xmlns="" val="1"/>
             </a:ext>
           </a:extLst>
         </p:spPr>
@@ -30379,7 +31174,7 @@
           </a:ln>
           <a:extLst>
             <a:ext uri="{C572A759-6A51-4108-AA02-DFA0A04FC94B}">
-              <ma14:wrappingTextBoxFlag xmlns="" xmlns:ma14="http://schemas.microsoft.com/office/mac/drawingml/2011/main" val="1"/>
+              <ma14:wrappingTextBoxFlag xmlns:ma14="http://schemas.microsoft.com/office/mac/drawingml/2011/main" xmlns="" val="1"/>
             </a:ext>
           </a:extLst>
         </p:spPr>

--- a/Dev/7_PhysicsDomainModel/OpenModelica_Tutorials_7_PlantModel.pptx
+++ b/Dev/7_PhysicsDomainModel/OpenModelica_Tutorials_7_PlantModel.pptx
@@ -244,7 +244,7 @@
           <a:p>
             <a:fld id="{C4670700-DA66-4BAD-8F9F-A4A758D36ABA}" type="datetimeFigureOut">
               <a:rPr kumimoji="1" lang="ja-JP" altLang="en-US" smtClean="0"/>
-              <a:t>2020/9/1</a:t>
+              <a:t>2020/9/2</a:t>
             </a:fld>
             <a:endParaRPr kumimoji="1" lang="ja-JP" altLang="en-US"/>
           </a:p>
@@ -690,7 +690,7 @@
           <a:p>
             <a:fld id="{8C7CD75D-5D39-4864-BA19-483584E59DC6}" type="datetime1">
               <a:rPr kumimoji="1" lang="ja-JP" altLang="en-US" smtClean="0"/>
-              <a:t>2020/9/1</a:t>
+              <a:t>2020/9/2</a:t>
             </a:fld>
             <a:endParaRPr kumimoji="1" lang="ja-JP" altLang="en-US"/>
           </a:p>
@@ -920,7 +920,7 @@
           <a:p>
             <a:fld id="{1C307E19-2163-42CA-82DC-48CC766E044B}" type="datetime1">
               <a:rPr kumimoji="1" lang="ja-JP" altLang="en-US" smtClean="0"/>
-              <a:t>2020/9/1</a:t>
+              <a:t>2020/9/2</a:t>
             </a:fld>
             <a:endParaRPr kumimoji="1" lang="ja-JP" altLang="en-US"/>
           </a:p>
@@ -1160,7 +1160,7 @@
           <a:p>
             <a:fld id="{0C48A713-F20E-46DB-BBA7-BA87B95082A3}" type="datetime1">
               <a:rPr kumimoji="1" lang="ja-JP" altLang="en-US" smtClean="0"/>
-              <a:t>2020/9/1</a:t>
+              <a:t>2020/9/2</a:t>
             </a:fld>
             <a:endParaRPr kumimoji="1" lang="ja-JP" altLang="en-US"/>
           </a:p>
@@ -1390,7 +1390,7 @@
           <a:p>
             <a:fld id="{FFE92058-C063-4892-89E0-629CA4ED9E07}" type="datetime1">
               <a:rPr kumimoji="1" lang="ja-JP" altLang="en-US" smtClean="0"/>
-              <a:t>2020/9/1</a:t>
+              <a:t>2020/9/2</a:t>
             </a:fld>
             <a:endParaRPr kumimoji="1" lang="ja-JP" altLang="en-US"/>
           </a:p>
@@ -1665,7 +1665,7 @@
           <a:p>
             <a:fld id="{130C667B-2598-4471-9768-C5333B4E3B3A}" type="datetime1">
               <a:rPr kumimoji="1" lang="ja-JP" altLang="en-US" smtClean="0"/>
-              <a:t>2020/9/1</a:t>
+              <a:t>2020/9/2</a:t>
             </a:fld>
             <a:endParaRPr kumimoji="1" lang="ja-JP" altLang="en-US"/>
           </a:p>
@@ -1994,7 +1994,7 @@
           <a:p>
             <a:fld id="{0FDAB949-15F5-4ABF-BB00-18FEF780E713}" type="datetime1">
               <a:rPr kumimoji="1" lang="ja-JP" altLang="en-US" smtClean="0"/>
-              <a:t>2020/9/1</a:t>
+              <a:t>2020/9/2</a:t>
             </a:fld>
             <a:endParaRPr kumimoji="1" lang="ja-JP" altLang="en-US"/>
           </a:p>
@@ -2470,7 +2470,7 @@
           <a:p>
             <a:fld id="{BFA3EF9D-1463-4821-9ADE-47DF05549453}" type="datetime1">
               <a:rPr kumimoji="1" lang="ja-JP" altLang="en-US" smtClean="0"/>
-              <a:t>2020/9/1</a:t>
+              <a:t>2020/9/2</a:t>
             </a:fld>
             <a:endParaRPr kumimoji="1" lang="ja-JP" altLang="en-US"/>
           </a:p>
@@ -2611,7 +2611,7 @@
           <a:p>
             <a:fld id="{4586F5B6-9586-4E05-85A5-BC7C32648190}" type="datetime1">
               <a:rPr kumimoji="1" lang="ja-JP" altLang="en-US" smtClean="0"/>
-              <a:t>2020/9/1</a:t>
+              <a:t>2020/9/2</a:t>
             </a:fld>
             <a:endParaRPr kumimoji="1" lang="ja-JP" altLang="en-US"/>
           </a:p>
@@ -2724,7 +2724,7 @@
           <a:p>
             <a:fld id="{76504571-7FEB-4311-BB38-1994795B53A0}" type="datetime1">
               <a:rPr kumimoji="1" lang="ja-JP" altLang="en-US" smtClean="0"/>
-              <a:t>2020/9/1</a:t>
+              <a:t>2020/9/2</a:t>
             </a:fld>
             <a:endParaRPr kumimoji="1" lang="ja-JP" altLang="en-US"/>
           </a:p>
@@ -3067,7 +3067,7 @@
           <a:p>
             <a:fld id="{F5C721FD-BC0F-4FE9-9E95-F806C64C8B82}" type="datetime1">
               <a:rPr kumimoji="1" lang="ja-JP" altLang="en-US" smtClean="0"/>
-              <a:t>2020/9/1</a:t>
+              <a:t>2020/9/2</a:t>
             </a:fld>
             <a:endParaRPr kumimoji="1" lang="ja-JP" altLang="en-US"/>
           </a:p>
@@ -3355,7 +3355,7 @@
           <a:p>
             <a:fld id="{77542B22-E5B0-40C6-9DA2-3A5D4E7B0D80}" type="datetime1">
               <a:rPr kumimoji="1" lang="ja-JP" altLang="en-US" smtClean="0"/>
-              <a:t>2020/9/1</a:t>
+              <a:t>2020/9/2</a:t>
             </a:fld>
             <a:endParaRPr kumimoji="1" lang="ja-JP" altLang="en-US"/>
           </a:p>
@@ -3628,7 +3628,7 @@
           <a:p>
             <a:fld id="{CE100500-5C7E-429C-8088-58F3D6003A7E}" type="datetime1">
               <a:rPr kumimoji="1" lang="ja-JP" altLang="en-US" smtClean="0"/>
-              <a:t>2020/9/1</a:t>
+              <a:t>2020/9/2</a:t>
             </a:fld>
             <a:endParaRPr kumimoji="1" lang="ja-JP" altLang="en-US"/>
           </a:p>
@@ -4356,7 +4356,7 @@
           </a:ln>
           <a:extLst>
             <a:ext uri="{C572A759-6A51-4108-AA02-DFA0A04FC94B}">
-              <ma14:wrappingTextBoxFlag xmlns:ma14="http://schemas.microsoft.com/office/mac/drawingml/2011/main" xmlns="" val="1"/>
+              <ma14:wrappingTextBoxFlag xmlns="" xmlns:ma14="http://schemas.microsoft.com/office/mac/drawingml/2011/main" val="1"/>
             </a:ext>
           </a:extLst>
         </p:spPr>
@@ -5588,7 +5588,7 @@
           </a:ln>
           <a:extLst>
             <a:ext uri="{C572A759-6A51-4108-AA02-DFA0A04FC94B}">
-              <ma14:wrappingTextBoxFlag xmlns:ma14="http://schemas.microsoft.com/office/mac/drawingml/2011/main" xmlns="" val="1"/>
+              <ma14:wrappingTextBoxFlag xmlns="" xmlns:ma14="http://schemas.microsoft.com/office/mac/drawingml/2011/main" val="1"/>
             </a:ext>
           </a:extLst>
         </p:spPr>
@@ -6268,7 +6268,7 @@
           </a:ln>
           <a:extLst>
             <a:ext uri="{C572A759-6A51-4108-AA02-DFA0A04FC94B}">
-              <ma14:wrappingTextBoxFlag xmlns:ma14="http://schemas.microsoft.com/office/mac/drawingml/2011/main" xmlns="" val="1"/>
+              <ma14:wrappingTextBoxFlag xmlns="" xmlns:ma14="http://schemas.microsoft.com/office/mac/drawingml/2011/main" val="1"/>
             </a:ext>
           </a:extLst>
         </p:spPr>
@@ -8071,7 +8071,7 @@
           </a:ln>
           <a:extLst>
             <a:ext uri="{C572A759-6A51-4108-AA02-DFA0A04FC94B}">
-              <ma14:wrappingTextBoxFlag xmlns:ma14="http://schemas.microsoft.com/office/mac/drawingml/2011/main" xmlns="" val="1"/>
+              <ma14:wrappingTextBoxFlag xmlns="" xmlns:ma14="http://schemas.microsoft.com/office/mac/drawingml/2011/main" val="1"/>
             </a:ext>
           </a:extLst>
         </p:spPr>
@@ -9416,7 +9416,7 @@
           </a:ln>
           <a:extLst>
             <a:ext uri="{C572A759-6A51-4108-AA02-DFA0A04FC94B}">
-              <ma14:wrappingTextBoxFlag xmlns:ma14="http://schemas.microsoft.com/office/mac/drawingml/2011/main" xmlns="" val="1"/>
+              <ma14:wrappingTextBoxFlag xmlns="" xmlns:ma14="http://schemas.microsoft.com/office/mac/drawingml/2011/main" val="1"/>
             </a:ext>
           </a:extLst>
         </p:spPr>
@@ -9436,11 +9436,7 @@
             </a:pPr>
             <a:r>
               <a:rPr lang="ja-JP" altLang="en-US" dirty="0" smtClean="0"/>
-              <a:t>典型的な物理</a:t>
-            </a:r>
-            <a:r>
-              <a:rPr lang="ja-JP" altLang="en-US" dirty="0" smtClean="0"/>
-              <a:t>モデル</a:t>
+              <a:t>典型的な物理モデル</a:t>
             </a:r>
             <a:endParaRPr lang="en-US" altLang="ja-JP" dirty="0"/>
           </a:p>
@@ -10224,11 +10220,7 @@
             </a:r>
             <a:r>
               <a:rPr lang="ja-JP" altLang="en-US" sz="2400" dirty="0" smtClean="0"/>
-              <a:t>グループ化して把握するとどのライブラリも似たような考え方で使いこなすことが出来ます</a:t>
-            </a:r>
-            <a:r>
-              <a:rPr lang="ja-JP" altLang="en-US" sz="2400" dirty="0" smtClean="0"/>
-              <a:t>。</a:t>
+              <a:t>グループ化して把握するとどのライブラリも似たような考え方で使いこなすことが出来ます。</a:t>
             </a:r>
             <a:endParaRPr lang="en-US" altLang="ja-JP" sz="2400" dirty="0" smtClean="0"/>
           </a:p>
@@ -10296,7 +10288,7 @@
           </a:ln>
           <a:extLst>
             <a:ext uri="{C572A759-6A51-4108-AA02-DFA0A04FC94B}">
-              <ma14:wrappingTextBoxFlag xmlns:ma14="http://schemas.microsoft.com/office/mac/drawingml/2011/main" xmlns="" val="1"/>
+              <ma14:wrappingTextBoxFlag xmlns="" xmlns:ma14="http://schemas.microsoft.com/office/mac/drawingml/2011/main" val="1"/>
             </a:ext>
           </a:extLst>
         </p:spPr>
@@ -10316,11 +10308,7 @@
             </a:pPr>
             <a:r>
               <a:rPr lang="ja-JP" altLang="en-US" dirty="0" smtClean="0"/>
-              <a:t>典型的な物理</a:t>
-            </a:r>
-            <a:r>
-              <a:rPr lang="ja-JP" altLang="en-US" dirty="0" smtClean="0"/>
-              <a:t>モデルの一覧</a:t>
+              <a:t>典型的な物理モデルの一覧</a:t>
             </a:r>
             <a:endParaRPr lang="en-US" altLang="ja-JP" dirty="0"/>
           </a:p>
@@ -11127,7 +11115,6 @@
               <a:rPr kumimoji="1" lang="ja-JP" altLang="en-US" dirty="0" smtClean="0"/>
               <a:t>ポテンシャルとフローについては後述</a:t>
             </a:r>
-            <a:endParaRPr kumimoji="1" lang="ja-JP" altLang="en-US" dirty="0" smtClean="0"/>
           </a:p>
         </p:txBody>
       </p:sp>
@@ -11229,7 +11216,7 @@
           </a:ln>
           <a:extLst>
             <a:ext uri="{C572A759-6A51-4108-AA02-DFA0A04FC94B}">
-              <ma14:wrappingTextBoxFlag xmlns:ma14="http://schemas.microsoft.com/office/mac/drawingml/2011/main" xmlns="" val="1"/>
+              <ma14:wrappingTextBoxFlag xmlns="" xmlns:ma14="http://schemas.microsoft.com/office/mac/drawingml/2011/main" val="1"/>
             </a:ext>
           </a:extLst>
         </p:spPr>
@@ -11637,7 +11624,7 @@
           </a:ln>
           <a:extLst>
             <a:ext uri="{C572A759-6A51-4108-AA02-DFA0A04FC94B}">
-              <ma14:wrappingTextBoxFlag xmlns:ma14="http://schemas.microsoft.com/office/mac/drawingml/2011/main" xmlns="" val="1"/>
+              <ma14:wrappingTextBoxFlag xmlns="" xmlns:ma14="http://schemas.microsoft.com/office/mac/drawingml/2011/main" val="1"/>
             </a:ext>
           </a:extLst>
         </p:spPr>
@@ -12124,7 +12111,7 @@
           </a:ln>
           <a:extLst>
             <a:ext uri="{C572A759-6A51-4108-AA02-DFA0A04FC94B}">
-              <ma14:wrappingTextBoxFlag xmlns:ma14="http://schemas.microsoft.com/office/mac/drawingml/2011/main" xmlns="" val="1"/>
+              <ma14:wrappingTextBoxFlag xmlns="" xmlns:ma14="http://schemas.microsoft.com/office/mac/drawingml/2011/main" val="1"/>
             </a:ext>
           </a:extLst>
         </p:spPr>
@@ -12150,8 +12137,8 @@
           </a:p>
         </p:txBody>
       </p:sp>
-      <mc:AlternateContent xmlns:mc="http://schemas.openxmlformats.org/markup-compatibility/2006">
-        <mc:Choice xmlns:a14="http://schemas.microsoft.com/office/drawing/2010/main" Requires="a14">
+      <mc:AlternateContent xmlns:mc="http://schemas.openxmlformats.org/markup-compatibility/2006" xmlns:a14="http://schemas.microsoft.com/office/drawing/2010/main">
+        <mc:Choice Requires="a14">
           <p:sp>
             <p:nvSpPr>
               <p:cNvPr id="28" name="テキスト ボックス 27">
@@ -12196,13 +12183,7 @@
                   <a:rPr kumimoji="1" lang="ja-JP" altLang="en-US" sz="2800" b="1" dirty="0" smtClean="0">
                     <a:latin typeface="Cambria Math" panose="02040503050406030204" pitchFamily="18" charset="0"/>
                   </a:rPr>
-                  <a:t>とフローの</a:t>
-                </a:r>
-                <a:r>
-                  <a:rPr kumimoji="1" lang="ja-JP" altLang="en-US" sz="2800" b="1" dirty="0" smtClean="0">
-                    <a:latin typeface="Cambria Math" panose="02040503050406030204" pitchFamily="18" charset="0"/>
-                  </a:rPr>
-                  <a:t>関係式の例</a:t>
+                  <a:t>とフローの関係式の例</a:t>
                 </a:r>
                 <a:endParaRPr kumimoji="1" lang="en-US" altLang="ja-JP" sz="2800" b="1" dirty="0">
                   <a:latin typeface="Cambria Math" panose="02040503050406030204" pitchFamily="18" charset="0"/>
@@ -12327,7 +12308,7 @@
             </p:txBody>
           </p:sp>
         </mc:Choice>
-        <mc:Fallback>
+        <mc:Fallback xmlns="">
           <p:sp>
             <p:nvSpPr>
               <p:cNvPr id="28" name="テキスト ボックス 27">
@@ -13195,7 +13176,7 @@
           </a:ln>
           <a:extLst>
             <a:ext uri="{C572A759-6A51-4108-AA02-DFA0A04FC94B}">
-              <ma14:wrappingTextBoxFlag xmlns:ma14="http://schemas.microsoft.com/office/mac/drawingml/2011/main" xmlns="" val="1"/>
+              <ma14:wrappingTextBoxFlag xmlns="" xmlns:ma14="http://schemas.microsoft.com/office/mac/drawingml/2011/main" val="1"/>
             </a:ext>
           </a:extLst>
         </p:spPr>
@@ -14489,7 +14470,7 @@
           </a:ln>
           <a:extLst>
             <a:ext uri="{C572A759-6A51-4108-AA02-DFA0A04FC94B}">
-              <ma14:wrappingTextBoxFlag xmlns:ma14="http://schemas.microsoft.com/office/mac/drawingml/2011/main" xmlns="" val="1"/>
+              <ma14:wrappingTextBoxFlag xmlns="" xmlns:ma14="http://schemas.microsoft.com/office/mac/drawingml/2011/main" val="1"/>
             </a:ext>
           </a:extLst>
         </p:spPr>
@@ -14509,11 +14490,7 @@
             </a:pPr>
             <a:r>
               <a:rPr lang="ja-JP" altLang="en-US" dirty="0" smtClean="0"/>
-              <a:t>ポテンシャルと</a:t>
-            </a:r>
-            <a:r>
-              <a:rPr lang="ja-JP" altLang="en-US" dirty="0" smtClean="0"/>
-              <a:t>フロー </a:t>
+              <a:t>ポテンシャルとフロー </a:t>
             </a:r>
             <a:r>
               <a:rPr lang="en-US" altLang="ja-JP" dirty="0" smtClean="0"/>
@@ -15091,7 +15068,7 @@
           </a:ln>
           <a:extLst>
             <a:ext uri="{C572A759-6A51-4108-AA02-DFA0A04FC94B}">
-              <ma14:wrappingTextBoxFlag xmlns:ma14="http://schemas.microsoft.com/office/mac/drawingml/2011/main" xmlns="" val="1"/>
+              <ma14:wrappingTextBoxFlag xmlns="" xmlns:ma14="http://schemas.microsoft.com/office/mac/drawingml/2011/main" val="1"/>
             </a:ext>
           </a:extLst>
         </p:spPr>
@@ -15207,8 +15184,8 @@
           </a:p>
         </p:txBody>
       </p:sp>
-      <mc:AlternateContent xmlns:mc="http://schemas.openxmlformats.org/markup-compatibility/2006">
-        <mc:Choice xmlns:a14="http://schemas.microsoft.com/office/drawing/2010/main" Requires="a14">
+      <mc:AlternateContent xmlns:mc="http://schemas.openxmlformats.org/markup-compatibility/2006" xmlns:a14="http://schemas.microsoft.com/office/drawing/2010/main">
+        <mc:Choice Requires="a14">
           <p:graphicFrame>
             <p:nvGraphicFramePr>
               <p:cNvPr id="35" name="表 34">
@@ -16025,7 +16002,7 @@
             </a:graphic>
           </p:graphicFrame>
         </mc:Choice>
-        <mc:Fallback>
+        <mc:Fallback xmlns="">
           <p:graphicFrame>
             <p:nvGraphicFramePr>
               <p:cNvPr id="35" name="表 34">
@@ -16829,7 +16806,7 @@
           </a:ln>
           <a:extLst>
             <a:ext uri="{C572A759-6A51-4108-AA02-DFA0A04FC94B}">
-              <ma14:wrappingTextBoxFlag xmlns:ma14="http://schemas.microsoft.com/office/mac/drawingml/2011/main" xmlns="" val="1"/>
+              <ma14:wrappingTextBoxFlag xmlns="" xmlns:ma14="http://schemas.microsoft.com/office/mac/drawingml/2011/main" val="1"/>
             </a:ext>
           </a:extLst>
         </p:spPr>
@@ -17017,7 +16994,7 @@
           </a:ln>
           <a:extLst>
             <a:ext uri="{C572A759-6A51-4108-AA02-DFA0A04FC94B}">
-              <ma14:wrappingTextBoxFlag xmlns:ma14="http://schemas.microsoft.com/office/mac/drawingml/2011/main" xmlns="" val="1"/>
+              <ma14:wrappingTextBoxFlag xmlns="" xmlns:ma14="http://schemas.microsoft.com/office/mac/drawingml/2011/main" val="1"/>
             </a:ext>
           </a:extLst>
         </p:spPr>
@@ -17517,7 +17494,7 @@
           </a:ln>
           <a:extLst>
             <a:ext uri="{C572A759-6A51-4108-AA02-DFA0A04FC94B}">
-              <ma14:wrappingTextBoxFlag xmlns:ma14="http://schemas.microsoft.com/office/mac/drawingml/2011/main" xmlns="" val="1"/>
+              <ma14:wrappingTextBoxFlag xmlns="" xmlns:ma14="http://schemas.microsoft.com/office/mac/drawingml/2011/main" val="1"/>
             </a:ext>
           </a:extLst>
         </p:spPr>
@@ -18603,7 +18580,7 @@
           </a:ln>
           <a:extLst>
             <a:ext uri="{C572A759-6A51-4108-AA02-DFA0A04FC94B}">
-              <ma14:wrappingTextBoxFlag xmlns:ma14="http://schemas.microsoft.com/office/mac/drawingml/2011/main" xmlns="" val="1"/>
+              <ma14:wrappingTextBoxFlag xmlns="" xmlns:ma14="http://schemas.microsoft.com/office/mac/drawingml/2011/main" val="1"/>
             </a:ext>
           </a:extLst>
         </p:spPr>
@@ -19172,7 +19149,7 @@
           </a:ln>
           <a:extLst>
             <a:ext uri="{C572A759-6A51-4108-AA02-DFA0A04FC94B}">
-              <ma14:wrappingTextBoxFlag xmlns:ma14="http://schemas.microsoft.com/office/mac/drawingml/2011/main" xmlns="" val="1"/>
+              <ma14:wrappingTextBoxFlag xmlns="" xmlns:ma14="http://schemas.microsoft.com/office/mac/drawingml/2011/main" val="1"/>
             </a:ext>
           </a:extLst>
         </p:spPr>
@@ -19841,7 +19818,7 @@
           <p:spPr>
             <a:xfrm>
               <a:off x="2501119" y="3922217"/>
-              <a:ext cx="565865" cy="954897"/>
+              <a:ext cx="602705" cy="954897"/>
             </a:xfrm>
             <a:prstGeom prst="rect">
               <a:avLst/>
@@ -19867,13 +19844,14 @@
             <a:p>
               <a:pPr algn="l"/>
               <a:r>
-                <a:rPr kumimoji="1" lang="en-US" altLang="ja-JP" sz="2400" dirty="0"/>
-                <a:t>T</a:t>
+                <a:rPr kumimoji="1" lang="en-US" altLang="ja-JP" sz="2400" dirty="0" smtClean="0"/>
+                <a:t>Q</a:t>
               </a:r>
               <a:r>
-                <a:rPr kumimoji="1" lang="en-US" altLang="ja-JP" sz="2400" baseline="-25000" dirty="0"/>
+                <a:rPr kumimoji="1" lang="en-US" altLang="ja-JP" sz="2400" baseline="-25000" dirty="0" smtClean="0"/>
                 <a:t>2</a:t>
               </a:r>
+              <a:endParaRPr kumimoji="1" lang="en-US" altLang="ja-JP" sz="2400" baseline="-25000" dirty="0"/>
             </a:p>
           </p:txBody>
         </p:sp>
@@ -21049,7 +21027,7 @@
           </a:ln>
           <a:extLst>
             <a:ext uri="{C572A759-6A51-4108-AA02-DFA0A04FC94B}">
-              <ma14:wrappingTextBoxFlag xmlns:ma14="http://schemas.microsoft.com/office/mac/drawingml/2011/main" xmlns="" val="1"/>
+              <ma14:wrappingTextBoxFlag xmlns="" xmlns:ma14="http://schemas.microsoft.com/office/mac/drawingml/2011/main" val="1"/>
             </a:ext>
           </a:extLst>
         </p:spPr>
@@ -21992,7 +21970,7 @@
           </a:ln>
           <a:extLst>
             <a:ext uri="{C572A759-6A51-4108-AA02-DFA0A04FC94B}">
-              <ma14:wrappingTextBoxFlag xmlns="" xmlns:ma14="http://schemas.microsoft.com/office/mac/drawingml/2011/main" val="1"/>
+              <ma14:wrappingTextBoxFlag xmlns:ma14="http://schemas.microsoft.com/office/mac/drawingml/2011/main" xmlns="" val="1"/>
             </a:ext>
           </a:extLst>
         </p:spPr>
@@ -22330,7 +22308,7 @@
           </a:ln>
           <a:extLst>
             <a:ext uri="{C572A759-6A51-4108-AA02-DFA0A04FC94B}">
-              <ma14:wrappingTextBoxFlag xmlns:ma14="http://schemas.microsoft.com/office/mac/drawingml/2011/main" xmlns="" val="1"/>
+              <ma14:wrappingTextBoxFlag xmlns="" xmlns:ma14="http://schemas.microsoft.com/office/mac/drawingml/2011/main" val="1"/>
             </a:ext>
           </a:extLst>
         </p:spPr>
@@ -23235,7 +23213,7 @@
           </a:ln>
           <a:extLst>
             <a:ext uri="{C572A759-6A51-4108-AA02-DFA0A04FC94B}">
-              <ma14:wrappingTextBoxFlag xmlns:ma14="http://schemas.microsoft.com/office/mac/drawingml/2011/main" xmlns="" val="1"/>
+              <ma14:wrappingTextBoxFlag xmlns="" xmlns:ma14="http://schemas.microsoft.com/office/mac/drawingml/2011/main" val="1"/>
             </a:ext>
           </a:extLst>
         </p:spPr>
@@ -24205,7 +24183,7 @@
           </a:ln>
           <a:extLst>
             <a:ext uri="{C572A759-6A51-4108-AA02-DFA0A04FC94B}">
-              <ma14:wrappingTextBoxFlag xmlns:ma14="http://schemas.microsoft.com/office/mac/drawingml/2011/main" xmlns="" val="1"/>
+              <ma14:wrappingTextBoxFlag xmlns="" xmlns:ma14="http://schemas.microsoft.com/office/mac/drawingml/2011/main" val="1"/>
             </a:ext>
           </a:extLst>
         </p:spPr>
@@ -24795,7 +24773,7 @@
           </a:ln>
           <a:extLst>
             <a:ext uri="{C572A759-6A51-4108-AA02-DFA0A04FC94B}">
-              <ma14:wrappingTextBoxFlag xmlns:ma14="http://schemas.microsoft.com/office/mac/drawingml/2011/main" xmlns="" val="1"/>
+              <ma14:wrappingTextBoxFlag xmlns="" xmlns:ma14="http://schemas.microsoft.com/office/mac/drawingml/2011/main" val="1"/>
             </a:ext>
           </a:extLst>
         </p:spPr>
@@ -25297,7 +25275,7 @@
           </a:ln>
           <a:extLst>
             <a:ext uri="{C572A759-6A51-4108-AA02-DFA0A04FC94B}">
-              <ma14:wrappingTextBoxFlag xmlns:ma14="http://schemas.microsoft.com/office/mac/drawingml/2011/main" xmlns="" val="1"/>
+              <ma14:wrappingTextBoxFlag xmlns="" xmlns:ma14="http://schemas.microsoft.com/office/mac/drawingml/2011/main" val="1"/>
             </a:ext>
           </a:extLst>
         </p:spPr>
@@ -25317,11 +25295,7 @@
             </a:pPr>
             <a:r>
               <a:rPr lang="ja-JP" altLang="en-US" dirty="0" smtClean="0"/>
-              <a:t>簡単なプラントモデルの</a:t>
-            </a:r>
-            <a:r>
-              <a:rPr lang="ja-JP" altLang="en-US" dirty="0" smtClean="0"/>
-              <a:t>作成 </a:t>
+              <a:t>簡単なプラントモデルの作成 </a:t>
             </a:r>
             <a:r>
               <a:rPr lang="en-US" altLang="ja-JP" dirty="0" smtClean="0"/>
@@ -25483,7 +25457,7 @@
           </a:ln>
           <a:extLst>
             <a:ext uri="{C572A759-6A51-4108-AA02-DFA0A04FC94B}">
-              <ma14:wrappingTextBoxFlag xmlns:ma14="http://schemas.microsoft.com/office/mac/drawingml/2011/main" xmlns="" val="1"/>
+              <ma14:wrappingTextBoxFlag xmlns="" xmlns:ma14="http://schemas.microsoft.com/office/mac/drawingml/2011/main" val="1"/>
             </a:ext>
           </a:extLst>
         </p:spPr>
@@ -25594,7 +25568,7 @@
             </p:nvSpPr>
             <p:spPr>
               <a:xfrm>
-                <a:off x="3303269" y="2544507"/>
+                <a:off x="3339684" y="3746770"/>
                 <a:ext cx="6621782" cy="2108946"/>
               </a:xfrm>
               <a:prstGeom prst="rect">
@@ -25760,7 +25734,7 @@
             </p:nvSpPr>
             <p:spPr>
               <a:xfrm>
-                <a:off x="3303269" y="2544507"/>
+                <a:off x="3339684" y="3746770"/>
                 <a:ext cx="6621782" cy="2108946"/>
               </a:xfrm>
               <a:prstGeom prst="rect">
@@ -25802,7 +25776,7 @@
         </p:nvSpPr>
         <p:spPr>
           <a:xfrm>
-            <a:off x="626879" y="1429882"/>
+            <a:off x="663294" y="2632145"/>
             <a:ext cx="11062613" cy="923330"/>
           </a:xfrm>
           <a:prstGeom prst="rect">
@@ -25948,7 +25922,7 @@
           </a:ln>
           <a:extLst>
             <a:ext uri="{C572A759-6A51-4108-AA02-DFA0A04FC94B}">
-              <ma14:wrappingTextBoxFlag xmlns:ma14="http://schemas.microsoft.com/office/mac/drawingml/2011/main" xmlns="" val="1"/>
+              <ma14:wrappingTextBoxFlag xmlns="" xmlns:ma14="http://schemas.microsoft.com/office/mac/drawingml/2011/main" val="1"/>
             </a:ext>
           </a:extLst>
         </p:spPr>
@@ -26617,7 +26591,7 @@
           </a:ln>
           <a:extLst>
             <a:ext uri="{C572A759-6A51-4108-AA02-DFA0A04FC94B}">
-              <ma14:wrappingTextBoxFlag xmlns:ma14="http://schemas.microsoft.com/office/mac/drawingml/2011/main" xmlns="" val="1"/>
+              <ma14:wrappingTextBoxFlag xmlns="" xmlns:ma14="http://schemas.microsoft.com/office/mac/drawingml/2011/main" val="1"/>
             </a:ext>
           </a:extLst>
         </p:spPr>
@@ -26749,7 +26723,7 @@
           </a:ln>
           <a:extLst>
             <a:ext uri="{C572A759-6A51-4108-AA02-DFA0A04FC94B}">
-              <ma14:wrappingTextBoxFlag xmlns:ma14="http://schemas.microsoft.com/office/mac/drawingml/2011/main" xmlns="" val="1"/>
+              <ma14:wrappingTextBoxFlag xmlns="" xmlns:ma14="http://schemas.microsoft.com/office/mac/drawingml/2011/main" val="1"/>
             </a:ext>
           </a:extLst>
         </p:spPr>
@@ -27443,7 +27417,7 @@
           </a:ln>
           <a:extLst>
             <a:ext uri="{C572A759-6A51-4108-AA02-DFA0A04FC94B}">
-              <ma14:wrappingTextBoxFlag xmlns:ma14="http://schemas.microsoft.com/office/mac/drawingml/2011/main" xmlns="" val="1"/>
+              <ma14:wrappingTextBoxFlag xmlns="" xmlns:ma14="http://schemas.microsoft.com/office/mac/drawingml/2011/main" val="1"/>
             </a:ext>
           </a:extLst>
         </p:spPr>
@@ -28283,7 +28257,7 @@
           </a:ln>
           <a:extLst>
             <a:ext uri="{C572A759-6A51-4108-AA02-DFA0A04FC94B}">
-              <ma14:wrappingTextBoxFlag xmlns:ma14="http://schemas.microsoft.com/office/mac/drawingml/2011/main" xmlns="" val="1"/>
+              <ma14:wrappingTextBoxFlag xmlns="" xmlns:ma14="http://schemas.microsoft.com/office/mac/drawingml/2011/main" val="1"/>
             </a:ext>
           </a:extLst>
         </p:spPr>
@@ -29248,7 +29222,7 @@
           </a:ln>
           <a:extLst>
             <a:ext uri="{C572A759-6A51-4108-AA02-DFA0A04FC94B}">
-              <ma14:wrappingTextBoxFlag xmlns:ma14="http://schemas.microsoft.com/office/mac/drawingml/2011/main" xmlns="" val="1"/>
+              <ma14:wrappingTextBoxFlag xmlns="" xmlns:ma14="http://schemas.microsoft.com/office/mac/drawingml/2011/main" val="1"/>
             </a:ext>
           </a:extLst>
         </p:spPr>
@@ -30151,7 +30125,7 @@
           </a:ln>
           <a:extLst>
             <a:ext uri="{C572A759-6A51-4108-AA02-DFA0A04FC94B}">
-              <ma14:wrappingTextBoxFlag xmlns:ma14="http://schemas.microsoft.com/office/mac/drawingml/2011/main" xmlns="" val="1"/>
+              <ma14:wrappingTextBoxFlag xmlns="" xmlns:ma14="http://schemas.microsoft.com/office/mac/drawingml/2011/main" val="1"/>
             </a:ext>
           </a:extLst>
         </p:spPr>
@@ -31174,7 +31148,7 @@
           </a:ln>
           <a:extLst>
             <a:ext uri="{C572A759-6A51-4108-AA02-DFA0A04FC94B}">
-              <ma14:wrappingTextBoxFlag xmlns:ma14="http://schemas.microsoft.com/office/mac/drawingml/2011/main" xmlns="" val="1"/>
+              <ma14:wrappingTextBoxFlag xmlns="" xmlns:ma14="http://schemas.microsoft.com/office/mac/drawingml/2011/main" val="1"/>
             </a:ext>
           </a:extLst>
         </p:spPr>

--- a/Dev/7_PhysicsDomainModel/OpenModelica_Tutorials_7_PlantModel.pptx
+++ b/Dev/7_PhysicsDomainModel/OpenModelica_Tutorials_7_PlantModel.pptx
@@ -244,7 +244,7 @@
           <a:p>
             <a:fld id="{C4670700-DA66-4BAD-8F9F-A4A758D36ABA}" type="datetimeFigureOut">
               <a:rPr kumimoji="1" lang="ja-JP" altLang="en-US" smtClean="0"/>
-              <a:t>2020/9/2</a:t>
+              <a:t>2021/6/26</a:t>
             </a:fld>
             <a:endParaRPr kumimoji="1" lang="ja-JP" altLang="en-US"/>
           </a:p>
@@ -690,7 +690,7 @@
           <a:p>
             <a:fld id="{8C7CD75D-5D39-4864-BA19-483584E59DC6}" type="datetime1">
               <a:rPr kumimoji="1" lang="ja-JP" altLang="en-US" smtClean="0"/>
-              <a:t>2020/9/2</a:t>
+              <a:t>2021/6/26</a:t>
             </a:fld>
             <a:endParaRPr kumimoji="1" lang="ja-JP" altLang="en-US"/>
           </a:p>
@@ -920,7 +920,7 @@
           <a:p>
             <a:fld id="{1C307E19-2163-42CA-82DC-48CC766E044B}" type="datetime1">
               <a:rPr kumimoji="1" lang="ja-JP" altLang="en-US" smtClean="0"/>
-              <a:t>2020/9/2</a:t>
+              <a:t>2021/6/26</a:t>
             </a:fld>
             <a:endParaRPr kumimoji="1" lang="ja-JP" altLang="en-US"/>
           </a:p>
@@ -1160,7 +1160,7 @@
           <a:p>
             <a:fld id="{0C48A713-F20E-46DB-BBA7-BA87B95082A3}" type="datetime1">
               <a:rPr kumimoji="1" lang="ja-JP" altLang="en-US" smtClean="0"/>
-              <a:t>2020/9/2</a:t>
+              <a:t>2021/6/26</a:t>
             </a:fld>
             <a:endParaRPr kumimoji="1" lang="ja-JP" altLang="en-US"/>
           </a:p>
@@ -1390,7 +1390,7 @@
           <a:p>
             <a:fld id="{FFE92058-C063-4892-89E0-629CA4ED9E07}" type="datetime1">
               <a:rPr kumimoji="1" lang="ja-JP" altLang="en-US" smtClean="0"/>
-              <a:t>2020/9/2</a:t>
+              <a:t>2021/6/26</a:t>
             </a:fld>
             <a:endParaRPr kumimoji="1" lang="ja-JP" altLang="en-US"/>
           </a:p>
@@ -1665,7 +1665,7 @@
           <a:p>
             <a:fld id="{130C667B-2598-4471-9768-C5333B4E3B3A}" type="datetime1">
               <a:rPr kumimoji="1" lang="ja-JP" altLang="en-US" smtClean="0"/>
-              <a:t>2020/9/2</a:t>
+              <a:t>2021/6/26</a:t>
             </a:fld>
             <a:endParaRPr kumimoji="1" lang="ja-JP" altLang="en-US"/>
           </a:p>
@@ -1994,7 +1994,7 @@
           <a:p>
             <a:fld id="{0FDAB949-15F5-4ABF-BB00-18FEF780E713}" type="datetime1">
               <a:rPr kumimoji="1" lang="ja-JP" altLang="en-US" smtClean="0"/>
-              <a:t>2020/9/2</a:t>
+              <a:t>2021/6/26</a:t>
             </a:fld>
             <a:endParaRPr kumimoji="1" lang="ja-JP" altLang="en-US"/>
           </a:p>
@@ -2470,7 +2470,7 @@
           <a:p>
             <a:fld id="{BFA3EF9D-1463-4821-9ADE-47DF05549453}" type="datetime1">
               <a:rPr kumimoji="1" lang="ja-JP" altLang="en-US" smtClean="0"/>
-              <a:t>2020/9/2</a:t>
+              <a:t>2021/6/26</a:t>
             </a:fld>
             <a:endParaRPr kumimoji="1" lang="ja-JP" altLang="en-US"/>
           </a:p>
@@ -2611,7 +2611,7 @@
           <a:p>
             <a:fld id="{4586F5B6-9586-4E05-85A5-BC7C32648190}" type="datetime1">
               <a:rPr kumimoji="1" lang="ja-JP" altLang="en-US" smtClean="0"/>
-              <a:t>2020/9/2</a:t>
+              <a:t>2021/6/26</a:t>
             </a:fld>
             <a:endParaRPr kumimoji="1" lang="ja-JP" altLang="en-US"/>
           </a:p>
@@ -2724,7 +2724,7 @@
           <a:p>
             <a:fld id="{76504571-7FEB-4311-BB38-1994795B53A0}" type="datetime1">
               <a:rPr kumimoji="1" lang="ja-JP" altLang="en-US" smtClean="0"/>
-              <a:t>2020/9/2</a:t>
+              <a:t>2021/6/26</a:t>
             </a:fld>
             <a:endParaRPr kumimoji="1" lang="ja-JP" altLang="en-US"/>
           </a:p>
@@ -3067,7 +3067,7 @@
           <a:p>
             <a:fld id="{F5C721FD-BC0F-4FE9-9E95-F806C64C8B82}" type="datetime1">
               <a:rPr kumimoji="1" lang="ja-JP" altLang="en-US" smtClean="0"/>
-              <a:t>2020/9/2</a:t>
+              <a:t>2021/6/26</a:t>
             </a:fld>
             <a:endParaRPr kumimoji="1" lang="ja-JP" altLang="en-US"/>
           </a:p>
@@ -3355,7 +3355,7 @@
           <a:p>
             <a:fld id="{77542B22-E5B0-40C6-9DA2-3A5D4E7B0D80}" type="datetime1">
               <a:rPr kumimoji="1" lang="ja-JP" altLang="en-US" smtClean="0"/>
-              <a:t>2020/9/2</a:t>
+              <a:t>2021/6/26</a:t>
             </a:fld>
             <a:endParaRPr kumimoji="1" lang="ja-JP" altLang="en-US"/>
           </a:p>
@@ -3628,7 +3628,7 @@
           <a:p>
             <a:fld id="{CE100500-5C7E-429C-8088-58F3D6003A7E}" type="datetime1">
               <a:rPr kumimoji="1" lang="ja-JP" altLang="en-US" smtClean="0"/>
-              <a:t>2020/9/2</a:t>
+              <a:t>2021/6/26</a:t>
             </a:fld>
             <a:endParaRPr kumimoji="1" lang="ja-JP" altLang="en-US"/>
           </a:p>
@@ -4203,15 +4203,7 @@
             <a:pPr algn="ctr"/>
             <a:r>
               <a:rPr lang="en-US" altLang="ja-JP" dirty="0"/>
-              <a:t>Copyright (C) </a:t>
-            </a:r>
-            <a:r>
-              <a:rPr lang="en-US" altLang="ja-JP" dirty="0" smtClean="0"/>
-              <a:t>2020 </a:t>
-            </a:r>
-            <a:r>
-              <a:rPr lang="en-US" altLang="ja-JP" dirty="0"/>
-              <a:t>Shigenori Ueda</a:t>
+              <a:t>Copyright (C) 2020 Shigenori Ueda</a:t>
             </a:r>
           </a:p>
           <a:p>
@@ -4247,13 +4239,6 @@
   <p:clrMapOvr>
     <a:masterClrMapping/>
   </p:clrMapOvr>
-  <p:timing>
-    <p:tnLst>
-      <p:par>
-        <p:cTn id="1" dur="indefinite" restart="never" nodeType="tmRoot"/>
-      </p:par>
-    </p:tnLst>
-  </p:timing>
 </p:sld>
 </file>
 
@@ -4356,7 +4341,7 @@
           </a:ln>
           <a:extLst>
             <a:ext uri="{C572A759-6A51-4108-AA02-DFA0A04FC94B}">
-              <ma14:wrappingTextBoxFlag xmlns="" xmlns:ma14="http://schemas.microsoft.com/office/mac/drawingml/2011/main" val="1"/>
+              <ma14:wrappingTextBoxFlag xmlns:ma14="http://schemas.microsoft.com/office/mac/drawingml/2011/main" xmlns="" val="1"/>
             </a:ext>
           </a:extLst>
         </p:spPr>
@@ -4446,15 +4431,7 @@
             <a:pPr algn="l"/>
             <a:r>
               <a:rPr kumimoji="1" lang="ja-JP" altLang="en-US" sz="2400" dirty="0"/>
-              <a:t>電圧、温度などはアクロス変数、電流、熱流量など</a:t>
-            </a:r>
-            <a:r>
-              <a:rPr kumimoji="1" lang="ja-JP" altLang="en-US" sz="2400" dirty="0" smtClean="0"/>
-              <a:t>はフロー変数</a:t>
-            </a:r>
-            <a:r>
-              <a:rPr kumimoji="1" lang="ja-JP" altLang="en-US" sz="2400" dirty="0"/>
-              <a:t>として宣言することでモデルの接続関係から自動的に方程式を組み立てます</a:t>
+              <a:t>電圧、温度などはアクロス変数、電流、熱流量などはフロー変数として宣言することでモデルの接続関係から自動的に方程式を組み立てます</a:t>
             </a:r>
           </a:p>
         </p:txBody>
@@ -5425,10 +5402,9 @@
           <a:p>
             <a:pPr algn="l"/>
             <a:r>
-              <a:rPr kumimoji="1" lang="ja-JP" altLang="en-US" sz="2400" u="sng" dirty="0" smtClean="0"/>
+              <a:rPr kumimoji="1" lang="ja-JP" altLang="en-US" sz="2400" u="sng" dirty="0"/>
               <a:t>アクロス変数</a:t>
             </a:r>
-            <a:endParaRPr kumimoji="1" lang="ja-JP" altLang="en-US" sz="2400" u="sng" dirty="0"/>
           </a:p>
         </p:txBody>
       </p:sp>
@@ -5462,10 +5438,9 @@
           <a:p>
             <a:pPr algn="l"/>
             <a:r>
-              <a:rPr kumimoji="1" lang="ja-JP" altLang="en-US" sz="2400" u="sng" dirty="0" smtClean="0"/>
+              <a:rPr kumimoji="1" lang="ja-JP" altLang="en-US" sz="2400" u="sng" dirty="0"/>
               <a:t>フロー変数</a:t>
             </a:r>
-            <a:endParaRPr kumimoji="1" lang="ja-JP" altLang="en-US" sz="2400" u="sng" dirty="0"/>
           </a:p>
         </p:txBody>
       </p:sp>
@@ -5479,13 +5454,6 @@
   <p:clrMapOvr>
     <a:masterClrMapping/>
   </p:clrMapOvr>
-  <p:timing>
-    <p:tnLst>
-      <p:par>
-        <p:cTn id="1" dur="indefinite" restart="never" nodeType="tmRoot"/>
-      </p:par>
-    </p:tnLst>
-  </p:timing>
 </p:sld>
 </file>
 
@@ -5588,7 +5556,7 @@
           </a:ln>
           <a:extLst>
             <a:ext uri="{C572A759-6A51-4108-AA02-DFA0A04FC94B}">
-              <ma14:wrappingTextBoxFlag xmlns="" xmlns:ma14="http://schemas.microsoft.com/office/mac/drawingml/2011/main" val="1"/>
+              <ma14:wrappingTextBoxFlag xmlns:ma14="http://schemas.microsoft.com/office/mac/drawingml/2011/main" xmlns="" val="1"/>
             </a:ext>
           </a:extLst>
         </p:spPr>
@@ -6187,13 +6155,6 @@
   <p:clrMapOvr>
     <a:masterClrMapping/>
   </p:clrMapOvr>
-  <p:timing>
-    <p:tnLst>
-      <p:par>
-        <p:cTn id="1" dur="indefinite" restart="never" nodeType="tmRoot"/>
-      </p:par>
-    </p:tnLst>
-  </p:timing>
 </p:sld>
 </file>
 
@@ -6268,7 +6229,7 @@
           </a:ln>
           <a:extLst>
             <a:ext uri="{C572A759-6A51-4108-AA02-DFA0A04FC94B}">
-              <ma14:wrappingTextBoxFlag xmlns="" xmlns:ma14="http://schemas.microsoft.com/office/mac/drawingml/2011/main" val="1"/>
+              <ma14:wrappingTextBoxFlag xmlns:ma14="http://schemas.microsoft.com/office/mac/drawingml/2011/main" xmlns="" val="1"/>
             </a:ext>
           </a:extLst>
         </p:spPr>
@@ -6395,13 +6356,8 @@
             <a:pPr algn="l"/>
             <a:r>
               <a:rPr kumimoji="1" lang="ja-JP" altLang="en-US" sz="2400" dirty="0"/>
-              <a:t>既存の物理ライブラリ</a:t>
-            </a:r>
-            <a:r>
-              <a:rPr kumimoji="1" lang="ja-JP" altLang="en-US" sz="2400" dirty="0" smtClean="0"/>
-              <a:t>の共通構成</a:t>
-            </a:r>
-            <a:endParaRPr kumimoji="1" lang="ja-JP" altLang="en-US" sz="2400" dirty="0"/>
+              <a:t>既存の物理ライブラリの共通構成</a:t>
+            </a:r>
           </a:p>
         </p:txBody>
       </p:sp>
@@ -7427,15 +7383,7 @@
           <a:p>
             <a:r>
               <a:rPr lang="ja-JP" altLang="en-US" sz="2400" dirty="0"/>
-              <a:t>電圧や温度に対応するポテンシャルと電流や熱流量など</a:t>
-            </a:r>
-            <a:r>
-              <a:rPr lang="ja-JP" altLang="en-US" sz="2400" dirty="0" smtClean="0"/>
-              <a:t>のフローに</a:t>
-            </a:r>
-            <a:r>
-              <a:rPr lang="ja-JP" altLang="en-US" sz="2400" dirty="0"/>
-              <a:t>よって多くの物理現象を表す</a:t>
+              <a:t>電圧や温度に対応するポテンシャルと電流や熱流量などのフローによって多くの物理現象を表す</a:t>
             </a:r>
           </a:p>
         </p:txBody>
@@ -7802,7 +7750,7 @@
             <a:p>
               <a:pPr algn="l"/>
               <a:r>
-                <a:rPr kumimoji="1" lang="ja-JP" altLang="en-US" dirty="0" smtClean="0"/>
+                <a:rPr kumimoji="1" lang="ja-JP" altLang="en-US" dirty="0"/>
                 <a:t>フロー</a:t>
               </a:r>
               <a:endParaRPr kumimoji="1" lang="ja-JP" altLang="en-US" baseline="-25000" dirty="0"/>
@@ -7901,13 +7849,6 @@
   <p:clrMapOvr>
     <a:masterClrMapping/>
   </p:clrMapOvr>
-  <p:timing>
-    <p:tnLst>
-      <p:par>
-        <p:cTn id="1" dur="indefinite" restart="never" nodeType="tmRoot"/>
-      </p:par>
-    </p:tnLst>
-  </p:timing>
 </p:sld>
 </file>
 
@@ -7986,7 +7927,7 @@
           <a:lstStyle/>
           <a:p>
             <a:r>
-              <a:rPr lang="ja-JP" altLang="en-US" sz="4000" b="1" dirty="0" smtClean="0">
+              <a:rPr lang="ja-JP" altLang="en-US" sz="4000" b="1" dirty="0">
                 <a:effectLst>
                   <a:outerShdw blurRad="38100" dist="38100" dir="2700000" algn="tl">
                     <a:srgbClr val="000000">
@@ -7997,15 +7938,6 @@
               </a:rPr>
               <a:t>既存の物理ライブラリの共通構成</a:t>
             </a:r>
-            <a:endParaRPr lang="ja-JP" altLang="en-US" sz="4000" b="1" dirty="0">
-              <a:effectLst>
-                <a:outerShdw blurRad="38100" dist="38100" dir="2700000" algn="tl">
-                  <a:srgbClr val="000000">
-                    <a:alpha val="43137"/>
-                  </a:srgbClr>
-                </a:outerShdw>
-              </a:effectLst>
-            </a:endParaRPr>
           </a:p>
         </p:txBody>
       </p:sp>
@@ -8019,13 +7951,6 @@
   <p:clrMapOvr>
     <a:masterClrMapping/>
   </p:clrMapOvr>
-  <p:timing>
-    <p:tnLst>
-      <p:par>
-        <p:cTn id="1" dur="indefinite" restart="never" nodeType="tmRoot"/>
-      </p:par>
-    </p:tnLst>
-  </p:timing>
 </p:sld>
 </file>
 
@@ -8071,7 +7996,7 @@
           </a:ln>
           <a:extLst>
             <a:ext uri="{C572A759-6A51-4108-AA02-DFA0A04FC94B}">
-              <ma14:wrappingTextBoxFlag xmlns="" xmlns:ma14="http://schemas.microsoft.com/office/mac/drawingml/2011/main" val="1"/>
+              <ma14:wrappingTextBoxFlag xmlns:ma14="http://schemas.microsoft.com/office/mac/drawingml/2011/main" xmlns="" val="1"/>
             </a:ext>
           </a:extLst>
         </p:spPr>
@@ -8090,7 +8015,7 @@
               </a:defRPr>
             </a:pPr>
             <a:r>
-              <a:rPr lang="ja-JP" altLang="en-US" dirty="0" smtClean="0"/>
+              <a:rPr lang="ja-JP" altLang="en-US" dirty="0"/>
               <a:t>既存の物理ライブラリの共通構成</a:t>
             </a:r>
             <a:endParaRPr lang="en-US" altLang="ja-JP" dirty="0"/>
@@ -8635,13 +8560,8 @@
             </a:r>
             <a:r>
               <a:rPr kumimoji="1" lang="ja-JP" altLang="en-US" sz="2000" dirty="0"/>
-              <a:t>　　・・</a:t>
-            </a:r>
-            <a:r>
-              <a:rPr kumimoji="1" lang="ja-JP" altLang="en-US" sz="2000" dirty="0" smtClean="0"/>
-              <a:t>・境界条件の定義</a:t>
-            </a:r>
-            <a:endParaRPr kumimoji="1" lang="ja-JP" altLang="en-US" sz="2000" dirty="0"/>
+              <a:t>　　・・・境界条件の定義</a:t>
+            </a:r>
           </a:p>
         </p:txBody>
       </p:sp>
@@ -8720,14 +8640,10 @@
             </a:r>
             <a:r>
               <a:rPr kumimoji="1" lang="ja-JP" altLang="en-US" sz="2000" dirty="0"/>
-              <a:t>・・</a:t>
-            </a:r>
-            <a:r>
-              <a:rPr kumimoji="1" lang="ja-JP" altLang="en-US" sz="2000" dirty="0" smtClean="0"/>
-              <a:t>・抵抗・キャパシタ </a:t>
-            </a:r>
-            <a:r>
-              <a:rPr kumimoji="1" lang="en-US" altLang="ja-JP" sz="2000" dirty="0" smtClean="0"/>
+              <a:t>・・・抵抗・キャパシタ </a:t>
+            </a:r>
+            <a:r>
+              <a:rPr kumimoji="1" lang="en-US" altLang="ja-JP" sz="2000" dirty="0"/>
               <a:t>etc.</a:t>
             </a:r>
             <a:endParaRPr kumimoji="1" lang="ja-JP" altLang="en-US" sz="2000" dirty="0"/>
@@ -9000,7 +8916,7 @@
           <a:p>
             <a:pPr algn="l"/>
             <a:r>
-              <a:rPr kumimoji="1" lang="ja-JP" altLang="en-US" dirty="0" smtClean="0">
+              <a:rPr kumimoji="1" lang="ja-JP" altLang="en-US" dirty="0">
                 <a:solidFill>
                   <a:srgbClr val="FF0000"/>
                 </a:solidFill>
@@ -9364,13 +9280,6 @@
   <p:clrMapOvr>
     <a:masterClrMapping/>
   </p:clrMapOvr>
-  <p:timing>
-    <p:tnLst>
-      <p:par>
-        <p:cTn id="1" dur="indefinite" restart="never" nodeType="tmRoot"/>
-      </p:par>
-    </p:tnLst>
-  </p:timing>
 </p:sld>
 </file>
 
@@ -9416,7 +9325,7 @@
           </a:ln>
           <a:extLst>
             <a:ext uri="{C572A759-6A51-4108-AA02-DFA0A04FC94B}">
-              <ma14:wrappingTextBoxFlag xmlns="" xmlns:ma14="http://schemas.microsoft.com/office/mac/drawingml/2011/main" val="1"/>
+              <ma14:wrappingTextBoxFlag xmlns:ma14="http://schemas.microsoft.com/office/mac/drawingml/2011/main" xmlns="" val="1"/>
             </a:ext>
           </a:extLst>
         </p:spPr>
@@ -9435,7 +9344,7 @@
               </a:defRPr>
             </a:pPr>
             <a:r>
-              <a:rPr lang="ja-JP" altLang="en-US" dirty="0" smtClean="0"/>
+              <a:rPr lang="ja-JP" altLang="en-US" dirty="0"/>
               <a:t>典型的な物理モデル</a:t>
             </a:r>
             <a:endParaRPr lang="en-US" altLang="ja-JP" dirty="0"/>
@@ -9500,12 +9409,8 @@
           <a:lstStyle/>
           <a:p>
             <a:r>
-              <a:rPr lang="ja-JP" altLang="en-US" sz="2400" dirty="0" smtClean="0"/>
-              <a:t>ソース・</a:t>
-            </a:r>
-            <a:r>
               <a:rPr lang="ja-JP" altLang="en-US" sz="2400" dirty="0"/>
-              <a:t>・・境界条件を定義する</a:t>
+              <a:t>ソース・・・境界条件を定義する</a:t>
             </a:r>
             <a:endParaRPr lang="en-US" altLang="ja-JP" sz="2400" dirty="0"/>
           </a:p>
@@ -9540,12 +9445,8 @@
           <a:lstStyle/>
           <a:p>
             <a:r>
-              <a:rPr lang="ja-JP" altLang="en-US" sz="2400" dirty="0" smtClean="0"/>
-              <a:t>キャパシタ・</a:t>
-            </a:r>
-            <a:r>
               <a:rPr lang="ja-JP" altLang="en-US" sz="2400" dirty="0"/>
-              <a:t>・・物理量をため込む</a:t>
+              <a:t>キャパシタ・・・物理量をため込む</a:t>
             </a:r>
           </a:p>
         </p:txBody>
@@ -9580,16 +9481,8 @@
           <a:p>
             <a:pPr algn="l"/>
             <a:r>
-              <a:rPr kumimoji="1" lang="ja-JP" altLang="en-US" sz="2400" dirty="0" smtClean="0"/>
-              <a:t>抵抗・</a:t>
-            </a:r>
-            <a:r>
               <a:rPr kumimoji="1" lang="ja-JP" altLang="en-US" sz="2400" dirty="0"/>
-              <a:t>・</a:t>
-            </a:r>
-            <a:r>
-              <a:rPr kumimoji="1" lang="ja-JP" altLang="en-US" sz="2400" dirty="0" smtClean="0"/>
-              <a:t>・物理量の通り易さを表す</a:t>
+              <a:t>抵抗・・・物理量の通り易さを表す</a:t>
             </a:r>
             <a:endParaRPr kumimoji="1" lang="en-US" altLang="ja-JP" sz="2400" dirty="0"/>
           </a:p>
@@ -10216,13 +10109,9 @@
           <a:p>
             <a:r>
               <a:rPr lang="ja-JP" altLang="en-US" sz="2400" dirty="0"/>
-              <a:t>様々な物理ドメインに共通する挙動を以下のように</a:t>
-            </a:r>
-            <a:r>
-              <a:rPr lang="ja-JP" altLang="en-US" sz="2400" dirty="0" smtClean="0"/>
-              <a:t>グループ化して把握するとどのライブラリも似たような考え方で使いこなすことが出来ます。</a:t>
-            </a:r>
-            <a:endParaRPr lang="en-US" altLang="ja-JP" sz="2400" dirty="0" smtClean="0"/>
+              <a:t>様々な物理ドメインに共通する挙動を以下のようにグループ化して把握するとどのライブラリも似たような考え方で使いこなすことが出来ます。</a:t>
+            </a:r>
+            <a:endParaRPr lang="en-US" altLang="ja-JP" sz="2400" dirty="0"/>
           </a:p>
         </p:txBody>
       </p:sp>
@@ -10236,13 +10125,6 @@
   <p:clrMapOvr>
     <a:masterClrMapping/>
   </p:clrMapOvr>
-  <p:timing>
-    <p:tnLst>
-      <p:par>
-        <p:cTn id="1" dur="indefinite" restart="never" nodeType="tmRoot"/>
-      </p:par>
-    </p:tnLst>
-  </p:timing>
 </p:sld>
 </file>
 
@@ -10288,7 +10170,7 @@
           </a:ln>
           <a:extLst>
             <a:ext uri="{C572A759-6A51-4108-AA02-DFA0A04FC94B}">
-              <ma14:wrappingTextBoxFlag xmlns="" xmlns:ma14="http://schemas.microsoft.com/office/mac/drawingml/2011/main" val="1"/>
+              <ma14:wrappingTextBoxFlag xmlns:ma14="http://schemas.microsoft.com/office/mac/drawingml/2011/main" xmlns="" val="1"/>
             </a:ext>
           </a:extLst>
         </p:spPr>
@@ -10307,7 +10189,7 @@
               </a:defRPr>
             </a:pPr>
             <a:r>
-              <a:rPr lang="ja-JP" altLang="en-US" dirty="0" smtClean="0"/>
+              <a:rPr lang="ja-JP" altLang="en-US" dirty="0"/>
               <a:t>典型的な物理モデルの一覧</a:t>
             </a:r>
             <a:endParaRPr lang="en-US" altLang="ja-JP" dirty="0"/>
@@ -10418,10 +10300,9 @@
                     <a:lstStyle/>
                     <a:p>
                       <a:r>
-                        <a:rPr kumimoji="1" lang="ja-JP" altLang="en-US" sz="2000" dirty="0" smtClean="0"/>
+                        <a:rPr kumimoji="1" lang="ja-JP" altLang="en-US" sz="2000" dirty="0"/>
                         <a:t>モデル</a:t>
                       </a:r>
-                      <a:endParaRPr kumimoji="1" lang="ja-JP" altLang="en-US" sz="2000" dirty="0"/>
                     </a:p>
                   </a:txBody>
                   <a:tcPr/>
@@ -10432,10 +10313,9 @@
                     <a:lstStyle/>
                     <a:p>
                       <a:r>
-                        <a:rPr kumimoji="1" lang="ja-JP" altLang="en-US" sz="2000" dirty="0" smtClean="0"/>
+                        <a:rPr kumimoji="1" lang="ja-JP" altLang="en-US" sz="2000" dirty="0"/>
                         <a:t>電気</a:t>
                       </a:r>
-                      <a:endParaRPr kumimoji="1" lang="ja-JP" altLang="en-US" sz="2000" dirty="0"/>
                     </a:p>
                   </a:txBody>
                   <a:tcPr/>
@@ -10446,10 +10326,9 @@
                     <a:lstStyle/>
                     <a:p>
                       <a:r>
-                        <a:rPr kumimoji="1" lang="ja-JP" altLang="en-US" sz="2000" dirty="0" smtClean="0"/>
+                        <a:rPr kumimoji="1" lang="ja-JP" altLang="en-US" sz="2000" dirty="0"/>
                         <a:t>熱</a:t>
                       </a:r>
-                      <a:endParaRPr kumimoji="1" lang="ja-JP" altLang="en-US" sz="2000" dirty="0"/>
                     </a:p>
                   </a:txBody>
                   <a:tcPr/>
@@ -10460,10 +10339,9 @@
                     <a:lstStyle/>
                     <a:p>
                       <a:r>
-                        <a:rPr kumimoji="1" lang="ja-JP" altLang="en-US" sz="2000" dirty="0" smtClean="0"/>
+                        <a:rPr kumimoji="1" lang="ja-JP" altLang="en-US" sz="2000" dirty="0"/>
                         <a:t>流体</a:t>
                       </a:r>
-                      <a:endParaRPr kumimoji="1" lang="ja-JP" altLang="en-US" sz="2000" dirty="0"/>
                     </a:p>
                   </a:txBody>
                   <a:tcPr/>
@@ -10474,10 +10352,9 @@
                     <a:lstStyle/>
                     <a:p>
                       <a:r>
-                        <a:rPr kumimoji="1" lang="ja-JP" altLang="en-US" sz="2000" dirty="0" smtClean="0"/>
+                        <a:rPr kumimoji="1" lang="ja-JP" altLang="en-US" sz="2000" dirty="0"/>
                         <a:t>並進運動</a:t>
                       </a:r>
-                      <a:endParaRPr kumimoji="1" lang="ja-JP" altLang="en-US" sz="2000" dirty="0"/>
                     </a:p>
                   </a:txBody>
                   <a:tcPr/>
@@ -10488,10 +10365,9 @@
                     <a:lstStyle/>
                     <a:p>
                       <a:r>
-                        <a:rPr kumimoji="1" lang="ja-JP" altLang="en-US" sz="2000" dirty="0" smtClean="0"/>
+                        <a:rPr kumimoji="1" lang="ja-JP" altLang="en-US" sz="2000" dirty="0"/>
                         <a:t>回転運動</a:t>
                       </a:r>
-                      <a:endParaRPr kumimoji="1" lang="ja-JP" altLang="en-US" sz="2000" dirty="0"/>
                     </a:p>
                   </a:txBody>
                   <a:tcPr/>
@@ -10509,11 +10385,11 @@
                     <a:lstStyle/>
                     <a:p>
                       <a:r>
-                        <a:rPr kumimoji="1" lang="ja-JP" altLang="en-US" sz="2000" dirty="0" smtClean="0"/>
+                        <a:rPr kumimoji="1" lang="ja-JP" altLang="en-US" sz="2000" dirty="0"/>
                         <a:t>ソース　ポテンシャル</a:t>
                       </a:r>
                       <a:r>
-                        <a:rPr kumimoji="1" lang="en-US" altLang="ja-JP" sz="2000" dirty="0" smtClean="0"/>
+                        <a:rPr kumimoji="1" lang="en-US" altLang="ja-JP" sz="2000" dirty="0"/>
                         <a:t>*</a:t>
                       </a:r>
                       <a:endParaRPr kumimoji="1" lang="ja-JP" altLang="en-US" sz="2000" dirty="0"/>
@@ -10527,10 +10403,9 @@
                     <a:lstStyle/>
                     <a:p>
                       <a:r>
-                        <a:rPr kumimoji="1" lang="ja-JP" altLang="en-US" sz="2000" dirty="0" smtClean="0"/>
+                        <a:rPr kumimoji="1" lang="ja-JP" altLang="en-US" sz="2000" dirty="0"/>
                         <a:t>電圧源</a:t>
                       </a:r>
-                      <a:endParaRPr kumimoji="1" lang="ja-JP" altLang="en-US" sz="2000" dirty="0"/>
                     </a:p>
                   </a:txBody>
                   <a:tcPr/>
@@ -10541,10 +10416,9 @@
                     <a:lstStyle/>
                     <a:p>
                       <a:r>
-                        <a:rPr kumimoji="1" lang="ja-JP" altLang="en-US" sz="2000" dirty="0" smtClean="0"/>
+                        <a:rPr kumimoji="1" lang="ja-JP" altLang="en-US" sz="2000" dirty="0"/>
                         <a:t>温度定義</a:t>
                       </a:r>
-                      <a:endParaRPr kumimoji="1" lang="ja-JP" altLang="en-US" sz="2000" dirty="0"/>
                     </a:p>
                   </a:txBody>
                   <a:tcPr/>
@@ -10555,10 +10429,9 @@
                     <a:lstStyle/>
                     <a:p>
                       <a:r>
-                        <a:rPr kumimoji="1" lang="ja-JP" altLang="en-US" sz="2000" dirty="0" smtClean="0"/>
+                        <a:rPr kumimoji="1" lang="ja-JP" altLang="en-US" sz="2000" dirty="0"/>
                         <a:t>圧力定義</a:t>
                       </a:r>
-                      <a:endParaRPr kumimoji="1" lang="ja-JP" altLang="en-US" sz="2000" dirty="0"/>
                     </a:p>
                   </a:txBody>
                   <a:tcPr/>
@@ -10569,10 +10442,9 @@
                     <a:lstStyle/>
                     <a:p>
                       <a:r>
-                        <a:rPr kumimoji="1" lang="ja-JP" altLang="en-US" sz="2000" dirty="0" smtClean="0"/>
+                        <a:rPr kumimoji="1" lang="ja-JP" altLang="en-US" sz="2000" dirty="0"/>
                         <a:t>位置定義</a:t>
                       </a:r>
-                      <a:endParaRPr kumimoji="1" lang="ja-JP" altLang="en-US" sz="2000" dirty="0"/>
                     </a:p>
                   </a:txBody>
                   <a:tcPr/>
@@ -10583,10 +10455,9 @@
                     <a:lstStyle/>
                     <a:p>
                       <a:r>
-                        <a:rPr kumimoji="1" lang="ja-JP" altLang="en-US" sz="2000" dirty="0" smtClean="0"/>
+                        <a:rPr kumimoji="1" lang="ja-JP" altLang="en-US" sz="2000" dirty="0"/>
                         <a:t>回転角度定義</a:t>
                       </a:r>
-                      <a:endParaRPr kumimoji="1" lang="ja-JP" altLang="en-US" sz="2000" dirty="0"/>
                     </a:p>
                   </a:txBody>
                   <a:tcPr/>
@@ -10604,11 +10475,11 @@
                     <a:lstStyle/>
                     <a:p>
                       <a:r>
-                        <a:rPr kumimoji="1" lang="ja-JP" altLang="en-US" sz="2000" dirty="0" smtClean="0"/>
+                        <a:rPr kumimoji="1" lang="ja-JP" altLang="en-US" sz="2000" dirty="0"/>
                         <a:t>ソース　フロー</a:t>
                       </a:r>
                       <a:r>
-                        <a:rPr kumimoji="1" lang="en-US" altLang="ja-JP" sz="2000" dirty="0" smtClean="0"/>
+                        <a:rPr kumimoji="1" lang="en-US" altLang="ja-JP" sz="2000" dirty="0"/>
                         <a:t>*</a:t>
                       </a:r>
                       <a:endParaRPr kumimoji="1" lang="ja-JP" altLang="en-US" sz="2000" dirty="0"/>
@@ -10622,10 +10493,9 @@
                     <a:lstStyle/>
                     <a:p>
                       <a:r>
-                        <a:rPr kumimoji="1" lang="ja-JP" altLang="en-US" sz="2000" dirty="0" smtClean="0"/>
+                        <a:rPr kumimoji="1" lang="ja-JP" altLang="en-US" sz="2000" dirty="0"/>
                         <a:t>電流源</a:t>
                       </a:r>
-                      <a:endParaRPr kumimoji="1" lang="ja-JP" altLang="en-US" sz="2000" dirty="0"/>
                     </a:p>
                   </a:txBody>
                   <a:tcPr/>
@@ -10636,10 +10506,9 @@
                     <a:lstStyle/>
                     <a:p>
                       <a:r>
-                        <a:rPr kumimoji="1" lang="ja-JP" altLang="en-US" sz="2000" dirty="0" smtClean="0"/>
+                        <a:rPr kumimoji="1" lang="ja-JP" altLang="en-US" sz="2000" dirty="0"/>
                         <a:t>熱流量定義</a:t>
                       </a:r>
-                      <a:endParaRPr kumimoji="1" lang="ja-JP" altLang="en-US" sz="2000" dirty="0"/>
                     </a:p>
                   </a:txBody>
                   <a:tcPr/>
@@ -10650,10 +10519,9 @@
                     <a:lstStyle/>
                     <a:p>
                       <a:r>
-                        <a:rPr kumimoji="1" lang="ja-JP" altLang="en-US" sz="2000" dirty="0" smtClean="0"/>
+                        <a:rPr kumimoji="1" lang="ja-JP" altLang="en-US" sz="2000" dirty="0"/>
                         <a:t>流量定義</a:t>
                       </a:r>
-                      <a:endParaRPr kumimoji="1" lang="ja-JP" altLang="en-US" sz="2000" dirty="0"/>
                     </a:p>
                   </a:txBody>
                   <a:tcPr/>
@@ -10664,10 +10532,9 @@
                     <a:lstStyle/>
                     <a:p>
                       <a:r>
-                        <a:rPr kumimoji="1" lang="ja-JP" altLang="en-US" sz="2000" dirty="0" smtClean="0"/>
+                        <a:rPr kumimoji="1" lang="ja-JP" altLang="en-US" sz="2000" dirty="0"/>
                         <a:t>力定義</a:t>
                       </a:r>
-                      <a:endParaRPr kumimoji="1" lang="ja-JP" altLang="en-US" sz="2000" dirty="0"/>
                     </a:p>
                   </a:txBody>
                   <a:tcPr/>
@@ -10678,10 +10545,9 @@
                     <a:lstStyle/>
                     <a:p>
                       <a:r>
-                        <a:rPr kumimoji="1" lang="ja-JP" altLang="en-US" sz="2000" dirty="0" smtClean="0"/>
+                        <a:rPr kumimoji="1" lang="ja-JP" altLang="en-US" sz="2000" dirty="0"/>
                         <a:t>トルク定義</a:t>
                       </a:r>
-                      <a:endParaRPr kumimoji="1" lang="ja-JP" altLang="en-US" sz="2000" dirty="0"/>
                     </a:p>
                   </a:txBody>
                   <a:tcPr/>
@@ -10699,10 +10565,9 @@
                     <a:lstStyle/>
                     <a:p>
                       <a:r>
-                        <a:rPr kumimoji="1" lang="ja-JP" altLang="en-US" sz="2000" dirty="0" smtClean="0"/>
+                        <a:rPr kumimoji="1" lang="ja-JP" altLang="en-US" sz="2000" dirty="0"/>
                         <a:t>抵抗</a:t>
                       </a:r>
-                      <a:endParaRPr kumimoji="1" lang="ja-JP" altLang="en-US" sz="2000" dirty="0"/>
                     </a:p>
                   </a:txBody>
                   <a:tcPr/>
@@ -10713,10 +10578,9 @@
                     <a:lstStyle/>
                     <a:p>
                       <a:r>
-                        <a:rPr kumimoji="1" lang="ja-JP" altLang="en-US" sz="2000" dirty="0" smtClean="0"/>
+                        <a:rPr kumimoji="1" lang="ja-JP" altLang="en-US" sz="2000" dirty="0"/>
                         <a:t>電気抵抗</a:t>
                       </a:r>
-                      <a:endParaRPr kumimoji="1" lang="ja-JP" altLang="en-US" sz="2000" dirty="0"/>
                     </a:p>
                   </a:txBody>
                   <a:tcPr/>
@@ -10727,10 +10591,9 @@
                     <a:lstStyle/>
                     <a:p>
                       <a:r>
-                        <a:rPr kumimoji="1" lang="ja-JP" altLang="en-US" sz="2000" dirty="0" smtClean="0"/>
+                        <a:rPr kumimoji="1" lang="ja-JP" altLang="en-US" sz="2000" dirty="0"/>
                         <a:t>熱抵抗</a:t>
                       </a:r>
-                      <a:endParaRPr kumimoji="1" lang="ja-JP" altLang="en-US" sz="2000" dirty="0"/>
                     </a:p>
                   </a:txBody>
                   <a:tcPr/>
@@ -10741,10 +10604,9 @@
                     <a:lstStyle/>
                     <a:p>
                       <a:r>
-                        <a:rPr kumimoji="1" lang="ja-JP" altLang="en-US" sz="2000" dirty="0" smtClean="0"/>
+                        <a:rPr kumimoji="1" lang="ja-JP" altLang="en-US" sz="2000" dirty="0"/>
                         <a:t>配管</a:t>
                       </a:r>
-                      <a:endParaRPr kumimoji="1" lang="ja-JP" altLang="en-US" sz="2000" dirty="0"/>
                     </a:p>
                   </a:txBody>
                   <a:tcPr/>
@@ -10755,10 +10617,9 @@
                     <a:lstStyle/>
                     <a:p>
                       <a:r>
-                        <a:rPr kumimoji="1" lang="ja-JP" altLang="en-US" sz="2000" dirty="0" smtClean="0"/>
+                        <a:rPr kumimoji="1" lang="ja-JP" altLang="en-US" sz="2000" dirty="0"/>
                         <a:t>摩擦</a:t>
                       </a:r>
-                      <a:endParaRPr kumimoji="1" lang="ja-JP" altLang="en-US" sz="2000" dirty="0"/>
                     </a:p>
                   </a:txBody>
                   <a:tcPr/>
@@ -10769,10 +10630,9 @@
                     <a:lstStyle/>
                     <a:p>
                       <a:r>
-                        <a:rPr kumimoji="1" lang="ja-JP" altLang="en-US" sz="2000" dirty="0" smtClean="0"/>
+                        <a:rPr kumimoji="1" lang="ja-JP" altLang="en-US" sz="2000" dirty="0"/>
                         <a:t>摩擦</a:t>
                       </a:r>
-                      <a:endParaRPr kumimoji="1" lang="ja-JP" altLang="en-US" sz="2000" dirty="0"/>
                     </a:p>
                   </a:txBody>
                   <a:tcPr/>
@@ -10790,10 +10650,9 @@
                     <a:lstStyle/>
                     <a:p>
                       <a:r>
-                        <a:rPr kumimoji="1" lang="ja-JP" altLang="en-US" sz="2000" dirty="0" smtClean="0"/>
+                        <a:rPr kumimoji="1" lang="ja-JP" altLang="en-US" sz="2000" dirty="0"/>
                         <a:t>キャパシタ</a:t>
                       </a:r>
-                      <a:endParaRPr kumimoji="1" lang="ja-JP" altLang="en-US" sz="2000" dirty="0"/>
                     </a:p>
                   </a:txBody>
                   <a:tcPr/>
@@ -10804,10 +10663,9 @@
                     <a:lstStyle/>
                     <a:p>
                       <a:r>
-                        <a:rPr kumimoji="1" lang="ja-JP" altLang="en-US" sz="2000" dirty="0" smtClean="0"/>
+                        <a:rPr kumimoji="1" lang="ja-JP" altLang="en-US" sz="2000" dirty="0"/>
                         <a:t>キャパシタ</a:t>
                       </a:r>
-                      <a:endParaRPr kumimoji="1" lang="ja-JP" altLang="en-US" sz="2000" dirty="0"/>
                     </a:p>
                   </a:txBody>
                   <a:tcPr/>
@@ -10818,10 +10676,9 @@
                     <a:lstStyle/>
                     <a:p>
                       <a:r>
-                        <a:rPr kumimoji="1" lang="ja-JP" altLang="en-US" sz="2000" dirty="0" smtClean="0"/>
+                        <a:rPr kumimoji="1" lang="ja-JP" altLang="en-US" sz="2000" dirty="0"/>
                         <a:t>熱容量</a:t>
                       </a:r>
-                      <a:endParaRPr kumimoji="1" lang="ja-JP" altLang="en-US" sz="2000" dirty="0"/>
                     </a:p>
                   </a:txBody>
                   <a:tcPr/>
@@ -10832,10 +10689,9 @@
                     <a:lstStyle/>
                     <a:p>
                       <a:r>
-                        <a:rPr kumimoji="1" lang="ja-JP" altLang="en-US" sz="2000" dirty="0" smtClean="0"/>
+                        <a:rPr kumimoji="1" lang="ja-JP" altLang="en-US" sz="2000" dirty="0"/>
                         <a:t>タンク</a:t>
                       </a:r>
-                      <a:endParaRPr kumimoji="1" lang="ja-JP" altLang="en-US" sz="2000" dirty="0"/>
                     </a:p>
                   </a:txBody>
                   <a:tcPr/>
@@ -10846,10 +10702,9 @@
                     <a:lstStyle/>
                     <a:p>
                       <a:r>
-                        <a:rPr kumimoji="1" lang="ja-JP" altLang="en-US" sz="2000" dirty="0" smtClean="0"/>
+                        <a:rPr kumimoji="1" lang="ja-JP" altLang="en-US" sz="2000" dirty="0"/>
                         <a:t>バネ</a:t>
                       </a:r>
-                      <a:endParaRPr kumimoji="1" lang="ja-JP" altLang="en-US" sz="2000" dirty="0"/>
                     </a:p>
                   </a:txBody>
                   <a:tcPr/>
@@ -10860,7 +10715,7 @@
                     <a:lstStyle/>
                     <a:p>
                       <a:r>
-                        <a:rPr kumimoji="1" lang="en-US" altLang="ja-JP" sz="2000" dirty="0" smtClean="0"/>
+                        <a:rPr kumimoji="1" lang="en-US" altLang="ja-JP" sz="2000" dirty="0"/>
                         <a:t>?</a:t>
                       </a:r>
                       <a:endParaRPr kumimoji="1" lang="ja-JP" altLang="en-US" sz="2000" dirty="0"/>
@@ -10881,10 +10736,9 @@
                     <a:lstStyle/>
                     <a:p>
                       <a:r>
-                        <a:rPr kumimoji="1" lang="ja-JP" altLang="en-US" sz="2000" dirty="0" smtClean="0"/>
+                        <a:rPr kumimoji="1" lang="ja-JP" altLang="en-US" sz="2000" dirty="0"/>
                         <a:t>インダクタンス</a:t>
                       </a:r>
-                      <a:endParaRPr kumimoji="1" lang="ja-JP" altLang="en-US" sz="2000" dirty="0"/>
                     </a:p>
                   </a:txBody>
                   <a:tcPr/>
@@ -10912,7 +10766,7 @@
                         <a:defRPr/>
                       </a:pPr>
                       <a:r>
-                        <a:rPr kumimoji="1" lang="ja-JP" altLang="en-US" sz="2000" dirty="0" smtClean="0"/>
+                        <a:rPr kumimoji="1" lang="ja-JP" altLang="en-US" sz="2000" dirty="0"/>
                         <a:t>電気コイル</a:t>
                       </a:r>
                     </a:p>
@@ -10925,7 +10779,7 @@
                     <a:lstStyle/>
                     <a:p>
                       <a:r>
-                        <a:rPr kumimoji="1" lang="en-US" altLang="ja-JP" sz="2000" dirty="0" smtClean="0"/>
+                        <a:rPr kumimoji="1" lang="en-US" altLang="ja-JP" sz="2000" dirty="0"/>
                         <a:t>?</a:t>
                       </a:r>
                       <a:endParaRPr kumimoji="1" lang="ja-JP" altLang="en-US" sz="2000" dirty="0"/>
@@ -10939,7 +10793,7 @@
                     <a:lstStyle/>
                     <a:p>
                       <a:r>
-                        <a:rPr kumimoji="1" lang="en-US" altLang="ja-JP" sz="2000" dirty="0" smtClean="0"/>
+                        <a:rPr kumimoji="1" lang="en-US" altLang="ja-JP" sz="2000" dirty="0"/>
                         <a:t>?</a:t>
                       </a:r>
                       <a:endParaRPr kumimoji="1" lang="ja-JP" altLang="en-US" sz="2000" dirty="0"/>
@@ -10953,10 +10807,9 @@
                     <a:lstStyle/>
                     <a:p>
                       <a:r>
-                        <a:rPr kumimoji="1" lang="ja-JP" altLang="en-US" sz="2000" dirty="0" smtClean="0"/>
+                        <a:rPr kumimoji="1" lang="ja-JP" altLang="en-US" sz="2000" dirty="0"/>
                         <a:t>質量</a:t>
                       </a:r>
-                      <a:endParaRPr kumimoji="1" lang="ja-JP" altLang="en-US" sz="2000" dirty="0"/>
                     </a:p>
                   </a:txBody>
                   <a:tcPr/>
@@ -10967,10 +10820,9 @@
                     <a:lstStyle/>
                     <a:p>
                       <a:r>
-                        <a:rPr kumimoji="1" lang="ja-JP" altLang="en-US" sz="2000" dirty="0" smtClean="0"/>
+                        <a:rPr kumimoji="1" lang="ja-JP" altLang="en-US" sz="2000" dirty="0"/>
                         <a:t>慣性</a:t>
                       </a:r>
-                      <a:endParaRPr kumimoji="1" lang="ja-JP" altLang="en-US" sz="2000" dirty="0"/>
                     </a:p>
                   </a:txBody>
                   <a:tcPr/>
@@ -10988,10 +10840,9 @@
                     <a:lstStyle/>
                     <a:p>
                       <a:r>
-                        <a:rPr kumimoji="1" lang="ja-JP" altLang="en-US" sz="2000" dirty="0" smtClean="0"/>
+                        <a:rPr kumimoji="1" lang="ja-JP" altLang="en-US" sz="2000" dirty="0"/>
                         <a:t>変換</a:t>
                       </a:r>
-                      <a:endParaRPr kumimoji="1" lang="ja-JP" altLang="en-US" sz="2000" dirty="0"/>
                     </a:p>
                   </a:txBody>
                   <a:tcPr/>
@@ -11002,10 +10853,9 @@
                     <a:lstStyle/>
                     <a:p>
                       <a:r>
-                        <a:rPr kumimoji="1" lang="ja-JP" altLang="en-US" sz="2000" dirty="0" smtClean="0"/>
+                        <a:rPr kumimoji="1" lang="ja-JP" altLang="en-US" sz="2000" dirty="0"/>
                         <a:t>変圧器</a:t>
                       </a:r>
-                      <a:endParaRPr kumimoji="1" lang="ja-JP" altLang="en-US" sz="2000" dirty="0"/>
                     </a:p>
                   </a:txBody>
                   <a:tcPr/>
@@ -11016,15 +10866,15 @@
                     <a:lstStyle/>
                     <a:p>
                       <a:r>
-                        <a:rPr kumimoji="1" lang="en-US" altLang="ja-JP" sz="2000" dirty="0" smtClean="0"/>
+                        <a:rPr kumimoji="1" lang="en-US" altLang="ja-JP" sz="2000" dirty="0"/>
                         <a:t>(</a:t>
                       </a:r>
                       <a:r>
-                        <a:rPr kumimoji="1" lang="ja-JP" altLang="en-US" sz="2000" dirty="0" smtClean="0"/>
+                        <a:rPr kumimoji="1" lang="ja-JP" altLang="en-US" sz="2000" dirty="0"/>
                         <a:t>無し</a:t>
                       </a:r>
                       <a:r>
-                        <a:rPr kumimoji="1" lang="en-US" altLang="ja-JP" sz="2000" dirty="0" smtClean="0"/>
+                        <a:rPr kumimoji="1" lang="en-US" altLang="ja-JP" sz="2000" dirty="0"/>
                         <a:t>)</a:t>
                       </a:r>
                       <a:endParaRPr kumimoji="1" lang="ja-JP" altLang="en-US" sz="2000" dirty="0"/>
@@ -11038,10 +10888,9 @@
                     <a:lstStyle/>
                     <a:p>
                       <a:r>
-                        <a:rPr kumimoji="1" lang="ja-JP" altLang="en-US" sz="2000" dirty="0" smtClean="0"/>
+                        <a:rPr kumimoji="1" lang="ja-JP" altLang="en-US" sz="2000" dirty="0"/>
                         <a:t>ノズル</a:t>
                       </a:r>
-                      <a:endParaRPr kumimoji="1" lang="ja-JP" altLang="en-US" sz="2000" dirty="0"/>
                     </a:p>
                   </a:txBody>
                   <a:tcPr/>
@@ -11052,10 +10901,9 @@
                     <a:lstStyle/>
                     <a:p>
                       <a:r>
-                        <a:rPr kumimoji="1" lang="ja-JP" altLang="en-US" sz="2000" dirty="0" smtClean="0"/>
+                        <a:rPr kumimoji="1" lang="ja-JP" altLang="en-US" sz="2000" dirty="0"/>
                         <a:t>てこ</a:t>
                       </a:r>
-                      <a:endParaRPr kumimoji="1" lang="ja-JP" altLang="en-US" sz="2000" dirty="0"/>
                     </a:p>
                   </a:txBody>
                   <a:tcPr/>
@@ -11066,10 +10914,9 @@
                     <a:lstStyle/>
                     <a:p>
                       <a:r>
-                        <a:rPr kumimoji="1" lang="ja-JP" altLang="en-US" sz="2000" dirty="0" smtClean="0"/>
+                        <a:rPr kumimoji="1" lang="ja-JP" altLang="en-US" sz="2000" dirty="0"/>
                         <a:t>歯車</a:t>
                       </a:r>
-                      <a:endParaRPr kumimoji="1" lang="ja-JP" altLang="en-US" sz="2000" dirty="0"/>
                     </a:p>
                   </a:txBody>
                   <a:tcPr/>
@@ -11108,11 +10955,11 @@
           <a:p>
             <a:pPr algn="l"/>
             <a:r>
-              <a:rPr kumimoji="1" lang="en-US" altLang="ja-JP" dirty="0" smtClean="0"/>
+              <a:rPr kumimoji="1" lang="en-US" altLang="ja-JP" dirty="0"/>
               <a:t>*</a:t>
             </a:r>
             <a:r>
-              <a:rPr kumimoji="1" lang="ja-JP" altLang="en-US" dirty="0" smtClean="0"/>
+              <a:rPr kumimoji="1" lang="ja-JP" altLang="en-US" dirty="0"/>
               <a:t>ポテンシャルとフローについては後述</a:t>
             </a:r>
           </a:p>
@@ -11147,10 +10994,10 @@
           <a:lstStyle/>
           <a:p>
             <a:r>
-              <a:rPr lang="ja-JP" altLang="en-US" sz="2400" dirty="0" smtClean="0"/>
+              <a:rPr lang="ja-JP" altLang="en-US" sz="2400" dirty="0"/>
               <a:t>以下のようにグループ化すると様々な物理現象に対して共通の概念が適用できることが分かります。</a:t>
             </a:r>
-            <a:endParaRPr lang="en-US" altLang="ja-JP" sz="2400" dirty="0" smtClean="0"/>
+            <a:endParaRPr lang="en-US" altLang="ja-JP" sz="2400" dirty="0"/>
           </a:p>
         </p:txBody>
       </p:sp>
@@ -11164,13 +11011,6 @@
   <p:clrMapOvr>
     <a:masterClrMapping/>
   </p:clrMapOvr>
-  <p:timing>
-    <p:tnLst>
-      <p:par>
-        <p:cTn id="1" dur="indefinite" restart="never" nodeType="tmRoot"/>
-      </p:par>
-    </p:tnLst>
-  </p:timing>
 </p:sld>
 </file>
 
@@ -11216,7 +11056,7 @@
           </a:ln>
           <a:extLst>
             <a:ext uri="{C572A759-6A51-4108-AA02-DFA0A04FC94B}">
-              <ma14:wrappingTextBoxFlag xmlns="" xmlns:ma14="http://schemas.microsoft.com/office/mac/drawingml/2011/main" val="1"/>
+              <ma14:wrappingTextBoxFlag xmlns:ma14="http://schemas.microsoft.com/office/mac/drawingml/2011/main" xmlns="" val="1"/>
             </a:ext>
           </a:extLst>
         </p:spPr>
@@ -11236,18 +11076,14 @@
             </a:pPr>
             <a:r>
               <a:rPr lang="ja-JP" altLang="en-US" dirty="0"/>
-              <a:t>典型的な物理</a:t>
-            </a:r>
-            <a:r>
-              <a:rPr lang="ja-JP" altLang="en-US" dirty="0" smtClean="0"/>
-              <a:t>モデル</a:t>
-            </a:r>
-            <a:r>
-              <a:rPr lang="en-US" altLang="ja-JP" dirty="0" smtClean="0"/>
+              <a:t>典型的な物理モデル</a:t>
+            </a:r>
+            <a:r>
+              <a:rPr lang="en-US" altLang="ja-JP" dirty="0"/>
               <a:t> – </a:t>
             </a:r>
             <a:r>
-              <a:rPr lang="ja-JP" altLang="en-US" dirty="0" smtClean="0"/>
+              <a:rPr lang="ja-JP" altLang="en-US" dirty="0"/>
               <a:t>演習</a:t>
             </a:r>
             <a:endParaRPr lang="en-US" altLang="ja-JP" dirty="0"/>
@@ -11317,14 +11153,10 @@
             </a:r>
             <a:r>
               <a:rPr kumimoji="1" lang="ja-JP" altLang="en-US" sz="2400" dirty="0"/>
-              <a:t>を使用して</a:t>
-            </a:r>
-            <a:r>
-              <a:rPr kumimoji="1" lang="ja-JP" altLang="en-US" sz="2400" dirty="0" smtClean="0"/>
-              <a:t>、</a:t>
-            </a:r>
-            <a:r>
-              <a:rPr lang="ja-JP" altLang="en-US" sz="2400" dirty="0" smtClean="0"/>
+              <a:t>を使用して、</a:t>
+            </a:r>
+            <a:r>
+              <a:rPr lang="ja-JP" altLang="en-US" sz="2400" dirty="0"/>
               <a:t>自分の興味ある物理ドメインに対して典型的なコンポーネントを見つけてみてください。</a:t>
             </a:r>
             <a:endParaRPr kumimoji="1" lang="ja-JP" altLang="en-US" sz="2400" dirty="0"/>
@@ -11341,13 +11173,6 @@
   <p:clrMapOvr>
     <a:masterClrMapping/>
   </p:clrMapOvr>
-  <p:timing>
-    <p:tnLst>
-      <p:par>
-        <p:cTn id="1" dur="indefinite" restart="never" nodeType="tmRoot"/>
-      </p:par>
-    </p:tnLst>
-  </p:timing>
 </p:sld>
 </file>
 
@@ -11451,13 +11276,6 @@
   <p:clrMapOvr>
     <a:masterClrMapping/>
   </p:clrMapOvr>
-  <p:timing>
-    <p:tnLst>
-      <p:par>
-        <p:cTn id="1" dur="indefinite" restart="never" nodeType="tmRoot"/>
-      </p:par>
-    </p:tnLst>
-  </p:timing>
 </p:sld>
 </file>
 
@@ -11536,56 +11354,32 @@
           <a:p>
             <a:r>
               <a:rPr lang="ja-JP" altLang="en-US" sz="2400" dirty="0"/>
-              <a:t>様々な物理ドメインを統一的な考え方で表す学問や</a:t>
-            </a:r>
-            <a:r>
-              <a:rPr lang="ja-JP" altLang="en-US" sz="2400" dirty="0" smtClean="0"/>
-              <a:t>試みは数多く</a:t>
-            </a:r>
+              <a:t>様々な物理ドメインを統一的な考え方で表す学問や試みは数多く存在します。</a:t>
+            </a:r>
+            <a:endParaRPr lang="en-US" altLang="ja-JP" sz="2400" dirty="0"/>
+          </a:p>
+          <a:p>
             <a:r>
               <a:rPr lang="ja-JP" altLang="en-US" sz="2400" dirty="0"/>
-              <a:t>存在します。</a:t>
+              <a:t>移動現象論やボンドグラフは物理現象の統一的な考え方を定義する手法であり</a:t>
+            </a:r>
+            <a:r>
+              <a:rPr lang="en-US" altLang="ja-JP" sz="2400" dirty="0" err="1"/>
+              <a:t>Modelica</a:t>
+            </a:r>
+            <a:r>
+              <a:rPr lang="ja-JP" altLang="en-US" sz="2400" dirty="0"/>
+              <a:t>の考え方と非常に親和性が高いです。</a:t>
             </a:r>
             <a:endParaRPr lang="en-US" altLang="ja-JP" sz="2400" dirty="0"/>
           </a:p>
           <a:p>
-            <a:r>
-              <a:rPr lang="ja-JP" altLang="en-US" sz="2400" dirty="0" smtClean="0"/>
-              <a:t>移動</a:t>
-            </a:r>
+            <a:endParaRPr lang="en-US" altLang="ja-JP" sz="2400" dirty="0"/>
+          </a:p>
+          <a:p>
             <a:r>
               <a:rPr lang="ja-JP" altLang="en-US" sz="2400" dirty="0"/>
-              <a:t>現象論や</a:t>
-            </a:r>
-            <a:r>
-              <a:rPr lang="ja-JP" altLang="en-US" sz="2400" dirty="0" smtClean="0"/>
-              <a:t>ボンドグラフは物理現象の統一的な考え方を定義する手法であり</a:t>
-            </a:r>
-            <a:r>
-              <a:rPr lang="en-US" altLang="ja-JP" sz="2400" dirty="0" err="1" smtClean="0"/>
-              <a:t>Modelica</a:t>
-            </a:r>
-            <a:r>
-              <a:rPr lang="ja-JP" altLang="en-US" sz="2400" dirty="0" smtClean="0"/>
-              <a:t>の考え方と非常に親和性が高いです。</a:t>
-            </a:r>
-            <a:endParaRPr lang="en-US" altLang="ja-JP" sz="2400" dirty="0" smtClean="0"/>
-          </a:p>
-          <a:p>
-            <a:endParaRPr lang="en-US" altLang="ja-JP" sz="2400" dirty="0"/>
-          </a:p>
-          <a:p>
-            <a:r>
-              <a:rPr lang="ja-JP" altLang="en-US" sz="2400" dirty="0"/>
-              <a:t>本稿では、移動</a:t>
-            </a:r>
-            <a:r>
-              <a:rPr lang="ja-JP" altLang="en-US" sz="2400" dirty="0" smtClean="0"/>
-              <a:t>現象論やボンドグラフの</a:t>
-            </a:r>
-            <a:r>
-              <a:rPr lang="ja-JP" altLang="en-US" sz="2400" dirty="0"/>
-              <a:t>考え方を参考に</a:t>
+              <a:t>本稿では、移動現象論やボンドグラフの考え方を参考に</a:t>
             </a:r>
             <a:r>
               <a:rPr lang="en-US" altLang="ja-JP" sz="2400" dirty="0"/>
@@ -11624,7 +11418,7 @@
           </a:ln>
           <a:extLst>
             <a:ext uri="{C572A759-6A51-4108-AA02-DFA0A04FC94B}">
-              <ma14:wrappingTextBoxFlag xmlns="" xmlns:ma14="http://schemas.microsoft.com/office/mac/drawingml/2011/main" val="1"/>
+              <ma14:wrappingTextBoxFlag xmlns:ma14="http://schemas.microsoft.com/office/mac/drawingml/2011/main" xmlns="" val="1"/>
             </a:ext>
           </a:extLst>
         </p:spPr>
@@ -11660,13 +11454,6 @@
   <p:clrMapOvr>
     <a:masterClrMapping/>
   </p:clrMapOvr>
-  <p:timing>
-    <p:tnLst>
-      <p:par>
-        <p:cTn id="1" dur="indefinite" restart="never" nodeType="tmRoot"/>
-      </p:par>
-    </p:tnLst>
-  </p:timing>
 </p:sld>
 </file>
 
@@ -11763,11 +11550,7 @@
           <a:p>
             <a:r>
               <a:rPr lang="ja-JP" altLang="en-US" sz="2400" dirty="0"/>
-              <a:t>　　して</a:t>
-            </a:r>
-            <a:r>
-              <a:rPr lang="ja-JP" altLang="en-US" sz="2400" dirty="0" smtClean="0"/>
-              <a:t>おります。</a:t>
+              <a:t>　　しております。</a:t>
             </a:r>
             <a:endParaRPr kumimoji="1" lang="en-US" altLang="ja-JP" sz="2400" dirty="0"/>
           </a:p>
@@ -11953,12 +11736,8 @@
               <a:t>・　</a:t>
             </a:r>
             <a:r>
-              <a:rPr kumimoji="1" lang="en-US" altLang="ja-JP" sz="2400" dirty="0" smtClean="0"/>
-              <a:t>OpenModelica1.14.1 </a:t>
-            </a:r>
-            <a:r>
               <a:rPr kumimoji="1" lang="en-US" altLang="ja-JP" sz="2400" dirty="0"/>
-              <a:t>(64bit – windows</a:t>
+              <a:t>OpenModelica1.14.1 (64bit – windows</a:t>
             </a:r>
             <a:r>
               <a:rPr kumimoji="1" lang="ja-JP" altLang="en-US" sz="2400" dirty="0"/>
@@ -11981,11 +11760,7 @@
             </a:r>
             <a:r>
               <a:rPr kumimoji="1" lang="ja-JP" altLang="en-US" sz="2400" dirty="0"/>
-              <a:t>チュートリアルは作成されて</a:t>
-            </a:r>
-            <a:r>
-              <a:rPr kumimoji="1" lang="ja-JP" altLang="en-US" sz="2400" dirty="0" smtClean="0"/>
-              <a:t>います。</a:t>
+              <a:t>チュートリアルは作成されています。</a:t>
             </a:r>
             <a:endParaRPr kumimoji="1" lang="en-US" altLang="ja-JP" sz="2400" dirty="0"/>
           </a:p>
@@ -12030,13 +11805,6 @@
   <p:clrMapOvr>
     <a:masterClrMapping/>
   </p:clrMapOvr>
-  <p:timing>
-    <p:tnLst>
-      <p:par>
-        <p:cTn id="1" dur="indefinite" restart="never" nodeType="tmRoot"/>
-      </p:par>
-    </p:tnLst>
-  </p:timing>
 </p:sld>
 </file>
 
@@ -12111,7 +11879,7 @@
           </a:ln>
           <a:extLst>
             <a:ext uri="{C572A759-6A51-4108-AA02-DFA0A04FC94B}">
-              <ma14:wrappingTextBoxFlag xmlns="" xmlns:ma14="http://schemas.microsoft.com/office/mac/drawingml/2011/main" val="1"/>
+              <ma14:wrappingTextBoxFlag xmlns:ma14="http://schemas.microsoft.com/office/mac/drawingml/2011/main" xmlns="" val="1"/>
             </a:ext>
           </a:extLst>
         </p:spPr>
@@ -12130,7 +11898,7 @@
               </a:defRPr>
             </a:pPr>
             <a:r>
-              <a:rPr lang="ja-JP" altLang="en-US" dirty="0" smtClean="0"/>
+              <a:rPr lang="ja-JP" altLang="en-US" dirty="0"/>
               <a:t>ポテンシャルとフロー</a:t>
             </a:r>
             <a:endParaRPr lang="en-US" altLang="ja-JP" dirty="0"/>
@@ -12177,13 +11945,7 @@
                   <a:rPr kumimoji="1" lang="ja-JP" altLang="en-US" sz="2800" b="1" dirty="0">
                     <a:latin typeface="Cambria Math" panose="02040503050406030204" pitchFamily="18" charset="0"/>
                   </a:rPr>
-                  <a:t>ポテンシャル</a:t>
-                </a:r>
-                <a:r>
-                  <a:rPr kumimoji="1" lang="ja-JP" altLang="en-US" sz="2800" b="1" dirty="0" smtClean="0">
-                    <a:latin typeface="Cambria Math" panose="02040503050406030204" pitchFamily="18" charset="0"/>
-                  </a:rPr>
-                  <a:t>とフローの関係式の例</a:t>
+                  <a:t>ポテンシャルとフローの関係式の例</a:t>
                 </a:r>
                 <a:endParaRPr kumimoji="1" lang="en-US" altLang="ja-JP" sz="2800" b="1" dirty="0">
                   <a:latin typeface="Cambria Math" panose="02040503050406030204" pitchFamily="18" charset="0"/>
@@ -12198,28 +11960,22 @@
               <a:p>
                 <a:pPr algn="ctr"/>
                 <a:r>
-                  <a:rPr lang="en-US" altLang="ja-JP" sz="2000" i="1" dirty="0" smtClean="0">
+                  <a:rPr lang="en-US" altLang="ja-JP" sz="2000" i="1" dirty="0">
                     <a:latin typeface="Cambria Math" panose="02040503050406030204" pitchFamily="18" charset="0"/>
                   </a:rPr>
                   <a:t>(</a:t>
                 </a:r>
                 <a:r>
-                  <a:rPr lang="ja-JP" altLang="en-US" sz="2000" i="1" dirty="0" smtClean="0">
+                  <a:rPr lang="ja-JP" altLang="en-US" sz="2000" i="1" dirty="0">
                     <a:latin typeface="Cambria Math" panose="02040503050406030204" pitchFamily="18" charset="0"/>
                   </a:rPr>
                   <a:t>フロー</a:t>
                 </a:r>
                 <a:r>
-                  <a:rPr lang="en-US" altLang="ja-JP" sz="2000" i="1" dirty="0" smtClean="0">
-                    <a:latin typeface="Cambria Math" panose="02040503050406030204" pitchFamily="18" charset="0"/>
-                  </a:rPr>
-                  <a:t>) </a:t>
-                </a:r>
-                <a:r>
                   <a:rPr lang="en-US" altLang="ja-JP" sz="2000" i="1" dirty="0">
                     <a:latin typeface="Cambria Math" panose="02040503050406030204" pitchFamily="18" charset="0"/>
                   </a:rPr>
-                  <a:t>= (</a:t>
+                  <a:t>) = (</a:t>
                 </a:r>
                 <a:r>
                   <a:rPr lang="ja-JP" altLang="en-US" sz="2000" i="1" dirty="0">
@@ -12733,7 +12489,7 @@
             <a:p>
               <a:pPr algn="l"/>
               <a:r>
-                <a:rPr kumimoji="1" lang="ja-JP" altLang="en-US" sz="2000" dirty="0" smtClean="0"/>
+                <a:rPr kumimoji="1" lang="ja-JP" altLang="en-US" sz="2000" dirty="0"/>
                 <a:t>フロー</a:t>
               </a:r>
               <a:endParaRPr kumimoji="1" lang="en-US" altLang="ja-JP" sz="2000" dirty="0"/>
@@ -12889,30 +12645,14 @@
           <a:p>
             <a:pPr algn="ctr"/>
             <a:r>
-              <a:rPr kumimoji="1" lang="ja-JP" altLang="en-US" sz="2400" dirty="0" smtClean="0">
-                <a:solidFill>
-                  <a:schemeClr val="tx1"/>
-                </a:solidFill>
-              </a:rPr>
-              <a:t>フローは</a:t>
-            </a:r>
-            <a:r>
               <a:rPr kumimoji="1" lang="ja-JP" altLang="en-US" sz="2400" dirty="0">
                 <a:solidFill>
                   <a:schemeClr val="tx1"/>
                 </a:solidFill>
               </a:rPr>
-              <a:t>ポテンシャルの高いところから低いところへ</a:t>
-            </a:r>
-            <a:r>
-              <a:rPr kumimoji="1" lang="ja-JP" altLang="en-US" sz="2400" dirty="0" smtClean="0">
-                <a:solidFill>
-                  <a:schemeClr val="tx1"/>
-                </a:solidFill>
-              </a:rPr>
-              <a:t>流れます</a:t>
-            </a:r>
-            <a:endParaRPr kumimoji="1" lang="en-US" altLang="ja-JP" sz="2400" dirty="0" smtClean="0">
+              <a:t>フローはポテンシャルの高いところから低いところへ流れます</a:t>
+            </a:r>
+            <a:endParaRPr kumimoji="1" lang="en-US" altLang="ja-JP" sz="2400" dirty="0">
               <a:solidFill>
                 <a:schemeClr val="tx1"/>
               </a:solidFill>
@@ -12941,18 +12681,6 @@
           </a:bodyPr>
           <a:lstStyle/>
           <a:p>
-            <a:r>
-              <a:rPr lang="ja-JP" altLang="en-US" sz="2400" b="1" dirty="0" smtClean="0">
-                <a:effectLst>
-                  <a:outerShdw blurRad="38100" dist="38100" dir="2700000" algn="tl">
-                    <a:srgbClr val="000000">
-                      <a:alpha val="43137"/>
-                    </a:srgbClr>
-                  </a:outerShdw>
-                </a:effectLst>
-              </a:rPr>
-              <a:t>多くの物理</a:t>
-            </a:r>
             <a:r>
               <a:rPr lang="ja-JP" altLang="en-US" sz="2400" b="1" dirty="0">
                 <a:effectLst>
@@ -12963,7 +12691,7 @@
                   </a:outerShdw>
                 </a:effectLst>
               </a:rPr>
-              <a:t>現象はポテンシャルとそのポテンシャルの勾配に応じて発生するフロー</a:t>
+              <a:t>多くの物理現象はポテンシャルとそのポテンシャルの勾配に応じて発生するフロー</a:t>
             </a:r>
             <a:r>
               <a:rPr lang="en-US" altLang="ja-JP" sz="2400" b="1" dirty="0">
@@ -13035,43 +12763,7 @@
                   </a:outerShdw>
                 </a:effectLst>
               </a:rPr>
-              <a:t>に</a:t>
-            </a:r>
-            <a:r>
-              <a:rPr lang="ja-JP" altLang="en-US" sz="2400" b="1" dirty="0" smtClean="0">
-                <a:effectLst>
-                  <a:outerShdw blurRad="38100" dist="38100" dir="2700000" algn="tl">
-                    <a:srgbClr val="000000">
-                      <a:alpha val="43137"/>
-                    </a:srgbClr>
-                  </a:outerShdw>
-                </a:effectLst>
-              </a:rPr>
-              <a:t>よって統一的に表す</a:t>
-            </a:r>
-            <a:r>
-              <a:rPr lang="ja-JP" altLang="en-US" sz="2400" b="1" dirty="0">
-                <a:effectLst>
-                  <a:outerShdw blurRad="38100" dist="38100" dir="2700000" algn="tl">
-                    <a:srgbClr val="000000">
-                      <a:alpha val="43137"/>
-                    </a:srgbClr>
-                  </a:outerShdw>
-                </a:effectLst>
-              </a:rPr>
-              <a:t>ことが</a:t>
-            </a:r>
-            <a:r>
-              <a:rPr lang="ja-JP" altLang="en-US" sz="2400" b="1" dirty="0" smtClean="0">
-                <a:effectLst>
-                  <a:outerShdw blurRad="38100" dist="38100" dir="2700000" algn="tl">
-                    <a:srgbClr val="000000">
-                      <a:alpha val="43137"/>
-                    </a:srgbClr>
-                  </a:outerShdw>
-                </a:effectLst>
-              </a:rPr>
-              <a:t>出来ます。</a:t>
+              <a:t>によって統一的に表すことが出来ます。</a:t>
             </a:r>
             <a:endParaRPr lang="en-US" altLang="ja-JP" sz="2400" b="1" dirty="0">
               <a:effectLst>
@@ -13095,13 +12787,6 @@
   <p:clrMapOvr>
     <a:masterClrMapping/>
   </p:clrMapOvr>
-  <p:timing>
-    <p:tnLst>
-      <p:par>
-        <p:cTn id="1" dur="indefinite" restart="never" nodeType="tmRoot"/>
-      </p:par>
-    </p:tnLst>
-  </p:timing>
 </p:sld>
 </file>
 
@@ -13176,7 +12861,7 @@
           </a:ln>
           <a:extLst>
             <a:ext uri="{C572A759-6A51-4108-AA02-DFA0A04FC94B}">
-              <ma14:wrappingTextBoxFlag xmlns="" xmlns:ma14="http://schemas.microsoft.com/office/mac/drawingml/2011/main" val="1"/>
+              <ma14:wrappingTextBoxFlag xmlns:ma14="http://schemas.microsoft.com/office/mac/drawingml/2011/main" xmlns="" val="1"/>
             </a:ext>
           </a:extLst>
         </p:spPr>
@@ -13196,23 +12881,15 @@
             </a:pPr>
             <a:r>
               <a:rPr lang="ja-JP" altLang="en-US" dirty="0"/>
-              <a:t>ポテンシャルと</a:t>
-            </a:r>
-            <a:r>
-              <a:rPr lang="ja-JP" altLang="en-US" dirty="0" smtClean="0"/>
-              <a:t>フロー </a:t>
-            </a:r>
-            <a:r>
-              <a:rPr lang="en-US" altLang="ja-JP" dirty="0" smtClean="0"/>
+              <a:t>ポテンシャルとフロー </a:t>
+            </a:r>
+            <a:r>
+              <a:rPr lang="en-US" altLang="ja-JP" dirty="0"/>
               <a:t>-</a:t>
             </a:r>
             <a:r>
-              <a:rPr lang="ja-JP" altLang="en-US" dirty="0" smtClean="0"/>
-              <a:t> </a:t>
-            </a:r>
-            <a:r>
               <a:rPr lang="ja-JP" altLang="en-US" dirty="0"/>
-              <a:t>固体の熱伝導の場合</a:t>
+              <a:t> 固体の熱伝導の場合</a:t>
             </a:r>
             <a:endParaRPr lang="en-US" altLang="ja-JP" dirty="0"/>
           </a:p>
@@ -13247,54 +12924,26 @@
           <a:lstStyle/>
           <a:p>
             <a:r>
-              <a:rPr kumimoji="1" lang="ja-JP" altLang="en-US" sz="2400" dirty="0" smtClean="0"/>
-              <a:t>例として温度</a:t>
-            </a:r>
-            <a:r>
               <a:rPr kumimoji="1" lang="ja-JP" altLang="en-US" sz="2400" dirty="0"/>
-              <a:t>が高いところから低いところへ移動するという</a:t>
+              <a:t>例として温度が高いところから低いところへ移動するという</a:t>
             </a:r>
             <a:r>
               <a:rPr lang="ja-JP" altLang="en-US" sz="2400" dirty="0"/>
-              <a:t>現象</a:t>
-            </a:r>
-            <a:r>
-              <a:rPr lang="ja-JP" altLang="en-US" sz="2400" dirty="0" smtClean="0"/>
-              <a:t>は、</a:t>
-            </a:r>
-            <a:endParaRPr lang="en-US" altLang="ja-JP" sz="2400" dirty="0" smtClean="0"/>
-          </a:p>
-          <a:p>
-            <a:r>
-              <a:rPr lang="ja-JP" altLang="en-US" sz="2400" dirty="0" smtClean="0"/>
-              <a:t>温度</a:t>
-            </a:r>
+              <a:t>現象は、</a:t>
+            </a:r>
+            <a:endParaRPr lang="en-US" altLang="ja-JP" sz="2400" dirty="0"/>
+          </a:p>
+          <a:p>
             <a:r>
               <a:rPr lang="ja-JP" altLang="en-US" sz="2400" dirty="0"/>
-              <a:t>を</a:t>
-            </a:r>
-            <a:r>
-              <a:rPr lang="ja-JP" altLang="en-US" sz="2400" dirty="0" smtClean="0"/>
-              <a:t>ポテンシャル、熱流量をフローと</a:t>
-            </a:r>
+              <a:t>温度をポテンシャル、熱流量をフローと考えて、</a:t>
+            </a:r>
+            <a:endParaRPr lang="en-US" altLang="ja-JP" sz="2400" dirty="0"/>
+          </a:p>
+          <a:p>
             <a:r>
               <a:rPr lang="ja-JP" altLang="en-US" sz="2400" dirty="0"/>
-              <a:t>考えて</a:t>
-            </a:r>
-            <a:r>
-              <a:rPr lang="ja-JP" altLang="en-US" sz="2400" dirty="0" smtClean="0"/>
-              <a:t>、</a:t>
-            </a:r>
-            <a:endParaRPr lang="en-US" altLang="ja-JP" sz="2400" dirty="0" smtClean="0"/>
-          </a:p>
-          <a:p>
-            <a:r>
-              <a:rPr lang="ja-JP" altLang="en-US" sz="2400" dirty="0" smtClean="0"/>
-              <a:t>温度の</a:t>
-            </a:r>
-            <a:r>
-              <a:rPr lang="ja-JP" altLang="en-US" sz="2400" dirty="0"/>
-              <a:t>差と距離の比</a:t>
+              <a:t>温度の差と距離の比</a:t>
             </a:r>
             <a:r>
               <a:rPr lang="en-US" altLang="ja-JP" sz="2400" dirty="0"/>
@@ -13310,15 +12959,7 @@
             </a:r>
             <a:r>
               <a:rPr lang="ja-JP" altLang="en-US" sz="2400" dirty="0"/>
-              <a:t>に比例</a:t>
-            </a:r>
-            <a:r>
-              <a:rPr lang="ja-JP" altLang="en-US" sz="2400" dirty="0" smtClean="0"/>
-              <a:t>して熱流量が</a:t>
-            </a:r>
-            <a:r>
-              <a:rPr lang="ja-JP" altLang="en-US" sz="2400" dirty="0"/>
-              <a:t>発生すると考えます。</a:t>
+              <a:t>に比例して熱流量が発生すると考えます。</a:t>
             </a:r>
             <a:endParaRPr kumimoji="1" lang="ja-JP" altLang="en-US" sz="2400" dirty="0"/>
           </a:p>
@@ -14155,10 +13796,9 @@
           <a:p>
             <a:pPr algn="l"/>
             <a:r>
-              <a:rPr kumimoji="1" lang="ja-JP" altLang="en-US" sz="2400" dirty="0" smtClean="0"/>
+              <a:rPr kumimoji="1" lang="ja-JP" altLang="en-US" sz="2400" dirty="0"/>
               <a:t>フロー</a:t>
             </a:r>
-            <a:endParaRPr kumimoji="1" lang="ja-JP" altLang="en-US" sz="2400" dirty="0"/>
           </a:p>
         </p:txBody>
       </p:sp>
@@ -14389,13 +14029,6 @@
   <p:clrMapOvr>
     <a:masterClrMapping/>
   </p:clrMapOvr>
-  <p:timing>
-    <p:tnLst>
-      <p:par>
-        <p:cTn id="1" dur="indefinite" restart="never" nodeType="tmRoot"/>
-      </p:par>
-    </p:tnLst>
-  </p:timing>
 </p:sld>
 </file>
 
@@ -14470,7 +14103,7 @@
           </a:ln>
           <a:extLst>
             <a:ext uri="{C572A759-6A51-4108-AA02-DFA0A04FC94B}">
-              <ma14:wrappingTextBoxFlag xmlns="" xmlns:ma14="http://schemas.microsoft.com/office/mac/drawingml/2011/main" val="1"/>
+              <ma14:wrappingTextBoxFlag xmlns:ma14="http://schemas.microsoft.com/office/mac/drawingml/2011/main" xmlns="" val="1"/>
             </a:ext>
           </a:extLst>
         </p:spPr>
@@ -14489,14 +14122,13 @@
               </a:defRPr>
             </a:pPr>
             <a:r>
-              <a:rPr lang="ja-JP" altLang="en-US" dirty="0" smtClean="0"/>
+              <a:rPr lang="ja-JP" altLang="en-US" dirty="0"/>
               <a:t>ポテンシャルとフロー </a:t>
             </a:r>
             <a:r>
-              <a:rPr lang="en-US" altLang="ja-JP" dirty="0" smtClean="0"/>
+              <a:rPr lang="en-US" altLang="ja-JP" dirty="0"/>
               <a:t>- Tips</a:t>
             </a:r>
-            <a:endParaRPr lang="en-US" altLang="ja-JP" dirty="0"/>
           </a:p>
         </p:txBody>
       </p:sp>
@@ -14524,18 +14156,18 @@
           <a:p>
             <a:pPr algn="l"/>
             <a:r>
-              <a:rPr kumimoji="1" lang="ja-JP" altLang="en-US" dirty="0" smtClean="0"/>
+              <a:rPr kumimoji="1" lang="ja-JP" altLang="en-US" dirty="0"/>
               <a:t>ポテンシャルやフローはツールや学問領域によって呼び方が変わります。</a:t>
             </a:r>
-            <a:endParaRPr kumimoji="1" lang="en-US" altLang="ja-JP" dirty="0" smtClean="0"/>
+            <a:endParaRPr kumimoji="1" lang="en-US" altLang="ja-JP" dirty="0"/>
           </a:p>
           <a:p>
             <a:pPr algn="l"/>
             <a:r>
-              <a:rPr lang="ja-JP" altLang="en-US" dirty="0" smtClean="0"/>
+              <a:rPr lang="ja-JP" altLang="en-US" dirty="0"/>
               <a:t>どのような呼ばれ方をするかは時と場合よりますが、おおむね以下のように呼ばれています。</a:t>
             </a:r>
-            <a:endParaRPr lang="en-US" altLang="ja-JP" dirty="0" smtClean="0"/>
+            <a:endParaRPr lang="en-US" altLang="ja-JP" dirty="0"/>
           </a:p>
         </p:txBody>
       </p:sp>
@@ -14548,14 +14180,14 @@
           <p:nvPr>
             <p:extLst>
               <p:ext uri="{D42A27DB-BD31-4B8C-83A1-F6EECF244321}">
-                <p14:modId xmlns:p14="http://schemas.microsoft.com/office/powerpoint/2010/main" val="3783998245"/>
+                <p14:modId xmlns:p14="http://schemas.microsoft.com/office/powerpoint/2010/main" val="3857472969"/>
               </p:ext>
             </p:extLst>
           </p:nvPr>
         </p:nvGraphicFramePr>
         <p:xfrm>
           <a:off x="1194842" y="1487794"/>
-          <a:ext cx="9412287" cy="3017520"/>
+          <a:ext cx="9412287" cy="3474720"/>
         </p:xfrm>
         <a:graphic>
           <a:graphicData uri="http://schemas.openxmlformats.org/drawingml/2006/table">
@@ -14593,10 +14225,9 @@
                     <a:lstStyle/>
                     <a:p>
                       <a:r>
-                        <a:rPr kumimoji="1" lang="ja-JP" altLang="en-US" sz="2400" dirty="0" smtClean="0"/>
+                        <a:rPr kumimoji="1" lang="ja-JP" altLang="en-US" sz="2400" dirty="0"/>
                         <a:t>領域</a:t>
                       </a:r>
-                      <a:endParaRPr kumimoji="1" lang="ja-JP" altLang="en-US" sz="2400" dirty="0"/>
                     </a:p>
                   </a:txBody>
                   <a:tcPr/>
@@ -14607,10 +14238,9 @@
                     <a:lstStyle/>
                     <a:p>
                       <a:r>
-                        <a:rPr kumimoji="1" lang="ja-JP" altLang="en-US" sz="2400" dirty="0" smtClean="0"/>
+                        <a:rPr kumimoji="1" lang="ja-JP" altLang="en-US" sz="2400" dirty="0"/>
                         <a:t>ポテンシャル</a:t>
                       </a:r>
-                      <a:endParaRPr kumimoji="1" lang="ja-JP" altLang="en-US" sz="2400" dirty="0"/>
                     </a:p>
                   </a:txBody>
                   <a:tcPr/>
@@ -14621,10 +14251,9 @@
                     <a:lstStyle/>
                     <a:p>
                       <a:r>
-                        <a:rPr kumimoji="1" lang="ja-JP" altLang="en-US" sz="2400" dirty="0" smtClean="0"/>
+                        <a:rPr kumimoji="1" lang="ja-JP" altLang="en-US" sz="2400" dirty="0"/>
                         <a:t>フロー</a:t>
                       </a:r>
-                      <a:endParaRPr kumimoji="1" lang="ja-JP" altLang="en-US" sz="2400" dirty="0"/>
                     </a:p>
                   </a:txBody>
                   <a:tcPr/>
@@ -14642,10 +14271,9 @@
                     <a:lstStyle/>
                     <a:p>
                       <a:r>
-                        <a:rPr kumimoji="1" lang="ja-JP" altLang="en-US" sz="2400" dirty="0" smtClean="0"/>
+                        <a:rPr kumimoji="1" lang="ja-JP" altLang="en-US" sz="2400" dirty="0"/>
                         <a:t>ボンドグラフ</a:t>
                       </a:r>
-                      <a:endParaRPr kumimoji="1" lang="ja-JP" altLang="en-US" sz="2400" dirty="0"/>
                     </a:p>
                   </a:txBody>
                   <a:tcPr/>
@@ -14656,10 +14284,9 @@
                     <a:lstStyle/>
                     <a:p>
                       <a:r>
-                        <a:rPr kumimoji="1" lang="ja-JP" altLang="en-US" sz="2400" dirty="0" smtClean="0"/>
+                        <a:rPr kumimoji="1" lang="ja-JP" altLang="en-US" sz="2400" dirty="0"/>
                         <a:t>エフォート</a:t>
                       </a:r>
-                      <a:endParaRPr kumimoji="1" lang="ja-JP" altLang="en-US" sz="2400" dirty="0"/>
                     </a:p>
                   </a:txBody>
                   <a:tcPr/>
@@ -14670,10 +14297,9 @@
                     <a:lstStyle/>
                     <a:p>
                       <a:r>
-                        <a:rPr kumimoji="1" lang="ja-JP" altLang="en-US" sz="2400" dirty="0" smtClean="0"/>
+                        <a:rPr kumimoji="1" lang="ja-JP" altLang="en-US" sz="2400" dirty="0"/>
                         <a:t>フロー</a:t>
                       </a:r>
-                      <a:endParaRPr kumimoji="1" lang="ja-JP" altLang="en-US" sz="2400" dirty="0"/>
                     </a:p>
                   </a:txBody>
                   <a:tcPr/>
@@ -14691,11 +14317,11 @@
                     <a:lstStyle/>
                     <a:p>
                       <a:r>
-                        <a:rPr kumimoji="1" lang="en-US" altLang="ja-JP" sz="2400" dirty="0" err="1" smtClean="0"/>
+                        <a:rPr kumimoji="1" lang="en-US" altLang="ja-JP" sz="2400" dirty="0" err="1"/>
                         <a:t>Matlab</a:t>
                       </a:r>
                       <a:r>
-                        <a:rPr kumimoji="1" lang="en-US" altLang="ja-JP" sz="2400" dirty="0" smtClean="0"/>
+                        <a:rPr kumimoji="1" lang="en-US" altLang="ja-JP" sz="2400" dirty="0"/>
                         <a:t>/Simulink</a:t>
                       </a:r>
                       <a:endParaRPr kumimoji="1" lang="ja-JP" altLang="en-US" sz="2400" dirty="0"/>
@@ -14709,22 +14335,22 @@
                     <a:lstStyle/>
                     <a:p>
                       <a:r>
-                        <a:rPr kumimoji="1" lang="ja-JP" altLang="en-US" sz="2400" dirty="0" smtClean="0"/>
+                        <a:rPr kumimoji="1" lang="ja-JP" altLang="en-US" sz="2400" dirty="0"/>
                         <a:t>アクロス変数</a:t>
                       </a:r>
-                      <a:endParaRPr kumimoji="1" lang="en-US" altLang="ja-JP" sz="2400" dirty="0" smtClean="0"/>
+                      <a:endParaRPr kumimoji="1" lang="en-US" altLang="ja-JP" sz="2400" dirty="0"/>
                     </a:p>
                     <a:p>
                       <a:r>
-                        <a:rPr kumimoji="1" lang="en-US" altLang="ja-JP" sz="2400" dirty="0" smtClean="0"/>
+                        <a:rPr kumimoji="1" lang="en-US" altLang="ja-JP" sz="2400" dirty="0"/>
                         <a:t>(</a:t>
                       </a:r>
                       <a:r>
-                        <a:rPr kumimoji="1" lang="ja-JP" altLang="en-US" sz="2400" dirty="0" smtClean="0"/>
+                        <a:rPr kumimoji="1" lang="ja-JP" altLang="en-US" sz="2400" dirty="0"/>
                         <a:t>横断変数</a:t>
                       </a:r>
                       <a:r>
-                        <a:rPr kumimoji="1" lang="en-US" altLang="ja-JP" sz="2400" dirty="0" smtClean="0"/>
+                        <a:rPr kumimoji="1" lang="en-US" altLang="ja-JP" sz="2400" dirty="0"/>
                         <a:t>)</a:t>
                       </a:r>
                     </a:p>
@@ -14737,17 +14363,16 @@
                     <a:lstStyle/>
                     <a:p>
                       <a:r>
-                        <a:rPr kumimoji="1" lang="ja-JP" altLang="en-US" sz="2400" dirty="0" smtClean="0"/>
+                        <a:rPr kumimoji="1" lang="ja-JP" altLang="en-US" sz="2400" dirty="0"/>
                         <a:t>スルー変数</a:t>
                       </a:r>
-                      <a:endParaRPr kumimoji="1" lang="en-US" altLang="ja-JP" sz="2400" dirty="0" smtClean="0"/>
+                      <a:endParaRPr kumimoji="1" lang="en-US" altLang="ja-JP" sz="2400" dirty="0"/>
                     </a:p>
                     <a:p>
                       <a:r>
-                        <a:rPr kumimoji="1" lang="ja-JP" altLang="en-US" sz="2400" dirty="0" smtClean="0"/>
+                        <a:rPr kumimoji="1" lang="ja-JP" altLang="en-US" sz="2400" dirty="0"/>
                         <a:t>（通過変数）</a:t>
                       </a:r>
-                      <a:endParaRPr kumimoji="1" lang="ja-JP" altLang="en-US" sz="2400" dirty="0"/>
                     </a:p>
                   </a:txBody>
                   <a:tcPr/>
@@ -14765,7 +14390,7 @@
                     <a:lstStyle/>
                     <a:p>
                       <a:r>
-                        <a:rPr kumimoji="1" lang="en-US" altLang="ja-JP" sz="2400" dirty="0" err="1" smtClean="0"/>
+                        <a:rPr kumimoji="1" lang="en-US" altLang="ja-JP" sz="2400" dirty="0" err="1"/>
                         <a:t>Modelica</a:t>
                       </a:r>
                       <a:endParaRPr kumimoji="1" lang="ja-JP" altLang="en-US" sz="2400" dirty="0"/>
@@ -14779,17 +14404,16 @@
                     <a:lstStyle/>
                     <a:p>
                       <a:r>
-                        <a:rPr kumimoji="1" lang="ja-JP" altLang="en-US" sz="2400" dirty="0" smtClean="0"/>
+                        <a:rPr kumimoji="1" lang="ja-JP" altLang="en-US" sz="2400" dirty="0"/>
                         <a:t>アクロス変数や</a:t>
                       </a:r>
-                      <a:endParaRPr kumimoji="1" lang="en-US" altLang="ja-JP" sz="2400" dirty="0" smtClean="0"/>
+                      <a:endParaRPr kumimoji="1" lang="en-US" altLang="ja-JP" sz="2400" dirty="0"/>
                     </a:p>
                     <a:p>
                       <a:r>
-                        <a:rPr kumimoji="1" lang="ja-JP" altLang="en-US" sz="2400" dirty="0" smtClean="0"/>
+                        <a:rPr kumimoji="1" lang="ja-JP" altLang="en-US" sz="2400" dirty="0"/>
                         <a:t>ポテンシャル</a:t>
                       </a:r>
-                      <a:endParaRPr kumimoji="1" lang="ja-JP" altLang="en-US" sz="2400" dirty="0"/>
                     </a:p>
                   </a:txBody>
                   <a:tcPr/>
@@ -14800,10 +14424,16 @@
                     <a:lstStyle/>
                     <a:p>
                       <a:r>
-                        <a:rPr kumimoji="1" lang="ja-JP" altLang="en-US" sz="2400" dirty="0" smtClean="0"/>
-                        <a:t>フロー変数</a:t>
+                        <a:rPr kumimoji="1" lang="ja-JP" altLang="en-US" sz="2400" dirty="0"/>
+                        <a:t>フロー変数や</a:t>
                       </a:r>
-                      <a:endParaRPr kumimoji="1" lang="ja-JP" altLang="en-US" sz="2400" dirty="0"/>
+                      <a:endParaRPr kumimoji="1" lang="en-US" altLang="ja-JP" sz="2400" dirty="0"/>
+                    </a:p>
+                    <a:p>
+                      <a:r>
+                        <a:rPr kumimoji="1" lang="ja-JP" altLang="en-US" sz="2400" dirty="0"/>
+                        <a:t>スルー変数</a:t>
+                      </a:r>
                     </a:p>
                   </a:txBody>
                   <a:tcPr/>
@@ -14821,8 +14451,66 @@
                     <a:lstStyle/>
                     <a:p>
                       <a:r>
-                        <a:rPr kumimoji="1" lang="ja-JP" altLang="en-US" sz="2400" dirty="0" smtClean="0"/>
+                        <a:rPr kumimoji="1" lang="ja-JP" altLang="en-US" sz="2400" dirty="0"/>
                         <a:t>移動現象論</a:t>
+                      </a:r>
+                    </a:p>
+                  </a:txBody>
+                  <a:tcPr/>
+                </a:tc>
+                <a:tc>
+                  <a:txBody>
+                    <a:bodyPr/>
+                    <a:lstStyle/>
+                    <a:p>
+                      <a:r>
+                        <a:rPr kumimoji="1" lang="ja-JP" altLang="en-US" sz="2400" dirty="0"/>
+                        <a:t>ポテンシャル</a:t>
+                      </a:r>
+                    </a:p>
+                  </a:txBody>
+                  <a:tcPr/>
+                </a:tc>
+                <a:tc>
+                  <a:txBody>
+                    <a:bodyPr/>
+                    <a:lstStyle/>
+                    <a:p>
+                      <a:r>
+                        <a:rPr kumimoji="1" lang="ja-JP" altLang="en-US" sz="2400" dirty="0"/>
+                        <a:t>フラックス</a:t>
+                      </a:r>
+                      <a:r>
+                        <a:rPr kumimoji="1" lang="en-US" altLang="ja-JP" sz="2400" dirty="0"/>
+                        <a:t>(</a:t>
+                      </a:r>
+                      <a:r>
+                        <a:rPr kumimoji="1" lang="ja-JP" altLang="en-US" sz="2400" dirty="0"/>
+                        <a:t>流束</a:t>
+                      </a:r>
+                      <a:r>
+                        <a:rPr kumimoji="1" lang="en-US" altLang="ja-JP" sz="2400" dirty="0"/>
+                        <a:t>)</a:t>
+                      </a:r>
+                    </a:p>
+                  </a:txBody>
+                  <a:tcPr/>
+                </a:tc>
+                <a:extLst>
+                  <a:ext uri="{0D108BD9-81ED-4DB2-BD59-A6C34878D82A}">
+                    <a16:rowId xmlns:a16="http://schemas.microsoft.com/office/drawing/2014/main" val="84921889"/>
+                  </a:ext>
+                </a:extLst>
+              </a:tr>
+              <a:tr h="370840">
+                <a:tc>
+                  <a:txBody>
+                    <a:bodyPr/>
+                    <a:lstStyle/>
+                    <a:p>
+                      <a:r>
+                        <a:rPr kumimoji="1" lang="en-US" altLang="ja-JP" sz="2400" dirty="0"/>
+                        <a:t>VHDL-AMS</a:t>
                       </a:r>
                       <a:endParaRPr kumimoji="1" lang="ja-JP" altLang="en-US" sz="2400" dirty="0"/>
                     </a:p>
@@ -14835,10 +14523,9 @@
                     <a:lstStyle/>
                     <a:p>
                       <a:r>
-                        <a:rPr kumimoji="1" lang="ja-JP" altLang="en-US" sz="2400" dirty="0" smtClean="0"/>
-                        <a:t>ポテンシャル</a:t>
+                        <a:rPr kumimoji="1" lang="ja-JP" altLang="en-US" sz="2400" dirty="0"/>
+                        <a:t>アクロス変数</a:t>
                       </a:r>
-                      <a:endParaRPr kumimoji="1" lang="ja-JP" altLang="en-US" sz="2400" dirty="0"/>
                     </a:p>
                   </a:txBody>
                   <a:tcPr/>
@@ -14849,28 +14536,17 @@
                     <a:lstStyle/>
                     <a:p>
                       <a:r>
-                        <a:rPr kumimoji="1" lang="ja-JP" altLang="en-US" sz="2400" dirty="0" smtClean="0"/>
-                        <a:t>フラックス</a:t>
+                        <a:rPr kumimoji="1" lang="ja-JP" altLang="en-US" sz="2400" dirty="0"/>
+                        <a:t>？</a:t>
                       </a:r>
-                      <a:r>
-                        <a:rPr kumimoji="1" lang="en-US" altLang="ja-JP" sz="2400" dirty="0" smtClean="0"/>
-                        <a:t>(</a:t>
-                      </a:r>
-                      <a:r>
-                        <a:rPr kumimoji="1" lang="ja-JP" altLang="en-US" sz="2400" dirty="0" smtClean="0"/>
-                        <a:t>流束</a:t>
-                      </a:r>
-                      <a:r>
-                        <a:rPr kumimoji="1" lang="en-US" altLang="ja-JP" sz="2400" dirty="0" smtClean="0"/>
-                        <a:t>)</a:t>
-                      </a:r>
+                      <a:endParaRPr kumimoji="1" lang="en-US" altLang="ja-JP" sz="2400" dirty="0"/>
                     </a:p>
                   </a:txBody>
                   <a:tcPr/>
                 </a:tc>
                 <a:extLst>
                   <a:ext uri="{0D108BD9-81ED-4DB2-BD59-A6C34878D82A}">
-                    <a16:rowId xmlns:a16="http://schemas.microsoft.com/office/drawing/2014/main" val="84921889"/>
+                    <a16:rowId xmlns:a16="http://schemas.microsoft.com/office/drawing/2014/main" val="949835884"/>
                   </a:ext>
                 </a:extLst>
               </a:tr>
@@ -14886,7 +14562,7 @@
         </p:nvSpPr>
         <p:spPr>
           <a:xfrm>
-            <a:off x="753845" y="4607155"/>
+            <a:off x="809504" y="5020623"/>
             <a:ext cx="10871160" cy="2031325"/>
           </a:xfrm>
           <a:prstGeom prst="rect">
@@ -14901,18 +14577,14 @@
           <a:lstStyle/>
           <a:p>
             <a:r>
-              <a:rPr lang="ja-JP" altLang="en-US" dirty="0" smtClean="0"/>
-              <a:t>本資料内</a:t>
-            </a:r>
-            <a:r>
               <a:rPr lang="ja-JP" altLang="en-US" dirty="0"/>
-              <a:t>ではポテンシャルとフローを一般的な概念として考え、</a:t>
+              <a:t>本資料内ではポテンシャルとフローを一般的な概念として考え、</a:t>
             </a:r>
             <a:endParaRPr lang="en-US" altLang="ja-JP" dirty="0"/>
           </a:p>
           <a:p>
             <a:r>
-              <a:rPr lang="en-US" altLang="ja-JP" dirty="0" err="1" smtClean="0"/>
+              <a:rPr lang="en-US" altLang="ja-JP" dirty="0" err="1"/>
               <a:t>Modelica</a:t>
             </a:r>
             <a:r>
@@ -14924,56 +14596,84 @@
           <a:p>
             <a:pPr algn="l"/>
             <a:r>
-              <a:rPr kumimoji="1" lang="ja-JP" altLang="en-US" dirty="0" smtClean="0"/>
+              <a:rPr kumimoji="1" lang="ja-JP" altLang="en-US" dirty="0"/>
               <a:t>また、多くの場合ポテンシャルとフローの積はエネルギーになります。</a:t>
             </a:r>
-            <a:endParaRPr kumimoji="1" lang="en-US" altLang="ja-JP" dirty="0" smtClean="0"/>
-          </a:p>
-          <a:p>
-            <a:r>
-              <a:rPr lang="ja-JP" altLang="en-US" dirty="0" smtClean="0"/>
-              <a:t>ボンドグラフではポテンシャル</a:t>
-            </a:r>
+            <a:endParaRPr kumimoji="1" lang="en-US" altLang="ja-JP" dirty="0"/>
+          </a:p>
+          <a:p>
             <a:r>
               <a:rPr lang="ja-JP" altLang="en-US" dirty="0"/>
-              <a:t>とフローの</a:t>
-            </a:r>
-            <a:r>
-              <a:rPr lang="ja-JP" altLang="en-US" dirty="0" smtClean="0"/>
-              <a:t>積がエネルギーとならない場合は疑似ボンドグラフと呼ばれるそうです。</a:t>
-            </a:r>
-            <a:endParaRPr lang="en-US" altLang="ja-JP" dirty="0" smtClean="0"/>
-          </a:p>
-          <a:p>
-            <a:r>
-              <a:rPr lang="ja-JP" altLang="en-US" dirty="0" smtClean="0"/>
+              <a:t>ボンドグラフではポテンシャルとフローの積がエネルギーとならない場合は疑似ボンドグラフと呼ばれるそうです。</a:t>
+            </a:r>
+            <a:endParaRPr lang="en-US" altLang="ja-JP" dirty="0"/>
+          </a:p>
+          <a:p>
+            <a:r>
+              <a:rPr lang="ja-JP" altLang="en-US" dirty="0"/>
               <a:t>ポテンシャルとフローだけでは流体の輸送現象を表すことが煩雑になるため</a:t>
             </a:r>
             <a:r>
-              <a:rPr lang="en-US" altLang="ja-JP" dirty="0" err="1" smtClean="0"/>
+              <a:rPr lang="en-US" altLang="ja-JP" dirty="0" err="1"/>
               <a:t>Modelica</a:t>
             </a:r>
             <a:r>
-              <a:rPr lang="ja-JP" altLang="en-US" dirty="0" smtClean="0"/>
+              <a:rPr lang="ja-JP" altLang="en-US" dirty="0"/>
               <a:t>では</a:t>
             </a:r>
             <a:r>
-              <a:rPr lang="en-US" altLang="ja-JP" dirty="0" smtClean="0"/>
+              <a:rPr lang="en-US" altLang="ja-JP" dirty="0"/>
               <a:t>stream</a:t>
             </a:r>
             <a:r>
-              <a:rPr lang="ja-JP" altLang="en-US" dirty="0" smtClean="0"/>
+              <a:rPr lang="ja-JP" altLang="en-US" dirty="0"/>
               <a:t>変数という概念を導入しています。</a:t>
             </a:r>
             <a:r>
-              <a:rPr lang="en-US" altLang="ja-JP" dirty="0" smtClean="0"/>
+              <a:rPr lang="en-US" altLang="ja-JP" dirty="0"/>
               <a:t>Stream</a:t>
             </a:r>
             <a:r>
-              <a:rPr lang="ja-JP" altLang="en-US" dirty="0" smtClean="0"/>
+              <a:rPr lang="ja-JP" altLang="en-US" dirty="0"/>
               <a:t>変数については別資料にて解説します。</a:t>
             </a:r>
-            <a:endParaRPr lang="en-US" altLang="ja-JP" dirty="0" smtClean="0"/>
+            <a:endParaRPr lang="en-US" altLang="ja-JP" dirty="0"/>
+          </a:p>
+        </p:txBody>
+      </p:sp>
+      <p:sp>
+        <p:nvSpPr>
+          <p:cNvPr id="2" name="テキスト ボックス 1">
+            <a:extLst>
+              <a:ext uri="{FF2B5EF4-FFF2-40B4-BE49-F238E27FC236}">
+                <a16:creationId xmlns:a16="http://schemas.microsoft.com/office/drawing/2014/main" id="{330C8A3E-3F37-412A-B27B-9BB3D7FD85A0}"/>
+              </a:ext>
+            </a:extLst>
+          </p:cNvPr>
+          <p:cNvSpPr txBox="1"/>
+          <p:nvPr/>
+        </p:nvSpPr>
+        <p:spPr>
+          <a:xfrm>
+            <a:off x="10550630" y="4295340"/>
+            <a:ext cx="1497752" cy="1200329"/>
+          </a:xfrm>
+          <a:prstGeom prst="rect">
+            <a:avLst/>
+          </a:prstGeom>
+          <a:noFill/>
+        </p:spPr>
+        <p:txBody>
+          <a:bodyPr wrap="square" rtlCol="0">
+            <a:spAutoFit/>
+          </a:bodyPr>
+          <a:lstStyle/>
+          <a:p>
+            <a:pPr algn="l"/>
+            <a:r>
+              <a:rPr kumimoji="1" lang="ja-JP" altLang="en-US" sz="2400" dirty="0"/>
+              <a:t>自技会で見てみると分かる</a:t>
+            </a:r>
           </a:p>
         </p:txBody>
       </p:sp>
@@ -14987,13 +14687,6 @@
   <p:clrMapOvr>
     <a:masterClrMapping/>
   </p:clrMapOvr>
-  <p:timing>
-    <p:tnLst>
-      <p:par>
-        <p:cTn id="1" dur="indefinite" restart="never" nodeType="tmRoot"/>
-      </p:par>
-    </p:tnLst>
-  </p:timing>
 </p:sld>
 </file>
 
@@ -15068,7 +14761,7 @@
           </a:ln>
           <a:extLst>
             <a:ext uri="{C572A759-6A51-4108-AA02-DFA0A04FC94B}">
-              <ma14:wrappingTextBoxFlag xmlns="" xmlns:ma14="http://schemas.microsoft.com/office/mac/drawingml/2011/main" val="1"/>
+              <ma14:wrappingTextBoxFlag xmlns:ma14="http://schemas.microsoft.com/office/mac/drawingml/2011/main" xmlns="" val="1"/>
             </a:ext>
           </a:extLst>
         </p:spPr>
@@ -15088,18 +14781,14 @@
             </a:pPr>
             <a:r>
               <a:rPr lang="ja-JP" altLang="en-US" dirty="0"/>
-              <a:t>ポテンシャルと</a:t>
-            </a:r>
-            <a:r>
-              <a:rPr lang="ja-JP" altLang="en-US" dirty="0" smtClean="0"/>
-              <a:t>フロー </a:t>
-            </a:r>
-            <a:r>
-              <a:rPr lang="en-US" altLang="ja-JP" dirty="0" smtClean="0"/>
+              <a:t>ポテンシャルとフロー </a:t>
+            </a:r>
+            <a:r>
+              <a:rPr lang="en-US" altLang="ja-JP" dirty="0"/>
               <a:t>–</a:t>
             </a:r>
             <a:r>
-              <a:rPr lang="ja-JP" altLang="en-US" dirty="0" smtClean="0"/>
+              <a:rPr lang="ja-JP" altLang="en-US" dirty="0"/>
               <a:t> 各物理ドメイン</a:t>
             </a:r>
             <a:endParaRPr lang="en-US" altLang="ja-JP" dirty="0"/>
@@ -15414,11 +15103,11 @@
                         <a:lstStyle/>
                         <a:p>
                           <a:r>
-                            <a:rPr kumimoji="1" lang="ja-JP" altLang="en-US" sz="2400" dirty="0" smtClean="0"/>
+                            <a:rPr kumimoji="1" lang="ja-JP" altLang="en-US" sz="2400" dirty="0"/>
                             <a:t>電流</a:t>
                           </a:r>
                           <a:r>
-                            <a:rPr kumimoji="1" lang="en-US" altLang="ja-JP" sz="2400" dirty="0" err="1" smtClean="0"/>
+                            <a:rPr kumimoji="1" lang="en-US" altLang="ja-JP" sz="2400" dirty="0" err="1"/>
                             <a:t>i</a:t>
                           </a:r>
                           <a:endParaRPr kumimoji="1" lang="ja-JP" altLang="en-US" sz="2400" dirty="0"/>
@@ -15433,22 +15122,14 @@
                         <a:p>
                           <a:r>
                             <a:rPr kumimoji="1" lang="en-US" altLang="ja-JP" sz="2400" dirty="0"/>
-                            <a:t>i</a:t>
+                            <a:t>i = </a:t>
                           </a:r>
                           <a:r>
-                            <a:rPr kumimoji="1" lang="en-US" altLang="ja-JP" sz="2400" dirty="0" smtClean="0"/>
-                            <a:t> </a:t>
+                            <a:rPr kumimoji="1" lang="ja-JP" altLang="en-US" sz="2400" dirty="0"/>
+                            <a:t>℧</a:t>
                           </a:r>
                           <a:r>
                             <a:rPr kumimoji="1" lang="en-US" altLang="ja-JP" sz="2400" dirty="0"/>
-                            <a:t>= </a:t>
-                          </a:r>
-                          <a:r>
-                            <a:rPr kumimoji="1" lang="ja-JP" altLang="en-US" sz="2400" dirty="0" smtClean="0"/>
-                            <a:t>℧</a:t>
-                          </a:r>
-                          <a:r>
-                            <a:rPr kumimoji="1" lang="en-US" altLang="ja-JP" sz="2400" dirty="0" smtClean="0"/>
                             <a:t>×ΔV</a:t>
                           </a:r>
                           <a:endParaRPr kumimoji="1" lang="ja-JP" altLang="en-US" sz="2400" dirty="0"/>
@@ -15532,7 +15213,7 @@
                         <a:lstStyle/>
                         <a:p>
                           <a:r>
-                            <a:rPr kumimoji="1" lang="en-US" altLang="ja-JP" sz="2000" dirty="0" smtClean="0"/>
+                            <a:rPr kumimoji="1" lang="en-US" altLang="ja-JP" sz="2000" dirty="0"/>
                             <a:t>Q=G×ΔT</a:t>
                           </a:r>
                           <a:endParaRPr kumimoji="1" lang="ja-JP" altLang="en-US" sz="2000" dirty="0"/>
@@ -15616,11 +15297,11 @@
                         <a:lstStyle/>
                         <a:p>
                           <a:r>
-                            <a:rPr kumimoji="1" lang="en-US" altLang="ja-JP" sz="2400" dirty="0" smtClean="0"/>
+                            <a:rPr kumimoji="1" lang="en-US" altLang="ja-JP" sz="2400" dirty="0"/>
                             <a:t>m=ρ/k*</a:t>
                           </a:r>
                           <a:r>
-                            <a:rPr kumimoji="1" lang="en-US" altLang="ja-JP" sz="2400" dirty="0" err="1" smtClean="0"/>
+                            <a:rPr kumimoji="1" lang="en-US" altLang="ja-JP" sz="2400" dirty="0" err="1"/>
                             <a:t>Δp</a:t>
                           </a:r>
                           <a:endParaRPr kumimoji="1" lang="ja-JP" altLang="en-US" sz="2400" dirty="0"/>
@@ -15708,11 +15389,11 @@
                         <a:lstStyle/>
                         <a:p>
                           <a:r>
-                            <a:rPr kumimoji="1" lang="en-US" altLang="ja-JP" sz="2400" dirty="0" smtClean="0"/>
+                            <a:rPr kumimoji="1" lang="en-US" altLang="ja-JP" sz="2400" dirty="0"/>
                             <a:t>φ</a:t>
                           </a:r>
                           <a:r>
-                            <a:rPr kumimoji="1" lang="en-US" altLang="ja-JP" sz="2400" baseline="-25000" dirty="0" smtClean="0"/>
+                            <a:rPr kumimoji="1" lang="en-US" altLang="ja-JP" sz="2400" baseline="-25000" dirty="0"/>
                             <a:t> </a:t>
                           </a:r>
                           <a:r>
@@ -15720,19 +15401,19 @@
                             <a:t>= </a:t>
                           </a:r>
                           <a:r>
-                            <a:rPr kumimoji="1" lang="en-US" altLang="ja-JP" sz="2400" dirty="0" err="1" smtClean="0"/>
+                            <a:rPr kumimoji="1" lang="en-US" altLang="ja-JP" sz="2400" dirty="0" err="1"/>
                             <a:t>R</a:t>
                           </a:r>
                           <a:r>
-                            <a:rPr kumimoji="1" lang="en-US" altLang="ja-JP" sz="2400" baseline="-25000" dirty="0" err="1" smtClean="0"/>
+                            <a:rPr kumimoji="1" lang="en-US" altLang="ja-JP" sz="2400" baseline="-25000" dirty="0" err="1"/>
                             <a:t>m</a:t>
                           </a:r>
                           <a:r>
-                            <a:rPr kumimoji="1" lang="en-US" altLang="ja-JP" sz="2400" dirty="0" err="1" smtClean="0"/>
+                            <a:rPr kumimoji="1" lang="en-US" altLang="ja-JP" sz="2400" dirty="0" err="1"/>
                             <a:t>×ΔV</a:t>
                           </a:r>
                           <a:r>
-                            <a:rPr kumimoji="1" lang="en-US" altLang="ja-JP" sz="2400" baseline="-25000" dirty="0" err="1" smtClean="0"/>
+                            <a:rPr kumimoji="1" lang="en-US" altLang="ja-JP" sz="2400" baseline="-25000" dirty="0" err="1"/>
                             <a:t>m</a:t>
                           </a:r>
                           <a:endParaRPr kumimoji="1" lang="ja-JP" altLang="en-US" sz="2400" dirty="0"/>
@@ -15820,7 +15501,7 @@
                             <a:t>F = </a:t>
                           </a:r>
                           <a:r>
-                            <a:rPr kumimoji="1" lang="en-US" altLang="ja-JP" sz="2000" dirty="0" err="1" smtClean="0"/>
+                            <a:rPr kumimoji="1" lang="en-US" altLang="ja-JP" sz="2000" dirty="0" err="1"/>
                             <a:t>c×Δs</a:t>
                           </a:r>
                           <a:endParaRPr kumimoji="1" lang="ja-JP" altLang="en-US" sz="2400" dirty="0"/>
@@ -15904,7 +15585,7 @@
                         <a:lstStyle/>
                         <a:p>
                           <a:r>
-                            <a:rPr kumimoji="1" lang="en-US" altLang="ja-JP" sz="2400" dirty="0" smtClean="0"/>
+                            <a:rPr kumimoji="1" lang="en-US" altLang="ja-JP" sz="2400" dirty="0"/>
                             <a:t>τ= J×</a:t>
                           </a:r>
                           <a14:m>
@@ -16754,13 +16435,6 @@
   <p:clrMapOvr>
     <a:masterClrMapping/>
   </p:clrMapOvr>
-  <p:timing>
-    <p:tnLst>
-      <p:par>
-        <p:cTn id="1" dur="indefinite" restart="never" nodeType="tmRoot"/>
-      </p:par>
-    </p:tnLst>
-  </p:timing>
 </p:sld>
 </file>
 
@@ -16806,7 +16480,7 @@
           </a:ln>
           <a:extLst>
             <a:ext uri="{C572A759-6A51-4108-AA02-DFA0A04FC94B}">
-              <ma14:wrappingTextBoxFlag xmlns="" xmlns:ma14="http://schemas.microsoft.com/office/mac/drawingml/2011/main" val="1"/>
+              <ma14:wrappingTextBoxFlag xmlns:ma14="http://schemas.microsoft.com/office/mac/drawingml/2011/main" xmlns="" val="1"/>
             </a:ext>
           </a:extLst>
         </p:spPr>
@@ -16826,18 +16500,14 @@
             </a:pPr>
             <a:r>
               <a:rPr lang="ja-JP" altLang="en-US" dirty="0"/>
-              <a:t>ポテンシャルと</a:t>
-            </a:r>
-            <a:r>
-              <a:rPr lang="ja-JP" altLang="en-US" dirty="0" smtClean="0"/>
-              <a:t>フロー </a:t>
-            </a:r>
-            <a:r>
-              <a:rPr lang="en-US" altLang="ja-JP" dirty="0" smtClean="0"/>
+              <a:t>ポテンシャルとフロー </a:t>
+            </a:r>
+            <a:r>
+              <a:rPr lang="en-US" altLang="ja-JP" dirty="0"/>
               <a:t>– </a:t>
             </a:r>
             <a:r>
-              <a:rPr lang="ja-JP" altLang="en-US" dirty="0" smtClean="0"/>
+              <a:rPr lang="ja-JP" altLang="en-US" dirty="0"/>
               <a:t>演習</a:t>
             </a:r>
             <a:endParaRPr lang="en-US" altLang="ja-JP" dirty="0"/>
@@ -16915,17 +16585,13 @@
             </a:r>
             <a:r>
               <a:rPr lang="ja-JP" altLang="en-US" sz="2400" dirty="0"/>
-              <a:t>パッケージの物理モデルに使用されているポートを確認してみて</a:t>
-            </a:r>
-            <a:r>
-              <a:rPr lang="ja-JP" altLang="en-US" sz="2400" dirty="0" smtClean="0"/>
-              <a:t>ください。</a:t>
-            </a:r>
-            <a:endParaRPr lang="en-US" altLang="ja-JP" sz="2400" dirty="0" smtClean="0"/>
-          </a:p>
-          <a:p>
-            <a:r>
-              <a:rPr lang="ja-JP" altLang="en-US" sz="2400" dirty="0" smtClean="0"/>
+              <a:t>パッケージの物理モデルに使用されているポートを確認してみてください。</a:t>
+            </a:r>
+            <a:endParaRPr lang="en-US" altLang="ja-JP" sz="2400" dirty="0"/>
+          </a:p>
+          <a:p>
+            <a:r>
+              <a:rPr lang="ja-JP" altLang="en-US" sz="2400" dirty="0"/>
               <a:t>解答は次ページです。</a:t>
             </a:r>
             <a:endParaRPr kumimoji="1" lang="ja-JP" altLang="en-US" sz="2400" dirty="0"/>
@@ -16942,13 +16608,6 @@
   <p:clrMapOvr>
     <a:masterClrMapping/>
   </p:clrMapOvr>
-  <p:timing>
-    <p:tnLst>
-      <p:par>
-        <p:cTn id="1" dur="indefinite" restart="never" nodeType="tmRoot"/>
-      </p:par>
-    </p:tnLst>
-  </p:timing>
 </p:sld>
 </file>
 
@@ -16994,7 +16653,7 @@
           </a:ln>
           <a:extLst>
             <a:ext uri="{C572A759-6A51-4108-AA02-DFA0A04FC94B}">
-              <ma14:wrappingTextBoxFlag xmlns="" xmlns:ma14="http://schemas.microsoft.com/office/mac/drawingml/2011/main" val="1"/>
+              <ma14:wrappingTextBoxFlag xmlns:ma14="http://schemas.microsoft.com/office/mac/drawingml/2011/main" xmlns="" val="1"/>
             </a:ext>
           </a:extLst>
         </p:spPr>
@@ -17021,7 +16680,7 @@
               <a:t>– </a:t>
             </a:r>
             <a:r>
-              <a:rPr lang="ja-JP" altLang="en-US" dirty="0" smtClean="0"/>
+              <a:rPr lang="ja-JP" altLang="en-US" dirty="0"/>
               <a:t>演習 解答例</a:t>
             </a:r>
             <a:endParaRPr lang="en-US" altLang="ja-JP" dirty="0"/>
@@ -17079,25 +16738,21 @@
           <a:lstStyle/>
           <a:p>
             <a:r>
-              <a:rPr lang="en-US" altLang="ja-JP" dirty="0" err="1" smtClean="0"/>
+              <a:rPr lang="en-US" altLang="ja-JP" dirty="0" err="1"/>
               <a:t>Modelica.Electrical.Analog</a:t>
             </a:r>
             <a:r>
-              <a:rPr lang="ja-JP" altLang="en-US" dirty="0" smtClean="0"/>
+              <a:rPr lang="ja-JP" altLang="en-US" dirty="0"/>
               <a:t>内の適当なモデルを開きます。</a:t>
             </a:r>
-            <a:endParaRPr lang="en-US" altLang="ja-JP" dirty="0" smtClean="0"/>
+            <a:endParaRPr lang="en-US" altLang="ja-JP" dirty="0"/>
           </a:p>
           <a:p>
             <a:r>
               <a:rPr lang="ja-JP" altLang="en-US" dirty="0"/>
-              <a:t>ポート</a:t>
-            </a:r>
-            <a:r>
-              <a:rPr lang="ja-JP" altLang="en-US" dirty="0" smtClean="0"/>
-              <a:t>にカーソルを合わせるとインスタンス元のモデルのパスが示されます。</a:t>
-            </a:r>
-            <a:endParaRPr lang="en-US" altLang="ja-JP" dirty="0" smtClean="0"/>
+              <a:t>ポートにカーソルを合わせるとインスタンス元のモデルのパスが示されます。</a:t>
+            </a:r>
+            <a:endParaRPr lang="en-US" altLang="ja-JP" dirty="0"/>
           </a:p>
         </p:txBody>
       </p:sp>
@@ -17199,11 +16854,11 @@
             <a:lstStyle/>
             <a:p>
               <a:r>
-                <a:rPr lang="ja-JP" altLang="en-US" dirty="0" smtClean="0"/>
+                <a:rPr lang="ja-JP" altLang="en-US" dirty="0"/>
                 <a:t>ポートモデルを確認すると</a:t>
               </a:r>
               <a:r>
-                <a:rPr lang="ja-JP" altLang="en-US" dirty="0" smtClean="0">
+                <a:rPr lang="ja-JP" altLang="en-US" dirty="0">
                   <a:solidFill>
                     <a:srgbClr val="FF0000"/>
                   </a:solidFill>
@@ -17211,17 +16866,17 @@
                 <a:t>ポテンシャル</a:t>
               </a:r>
               <a:r>
-                <a:rPr lang="ja-JP" altLang="en-US" dirty="0" smtClean="0"/>
+                <a:rPr lang="ja-JP" altLang="en-US" dirty="0"/>
                 <a:t>として</a:t>
               </a:r>
               <a:r>
-                <a:rPr lang="en-US" altLang="ja-JP" dirty="0" smtClean="0"/>
+                <a:rPr lang="en-US" altLang="ja-JP" dirty="0"/>
                 <a:t>v</a:t>
               </a:r>
             </a:p>
             <a:p>
               <a:r>
-                <a:rPr lang="ja-JP" altLang="en-US" dirty="0" smtClean="0">
+                <a:rPr lang="ja-JP" altLang="en-US" dirty="0">
                   <a:solidFill>
                     <a:srgbClr val="FF0000"/>
                   </a:solidFill>
@@ -17229,18 +16884,18 @@
                 <a:t>フロー</a:t>
               </a:r>
               <a:r>
-                <a:rPr lang="ja-JP" altLang="en-US" dirty="0" smtClean="0"/>
+                <a:rPr lang="ja-JP" altLang="en-US" dirty="0"/>
                 <a:t>として</a:t>
               </a:r>
               <a:r>
-                <a:rPr lang="en-US" altLang="ja-JP" dirty="0" err="1" smtClean="0"/>
+                <a:rPr lang="en-US" altLang="ja-JP" dirty="0" err="1"/>
                 <a:t>i</a:t>
               </a:r>
               <a:r>
-                <a:rPr lang="ja-JP" altLang="en-US" dirty="0" smtClean="0"/>
+                <a:rPr lang="ja-JP" altLang="en-US" dirty="0"/>
                 <a:t>が定義されています</a:t>
               </a:r>
-              <a:endParaRPr lang="en-US" altLang="ja-JP" dirty="0" smtClean="0"/>
+              <a:endParaRPr lang="en-US" altLang="ja-JP" dirty="0"/>
             </a:p>
           </p:txBody>
         </p:sp>
@@ -17358,13 +17013,6 @@
   <p:clrMapOvr>
     <a:masterClrMapping/>
   </p:clrMapOvr>
-  <p:timing>
-    <p:tnLst>
-      <p:par>
-        <p:cTn id="1" dur="indefinite" restart="never" nodeType="tmRoot"/>
-      </p:par>
-    </p:tnLst>
-  </p:timing>
 </p:sld>
 </file>
 
@@ -17494,7 +17142,7 @@
           </a:ln>
           <a:extLst>
             <a:ext uri="{C572A759-6A51-4108-AA02-DFA0A04FC94B}">
-              <ma14:wrappingTextBoxFlag xmlns="" xmlns:ma14="http://schemas.microsoft.com/office/mac/drawingml/2011/main" val="1"/>
+              <ma14:wrappingTextBoxFlag xmlns:ma14="http://schemas.microsoft.com/office/mac/drawingml/2011/main" xmlns="" val="1"/>
             </a:ext>
           </a:extLst>
         </p:spPr>
@@ -17513,7 +17161,7 @@
               </a:defRPr>
             </a:pPr>
             <a:r>
-              <a:rPr lang="ja-JP" altLang="en-US" dirty="0" smtClean="0"/>
+              <a:rPr lang="ja-JP" altLang="en-US" dirty="0"/>
               <a:t>ポテンシャルとフローの分岐</a:t>
             </a:r>
             <a:endParaRPr lang="en-US" altLang="ja-JP" dirty="0"/>
@@ -17550,15 +17198,7 @@
           <a:p>
             <a:r>
               <a:rPr kumimoji="1" lang="ja-JP" altLang="en-US" sz="2400" dirty="0"/>
-              <a:t>系が分岐する際はポテンシャル</a:t>
-            </a:r>
-            <a:r>
-              <a:rPr kumimoji="1" lang="ja-JP" altLang="en-US" sz="2400" dirty="0" smtClean="0"/>
-              <a:t>とフローは</a:t>
-            </a:r>
-            <a:r>
-              <a:rPr kumimoji="1" lang="ja-JP" altLang="en-US" sz="2400" dirty="0"/>
-              <a:t>以下のように取り扱います。</a:t>
+              <a:t>系が分岐する際はポテンシャルとフローは以下のように取り扱います。</a:t>
             </a:r>
           </a:p>
         </p:txBody>
@@ -17625,12 +17265,8 @@
           <a:lstStyle/>
           <a:p>
             <a:r>
-              <a:rPr lang="ja-JP" altLang="en-US" sz="2400" dirty="0" smtClean="0"/>
-              <a:t>フロー</a:t>
-            </a:r>
-            <a:r>
               <a:rPr lang="ja-JP" altLang="en-US" sz="2400" dirty="0"/>
-              <a:t>　　・・・　物理量の合計値が等しくなる</a:t>
+              <a:t>フロー　　・・・　物理量の合計値が等しくなる</a:t>
             </a:r>
           </a:p>
         </p:txBody>
@@ -18109,15 +17745,7 @@
           <a:p>
             <a:r>
               <a:rPr kumimoji="1" lang="ja-JP" altLang="en-US" sz="2400" dirty="0"/>
-              <a:t>電気回路の場合、分岐点でのポテンシャル</a:t>
-            </a:r>
-            <a:r>
-              <a:rPr kumimoji="1" lang="ja-JP" altLang="en-US" sz="2400" dirty="0" smtClean="0"/>
-              <a:t>とフローは</a:t>
-            </a:r>
-            <a:r>
-              <a:rPr kumimoji="1" lang="ja-JP" altLang="en-US" sz="2400" dirty="0"/>
-              <a:t>以下のようになります</a:t>
+              <a:t>電気回路の場合、分岐点でのポテンシャルとフローは以下のようになります</a:t>
             </a:r>
             <a:endParaRPr kumimoji="1" lang="en-US" altLang="ja-JP" sz="2400" dirty="0"/>
           </a:p>
@@ -18139,10 +17767,9 @@
               <a:t>i</a:t>
             </a:r>
             <a:r>
-              <a:rPr kumimoji="1" lang="ja-JP" altLang="en-US" sz="2400" dirty="0" smtClean="0"/>
+              <a:rPr kumimoji="1" lang="ja-JP" altLang="en-US" sz="2400" dirty="0"/>
               <a:t>：フロー</a:t>
             </a:r>
-            <a:endParaRPr kumimoji="1" lang="ja-JP" altLang="en-US" sz="2400" dirty="0"/>
           </a:p>
         </p:txBody>
       </p:sp>
@@ -18482,10 +18109,9 @@
           <a:p>
             <a:pPr algn="l"/>
             <a:r>
-              <a:rPr kumimoji="1" lang="ja-JP" altLang="en-US" sz="2400" u="sng" dirty="0" smtClean="0"/>
+              <a:rPr kumimoji="1" lang="ja-JP" altLang="en-US" sz="2400" u="sng" dirty="0"/>
               <a:t>フロー</a:t>
             </a:r>
-            <a:endParaRPr kumimoji="1" lang="ja-JP" altLang="en-US" sz="2400" u="sng" dirty="0"/>
           </a:p>
         </p:txBody>
       </p:sp>
@@ -18499,13 +18125,6 @@
   <p:clrMapOvr>
     <a:masterClrMapping/>
   </p:clrMapOvr>
-  <p:timing>
-    <p:tnLst>
-      <p:par>
-        <p:cTn id="1" dur="indefinite" restart="never" nodeType="tmRoot"/>
-      </p:par>
-    </p:tnLst>
-  </p:timing>
 </p:sld>
 </file>
 
@@ -18580,7 +18199,7 @@
           </a:ln>
           <a:extLst>
             <a:ext uri="{C572A759-6A51-4108-AA02-DFA0A04FC94B}">
-              <ma14:wrappingTextBoxFlag xmlns="" xmlns:ma14="http://schemas.microsoft.com/office/mac/drawingml/2011/main" val="1"/>
+              <ma14:wrappingTextBoxFlag xmlns:ma14="http://schemas.microsoft.com/office/mac/drawingml/2011/main" xmlns="" val="1"/>
             </a:ext>
           </a:extLst>
         </p:spPr>
@@ -19097,13 +18716,6 @@
   <p:clrMapOvr>
     <a:masterClrMapping/>
   </p:clrMapOvr>
-  <p:timing>
-    <p:tnLst>
-      <p:par>
-        <p:cTn id="1" dur="indefinite" restart="never" nodeType="tmRoot"/>
-      </p:par>
-    </p:tnLst>
-  </p:timing>
 </p:sld>
 </file>
 
@@ -19149,7 +18761,7 @@
           </a:ln>
           <a:extLst>
             <a:ext uri="{C572A759-6A51-4108-AA02-DFA0A04FC94B}">
-              <ma14:wrappingTextBoxFlag xmlns="" xmlns:ma14="http://schemas.microsoft.com/office/mac/drawingml/2011/main" val="1"/>
+              <ma14:wrappingTextBoxFlag xmlns:ma14="http://schemas.microsoft.com/office/mac/drawingml/2011/main" xmlns="" val="1"/>
             </a:ext>
           </a:extLst>
         </p:spPr>
@@ -19286,11 +18898,7 @@
           <a:p>
             <a:r>
               <a:rPr kumimoji="1" lang="ja-JP" altLang="en-US" sz="2400" b="1" u="sng" dirty="0"/>
-              <a:t>アクロス変数の接続の</a:t>
-            </a:r>
-            <a:r>
-              <a:rPr kumimoji="1" lang="ja-JP" altLang="en-US" sz="2400" b="1" u="sng" dirty="0" smtClean="0"/>
-              <a:t>式</a:t>
+              <a:t>アクロス変数の接続の式</a:t>
             </a:r>
             <a:r>
               <a:rPr lang="en-US" altLang="ja-JP" sz="2400" b="1" u="sng" dirty="0"/>
@@ -19298,11 +18906,7 @@
             </a:r>
             <a:r>
               <a:rPr lang="ja-JP" altLang="en-US" sz="2400" b="1" u="sng" dirty="0"/>
-              <a:t>キルヒホッフの</a:t>
-            </a:r>
-            <a:r>
-              <a:rPr lang="ja-JP" altLang="en-US" sz="2400" b="1" u="sng" dirty="0" smtClean="0"/>
-              <a:t>第二法則</a:t>
+              <a:t>キルヒホッフの第二法則</a:t>
             </a:r>
             <a:r>
               <a:rPr lang="en-US" altLang="ja-JP" sz="2400" b="1" u="sng" dirty="0"/>
@@ -19350,22 +18954,18 @@
             </a:r>
             <a:r>
               <a:rPr lang="ja-JP" altLang="en-US" sz="2400" b="1" u="sng" dirty="0"/>
-              <a:t>変数の接続の</a:t>
-            </a:r>
-            <a:r>
-              <a:rPr lang="ja-JP" altLang="en-US" sz="2400" b="1" u="sng" dirty="0" smtClean="0"/>
-              <a:t>式</a:t>
-            </a:r>
-            <a:r>
-              <a:rPr lang="en-US" altLang="ja-JP" sz="2400" b="1" u="sng" dirty="0" smtClean="0"/>
+              <a:t>変数の接続の式</a:t>
+            </a:r>
+            <a:r>
+              <a:rPr lang="en-US" altLang="ja-JP" sz="2400" b="1" u="sng" dirty="0"/>
               <a:t>(</a:t>
             </a:r>
             <a:r>
-              <a:rPr lang="ja-JP" altLang="en-US" sz="2400" b="1" u="sng" dirty="0" smtClean="0"/>
+              <a:rPr lang="ja-JP" altLang="en-US" sz="2400" b="1" u="sng" dirty="0"/>
               <a:t>キルヒホッフの第一法則</a:t>
             </a:r>
             <a:r>
-              <a:rPr lang="en-US" altLang="ja-JP" sz="2400" b="1" u="sng" dirty="0" smtClean="0"/>
+              <a:rPr lang="en-US" altLang="ja-JP" sz="2400" b="1" u="sng" dirty="0"/>
               <a:t>)</a:t>
             </a:r>
             <a:endParaRPr kumimoji="1" lang="ja-JP" altLang="en-US" sz="2400" b="1" u="sng" dirty="0"/>
@@ -19487,53 +19087,21 @@
           <a:p>
             <a:r>
               <a:rPr lang="ja-JP" altLang="en-US" dirty="0"/>
-              <a:t>アクロス変数</a:t>
-            </a:r>
-            <a:r>
-              <a:rPr lang="ja-JP" altLang="en-US" dirty="0" smtClean="0"/>
-              <a:t>、フロー変数</a:t>
-            </a:r>
+              <a:t>アクロス変数、フロー変数を宣言することでモデル同士を接続した際に各変数が物理的に自然な挙動となるように自動的に計算式が組み立てられます。</a:t>
+            </a:r>
+            <a:endParaRPr lang="en-US" altLang="ja-JP" dirty="0"/>
+          </a:p>
+          <a:p>
             <a:r>
               <a:rPr lang="ja-JP" altLang="en-US" dirty="0"/>
-              <a:t>を宣言することでモデル同士を接続した際に各変数が物理的に自然な挙動となるように自動的に計算式が組み立てられます。</a:t>
+              <a:t>アクロス変数は各ポートの値が等しくなるように、フロー変数は各ポートの総量が０（保存則）となるように取り扱います。</a:t>
             </a:r>
             <a:endParaRPr lang="en-US" altLang="ja-JP" dirty="0"/>
           </a:p>
           <a:p>
             <a:r>
               <a:rPr lang="ja-JP" altLang="en-US" dirty="0"/>
-              <a:t>アクロス変数は各ポートの</a:t>
-            </a:r>
-            <a:r>
-              <a:rPr lang="ja-JP" altLang="en-US" dirty="0" smtClean="0"/>
-              <a:t>値が等しく</a:t>
-            </a:r>
-            <a:r>
-              <a:rPr lang="ja-JP" altLang="en-US" dirty="0"/>
-              <a:t>なるように、フロー変数は各ポートの総量が０（保存則）となるように取り扱います</a:t>
-            </a:r>
-            <a:r>
-              <a:rPr lang="ja-JP" altLang="en-US" dirty="0" smtClean="0"/>
-              <a:t>。</a:t>
-            </a:r>
-            <a:endParaRPr lang="en-US" altLang="ja-JP" dirty="0" smtClean="0"/>
-          </a:p>
-          <a:p>
-            <a:r>
-              <a:rPr lang="ja-JP" altLang="en-US" dirty="0" smtClean="0"/>
-              <a:t>これ</a:t>
-            </a:r>
-            <a:r>
-              <a:rPr lang="ja-JP" altLang="en-US" dirty="0"/>
-              <a:t>によりモデルをいくら繋いでも削除して</a:t>
-            </a:r>
-            <a:r>
-              <a:rPr lang="ja-JP" altLang="en-US" dirty="0" smtClean="0"/>
-              <a:t>も計算式が成り立つためシステム</a:t>
-            </a:r>
-            <a:r>
-              <a:rPr lang="ja-JP" altLang="en-US" dirty="0"/>
-              <a:t>の変更が容易となります。</a:t>
+              <a:t>これによりモデルをいくら繋いでも削除しても計算式が成り立つためシステムの変更が容易となります。</a:t>
             </a:r>
             <a:endParaRPr lang="en-US" altLang="ja-JP" dirty="0"/>
           </a:p>
@@ -19844,14 +19412,13 @@
             <a:p>
               <a:pPr algn="l"/>
               <a:r>
-                <a:rPr kumimoji="1" lang="en-US" altLang="ja-JP" sz="2400" dirty="0" smtClean="0"/>
+                <a:rPr kumimoji="1" lang="en-US" altLang="ja-JP" sz="2400" dirty="0"/>
                 <a:t>Q</a:t>
               </a:r>
               <a:r>
-                <a:rPr kumimoji="1" lang="en-US" altLang="ja-JP" sz="2400" baseline="-25000" dirty="0" smtClean="0"/>
+                <a:rPr kumimoji="1" lang="en-US" altLang="ja-JP" sz="2400" baseline="-25000" dirty="0"/>
                 <a:t>2</a:t>
               </a:r>
-              <a:endParaRPr kumimoji="1" lang="en-US" altLang="ja-JP" sz="2400" baseline="-25000" dirty="0"/>
             </a:p>
           </p:txBody>
         </p:sp>
@@ -20891,13 +20458,6 @@
   <p:clrMapOvr>
     <a:masterClrMapping/>
   </p:clrMapOvr>
-  <p:timing>
-    <p:tnLst>
-      <p:par>
-        <p:cTn id="1" dur="indefinite" restart="never" nodeType="tmRoot"/>
-      </p:par>
-    </p:tnLst>
-  </p:timing>
 </p:sld>
 </file>
 
@@ -21027,7 +20587,7 @@
           </a:ln>
           <a:extLst>
             <a:ext uri="{C572A759-6A51-4108-AA02-DFA0A04FC94B}">
-              <ma14:wrappingTextBoxFlag xmlns="" xmlns:ma14="http://schemas.microsoft.com/office/mac/drawingml/2011/main" val="1"/>
+              <ma14:wrappingTextBoxFlag xmlns:ma14="http://schemas.microsoft.com/office/mac/drawingml/2011/main" xmlns="" val="1"/>
             </a:ext>
           </a:extLst>
         </p:spPr>
@@ -21047,11 +20607,7 @@
             </a:pPr>
             <a:r>
               <a:rPr lang="ja-JP" altLang="en-US" dirty="0"/>
-              <a:t>アクロス変数の</a:t>
-            </a:r>
-            <a:r>
-              <a:rPr lang="ja-JP" altLang="en-US" dirty="0" smtClean="0"/>
-              <a:t>具体例</a:t>
+              <a:t>アクロス変数の具体例</a:t>
             </a:r>
             <a:endParaRPr lang="en-US" altLang="ja-JP" dirty="0"/>
           </a:p>
@@ -21600,15 +21156,15 @@
             <a:p>
               <a:pPr algn="l"/>
               <a:r>
-                <a:rPr kumimoji="1" lang="en-US" altLang="ja-JP" sz="2400" dirty="0" smtClean="0"/>
+                <a:rPr kumimoji="1" lang="en-US" altLang="ja-JP" sz="2400" dirty="0"/>
                 <a:t>T</a:t>
               </a:r>
               <a:r>
-                <a:rPr kumimoji="1" lang="en-US" altLang="ja-JP" sz="2400" baseline="-25000" dirty="0" smtClean="0"/>
+                <a:rPr kumimoji="1" lang="en-US" altLang="ja-JP" sz="2400" baseline="-25000" dirty="0"/>
                 <a:t>C</a:t>
               </a:r>
               <a:r>
-                <a:rPr kumimoji="1" lang="en-US" altLang="ja-JP" sz="2400" dirty="0" smtClean="0"/>
+                <a:rPr kumimoji="1" lang="en-US" altLang="ja-JP" sz="2400" dirty="0"/>
                 <a:t>=?</a:t>
               </a:r>
               <a:endParaRPr kumimoji="1" lang="ja-JP" altLang="en-US" sz="2400" dirty="0"/>
@@ -21653,7 +21209,7 @@
                 <a:t>B</a:t>
               </a:r>
               <a:r>
-                <a:rPr kumimoji="1" lang="en-US" altLang="ja-JP" sz="2400" dirty="0" smtClean="0"/>
+                <a:rPr kumimoji="1" lang="en-US" altLang="ja-JP" sz="2400" dirty="0"/>
                 <a:t>=?</a:t>
               </a:r>
               <a:endParaRPr kumimoji="1" lang="ja-JP" altLang="en-US" sz="2400" dirty="0"/>
@@ -21852,13 +21408,13 @@
           <a:lstStyle/>
           <a:p>
             <a:r>
-              <a:rPr kumimoji="1" lang="ja-JP" altLang="en-US" sz="2000" dirty="0" smtClean="0"/>
+              <a:rPr kumimoji="1" lang="ja-JP" altLang="en-US" sz="2000" dirty="0"/>
               <a:t>まずは基本となるアクロス変数の計算式を温度を例に取って解説します。</a:t>
             </a:r>
-            <a:endParaRPr kumimoji="1" lang="en-US" altLang="ja-JP" sz="2000" dirty="0" smtClean="0"/>
-          </a:p>
-          <a:p>
-            <a:endParaRPr lang="en-US" altLang="ja-JP" sz="2000" dirty="0" smtClean="0"/>
+            <a:endParaRPr kumimoji="1" lang="en-US" altLang="ja-JP" sz="2000" dirty="0"/>
+          </a:p>
+          <a:p>
+            <a:endParaRPr lang="en-US" altLang="ja-JP" sz="2000" dirty="0"/>
           </a:p>
           <a:p>
             <a:r>
@@ -21871,15 +21427,7 @@
             </a:r>
             <a:r>
               <a:rPr lang="ja-JP" altLang="en-US" sz="2000" dirty="0"/>
-              <a:t>モデルの</a:t>
-            </a:r>
-            <a:r>
-              <a:rPr lang="ja-JP" altLang="en-US" sz="2000" dirty="0" smtClean="0"/>
-              <a:t>接続図において、</a:t>
-            </a:r>
-            <a:r>
-              <a:rPr lang="ja-JP" altLang="en-US" sz="2000" dirty="0"/>
-              <a:t>モデル</a:t>
+              <a:t>モデルの接続図において、モデル</a:t>
             </a:r>
             <a:r>
               <a:rPr lang="en-US" altLang="ja-JP" sz="2000" dirty="0"/>
@@ -21918,13 +21466,6 @@
   <p:clrMapOvr>
     <a:masterClrMapping/>
   </p:clrMapOvr>
-  <p:timing>
-    <p:tnLst>
-      <p:par>
-        <p:cTn id="1" dur="indefinite" restart="never" nodeType="tmRoot"/>
-      </p:par>
-    </p:tnLst>
-  </p:timing>
 </p:sld>
 </file>
 
@@ -21970,7 +21511,7 @@
           </a:ln>
           <a:extLst>
             <a:ext uri="{C572A759-6A51-4108-AA02-DFA0A04FC94B}">
-              <ma14:wrappingTextBoxFlag xmlns:ma14="http://schemas.microsoft.com/office/mac/drawingml/2011/main" xmlns="" val="1"/>
+              <ma14:wrappingTextBoxFlag xmlns="" xmlns:ma14="http://schemas.microsoft.com/office/mac/drawingml/2011/main" val="1"/>
             </a:ext>
           </a:extLst>
         </p:spPr>
@@ -22222,13 +21763,6 @@
   <p:clrMapOvr>
     <a:masterClrMapping/>
   </p:clrMapOvr>
-  <p:timing>
-    <p:tnLst>
-      <p:par>
-        <p:cTn id="1" dur="indefinite" restart="never" nodeType="tmRoot"/>
-      </p:par>
-    </p:tnLst>
-  </p:timing>
 </p:sld>
 </file>
 
@@ -22308,7 +21842,7 @@
           </a:ln>
           <a:extLst>
             <a:ext uri="{C572A759-6A51-4108-AA02-DFA0A04FC94B}">
-              <ma14:wrappingTextBoxFlag xmlns="" xmlns:ma14="http://schemas.microsoft.com/office/mac/drawingml/2011/main" val="1"/>
+              <ma14:wrappingTextBoxFlag xmlns:ma14="http://schemas.microsoft.com/office/mac/drawingml/2011/main" xmlns="" val="1"/>
             </a:ext>
           </a:extLst>
         </p:spPr>
@@ -22414,24 +21948,20 @@
             </a:r>
             <a:r>
               <a:rPr lang="ja-JP" altLang="en-US" sz="2000" dirty="0"/>
-              <a:t>とします</a:t>
-            </a:r>
-            <a:r>
-              <a:rPr lang="ja-JP" altLang="en-US" sz="2000" dirty="0" smtClean="0"/>
-              <a:t>。</a:t>
-            </a:r>
-            <a:endParaRPr lang="en-US" altLang="ja-JP" sz="2000" dirty="0" smtClean="0"/>
-          </a:p>
-          <a:p>
-            <a:r>
-              <a:rPr lang="en-US" altLang="ja-JP" sz="2000" dirty="0" smtClean="0"/>
+              <a:t>とします。</a:t>
+            </a:r>
+            <a:endParaRPr lang="en-US" altLang="ja-JP" sz="2000" dirty="0"/>
+          </a:p>
+          <a:p>
+            <a:r>
+              <a:rPr lang="en-US" altLang="ja-JP" sz="2000" dirty="0"/>
               <a:t>B</a:t>
             </a:r>
             <a:r>
-              <a:rPr lang="ja-JP" altLang="en-US" sz="2000" dirty="0" smtClean="0"/>
+              <a:rPr lang="ja-JP" altLang="en-US" sz="2000" dirty="0"/>
               <a:t>モデルのポート熱流量はいくらになるでしょうか？</a:t>
             </a:r>
-            <a:endParaRPr lang="en-US" altLang="ja-JP" sz="2000" dirty="0" smtClean="0"/>
+            <a:endParaRPr lang="en-US" altLang="ja-JP" sz="2000" dirty="0"/>
           </a:p>
         </p:txBody>
       </p:sp>
@@ -22622,27 +22152,27 @@
               <a:t>の熱流量</a:t>
             </a:r>
             <a:r>
-              <a:rPr kumimoji="1" lang="en-US" altLang="ja-JP" sz="2400" dirty="0" smtClean="0"/>
+              <a:rPr kumimoji="1" lang="en-US" altLang="ja-JP" sz="2400" dirty="0"/>
               <a:t>Q</a:t>
             </a:r>
             <a:r>
-              <a:rPr lang="en-US" altLang="ja-JP" sz="2400" baseline="-25000" dirty="0" smtClean="0"/>
+              <a:rPr lang="en-US" altLang="ja-JP" sz="2400" baseline="-25000" dirty="0"/>
               <a:t>B</a:t>
             </a:r>
             <a:r>
-              <a:rPr kumimoji="1" lang="en-US" altLang="ja-JP" sz="2400" dirty="0" smtClean="0"/>
+              <a:rPr kumimoji="1" lang="en-US" altLang="ja-JP" sz="2400" dirty="0"/>
               <a:t>=Q</a:t>
             </a:r>
             <a:r>
-              <a:rPr kumimoji="1" lang="en-US" altLang="ja-JP" sz="2400" baseline="-25000" dirty="0" smtClean="0"/>
+              <a:rPr kumimoji="1" lang="en-US" altLang="ja-JP" sz="2400" baseline="-25000" dirty="0"/>
               <a:t>A</a:t>
             </a:r>
             <a:r>
-              <a:rPr kumimoji="1" lang="ja-JP" altLang="en-US" sz="2400" dirty="0" smtClean="0"/>
+              <a:rPr kumimoji="1" lang="ja-JP" altLang="en-US" sz="2400" dirty="0"/>
               <a:t>より</a:t>
             </a:r>
             <a:r>
-              <a:rPr kumimoji="1" lang="en-US" altLang="ja-JP" sz="2400" dirty="0" smtClean="0"/>
+              <a:rPr kumimoji="1" lang="en-US" altLang="ja-JP" sz="2400" dirty="0"/>
               <a:t>-10W</a:t>
             </a:r>
             <a:r>
@@ -22726,15 +22256,15 @@
           <a:lstStyle/>
           <a:p>
             <a:r>
-              <a:rPr kumimoji="1" lang="en-US" altLang="ja-JP" sz="2400" dirty="0" smtClean="0"/>
+              <a:rPr kumimoji="1" lang="en-US" altLang="ja-JP" sz="2400" dirty="0"/>
               <a:t>Q</a:t>
             </a:r>
             <a:r>
-              <a:rPr kumimoji="1" lang="en-US" altLang="ja-JP" sz="2400" baseline="-25000" dirty="0" smtClean="0"/>
+              <a:rPr kumimoji="1" lang="en-US" altLang="ja-JP" sz="2400" baseline="-25000" dirty="0"/>
               <a:t>B</a:t>
             </a:r>
             <a:r>
-              <a:rPr kumimoji="1" lang="en-US" altLang="ja-JP" sz="2400" dirty="0" smtClean="0"/>
+              <a:rPr kumimoji="1" lang="en-US" altLang="ja-JP" sz="2400" dirty="0"/>
               <a:t>=?</a:t>
             </a:r>
             <a:endParaRPr kumimoji="1" lang="ja-JP" altLang="en-US" sz="2400" dirty="0"/>
@@ -22795,20 +22325,12 @@
           <a:p>
             <a:pPr algn="ctr"/>
             <a:r>
-              <a:rPr lang="ja-JP" altLang="en-US" sz="2800" dirty="0" smtClean="0">
-                <a:solidFill>
-                  <a:schemeClr val="tx1"/>
-                </a:solidFill>
-              </a:rPr>
-              <a:t>フロー変数</a:t>
-            </a:r>
-            <a:r>
               <a:rPr lang="ja-JP" altLang="en-US" sz="2800" dirty="0">
                 <a:solidFill>
                   <a:schemeClr val="tx1"/>
                 </a:solidFill>
               </a:rPr>
-              <a:t>は接続されたポート間の総量がゼロとなるように値を受け渡します</a:t>
+              <a:t>フロー変数は接続されたポート間の総量がゼロとなるように値を受け渡します</a:t>
             </a:r>
           </a:p>
         </p:txBody>
@@ -23062,12 +22584,8 @@
           <a:p>
             <a:pPr algn="l"/>
             <a:r>
-              <a:rPr kumimoji="1" lang="ja-JP" altLang="en-US" sz="2400" dirty="0" smtClean="0"/>
-              <a:t>フロー変数</a:t>
-            </a:r>
-            <a:r>
               <a:rPr kumimoji="1" lang="ja-JP" altLang="en-US" sz="2400" dirty="0"/>
-              <a:t>の接続の式</a:t>
+              <a:t>フロー変数の接続の式</a:t>
             </a:r>
           </a:p>
         </p:txBody>
@@ -23099,18 +22617,14 @@
             </a:r>
             <a:r>
               <a:rPr lang="ja-JP" altLang="en-US" dirty="0"/>
-              <a:t>言語ではフロー変数についてモデルに流入する場合を正、モデルから流出する場合を負と考えるのが一般的です</a:t>
-            </a:r>
-            <a:r>
-              <a:rPr lang="ja-JP" altLang="en-US" dirty="0" smtClean="0"/>
-              <a:t>。上記の場合、</a:t>
-            </a:r>
-            <a:r>
-              <a:rPr lang="en-US" altLang="ja-JP" dirty="0" smtClean="0"/>
+              <a:t>言語ではフロー変数についてモデルに流入する場合を正、モデルから流出する場合を負と考えるのが一般的です。上記の場合、</a:t>
+            </a:r>
+            <a:r>
+              <a:rPr lang="en-US" altLang="ja-JP" dirty="0"/>
               <a:t>A</a:t>
             </a:r>
             <a:r>
-              <a:rPr lang="ja-JP" altLang="en-US" dirty="0" smtClean="0"/>
+              <a:rPr lang="ja-JP" altLang="en-US" dirty="0"/>
               <a:t>に熱流量が流入していることになります。</a:t>
             </a:r>
             <a:endParaRPr lang="en-US" altLang="ja-JP" dirty="0"/>
@@ -23127,13 +22641,6 @@
   <p:clrMapOvr>
     <a:masterClrMapping/>
   </p:clrMapOvr>
-  <p:timing>
-    <p:tnLst>
-      <p:par>
-        <p:cTn id="1" dur="indefinite" restart="never" nodeType="tmRoot"/>
-      </p:par>
-    </p:tnLst>
-  </p:timing>
 </p:sld>
 </file>
 
@@ -23213,7 +22720,7 @@
           </a:ln>
           <a:extLst>
             <a:ext uri="{C572A759-6A51-4108-AA02-DFA0A04FC94B}">
-              <ma14:wrappingTextBoxFlag xmlns="" xmlns:ma14="http://schemas.microsoft.com/office/mac/drawingml/2011/main" val="1"/>
+              <ma14:wrappingTextBoxFlag xmlns:ma14="http://schemas.microsoft.com/office/mac/drawingml/2011/main" xmlns="" val="1"/>
             </a:ext>
           </a:extLst>
         </p:spPr>
@@ -23589,12 +23096,8 @@
           <a:p>
             <a:pPr algn="l"/>
             <a:r>
-              <a:rPr kumimoji="1" lang="ja-JP" altLang="en-US" sz="2400" dirty="0" smtClean="0"/>
-              <a:t>フロー変数の</a:t>
-            </a:r>
-            <a:r>
               <a:rPr kumimoji="1" lang="ja-JP" altLang="en-US" sz="2400" dirty="0"/>
-              <a:t>接続の式</a:t>
+              <a:t>フロー変数の接続の式</a:t>
             </a:r>
           </a:p>
         </p:txBody>
@@ -24024,13 +23527,6 @@
   <p:clrMapOvr>
     <a:masterClrMapping/>
   </p:clrMapOvr>
-  <p:timing>
-    <p:tnLst>
-      <p:par>
-        <p:cTn id="1" dur="indefinite" restart="never" nodeType="tmRoot"/>
-      </p:par>
-    </p:tnLst>
-  </p:timing>
 </p:sld>
 </file>
 
@@ -24183,7 +23679,7 @@
           </a:ln>
           <a:extLst>
             <a:ext uri="{C572A759-6A51-4108-AA02-DFA0A04FC94B}">
-              <ma14:wrappingTextBoxFlag xmlns="" xmlns:ma14="http://schemas.microsoft.com/office/mac/drawingml/2011/main" val="1"/>
+              <ma14:wrappingTextBoxFlag xmlns:ma14="http://schemas.microsoft.com/office/mac/drawingml/2011/main" xmlns="" val="1"/>
             </a:ext>
           </a:extLst>
         </p:spPr>
@@ -24247,14 +23743,14 @@
           <a:p>
             <a:pPr algn="l"/>
             <a:r>
-              <a:rPr kumimoji="1" lang="ja-JP" altLang="en-US" sz="2000" dirty="0" smtClean="0"/>
+              <a:rPr kumimoji="1" lang="ja-JP" altLang="en-US" sz="2000" dirty="0"/>
               <a:t>ここでモデルの計算結果を確認する際に少し違和感がある実装について解説します</a:t>
             </a:r>
             <a:r>
-              <a:rPr lang="ja-JP" altLang="en-US" sz="2000" dirty="0" smtClean="0"/>
+              <a:rPr lang="ja-JP" altLang="en-US" sz="2000" dirty="0"/>
               <a:t>。</a:t>
             </a:r>
-            <a:endParaRPr lang="en-US" altLang="ja-JP" sz="2000" dirty="0" smtClean="0"/>
+            <a:endParaRPr lang="en-US" altLang="ja-JP" sz="2000" dirty="0"/>
           </a:p>
           <a:p>
             <a:pPr algn="l"/>
@@ -24263,7 +23759,7 @@
           <a:p>
             <a:pPr algn="l"/>
             <a:r>
-              <a:rPr kumimoji="1" lang="ja-JP" altLang="en-US" sz="2000" dirty="0" smtClean="0"/>
+              <a:rPr kumimoji="1" lang="ja-JP" altLang="en-US" sz="2000" dirty="0"/>
               <a:t>熱流量を定義する</a:t>
             </a:r>
             <a:r>
@@ -24271,22 +23767,22 @@
               <a:t>F</a:t>
             </a:r>
             <a:r>
-              <a:rPr kumimoji="1" lang="en-US" altLang="ja-JP" sz="2000" dirty="0" err="1" smtClean="0"/>
+              <a:rPr kumimoji="1" lang="en-US" altLang="ja-JP" sz="2000" dirty="0" err="1"/>
               <a:t>ixedHeatFlow</a:t>
             </a:r>
             <a:r>
-              <a:rPr kumimoji="1" lang="ja-JP" altLang="en-US" sz="2000" dirty="0" smtClean="0"/>
+              <a:rPr kumimoji="1" lang="ja-JP" altLang="en-US" sz="2000" dirty="0"/>
               <a:t>モデルを使用する際、ユーザーは熱流量パラメータに正の値を入力します。</a:t>
             </a:r>
-            <a:endParaRPr kumimoji="1" lang="en-US" altLang="ja-JP" sz="2000" dirty="0" smtClean="0"/>
+            <a:endParaRPr kumimoji="1" lang="en-US" altLang="ja-JP" sz="2000" dirty="0"/>
           </a:p>
           <a:p>
             <a:pPr algn="l"/>
             <a:r>
-              <a:rPr lang="ja-JP" altLang="en-US" sz="2000" dirty="0" smtClean="0"/>
+              <a:rPr lang="ja-JP" altLang="en-US" sz="2000" dirty="0"/>
               <a:t>しかし計算を実行しポートの熱流量を確認すると負の値となっています。</a:t>
             </a:r>
-            <a:endParaRPr kumimoji="1" lang="en-US" altLang="ja-JP" sz="2000" dirty="0" smtClean="0"/>
+            <a:endParaRPr kumimoji="1" lang="en-US" altLang="ja-JP" sz="2000" dirty="0"/>
           </a:p>
         </p:txBody>
       </p:sp>
@@ -24319,21 +23815,13 @@
           <a:lstStyle/>
           <a:p>
             <a:pPr algn="l"/>
-            <a:r>
-              <a:rPr kumimoji="1" lang="ja-JP" altLang="en-US" b="1" dirty="0" smtClean="0">
-                <a:solidFill>
-                  <a:srgbClr val="FF0000"/>
-                </a:solidFill>
-              </a:rPr>
-              <a:t>しかし、ポート</a:t>
-            </a:r>
             <a:r>
               <a:rPr kumimoji="1" lang="ja-JP" altLang="en-US" b="1" dirty="0">
                 <a:solidFill>
                   <a:srgbClr val="FF0000"/>
                 </a:solidFill>
               </a:rPr>
-              <a:t>の熱流量は「</a:t>
+              <a:t>しかし、ポートの熱流量は「</a:t>
             </a:r>
             <a:r>
               <a:rPr kumimoji="1" lang="en-US" altLang="ja-JP" b="1" dirty="0">
@@ -24583,58 +24071,38 @@
           <a:lstStyle/>
           <a:p>
             <a:r>
-              <a:rPr lang="ja-JP" altLang="en-US" sz="2000" dirty="0" smtClean="0"/>
-              <a:t>フロー</a:t>
-            </a:r>
-            <a:r>
               <a:rPr lang="ja-JP" altLang="en-US" sz="2000" dirty="0"/>
-              <a:t>変数</a:t>
-            </a:r>
-            <a:r>
-              <a:rPr lang="ja-JP" altLang="en-US" sz="2000" dirty="0" smtClean="0"/>
-              <a:t>は、モデルに流入する場合が正、流出する場合が負とするのが慣例です。</a:t>
-            </a:r>
-            <a:endParaRPr lang="en-US" altLang="ja-JP" sz="2000" dirty="0" smtClean="0"/>
-          </a:p>
-          <a:p>
-            <a:r>
-              <a:rPr lang="ja-JP" altLang="en-US" sz="2000" dirty="0" smtClean="0"/>
+              <a:t>フロー変数は、モデルに流入する場合が正、流出する場合が負とするのが慣例です。</a:t>
+            </a:r>
+            <a:endParaRPr lang="en-US" altLang="ja-JP" sz="2000" dirty="0"/>
+          </a:p>
+          <a:p>
+            <a:r>
+              <a:rPr lang="ja-JP" altLang="en-US" sz="2000" dirty="0"/>
               <a:t>その慣例にならうと熱流量を</a:t>
             </a:r>
             <a:r>
-              <a:rPr lang="en-US" altLang="ja-JP" sz="2000" dirty="0" smtClean="0"/>
+              <a:rPr lang="en-US" altLang="ja-JP" sz="2000" dirty="0"/>
               <a:t>1W</a:t>
             </a:r>
             <a:r>
-              <a:rPr lang="ja-JP" altLang="en-US" sz="2000" dirty="0" smtClean="0"/>
+              <a:rPr lang="ja-JP" altLang="en-US" sz="2000" dirty="0"/>
               <a:t>を系に与える場合、パラメータに「</a:t>
             </a:r>
             <a:r>
-              <a:rPr lang="en-US" altLang="ja-JP" sz="2000" dirty="0" smtClean="0"/>
+              <a:rPr lang="en-US" altLang="ja-JP" sz="2000" dirty="0"/>
               <a:t>-1</a:t>
             </a:r>
             <a:r>
-              <a:rPr lang="ja-JP" altLang="en-US" sz="2000" dirty="0" smtClean="0"/>
+              <a:rPr lang="ja-JP" altLang="en-US" sz="2000" dirty="0"/>
               <a:t>」とユーザーは入力しないといけません。</a:t>
             </a:r>
-            <a:endParaRPr lang="en-US" altLang="ja-JP" sz="2000" dirty="0" smtClean="0"/>
-          </a:p>
-          <a:p>
-            <a:r>
-              <a:rPr lang="ja-JP" altLang="en-US" sz="2000" dirty="0" smtClean="0"/>
-              <a:t>しかし、直感的</a:t>
-            </a:r>
+            <a:endParaRPr lang="en-US" altLang="ja-JP" sz="2000" dirty="0"/>
+          </a:p>
+          <a:p>
             <a:r>
               <a:rPr lang="ja-JP" altLang="en-US" sz="2000" dirty="0"/>
-              <a:t>ではない</a:t>
-            </a:r>
-            <a:r>
-              <a:rPr lang="ja-JP" altLang="en-US" sz="2000" dirty="0" smtClean="0"/>
-              <a:t>ためほとんど</a:t>
-            </a:r>
-            <a:r>
-              <a:rPr lang="ja-JP" altLang="en-US" sz="2000" dirty="0"/>
-              <a:t>のライブラリではユーザーの入力は正として</a:t>
+              <a:t>しかし、直感的ではないためほとんどのライブラリではユーザーの入力は正として</a:t>
             </a:r>
             <a:endParaRPr lang="en-US" altLang="ja-JP" sz="2000" dirty="0"/>
           </a:p>
@@ -24700,14 +24168,13 @@
           <a:lstStyle/>
           <a:p>
             <a:r>
-              <a:rPr lang="en-US" altLang="ja-JP" dirty="0" err="1" smtClean="0"/>
+              <a:rPr lang="en-US" altLang="ja-JP" dirty="0" err="1"/>
               <a:t>FixedHeatFlow</a:t>
             </a:r>
             <a:r>
-              <a:rPr lang="ja-JP" altLang="en-US" dirty="0" smtClean="0"/>
+              <a:rPr lang="ja-JP" altLang="en-US" dirty="0"/>
               <a:t>の計算式</a:t>
             </a:r>
-            <a:endParaRPr lang="ja-JP" altLang="en-US" dirty="0"/>
           </a:p>
         </p:txBody>
       </p:sp>
@@ -24721,13 +24188,6 @@
   <p:clrMapOvr>
     <a:masterClrMapping/>
   </p:clrMapOvr>
-  <p:timing>
-    <p:tnLst>
-      <p:par>
-        <p:cTn id="1" dur="indefinite" restart="never" nodeType="tmRoot"/>
-      </p:par>
-    </p:tnLst>
-  </p:timing>
 </p:sld>
 </file>
 
@@ -24773,7 +24233,7 @@
           </a:ln>
           <a:extLst>
             <a:ext uri="{C572A759-6A51-4108-AA02-DFA0A04FC94B}">
-              <ma14:wrappingTextBoxFlag xmlns="" xmlns:ma14="http://schemas.microsoft.com/office/mac/drawingml/2011/main" val="1"/>
+              <ma14:wrappingTextBoxFlag xmlns:ma14="http://schemas.microsoft.com/office/mac/drawingml/2011/main" xmlns="" val="1"/>
             </a:ext>
           </a:extLst>
         </p:spPr>
@@ -24793,18 +24253,14 @@
             </a:pPr>
             <a:r>
               <a:rPr lang="ja-JP" altLang="en-US" dirty="0"/>
-              <a:t>物理的な</a:t>
-            </a:r>
-            <a:r>
-              <a:rPr lang="ja-JP" altLang="en-US" dirty="0" smtClean="0"/>
-              <a:t>モデル </a:t>
-            </a:r>
-            <a:r>
-              <a:rPr lang="en-US" altLang="ja-JP" dirty="0" smtClean="0"/>
+              <a:t>物理的なモデル </a:t>
+            </a:r>
+            <a:r>
+              <a:rPr lang="en-US" altLang="ja-JP" dirty="0"/>
               <a:t>- </a:t>
             </a:r>
             <a:r>
-              <a:rPr lang="ja-JP" altLang="en-US" dirty="0" smtClean="0"/>
+              <a:rPr lang="ja-JP" altLang="en-US" dirty="0"/>
               <a:t>演習</a:t>
             </a:r>
             <a:endParaRPr lang="en-US" altLang="ja-JP" dirty="0"/>
@@ -25194,13 +24650,6 @@
   <p:clrMapOvr>
     <a:masterClrMapping/>
   </p:clrMapOvr>
-  <p:timing>
-    <p:tnLst>
-      <p:par>
-        <p:cTn id="1" dur="indefinite" restart="never" nodeType="tmRoot"/>
-      </p:par>
-    </p:tnLst>
-  </p:timing>
 </p:sld>
 </file>
 
@@ -25275,7 +24724,7 @@
           </a:ln>
           <a:extLst>
             <a:ext uri="{C572A759-6A51-4108-AA02-DFA0A04FC94B}">
-              <ma14:wrappingTextBoxFlag xmlns="" xmlns:ma14="http://schemas.microsoft.com/office/mac/drawingml/2011/main" val="1"/>
+              <ma14:wrappingTextBoxFlag xmlns:ma14="http://schemas.microsoft.com/office/mac/drawingml/2011/main" xmlns="" val="1"/>
             </a:ext>
           </a:extLst>
         </p:spPr>
@@ -25294,15 +24743,15 @@
               </a:defRPr>
             </a:pPr>
             <a:r>
-              <a:rPr lang="ja-JP" altLang="en-US" dirty="0" smtClean="0"/>
+              <a:rPr lang="ja-JP" altLang="en-US" dirty="0"/>
               <a:t>簡単なプラントモデルの作成 </a:t>
             </a:r>
             <a:r>
-              <a:rPr lang="en-US" altLang="ja-JP" dirty="0" smtClean="0"/>
+              <a:rPr lang="en-US" altLang="ja-JP" dirty="0"/>
               <a:t>- </a:t>
             </a:r>
             <a:r>
-              <a:rPr lang="ja-JP" altLang="en-US" dirty="0" smtClean="0"/>
+              <a:rPr lang="ja-JP" altLang="en-US" dirty="0"/>
               <a:t>演習</a:t>
             </a:r>
             <a:endParaRPr lang="en-US" altLang="ja-JP" dirty="0"/>
@@ -25337,32 +24786,20 @@
             </a:r>
             <a:r>
               <a:rPr lang="ja-JP" altLang="en-US" sz="2400" dirty="0"/>
-              <a:t>やオリジナルのモデルを</a:t>
-            </a:r>
-            <a:r>
-              <a:rPr lang="ja-JP" altLang="en-US" sz="2400" dirty="0" smtClean="0"/>
-              <a:t>使って</a:t>
-            </a:r>
-            <a:r>
-              <a:rPr kumimoji="1" lang="ja-JP" altLang="en-US" sz="2400" dirty="0" smtClean="0"/>
+              <a:t>やオリジナルのモデルを使って</a:t>
+            </a:r>
+            <a:r>
+              <a:rPr kumimoji="1" lang="ja-JP" altLang="en-US" sz="2400" dirty="0"/>
               <a:t>自分の興味ある物理現象を解析してみましょう</a:t>
             </a:r>
-            <a:endParaRPr kumimoji="1" lang="en-US" altLang="ja-JP" sz="2400" dirty="0" smtClean="0"/>
-          </a:p>
-          <a:p>
-            <a:r>
-              <a:rPr lang="ja-JP" altLang="en-US" sz="2400" dirty="0" smtClean="0"/>
-              <a:t>解</a:t>
-            </a:r>
+            <a:endParaRPr kumimoji="1" lang="en-US" altLang="ja-JP" sz="2400" dirty="0"/>
+          </a:p>
+          <a:p>
             <a:r>
               <a:rPr lang="ja-JP" altLang="en-US" sz="2400" dirty="0"/>
-              <a:t>答</a:t>
-            </a:r>
-            <a:r>
-              <a:rPr lang="ja-JP" altLang="en-US" sz="2400" dirty="0" smtClean="0"/>
-              <a:t>例は用意していないので自分の作成するモデルが答えになります</a:t>
-            </a:r>
-            <a:endParaRPr kumimoji="1" lang="ja-JP" altLang="en-US" sz="2400" dirty="0" smtClean="0"/>
+              <a:t>解答例は用意していないので自分の作成するモデルが答えになります</a:t>
+            </a:r>
+            <a:endParaRPr kumimoji="1" lang="ja-JP" altLang="en-US" sz="2400" dirty="0"/>
           </a:p>
         </p:txBody>
       </p:sp>
@@ -25376,13 +24813,6 @@
   <p:clrMapOvr>
     <a:masterClrMapping/>
   </p:clrMapOvr>
-  <p:timing>
-    <p:tnLst>
-      <p:par>
-        <p:cTn id="1" dur="indefinite" restart="never" nodeType="tmRoot"/>
-      </p:par>
-    </p:tnLst>
-  </p:timing>
 </p:sld>
 </file>
 
@@ -25457,7 +24887,7 @@
           </a:ln>
           <a:extLst>
             <a:ext uri="{C572A759-6A51-4108-AA02-DFA0A04FC94B}">
-              <ma14:wrappingTextBoxFlag xmlns="" xmlns:ma14="http://schemas.microsoft.com/office/mac/drawingml/2011/main" val="1"/>
+              <ma14:wrappingTextBoxFlag xmlns:ma14="http://schemas.microsoft.com/office/mac/drawingml/2011/main" xmlns="" val="1"/>
             </a:ext>
           </a:extLst>
         </p:spPr>
@@ -25521,13 +24951,9 @@
             </a:r>
             <a:r>
               <a:rPr kumimoji="1" lang="ja-JP" altLang="en-US" sz="2400" dirty="0"/>
-              <a:t>では物理現象をアクロス変数、フロー変数の関係式で</a:t>
-            </a:r>
-            <a:r>
-              <a:rPr kumimoji="1" lang="ja-JP" altLang="en-US" sz="2400" dirty="0" smtClean="0"/>
-              <a:t>表します</a:t>
-            </a:r>
-            <a:endParaRPr kumimoji="1" lang="en-US" altLang="ja-JP" sz="2400" dirty="0" smtClean="0"/>
+              <a:t>では物理現象をアクロス変数、フロー変数の関係式で表します</a:t>
+            </a:r>
+            <a:endParaRPr kumimoji="1" lang="en-US" altLang="ja-JP" sz="2400" dirty="0"/>
           </a:p>
           <a:p>
             <a:pPr marL="342900" indent="-342900" algn="l">
@@ -25552,8 +24978,8 @@
           </a:p>
         </p:txBody>
       </p:sp>
-      <mc:AlternateContent xmlns:mc="http://schemas.openxmlformats.org/markup-compatibility/2006">
-        <mc:Choice xmlns:a14="http://schemas.microsoft.com/office/drawing/2010/main" Requires="a14">
+      <mc:AlternateContent xmlns:mc="http://schemas.openxmlformats.org/markup-compatibility/2006" xmlns:a14="http://schemas.microsoft.com/office/drawing/2010/main">
+        <mc:Choice Requires="a14">
           <p:sp>
             <p:nvSpPr>
               <p:cNvPr id="6" name="テキスト ボックス 5">
@@ -25592,13 +25018,7 @@
                   <a:rPr kumimoji="1" lang="ja-JP" altLang="en-US" sz="2800" b="1" dirty="0">
                     <a:latin typeface="Cambria Math" panose="02040503050406030204" pitchFamily="18" charset="0"/>
                   </a:rPr>
-                  <a:t>ポテンシャルとフラックスの</a:t>
-                </a:r>
-                <a:r>
-                  <a:rPr kumimoji="1" lang="ja-JP" altLang="en-US" sz="2800" b="1" dirty="0" smtClean="0">
-                    <a:latin typeface="Cambria Math" panose="02040503050406030204" pitchFamily="18" charset="0"/>
-                  </a:rPr>
-                  <a:t>関係式の例</a:t>
+                  <a:t>ポテンシャルとフラックスの関係式の例</a:t>
                 </a:r>
                 <a:endParaRPr kumimoji="1" lang="en-US" altLang="ja-JP" sz="2800" b="1" dirty="0">
                   <a:latin typeface="Cambria Math" panose="02040503050406030204" pitchFamily="18" charset="0"/>
@@ -25717,7 +25137,7 @@
             </p:txBody>
           </p:sp>
         </mc:Choice>
-        <mc:Fallback>
+        <mc:Fallback xmlns="">
           <p:sp>
             <p:nvSpPr>
               <p:cNvPr id="6" name="テキスト ボックス 5">
@@ -25841,13 +25261,6 @@
   <p:clrMapOvr>
     <a:masterClrMapping/>
   </p:clrMapOvr>
-  <p:timing>
-    <p:tnLst>
-      <p:par>
-        <p:cTn id="1" dur="indefinite" restart="never" nodeType="tmRoot"/>
-      </p:par>
-    </p:tnLst>
-  </p:timing>
 </p:sld>
 </file>
 
@@ -25922,7 +25335,7 @@
           </a:ln>
           <a:extLst>
             <a:ext uri="{C572A759-6A51-4108-AA02-DFA0A04FC94B}">
-              <ma14:wrappingTextBoxFlag xmlns="" xmlns:ma14="http://schemas.microsoft.com/office/mac/drawingml/2011/main" val="1"/>
+              <ma14:wrappingTextBoxFlag xmlns:ma14="http://schemas.microsoft.com/office/mac/drawingml/2011/main" xmlns="" val="1"/>
             </a:ext>
           </a:extLst>
         </p:spPr>
@@ -25941,7 +25354,7 @@
               </a:defRPr>
             </a:pPr>
             <a:r>
-              <a:rPr lang="ja-JP" altLang="en-US" dirty="0" smtClean="0"/>
+              <a:rPr lang="ja-JP" altLang="en-US" dirty="0"/>
               <a:t>補足資料　　記号一覧表</a:t>
             </a:r>
             <a:endParaRPr lang="en-US" altLang="ja-JP" dirty="0"/>
@@ -25995,10 +25408,9 @@
                     <a:lstStyle/>
                     <a:p>
                       <a:r>
-                        <a:rPr kumimoji="1" lang="ja-JP" altLang="en-US" dirty="0" smtClean="0"/>
+                        <a:rPr kumimoji="1" lang="ja-JP" altLang="en-US" dirty="0"/>
                         <a:t>変数</a:t>
                       </a:r>
-                      <a:endParaRPr kumimoji="1" lang="ja-JP" altLang="en-US" dirty="0"/>
                     </a:p>
                   </a:txBody>
                   <a:tcPr/>
@@ -26009,10 +25421,9 @@
                     <a:lstStyle/>
                     <a:p>
                       <a:r>
-                        <a:rPr kumimoji="1" lang="ja-JP" altLang="en-US" dirty="0" smtClean="0"/>
+                        <a:rPr kumimoji="1" lang="ja-JP" altLang="en-US" dirty="0"/>
                         <a:t>記号</a:t>
                       </a:r>
-                      <a:endParaRPr kumimoji="1" lang="ja-JP" altLang="en-US" dirty="0"/>
                     </a:p>
                   </a:txBody>
                   <a:tcPr/>
@@ -26030,10 +25441,9 @@
                     <a:lstStyle/>
                     <a:p>
                       <a:r>
-                        <a:rPr kumimoji="1" lang="ja-JP" altLang="en-US" dirty="0" smtClean="0"/>
+                        <a:rPr kumimoji="1" lang="ja-JP" altLang="en-US" dirty="0"/>
                         <a:t>電気コンダクタンス</a:t>
                       </a:r>
-                      <a:endParaRPr kumimoji="1" lang="ja-JP" altLang="en-US" dirty="0"/>
                     </a:p>
                   </a:txBody>
                   <a:tcPr/>
@@ -26044,7 +25454,7 @@
                     <a:lstStyle/>
                     <a:p>
                       <a:r>
-                        <a:rPr kumimoji="1" lang="ja-JP" altLang="en-US" sz="1800" dirty="0" smtClean="0"/>
+                        <a:rPr kumimoji="1" lang="ja-JP" altLang="en-US" sz="1800" dirty="0"/>
                         <a:t>℧</a:t>
                       </a:r>
                       <a:endParaRPr kumimoji="1" lang="ja-JP" altLang="en-US" dirty="0"/>
@@ -26065,10 +25475,9 @@
                     <a:lstStyle/>
                     <a:p>
                       <a:r>
-                        <a:rPr kumimoji="1" lang="ja-JP" altLang="en-US" dirty="0" smtClean="0"/>
+                        <a:rPr kumimoji="1" lang="ja-JP" altLang="en-US" dirty="0"/>
                         <a:t>電圧降下</a:t>
                       </a:r>
-                      <a:endParaRPr kumimoji="1" lang="ja-JP" altLang="en-US" dirty="0"/>
                     </a:p>
                   </a:txBody>
                   <a:tcPr/>
@@ -26079,7 +25488,7 @@
                     <a:lstStyle/>
                     <a:p>
                       <a:r>
-                        <a:rPr kumimoji="1" lang="en-US" altLang="ja-JP" dirty="0" smtClean="0"/>
+                        <a:rPr kumimoji="1" lang="en-US" altLang="ja-JP" dirty="0"/>
                         <a:t>ΔV</a:t>
                       </a:r>
                       <a:endParaRPr kumimoji="1" lang="ja-JP" altLang="en-US" dirty="0"/>
@@ -26100,10 +25509,9 @@
                     <a:lstStyle/>
                     <a:p>
                       <a:r>
-                        <a:rPr kumimoji="1" lang="ja-JP" altLang="en-US" dirty="0" smtClean="0"/>
+                        <a:rPr kumimoji="1" lang="ja-JP" altLang="en-US" dirty="0"/>
                         <a:t>熱コンダクタンス</a:t>
                       </a:r>
-                      <a:endParaRPr kumimoji="1" lang="ja-JP" altLang="en-US" dirty="0"/>
                     </a:p>
                   </a:txBody>
                   <a:tcPr/>
@@ -26114,7 +25522,7 @@
                     <a:lstStyle/>
                     <a:p>
                       <a:r>
-                        <a:rPr kumimoji="1" lang="en-US" altLang="ja-JP" dirty="0" smtClean="0"/>
+                        <a:rPr kumimoji="1" lang="en-US" altLang="ja-JP" dirty="0"/>
                         <a:t>G</a:t>
                       </a:r>
                       <a:endParaRPr kumimoji="1" lang="ja-JP" altLang="en-US" dirty="0"/>
@@ -26135,10 +25543,9 @@
                     <a:lstStyle/>
                     <a:p>
                       <a:r>
-                        <a:rPr kumimoji="1" lang="ja-JP" altLang="en-US" dirty="0" smtClean="0"/>
+                        <a:rPr kumimoji="1" lang="ja-JP" altLang="en-US" dirty="0"/>
                         <a:t>温度勾配</a:t>
                       </a:r>
-                      <a:endParaRPr kumimoji="1" lang="ja-JP" altLang="en-US" dirty="0"/>
                     </a:p>
                   </a:txBody>
                   <a:tcPr/>
@@ -26149,7 +25556,7 @@
                     <a:lstStyle/>
                     <a:p>
                       <a:r>
-                        <a:rPr kumimoji="1" lang="en-US" altLang="ja-JP" dirty="0" smtClean="0"/>
+                        <a:rPr kumimoji="1" lang="en-US" altLang="ja-JP" dirty="0"/>
                         <a:t>ΔT</a:t>
                       </a:r>
                       <a:endParaRPr kumimoji="1" lang="ja-JP" altLang="en-US" dirty="0"/>
@@ -26170,10 +25577,9 @@
                     <a:lstStyle/>
                     <a:p>
                       <a:r>
-                        <a:rPr kumimoji="1" lang="ja-JP" altLang="en-US" dirty="0" smtClean="0"/>
+                        <a:rPr kumimoji="1" lang="ja-JP" altLang="en-US" dirty="0"/>
                         <a:t>密度</a:t>
                       </a:r>
-                      <a:endParaRPr kumimoji="1" lang="ja-JP" altLang="en-US" dirty="0"/>
                     </a:p>
                   </a:txBody>
                   <a:tcPr/>
@@ -26184,7 +25590,7 @@
                     <a:lstStyle/>
                     <a:p>
                       <a:r>
-                        <a:rPr kumimoji="1" lang="en-US" altLang="ja-JP" dirty="0" smtClean="0"/>
+                        <a:rPr kumimoji="1" lang="en-US" altLang="ja-JP" dirty="0"/>
                         <a:t>ρ</a:t>
                       </a:r>
                       <a:endParaRPr kumimoji="1" lang="ja-JP" altLang="en-US" dirty="0"/>
@@ -26205,10 +25611,9 @@
                     <a:lstStyle/>
                     <a:p>
                       <a:r>
-                        <a:rPr kumimoji="1" lang="ja-JP" altLang="en-US" dirty="0" smtClean="0"/>
+                        <a:rPr kumimoji="1" lang="ja-JP" altLang="en-US" dirty="0"/>
                         <a:t>損失係数</a:t>
                       </a:r>
-                      <a:endParaRPr kumimoji="1" lang="ja-JP" altLang="en-US" dirty="0"/>
                     </a:p>
                   </a:txBody>
                   <a:tcPr/>
@@ -26219,7 +25624,7 @@
                     <a:lstStyle/>
                     <a:p>
                       <a:r>
-                        <a:rPr kumimoji="1" lang="en-US" altLang="ja-JP" dirty="0" smtClean="0"/>
+                        <a:rPr kumimoji="1" lang="en-US" altLang="ja-JP" dirty="0"/>
                         <a:t>k</a:t>
                       </a:r>
                       <a:endParaRPr kumimoji="1" lang="ja-JP" altLang="en-US" dirty="0"/>
@@ -26257,10 +25662,10 @@
                         <a:defRPr/>
                       </a:pPr>
                       <a:r>
-                        <a:rPr kumimoji="1" lang="ja-JP" altLang="en-US" sz="1800" dirty="0" smtClean="0"/>
+                        <a:rPr kumimoji="1" lang="ja-JP" altLang="en-US" sz="1800" dirty="0"/>
                         <a:t>圧力勾配</a:t>
                       </a:r>
-                      <a:endParaRPr kumimoji="1" lang="en-US" altLang="ja-JP" sz="1800" dirty="0" smtClean="0"/>
+                      <a:endParaRPr kumimoji="1" lang="en-US" altLang="ja-JP" sz="1800" dirty="0"/>
                     </a:p>
                   </a:txBody>
                   <a:tcPr/>
@@ -26271,7 +25676,7 @@
                     <a:lstStyle/>
                     <a:p>
                       <a:r>
-                        <a:rPr kumimoji="1" lang="en-US" altLang="ja-JP" sz="1800" dirty="0" err="1" smtClean="0"/>
+                        <a:rPr kumimoji="1" lang="en-US" altLang="ja-JP" sz="1800" dirty="0" err="1"/>
                         <a:t>Δp</a:t>
                       </a:r>
                       <a:endParaRPr kumimoji="1" lang="ja-JP" altLang="en-US" dirty="0"/>
@@ -26309,10 +25714,10 @@
                         <a:defRPr/>
                       </a:pPr>
                       <a:r>
-                        <a:rPr lang="ja-JP" altLang="en-US" sz="1800" dirty="0" smtClean="0"/>
+                        <a:rPr lang="ja-JP" altLang="en-US" sz="1800" dirty="0"/>
                         <a:t>磁気抵抗</a:t>
                       </a:r>
-                      <a:endParaRPr lang="en-US" altLang="ja-JP" sz="1800" dirty="0" smtClean="0"/>
+                      <a:endParaRPr lang="en-US" altLang="ja-JP" sz="1800" dirty="0"/>
                     </a:p>
                   </a:txBody>
                   <a:tcPr/>
@@ -26323,11 +25728,11 @@
                     <a:lstStyle/>
                     <a:p>
                       <a:r>
-                        <a:rPr lang="en-US" altLang="ja-JP" sz="1800" dirty="0" smtClean="0"/>
+                        <a:rPr lang="en-US" altLang="ja-JP" sz="1800" dirty="0"/>
                         <a:t>R</a:t>
                       </a:r>
                       <a:r>
-                        <a:rPr lang="en-US" altLang="ja-JP" sz="1800" baseline="-25000" dirty="0" smtClean="0"/>
+                        <a:rPr lang="en-US" altLang="ja-JP" sz="1800" baseline="-25000" dirty="0"/>
                         <a:t>m</a:t>
                       </a:r>
                       <a:endParaRPr kumimoji="1" lang="ja-JP" altLang="en-US" dirty="0"/>
@@ -26365,10 +25770,10 @@
                         <a:defRPr/>
                       </a:pPr>
                       <a:r>
-                        <a:rPr kumimoji="1" lang="ja-JP" altLang="en-US" sz="1800" dirty="0" smtClean="0"/>
+                        <a:rPr kumimoji="1" lang="ja-JP" altLang="en-US" sz="1800" dirty="0"/>
                         <a:t>磁位の勾配</a:t>
                       </a:r>
-                      <a:endParaRPr kumimoji="1" lang="en-US" altLang="ja-JP" sz="1800" dirty="0" smtClean="0"/>
+                      <a:endParaRPr kumimoji="1" lang="en-US" altLang="ja-JP" sz="1800" dirty="0"/>
                     </a:p>
                   </a:txBody>
                   <a:tcPr/>
@@ -26379,11 +25784,11 @@
                     <a:lstStyle/>
                     <a:p>
                       <a:r>
-                        <a:rPr kumimoji="1" lang="en-US" altLang="ja-JP" sz="1800" dirty="0" err="1" smtClean="0"/>
+                        <a:rPr kumimoji="1" lang="en-US" altLang="ja-JP" sz="1800" dirty="0" err="1"/>
                         <a:t>ΔV</a:t>
                       </a:r>
                       <a:r>
-                        <a:rPr kumimoji="1" lang="en-US" altLang="ja-JP" sz="1800" baseline="-25000" dirty="0" err="1" smtClean="0"/>
+                        <a:rPr kumimoji="1" lang="en-US" altLang="ja-JP" sz="1800" baseline="-25000" dirty="0" err="1"/>
                         <a:t>m</a:t>
                       </a:r>
                       <a:endParaRPr kumimoji="1" lang="ja-JP" altLang="en-US" dirty="0"/>
@@ -26404,7 +25809,7 @@
                     <a:lstStyle/>
                     <a:p>
                       <a:r>
-                        <a:rPr kumimoji="1" lang="ja-JP" altLang="en-US" sz="1800" dirty="0" smtClean="0"/>
+                        <a:rPr kumimoji="1" lang="ja-JP" altLang="en-US" sz="1800" dirty="0"/>
                         <a:t>ばね剛性</a:t>
                       </a:r>
                       <a:endParaRPr kumimoji="1" lang="ja-JP" altLang="en-US" dirty="0"/>
@@ -26418,7 +25823,7 @@
                     <a:lstStyle/>
                     <a:p>
                       <a:r>
-                        <a:rPr lang="en-US" altLang="ja-JP" sz="1800" dirty="0" smtClean="0"/>
+                        <a:rPr lang="en-US" altLang="ja-JP" sz="1800" dirty="0"/>
                         <a:t>C</a:t>
                       </a:r>
                       <a:endParaRPr kumimoji="1" lang="ja-JP" altLang="en-US" dirty="0"/>
@@ -26439,10 +25844,9 @@
                     <a:lstStyle/>
                     <a:p>
                       <a:r>
-                        <a:rPr kumimoji="1" lang="ja-JP" altLang="en-US" dirty="0" smtClean="0"/>
+                        <a:rPr kumimoji="1" lang="ja-JP" altLang="en-US" dirty="0"/>
                         <a:t>変位</a:t>
                       </a:r>
-                      <a:endParaRPr kumimoji="1" lang="ja-JP" altLang="en-US" dirty="0"/>
                     </a:p>
                   </a:txBody>
                   <a:tcPr/>
@@ -26453,7 +25857,7 @@
                     <a:lstStyle/>
                     <a:p>
                       <a:r>
-                        <a:rPr kumimoji="1" lang="en-US" altLang="ja-JP" dirty="0" err="1" smtClean="0"/>
+                        <a:rPr kumimoji="1" lang="en-US" altLang="ja-JP" dirty="0" err="1"/>
                         <a:t>Δs</a:t>
                       </a:r>
                       <a:endParaRPr kumimoji="1" lang="ja-JP" altLang="en-US" dirty="0"/>
@@ -26474,10 +25878,9 @@
                     <a:lstStyle/>
                     <a:p>
                       <a:r>
-                        <a:rPr kumimoji="1" lang="ja-JP" altLang="en-US" dirty="0" smtClean="0"/>
+                        <a:rPr kumimoji="1" lang="ja-JP" altLang="en-US" dirty="0"/>
                         <a:t>イナーシャ</a:t>
                       </a:r>
-                      <a:endParaRPr kumimoji="1" lang="ja-JP" altLang="en-US" dirty="0"/>
                     </a:p>
                   </a:txBody>
                   <a:tcPr/>
@@ -26488,7 +25891,7 @@
                     <a:lstStyle/>
                     <a:p>
                       <a:r>
-                        <a:rPr kumimoji="1" lang="en-US" altLang="ja-JP" dirty="0" smtClean="0"/>
+                        <a:rPr kumimoji="1" lang="en-US" altLang="ja-JP" dirty="0"/>
                         <a:t>J</a:t>
                       </a:r>
                       <a:endParaRPr kumimoji="1" lang="ja-JP" altLang="en-US" dirty="0"/>
@@ -26516,13 +25919,6 @@
   <p:clrMapOvr>
     <a:masterClrMapping/>
   </p:clrMapOvr>
-  <p:timing>
-    <p:tnLst>
-      <p:par>
-        <p:cTn id="1" dur="indefinite" restart="never" nodeType="tmRoot"/>
-      </p:par>
-    </p:tnLst>
-  </p:timing>
 </p:sld>
 </file>
 
@@ -26591,7 +25987,7 @@
           </a:ln>
           <a:extLst>
             <a:ext uri="{C572A759-6A51-4108-AA02-DFA0A04FC94B}">
-              <ma14:wrappingTextBoxFlag xmlns="" xmlns:ma14="http://schemas.microsoft.com/office/mac/drawingml/2011/main" val="1"/>
+              <ma14:wrappingTextBoxFlag xmlns:ma14="http://schemas.microsoft.com/office/mac/drawingml/2011/main" xmlns="" val="1"/>
             </a:ext>
           </a:extLst>
         </p:spPr>
@@ -26610,7 +26006,7 @@
               </a:defRPr>
             </a:pPr>
             <a:r>
-              <a:rPr lang="ja-JP" altLang="en-US" dirty="0" smtClean="0"/>
+              <a:rPr lang="ja-JP" altLang="en-US" dirty="0"/>
               <a:t>参考資料</a:t>
             </a:r>
             <a:endParaRPr lang="en-US" altLang="ja-JP" dirty="0"/>
@@ -26641,18 +26037,14 @@
           <a:p>
             <a:r>
               <a:rPr lang="en-US" altLang="ja-JP" dirty="0"/>
-              <a:t>Michael M. </a:t>
-            </a:r>
-            <a:r>
-              <a:rPr lang="en-US" altLang="ja-JP" dirty="0" smtClean="0"/>
-              <a:t>Tiller, </a:t>
-            </a:r>
-            <a:r>
-              <a:rPr kumimoji="1" lang="en-US" altLang="ja-JP" sz="1600" dirty="0" err="1" smtClean="0"/>
+              <a:t>Michael M. Tiller, </a:t>
+            </a:r>
+            <a:r>
+              <a:rPr kumimoji="1" lang="en-US" altLang="ja-JP" sz="1600" dirty="0" err="1"/>
               <a:t>Modelica</a:t>
             </a:r>
             <a:r>
-              <a:rPr kumimoji="1" lang="en-US" altLang="ja-JP" sz="1600" dirty="0" smtClean="0"/>
+              <a:rPr kumimoji="1" lang="en-US" altLang="ja-JP" sz="1600" dirty="0"/>
               <a:t> by Example, </a:t>
             </a:r>
             <a:r>
@@ -26664,7 +26056,7 @@
             <a:endParaRPr lang="ja-JP" altLang="en-US" sz="1600" dirty="0"/>
           </a:p>
           <a:p>
-            <a:endParaRPr kumimoji="1" lang="ja-JP" altLang="en-US" sz="1600" dirty="0" smtClean="0"/>
+            <a:endParaRPr kumimoji="1" lang="ja-JP" altLang="en-US" sz="1600" dirty="0"/>
           </a:p>
         </p:txBody>
       </p:sp>
@@ -26723,7 +26115,7 @@
           </a:ln>
           <a:extLst>
             <a:ext uri="{C572A759-6A51-4108-AA02-DFA0A04FC94B}">
-              <ma14:wrappingTextBoxFlag xmlns="" xmlns:ma14="http://schemas.microsoft.com/office/mac/drawingml/2011/main" val="1"/>
+              <ma14:wrappingTextBoxFlag xmlns:ma14="http://schemas.microsoft.com/office/mac/drawingml/2011/main" xmlns="" val="1"/>
             </a:ext>
           </a:extLst>
         </p:spPr>
@@ -27365,13 +26757,6 @@
   <p:clrMapOvr>
     <a:masterClrMapping/>
   </p:clrMapOvr>
-  <p:timing>
-    <p:tnLst>
-      <p:par>
-        <p:cTn id="1" dur="indefinite" restart="never" nodeType="tmRoot"/>
-      </p:par>
-    </p:tnLst>
-  </p:timing>
 </p:sld>
 </file>
 
@@ -27417,7 +26802,7 @@
           </a:ln>
           <a:extLst>
             <a:ext uri="{C572A759-6A51-4108-AA02-DFA0A04FC94B}">
-              <ma14:wrappingTextBoxFlag xmlns="" xmlns:ma14="http://schemas.microsoft.com/office/mac/drawingml/2011/main" val="1"/>
+              <ma14:wrappingTextBoxFlag xmlns:ma14="http://schemas.microsoft.com/office/mac/drawingml/2011/main" xmlns="" val="1"/>
             </a:ext>
           </a:extLst>
         </p:spPr>
@@ -28205,13 +27590,6 @@
   <p:clrMapOvr>
     <a:masterClrMapping/>
   </p:clrMapOvr>
-  <p:timing>
-    <p:tnLst>
-      <p:par>
-        <p:cTn id="1" dur="indefinite" restart="never" nodeType="tmRoot"/>
-      </p:par>
-    </p:tnLst>
-  </p:timing>
 </p:sld>
 </file>
 
@@ -28257,7 +27635,7 @@
           </a:ln>
           <a:extLst>
             <a:ext uri="{C572A759-6A51-4108-AA02-DFA0A04FC94B}">
-              <ma14:wrappingTextBoxFlag xmlns="" xmlns:ma14="http://schemas.microsoft.com/office/mac/drawingml/2011/main" val="1"/>
+              <ma14:wrappingTextBoxFlag xmlns:ma14="http://schemas.microsoft.com/office/mac/drawingml/2011/main" xmlns="" val="1"/>
             </a:ext>
           </a:extLst>
         </p:spPr>
@@ -28415,7 +27793,7 @@
                     <a:lstStyle/>
                     <a:p>
                       <a:r>
-                        <a:rPr kumimoji="1" lang="ja-JP" altLang="en-US" sz="2400" baseline="0" dirty="0" smtClean="0"/>
+                        <a:rPr kumimoji="1" lang="ja-JP" altLang="en-US" sz="2400" baseline="0" dirty="0"/>
                         <a:t>物理ライブラリ</a:t>
                       </a:r>
                       <a:endParaRPr kumimoji="1" lang="ja-JP" altLang="en-US" sz="2400" baseline="30000" dirty="0"/>
@@ -29118,15 +28496,7 @@
                   <a:schemeClr val="tx1"/>
                 </a:solidFill>
               </a:rPr>
-              <a:t>既存ライブラリを上手く活用することで</a:t>
-            </a:r>
-            <a:r>
-              <a:rPr kumimoji="1" lang="ja-JP" altLang="en-US" sz="2400" dirty="0" smtClean="0">
-                <a:solidFill>
-                  <a:schemeClr val="tx1"/>
-                </a:solidFill>
-              </a:rPr>
-              <a:t>効率的にモデリング</a:t>
+              <a:t>既存ライブラリを上手く活用することで効率的にモデリング</a:t>
             </a:r>
             <a:endParaRPr kumimoji="1" lang="en-US" altLang="ja-JP" sz="2400" dirty="0">
               <a:solidFill>
@@ -29137,20 +28507,12 @@
           <a:p>
             <a:pPr algn="ctr"/>
             <a:r>
-              <a:rPr lang="ja-JP" altLang="en-US" sz="2400" dirty="0" smtClean="0">
-                <a:solidFill>
-                  <a:schemeClr val="tx1"/>
-                </a:solidFill>
-              </a:rPr>
-              <a:t>できま</a:t>
-            </a:r>
-            <a:r>
               <a:rPr lang="ja-JP" altLang="en-US" sz="2400" dirty="0">
                 <a:solidFill>
                   <a:schemeClr val="tx1"/>
                 </a:solidFill>
               </a:rPr>
-              <a:t>す</a:t>
+              <a:t>できます</a:t>
             </a:r>
             <a:endParaRPr kumimoji="1" lang="ja-JP" altLang="en-US" sz="2400" dirty="0">
               <a:solidFill>
@@ -29170,13 +28532,6 @@
   <p:clrMapOvr>
     <a:masterClrMapping/>
   </p:clrMapOvr>
-  <p:timing>
-    <p:tnLst>
-      <p:par>
-        <p:cTn id="1" dur="indefinite" restart="never" nodeType="tmRoot"/>
-      </p:par>
-    </p:tnLst>
-  </p:timing>
 </p:sld>
 </file>
 
@@ -29222,7 +28577,7 @@
           </a:ln>
           <a:extLst>
             <a:ext uri="{C572A759-6A51-4108-AA02-DFA0A04FC94B}">
-              <ma14:wrappingTextBoxFlag xmlns="" xmlns:ma14="http://schemas.microsoft.com/office/mac/drawingml/2011/main" val="1"/>
+              <ma14:wrappingTextBoxFlag xmlns:ma14="http://schemas.microsoft.com/office/mac/drawingml/2011/main" xmlns="" val="1"/>
             </a:ext>
           </a:extLst>
         </p:spPr>
@@ -29472,23 +28827,15 @@
             <a:pPr algn="l"/>
             <a:r>
               <a:rPr kumimoji="1" lang="ja-JP" altLang="en-US" sz="2400" dirty="0"/>
-              <a:t>計算の順序や境界</a:t>
-            </a:r>
-            <a:r>
-              <a:rPr kumimoji="1" lang="ja-JP" altLang="en-US" sz="2400" dirty="0" smtClean="0"/>
-              <a:t>条件</a:t>
+              <a:t>計算の順序や境界条件</a:t>
             </a:r>
             <a:r>
               <a:rPr lang="ja-JP" altLang="en-US" sz="2400" dirty="0"/>
               <a:t>の</a:t>
             </a:r>
             <a:r>
-              <a:rPr kumimoji="1" lang="ja-JP" altLang="en-US" sz="2400" dirty="0" smtClean="0"/>
-              <a:t>物理量</a:t>
-            </a:r>
-            <a:r>
               <a:rPr kumimoji="1" lang="ja-JP" altLang="en-US" sz="2400" dirty="0"/>
-              <a:t>に依存しない</a:t>
+              <a:t>物理量に依存しない</a:t>
             </a:r>
           </a:p>
         </p:txBody>
@@ -30016,13 +29363,6 @@
   <p:clrMapOvr>
     <a:masterClrMapping/>
   </p:clrMapOvr>
-  <p:timing>
-    <p:tnLst>
-      <p:par>
-        <p:cTn id="1" dur="indefinite" restart="never" nodeType="tmRoot"/>
-      </p:par>
-    </p:tnLst>
-  </p:timing>
 </p:sld>
 </file>
 
@@ -30125,7 +29465,7 @@
           </a:ln>
           <a:extLst>
             <a:ext uri="{C572A759-6A51-4108-AA02-DFA0A04FC94B}">
-              <ma14:wrappingTextBoxFlag xmlns="" xmlns:ma14="http://schemas.microsoft.com/office/mac/drawingml/2011/main" val="1"/>
+              <ma14:wrappingTextBoxFlag xmlns:ma14="http://schemas.microsoft.com/office/mac/drawingml/2011/main" xmlns="" val="1"/>
             </a:ext>
           </a:extLst>
         </p:spPr>
@@ -31009,13 +30349,6 @@
   <p:clrMapOvr>
     <a:masterClrMapping/>
   </p:clrMapOvr>
-  <p:timing>
-    <p:tnLst>
-      <p:par>
-        <p:cTn id="1" dur="indefinite" restart="never" nodeType="tmRoot"/>
-      </p:par>
-    </p:tnLst>
-  </p:timing>
 </p:sld>
 </file>
 
@@ -31148,7 +30481,7 @@
           </a:ln>
           <a:extLst>
             <a:ext uri="{C572A759-6A51-4108-AA02-DFA0A04FC94B}">
-              <ma14:wrappingTextBoxFlag xmlns="" xmlns:ma14="http://schemas.microsoft.com/office/mac/drawingml/2011/main" val="1"/>
+              <ma14:wrappingTextBoxFlag xmlns:ma14="http://schemas.microsoft.com/office/mac/drawingml/2011/main" xmlns="" val="1"/>
             </a:ext>
           </a:extLst>
         </p:spPr>
@@ -31906,13 +31239,6 @@
   <p:clrMapOvr>
     <a:masterClrMapping/>
   </p:clrMapOvr>
-  <p:timing>
-    <p:tnLst>
-      <p:par>
-        <p:cTn id="1" dur="indefinite" restart="never" nodeType="tmRoot"/>
-      </p:par>
-    </p:tnLst>
-  </p:timing>
 </p:sld>
 </file>
 
